--- a/卢老师论文汇报/1101汇报.pptx
+++ b/卢老师论文汇报/1101汇报.pptx
@@ -7,10 +7,25 @@
   <p:sldIdLst>
     <p:sldId id="275" r:id="rId2"/>
     <p:sldId id="276" r:id="rId3"/>
-    <p:sldId id="277" r:id="rId4"/>
-    <p:sldId id="278" r:id="rId5"/>
-    <p:sldId id="281" r:id="rId6"/>
-    <p:sldId id="282" r:id="rId7"/>
+    <p:sldId id="287" r:id="rId4"/>
+    <p:sldId id="277" r:id="rId5"/>
+    <p:sldId id="278" r:id="rId6"/>
+    <p:sldId id="281" r:id="rId7"/>
+    <p:sldId id="282" r:id="rId8"/>
+    <p:sldId id="283" r:id="rId9"/>
+    <p:sldId id="284" r:id="rId10"/>
+    <p:sldId id="285" r:id="rId11"/>
+    <p:sldId id="296" r:id="rId12"/>
+    <p:sldId id="297" r:id="rId13"/>
+    <p:sldId id="298" r:id="rId14"/>
+    <p:sldId id="288" r:id="rId15"/>
+    <p:sldId id="290" r:id="rId16"/>
+    <p:sldId id="291" r:id="rId17"/>
+    <p:sldId id="292" r:id="rId18"/>
+    <p:sldId id="299" r:id="rId19"/>
+    <p:sldId id="294" r:id="rId20"/>
+    <p:sldId id="300" r:id="rId21"/>
+    <p:sldId id="289" r:id="rId22"/>
   </p:sldIdLst>
   <p:sldSz cx="12192000" cy="6858000"/>
   <p:notesSz cx="6858000" cy="9144000"/>
@@ -109,6 +124,11 @@
       </a:defRPr>
     </a:lvl9pPr>
   </p:defaultTextStyle>
+  <p:extLst>
+    <p:ext uri="{EFAFB233-063F-42B5-8137-9DF3F51BA10A}">
+      <p15:sldGuideLst xmlns:p15="http://schemas.microsoft.com/office/powerpoint/2012/main"/>
+    </p:ext>
+  </p:extLst>
 </p:presentation>
 </file>
 
@@ -259,7 +279,7 @@
           <a:p>
             <a:fld id="{05D1DEA3-224F-45CD-ABFB-AAB1758CA7DD}" type="datetimeFigureOut">
               <a:rPr lang="zh-CN" altLang="en-US" smtClean="0"/>
-              <a:t>2023/10/25</a:t>
+              <a:t>2023/10/30</a:t>
             </a:fld>
             <a:endParaRPr lang="zh-CN" altLang="en-US"/>
           </a:p>
@@ -457,7 +477,7 @@
           <a:p>
             <a:fld id="{05D1DEA3-224F-45CD-ABFB-AAB1758CA7DD}" type="datetimeFigureOut">
               <a:rPr lang="zh-CN" altLang="en-US" smtClean="0"/>
-              <a:t>2023/10/25</a:t>
+              <a:t>2023/10/30</a:t>
             </a:fld>
             <a:endParaRPr lang="zh-CN" altLang="en-US"/>
           </a:p>
@@ -665,7 +685,7 @@
           <a:p>
             <a:fld id="{05D1DEA3-224F-45CD-ABFB-AAB1758CA7DD}" type="datetimeFigureOut">
               <a:rPr lang="zh-CN" altLang="en-US" smtClean="0"/>
-              <a:t>2023/10/25</a:t>
+              <a:t>2023/10/30</a:t>
             </a:fld>
             <a:endParaRPr lang="zh-CN" altLang="en-US"/>
           </a:p>
@@ -863,7 +883,7 @@
           <a:p>
             <a:fld id="{05D1DEA3-224F-45CD-ABFB-AAB1758CA7DD}" type="datetimeFigureOut">
               <a:rPr lang="zh-CN" altLang="en-US" smtClean="0"/>
-              <a:t>2023/10/25</a:t>
+              <a:t>2023/10/30</a:t>
             </a:fld>
             <a:endParaRPr lang="zh-CN" altLang="en-US"/>
           </a:p>
@@ -1138,7 +1158,7 @@
           <a:p>
             <a:fld id="{05D1DEA3-224F-45CD-ABFB-AAB1758CA7DD}" type="datetimeFigureOut">
               <a:rPr lang="zh-CN" altLang="en-US" smtClean="0"/>
-              <a:t>2023/10/25</a:t>
+              <a:t>2023/10/30</a:t>
             </a:fld>
             <a:endParaRPr lang="zh-CN" altLang="en-US"/>
           </a:p>
@@ -1403,7 +1423,7 @@
           <a:p>
             <a:fld id="{05D1DEA3-224F-45CD-ABFB-AAB1758CA7DD}" type="datetimeFigureOut">
               <a:rPr lang="zh-CN" altLang="en-US" smtClean="0"/>
-              <a:t>2023/10/25</a:t>
+              <a:t>2023/10/30</a:t>
             </a:fld>
             <a:endParaRPr lang="zh-CN" altLang="en-US"/>
           </a:p>
@@ -1815,7 +1835,7 @@
           <a:p>
             <a:fld id="{05D1DEA3-224F-45CD-ABFB-AAB1758CA7DD}" type="datetimeFigureOut">
               <a:rPr lang="zh-CN" altLang="en-US" smtClean="0"/>
-              <a:t>2023/10/25</a:t>
+              <a:t>2023/10/30</a:t>
             </a:fld>
             <a:endParaRPr lang="zh-CN" altLang="en-US"/>
           </a:p>
@@ -1956,7 +1976,7 @@
           <a:p>
             <a:fld id="{05D1DEA3-224F-45CD-ABFB-AAB1758CA7DD}" type="datetimeFigureOut">
               <a:rPr lang="zh-CN" altLang="en-US" smtClean="0"/>
-              <a:t>2023/10/25</a:t>
+              <a:t>2023/10/30</a:t>
             </a:fld>
             <a:endParaRPr lang="zh-CN" altLang="en-US"/>
           </a:p>
@@ -2069,7 +2089,7 @@
           <a:p>
             <a:fld id="{05D1DEA3-224F-45CD-ABFB-AAB1758CA7DD}" type="datetimeFigureOut">
               <a:rPr lang="zh-CN" altLang="en-US" smtClean="0"/>
-              <a:t>2023/10/25</a:t>
+              <a:t>2023/10/30</a:t>
             </a:fld>
             <a:endParaRPr lang="zh-CN" altLang="en-US"/>
           </a:p>
@@ -2380,7 +2400,7 @@
           <a:p>
             <a:fld id="{05D1DEA3-224F-45CD-ABFB-AAB1758CA7DD}" type="datetimeFigureOut">
               <a:rPr lang="zh-CN" altLang="en-US" smtClean="0"/>
-              <a:t>2023/10/25</a:t>
+              <a:t>2023/10/30</a:t>
             </a:fld>
             <a:endParaRPr lang="zh-CN" altLang="en-US"/>
           </a:p>
@@ -2668,7 +2688,7 @@
           <a:p>
             <a:fld id="{05D1DEA3-224F-45CD-ABFB-AAB1758CA7DD}" type="datetimeFigureOut">
               <a:rPr lang="zh-CN" altLang="en-US" smtClean="0"/>
-              <a:t>2023/10/25</a:t>
+              <a:t>2023/10/30</a:t>
             </a:fld>
             <a:endParaRPr lang="zh-CN" altLang="en-US"/>
           </a:p>
@@ -2909,7 +2929,7 @@
           <a:p>
             <a:fld id="{05D1DEA3-224F-45CD-ABFB-AAB1758CA7DD}" type="datetimeFigureOut">
               <a:rPr lang="zh-CN" altLang="en-US" smtClean="0"/>
-              <a:t>2023/10/25</a:t>
+              <a:t>2023/10/30</a:t>
             </a:fld>
             <a:endParaRPr lang="zh-CN" altLang="en-US"/>
           </a:p>
@@ -3428,6 +3448,4428 @@
 </p:sld>
 </file>
 
+<file path=ppt/slides/slide10.xml><?xml version="1.0" encoding="utf-8"?>
+<p:sld xmlns:a="http://schemas.openxmlformats.org/drawingml/2006/main" xmlns:r="http://schemas.openxmlformats.org/officeDocument/2006/relationships" xmlns:p="http://schemas.openxmlformats.org/presentationml/2006/main">
+  <p:cSld>
+    <p:spTree>
+      <p:nvGrpSpPr>
+        <p:cNvPr id="1" name=""/>
+        <p:cNvGrpSpPr/>
+        <p:nvPr/>
+      </p:nvGrpSpPr>
+      <p:grpSpPr>
+        <a:xfrm>
+          <a:off x="0" y="0"/>
+          <a:ext cx="0" cy="0"/>
+          <a:chOff x="0" y="0"/>
+          <a:chExt cx="0" cy="0"/>
+        </a:xfrm>
+      </p:grpSpPr>
+      <p:sp>
+        <p:nvSpPr>
+          <p:cNvPr id="3" name="矩形: 圆角 2">
+            <a:extLst>
+              <a:ext uri="{FF2B5EF4-FFF2-40B4-BE49-F238E27FC236}">
+                <a16:creationId xmlns:a16="http://schemas.microsoft.com/office/drawing/2014/main" id="{B9AC4382-001A-7E4E-DAF0-12A203203A77}"/>
+              </a:ext>
+            </a:extLst>
+          </p:cNvPr>
+          <p:cNvSpPr/>
+          <p:nvPr/>
+        </p:nvSpPr>
+        <p:spPr>
+          <a:xfrm>
+            <a:off x="1058105" y="459255"/>
+            <a:ext cx="9925177" cy="5527477"/>
+          </a:xfrm>
+          <a:prstGeom prst="roundRect">
+            <a:avLst/>
+          </a:prstGeom>
+          <a:solidFill>
+            <a:schemeClr val="tx2">
+              <a:lumMod val="20000"/>
+              <a:lumOff val="80000"/>
+            </a:schemeClr>
+          </a:solidFill>
+          <a:ln>
+            <a:solidFill>
+              <a:schemeClr val="tx1"/>
+            </a:solidFill>
+          </a:ln>
+          <a:effectLst>
+            <a:outerShdw blurRad="50800" dist="38100" dir="2700000" algn="tl" rotWithShape="0">
+              <a:prstClr val="black">
+                <a:alpha val="40000"/>
+              </a:prstClr>
+            </a:outerShdw>
+          </a:effectLst>
+        </p:spPr>
+        <p:style>
+          <a:lnRef idx="2">
+            <a:schemeClr val="accent1">
+              <a:shade val="15000"/>
+            </a:schemeClr>
+          </a:lnRef>
+          <a:fillRef idx="1">
+            <a:schemeClr val="accent1"/>
+          </a:fillRef>
+          <a:effectRef idx="0">
+            <a:schemeClr val="accent1"/>
+          </a:effectRef>
+          <a:fontRef idx="minor">
+            <a:schemeClr val="lt1"/>
+          </a:fontRef>
+        </p:style>
+        <p:txBody>
+          <a:bodyPr rtlCol="0" anchor="ctr"/>
+          <a:lstStyle/>
+          <a:p>
+            <a:pPr algn="ctr"/>
+            <a:endParaRPr lang="zh-CN" altLang="en-US" dirty="0"/>
+          </a:p>
+        </p:txBody>
+      </p:sp>
+      <p:sp>
+        <p:nvSpPr>
+          <p:cNvPr id="5" name="椭圆 4">
+            <a:extLst>
+              <a:ext uri="{FF2B5EF4-FFF2-40B4-BE49-F238E27FC236}">
+                <a16:creationId xmlns:a16="http://schemas.microsoft.com/office/drawing/2014/main" id="{C7E278BD-D850-A406-5BB1-3A9C6C318871}"/>
+              </a:ext>
+            </a:extLst>
+          </p:cNvPr>
+          <p:cNvSpPr/>
+          <p:nvPr/>
+        </p:nvSpPr>
+        <p:spPr>
+          <a:xfrm>
+            <a:off x="1112218" y="2635795"/>
+            <a:ext cx="904090" cy="1361617"/>
+          </a:xfrm>
+          <a:prstGeom prst="ellipse">
+            <a:avLst/>
+          </a:prstGeom>
+          <a:solidFill>
+            <a:schemeClr val="accent1">
+              <a:lumMod val="40000"/>
+              <a:lumOff val="60000"/>
+            </a:schemeClr>
+          </a:solidFill>
+        </p:spPr>
+        <p:style>
+          <a:lnRef idx="2">
+            <a:schemeClr val="accent1">
+              <a:shade val="15000"/>
+            </a:schemeClr>
+          </a:lnRef>
+          <a:fillRef idx="1">
+            <a:schemeClr val="accent1"/>
+          </a:fillRef>
+          <a:effectRef idx="0">
+            <a:schemeClr val="accent1"/>
+          </a:effectRef>
+          <a:fontRef idx="minor">
+            <a:schemeClr val="lt1"/>
+          </a:fontRef>
+        </p:style>
+        <p:txBody>
+          <a:bodyPr rtlCol="0" anchor="ctr"/>
+          <a:lstStyle/>
+          <a:p>
+            <a:pPr algn="ctr"/>
+            <a:r>
+              <a:rPr lang="zh-CN" altLang="en-US" sz="1400" dirty="0"/>
+              <a:t>完全自适应模态分解</a:t>
+            </a:r>
+          </a:p>
+        </p:txBody>
+      </p:sp>
+      <p:sp>
+        <p:nvSpPr>
+          <p:cNvPr id="6" name="矩形: 圆角 5">
+            <a:extLst>
+              <a:ext uri="{FF2B5EF4-FFF2-40B4-BE49-F238E27FC236}">
+                <a16:creationId xmlns:a16="http://schemas.microsoft.com/office/drawing/2014/main" id="{2E3BB581-CAB2-9CA4-1888-A193DABE7630}"/>
+              </a:ext>
+            </a:extLst>
+          </p:cNvPr>
+          <p:cNvSpPr/>
+          <p:nvPr/>
+        </p:nvSpPr>
+        <p:spPr>
+          <a:xfrm>
+            <a:off x="10702" y="3103659"/>
+            <a:ext cx="718517" cy="469567"/>
+          </a:xfrm>
+          <a:prstGeom prst="roundRect">
+            <a:avLst/>
+          </a:prstGeom>
+          <a:solidFill>
+            <a:schemeClr val="accent1">
+              <a:lumMod val="40000"/>
+              <a:lumOff val="60000"/>
+            </a:schemeClr>
+          </a:solidFill>
+        </p:spPr>
+        <p:style>
+          <a:lnRef idx="2">
+            <a:schemeClr val="accent1">
+              <a:shade val="15000"/>
+            </a:schemeClr>
+          </a:lnRef>
+          <a:fillRef idx="1">
+            <a:schemeClr val="accent1"/>
+          </a:fillRef>
+          <a:effectRef idx="0">
+            <a:schemeClr val="accent1"/>
+          </a:effectRef>
+          <a:fontRef idx="minor">
+            <a:schemeClr val="lt1"/>
+          </a:fontRef>
+        </p:style>
+        <p:txBody>
+          <a:bodyPr rtlCol="0" anchor="ctr"/>
+          <a:lstStyle/>
+          <a:p>
+            <a:pPr algn="ctr"/>
+            <a:r>
+              <a:rPr lang="en-US" altLang="zh-CN" dirty="0"/>
+              <a:t>HI</a:t>
+            </a:r>
+            <a:endParaRPr lang="zh-CN" altLang="en-US" dirty="0"/>
+          </a:p>
+        </p:txBody>
+      </p:sp>
+      <p:sp>
+        <p:nvSpPr>
+          <p:cNvPr id="8" name="矩形: 圆角 7">
+            <a:extLst>
+              <a:ext uri="{FF2B5EF4-FFF2-40B4-BE49-F238E27FC236}">
+                <a16:creationId xmlns:a16="http://schemas.microsoft.com/office/drawing/2014/main" id="{D4DC892F-F11C-923D-03C9-268078FB67D0}"/>
+              </a:ext>
+            </a:extLst>
+          </p:cNvPr>
+          <p:cNvSpPr/>
+          <p:nvPr/>
+        </p:nvSpPr>
+        <p:spPr>
+          <a:xfrm>
+            <a:off x="2760176" y="2036514"/>
+            <a:ext cx="753375" cy="362309"/>
+          </a:xfrm>
+          <a:prstGeom prst="roundRect">
+            <a:avLst/>
+          </a:prstGeom>
+          <a:solidFill>
+            <a:schemeClr val="accent1">
+              <a:lumMod val="40000"/>
+              <a:lumOff val="60000"/>
+            </a:schemeClr>
+          </a:solidFill>
+        </p:spPr>
+        <p:style>
+          <a:lnRef idx="2">
+            <a:schemeClr val="accent1">
+              <a:shade val="15000"/>
+            </a:schemeClr>
+          </a:lnRef>
+          <a:fillRef idx="1">
+            <a:schemeClr val="accent1"/>
+          </a:fillRef>
+          <a:effectRef idx="0">
+            <a:schemeClr val="accent1"/>
+          </a:effectRef>
+          <a:fontRef idx="minor">
+            <a:schemeClr val="lt1"/>
+          </a:fontRef>
+        </p:style>
+        <p:txBody>
+          <a:bodyPr rtlCol="0" anchor="ctr"/>
+          <a:lstStyle/>
+          <a:p>
+            <a:pPr algn="ctr"/>
+            <a:r>
+              <a:rPr lang="en-US" altLang="zh-CN" dirty="0"/>
+              <a:t>IMF1</a:t>
+            </a:r>
+            <a:endParaRPr lang="zh-CN" altLang="en-US" dirty="0"/>
+          </a:p>
+        </p:txBody>
+      </p:sp>
+      <p:sp>
+        <p:nvSpPr>
+          <p:cNvPr id="9" name="矩形: 圆角 8">
+            <a:extLst>
+              <a:ext uri="{FF2B5EF4-FFF2-40B4-BE49-F238E27FC236}">
+                <a16:creationId xmlns:a16="http://schemas.microsoft.com/office/drawing/2014/main" id="{79097161-77C4-287B-6FA1-F234012DCACE}"/>
+              </a:ext>
+            </a:extLst>
+          </p:cNvPr>
+          <p:cNvSpPr/>
+          <p:nvPr/>
+        </p:nvSpPr>
+        <p:spPr>
+          <a:xfrm>
+            <a:off x="2783520" y="2671896"/>
+            <a:ext cx="753375" cy="362309"/>
+          </a:xfrm>
+          <a:prstGeom prst="roundRect">
+            <a:avLst/>
+          </a:prstGeom>
+          <a:solidFill>
+            <a:schemeClr val="accent1">
+              <a:lumMod val="40000"/>
+              <a:lumOff val="60000"/>
+            </a:schemeClr>
+          </a:solidFill>
+        </p:spPr>
+        <p:style>
+          <a:lnRef idx="2">
+            <a:schemeClr val="accent1">
+              <a:shade val="15000"/>
+            </a:schemeClr>
+          </a:lnRef>
+          <a:fillRef idx="1">
+            <a:schemeClr val="accent1"/>
+          </a:fillRef>
+          <a:effectRef idx="0">
+            <a:schemeClr val="accent1"/>
+          </a:effectRef>
+          <a:fontRef idx="minor">
+            <a:schemeClr val="lt1"/>
+          </a:fontRef>
+        </p:style>
+        <p:txBody>
+          <a:bodyPr rtlCol="0" anchor="ctr"/>
+          <a:lstStyle/>
+          <a:p>
+            <a:pPr algn="ctr"/>
+            <a:r>
+              <a:rPr lang="en-US" altLang="zh-CN" dirty="0"/>
+              <a:t>IMF2</a:t>
+            </a:r>
+            <a:endParaRPr lang="zh-CN" altLang="en-US" dirty="0"/>
+          </a:p>
+        </p:txBody>
+      </p:sp>
+      <p:sp>
+        <p:nvSpPr>
+          <p:cNvPr id="10" name="矩形: 圆角 9">
+            <a:extLst>
+              <a:ext uri="{FF2B5EF4-FFF2-40B4-BE49-F238E27FC236}">
+                <a16:creationId xmlns:a16="http://schemas.microsoft.com/office/drawing/2014/main" id="{781F25D5-5BC7-E37B-C3B8-4F3E4E3048CA}"/>
+              </a:ext>
+            </a:extLst>
+          </p:cNvPr>
+          <p:cNvSpPr/>
+          <p:nvPr/>
+        </p:nvSpPr>
+        <p:spPr>
+          <a:xfrm>
+            <a:off x="2760176" y="4198899"/>
+            <a:ext cx="753375" cy="362309"/>
+          </a:xfrm>
+          <a:prstGeom prst="roundRect">
+            <a:avLst/>
+          </a:prstGeom>
+          <a:solidFill>
+            <a:schemeClr val="accent1">
+              <a:lumMod val="40000"/>
+              <a:lumOff val="60000"/>
+            </a:schemeClr>
+          </a:solidFill>
+        </p:spPr>
+        <p:style>
+          <a:lnRef idx="2">
+            <a:schemeClr val="accent1">
+              <a:shade val="15000"/>
+            </a:schemeClr>
+          </a:lnRef>
+          <a:fillRef idx="1">
+            <a:schemeClr val="accent1"/>
+          </a:fillRef>
+          <a:effectRef idx="0">
+            <a:schemeClr val="accent1"/>
+          </a:effectRef>
+          <a:fontRef idx="minor">
+            <a:schemeClr val="lt1"/>
+          </a:fontRef>
+        </p:style>
+        <p:txBody>
+          <a:bodyPr rtlCol="0" anchor="ctr"/>
+          <a:lstStyle/>
+          <a:p>
+            <a:pPr algn="ctr"/>
+            <a:r>
+              <a:rPr lang="en-US" altLang="zh-CN" dirty="0"/>
+              <a:t>IMFN</a:t>
+            </a:r>
+            <a:endParaRPr lang="zh-CN" altLang="en-US" dirty="0"/>
+          </a:p>
+        </p:txBody>
+      </p:sp>
+      <p:sp>
+        <p:nvSpPr>
+          <p:cNvPr id="11" name="矩形: 圆角 10">
+            <a:extLst>
+              <a:ext uri="{FF2B5EF4-FFF2-40B4-BE49-F238E27FC236}">
+                <a16:creationId xmlns:a16="http://schemas.microsoft.com/office/drawing/2014/main" id="{FEE14FF4-A245-A1B2-C508-C597C55B8D15}"/>
+              </a:ext>
+            </a:extLst>
+          </p:cNvPr>
+          <p:cNvSpPr/>
+          <p:nvPr/>
+        </p:nvSpPr>
+        <p:spPr>
+          <a:xfrm>
+            <a:off x="5242020" y="2499317"/>
+            <a:ext cx="795575" cy="362309"/>
+          </a:xfrm>
+          <a:prstGeom prst="roundRect">
+            <a:avLst/>
+          </a:prstGeom>
+          <a:solidFill>
+            <a:schemeClr val="accent1">
+              <a:lumMod val="40000"/>
+              <a:lumOff val="60000"/>
+            </a:schemeClr>
+          </a:solidFill>
+        </p:spPr>
+        <p:style>
+          <a:lnRef idx="2">
+            <a:schemeClr val="accent1">
+              <a:shade val="15000"/>
+            </a:schemeClr>
+          </a:lnRef>
+          <a:fillRef idx="1">
+            <a:schemeClr val="accent1"/>
+          </a:fillRef>
+          <a:effectRef idx="0">
+            <a:schemeClr val="accent1"/>
+          </a:effectRef>
+          <a:fontRef idx="minor">
+            <a:schemeClr val="lt1"/>
+          </a:fontRef>
+        </p:style>
+        <p:txBody>
+          <a:bodyPr rtlCol="0" anchor="ctr"/>
+          <a:lstStyle/>
+          <a:p>
+            <a:pPr algn="ctr"/>
+            <a:r>
+              <a:rPr lang="en-US" altLang="zh-CN" dirty="0"/>
+              <a:t>NHI1</a:t>
+            </a:r>
+            <a:endParaRPr lang="zh-CN" altLang="en-US" dirty="0"/>
+          </a:p>
+        </p:txBody>
+      </p:sp>
+      <p:sp>
+        <p:nvSpPr>
+          <p:cNvPr id="12" name="矩形: 圆角 11">
+            <a:extLst>
+              <a:ext uri="{FF2B5EF4-FFF2-40B4-BE49-F238E27FC236}">
+                <a16:creationId xmlns:a16="http://schemas.microsoft.com/office/drawing/2014/main" id="{24C6D301-71ED-8678-D95E-758A0291C878}"/>
+              </a:ext>
+            </a:extLst>
+          </p:cNvPr>
+          <p:cNvSpPr/>
+          <p:nvPr/>
+        </p:nvSpPr>
+        <p:spPr>
+          <a:xfrm>
+            <a:off x="5239745" y="3874250"/>
+            <a:ext cx="795575" cy="362309"/>
+          </a:xfrm>
+          <a:prstGeom prst="roundRect">
+            <a:avLst/>
+          </a:prstGeom>
+          <a:solidFill>
+            <a:schemeClr val="accent1">
+              <a:lumMod val="40000"/>
+              <a:lumOff val="60000"/>
+            </a:schemeClr>
+          </a:solidFill>
+        </p:spPr>
+        <p:style>
+          <a:lnRef idx="2">
+            <a:schemeClr val="accent1">
+              <a:shade val="15000"/>
+            </a:schemeClr>
+          </a:lnRef>
+          <a:fillRef idx="1">
+            <a:schemeClr val="accent1"/>
+          </a:fillRef>
+          <a:effectRef idx="0">
+            <a:schemeClr val="accent1"/>
+          </a:effectRef>
+          <a:fontRef idx="minor">
+            <a:schemeClr val="lt1"/>
+          </a:fontRef>
+        </p:style>
+        <p:txBody>
+          <a:bodyPr rtlCol="0" anchor="ctr"/>
+          <a:lstStyle/>
+          <a:p>
+            <a:pPr algn="ctr"/>
+            <a:r>
+              <a:rPr lang="en-US" altLang="zh-CN" dirty="0" err="1"/>
+              <a:t>NHIn</a:t>
+            </a:r>
+            <a:endParaRPr lang="zh-CN" altLang="en-US" dirty="0"/>
+          </a:p>
+        </p:txBody>
+      </p:sp>
+      <p:sp>
+        <p:nvSpPr>
+          <p:cNvPr id="21" name="箭头: 右 20">
+            <a:extLst>
+              <a:ext uri="{FF2B5EF4-FFF2-40B4-BE49-F238E27FC236}">
+                <a16:creationId xmlns:a16="http://schemas.microsoft.com/office/drawing/2014/main" id="{7DF70462-46CA-8D4A-2A6A-1B9C0EDC2564}"/>
+              </a:ext>
+            </a:extLst>
+          </p:cNvPr>
+          <p:cNvSpPr/>
+          <p:nvPr/>
+        </p:nvSpPr>
+        <p:spPr>
+          <a:xfrm>
+            <a:off x="4823489" y="3209675"/>
+            <a:ext cx="300635" cy="362308"/>
+          </a:xfrm>
+          <a:prstGeom prst="rightArrow">
+            <a:avLst>
+              <a:gd name="adj1" fmla="val 50000"/>
+              <a:gd name="adj2" fmla="val 50000"/>
+            </a:avLst>
+          </a:prstGeom>
+          <a:solidFill>
+            <a:schemeClr val="accent1">
+              <a:lumMod val="40000"/>
+              <a:lumOff val="60000"/>
+            </a:schemeClr>
+          </a:solidFill>
+        </p:spPr>
+        <p:style>
+          <a:lnRef idx="2">
+            <a:schemeClr val="accent1">
+              <a:shade val="15000"/>
+            </a:schemeClr>
+          </a:lnRef>
+          <a:fillRef idx="1">
+            <a:schemeClr val="accent1"/>
+          </a:fillRef>
+          <a:effectRef idx="0">
+            <a:schemeClr val="accent1"/>
+          </a:effectRef>
+          <a:fontRef idx="minor">
+            <a:schemeClr val="lt1"/>
+          </a:fontRef>
+        </p:style>
+        <p:txBody>
+          <a:bodyPr rtlCol="0" anchor="ctr"/>
+          <a:lstStyle/>
+          <a:p>
+            <a:pPr algn="ctr"/>
+            <a:endParaRPr lang="zh-CN" altLang="en-US"/>
+          </a:p>
+        </p:txBody>
+      </p:sp>
+      <p:sp>
+        <p:nvSpPr>
+          <p:cNvPr id="22" name="箭头: 右 21">
+            <a:extLst>
+              <a:ext uri="{FF2B5EF4-FFF2-40B4-BE49-F238E27FC236}">
+                <a16:creationId xmlns:a16="http://schemas.microsoft.com/office/drawing/2014/main" id="{03F80D58-792D-834B-B5F4-DEBFDB2D05E4}"/>
+              </a:ext>
+            </a:extLst>
+          </p:cNvPr>
+          <p:cNvSpPr/>
+          <p:nvPr/>
+        </p:nvSpPr>
+        <p:spPr>
+          <a:xfrm>
+            <a:off x="3672232" y="3196830"/>
+            <a:ext cx="442246" cy="362309"/>
+          </a:xfrm>
+          <a:prstGeom prst="rightArrow">
+            <a:avLst/>
+          </a:prstGeom>
+          <a:solidFill>
+            <a:schemeClr val="accent1">
+              <a:lumMod val="40000"/>
+              <a:lumOff val="60000"/>
+            </a:schemeClr>
+          </a:solidFill>
+          <a:ln>
+            <a:solidFill>
+              <a:schemeClr val="tx1"/>
+            </a:solidFill>
+          </a:ln>
+        </p:spPr>
+        <p:style>
+          <a:lnRef idx="2">
+            <a:schemeClr val="accent1">
+              <a:shade val="15000"/>
+            </a:schemeClr>
+          </a:lnRef>
+          <a:fillRef idx="1">
+            <a:schemeClr val="accent1"/>
+          </a:fillRef>
+          <a:effectRef idx="0">
+            <a:schemeClr val="accent1"/>
+          </a:effectRef>
+          <a:fontRef idx="minor">
+            <a:schemeClr val="lt1"/>
+          </a:fontRef>
+        </p:style>
+        <p:txBody>
+          <a:bodyPr rtlCol="0" anchor="ctr"/>
+          <a:lstStyle/>
+          <a:p>
+            <a:pPr algn="ctr"/>
+            <a:endParaRPr lang="zh-CN" altLang="en-US"/>
+          </a:p>
+        </p:txBody>
+      </p:sp>
+      <p:sp>
+        <p:nvSpPr>
+          <p:cNvPr id="23" name="椭圆 22">
+            <a:extLst>
+              <a:ext uri="{FF2B5EF4-FFF2-40B4-BE49-F238E27FC236}">
+                <a16:creationId xmlns:a16="http://schemas.microsoft.com/office/drawing/2014/main" id="{620A7E46-24B0-AE09-A968-5C4F0FA1AF14}"/>
+              </a:ext>
+            </a:extLst>
+          </p:cNvPr>
+          <p:cNvSpPr/>
+          <p:nvPr/>
+        </p:nvSpPr>
+        <p:spPr>
+          <a:xfrm>
+            <a:off x="7020946" y="3380816"/>
+            <a:ext cx="1115843" cy="493434"/>
+          </a:xfrm>
+          <a:prstGeom prst="ellipse">
+            <a:avLst/>
+          </a:prstGeom>
+          <a:solidFill>
+            <a:schemeClr val="accent1">
+              <a:lumMod val="40000"/>
+              <a:lumOff val="60000"/>
+            </a:schemeClr>
+          </a:solidFill>
+        </p:spPr>
+        <p:style>
+          <a:lnRef idx="2">
+            <a:schemeClr val="accent1">
+              <a:shade val="15000"/>
+            </a:schemeClr>
+          </a:lnRef>
+          <a:fillRef idx="1">
+            <a:schemeClr val="accent1"/>
+          </a:fillRef>
+          <a:effectRef idx="0">
+            <a:schemeClr val="accent1"/>
+          </a:effectRef>
+          <a:fontRef idx="minor">
+            <a:schemeClr val="lt1"/>
+          </a:fontRef>
+        </p:style>
+        <p:txBody>
+          <a:bodyPr rtlCol="0" anchor="ctr"/>
+          <a:lstStyle/>
+          <a:p>
+            <a:pPr algn="ctr"/>
+            <a:r>
+              <a:rPr lang="en-US" altLang="zh-CN" sz="1400" b="0" i="0" dirty="0">
+                <a:solidFill>
+                  <a:srgbClr val="333333"/>
+                </a:solidFill>
+                <a:effectLst/>
+                <a:latin typeface="-apple-system"/>
+              </a:rPr>
+              <a:t>CART</a:t>
+            </a:r>
+            <a:r>
+              <a:rPr lang="zh-CN" altLang="en-US" sz="1400" b="0" i="0" dirty="0">
+                <a:solidFill>
+                  <a:srgbClr val="333333"/>
+                </a:solidFill>
+                <a:effectLst/>
+                <a:latin typeface="-apple-system"/>
+              </a:rPr>
+              <a:t>决策树</a:t>
+            </a:r>
+            <a:r>
+              <a:rPr lang="en-US" altLang="zh-CN" sz="1400" b="0" i="0" dirty="0">
+                <a:solidFill>
+                  <a:srgbClr val="333333"/>
+                </a:solidFill>
+                <a:effectLst/>
+                <a:latin typeface="-apple-system"/>
+              </a:rPr>
+              <a:t>1</a:t>
+            </a:r>
+            <a:endParaRPr lang="zh-CN" altLang="en-US" sz="1400" dirty="0"/>
+          </a:p>
+        </p:txBody>
+      </p:sp>
+      <p:sp>
+        <p:nvSpPr>
+          <p:cNvPr id="24" name="椭圆 23">
+            <a:extLst>
+              <a:ext uri="{FF2B5EF4-FFF2-40B4-BE49-F238E27FC236}">
+                <a16:creationId xmlns:a16="http://schemas.microsoft.com/office/drawing/2014/main" id="{69716A6A-6E45-4407-FFB0-63ABC1A587C0}"/>
+              </a:ext>
+            </a:extLst>
+          </p:cNvPr>
+          <p:cNvSpPr/>
+          <p:nvPr/>
+        </p:nvSpPr>
+        <p:spPr>
+          <a:xfrm>
+            <a:off x="6440708" y="1798122"/>
+            <a:ext cx="1115843" cy="1050261"/>
+          </a:xfrm>
+          <a:prstGeom prst="ellipse">
+            <a:avLst/>
+          </a:prstGeom>
+          <a:solidFill>
+            <a:schemeClr val="accent1">
+              <a:lumMod val="40000"/>
+              <a:lumOff val="60000"/>
+            </a:schemeClr>
+          </a:solidFill>
+        </p:spPr>
+        <p:style>
+          <a:lnRef idx="2">
+            <a:schemeClr val="accent1">
+              <a:shade val="15000"/>
+            </a:schemeClr>
+          </a:lnRef>
+          <a:fillRef idx="1">
+            <a:schemeClr val="accent1"/>
+          </a:fillRef>
+          <a:effectRef idx="0">
+            <a:schemeClr val="accent1"/>
+          </a:effectRef>
+          <a:fontRef idx="minor">
+            <a:schemeClr val="lt1"/>
+          </a:fontRef>
+        </p:style>
+        <p:txBody>
+          <a:bodyPr rtlCol="0" anchor="ctr"/>
+          <a:lstStyle/>
+          <a:p>
+            <a:pPr algn="ctr"/>
+            <a:r>
+              <a:rPr lang="zh-CN" altLang="en-US" sz="1400" dirty="0"/>
+              <a:t>粒子群搜索算法</a:t>
+            </a:r>
+          </a:p>
+        </p:txBody>
+      </p:sp>
+      <p:sp>
+        <p:nvSpPr>
+          <p:cNvPr id="28" name="箭头: 右 27">
+            <a:extLst>
+              <a:ext uri="{FF2B5EF4-FFF2-40B4-BE49-F238E27FC236}">
+                <a16:creationId xmlns:a16="http://schemas.microsoft.com/office/drawing/2014/main" id="{C0D325AE-77C3-5FDB-2960-3A320D5AF931}"/>
+              </a:ext>
+            </a:extLst>
+          </p:cNvPr>
+          <p:cNvSpPr/>
+          <p:nvPr/>
+        </p:nvSpPr>
+        <p:spPr>
+          <a:xfrm>
+            <a:off x="2056049" y="3232399"/>
+            <a:ext cx="606434" cy="280502"/>
+          </a:xfrm>
+          <a:prstGeom prst="rightArrow">
+            <a:avLst>
+              <a:gd name="adj1" fmla="val 50000"/>
+              <a:gd name="adj2" fmla="val 50000"/>
+            </a:avLst>
+          </a:prstGeom>
+          <a:solidFill>
+            <a:schemeClr val="accent1">
+              <a:lumMod val="40000"/>
+              <a:lumOff val="60000"/>
+            </a:schemeClr>
+          </a:solidFill>
+        </p:spPr>
+        <p:style>
+          <a:lnRef idx="2">
+            <a:schemeClr val="accent1">
+              <a:shade val="15000"/>
+            </a:schemeClr>
+          </a:lnRef>
+          <a:fillRef idx="1">
+            <a:schemeClr val="accent1"/>
+          </a:fillRef>
+          <a:effectRef idx="0">
+            <a:schemeClr val="accent1"/>
+          </a:effectRef>
+          <a:fontRef idx="minor">
+            <a:schemeClr val="lt1"/>
+          </a:fontRef>
+        </p:style>
+        <p:txBody>
+          <a:bodyPr rtlCol="0" anchor="ctr"/>
+          <a:lstStyle/>
+          <a:p>
+            <a:pPr algn="ctr"/>
+            <a:endParaRPr lang="zh-CN" altLang="en-US"/>
+          </a:p>
+        </p:txBody>
+      </p:sp>
+      <p:sp>
+        <p:nvSpPr>
+          <p:cNvPr id="29" name="矩形 28">
+            <a:extLst>
+              <a:ext uri="{FF2B5EF4-FFF2-40B4-BE49-F238E27FC236}">
+                <a16:creationId xmlns:a16="http://schemas.microsoft.com/office/drawing/2014/main" id="{7C2FDD99-3C3E-8129-FA57-D0F37F735367}"/>
+              </a:ext>
+            </a:extLst>
+          </p:cNvPr>
+          <p:cNvSpPr/>
+          <p:nvPr/>
+        </p:nvSpPr>
+        <p:spPr>
+          <a:xfrm>
+            <a:off x="2065379" y="1860172"/>
+            <a:ext cx="563144" cy="1236757"/>
+          </a:xfrm>
+          <a:prstGeom prst="rect">
+            <a:avLst/>
+          </a:prstGeom>
+          <a:solidFill>
+            <a:schemeClr val="bg2"/>
+          </a:solidFill>
+          <a:ln>
+            <a:solidFill>
+              <a:schemeClr val="tx2">
+                <a:lumMod val="20000"/>
+                <a:lumOff val="80000"/>
+              </a:schemeClr>
+            </a:solidFill>
+          </a:ln>
+        </p:spPr>
+        <p:style>
+          <a:lnRef idx="2">
+            <a:schemeClr val="accent1">
+              <a:shade val="15000"/>
+            </a:schemeClr>
+          </a:lnRef>
+          <a:fillRef idx="1">
+            <a:schemeClr val="accent1"/>
+          </a:fillRef>
+          <a:effectRef idx="0">
+            <a:schemeClr val="accent1"/>
+          </a:effectRef>
+          <a:fontRef idx="minor">
+            <a:schemeClr val="lt1"/>
+          </a:fontRef>
+        </p:style>
+        <p:txBody>
+          <a:bodyPr rtlCol="0" anchor="ctr"/>
+          <a:lstStyle/>
+          <a:p>
+            <a:pPr algn="ctr"/>
+            <a:r>
+              <a:rPr lang="zh-CN" altLang="en-US" sz="1400" dirty="0">
+                <a:solidFill>
+                  <a:schemeClr val="tx1"/>
+                </a:solidFill>
+              </a:rPr>
+              <a:t>不同频率下的信号分量</a:t>
+            </a:r>
+          </a:p>
+        </p:txBody>
+      </p:sp>
+      <p:sp>
+        <p:nvSpPr>
+          <p:cNvPr id="31" name="箭头: 右 30">
+            <a:extLst>
+              <a:ext uri="{FF2B5EF4-FFF2-40B4-BE49-F238E27FC236}">
+                <a16:creationId xmlns:a16="http://schemas.microsoft.com/office/drawing/2014/main" id="{CAA5F11D-DEFC-9674-968C-2A7887584585}"/>
+              </a:ext>
+            </a:extLst>
+          </p:cNvPr>
+          <p:cNvSpPr/>
+          <p:nvPr/>
+        </p:nvSpPr>
+        <p:spPr>
+          <a:xfrm>
+            <a:off x="768799" y="3215468"/>
+            <a:ext cx="335761" cy="297433"/>
+          </a:xfrm>
+          <a:prstGeom prst="rightArrow">
+            <a:avLst/>
+          </a:prstGeom>
+          <a:solidFill>
+            <a:schemeClr val="accent1">
+              <a:lumMod val="40000"/>
+              <a:lumOff val="60000"/>
+            </a:schemeClr>
+          </a:solidFill>
+          <a:ln>
+            <a:solidFill>
+              <a:schemeClr val="tx1"/>
+            </a:solidFill>
+          </a:ln>
+        </p:spPr>
+        <p:style>
+          <a:lnRef idx="2">
+            <a:schemeClr val="accent1">
+              <a:shade val="15000"/>
+            </a:schemeClr>
+          </a:lnRef>
+          <a:fillRef idx="1">
+            <a:schemeClr val="accent1"/>
+          </a:fillRef>
+          <a:effectRef idx="0">
+            <a:schemeClr val="accent1"/>
+          </a:effectRef>
+          <a:fontRef idx="minor">
+            <a:schemeClr val="lt1"/>
+          </a:fontRef>
+        </p:style>
+        <p:txBody>
+          <a:bodyPr rtlCol="0" anchor="ctr"/>
+          <a:lstStyle/>
+          <a:p>
+            <a:pPr algn="ctr"/>
+            <a:endParaRPr lang="zh-CN" altLang="en-US"/>
+          </a:p>
+        </p:txBody>
+      </p:sp>
+      <p:sp>
+        <p:nvSpPr>
+          <p:cNvPr id="32" name="箭头: 右 31">
+            <a:extLst>
+              <a:ext uri="{FF2B5EF4-FFF2-40B4-BE49-F238E27FC236}">
+                <a16:creationId xmlns:a16="http://schemas.microsoft.com/office/drawing/2014/main" id="{4C55AA1E-825E-9AA4-16C2-DAB75CDD5238}"/>
+              </a:ext>
+            </a:extLst>
+          </p:cNvPr>
+          <p:cNvSpPr/>
+          <p:nvPr/>
+        </p:nvSpPr>
+        <p:spPr>
+          <a:xfrm>
+            <a:off x="11056882" y="3364185"/>
+            <a:ext cx="351840" cy="297433"/>
+          </a:xfrm>
+          <a:prstGeom prst="rightArrow">
+            <a:avLst/>
+          </a:prstGeom>
+          <a:solidFill>
+            <a:schemeClr val="accent1">
+              <a:lumMod val="40000"/>
+              <a:lumOff val="60000"/>
+            </a:schemeClr>
+          </a:solidFill>
+          <a:ln>
+            <a:solidFill>
+              <a:schemeClr val="tx1"/>
+            </a:solidFill>
+          </a:ln>
+        </p:spPr>
+        <p:style>
+          <a:lnRef idx="2">
+            <a:schemeClr val="accent1">
+              <a:shade val="15000"/>
+            </a:schemeClr>
+          </a:lnRef>
+          <a:fillRef idx="1">
+            <a:schemeClr val="accent1"/>
+          </a:fillRef>
+          <a:effectRef idx="0">
+            <a:schemeClr val="accent1"/>
+          </a:effectRef>
+          <a:fontRef idx="minor">
+            <a:schemeClr val="lt1"/>
+          </a:fontRef>
+        </p:style>
+        <p:txBody>
+          <a:bodyPr rtlCol="0" anchor="ctr"/>
+          <a:lstStyle/>
+          <a:p>
+            <a:pPr algn="ctr"/>
+            <a:endParaRPr lang="zh-CN" altLang="en-US"/>
+          </a:p>
+        </p:txBody>
+      </p:sp>
+      <p:sp>
+        <p:nvSpPr>
+          <p:cNvPr id="33" name="矩形: 圆角 32">
+            <a:extLst>
+              <a:ext uri="{FF2B5EF4-FFF2-40B4-BE49-F238E27FC236}">
+                <a16:creationId xmlns:a16="http://schemas.microsoft.com/office/drawing/2014/main" id="{3CDE7CB4-E973-4E73-4FD6-D3A4276332CD}"/>
+              </a:ext>
+            </a:extLst>
+          </p:cNvPr>
+          <p:cNvSpPr/>
+          <p:nvPr/>
+        </p:nvSpPr>
+        <p:spPr>
+          <a:xfrm>
+            <a:off x="11482322" y="3302611"/>
+            <a:ext cx="718517" cy="469567"/>
+          </a:xfrm>
+          <a:prstGeom prst="roundRect">
+            <a:avLst/>
+          </a:prstGeom>
+          <a:solidFill>
+            <a:schemeClr val="accent1">
+              <a:lumMod val="40000"/>
+              <a:lumOff val="60000"/>
+            </a:schemeClr>
+          </a:solidFill>
+        </p:spPr>
+        <p:style>
+          <a:lnRef idx="2">
+            <a:schemeClr val="accent1">
+              <a:shade val="15000"/>
+            </a:schemeClr>
+          </a:lnRef>
+          <a:fillRef idx="1">
+            <a:schemeClr val="accent1"/>
+          </a:fillRef>
+          <a:effectRef idx="0">
+            <a:schemeClr val="accent1"/>
+          </a:effectRef>
+          <a:fontRef idx="minor">
+            <a:schemeClr val="lt1"/>
+          </a:fontRef>
+        </p:style>
+        <p:txBody>
+          <a:bodyPr rtlCol="0" anchor="ctr"/>
+          <a:lstStyle/>
+          <a:p>
+            <a:pPr algn="ctr"/>
+            <a:r>
+              <a:rPr lang="zh-CN" altLang="en-US" sz="1400" dirty="0"/>
+              <a:t>预测结果</a:t>
+            </a:r>
+          </a:p>
+        </p:txBody>
+      </p:sp>
+      <p:sp>
+        <p:nvSpPr>
+          <p:cNvPr id="34" name="椭圆 33">
+            <a:extLst>
+              <a:ext uri="{FF2B5EF4-FFF2-40B4-BE49-F238E27FC236}">
+                <a16:creationId xmlns:a16="http://schemas.microsoft.com/office/drawing/2014/main" id="{5FC54F6C-01F0-592A-3077-BD39D1F61648}"/>
+              </a:ext>
+            </a:extLst>
+          </p:cNvPr>
+          <p:cNvSpPr/>
+          <p:nvPr/>
+        </p:nvSpPr>
+        <p:spPr>
+          <a:xfrm>
+            <a:off x="6921316" y="4154403"/>
+            <a:ext cx="674586" cy="304800"/>
+          </a:xfrm>
+          <a:prstGeom prst="ellipse">
+            <a:avLst/>
+          </a:prstGeom>
+          <a:solidFill>
+            <a:schemeClr val="accent1">
+              <a:lumMod val="40000"/>
+              <a:lumOff val="60000"/>
+            </a:schemeClr>
+          </a:solidFill>
+        </p:spPr>
+        <p:style>
+          <a:lnRef idx="2">
+            <a:schemeClr val="accent1">
+              <a:shade val="15000"/>
+            </a:schemeClr>
+          </a:lnRef>
+          <a:fillRef idx="1">
+            <a:schemeClr val="accent1"/>
+          </a:fillRef>
+          <a:effectRef idx="0">
+            <a:schemeClr val="accent1"/>
+          </a:effectRef>
+          <a:fontRef idx="minor">
+            <a:schemeClr val="lt1"/>
+          </a:fontRef>
+        </p:style>
+        <p:txBody>
+          <a:bodyPr rtlCol="0" anchor="ctr"/>
+          <a:lstStyle/>
+          <a:p>
+            <a:pPr algn="ctr"/>
+            <a:r>
+              <a:rPr lang="zh-CN" altLang="en-US" sz="900" dirty="0"/>
+              <a:t>特征</a:t>
+            </a:r>
+            <a:r>
+              <a:rPr lang="en-US" altLang="zh-CN" sz="900" dirty="0"/>
+              <a:t>1</a:t>
+            </a:r>
+            <a:endParaRPr lang="zh-CN" altLang="en-US" sz="900" dirty="0"/>
+          </a:p>
+        </p:txBody>
+      </p:sp>
+      <p:cxnSp>
+        <p:nvCxnSpPr>
+          <p:cNvPr id="37" name="直接箭头连接符 36">
+            <a:extLst>
+              <a:ext uri="{FF2B5EF4-FFF2-40B4-BE49-F238E27FC236}">
+                <a16:creationId xmlns:a16="http://schemas.microsoft.com/office/drawing/2014/main" id="{CB038E13-9780-47C0-AF4F-0841667723B3}"/>
+              </a:ext>
+            </a:extLst>
+          </p:cNvPr>
+          <p:cNvCxnSpPr/>
+          <p:nvPr/>
+        </p:nvCxnSpPr>
+        <p:spPr>
+          <a:xfrm flipH="1">
+            <a:off x="7263878" y="3926588"/>
+            <a:ext cx="105382" cy="165487"/>
+          </a:xfrm>
+          <a:prstGeom prst="straightConnector1">
+            <a:avLst/>
+          </a:prstGeom>
+          <a:ln>
+            <a:tailEnd type="triangle"/>
+          </a:ln>
+        </p:spPr>
+        <p:style>
+          <a:lnRef idx="1">
+            <a:schemeClr val="accent1"/>
+          </a:lnRef>
+          <a:fillRef idx="0">
+            <a:schemeClr val="accent1"/>
+          </a:fillRef>
+          <a:effectRef idx="0">
+            <a:schemeClr val="accent1"/>
+          </a:effectRef>
+          <a:fontRef idx="minor">
+            <a:schemeClr val="tx1"/>
+          </a:fontRef>
+        </p:style>
+      </p:cxnSp>
+      <p:cxnSp>
+        <p:nvCxnSpPr>
+          <p:cNvPr id="41" name="直接箭头连接符 40">
+            <a:extLst>
+              <a:ext uri="{FF2B5EF4-FFF2-40B4-BE49-F238E27FC236}">
+                <a16:creationId xmlns:a16="http://schemas.microsoft.com/office/drawing/2014/main" id="{3E489D9E-98BE-54AA-0DB7-63698CB26BAA}"/>
+              </a:ext>
+            </a:extLst>
+          </p:cNvPr>
+          <p:cNvCxnSpPr/>
+          <p:nvPr/>
+        </p:nvCxnSpPr>
+        <p:spPr>
+          <a:xfrm>
+            <a:off x="7826910" y="3926588"/>
+            <a:ext cx="135197" cy="165487"/>
+          </a:xfrm>
+          <a:prstGeom prst="straightConnector1">
+            <a:avLst/>
+          </a:prstGeom>
+          <a:ln>
+            <a:tailEnd type="triangle"/>
+          </a:ln>
+        </p:spPr>
+        <p:style>
+          <a:lnRef idx="1">
+            <a:schemeClr val="accent1"/>
+          </a:lnRef>
+          <a:fillRef idx="0">
+            <a:schemeClr val="accent1"/>
+          </a:fillRef>
+          <a:effectRef idx="0">
+            <a:schemeClr val="accent1"/>
+          </a:effectRef>
+          <a:fontRef idx="minor">
+            <a:schemeClr val="tx1"/>
+          </a:fontRef>
+        </p:style>
+      </p:cxnSp>
+      <p:sp>
+        <p:nvSpPr>
+          <p:cNvPr id="43" name="椭圆 42">
+            <a:extLst>
+              <a:ext uri="{FF2B5EF4-FFF2-40B4-BE49-F238E27FC236}">
+                <a16:creationId xmlns:a16="http://schemas.microsoft.com/office/drawing/2014/main" id="{4519FCD8-A262-9279-60C2-31FA4CC57C99}"/>
+              </a:ext>
+            </a:extLst>
+          </p:cNvPr>
+          <p:cNvSpPr/>
+          <p:nvPr/>
+        </p:nvSpPr>
+        <p:spPr>
+          <a:xfrm>
+            <a:off x="7681605" y="4151660"/>
+            <a:ext cx="674586" cy="304800"/>
+          </a:xfrm>
+          <a:prstGeom prst="ellipse">
+            <a:avLst/>
+          </a:prstGeom>
+          <a:solidFill>
+            <a:schemeClr val="accent1">
+              <a:lumMod val="40000"/>
+              <a:lumOff val="60000"/>
+            </a:schemeClr>
+          </a:solidFill>
+        </p:spPr>
+        <p:style>
+          <a:lnRef idx="2">
+            <a:schemeClr val="accent1">
+              <a:shade val="15000"/>
+            </a:schemeClr>
+          </a:lnRef>
+          <a:fillRef idx="1">
+            <a:schemeClr val="accent1"/>
+          </a:fillRef>
+          <a:effectRef idx="0">
+            <a:schemeClr val="accent1"/>
+          </a:effectRef>
+          <a:fontRef idx="minor">
+            <a:schemeClr val="lt1"/>
+          </a:fontRef>
+        </p:style>
+        <p:txBody>
+          <a:bodyPr rtlCol="0" anchor="ctr"/>
+          <a:lstStyle/>
+          <a:p>
+            <a:pPr algn="ctr"/>
+            <a:r>
+              <a:rPr lang="zh-CN" altLang="en-US" sz="900" dirty="0"/>
+              <a:t>特征</a:t>
+            </a:r>
+            <a:r>
+              <a:rPr lang="en-US" altLang="zh-CN" sz="900" dirty="0"/>
+              <a:t>2</a:t>
+            </a:r>
+            <a:endParaRPr lang="zh-CN" altLang="en-US" sz="900" dirty="0"/>
+          </a:p>
+        </p:txBody>
+      </p:sp>
+      <p:sp>
+        <p:nvSpPr>
+          <p:cNvPr id="44" name="椭圆 43">
+            <a:extLst>
+              <a:ext uri="{FF2B5EF4-FFF2-40B4-BE49-F238E27FC236}">
+                <a16:creationId xmlns:a16="http://schemas.microsoft.com/office/drawing/2014/main" id="{BB0BF5D9-194E-C667-FFE3-CB78216CD0D7}"/>
+              </a:ext>
+            </a:extLst>
+          </p:cNvPr>
+          <p:cNvSpPr/>
+          <p:nvPr/>
+        </p:nvSpPr>
+        <p:spPr>
+          <a:xfrm>
+            <a:off x="8611169" y="3360763"/>
+            <a:ext cx="1115843" cy="493434"/>
+          </a:xfrm>
+          <a:prstGeom prst="ellipse">
+            <a:avLst/>
+          </a:prstGeom>
+          <a:solidFill>
+            <a:schemeClr val="accent1">
+              <a:lumMod val="40000"/>
+              <a:lumOff val="60000"/>
+            </a:schemeClr>
+          </a:solidFill>
+        </p:spPr>
+        <p:style>
+          <a:lnRef idx="2">
+            <a:schemeClr val="accent1">
+              <a:shade val="15000"/>
+            </a:schemeClr>
+          </a:lnRef>
+          <a:fillRef idx="1">
+            <a:schemeClr val="accent1"/>
+          </a:fillRef>
+          <a:effectRef idx="0">
+            <a:schemeClr val="accent1"/>
+          </a:effectRef>
+          <a:fontRef idx="minor">
+            <a:schemeClr val="lt1"/>
+          </a:fontRef>
+        </p:style>
+        <p:txBody>
+          <a:bodyPr rtlCol="0" anchor="ctr"/>
+          <a:lstStyle/>
+          <a:p>
+            <a:pPr algn="ctr"/>
+            <a:r>
+              <a:rPr lang="en-US" altLang="zh-CN" sz="1400" b="0" i="0" dirty="0">
+                <a:solidFill>
+                  <a:srgbClr val="333333"/>
+                </a:solidFill>
+                <a:effectLst/>
+                <a:latin typeface="-apple-system"/>
+              </a:rPr>
+              <a:t>CART</a:t>
+            </a:r>
+            <a:r>
+              <a:rPr lang="zh-CN" altLang="en-US" sz="1400" b="0" i="0" dirty="0">
+                <a:solidFill>
+                  <a:srgbClr val="333333"/>
+                </a:solidFill>
+                <a:effectLst/>
+                <a:latin typeface="-apple-system"/>
+              </a:rPr>
+              <a:t>决策树</a:t>
+            </a:r>
+            <a:r>
+              <a:rPr lang="en-US" altLang="zh-CN" sz="1400" dirty="0">
+                <a:solidFill>
+                  <a:srgbClr val="333333"/>
+                </a:solidFill>
+                <a:latin typeface="-apple-system"/>
+              </a:rPr>
+              <a:t>2</a:t>
+            </a:r>
+            <a:endParaRPr lang="zh-CN" altLang="en-US" sz="1400" dirty="0"/>
+          </a:p>
+        </p:txBody>
+      </p:sp>
+      <p:sp>
+        <p:nvSpPr>
+          <p:cNvPr id="45" name="椭圆 44">
+            <a:extLst>
+              <a:ext uri="{FF2B5EF4-FFF2-40B4-BE49-F238E27FC236}">
+                <a16:creationId xmlns:a16="http://schemas.microsoft.com/office/drawing/2014/main" id="{6D5362E0-F1D9-D074-CBC0-9FAEEBBA6B44}"/>
+              </a:ext>
+            </a:extLst>
+          </p:cNvPr>
+          <p:cNvSpPr/>
+          <p:nvPr/>
+        </p:nvSpPr>
+        <p:spPr>
+          <a:xfrm>
+            <a:off x="8527597" y="4139165"/>
+            <a:ext cx="674586" cy="304800"/>
+          </a:xfrm>
+          <a:prstGeom prst="ellipse">
+            <a:avLst/>
+          </a:prstGeom>
+          <a:solidFill>
+            <a:schemeClr val="accent1">
+              <a:lumMod val="40000"/>
+              <a:lumOff val="60000"/>
+            </a:schemeClr>
+          </a:solidFill>
+        </p:spPr>
+        <p:style>
+          <a:lnRef idx="2">
+            <a:schemeClr val="accent1">
+              <a:shade val="15000"/>
+            </a:schemeClr>
+          </a:lnRef>
+          <a:fillRef idx="1">
+            <a:schemeClr val="accent1"/>
+          </a:fillRef>
+          <a:effectRef idx="0">
+            <a:schemeClr val="accent1"/>
+          </a:effectRef>
+          <a:fontRef idx="minor">
+            <a:schemeClr val="lt1"/>
+          </a:fontRef>
+        </p:style>
+        <p:txBody>
+          <a:bodyPr rtlCol="0" anchor="ctr"/>
+          <a:lstStyle/>
+          <a:p>
+            <a:pPr algn="ctr"/>
+            <a:r>
+              <a:rPr lang="zh-CN" altLang="en-US" sz="900" dirty="0"/>
+              <a:t>特征</a:t>
+            </a:r>
+            <a:r>
+              <a:rPr lang="en-US" altLang="zh-CN" sz="900" dirty="0"/>
+              <a:t>5</a:t>
+            </a:r>
+            <a:endParaRPr lang="zh-CN" altLang="en-US" sz="900" dirty="0"/>
+          </a:p>
+        </p:txBody>
+      </p:sp>
+      <p:cxnSp>
+        <p:nvCxnSpPr>
+          <p:cNvPr id="46" name="直接箭头连接符 45">
+            <a:extLst>
+              <a:ext uri="{FF2B5EF4-FFF2-40B4-BE49-F238E27FC236}">
+                <a16:creationId xmlns:a16="http://schemas.microsoft.com/office/drawing/2014/main" id="{36A960C1-6A8E-EAF7-5D31-F279ACC7BE25}"/>
+              </a:ext>
+            </a:extLst>
+          </p:cNvPr>
+          <p:cNvCxnSpPr/>
+          <p:nvPr/>
+        </p:nvCxnSpPr>
+        <p:spPr>
+          <a:xfrm flipH="1">
+            <a:off x="8854101" y="3906535"/>
+            <a:ext cx="105382" cy="165487"/>
+          </a:xfrm>
+          <a:prstGeom prst="straightConnector1">
+            <a:avLst/>
+          </a:prstGeom>
+          <a:ln>
+            <a:tailEnd type="triangle"/>
+          </a:ln>
+        </p:spPr>
+        <p:style>
+          <a:lnRef idx="1">
+            <a:schemeClr val="accent1"/>
+          </a:lnRef>
+          <a:fillRef idx="0">
+            <a:schemeClr val="accent1"/>
+          </a:fillRef>
+          <a:effectRef idx="0">
+            <a:schemeClr val="accent1"/>
+          </a:effectRef>
+          <a:fontRef idx="minor">
+            <a:schemeClr val="tx1"/>
+          </a:fontRef>
+        </p:style>
+      </p:cxnSp>
+      <p:cxnSp>
+        <p:nvCxnSpPr>
+          <p:cNvPr id="47" name="直接箭头连接符 46">
+            <a:extLst>
+              <a:ext uri="{FF2B5EF4-FFF2-40B4-BE49-F238E27FC236}">
+                <a16:creationId xmlns:a16="http://schemas.microsoft.com/office/drawing/2014/main" id="{4AB68D3D-06E5-A0E3-1F75-6D9F355C8CCA}"/>
+              </a:ext>
+            </a:extLst>
+          </p:cNvPr>
+          <p:cNvCxnSpPr/>
+          <p:nvPr/>
+        </p:nvCxnSpPr>
+        <p:spPr>
+          <a:xfrm>
+            <a:off x="9417133" y="3906535"/>
+            <a:ext cx="135197" cy="165487"/>
+          </a:xfrm>
+          <a:prstGeom prst="straightConnector1">
+            <a:avLst/>
+          </a:prstGeom>
+          <a:ln>
+            <a:tailEnd type="triangle"/>
+          </a:ln>
+        </p:spPr>
+        <p:style>
+          <a:lnRef idx="1">
+            <a:schemeClr val="accent1"/>
+          </a:lnRef>
+          <a:fillRef idx="0">
+            <a:schemeClr val="accent1"/>
+          </a:fillRef>
+          <a:effectRef idx="0">
+            <a:schemeClr val="accent1"/>
+          </a:effectRef>
+          <a:fontRef idx="minor">
+            <a:schemeClr val="tx1"/>
+          </a:fontRef>
+        </p:style>
+      </p:cxnSp>
+      <p:sp>
+        <p:nvSpPr>
+          <p:cNvPr id="48" name="椭圆 47">
+            <a:extLst>
+              <a:ext uri="{FF2B5EF4-FFF2-40B4-BE49-F238E27FC236}">
+                <a16:creationId xmlns:a16="http://schemas.microsoft.com/office/drawing/2014/main" id="{7016C49F-1C62-1D73-B52B-52A18B5C8A8A}"/>
+              </a:ext>
+            </a:extLst>
+          </p:cNvPr>
+          <p:cNvSpPr/>
+          <p:nvPr/>
+        </p:nvSpPr>
+        <p:spPr>
+          <a:xfrm>
+            <a:off x="9271828" y="4131607"/>
+            <a:ext cx="674586" cy="304800"/>
+          </a:xfrm>
+          <a:prstGeom prst="ellipse">
+            <a:avLst/>
+          </a:prstGeom>
+          <a:solidFill>
+            <a:schemeClr val="accent1">
+              <a:lumMod val="40000"/>
+              <a:lumOff val="60000"/>
+            </a:schemeClr>
+          </a:solidFill>
+        </p:spPr>
+        <p:style>
+          <a:lnRef idx="2">
+            <a:schemeClr val="accent1">
+              <a:shade val="15000"/>
+            </a:schemeClr>
+          </a:lnRef>
+          <a:fillRef idx="1">
+            <a:schemeClr val="accent1"/>
+          </a:fillRef>
+          <a:effectRef idx="0">
+            <a:schemeClr val="accent1"/>
+          </a:effectRef>
+          <a:fontRef idx="minor">
+            <a:schemeClr val="lt1"/>
+          </a:fontRef>
+        </p:style>
+        <p:txBody>
+          <a:bodyPr rtlCol="0" anchor="ctr"/>
+          <a:lstStyle/>
+          <a:p>
+            <a:pPr algn="ctr"/>
+            <a:r>
+              <a:rPr lang="zh-CN" altLang="en-US" sz="900" dirty="0"/>
+              <a:t>特征</a:t>
+            </a:r>
+            <a:r>
+              <a:rPr lang="en-US" altLang="zh-CN" sz="900" dirty="0"/>
+              <a:t>6</a:t>
+            </a:r>
+            <a:endParaRPr lang="zh-CN" altLang="en-US" sz="900" dirty="0"/>
+          </a:p>
+        </p:txBody>
+      </p:sp>
+      <p:sp>
+        <p:nvSpPr>
+          <p:cNvPr id="49" name="椭圆 48">
+            <a:extLst>
+              <a:ext uri="{FF2B5EF4-FFF2-40B4-BE49-F238E27FC236}">
+                <a16:creationId xmlns:a16="http://schemas.microsoft.com/office/drawing/2014/main" id="{659D6AD0-535B-3096-FAEE-3248D0DF1FB2}"/>
+              </a:ext>
+            </a:extLst>
+          </p:cNvPr>
+          <p:cNvSpPr/>
+          <p:nvPr/>
+        </p:nvSpPr>
+        <p:spPr>
+          <a:xfrm>
+            <a:off x="10132366" y="3702021"/>
+            <a:ext cx="140394" cy="140394"/>
+          </a:xfrm>
+          <a:prstGeom prst="ellipse">
+            <a:avLst/>
+          </a:prstGeom>
+        </p:spPr>
+        <p:style>
+          <a:lnRef idx="2">
+            <a:schemeClr val="dk1">
+              <a:shade val="15000"/>
+            </a:schemeClr>
+          </a:lnRef>
+          <a:fillRef idx="1">
+            <a:schemeClr val="dk1"/>
+          </a:fillRef>
+          <a:effectRef idx="0">
+            <a:schemeClr val="dk1"/>
+          </a:effectRef>
+          <a:fontRef idx="minor">
+            <a:schemeClr val="lt1"/>
+          </a:fontRef>
+        </p:style>
+        <p:txBody>
+          <a:bodyPr rtlCol="0" anchor="ctr"/>
+          <a:lstStyle/>
+          <a:p>
+            <a:pPr algn="ctr"/>
+            <a:endParaRPr lang="zh-CN" altLang="en-US"/>
+          </a:p>
+        </p:txBody>
+      </p:sp>
+      <p:sp>
+        <p:nvSpPr>
+          <p:cNvPr id="50" name="椭圆 49">
+            <a:extLst>
+              <a:ext uri="{FF2B5EF4-FFF2-40B4-BE49-F238E27FC236}">
+                <a16:creationId xmlns:a16="http://schemas.microsoft.com/office/drawing/2014/main" id="{F4F1FC3E-C884-C81E-38D3-E73A48B5FD20}"/>
+              </a:ext>
+            </a:extLst>
+          </p:cNvPr>
+          <p:cNvSpPr/>
+          <p:nvPr/>
+        </p:nvSpPr>
+        <p:spPr>
+          <a:xfrm>
+            <a:off x="10394859" y="3702021"/>
+            <a:ext cx="140394" cy="140394"/>
+          </a:xfrm>
+          <a:prstGeom prst="ellipse">
+            <a:avLst/>
+          </a:prstGeom>
+        </p:spPr>
+        <p:style>
+          <a:lnRef idx="2">
+            <a:schemeClr val="dk1">
+              <a:shade val="15000"/>
+            </a:schemeClr>
+          </a:lnRef>
+          <a:fillRef idx="1">
+            <a:schemeClr val="dk1"/>
+          </a:fillRef>
+          <a:effectRef idx="0">
+            <a:schemeClr val="dk1"/>
+          </a:effectRef>
+          <a:fontRef idx="minor">
+            <a:schemeClr val="lt1"/>
+          </a:fontRef>
+        </p:style>
+        <p:txBody>
+          <a:bodyPr rtlCol="0" anchor="ctr"/>
+          <a:lstStyle/>
+          <a:p>
+            <a:pPr algn="ctr"/>
+            <a:endParaRPr lang="zh-CN" altLang="en-US"/>
+          </a:p>
+        </p:txBody>
+      </p:sp>
+      <p:sp>
+        <p:nvSpPr>
+          <p:cNvPr id="51" name="椭圆 50">
+            <a:extLst>
+              <a:ext uri="{FF2B5EF4-FFF2-40B4-BE49-F238E27FC236}">
+                <a16:creationId xmlns:a16="http://schemas.microsoft.com/office/drawing/2014/main" id="{6D5A6355-697C-C4C0-03A5-6C5B8E11AD27}"/>
+              </a:ext>
+            </a:extLst>
+          </p:cNvPr>
+          <p:cNvSpPr/>
+          <p:nvPr/>
+        </p:nvSpPr>
+        <p:spPr>
+          <a:xfrm>
+            <a:off x="10678114" y="3702021"/>
+            <a:ext cx="140394" cy="140394"/>
+          </a:xfrm>
+          <a:prstGeom prst="ellipse">
+            <a:avLst/>
+          </a:prstGeom>
+        </p:spPr>
+        <p:style>
+          <a:lnRef idx="2">
+            <a:schemeClr val="dk1">
+              <a:shade val="15000"/>
+            </a:schemeClr>
+          </a:lnRef>
+          <a:fillRef idx="1">
+            <a:schemeClr val="dk1"/>
+          </a:fillRef>
+          <a:effectRef idx="0">
+            <a:schemeClr val="dk1"/>
+          </a:effectRef>
+          <a:fontRef idx="minor">
+            <a:schemeClr val="lt1"/>
+          </a:fontRef>
+        </p:style>
+        <p:txBody>
+          <a:bodyPr rtlCol="0" anchor="ctr"/>
+          <a:lstStyle/>
+          <a:p>
+            <a:pPr algn="ctr"/>
+            <a:endParaRPr lang="zh-CN" altLang="en-US"/>
+          </a:p>
+        </p:txBody>
+      </p:sp>
+      <p:sp>
+        <p:nvSpPr>
+          <p:cNvPr id="52" name="矩形 51">
+            <a:extLst>
+              <a:ext uri="{FF2B5EF4-FFF2-40B4-BE49-F238E27FC236}">
+                <a16:creationId xmlns:a16="http://schemas.microsoft.com/office/drawing/2014/main" id="{5B7DE179-D083-B11E-2D2E-78336E584264}"/>
+              </a:ext>
+            </a:extLst>
+          </p:cNvPr>
+          <p:cNvSpPr/>
+          <p:nvPr/>
+        </p:nvSpPr>
+        <p:spPr>
+          <a:xfrm>
+            <a:off x="8298362" y="1726312"/>
+            <a:ext cx="1370820" cy="1279572"/>
+          </a:xfrm>
+          <a:prstGeom prst="rect">
+            <a:avLst/>
+          </a:prstGeom>
+          <a:solidFill>
+            <a:schemeClr val="bg2"/>
+          </a:solidFill>
+          <a:ln>
+            <a:solidFill>
+              <a:schemeClr val="tx2">
+                <a:lumMod val="20000"/>
+                <a:lumOff val="80000"/>
+              </a:schemeClr>
+            </a:solidFill>
+          </a:ln>
+        </p:spPr>
+        <p:style>
+          <a:lnRef idx="2">
+            <a:schemeClr val="accent1">
+              <a:shade val="15000"/>
+            </a:schemeClr>
+          </a:lnRef>
+          <a:fillRef idx="1">
+            <a:schemeClr val="accent1"/>
+          </a:fillRef>
+          <a:effectRef idx="0">
+            <a:schemeClr val="accent1"/>
+          </a:effectRef>
+          <a:fontRef idx="minor">
+            <a:schemeClr val="lt1"/>
+          </a:fontRef>
+        </p:style>
+        <p:txBody>
+          <a:bodyPr rtlCol="0" anchor="ctr"/>
+          <a:lstStyle/>
+          <a:p>
+            <a:pPr algn="ctr"/>
+            <a:r>
+              <a:rPr lang="en-US" altLang="zh-CN" sz="1200" dirty="0" err="1">
+                <a:solidFill>
+                  <a:srgbClr val="067D17"/>
+                </a:solidFill>
+                <a:effectLst/>
+                <a:latin typeface="JetBrains Mono"/>
+              </a:rPr>
+              <a:t>learning_rate</a:t>
+            </a:r>
+            <a:r>
+              <a:rPr lang="en-US" altLang="zh-CN" sz="1200" dirty="0">
+                <a:solidFill>
+                  <a:srgbClr val="080808"/>
+                </a:solidFill>
+                <a:effectLst/>
+                <a:latin typeface="JetBrains Mono"/>
+              </a:rPr>
+              <a:t> </a:t>
+            </a:r>
+            <a:r>
+              <a:rPr lang="en-US" altLang="zh-CN" sz="1200" dirty="0" err="1">
+                <a:solidFill>
+                  <a:srgbClr val="067D17"/>
+                </a:solidFill>
+                <a:effectLst/>
+                <a:latin typeface="JetBrains Mono"/>
+              </a:rPr>
+              <a:t>n_estimators</a:t>
+            </a:r>
+            <a:endParaRPr lang="en-US" altLang="zh-CN" sz="1200" dirty="0">
+              <a:solidFill>
+                <a:srgbClr val="067D17"/>
+              </a:solidFill>
+              <a:effectLst/>
+              <a:latin typeface="JetBrains Mono"/>
+            </a:endParaRPr>
+          </a:p>
+          <a:p>
+            <a:pPr algn="ctr"/>
+            <a:r>
+              <a:rPr lang="en-US" altLang="zh-CN" sz="1200" dirty="0" err="1">
+                <a:solidFill>
+                  <a:srgbClr val="067D17"/>
+                </a:solidFill>
+                <a:effectLst/>
+                <a:latin typeface="JetBrains Mono"/>
+              </a:rPr>
+              <a:t>max_depth</a:t>
+            </a:r>
+            <a:br>
+              <a:rPr lang="en-US" altLang="zh-CN" sz="1200" dirty="0">
+                <a:solidFill>
+                  <a:srgbClr val="080808"/>
+                </a:solidFill>
+                <a:effectLst/>
+                <a:latin typeface="JetBrains Mono"/>
+              </a:rPr>
+            </a:br>
+            <a:r>
+              <a:rPr lang="en-US" altLang="zh-CN" sz="1200" dirty="0">
+                <a:solidFill>
+                  <a:srgbClr val="067D17"/>
+                </a:solidFill>
+                <a:effectLst/>
+                <a:latin typeface="JetBrains Mono"/>
+              </a:rPr>
+              <a:t>subsample</a:t>
+            </a:r>
+          </a:p>
+          <a:p>
+            <a:pPr algn="ctr"/>
+            <a:r>
+              <a:rPr lang="en-US" altLang="zh-CN" sz="1200" dirty="0" err="1">
+                <a:solidFill>
+                  <a:srgbClr val="067D17"/>
+                </a:solidFill>
+                <a:effectLst/>
+                <a:latin typeface="JetBrains Mono"/>
+              </a:rPr>
+              <a:t>colsample_bytree</a:t>
+            </a:r>
+            <a:endParaRPr lang="en-US" altLang="zh-CN" sz="1200" dirty="0">
+              <a:solidFill>
+                <a:srgbClr val="067D17"/>
+              </a:solidFill>
+              <a:effectLst/>
+              <a:latin typeface="JetBrains Mono"/>
+            </a:endParaRPr>
+          </a:p>
+          <a:p>
+            <a:pPr algn="ctr"/>
+            <a:r>
+              <a:rPr lang="en-US" altLang="zh-CN" sz="1200" dirty="0">
+                <a:solidFill>
+                  <a:srgbClr val="067D17"/>
+                </a:solidFill>
+                <a:effectLst/>
+                <a:latin typeface="JetBrains Mono"/>
+              </a:rPr>
+              <a:t>gamma</a:t>
+            </a:r>
+          </a:p>
+        </p:txBody>
+      </p:sp>
+      <p:sp>
+        <p:nvSpPr>
+          <p:cNvPr id="54" name="椭圆 53">
+            <a:extLst>
+              <a:ext uri="{FF2B5EF4-FFF2-40B4-BE49-F238E27FC236}">
+                <a16:creationId xmlns:a16="http://schemas.microsoft.com/office/drawing/2014/main" id="{A507E5D6-F40E-76BB-7413-872A90D9AA9C}"/>
+              </a:ext>
+            </a:extLst>
+          </p:cNvPr>
+          <p:cNvSpPr/>
+          <p:nvPr/>
+        </p:nvSpPr>
+        <p:spPr>
+          <a:xfrm>
+            <a:off x="6638801" y="4736613"/>
+            <a:ext cx="522626" cy="302057"/>
+          </a:xfrm>
+          <a:prstGeom prst="ellipse">
+            <a:avLst/>
+          </a:prstGeom>
+          <a:solidFill>
+            <a:schemeClr val="accent1">
+              <a:lumMod val="40000"/>
+              <a:lumOff val="60000"/>
+            </a:schemeClr>
+          </a:solidFill>
+        </p:spPr>
+        <p:style>
+          <a:lnRef idx="2">
+            <a:schemeClr val="accent1">
+              <a:shade val="15000"/>
+            </a:schemeClr>
+          </a:lnRef>
+          <a:fillRef idx="1">
+            <a:schemeClr val="accent1"/>
+          </a:fillRef>
+          <a:effectRef idx="0">
+            <a:schemeClr val="accent1"/>
+          </a:effectRef>
+          <a:fontRef idx="minor">
+            <a:schemeClr val="lt1"/>
+          </a:fontRef>
+        </p:style>
+        <p:txBody>
+          <a:bodyPr rtlCol="0" anchor="ctr"/>
+          <a:lstStyle/>
+          <a:p>
+            <a:pPr algn="ctr"/>
+            <a:endParaRPr lang="zh-CN" altLang="en-US" sz="900" dirty="0"/>
+          </a:p>
+        </p:txBody>
+      </p:sp>
+      <p:sp>
+        <p:nvSpPr>
+          <p:cNvPr id="55" name="椭圆 54">
+            <a:extLst>
+              <a:ext uri="{FF2B5EF4-FFF2-40B4-BE49-F238E27FC236}">
+                <a16:creationId xmlns:a16="http://schemas.microsoft.com/office/drawing/2014/main" id="{FF11A165-2EAB-CD3E-700A-244D99547E4D}"/>
+              </a:ext>
+            </a:extLst>
+          </p:cNvPr>
+          <p:cNvSpPr/>
+          <p:nvPr/>
+        </p:nvSpPr>
+        <p:spPr>
+          <a:xfrm>
+            <a:off x="7399090" y="4733870"/>
+            <a:ext cx="522626" cy="302057"/>
+          </a:xfrm>
+          <a:prstGeom prst="ellipse">
+            <a:avLst/>
+          </a:prstGeom>
+          <a:solidFill>
+            <a:schemeClr val="accent1">
+              <a:lumMod val="40000"/>
+              <a:lumOff val="60000"/>
+            </a:schemeClr>
+          </a:solidFill>
+        </p:spPr>
+        <p:style>
+          <a:lnRef idx="2">
+            <a:schemeClr val="accent1">
+              <a:shade val="15000"/>
+            </a:schemeClr>
+          </a:lnRef>
+          <a:fillRef idx="1">
+            <a:schemeClr val="accent1"/>
+          </a:fillRef>
+          <a:effectRef idx="0">
+            <a:schemeClr val="accent1"/>
+          </a:effectRef>
+          <a:fontRef idx="minor">
+            <a:schemeClr val="lt1"/>
+          </a:fontRef>
+        </p:style>
+        <p:txBody>
+          <a:bodyPr rtlCol="0" anchor="ctr"/>
+          <a:lstStyle/>
+          <a:p>
+            <a:pPr algn="ctr"/>
+            <a:endParaRPr lang="zh-CN" altLang="en-US" sz="900" dirty="0"/>
+          </a:p>
+        </p:txBody>
+      </p:sp>
+      <p:cxnSp>
+        <p:nvCxnSpPr>
+          <p:cNvPr id="56" name="直接箭头连接符 55">
+            <a:extLst>
+              <a:ext uri="{FF2B5EF4-FFF2-40B4-BE49-F238E27FC236}">
+                <a16:creationId xmlns:a16="http://schemas.microsoft.com/office/drawing/2014/main" id="{2D960326-06DB-2AA5-CED8-EF745753E4D6}"/>
+              </a:ext>
+            </a:extLst>
+          </p:cNvPr>
+          <p:cNvCxnSpPr>
+            <a:cxnSpLocks/>
+          </p:cNvCxnSpPr>
+          <p:nvPr/>
+        </p:nvCxnSpPr>
+        <p:spPr>
+          <a:xfrm flipH="1">
+            <a:off x="6953393" y="4492946"/>
+            <a:ext cx="90475" cy="165487"/>
+          </a:xfrm>
+          <a:prstGeom prst="straightConnector1">
+            <a:avLst/>
+          </a:prstGeom>
+          <a:ln>
+            <a:tailEnd type="triangle"/>
+          </a:ln>
+        </p:spPr>
+        <p:style>
+          <a:lnRef idx="1">
+            <a:schemeClr val="accent1"/>
+          </a:lnRef>
+          <a:fillRef idx="0">
+            <a:schemeClr val="accent1"/>
+          </a:fillRef>
+          <a:effectRef idx="0">
+            <a:schemeClr val="accent1"/>
+          </a:effectRef>
+          <a:fontRef idx="minor">
+            <a:schemeClr val="tx1"/>
+          </a:fontRef>
+        </p:style>
+      </p:cxnSp>
+      <p:cxnSp>
+        <p:nvCxnSpPr>
+          <p:cNvPr id="57" name="直接箭头连接符 56">
+            <a:extLst>
+              <a:ext uri="{FF2B5EF4-FFF2-40B4-BE49-F238E27FC236}">
+                <a16:creationId xmlns:a16="http://schemas.microsoft.com/office/drawing/2014/main" id="{1046FE08-A3D8-8AB6-BA8F-2A8E4EFB7BB0}"/>
+              </a:ext>
+            </a:extLst>
+          </p:cNvPr>
+          <p:cNvCxnSpPr/>
+          <p:nvPr/>
+        </p:nvCxnSpPr>
+        <p:spPr>
+          <a:xfrm>
+            <a:off x="7501518" y="4492946"/>
+            <a:ext cx="135197" cy="165487"/>
+          </a:xfrm>
+          <a:prstGeom prst="straightConnector1">
+            <a:avLst/>
+          </a:prstGeom>
+          <a:ln>
+            <a:tailEnd type="triangle"/>
+          </a:ln>
+        </p:spPr>
+        <p:style>
+          <a:lnRef idx="1">
+            <a:schemeClr val="accent1"/>
+          </a:lnRef>
+          <a:fillRef idx="0">
+            <a:schemeClr val="accent1"/>
+          </a:fillRef>
+          <a:effectRef idx="0">
+            <a:schemeClr val="accent1"/>
+          </a:effectRef>
+          <a:fontRef idx="minor">
+            <a:schemeClr val="tx1"/>
+          </a:fontRef>
+        </p:style>
+      </p:cxnSp>
+      <p:sp>
+        <p:nvSpPr>
+          <p:cNvPr id="59" name="左大括号 58">
+            <a:extLst>
+              <a:ext uri="{FF2B5EF4-FFF2-40B4-BE49-F238E27FC236}">
+                <a16:creationId xmlns:a16="http://schemas.microsoft.com/office/drawing/2014/main" id="{455A3E18-B344-0C70-9C44-5EE8781BE0DC}"/>
+              </a:ext>
+            </a:extLst>
+          </p:cNvPr>
+          <p:cNvSpPr/>
+          <p:nvPr/>
+        </p:nvSpPr>
+        <p:spPr>
+          <a:xfrm rot="5400000">
+            <a:off x="8815068" y="1590455"/>
+            <a:ext cx="281056" cy="3294004"/>
+          </a:xfrm>
+          <a:prstGeom prst="leftBrace">
+            <a:avLst>
+              <a:gd name="adj1" fmla="val 8332"/>
+              <a:gd name="adj2" fmla="val 50000"/>
+            </a:avLst>
+          </a:prstGeom>
+        </p:spPr>
+        <p:style>
+          <a:lnRef idx="1">
+            <a:schemeClr val="accent1"/>
+          </a:lnRef>
+          <a:fillRef idx="0">
+            <a:schemeClr val="accent1"/>
+          </a:fillRef>
+          <a:effectRef idx="0">
+            <a:schemeClr val="accent1"/>
+          </a:effectRef>
+          <a:fontRef idx="minor">
+            <a:schemeClr val="tx1"/>
+          </a:fontRef>
+        </p:style>
+        <p:txBody>
+          <a:bodyPr rtlCol="0" anchor="ctr"/>
+          <a:lstStyle/>
+          <a:p>
+            <a:pPr algn="ctr"/>
+            <a:endParaRPr lang="zh-CN" altLang="en-US"/>
+          </a:p>
+        </p:txBody>
+      </p:sp>
+      <p:sp>
+        <p:nvSpPr>
+          <p:cNvPr id="63" name="箭头: 右 62">
+            <a:extLst>
+              <a:ext uri="{FF2B5EF4-FFF2-40B4-BE49-F238E27FC236}">
+                <a16:creationId xmlns:a16="http://schemas.microsoft.com/office/drawing/2014/main" id="{89C2D85A-A809-AA75-691D-8995EAF13D59}"/>
+              </a:ext>
+            </a:extLst>
+          </p:cNvPr>
+          <p:cNvSpPr/>
+          <p:nvPr/>
+        </p:nvSpPr>
+        <p:spPr>
+          <a:xfrm>
+            <a:off x="7681605" y="2174537"/>
+            <a:ext cx="561503" cy="297433"/>
+          </a:xfrm>
+          <a:prstGeom prst="rightArrow">
+            <a:avLst/>
+          </a:prstGeom>
+          <a:solidFill>
+            <a:schemeClr val="accent1">
+              <a:lumMod val="40000"/>
+              <a:lumOff val="60000"/>
+            </a:schemeClr>
+          </a:solidFill>
+          <a:ln>
+            <a:solidFill>
+              <a:schemeClr val="tx1"/>
+            </a:solidFill>
+          </a:ln>
+        </p:spPr>
+        <p:style>
+          <a:lnRef idx="2">
+            <a:schemeClr val="accent1">
+              <a:shade val="15000"/>
+            </a:schemeClr>
+          </a:lnRef>
+          <a:fillRef idx="1">
+            <a:schemeClr val="accent1"/>
+          </a:fillRef>
+          <a:effectRef idx="0">
+            <a:schemeClr val="accent1"/>
+          </a:effectRef>
+          <a:fontRef idx="minor">
+            <a:schemeClr val="lt1"/>
+          </a:fontRef>
+        </p:style>
+        <p:txBody>
+          <a:bodyPr rtlCol="0" anchor="ctr"/>
+          <a:lstStyle/>
+          <a:p>
+            <a:pPr algn="ctr"/>
+            <a:endParaRPr lang="zh-CN" altLang="en-US"/>
+          </a:p>
+        </p:txBody>
+      </p:sp>
+      <p:sp>
+        <p:nvSpPr>
+          <p:cNvPr id="64" name="矩形 63">
+            <a:extLst>
+              <a:ext uri="{FF2B5EF4-FFF2-40B4-BE49-F238E27FC236}">
+                <a16:creationId xmlns:a16="http://schemas.microsoft.com/office/drawing/2014/main" id="{6DAF2F20-9CAF-F8EC-1BF2-0F928DCFEE92}"/>
+              </a:ext>
+            </a:extLst>
+          </p:cNvPr>
+          <p:cNvSpPr/>
+          <p:nvPr/>
+        </p:nvSpPr>
+        <p:spPr>
+          <a:xfrm>
+            <a:off x="6357105" y="1547003"/>
+            <a:ext cx="4500210" cy="3488923"/>
+          </a:xfrm>
+          <a:prstGeom prst="rect">
+            <a:avLst/>
+          </a:prstGeom>
+          <a:noFill/>
+          <a:ln>
+            <a:solidFill>
+              <a:schemeClr val="accent1">
+                <a:shade val="15000"/>
+              </a:schemeClr>
+            </a:solidFill>
+            <a:prstDash val="dash"/>
+            <a:extLst>
+              <a:ext uri="{C807C97D-BFC1-408E-A445-0C87EB9F89A2}">
+                <ask:lineSketchStyleProps xmlns:ask="http://schemas.microsoft.com/office/drawing/2018/sketchyshapes" sd="1219033472">
+                  <a:custGeom>
+                    <a:avLst/>
+                    <a:gdLst>
+                      <a:gd name="connsiteX0" fmla="*/ 0 w 3595196"/>
+                      <a:gd name="connsiteY0" fmla="*/ 0 h 3488923"/>
+                      <a:gd name="connsiteX1" fmla="*/ 563247 w 3595196"/>
+                      <a:gd name="connsiteY1" fmla="*/ 0 h 3488923"/>
+                      <a:gd name="connsiteX2" fmla="*/ 1054591 w 3595196"/>
+                      <a:gd name="connsiteY2" fmla="*/ 0 h 3488923"/>
+                      <a:gd name="connsiteX3" fmla="*/ 1725694 w 3595196"/>
+                      <a:gd name="connsiteY3" fmla="*/ 0 h 3488923"/>
+                      <a:gd name="connsiteX4" fmla="*/ 2288941 w 3595196"/>
+                      <a:gd name="connsiteY4" fmla="*/ 0 h 3488923"/>
+                      <a:gd name="connsiteX5" fmla="*/ 2852189 w 3595196"/>
+                      <a:gd name="connsiteY5" fmla="*/ 0 h 3488923"/>
+                      <a:gd name="connsiteX6" fmla="*/ 3595196 w 3595196"/>
+                      <a:gd name="connsiteY6" fmla="*/ 0 h 3488923"/>
+                      <a:gd name="connsiteX7" fmla="*/ 3595196 w 3595196"/>
+                      <a:gd name="connsiteY7" fmla="*/ 628006 h 3488923"/>
+                      <a:gd name="connsiteX8" fmla="*/ 3595196 w 3595196"/>
+                      <a:gd name="connsiteY8" fmla="*/ 1325791 h 3488923"/>
+                      <a:gd name="connsiteX9" fmla="*/ 3595196 w 3595196"/>
+                      <a:gd name="connsiteY9" fmla="*/ 1953797 h 3488923"/>
+                      <a:gd name="connsiteX10" fmla="*/ 3595196 w 3595196"/>
+                      <a:gd name="connsiteY10" fmla="*/ 2581803 h 3488923"/>
+                      <a:gd name="connsiteX11" fmla="*/ 3595196 w 3595196"/>
+                      <a:gd name="connsiteY11" fmla="*/ 3488923 h 3488923"/>
+                      <a:gd name="connsiteX12" fmla="*/ 2960045 w 3595196"/>
+                      <a:gd name="connsiteY12" fmla="*/ 3488923 h 3488923"/>
+                      <a:gd name="connsiteX13" fmla="*/ 2288941 w 3595196"/>
+                      <a:gd name="connsiteY13" fmla="*/ 3488923 h 3488923"/>
+                      <a:gd name="connsiteX14" fmla="*/ 1617838 w 3595196"/>
+                      <a:gd name="connsiteY14" fmla="*/ 3488923 h 3488923"/>
+                      <a:gd name="connsiteX15" fmla="*/ 1090543 w 3595196"/>
+                      <a:gd name="connsiteY15" fmla="*/ 3488923 h 3488923"/>
+                      <a:gd name="connsiteX16" fmla="*/ 0 w 3595196"/>
+                      <a:gd name="connsiteY16" fmla="*/ 3488923 h 3488923"/>
+                      <a:gd name="connsiteX17" fmla="*/ 0 w 3595196"/>
+                      <a:gd name="connsiteY17" fmla="*/ 2721360 h 3488923"/>
+                      <a:gd name="connsiteX18" fmla="*/ 0 w 3595196"/>
+                      <a:gd name="connsiteY18" fmla="*/ 2128243 h 3488923"/>
+                      <a:gd name="connsiteX19" fmla="*/ 0 w 3595196"/>
+                      <a:gd name="connsiteY19" fmla="*/ 1500237 h 3488923"/>
+                      <a:gd name="connsiteX20" fmla="*/ 0 w 3595196"/>
+                      <a:gd name="connsiteY20" fmla="*/ 872231 h 3488923"/>
+                      <a:gd name="connsiteX21" fmla="*/ 0 w 3595196"/>
+                      <a:gd name="connsiteY21" fmla="*/ 0 h 3488923"/>
+                    </a:gdLst>
+                    <a:ahLst/>
+                    <a:cxnLst>
+                      <a:cxn ang="0">
+                        <a:pos x="connsiteX0" y="connsiteY0"/>
+                      </a:cxn>
+                      <a:cxn ang="0">
+                        <a:pos x="connsiteX1" y="connsiteY1"/>
+                      </a:cxn>
+                      <a:cxn ang="0">
+                        <a:pos x="connsiteX2" y="connsiteY2"/>
+                      </a:cxn>
+                      <a:cxn ang="0">
+                        <a:pos x="connsiteX3" y="connsiteY3"/>
+                      </a:cxn>
+                      <a:cxn ang="0">
+                        <a:pos x="connsiteX4" y="connsiteY4"/>
+                      </a:cxn>
+                      <a:cxn ang="0">
+                        <a:pos x="connsiteX5" y="connsiteY5"/>
+                      </a:cxn>
+                      <a:cxn ang="0">
+                        <a:pos x="connsiteX6" y="connsiteY6"/>
+                      </a:cxn>
+                      <a:cxn ang="0">
+                        <a:pos x="connsiteX7" y="connsiteY7"/>
+                      </a:cxn>
+                      <a:cxn ang="0">
+                        <a:pos x="connsiteX8" y="connsiteY8"/>
+                      </a:cxn>
+                      <a:cxn ang="0">
+                        <a:pos x="connsiteX9" y="connsiteY9"/>
+                      </a:cxn>
+                      <a:cxn ang="0">
+                        <a:pos x="connsiteX10" y="connsiteY10"/>
+                      </a:cxn>
+                      <a:cxn ang="0">
+                        <a:pos x="connsiteX11" y="connsiteY11"/>
+                      </a:cxn>
+                      <a:cxn ang="0">
+                        <a:pos x="connsiteX12" y="connsiteY12"/>
+                      </a:cxn>
+                      <a:cxn ang="0">
+                        <a:pos x="connsiteX13" y="connsiteY13"/>
+                      </a:cxn>
+                      <a:cxn ang="0">
+                        <a:pos x="connsiteX14" y="connsiteY14"/>
+                      </a:cxn>
+                      <a:cxn ang="0">
+                        <a:pos x="connsiteX15" y="connsiteY15"/>
+                      </a:cxn>
+                      <a:cxn ang="0">
+                        <a:pos x="connsiteX16" y="connsiteY16"/>
+                      </a:cxn>
+                      <a:cxn ang="0">
+                        <a:pos x="connsiteX17" y="connsiteY17"/>
+                      </a:cxn>
+                      <a:cxn ang="0">
+                        <a:pos x="connsiteX18" y="connsiteY18"/>
+                      </a:cxn>
+                      <a:cxn ang="0">
+                        <a:pos x="connsiteX19" y="connsiteY19"/>
+                      </a:cxn>
+                      <a:cxn ang="0">
+                        <a:pos x="connsiteX20" y="connsiteY20"/>
+                      </a:cxn>
+                      <a:cxn ang="0">
+                        <a:pos x="connsiteX21" y="connsiteY21"/>
+                      </a:cxn>
+                    </a:cxnLst>
+                    <a:rect l="l" t="t" r="r" b="b"/>
+                    <a:pathLst>
+                      <a:path w="3595196" h="3488923" extrusionOk="0">
+                        <a:moveTo>
+                          <a:pt x="0" y="0"/>
+                        </a:moveTo>
+                        <a:cubicBezTo>
+                          <a:pt x="149156" y="-20299"/>
+                          <a:pt x="353103" y="-16551"/>
+                          <a:pt x="563247" y="0"/>
+                        </a:cubicBezTo>
+                        <a:cubicBezTo>
+                          <a:pt x="773391" y="16551"/>
+                          <a:pt x="937663" y="-13606"/>
+                          <a:pt x="1054591" y="0"/>
+                        </a:cubicBezTo>
+                        <a:cubicBezTo>
+                          <a:pt x="1171519" y="13606"/>
+                          <a:pt x="1580439" y="18120"/>
+                          <a:pt x="1725694" y="0"/>
+                        </a:cubicBezTo>
+                        <a:cubicBezTo>
+                          <a:pt x="1870949" y="-18120"/>
+                          <a:pt x="2077869" y="16282"/>
+                          <a:pt x="2288941" y="0"/>
+                        </a:cubicBezTo>
+                        <a:cubicBezTo>
+                          <a:pt x="2500013" y="-16282"/>
+                          <a:pt x="2660767" y="-5659"/>
+                          <a:pt x="2852189" y="0"/>
+                        </a:cubicBezTo>
+                        <a:cubicBezTo>
+                          <a:pt x="3043611" y="5659"/>
+                          <a:pt x="3284036" y="-3840"/>
+                          <a:pt x="3595196" y="0"/>
+                        </a:cubicBezTo>
+                        <a:cubicBezTo>
+                          <a:pt x="3609934" y="190344"/>
+                          <a:pt x="3567707" y="357584"/>
+                          <a:pt x="3595196" y="628006"/>
+                        </a:cubicBezTo>
+                        <a:cubicBezTo>
+                          <a:pt x="3622685" y="898428"/>
+                          <a:pt x="3618601" y="1103762"/>
+                          <a:pt x="3595196" y="1325791"/>
+                        </a:cubicBezTo>
+                        <a:cubicBezTo>
+                          <a:pt x="3571791" y="1547820"/>
+                          <a:pt x="3581445" y="1720315"/>
+                          <a:pt x="3595196" y="1953797"/>
+                        </a:cubicBezTo>
+                        <a:cubicBezTo>
+                          <a:pt x="3608947" y="2187279"/>
+                          <a:pt x="3614932" y="2454919"/>
+                          <a:pt x="3595196" y="2581803"/>
+                        </a:cubicBezTo>
+                        <a:cubicBezTo>
+                          <a:pt x="3575460" y="2708687"/>
+                          <a:pt x="3592797" y="3207600"/>
+                          <a:pt x="3595196" y="3488923"/>
+                        </a:cubicBezTo>
+                        <a:cubicBezTo>
+                          <a:pt x="3325526" y="3509833"/>
+                          <a:pt x="3203948" y="3503026"/>
+                          <a:pt x="2960045" y="3488923"/>
+                        </a:cubicBezTo>
+                        <a:cubicBezTo>
+                          <a:pt x="2716142" y="3474820"/>
+                          <a:pt x="2503203" y="3464026"/>
+                          <a:pt x="2288941" y="3488923"/>
+                        </a:cubicBezTo>
+                        <a:cubicBezTo>
+                          <a:pt x="2074679" y="3513820"/>
+                          <a:pt x="1754746" y="3504239"/>
+                          <a:pt x="1617838" y="3488923"/>
+                        </a:cubicBezTo>
+                        <a:cubicBezTo>
+                          <a:pt x="1480930" y="3473607"/>
+                          <a:pt x="1273182" y="3486786"/>
+                          <a:pt x="1090543" y="3488923"/>
+                        </a:cubicBezTo>
+                        <a:cubicBezTo>
+                          <a:pt x="907905" y="3491060"/>
+                          <a:pt x="349115" y="3472026"/>
+                          <a:pt x="0" y="3488923"/>
+                        </a:cubicBezTo>
+                        <a:cubicBezTo>
+                          <a:pt x="-33153" y="3168699"/>
+                          <a:pt x="29033" y="3061409"/>
+                          <a:pt x="0" y="2721360"/>
+                        </a:cubicBezTo>
+                        <a:cubicBezTo>
+                          <a:pt x="-29033" y="2381311"/>
+                          <a:pt x="8541" y="2414428"/>
+                          <a:pt x="0" y="2128243"/>
+                        </a:cubicBezTo>
+                        <a:cubicBezTo>
+                          <a:pt x="-8541" y="1842058"/>
+                          <a:pt x="-8859" y="1666521"/>
+                          <a:pt x="0" y="1500237"/>
+                        </a:cubicBezTo>
+                        <a:cubicBezTo>
+                          <a:pt x="8859" y="1333953"/>
+                          <a:pt x="19836" y="1012882"/>
+                          <a:pt x="0" y="872231"/>
+                        </a:cubicBezTo>
+                        <a:cubicBezTo>
+                          <a:pt x="-19836" y="731580"/>
+                          <a:pt x="32890" y="176066"/>
+                          <a:pt x="0" y="0"/>
+                        </a:cubicBezTo>
+                        <a:close/>
+                      </a:path>
+                    </a:pathLst>
+                  </a:custGeom>
+                  <ask:type>
+                    <ask:lineSketchNone/>
+                  </ask:type>
+                </ask:lineSketchStyleProps>
+              </a:ext>
+            </a:extLst>
+          </a:ln>
+        </p:spPr>
+        <p:style>
+          <a:lnRef idx="2">
+            <a:schemeClr val="accent1">
+              <a:shade val="15000"/>
+            </a:schemeClr>
+          </a:lnRef>
+          <a:fillRef idx="1">
+            <a:schemeClr val="accent1"/>
+          </a:fillRef>
+          <a:effectRef idx="0">
+            <a:schemeClr val="accent1"/>
+          </a:effectRef>
+          <a:fontRef idx="minor">
+            <a:schemeClr val="lt1"/>
+          </a:fontRef>
+        </p:style>
+        <p:txBody>
+          <a:bodyPr rtlCol="0" anchor="ctr"/>
+          <a:lstStyle/>
+          <a:p>
+            <a:pPr algn="ctr"/>
+            <a:endParaRPr lang="zh-CN" altLang="en-US"/>
+          </a:p>
+        </p:txBody>
+      </p:sp>
+      <p:sp>
+        <p:nvSpPr>
+          <p:cNvPr id="67" name="矩形 66">
+            <a:extLst>
+              <a:ext uri="{FF2B5EF4-FFF2-40B4-BE49-F238E27FC236}">
+                <a16:creationId xmlns:a16="http://schemas.microsoft.com/office/drawing/2014/main" id="{8C62AE5C-F396-8795-835E-A481060C1036}"/>
+              </a:ext>
+            </a:extLst>
+          </p:cNvPr>
+          <p:cNvSpPr/>
+          <p:nvPr/>
+        </p:nvSpPr>
+        <p:spPr>
+          <a:xfrm>
+            <a:off x="1097686" y="1384804"/>
+            <a:ext cx="2574914" cy="3975691"/>
+          </a:xfrm>
+          <a:prstGeom prst="rect">
+            <a:avLst/>
+          </a:prstGeom>
+          <a:noFill/>
+          <a:ln>
+            <a:solidFill>
+              <a:schemeClr val="accent1">
+                <a:shade val="15000"/>
+              </a:schemeClr>
+            </a:solidFill>
+            <a:prstDash val="dash"/>
+            <a:extLst>
+              <a:ext uri="{C807C97D-BFC1-408E-A445-0C87EB9F89A2}">
+                <ask:lineSketchStyleProps xmlns:ask="http://schemas.microsoft.com/office/drawing/2018/sketchyshapes" sd="1219033472">
+                  <a:custGeom>
+                    <a:avLst/>
+                    <a:gdLst>
+                      <a:gd name="connsiteX0" fmla="*/ 0 w 3595196"/>
+                      <a:gd name="connsiteY0" fmla="*/ 0 h 3488923"/>
+                      <a:gd name="connsiteX1" fmla="*/ 563247 w 3595196"/>
+                      <a:gd name="connsiteY1" fmla="*/ 0 h 3488923"/>
+                      <a:gd name="connsiteX2" fmla="*/ 1054591 w 3595196"/>
+                      <a:gd name="connsiteY2" fmla="*/ 0 h 3488923"/>
+                      <a:gd name="connsiteX3" fmla="*/ 1725694 w 3595196"/>
+                      <a:gd name="connsiteY3" fmla="*/ 0 h 3488923"/>
+                      <a:gd name="connsiteX4" fmla="*/ 2288941 w 3595196"/>
+                      <a:gd name="connsiteY4" fmla="*/ 0 h 3488923"/>
+                      <a:gd name="connsiteX5" fmla="*/ 2852189 w 3595196"/>
+                      <a:gd name="connsiteY5" fmla="*/ 0 h 3488923"/>
+                      <a:gd name="connsiteX6" fmla="*/ 3595196 w 3595196"/>
+                      <a:gd name="connsiteY6" fmla="*/ 0 h 3488923"/>
+                      <a:gd name="connsiteX7" fmla="*/ 3595196 w 3595196"/>
+                      <a:gd name="connsiteY7" fmla="*/ 628006 h 3488923"/>
+                      <a:gd name="connsiteX8" fmla="*/ 3595196 w 3595196"/>
+                      <a:gd name="connsiteY8" fmla="*/ 1325791 h 3488923"/>
+                      <a:gd name="connsiteX9" fmla="*/ 3595196 w 3595196"/>
+                      <a:gd name="connsiteY9" fmla="*/ 1953797 h 3488923"/>
+                      <a:gd name="connsiteX10" fmla="*/ 3595196 w 3595196"/>
+                      <a:gd name="connsiteY10" fmla="*/ 2581803 h 3488923"/>
+                      <a:gd name="connsiteX11" fmla="*/ 3595196 w 3595196"/>
+                      <a:gd name="connsiteY11" fmla="*/ 3488923 h 3488923"/>
+                      <a:gd name="connsiteX12" fmla="*/ 2960045 w 3595196"/>
+                      <a:gd name="connsiteY12" fmla="*/ 3488923 h 3488923"/>
+                      <a:gd name="connsiteX13" fmla="*/ 2288941 w 3595196"/>
+                      <a:gd name="connsiteY13" fmla="*/ 3488923 h 3488923"/>
+                      <a:gd name="connsiteX14" fmla="*/ 1617838 w 3595196"/>
+                      <a:gd name="connsiteY14" fmla="*/ 3488923 h 3488923"/>
+                      <a:gd name="connsiteX15" fmla="*/ 1090543 w 3595196"/>
+                      <a:gd name="connsiteY15" fmla="*/ 3488923 h 3488923"/>
+                      <a:gd name="connsiteX16" fmla="*/ 0 w 3595196"/>
+                      <a:gd name="connsiteY16" fmla="*/ 3488923 h 3488923"/>
+                      <a:gd name="connsiteX17" fmla="*/ 0 w 3595196"/>
+                      <a:gd name="connsiteY17" fmla="*/ 2721360 h 3488923"/>
+                      <a:gd name="connsiteX18" fmla="*/ 0 w 3595196"/>
+                      <a:gd name="connsiteY18" fmla="*/ 2128243 h 3488923"/>
+                      <a:gd name="connsiteX19" fmla="*/ 0 w 3595196"/>
+                      <a:gd name="connsiteY19" fmla="*/ 1500237 h 3488923"/>
+                      <a:gd name="connsiteX20" fmla="*/ 0 w 3595196"/>
+                      <a:gd name="connsiteY20" fmla="*/ 872231 h 3488923"/>
+                      <a:gd name="connsiteX21" fmla="*/ 0 w 3595196"/>
+                      <a:gd name="connsiteY21" fmla="*/ 0 h 3488923"/>
+                    </a:gdLst>
+                    <a:ahLst/>
+                    <a:cxnLst>
+                      <a:cxn ang="0">
+                        <a:pos x="connsiteX0" y="connsiteY0"/>
+                      </a:cxn>
+                      <a:cxn ang="0">
+                        <a:pos x="connsiteX1" y="connsiteY1"/>
+                      </a:cxn>
+                      <a:cxn ang="0">
+                        <a:pos x="connsiteX2" y="connsiteY2"/>
+                      </a:cxn>
+                      <a:cxn ang="0">
+                        <a:pos x="connsiteX3" y="connsiteY3"/>
+                      </a:cxn>
+                      <a:cxn ang="0">
+                        <a:pos x="connsiteX4" y="connsiteY4"/>
+                      </a:cxn>
+                      <a:cxn ang="0">
+                        <a:pos x="connsiteX5" y="connsiteY5"/>
+                      </a:cxn>
+                      <a:cxn ang="0">
+                        <a:pos x="connsiteX6" y="connsiteY6"/>
+                      </a:cxn>
+                      <a:cxn ang="0">
+                        <a:pos x="connsiteX7" y="connsiteY7"/>
+                      </a:cxn>
+                      <a:cxn ang="0">
+                        <a:pos x="connsiteX8" y="connsiteY8"/>
+                      </a:cxn>
+                      <a:cxn ang="0">
+                        <a:pos x="connsiteX9" y="connsiteY9"/>
+                      </a:cxn>
+                      <a:cxn ang="0">
+                        <a:pos x="connsiteX10" y="connsiteY10"/>
+                      </a:cxn>
+                      <a:cxn ang="0">
+                        <a:pos x="connsiteX11" y="connsiteY11"/>
+                      </a:cxn>
+                      <a:cxn ang="0">
+                        <a:pos x="connsiteX12" y="connsiteY12"/>
+                      </a:cxn>
+                      <a:cxn ang="0">
+                        <a:pos x="connsiteX13" y="connsiteY13"/>
+                      </a:cxn>
+                      <a:cxn ang="0">
+                        <a:pos x="connsiteX14" y="connsiteY14"/>
+                      </a:cxn>
+                      <a:cxn ang="0">
+                        <a:pos x="connsiteX15" y="connsiteY15"/>
+                      </a:cxn>
+                      <a:cxn ang="0">
+                        <a:pos x="connsiteX16" y="connsiteY16"/>
+                      </a:cxn>
+                      <a:cxn ang="0">
+                        <a:pos x="connsiteX17" y="connsiteY17"/>
+                      </a:cxn>
+                      <a:cxn ang="0">
+                        <a:pos x="connsiteX18" y="connsiteY18"/>
+                      </a:cxn>
+                      <a:cxn ang="0">
+                        <a:pos x="connsiteX19" y="connsiteY19"/>
+                      </a:cxn>
+                      <a:cxn ang="0">
+                        <a:pos x="connsiteX20" y="connsiteY20"/>
+                      </a:cxn>
+                      <a:cxn ang="0">
+                        <a:pos x="connsiteX21" y="connsiteY21"/>
+                      </a:cxn>
+                    </a:cxnLst>
+                    <a:rect l="l" t="t" r="r" b="b"/>
+                    <a:pathLst>
+                      <a:path w="3595196" h="3488923" extrusionOk="0">
+                        <a:moveTo>
+                          <a:pt x="0" y="0"/>
+                        </a:moveTo>
+                        <a:cubicBezTo>
+                          <a:pt x="149156" y="-20299"/>
+                          <a:pt x="353103" y="-16551"/>
+                          <a:pt x="563247" y="0"/>
+                        </a:cubicBezTo>
+                        <a:cubicBezTo>
+                          <a:pt x="773391" y="16551"/>
+                          <a:pt x="937663" y="-13606"/>
+                          <a:pt x="1054591" y="0"/>
+                        </a:cubicBezTo>
+                        <a:cubicBezTo>
+                          <a:pt x="1171519" y="13606"/>
+                          <a:pt x="1580439" y="18120"/>
+                          <a:pt x="1725694" y="0"/>
+                        </a:cubicBezTo>
+                        <a:cubicBezTo>
+                          <a:pt x="1870949" y="-18120"/>
+                          <a:pt x="2077869" y="16282"/>
+                          <a:pt x="2288941" y="0"/>
+                        </a:cubicBezTo>
+                        <a:cubicBezTo>
+                          <a:pt x="2500013" y="-16282"/>
+                          <a:pt x="2660767" y="-5659"/>
+                          <a:pt x="2852189" y="0"/>
+                        </a:cubicBezTo>
+                        <a:cubicBezTo>
+                          <a:pt x="3043611" y="5659"/>
+                          <a:pt x="3284036" y="-3840"/>
+                          <a:pt x="3595196" y="0"/>
+                        </a:cubicBezTo>
+                        <a:cubicBezTo>
+                          <a:pt x="3609934" y="190344"/>
+                          <a:pt x="3567707" y="357584"/>
+                          <a:pt x="3595196" y="628006"/>
+                        </a:cubicBezTo>
+                        <a:cubicBezTo>
+                          <a:pt x="3622685" y="898428"/>
+                          <a:pt x="3618601" y="1103762"/>
+                          <a:pt x="3595196" y="1325791"/>
+                        </a:cubicBezTo>
+                        <a:cubicBezTo>
+                          <a:pt x="3571791" y="1547820"/>
+                          <a:pt x="3581445" y="1720315"/>
+                          <a:pt x="3595196" y="1953797"/>
+                        </a:cubicBezTo>
+                        <a:cubicBezTo>
+                          <a:pt x="3608947" y="2187279"/>
+                          <a:pt x="3614932" y="2454919"/>
+                          <a:pt x="3595196" y="2581803"/>
+                        </a:cubicBezTo>
+                        <a:cubicBezTo>
+                          <a:pt x="3575460" y="2708687"/>
+                          <a:pt x="3592797" y="3207600"/>
+                          <a:pt x="3595196" y="3488923"/>
+                        </a:cubicBezTo>
+                        <a:cubicBezTo>
+                          <a:pt x="3325526" y="3509833"/>
+                          <a:pt x="3203948" y="3503026"/>
+                          <a:pt x="2960045" y="3488923"/>
+                        </a:cubicBezTo>
+                        <a:cubicBezTo>
+                          <a:pt x="2716142" y="3474820"/>
+                          <a:pt x="2503203" y="3464026"/>
+                          <a:pt x="2288941" y="3488923"/>
+                        </a:cubicBezTo>
+                        <a:cubicBezTo>
+                          <a:pt x="2074679" y="3513820"/>
+                          <a:pt x="1754746" y="3504239"/>
+                          <a:pt x="1617838" y="3488923"/>
+                        </a:cubicBezTo>
+                        <a:cubicBezTo>
+                          <a:pt x="1480930" y="3473607"/>
+                          <a:pt x="1273182" y="3486786"/>
+                          <a:pt x="1090543" y="3488923"/>
+                        </a:cubicBezTo>
+                        <a:cubicBezTo>
+                          <a:pt x="907905" y="3491060"/>
+                          <a:pt x="349115" y="3472026"/>
+                          <a:pt x="0" y="3488923"/>
+                        </a:cubicBezTo>
+                        <a:cubicBezTo>
+                          <a:pt x="-33153" y="3168699"/>
+                          <a:pt x="29033" y="3061409"/>
+                          <a:pt x="0" y="2721360"/>
+                        </a:cubicBezTo>
+                        <a:cubicBezTo>
+                          <a:pt x="-29033" y="2381311"/>
+                          <a:pt x="8541" y="2414428"/>
+                          <a:pt x="0" y="2128243"/>
+                        </a:cubicBezTo>
+                        <a:cubicBezTo>
+                          <a:pt x="-8541" y="1842058"/>
+                          <a:pt x="-8859" y="1666521"/>
+                          <a:pt x="0" y="1500237"/>
+                        </a:cubicBezTo>
+                        <a:cubicBezTo>
+                          <a:pt x="8859" y="1333953"/>
+                          <a:pt x="19836" y="1012882"/>
+                          <a:pt x="0" y="872231"/>
+                        </a:cubicBezTo>
+                        <a:cubicBezTo>
+                          <a:pt x="-19836" y="731580"/>
+                          <a:pt x="32890" y="176066"/>
+                          <a:pt x="0" y="0"/>
+                        </a:cubicBezTo>
+                        <a:close/>
+                      </a:path>
+                    </a:pathLst>
+                  </a:custGeom>
+                  <ask:type>
+                    <ask:lineSketchNone/>
+                  </ask:type>
+                </ask:lineSketchStyleProps>
+              </a:ext>
+            </a:extLst>
+          </a:ln>
+        </p:spPr>
+        <p:style>
+          <a:lnRef idx="2">
+            <a:schemeClr val="accent1">
+              <a:shade val="15000"/>
+            </a:schemeClr>
+          </a:lnRef>
+          <a:fillRef idx="1">
+            <a:schemeClr val="accent1"/>
+          </a:fillRef>
+          <a:effectRef idx="0">
+            <a:schemeClr val="accent1"/>
+          </a:effectRef>
+          <a:fontRef idx="minor">
+            <a:schemeClr val="lt1"/>
+          </a:fontRef>
+        </p:style>
+        <p:txBody>
+          <a:bodyPr rtlCol="0" anchor="ctr"/>
+          <a:lstStyle/>
+          <a:p>
+            <a:pPr algn="ctr"/>
+            <a:endParaRPr lang="zh-CN" altLang="en-US"/>
+          </a:p>
+        </p:txBody>
+      </p:sp>
+      <p:sp>
+        <p:nvSpPr>
+          <p:cNvPr id="2" name="椭圆 1">
+            <a:extLst>
+              <a:ext uri="{FF2B5EF4-FFF2-40B4-BE49-F238E27FC236}">
+                <a16:creationId xmlns:a16="http://schemas.microsoft.com/office/drawing/2014/main" id="{ABCF0D76-BFF6-9F93-6D39-9CFB57F6196B}"/>
+              </a:ext>
+            </a:extLst>
+          </p:cNvPr>
+          <p:cNvSpPr/>
+          <p:nvPr/>
+        </p:nvSpPr>
+        <p:spPr>
+          <a:xfrm>
+            <a:off x="5582406" y="3002427"/>
+            <a:ext cx="140394" cy="140394"/>
+          </a:xfrm>
+          <a:prstGeom prst="ellipse">
+            <a:avLst/>
+          </a:prstGeom>
+        </p:spPr>
+        <p:style>
+          <a:lnRef idx="2">
+            <a:schemeClr val="dk1">
+              <a:shade val="15000"/>
+            </a:schemeClr>
+          </a:lnRef>
+          <a:fillRef idx="1">
+            <a:schemeClr val="dk1"/>
+          </a:fillRef>
+          <a:effectRef idx="0">
+            <a:schemeClr val="dk1"/>
+          </a:effectRef>
+          <a:fontRef idx="minor">
+            <a:schemeClr val="lt1"/>
+          </a:fontRef>
+        </p:style>
+        <p:txBody>
+          <a:bodyPr rtlCol="0" anchor="ctr"/>
+          <a:lstStyle/>
+          <a:p>
+            <a:pPr algn="ctr"/>
+            <a:endParaRPr lang="zh-CN" altLang="en-US"/>
+          </a:p>
+        </p:txBody>
+      </p:sp>
+      <p:sp>
+        <p:nvSpPr>
+          <p:cNvPr id="4" name="椭圆 3">
+            <a:extLst>
+              <a:ext uri="{FF2B5EF4-FFF2-40B4-BE49-F238E27FC236}">
+                <a16:creationId xmlns:a16="http://schemas.microsoft.com/office/drawing/2014/main" id="{148E0FD1-9447-1673-D502-6E2AEBE74CAD}"/>
+              </a:ext>
+            </a:extLst>
+          </p:cNvPr>
+          <p:cNvSpPr/>
+          <p:nvPr/>
+        </p:nvSpPr>
+        <p:spPr>
+          <a:xfrm>
+            <a:off x="5580870" y="3283835"/>
+            <a:ext cx="140394" cy="140394"/>
+          </a:xfrm>
+          <a:prstGeom prst="ellipse">
+            <a:avLst/>
+          </a:prstGeom>
+        </p:spPr>
+        <p:style>
+          <a:lnRef idx="2">
+            <a:schemeClr val="dk1">
+              <a:shade val="15000"/>
+            </a:schemeClr>
+          </a:lnRef>
+          <a:fillRef idx="1">
+            <a:schemeClr val="dk1"/>
+          </a:fillRef>
+          <a:effectRef idx="0">
+            <a:schemeClr val="dk1"/>
+          </a:effectRef>
+          <a:fontRef idx="minor">
+            <a:schemeClr val="lt1"/>
+          </a:fontRef>
+        </p:style>
+        <p:txBody>
+          <a:bodyPr rtlCol="0" anchor="ctr"/>
+          <a:lstStyle/>
+          <a:p>
+            <a:pPr algn="ctr"/>
+            <a:endParaRPr lang="zh-CN" altLang="en-US"/>
+          </a:p>
+        </p:txBody>
+      </p:sp>
+      <p:sp>
+        <p:nvSpPr>
+          <p:cNvPr id="7" name="椭圆 6">
+            <a:extLst>
+              <a:ext uri="{FF2B5EF4-FFF2-40B4-BE49-F238E27FC236}">
+                <a16:creationId xmlns:a16="http://schemas.microsoft.com/office/drawing/2014/main" id="{835DF502-EC47-2421-81CB-F30EB9C607CB}"/>
+              </a:ext>
+            </a:extLst>
+          </p:cNvPr>
+          <p:cNvSpPr/>
+          <p:nvPr/>
+        </p:nvSpPr>
+        <p:spPr>
+          <a:xfrm>
+            <a:off x="5580870" y="3596193"/>
+            <a:ext cx="140394" cy="140394"/>
+          </a:xfrm>
+          <a:prstGeom prst="ellipse">
+            <a:avLst/>
+          </a:prstGeom>
+        </p:spPr>
+        <p:style>
+          <a:lnRef idx="2">
+            <a:schemeClr val="dk1">
+              <a:shade val="15000"/>
+            </a:schemeClr>
+          </a:lnRef>
+          <a:fillRef idx="1">
+            <a:schemeClr val="dk1"/>
+          </a:fillRef>
+          <a:effectRef idx="0">
+            <a:schemeClr val="dk1"/>
+          </a:effectRef>
+          <a:fontRef idx="minor">
+            <a:schemeClr val="lt1"/>
+          </a:fontRef>
+        </p:style>
+        <p:txBody>
+          <a:bodyPr rtlCol="0" anchor="ctr"/>
+          <a:lstStyle/>
+          <a:p>
+            <a:pPr algn="ctr"/>
+            <a:endParaRPr lang="zh-CN" altLang="en-US"/>
+          </a:p>
+        </p:txBody>
+      </p:sp>
+      <p:sp>
+        <p:nvSpPr>
+          <p:cNvPr id="25" name="椭圆 24">
+            <a:extLst>
+              <a:ext uri="{FF2B5EF4-FFF2-40B4-BE49-F238E27FC236}">
+                <a16:creationId xmlns:a16="http://schemas.microsoft.com/office/drawing/2014/main" id="{001EDB8F-C090-381C-A4E2-E7CEEAE27000}"/>
+              </a:ext>
+            </a:extLst>
+          </p:cNvPr>
+          <p:cNvSpPr/>
+          <p:nvPr/>
+        </p:nvSpPr>
+        <p:spPr>
+          <a:xfrm>
+            <a:off x="4274562" y="2848274"/>
+            <a:ext cx="474221" cy="835381"/>
+          </a:xfrm>
+          <a:prstGeom prst="ellipse">
+            <a:avLst/>
+          </a:prstGeom>
+          <a:solidFill>
+            <a:schemeClr val="accent1">
+              <a:lumMod val="40000"/>
+              <a:lumOff val="60000"/>
+            </a:schemeClr>
+          </a:solidFill>
+        </p:spPr>
+        <p:style>
+          <a:lnRef idx="2">
+            <a:schemeClr val="accent1">
+              <a:shade val="15000"/>
+            </a:schemeClr>
+          </a:lnRef>
+          <a:fillRef idx="1">
+            <a:schemeClr val="accent1"/>
+          </a:fillRef>
+          <a:effectRef idx="0">
+            <a:schemeClr val="accent1"/>
+          </a:effectRef>
+          <a:fontRef idx="minor">
+            <a:schemeClr val="lt1"/>
+          </a:fontRef>
+        </p:style>
+        <p:txBody>
+          <a:bodyPr rtlCol="0" anchor="ctr"/>
+          <a:lstStyle/>
+          <a:p>
+            <a:pPr algn="ctr"/>
+            <a:r>
+              <a:rPr lang="zh-CN" altLang="en-US" sz="1400" dirty="0"/>
+              <a:t>随机森林</a:t>
+            </a:r>
+          </a:p>
+        </p:txBody>
+      </p:sp>
+    </p:spTree>
+    <p:extLst>
+      <p:ext uri="{BB962C8B-B14F-4D97-AF65-F5344CB8AC3E}">
+        <p14:creationId xmlns:p14="http://schemas.microsoft.com/office/powerpoint/2010/main" val="1182924776"/>
+      </p:ext>
+    </p:extLst>
+  </p:cSld>
+  <p:clrMapOvr>
+    <a:masterClrMapping/>
+  </p:clrMapOvr>
+</p:sld>
+</file>
+
+<file path=ppt/slides/slide11.xml><?xml version="1.0" encoding="utf-8"?>
+<p:sld xmlns:a="http://schemas.openxmlformats.org/drawingml/2006/main" xmlns:r="http://schemas.openxmlformats.org/officeDocument/2006/relationships" xmlns:p="http://schemas.openxmlformats.org/presentationml/2006/main">
+  <p:cSld>
+    <p:spTree>
+      <p:nvGrpSpPr>
+        <p:cNvPr id="1" name=""/>
+        <p:cNvGrpSpPr/>
+        <p:nvPr/>
+      </p:nvGrpSpPr>
+      <p:grpSpPr>
+        <a:xfrm>
+          <a:off x="0" y="0"/>
+          <a:ext cx="0" cy="0"/>
+          <a:chOff x="0" y="0"/>
+          <a:chExt cx="0" cy="0"/>
+        </a:xfrm>
+      </p:grpSpPr>
+    </p:spTree>
+    <p:extLst>
+      <p:ext uri="{BB962C8B-B14F-4D97-AF65-F5344CB8AC3E}">
+        <p14:creationId xmlns:p14="http://schemas.microsoft.com/office/powerpoint/2010/main" val="3460393774"/>
+      </p:ext>
+    </p:extLst>
+  </p:cSld>
+  <p:clrMapOvr>
+    <a:masterClrMapping/>
+  </p:clrMapOvr>
+</p:sld>
+</file>
+
+<file path=ppt/slides/slide12.xml><?xml version="1.0" encoding="utf-8"?>
+<p:sld xmlns:a="http://schemas.openxmlformats.org/drawingml/2006/main" xmlns:r="http://schemas.openxmlformats.org/officeDocument/2006/relationships" xmlns:p="http://schemas.openxmlformats.org/presentationml/2006/main">
+  <p:cSld>
+    <p:spTree>
+      <p:nvGrpSpPr>
+        <p:cNvPr id="1" name=""/>
+        <p:cNvGrpSpPr/>
+        <p:nvPr/>
+      </p:nvGrpSpPr>
+      <p:grpSpPr>
+        <a:xfrm>
+          <a:off x="0" y="0"/>
+          <a:ext cx="0" cy="0"/>
+          <a:chOff x="0" y="0"/>
+          <a:chExt cx="0" cy="0"/>
+        </a:xfrm>
+      </p:grpSpPr>
+    </p:spTree>
+    <p:extLst>
+      <p:ext uri="{BB962C8B-B14F-4D97-AF65-F5344CB8AC3E}">
+        <p14:creationId xmlns:p14="http://schemas.microsoft.com/office/powerpoint/2010/main" val="3634591883"/>
+      </p:ext>
+    </p:extLst>
+  </p:cSld>
+  <p:clrMapOvr>
+    <a:masterClrMapping/>
+  </p:clrMapOvr>
+</p:sld>
+</file>
+
+<file path=ppt/slides/slide13.xml><?xml version="1.0" encoding="utf-8"?>
+<p:sld xmlns:a="http://schemas.openxmlformats.org/drawingml/2006/main" xmlns:r="http://schemas.openxmlformats.org/officeDocument/2006/relationships" xmlns:p="http://schemas.openxmlformats.org/presentationml/2006/main">
+  <p:cSld>
+    <p:spTree>
+      <p:nvGrpSpPr>
+        <p:cNvPr id="1" name=""/>
+        <p:cNvGrpSpPr/>
+        <p:nvPr/>
+      </p:nvGrpSpPr>
+      <p:grpSpPr>
+        <a:xfrm>
+          <a:off x="0" y="0"/>
+          <a:ext cx="0" cy="0"/>
+          <a:chOff x="0" y="0"/>
+          <a:chExt cx="0" cy="0"/>
+        </a:xfrm>
+      </p:grpSpPr>
+    </p:spTree>
+    <p:extLst>
+      <p:ext uri="{BB962C8B-B14F-4D97-AF65-F5344CB8AC3E}">
+        <p14:creationId xmlns:p14="http://schemas.microsoft.com/office/powerpoint/2010/main" val="3378257537"/>
+      </p:ext>
+    </p:extLst>
+  </p:cSld>
+  <p:clrMapOvr>
+    <a:masterClrMapping/>
+  </p:clrMapOvr>
+</p:sld>
+</file>
+
+<file path=ppt/slides/slide14.xml><?xml version="1.0" encoding="utf-8"?>
+<p:sld xmlns:a="http://schemas.openxmlformats.org/drawingml/2006/main" xmlns:r="http://schemas.openxmlformats.org/officeDocument/2006/relationships" xmlns:p="http://schemas.openxmlformats.org/presentationml/2006/main">
+  <p:cSld>
+    <p:spTree>
+      <p:nvGrpSpPr>
+        <p:cNvPr id="1" name=""/>
+        <p:cNvGrpSpPr/>
+        <p:nvPr/>
+      </p:nvGrpSpPr>
+      <p:grpSpPr>
+        <a:xfrm>
+          <a:off x="0" y="0"/>
+          <a:ext cx="0" cy="0"/>
+          <a:chOff x="0" y="0"/>
+          <a:chExt cx="0" cy="0"/>
+        </a:xfrm>
+      </p:grpSpPr>
+      <p:sp>
+        <p:nvSpPr>
+          <p:cNvPr id="5" name="文本框 4">
+            <a:extLst>
+              <a:ext uri="{FF2B5EF4-FFF2-40B4-BE49-F238E27FC236}">
+                <a16:creationId xmlns:a16="http://schemas.microsoft.com/office/drawing/2014/main" id="{9E499E68-E892-40B7-FEEF-6154862BD509}"/>
+              </a:ext>
+            </a:extLst>
+          </p:cNvPr>
+          <p:cNvSpPr txBox="1"/>
+          <p:nvPr/>
+        </p:nvSpPr>
+        <p:spPr>
+          <a:xfrm>
+            <a:off x="851754" y="2037882"/>
+            <a:ext cx="10488489" cy="2827441"/>
+          </a:xfrm>
+          <a:prstGeom prst="rect">
+            <a:avLst/>
+          </a:prstGeom>
+          <a:noFill/>
+        </p:spPr>
+        <p:txBody>
+          <a:bodyPr wrap="square" rtlCol="0">
+            <a:spAutoFit/>
+          </a:bodyPr>
+          <a:lstStyle/>
+          <a:p>
+            <a:r>
+              <a:rPr lang="en-US" altLang="zh-CN" sz="2800" b="0" i="0" dirty="0">
+                <a:solidFill>
+                  <a:srgbClr val="000000"/>
+                </a:solidFill>
+                <a:effectLst/>
+                <a:latin typeface="Arial" panose="020B0604020202020204" pitchFamily="34" charset="0"/>
+              </a:rPr>
+              <a:t>A hybrid approach based on decomposition algorithm and neural network for remaining useful life prediction of lithium-ion battery</a:t>
+            </a:r>
+            <a:endParaRPr lang="zh-CN" altLang="en-US" sz="2800" dirty="0"/>
+          </a:p>
+          <a:p>
+            <a:pPr>
+              <a:lnSpc>
+                <a:spcPct val="150000"/>
+              </a:lnSpc>
+            </a:pPr>
+            <a:r>
+              <a:rPr lang="en-US" altLang="zh-CN" sz="2800" b="1" dirty="0"/>
+              <a:t>  </a:t>
+            </a:r>
+          </a:p>
+          <a:p>
+            <a:pPr>
+              <a:lnSpc>
+                <a:spcPct val="150000"/>
+              </a:lnSpc>
+            </a:pPr>
+            <a:endParaRPr lang="en-US" altLang="zh-CN" sz="2800" b="1" dirty="0"/>
+          </a:p>
+          <a:p>
+            <a:pPr>
+              <a:lnSpc>
+                <a:spcPct val="150000"/>
+              </a:lnSpc>
+            </a:pPr>
+            <a:r>
+              <a:rPr lang="en-US" altLang="zh-CN" sz="2800" dirty="0"/>
+              <a:t>                                                                                           ——2022</a:t>
+            </a:r>
+          </a:p>
+        </p:txBody>
+      </p:sp>
+      <p:pic>
+        <p:nvPicPr>
+          <p:cNvPr id="6" name="图片 5">
+            <a:extLst>
+              <a:ext uri="{FF2B5EF4-FFF2-40B4-BE49-F238E27FC236}">
+                <a16:creationId xmlns:a16="http://schemas.microsoft.com/office/drawing/2014/main" id="{FA82BBDA-B9D6-AA20-FCDF-133A0EC53044}"/>
+              </a:ext>
+            </a:extLst>
+          </p:cNvPr>
+          <p:cNvPicPr>
+            <a:picLocks noChangeAspect="1"/>
+          </p:cNvPicPr>
+          <p:nvPr/>
+        </p:nvPicPr>
+        <p:blipFill>
+          <a:blip r:embed="rId2"/>
+          <a:stretch>
+            <a:fillRect/>
+          </a:stretch>
+        </p:blipFill>
+        <p:spPr>
+          <a:xfrm>
+            <a:off x="851754" y="470516"/>
+            <a:ext cx="10488489" cy="981212"/>
+          </a:xfrm>
+          <a:prstGeom prst="rect">
+            <a:avLst/>
+          </a:prstGeom>
+        </p:spPr>
+      </p:pic>
+    </p:spTree>
+    <p:extLst>
+      <p:ext uri="{BB962C8B-B14F-4D97-AF65-F5344CB8AC3E}">
+        <p14:creationId xmlns:p14="http://schemas.microsoft.com/office/powerpoint/2010/main" val="3243079298"/>
+      </p:ext>
+    </p:extLst>
+  </p:cSld>
+  <p:clrMapOvr>
+    <a:masterClrMapping/>
+  </p:clrMapOvr>
+</p:sld>
+</file>
+
+<file path=ppt/slides/slide15.xml><?xml version="1.0" encoding="utf-8"?>
+<p:sld xmlns:a="http://schemas.openxmlformats.org/drawingml/2006/main" xmlns:r="http://schemas.openxmlformats.org/officeDocument/2006/relationships" xmlns:p="http://schemas.openxmlformats.org/presentationml/2006/main">
+  <p:cSld>
+    <p:spTree>
+      <p:nvGrpSpPr>
+        <p:cNvPr id="1" name=""/>
+        <p:cNvGrpSpPr/>
+        <p:nvPr/>
+      </p:nvGrpSpPr>
+      <p:grpSpPr>
+        <a:xfrm>
+          <a:off x="0" y="0"/>
+          <a:ext cx="0" cy="0"/>
+          <a:chOff x="0" y="0"/>
+          <a:chExt cx="0" cy="0"/>
+        </a:xfrm>
+      </p:grpSpPr>
+      <p:sp>
+        <p:nvSpPr>
+          <p:cNvPr id="2" name="矩形: 圆角 1">
+            <a:extLst>
+              <a:ext uri="{FF2B5EF4-FFF2-40B4-BE49-F238E27FC236}">
+                <a16:creationId xmlns:a16="http://schemas.microsoft.com/office/drawing/2014/main" id="{5FE46085-0901-8948-F39C-B0CEAFDA0DCB}"/>
+              </a:ext>
+            </a:extLst>
+          </p:cNvPr>
+          <p:cNvSpPr/>
+          <p:nvPr/>
+        </p:nvSpPr>
+        <p:spPr>
+          <a:xfrm>
+            <a:off x="1245370" y="967926"/>
+            <a:ext cx="1926566" cy="1351471"/>
+          </a:xfrm>
+          <a:prstGeom prst="roundRect">
+            <a:avLst/>
+          </a:prstGeom>
+          <a:solidFill>
+            <a:schemeClr val="tx2">
+              <a:lumMod val="20000"/>
+              <a:lumOff val="80000"/>
+            </a:schemeClr>
+          </a:solidFill>
+        </p:spPr>
+        <p:style>
+          <a:lnRef idx="2">
+            <a:schemeClr val="accent1">
+              <a:shade val="15000"/>
+            </a:schemeClr>
+          </a:lnRef>
+          <a:fillRef idx="1">
+            <a:schemeClr val="accent1"/>
+          </a:fillRef>
+          <a:effectRef idx="0">
+            <a:schemeClr val="accent1"/>
+          </a:effectRef>
+          <a:fontRef idx="minor">
+            <a:schemeClr val="lt1"/>
+          </a:fontRef>
+        </p:style>
+        <p:txBody>
+          <a:bodyPr rtlCol="0" anchor="ctr"/>
+          <a:lstStyle/>
+          <a:p>
+            <a:pPr algn="ctr"/>
+            <a:r>
+              <a:rPr lang="zh-CN" altLang="en-US" sz="2400" dirty="0">
+                <a:solidFill>
+                  <a:schemeClr val="tx1"/>
+                </a:solidFill>
+                <a:latin typeface="+mn-ea"/>
+              </a:rPr>
+              <a:t>数据分解</a:t>
+            </a:r>
+          </a:p>
+        </p:txBody>
+      </p:sp>
+      <p:sp>
+        <p:nvSpPr>
+          <p:cNvPr id="5" name="矩形: 圆角 4">
+            <a:extLst>
+              <a:ext uri="{FF2B5EF4-FFF2-40B4-BE49-F238E27FC236}">
+                <a16:creationId xmlns:a16="http://schemas.microsoft.com/office/drawing/2014/main" id="{F1998572-D9A7-2103-6194-91BB06B418D6}"/>
+              </a:ext>
+            </a:extLst>
+          </p:cNvPr>
+          <p:cNvSpPr/>
+          <p:nvPr/>
+        </p:nvSpPr>
+        <p:spPr>
+          <a:xfrm>
+            <a:off x="1245370" y="3981421"/>
+            <a:ext cx="1926566" cy="1351471"/>
+          </a:xfrm>
+          <a:prstGeom prst="roundRect">
+            <a:avLst/>
+          </a:prstGeom>
+          <a:solidFill>
+            <a:schemeClr val="tx2">
+              <a:lumMod val="20000"/>
+              <a:lumOff val="80000"/>
+            </a:schemeClr>
+          </a:solidFill>
+        </p:spPr>
+        <p:style>
+          <a:lnRef idx="2">
+            <a:schemeClr val="accent1">
+              <a:shade val="15000"/>
+            </a:schemeClr>
+          </a:lnRef>
+          <a:fillRef idx="1">
+            <a:schemeClr val="accent1"/>
+          </a:fillRef>
+          <a:effectRef idx="0">
+            <a:schemeClr val="accent1"/>
+          </a:effectRef>
+          <a:fontRef idx="minor">
+            <a:schemeClr val="lt1"/>
+          </a:fontRef>
+        </p:style>
+        <p:txBody>
+          <a:bodyPr rtlCol="0" anchor="ctr"/>
+          <a:lstStyle/>
+          <a:p>
+            <a:pPr algn="ctr"/>
+            <a:r>
+              <a:rPr lang="zh-CN" altLang="en-US" sz="2400" dirty="0">
+                <a:solidFill>
+                  <a:schemeClr val="tx1"/>
+                </a:solidFill>
+                <a:latin typeface="+mn-ea"/>
+              </a:rPr>
+              <a:t>融合</a:t>
+            </a:r>
+          </a:p>
+        </p:txBody>
+      </p:sp>
+      <p:sp>
+        <p:nvSpPr>
+          <p:cNvPr id="6" name="矩形: 圆角 5">
+            <a:extLst>
+              <a:ext uri="{FF2B5EF4-FFF2-40B4-BE49-F238E27FC236}">
+                <a16:creationId xmlns:a16="http://schemas.microsoft.com/office/drawing/2014/main" id="{26D8043B-914A-A812-97E5-F51491AD785E}"/>
+              </a:ext>
+            </a:extLst>
+          </p:cNvPr>
+          <p:cNvSpPr/>
+          <p:nvPr/>
+        </p:nvSpPr>
+        <p:spPr>
+          <a:xfrm>
+            <a:off x="6475691" y="967926"/>
+            <a:ext cx="1926566" cy="1351471"/>
+          </a:xfrm>
+          <a:prstGeom prst="roundRect">
+            <a:avLst/>
+          </a:prstGeom>
+          <a:solidFill>
+            <a:schemeClr val="tx2">
+              <a:lumMod val="20000"/>
+              <a:lumOff val="80000"/>
+            </a:schemeClr>
+          </a:solidFill>
+        </p:spPr>
+        <p:style>
+          <a:lnRef idx="2">
+            <a:schemeClr val="accent1">
+              <a:shade val="15000"/>
+            </a:schemeClr>
+          </a:lnRef>
+          <a:fillRef idx="1">
+            <a:schemeClr val="accent1"/>
+          </a:fillRef>
+          <a:effectRef idx="0">
+            <a:schemeClr val="accent1"/>
+          </a:effectRef>
+          <a:fontRef idx="minor">
+            <a:schemeClr val="lt1"/>
+          </a:fontRef>
+        </p:style>
+        <p:txBody>
+          <a:bodyPr rtlCol="0" anchor="ctr"/>
+          <a:lstStyle/>
+          <a:p>
+            <a:pPr algn="ctr"/>
+            <a:r>
+              <a:rPr lang="zh-CN" altLang="en-US" sz="2400" dirty="0">
+                <a:solidFill>
+                  <a:schemeClr val="tx1"/>
+                </a:solidFill>
+                <a:latin typeface="+mn-ea"/>
+              </a:rPr>
+              <a:t>神经网络</a:t>
+            </a:r>
+          </a:p>
+        </p:txBody>
+      </p:sp>
+      <p:sp>
+        <p:nvSpPr>
+          <p:cNvPr id="7" name="矩形: 圆角 6">
+            <a:extLst>
+              <a:ext uri="{FF2B5EF4-FFF2-40B4-BE49-F238E27FC236}">
+                <a16:creationId xmlns:a16="http://schemas.microsoft.com/office/drawing/2014/main" id="{334F05C1-A971-4F47-B7A7-C49E45E6C03D}"/>
+              </a:ext>
+            </a:extLst>
+          </p:cNvPr>
+          <p:cNvSpPr/>
+          <p:nvPr/>
+        </p:nvSpPr>
+        <p:spPr>
+          <a:xfrm>
+            <a:off x="6475691" y="3981422"/>
+            <a:ext cx="1926566" cy="1351471"/>
+          </a:xfrm>
+          <a:prstGeom prst="roundRect">
+            <a:avLst/>
+          </a:prstGeom>
+          <a:solidFill>
+            <a:schemeClr val="tx2">
+              <a:lumMod val="20000"/>
+              <a:lumOff val="80000"/>
+            </a:schemeClr>
+          </a:solidFill>
+        </p:spPr>
+        <p:style>
+          <a:lnRef idx="2">
+            <a:schemeClr val="accent1">
+              <a:shade val="15000"/>
+            </a:schemeClr>
+          </a:lnRef>
+          <a:fillRef idx="1">
+            <a:schemeClr val="accent1"/>
+          </a:fillRef>
+          <a:effectRef idx="0">
+            <a:schemeClr val="accent1"/>
+          </a:effectRef>
+          <a:fontRef idx="minor">
+            <a:schemeClr val="lt1"/>
+          </a:fontRef>
+        </p:style>
+        <p:txBody>
+          <a:bodyPr rtlCol="0" anchor="ctr"/>
+          <a:lstStyle/>
+          <a:p>
+            <a:pPr algn="ctr"/>
+            <a:r>
+              <a:rPr lang="zh-CN" altLang="en-US" sz="2400" dirty="0">
+                <a:solidFill>
+                  <a:schemeClr val="tx1"/>
+                </a:solidFill>
+                <a:latin typeface="+mn-ea"/>
+              </a:rPr>
+              <a:t>最小误差</a:t>
+            </a:r>
+            <a:br>
+              <a:rPr lang="en-US" altLang="zh-CN" sz="2400" dirty="0">
+                <a:solidFill>
+                  <a:schemeClr val="tx1"/>
+                </a:solidFill>
+                <a:latin typeface="+mn-ea"/>
+              </a:rPr>
+            </a:br>
+            <a:r>
+              <a:rPr lang="zh-CN" altLang="en-US" sz="2400" dirty="0">
+                <a:solidFill>
+                  <a:schemeClr val="tx1"/>
+                </a:solidFill>
+                <a:latin typeface="+mn-ea"/>
+              </a:rPr>
+              <a:t>判断</a:t>
+            </a:r>
+          </a:p>
+        </p:txBody>
+      </p:sp>
+      <p:sp>
+        <p:nvSpPr>
+          <p:cNvPr id="8" name="文本框 7">
+            <a:extLst>
+              <a:ext uri="{FF2B5EF4-FFF2-40B4-BE49-F238E27FC236}">
+                <a16:creationId xmlns:a16="http://schemas.microsoft.com/office/drawing/2014/main" id="{5CE18F2A-ECB4-7893-25D4-A1B2282F00E9}"/>
+              </a:ext>
+            </a:extLst>
+          </p:cNvPr>
+          <p:cNvSpPr txBox="1"/>
+          <p:nvPr/>
+        </p:nvSpPr>
+        <p:spPr>
+          <a:xfrm>
+            <a:off x="3835879" y="1525107"/>
+            <a:ext cx="1415772" cy="461665"/>
+          </a:xfrm>
+          <a:prstGeom prst="rect">
+            <a:avLst/>
+          </a:prstGeom>
+          <a:noFill/>
+        </p:spPr>
+        <p:txBody>
+          <a:bodyPr wrap="none" rtlCol="0">
+            <a:spAutoFit/>
+          </a:bodyPr>
+          <a:lstStyle/>
+          <a:p>
+            <a:r>
+              <a:rPr lang="zh-CN" altLang="en-US" sz="2400" dirty="0">
+                <a:latin typeface="+mn-ea"/>
+              </a:rPr>
+              <a:t>模态分解</a:t>
+            </a:r>
+          </a:p>
+        </p:txBody>
+      </p:sp>
+      <p:sp>
+        <p:nvSpPr>
+          <p:cNvPr id="12" name="文本框 11">
+            <a:extLst>
+              <a:ext uri="{FF2B5EF4-FFF2-40B4-BE49-F238E27FC236}">
+                <a16:creationId xmlns:a16="http://schemas.microsoft.com/office/drawing/2014/main" id="{2CD99D08-8020-40CF-EF54-EFA6E475D851}"/>
+              </a:ext>
+            </a:extLst>
+          </p:cNvPr>
+          <p:cNvSpPr txBox="1"/>
+          <p:nvPr/>
+        </p:nvSpPr>
+        <p:spPr>
+          <a:xfrm>
+            <a:off x="3180439" y="3519756"/>
+            <a:ext cx="1415772" cy="461665"/>
+          </a:xfrm>
+          <a:prstGeom prst="rect">
+            <a:avLst/>
+          </a:prstGeom>
+          <a:noFill/>
+        </p:spPr>
+        <p:txBody>
+          <a:bodyPr wrap="none" rtlCol="0">
+            <a:spAutoFit/>
+          </a:bodyPr>
+          <a:lstStyle/>
+          <a:p>
+            <a:r>
+              <a:rPr lang="zh-CN" altLang="en-US" sz="2400" dirty="0">
+                <a:latin typeface="+mn-ea"/>
+              </a:rPr>
+              <a:t>高频分量</a:t>
+            </a:r>
+          </a:p>
+        </p:txBody>
+      </p:sp>
+      <p:sp>
+        <p:nvSpPr>
+          <p:cNvPr id="13" name="文本框 12">
+            <a:extLst>
+              <a:ext uri="{FF2B5EF4-FFF2-40B4-BE49-F238E27FC236}">
+                <a16:creationId xmlns:a16="http://schemas.microsoft.com/office/drawing/2014/main" id="{D200FD91-38B3-A1D0-5012-E70B813DE086}"/>
+              </a:ext>
+            </a:extLst>
+          </p:cNvPr>
+          <p:cNvSpPr txBox="1"/>
+          <p:nvPr/>
+        </p:nvSpPr>
+        <p:spPr>
+          <a:xfrm>
+            <a:off x="4599972" y="3519756"/>
+            <a:ext cx="1415772" cy="461665"/>
+          </a:xfrm>
+          <a:prstGeom prst="rect">
+            <a:avLst/>
+          </a:prstGeom>
+          <a:noFill/>
+        </p:spPr>
+        <p:txBody>
+          <a:bodyPr wrap="none" rtlCol="0">
+            <a:spAutoFit/>
+          </a:bodyPr>
+          <a:lstStyle/>
+          <a:p>
+            <a:r>
+              <a:rPr lang="zh-CN" altLang="en-US" sz="2400" dirty="0">
+                <a:latin typeface="+mn-ea"/>
+              </a:rPr>
+              <a:t>低频分量</a:t>
+            </a:r>
+          </a:p>
+        </p:txBody>
+      </p:sp>
+      <p:sp>
+        <p:nvSpPr>
+          <p:cNvPr id="14" name="文本框 13">
+            <a:extLst>
+              <a:ext uri="{FF2B5EF4-FFF2-40B4-BE49-F238E27FC236}">
+                <a16:creationId xmlns:a16="http://schemas.microsoft.com/office/drawing/2014/main" id="{5F458B76-E0A6-60DE-EAE5-E06BDB7E991B}"/>
+              </a:ext>
+            </a:extLst>
+          </p:cNvPr>
+          <p:cNvSpPr txBox="1"/>
+          <p:nvPr/>
+        </p:nvSpPr>
+        <p:spPr>
+          <a:xfrm>
+            <a:off x="4599972" y="4489067"/>
+            <a:ext cx="1415772" cy="461665"/>
+          </a:xfrm>
+          <a:prstGeom prst="rect">
+            <a:avLst/>
+          </a:prstGeom>
+          <a:noFill/>
+        </p:spPr>
+        <p:txBody>
+          <a:bodyPr wrap="none" rtlCol="0">
+            <a:spAutoFit/>
+          </a:bodyPr>
+          <a:lstStyle/>
+          <a:p>
+            <a:r>
+              <a:rPr lang="zh-CN" altLang="en-US" sz="2400" dirty="0">
+                <a:latin typeface="+mn-ea"/>
+              </a:rPr>
+              <a:t>直接融合</a:t>
+            </a:r>
+          </a:p>
+        </p:txBody>
+      </p:sp>
+      <p:sp>
+        <p:nvSpPr>
+          <p:cNvPr id="15" name="文本框 14">
+            <a:extLst>
+              <a:ext uri="{FF2B5EF4-FFF2-40B4-BE49-F238E27FC236}">
+                <a16:creationId xmlns:a16="http://schemas.microsoft.com/office/drawing/2014/main" id="{EAB03D7B-82A1-731F-C40C-A04CFF5CE4E0}"/>
+              </a:ext>
+            </a:extLst>
+          </p:cNvPr>
+          <p:cNvSpPr txBox="1"/>
+          <p:nvPr/>
+        </p:nvSpPr>
+        <p:spPr>
+          <a:xfrm>
+            <a:off x="3216553" y="4398543"/>
+            <a:ext cx="674060" cy="1200329"/>
+          </a:xfrm>
+          <a:prstGeom prst="rect">
+            <a:avLst/>
+          </a:prstGeom>
+          <a:noFill/>
+        </p:spPr>
+        <p:txBody>
+          <a:bodyPr wrap="square" rtlCol="0">
+            <a:spAutoFit/>
+          </a:bodyPr>
+          <a:lstStyle/>
+          <a:p>
+            <a:r>
+              <a:rPr lang="zh-CN" altLang="en-US" sz="2400" dirty="0">
+                <a:latin typeface="+mn-ea"/>
+              </a:rPr>
+              <a:t>最大值</a:t>
+            </a:r>
+          </a:p>
+        </p:txBody>
+      </p:sp>
+      <p:sp>
+        <p:nvSpPr>
+          <p:cNvPr id="16" name="文本框 15">
+            <a:extLst>
+              <a:ext uri="{FF2B5EF4-FFF2-40B4-BE49-F238E27FC236}">
+                <a16:creationId xmlns:a16="http://schemas.microsoft.com/office/drawing/2014/main" id="{690A8609-EFCA-1DBC-264A-F529207AC2B2}"/>
+              </a:ext>
+            </a:extLst>
+          </p:cNvPr>
+          <p:cNvSpPr txBox="1"/>
+          <p:nvPr/>
+        </p:nvSpPr>
+        <p:spPr>
+          <a:xfrm>
+            <a:off x="3919667" y="4398543"/>
+            <a:ext cx="674060" cy="1569660"/>
+          </a:xfrm>
+          <a:prstGeom prst="rect">
+            <a:avLst/>
+          </a:prstGeom>
+          <a:noFill/>
+        </p:spPr>
+        <p:txBody>
+          <a:bodyPr wrap="square" rtlCol="0">
+            <a:spAutoFit/>
+          </a:bodyPr>
+          <a:lstStyle/>
+          <a:p>
+            <a:r>
+              <a:rPr lang="zh-CN" altLang="en-US" sz="2400" dirty="0">
+                <a:latin typeface="+mn-ea"/>
+              </a:rPr>
+              <a:t>窗口能量</a:t>
+            </a:r>
+          </a:p>
+        </p:txBody>
+      </p:sp>
+      <p:sp>
+        <p:nvSpPr>
+          <p:cNvPr id="19" name="文本框 18">
+            <a:extLst>
+              <a:ext uri="{FF2B5EF4-FFF2-40B4-BE49-F238E27FC236}">
+                <a16:creationId xmlns:a16="http://schemas.microsoft.com/office/drawing/2014/main" id="{87B3FC21-64AC-C2F5-06A4-49255F5AFDEA}"/>
+              </a:ext>
+            </a:extLst>
+          </p:cNvPr>
+          <p:cNvSpPr txBox="1"/>
+          <p:nvPr/>
+        </p:nvSpPr>
+        <p:spPr>
+          <a:xfrm>
+            <a:off x="8862204" y="1161691"/>
+            <a:ext cx="845103" cy="461665"/>
+          </a:xfrm>
+          <a:prstGeom prst="rect">
+            <a:avLst/>
+          </a:prstGeom>
+          <a:noFill/>
+        </p:spPr>
+        <p:txBody>
+          <a:bodyPr wrap="none" rtlCol="0">
+            <a:spAutoFit/>
+          </a:bodyPr>
+          <a:lstStyle/>
+          <a:p>
+            <a:r>
+              <a:rPr lang="en-US" altLang="zh-CN" sz="2400" dirty="0">
+                <a:latin typeface="+mn-ea"/>
+              </a:rPr>
+              <a:t>DNN</a:t>
+            </a:r>
+            <a:endParaRPr lang="zh-CN" altLang="en-US" sz="2400" dirty="0">
+              <a:latin typeface="+mn-ea"/>
+            </a:endParaRPr>
+          </a:p>
+        </p:txBody>
+      </p:sp>
+      <p:sp>
+        <p:nvSpPr>
+          <p:cNvPr id="21" name="文本框 20">
+            <a:extLst>
+              <a:ext uri="{FF2B5EF4-FFF2-40B4-BE49-F238E27FC236}">
+                <a16:creationId xmlns:a16="http://schemas.microsoft.com/office/drawing/2014/main" id="{1147EA98-A3AF-89FA-B821-573C3C2AA695}"/>
+              </a:ext>
+            </a:extLst>
+          </p:cNvPr>
+          <p:cNvSpPr txBox="1"/>
+          <p:nvPr/>
+        </p:nvSpPr>
+        <p:spPr>
+          <a:xfrm>
+            <a:off x="8862204" y="1755939"/>
+            <a:ext cx="2346385" cy="830997"/>
+          </a:xfrm>
+          <a:prstGeom prst="rect">
+            <a:avLst/>
+          </a:prstGeom>
+          <a:noFill/>
+        </p:spPr>
+        <p:txBody>
+          <a:bodyPr wrap="square">
+            <a:spAutoFit/>
+          </a:bodyPr>
+          <a:lstStyle/>
+          <a:p>
+            <a:r>
+              <a:rPr lang="en-US" altLang="zh-CN" sz="2400" b="0" i="0" dirty="0">
+                <a:solidFill>
+                  <a:srgbClr val="000000"/>
+                </a:solidFill>
+                <a:effectLst/>
+                <a:latin typeface="+mn-ea"/>
+              </a:rPr>
+              <a:t>IRes2Net-BiGRU-FC</a:t>
+            </a:r>
+            <a:endParaRPr lang="zh-CN" altLang="en-US" sz="2400" dirty="0">
+              <a:latin typeface="+mn-ea"/>
+            </a:endParaRPr>
+          </a:p>
+        </p:txBody>
+      </p:sp>
+      <p:sp>
+        <p:nvSpPr>
+          <p:cNvPr id="22" name="文本框 21">
+            <a:extLst>
+              <a:ext uri="{FF2B5EF4-FFF2-40B4-BE49-F238E27FC236}">
+                <a16:creationId xmlns:a16="http://schemas.microsoft.com/office/drawing/2014/main" id="{20B22C2E-B650-0021-D620-967CBC5CA214}"/>
+              </a:ext>
+            </a:extLst>
+          </p:cNvPr>
+          <p:cNvSpPr txBox="1"/>
+          <p:nvPr/>
+        </p:nvSpPr>
+        <p:spPr>
+          <a:xfrm>
+            <a:off x="8862204" y="4572249"/>
+            <a:ext cx="1723549" cy="461665"/>
+          </a:xfrm>
+          <a:prstGeom prst="rect">
+            <a:avLst/>
+          </a:prstGeom>
+          <a:noFill/>
+        </p:spPr>
+        <p:txBody>
+          <a:bodyPr wrap="none" rtlCol="0">
+            <a:spAutoFit/>
+          </a:bodyPr>
+          <a:lstStyle/>
+          <a:p>
+            <a:r>
+              <a:rPr lang="zh-CN" altLang="en-US" sz="2400" dirty="0">
+                <a:latin typeface="+mn-ea"/>
+              </a:rPr>
+              <a:t>高低频叠加</a:t>
+            </a:r>
+          </a:p>
+        </p:txBody>
+      </p:sp>
+    </p:spTree>
+    <p:extLst>
+      <p:ext uri="{BB962C8B-B14F-4D97-AF65-F5344CB8AC3E}">
+        <p14:creationId xmlns:p14="http://schemas.microsoft.com/office/powerpoint/2010/main" val="3414418063"/>
+      </p:ext>
+    </p:extLst>
+  </p:cSld>
+  <p:clrMapOvr>
+    <a:masterClrMapping/>
+  </p:clrMapOvr>
+</p:sld>
+</file>
+
+<file path=ppt/slides/slide16.xml><?xml version="1.0" encoding="utf-8"?>
+<p:sld xmlns:a="http://schemas.openxmlformats.org/drawingml/2006/main" xmlns:r="http://schemas.openxmlformats.org/officeDocument/2006/relationships" xmlns:p="http://schemas.openxmlformats.org/presentationml/2006/main">
+  <p:cSld>
+    <p:spTree>
+      <p:nvGrpSpPr>
+        <p:cNvPr id="1" name=""/>
+        <p:cNvGrpSpPr/>
+        <p:nvPr/>
+      </p:nvGrpSpPr>
+      <p:grpSpPr>
+        <a:xfrm>
+          <a:off x="0" y="0"/>
+          <a:ext cx="0" cy="0"/>
+          <a:chOff x="0" y="0"/>
+          <a:chExt cx="0" cy="0"/>
+        </a:xfrm>
+      </p:grpSpPr>
+      <p:sp>
+        <p:nvSpPr>
+          <p:cNvPr id="3" name="文本框 2">
+            <a:extLst>
+              <a:ext uri="{FF2B5EF4-FFF2-40B4-BE49-F238E27FC236}">
+                <a16:creationId xmlns:a16="http://schemas.microsoft.com/office/drawing/2014/main" id="{0B604AE2-B201-667C-72F7-BDCC2D1C61FC}"/>
+              </a:ext>
+            </a:extLst>
+          </p:cNvPr>
+          <p:cNvSpPr txBox="1"/>
+          <p:nvPr/>
+        </p:nvSpPr>
+        <p:spPr>
+          <a:xfrm>
+            <a:off x="1572883" y="950668"/>
+            <a:ext cx="9046234" cy="2000548"/>
+          </a:xfrm>
+          <a:prstGeom prst="rect">
+            <a:avLst/>
+          </a:prstGeom>
+          <a:noFill/>
+        </p:spPr>
+        <p:txBody>
+          <a:bodyPr wrap="square">
+            <a:spAutoFit/>
+          </a:bodyPr>
+          <a:lstStyle/>
+          <a:p>
+            <a:r>
+              <a:rPr lang="zh-CN" altLang="en-US" sz="2800" b="0" i="0" dirty="0">
+                <a:solidFill>
+                  <a:srgbClr val="000000"/>
+                </a:solidFill>
+                <a:effectLst/>
+                <a:latin typeface="黑体" panose="02010609060101010101" pitchFamily="49" charset="-122"/>
+                <a:ea typeface="黑体" panose="02010609060101010101" pitchFamily="49" charset="-122"/>
+              </a:rPr>
+              <a:t>数据分解</a:t>
+            </a:r>
+            <a:endParaRPr lang="en-US" altLang="zh-CN" sz="2800" b="0" i="0" dirty="0">
+              <a:solidFill>
+                <a:srgbClr val="000000"/>
+              </a:solidFill>
+              <a:effectLst/>
+              <a:latin typeface="黑体" panose="02010609060101010101" pitchFamily="49" charset="-122"/>
+              <a:ea typeface="黑体" panose="02010609060101010101" pitchFamily="49" charset="-122"/>
+            </a:endParaRPr>
+          </a:p>
+          <a:p>
+            <a:endParaRPr lang="en-US" altLang="zh-CN" sz="2400" dirty="0">
+              <a:solidFill>
+                <a:srgbClr val="000000"/>
+              </a:solidFill>
+              <a:latin typeface="+mn-ea"/>
+            </a:endParaRPr>
+          </a:p>
+          <a:p>
+            <a:r>
+              <a:rPr lang="zh-CN" altLang="en-US" sz="2400" b="0" i="0" dirty="0">
+                <a:solidFill>
+                  <a:srgbClr val="000000"/>
+                </a:solidFill>
+                <a:effectLst/>
+                <a:latin typeface="+mn-ea"/>
+              </a:rPr>
+              <a:t>对非线性非平稳原始信号进行分解，得到有限个不同频率的</a:t>
+            </a:r>
+            <a:r>
+              <a:rPr lang="en-US" altLang="zh-CN" sz="2400" b="0" i="0" dirty="0" err="1">
+                <a:solidFill>
+                  <a:srgbClr val="000000"/>
+                </a:solidFill>
+                <a:effectLst/>
+                <a:latin typeface="+mn-ea"/>
+              </a:rPr>
+              <a:t>imf</a:t>
+            </a:r>
+            <a:r>
+              <a:rPr lang="zh-CN" altLang="en-US" sz="2400" b="0" i="0" dirty="0">
+                <a:solidFill>
+                  <a:srgbClr val="000000"/>
+                </a:solidFill>
+                <a:effectLst/>
+                <a:latin typeface="+mn-ea"/>
+              </a:rPr>
+              <a:t>，</a:t>
+            </a:r>
+            <a:r>
+              <a:rPr lang="en-US" altLang="zh-CN" sz="2400" b="0" i="0" dirty="0">
+                <a:solidFill>
+                  <a:srgbClr val="000000"/>
+                </a:solidFill>
+                <a:effectLst/>
+                <a:latin typeface="+mn-ea"/>
+              </a:rPr>
+              <a:t> </a:t>
+            </a:r>
+            <a:r>
+              <a:rPr lang="zh-CN" altLang="en-US" sz="2400" b="0" i="0" dirty="0">
+                <a:solidFill>
+                  <a:srgbClr val="000000"/>
+                </a:solidFill>
+                <a:effectLst/>
+                <a:latin typeface="+mn-ea"/>
+              </a:rPr>
+              <a:t>完全自适应模态分解实现了完整的自适应分解过程，并能对原始数据进行精确重构</a:t>
+            </a:r>
+            <a:endParaRPr lang="zh-CN" altLang="en-US" sz="2400" dirty="0">
+              <a:latin typeface="+mn-ea"/>
+            </a:endParaRPr>
+          </a:p>
+        </p:txBody>
+      </p:sp>
+    </p:spTree>
+    <p:extLst>
+      <p:ext uri="{BB962C8B-B14F-4D97-AF65-F5344CB8AC3E}">
+        <p14:creationId xmlns:p14="http://schemas.microsoft.com/office/powerpoint/2010/main" val="2222760505"/>
+      </p:ext>
+    </p:extLst>
+  </p:cSld>
+  <p:clrMapOvr>
+    <a:masterClrMapping/>
+  </p:clrMapOvr>
+</p:sld>
+</file>
+
+<file path=ppt/slides/slide17.xml><?xml version="1.0" encoding="utf-8"?>
+<p:sld xmlns:a="http://schemas.openxmlformats.org/drawingml/2006/main" xmlns:r="http://schemas.openxmlformats.org/officeDocument/2006/relationships" xmlns:p="http://schemas.openxmlformats.org/presentationml/2006/main">
+  <p:cSld>
+    <p:spTree>
+      <p:nvGrpSpPr>
+        <p:cNvPr id="1" name=""/>
+        <p:cNvGrpSpPr/>
+        <p:nvPr/>
+      </p:nvGrpSpPr>
+      <p:grpSpPr>
+        <a:xfrm>
+          <a:off x="0" y="0"/>
+          <a:ext cx="0" cy="0"/>
+          <a:chOff x="0" y="0"/>
+          <a:chExt cx="0" cy="0"/>
+        </a:xfrm>
+      </p:grpSpPr>
+      <p:sp>
+        <p:nvSpPr>
+          <p:cNvPr id="4" name="文本框 3">
+            <a:extLst>
+              <a:ext uri="{FF2B5EF4-FFF2-40B4-BE49-F238E27FC236}">
+                <a16:creationId xmlns:a16="http://schemas.microsoft.com/office/drawing/2014/main" id="{EEA28DB0-EB57-7405-504C-900E9D798CEC}"/>
+              </a:ext>
+            </a:extLst>
+          </p:cNvPr>
+          <p:cNvSpPr txBox="1"/>
+          <p:nvPr/>
+        </p:nvSpPr>
+        <p:spPr>
+          <a:xfrm>
+            <a:off x="1523998" y="760888"/>
+            <a:ext cx="8769919" cy="830997"/>
+          </a:xfrm>
+          <a:prstGeom prst="rect">
+            <a:avLst/>
+          </a:prstGeom>
+          <a:noFill/>
+        </p:spPr>
+        <p:txBody>
+          <a:bodyPr wrap="square">
+            <a:spAutoFit/>
+          </a:bodyPr>
+          <a:lstStyle/>
+          <a:p>
+            <a:r>
+              <a:rPr lang="zh-CN" altLang="en-US" sz="2400" dirty="0"/>
+              <a:t>过零率定义为</a:t>
+            </a:r>
+            <a:r>
+              <a:rPr lang="en-US" altLang="zh-CN" sz="2400" dirty="0"/>
+              <a:t>:</a:t>
+            </a:r>
+            <a:r>
+              <a:rPr lang="zh-CN" altLang="en-US" sz="2400" dirty="0"/>
+              <a:t>对于一个信号序列，如果有两个相邻的采样值，其中一个为正，另一个为负，则视为过零</a:t>
+            </a:r>
+          </a:p>
+        </p:txBody>
+      </p:sp>
+      <p:pic>
+        <p:nvPicPr>
+          <p:cNvPr id="3" name="图片 2">
+            <a:extLst>
+              <a:ext uri="{FF2B5EF4-FFF2-40B4-BE49-F238E27FC236}">
+                <a16:creationId xmlns:a16="http://schemas.microsoft.com/office/drawing/2014/main" id="{5BC4E25E-5A1A-986D-125D-EAC1C813EC97}"/>
+              </a:ext>
+            </a:extLst>
+          </p:cNvPr>
+          <p:cNvPicPr>
+            <a:picLocks noChangeAspect="1"/>
+          </p:cNvPicPr>
+          <p:nvPr/>
+        </p:nvPicPr>
+        <p:blipFill>
+          <a:blip r:embed="rId2"/>
+          <a:stretch>
+            <a:fillRect/>
+          </a:stretch>
+        </p:blipFill>
+        <p:spPr>
+          <a:xfrm>
+            <a:off x="1865594" y="4604556"/>
+            <a:ext cx="7934325" cy="1095375"/>
+          </a:xfrm>
+          <a:prstGeom prst="rect">
+            <a:avLst/>
+          </a:prstGeom>
+        </p:spPr>
+      </p:pic>
+      <p:pic>
+        <p:nvPicPr>
+          <p:cNvPr id="6" name="图片 5">
+            <a:extLst>
+              <a:ext uri="{FF2B5EF4-FFF2-40B4-BE49-F238E27FC236}">
+                <a16:creationId xmlns:a16="http://schemas.microsoft.com/office/drawing/2014/main" id="{88D1098E-9507-9DAB-7E13-663233D8C9DF}"/>
+              </a:ext>
+            </a:extLst>
+          </p:cNvPr>
+          <p:cNvPicPr>
+            <a:picLocks noChangeAspect="1"/>
+          </p:cNvPicPr>
+          <p:nvPr/>
+        </p:nvPicPr>
+        <p:blipFill>
+          <a:blip r:embed="rId3"/>
+          <a:stretch>
+            <a:fillRect/>
+          </a:stretch>
+        </p:blipFill>
+        <p:spPr>
+          <a:xfrm>
+            <a:off x="1865594" y="1792532"/>
+            <a:ext cx="8086725" cy="923925"/>
+          </a:xfrm>
+          <a:prstGeom prst="rect">
+            <a:avLst/>
+          </a:prstGeom>
+        </p:spPr>
+      </p:pic>
+      <p:sp>
+        <p:nvSpPr>
+          <p:cNvPr id="11" name="文本框 10">
+            <a:extLst>
+              <a:ext uri="{FF2B5EF4-FFF2-40B4-BE49-F238E27FC236}">
+                <a16:creationId xmlns:a16="http://schemas.microsoft.com/office/drawing/2014/main" id="{57090BA8-D1AB-742A-6B4B-7FAFEC28EFFB}"/>
+              </a:ext>
+            </a:extLst>
+          </p:cNvPr>
+          <p:cNvSpPr txBox="1"/>
+          <p:nvPr/>
+        </p:nvSpPr>
+        <p:spPr>
+          <a:xfrm>
+            <a:off x="1523998" y="4027672"/>
+            <a:ext cx="3262432" cy="461665"/>
+          </a:xfrm>
+          <a:prstGeom prst="rect">
+            <a:avLst/>
+          </a:prstGeom>
+          <a:noFill/>
+        </p:spPr>
+        <p:txBody>
+          <a:bodyPr wrap="none" rtlCol="0">
+            <a:spAutoFit/>
+          </a:bodyPr>
+          <a:lstStyle/>
+          <a:p>
+            <a:r>
+              <a:rPr lang="zh-CN" altLang="en-US" sz="2400" dirty="0"/>
+              <a:t>低频分量的融合规则：</a:t>
+            </a:r>
+          </a:p>
+        </p:txBody>
+      </p:sp>
+      <p:sp>
+        <p:nvSpPr>
+          <p:cNvPr id="5" name="文本框 4">
+            <a:extLst>
+              <a:ext uri="{FF2B5EF4-FFF2-40B4-BE49-F238E27FC236}">
+                <a16:creationId xmlns:a16="http://schemas.microsoft.com/office/drawing/2014/main" id="{E4D1BFF4-E410-DDA7-DF44-051AA9424DF2}"/>
+              </a:ext>
+            </a:extLst>
+          </p:cNvPr>
+          <p:cNvSpPr txBox="1"/>
+          <p:nvPr/>
+        </p:nvSpPr>
+        <p:spPr>
+          <a:xfrm>
+            <a:off x="1523998" y="3600731"/>
+            <a:ext cx="6096000" cy="461665"/>
+          </a:xfrm>
+          <a:prstGeom prst="rect">
+            <a:avLst/>
+          </a:prstGeom>
+          <a:noFill/>
+        </p:spPr>
+        <p:txBody>
+          <a:bodyPr wrap="square">
+            <a:spAutoFit/>
+          </a:bodyPr>
+          <a:lstStyle/>
+          <a:p>
+            <a:r>
+              <a:rPr lang="zh-CN" altLang="en-US" sz="2400" dirty="0"/>
+              <a:t>过零率</a:t>
+            </a:r>
+            <a:r>
+              <a:rPr lang="en-US" altLang="zh-CN" sz="2400" dirty="0"/>
+              <a:t>&lt;0.01</a:t>
+            </a:r>
+            <a:endParaRPr lang="zh-CN" altLang="en-US" sz="2400" dirty="0"/>
+          </a:p>
+        </p:txBody>
+      </p:sp>
+    </p:spTree>
+    <p:extLst>
+      <p:ext uri="{BB962C8B-B14F-4D97-AF65-F5344CB8AC3E}">
+        <p14:creationId xmlns:p14="http://schemas.microsoft.com/office/powerpoint/2010/main" val="2878454405"/>
+      </p:ext>
+    </p:extLst>
+  </p:cSld>
+  <p:clrMapOvr>
+    <a:masterClrMapping/>
+  </p:clrMapOvr>
+</p:sld>
+</file>
+
+<file path=ppt/slides/slide18.xml><?xml version="1.0" encoding="utf-8"?>
+<p:sld xmlns:a="http://schemas.openxmlformats.org/drawingml/2006/main" xmlns:r="http://schemas.openxmlformats.org/officeDocument/2006/relationships" xmlns:p="http://schemas.openxmlformats.org/presentationml/2006/main">
+  <p:cSld>
+    <p:spTree>
+      <p:nvGrpSpPr>
+        <p:cNvPr id="1" name=""/>
+        <p:cNvGrpSpPr/>
+        <p:nvPr/>
+      </p:nvGrpSpPr>
+      <p:grpSpPr>
+        <a:xfrm>
+          <a:off x="0" y="0"/>
+          <a:ext cx="0" cy="0"/>
+          <a:chOff x="0" y="0"/>
+          <a:chExt cx="0" cy="0"/>
+        </a:xfrm>
+      </p:grpSpPr>
+      <p:sp>
+        <p:nvSpPr>
+          <p:cNvPr id="12" name="文本框 11">
+            <a:extLst>
+              <a:ext uri="{FF2B5EF4-FFF2-40B4-BE49-F238E27FC236}">
+                <a16:creationId xmlns:a16="http://schemas.microsoft.com/office/drawing/2014/main" id="{0BB1EA3F-A062-FC64-1DFD-C4F1932D8E3B}"/>
+              </a:ext>
+            </a:extLst>
+          </p:cNvPr>
+          <p:cNvSpPr txBox="1"/>
+          <p:nvPr/>
+        </p:nvSpPr>
+        <p:spPr>
+          <a:xfrm>
+            <a:off x="815928" y="387324"/>
+            <a:ext cx="10407468" cy="4585871"/>
+          </a:xfrm>
+          <a:prstGeom prst="rect">
+            <a:avLst/>
+          </a:prstGeom>
+          <a:noFill/>
+        </p:spPr>
+        <p:txBody>
+          <a:bodyPr wrap="square" rtlCol="0">
+            <a:spAutoFit/>
+          </a:bodyPr>
+          <a:lstStyle/>
+          <a:p>
+            <a:r>
+              <a:rPr lang="zh-CN" altLang="en-US" sz="2800" dirty="0">
+                <a:latin typeface="黑体" panose="02010609060101010101" pitchFamily="49" charset="-122"/>
+                <a:ea typeface="黑体" panose="02010609060101010101" pitchFamily="49" charset="-122"/>
+              </a:rPr>
+              <a:t>高频分量的融合规则</a:t>
+            </a:r>
+            <a:endParaRPr lang="en-US" altLang="zh-CN" sz="2800" dirty="0">
+              <a:latin typeface="黑体" panose="02010609060101010101" pitchFamily="49" charset="-122"/>
+              <a:ea typeface="黑体" panose="02010609060101010101" pitchFamily="49" charset="-122"/>
+            </a:endParaRPr>
+          </a:p>
+          <a:p>
+            <a:endParaRPr lang="en-US" altLang="zh-CN" sz="2800" dirty="0"/>
+          </a:p>
+          <a:p>
+            <a:endParaRPr lang="en-US" altLang="zh-CN" sz="2800" dirty="0"/>
+          </a:p>
+          <a:p>
+            <a:r>
+              <a:rPr lang="zh-CN" altLang="en-US" sz="2400" dirty="0"/>
+              <a:t>基于值的规则：</a:t>
+            </a:r>
+            <a:r>
+              <a:rPr lang="zh-CN" altLang="en-US" sz="2400" b="0" i="0" dirty="0">
+                <a:solidFill>
+                  <a:srgbClr val="000000"/>
+                </a:solidFill>
+                <a:effectLst/>
+                <a:latin typeface="+mn-ea"/>
+              </a:rPr>
+              <a:t>同一周期内，对各组分的值进行比较，并选择最大值作为最终值</a:t>
+            </a:r>
+            <a:endParaRPr lang="en-US" altLang="zh-CN" sz="2400" dirty="0">
+              <a:latin typeface="+mn-ea"/>
+            </a:endParaRPr>
+          </a:p>
+          <a:p>
+            <a:endParaRPr lang="en-US" altLang="zh-CN" sz="2800" dirty="0"/>
+          </a:p>
+          <a:p>
+            <a:endParaRPr lang="en-US" altLang="zh-CN" sz="2800" dirty="0"/>
+          </a:p>
+          <a:p>
+            <a:endParaRPr lang="en-US" altLang="zh-CN" sz="2800" dirty="0"/>
+          </a:p>
+          <a:p>
+            <a:endParaRPr lang="en-US" altLang="zh-CN" sz="2800" dirty="0"/>
+          </a:p>
+          <a:p>
+            <a:r>
+              <a:rPr lang="zh-CN" altLang="en-US" sz="2400" dirty="0"/>
+              <a:t>基于窗口的规则：滑动窗口长度为</a:t>
+            </a:r>
+            <a:r>
+              <a:rPr lang="en-US" altLang="zh-CN" sz="2400" dirty="0"/>
+              <a:t>3</a:t>
+            </a:r>
+            <a:r>
+              <a:rPr lang="zh-CN" altLang="en-US" sz="2400" dirty="0"/>
+              <a:t>，计算窗口能量并取最大能量值，得到其在原分量中的位置，选取原分量在该位置的值作为融合后的新高频分量</a:t>
+            </a:r>
+            <a:endParaRPr lang="zh-CN" altLang="en-US" sz="2800" dirty="0"/>
+          </a:p>
+        </p:txBody>
+      </p:sp>
+      <p:pic>
+        <p:nvPicPr>
+          <p:cNvPr id="8" name="图片 7">
+            <a:extLst>
+              <a:ext uri="{FF2B5EF4-FFF2-40B4-BE49-F238E27FC236}">
+                <a16:creationId xmlns:a16="http://schemas.microsoft.com/office/drawing/2014/main" id="{775A204A-8E95-56B5-C354-AAE0C5415143}"/>
+              </a:ext>
+            </a:extLst>
+          </p:cNvPr>
+          <p:cNvPicPr>
+            <a:picLocks noChangeAspect="1"/>
+          </p:cNvPicPr>
+          <p:nvPr/>
+        </p:nvPicPr>
+        <p:blipFill>
+          <a:blip r:embed="rId2"/>
+          <a:stretch>
+            <a:fillRect/>
+          </a:stretch>
+        </p:blipFill>
+        <p:spPr>
+          <a:xfrm>
+            <a:off x="2507182" y="2484436"/>
+            <a:ext cx="8048625" cy="790575"/>
+          </a:xfrm>
+          <a:prstGeom prst="rect">
+            <a:avLst/>
+          </a:prstGeom>
+        </p:spPr>
+      </p:pic>
+      <p:pic>
+        <p:nvPicPr>
+          <p:cNvPr id="10" name="图片 9">
+            <a:extLst>
+              <a:ext uri="{FF2B5EF4-FFF2-40B4-BE49-F238E27FC236}">
+                <a16:creationId xmlns:a16="http://schemas.microsoft.com/office/drawing/2014/main" id="{B1F0A656-AAF7-4030-9EE1-2A3F99BA567F}"/>
+              </a:ext>
+            </a:extLst>
+          </p:cNvPr>
+          <p:cNvPicPr>
+            <a:picLocks noChangeAspect="1"/>
+          </p:cNvPicPr>
+          <p:nvPr/>
+        </p:nvPicPr>
+        <p:blipFill>
+          <a:blip r:embed="rId3"/>
+          <a:stretch>
+            <a:fillRect/>
+          </a:stretch>
+        </p:blipFill>
+        <p:spPr>
+          <a:xfrm>
+            <a:off x="2300287" y="4973195"/>
+            <a:ext cx="7591425" cy="1495425"/>
+          </a:xfrm>
+          <a:prstGeom prst="rect">
+            <a:avLst/>
+          </a:prstGeom>
+        </p:spPr>
+      </p:pic>
+    </p:spTree>
+    <p:extLst>
+      <p:ext uri="{BB962C8B-B14F-4D97-AF65-F5344CB8AC3E}">
+        <p14:creationId xmlns:p14="http://schemas.microsoft.com/office/powerpoint/2010/main" val="2067654167"/>
+      </p:ext>
+    </p:extLst>
+  </p:cSld>
+  <p:clrMapOvr>
+    <a:masterClrMapping/>
+  </p:clrMapOvr>
+</p:sld>
+</file>
+
+<file path=ppt/slides/slide19.xml><?xml version="1.0" encoding="utf-8"?>
+<p:sld xmlns:a="http://schemas.openxmlformats.org/drawingml/2006/main" xmlns:r="http://schemas.openxmlformats.org/officeDocument/2006/relationships" xmlns:p="http://schemas.openxmlformats.org/presentationml/2006/main">
+  <p:cSld>
+    <p:spTree>
+      <p:nvGrpSpPr>
+        <p:cNvPr id="1" name=""/>
+        <p:cNvGrpSpPr/>
+        <p:nvPr/>
+      </p:nvGrpSpPr>
+      <p:grpSpPr>
+        <a:xfrm>
+          <a:off x="0" y="0"/>
+          <a:ext cx="0" cy="0"/>
+          <a:chOff x="0" y="0"/>
+          <a:chExt cx="0" cy="0"/>
+        </a:xfrm>
+      </p:grpSpPr>
+      <p:pic>
+        <p:nvPicPr>
+          <p:cNvPr id="4" name="图片 3">
+            <a:extLst>
+              <a:ext uri="{FF2B5EF4-FFF2-40B4-BE49-F238E27FC236}">
+                <a16:creationId xmlns:a16="http://schemas.microsoft.com/office/drawing/2014/main" id="{75515323-044A-9B83-13AB-86AC6C239FFE}"/>
+              </a:ext>
+            </a:extLst>
+          </p:cNvPr>
+          <p:cNvPicPr>
+            <a:picLocks noChangeAspect="1"/>
+          </p:cNvPicPr>
+          <p:nvPr/>
+        </p:nvPicPr>
+        <p:blipFill>
+          <a:blip r:embed="rId2"/>
+          <a:stretch>
+            <a:fillRect/>
+          </a:stretch>
+        </p:blipFill>
+        <p:spPr>
+          <a:xfrm rot="5400000">
+            <a:off x="5759997" y="1998388"/>
+            <a:ext cx="6355650" cy="2610208"/>
+          </a:xfrm>
+          <a:prstGeom prst="rect">
+            <a:avLst/>
+          </a:prstGeom>
+        </p:spPr>
+      </p:pic>
+      <p:sp>
+        <p:nvSpPr>
+          <p:cNvPr id="5" name="文本框 4">
+            <a:extLst>
+              <a:ext uri="{FF2B5EF4-FFF2-40B4-BE49-F238E27FC236}">
+                <a16:creationId xmlns:a16="http://schemas.microsoft.com/office/drawing/2014/main" id="{317F9ACB-E4E5-6E68-43A1-EA7D32C3493F}"/>
+              </a:ext>
+            </a:extLst>
+          </p:cNvPr>
+          <p:cNvSpPr txBox="1"/>
+          <p:nvPr/>
+        </p:nvSpPr>
+        <p:spPr>
+          <a:xfrm>
+            <a:off x="1598762" y="989162"/>
+            <a:ext cx="5739442" cy="4031873"/>
+          </a:xfrm>
+          <a:prstGeom prst="rect">
+            <a:avLst/>
+          </a:prstGeom>
+          <a:noFill/>
+        </p:spPr>
+        <p:txBody>
+          <a:bodyPr wrap="square" rtlCol="0">
+            <a:spAutoFit/>
+          </a:bodyPr>
+          <a:lstStyle/>
+          <a:p>
+            <a:r>
+              <a:rPr lang="zh-CN" altLang="en-US" sz="2800" b="1" dirty="0">
+                <a:latin typeface="黑体" panose="02010609060101010101" pitchFamily="49" charset="-122"/>
+                <a:ea typeface="黑体" panose="02010609060101010101" pitchFamily="49" charset="-122"/>
+              </a:rPr>
+              <a:t>低频分量</a:t>
+            </a:r>
+            <a:endParaRPr lang="en-US" altLang="zh-CN" sz="2800" b="1" dirty="0">
+              <a:latin typeface="黑体" panose="02010609060101010101" pitchFamily="49" charset="-122"/>
+              <a:ea typeface="黑体" panose="02010609060101010101" pitchFamily="49" charset="-122"/>
+            </a:endParaRPr>
+          </a:p>
+          <a:p>
+            <a:endParaRPr lang="en-US" altLang="zh-CN" sz="2800" b="1" dirty="0">
+              <a:latin typeface="黑体" panose="02010609060101010101" pitchFamily="49" charset="-122"/>
+              <a:ea typeface="黑体" panose="02010609060101010101" pitchFamily="49" charset="-122"/>
+            </a:endParaRPr>
+          </a:p>
+          <a:p>
+            <a:endParaRPr lang="en-US" altLang="zh-CN" sz="2800" b="1" dirty="0">
+              <a:latin typeface="黑体" panose="02010609060101010101" pitchFamily="49" charset="-122"/>
+              <a:ea typeface="黑体" panose="02010609060101010101" pitchFamily="49" charset="-122"/>
+            </a:endParaRPr>
+          </a:p>
+          <a:p>
+            <a:pPr algn="just"/>
+            <a:r>
+              <a:rPr lang="zh-CN" altLang="en-US" sz="2400" i="0" dirty="0">
+                <a:solidFill>
+                  <a:srgbClr val="000000"/>
+                </a:solidFill>
+                <a:effectLst/>
+                <a:latin typeface="等线 Light" panose="02010600030101010101" pitchFamily="2" charset="-122"/>
+                <a:ea typeface="等线 Light" panose="02010600030101010101" pitchFamily="2" charset="-122"/>
+              </a:rPr>
+              <a:t>低频容量数据波动趋势平缓，曲线相对平滑，在一定程度上可以很好地表征锂离子电池容量的退化趋势</a:t>
+            </a:r>
+            <a:endParaRPr lang="en-US" altLang="zh-CN" sz="2400" i="0" dirty="0">
+              <a:solidFill>
+                <a:srgbClr val="000000"/>
+              </a:solidFill>
+              <a:effectLst/>
+              <a:latin typeface="等线 Light" panose="02010600030101010101" pitchFamily="2" charset="-122"/>
+              <a:ea typeface="等线 Light" panose="02010600030101010101" pitchFamily="2" charset="-122"/>
+            </a:endParaRPr>
+          </a:p>
+          <a:p>
+            <a:pPr algn="just"/>
+            <a:endParaRPr lang="zh-CN" altLang="en-US" sz="2400" i="0" dirty="0">
+              <a:solidFill>
+                <a:srgbClr val="000000"/>
+              </a:solidFill>
+              <a:effectLst/>
+              <a:latin typeface="等线 Light" panose="02010600030101010101" pitchFamily="2" charset="-122"/>
+              <a:ea typeface="等线 Light" panose="02010600030101010101" pitchFamily="2" charset="-122"/>
+            </a:endParaRPr>
+          </a:p>
+          <a:p>
+            <a:pPr algn="just"/>
+            <a:r>
+              <a:rPr lang="zh-CN" altLang="en-US" sz="2400" i="0" dirty="0">
+                <a:solidFill>
+                  <a:srgbClr val="000000"/>
+                </a:solidFill>
+                <a:effectLst/>
+                <a:latin typeface="等线 Light" panose="02010600030101010101" pitchFamily="2" charset="-122"/>
+                <a:ea typeface="等线 Light" panose="02010600030101010101" pitchFamily="2" charset="-122"/>
+              </a:rPr>
+              <a:t>采用线性函数作为激活函数，构建少量隐藏层，才能准确预测低频数据</a:t>
+            </a:r>
+          </a:p>
+          <a:p>
+            <a:endParaRPr lang="zh-CN" altLang="en-US" sz="2800" b="1" dirty="0">
+              <a:latin typeface="黑体" panose="02010609060101010101" pitchFamily="49" charset="-122"/>
+              <a:ea typeface="黑体" panose="02010609060101010101" pitchFamily="49" charset="-122"/>
+            </a:endParaRPr>
+          </a:p>
+        </p:txBody>
+      </p:sp>
+    </p:spTree>
+    <p:extLst>
+      <p:ext uri="{BB962C8B-B14F-4D97-AF65-F5344CB8AC3E}">
+        <p14:creationId xmlns:p14="http://schemas.microsoft.com/office/powerpoint/2010/main" val="2598273226"/>
+      </p:ext>
+    </p:extLst>
+  </p:cSld>
+  <p:clrMapOvr>
+    <a:masterClrMapping/>
+  </p:clrMapOvr>
+</p:sld>
+</file>
+
 <file path=ppt/slides/slide2.xml><?xml version="1.0" encoding="utf-8"?>
 <p:sld xmlns:a="http://schemas.openxmlformats.org/drawingml/2006/main" xmlns:r="http://schemas.openxmlformats.org/officeDocument/2006/relationships" xmlns:p="http://schemas.openxmlformats.org/presentationml/2006/main">
   <p:cSld>
@@ -3594,6 +8036,216 @@
     <p:extLst>
       <p:ext uri="{BB962C8B-B14F-4D97-AF65-F5344CB8AC3E}">
         <p14:creationId xmlns:p14="http://schemas.microsoft.com/office/powerpoint/2010/main" val="3750172891"/>
+      </p:ext>
+    </p:extLst>
+  </p:cSld>
+  <p:clrMapOvr>
+    <a:masterClrMapping/>
+  </p:clrMapOvr>
+</p:sld>
+</file>
+
+<file path=ppt/slides/slide20.xml><?xml version="1.0" encoding="utf-8"?>
+<p:sld xmlns:a="http://schemas.openxmlformats.org/drawingml/2006/main" xmlns:r="http://schemas.openxmlformats.org/officeDocument/2006/relationships" xmlns:p="http://schemas.openxmlformats.org/presentationml/2006/main">
+  <p:cSld>
+    <p:spTree>
+      <p:nvGrpSpPr>
+        <p:cNvPr id="1" name=""/>
+        <p:cNvGrpSpPr/>
+        <p:nvPr/>
+      </p:nvGrpSpPr>
+      <p:grpSpPr>
+        <a:xfrm>
+          <a:off x="0" y="0"/>
+          <a:ext cx="0" cy="0"/>
+          <a:chOff x="0" y="0"/>
+          <a:chExt cx="0" cy="0"/>
+        </a:xfrm>
+      </p:grpSpPr>
+      <p:sp>
+        <p:nvSpPr>
+          <p:cNvPr id="5" name="文本框 4">
+            <a:extLst>
+              <a:ext uri="{FF2B5EF4-FFF2-40B4-BE49-F238E27FC236}">
+                <a16:creationId xmlns:a16="http://schemas.microsoft.com/office/drawing/2014/main" id="{317F9ACB-E4E5-6E68-43A1-EA7D32C3493F}"/>
+              </a:ext>
+            </a:extLst>
+          </p:cNvPr>
+          <p:cNvSpPr txBox="1"/>
+          <p:nvPr/>
+        </p:nvSpPr>
+        <p:spPr>
+          <a:xfrm>
+            <a:off x="310551" y="517585"/>
+            <a:ext cx="5739442" cy="1815882"/>
+          </a:xfrm>
+          <a:prstGeom prst="rect">
+            <a:avLst/>
+          </a:prstGeom>
+          <a:noFill/>
+        </p:spPr>
+        <p:txBody>
+          <a:bodyPr wrap="square" rtlCol="0">
+            <a:spAutoFit/>
+          </a:bodyPr>
+          <a:lstStyle/>
+          <a:p>
+            <a:r>
+              <a:rPr lang="zh-CN" altLang="en-US" sz="2800" b="1" dirty="0">
+                <a:latin typeface="黑体" panose="02010609060101010101" pitchFamily="49" charset="-122"/>
+                <a:ea typeface="黑体" panose="02010609060101010101" pitchFamily="49" charset="-122"/>
+              </a:rPr>
+              <a:t>高频分量</a:t>
+            </a:r>
+            <a:endParaRPr lang="en-US" altLang="zh-CN" sz="2800" b="1" dirty="0">
+              <a:latin typeface="黑体" panose="02010609060101010101" pitchFamily="49" charset="-122"/>
+              <a:ea typeface="黑体" panose="02010609060101010101" pitchFamily="49" charset="-122"/>
+            </a:endParaRPr>
+          </a:p>
+          <a:p>
+            <a:endParaRPr lang="en-US" altLang="zh-CN" sz="2800" b="1" dirty="0">
+              <a:latin typeface="黑体" panose="02010609060101010101" pitchFamily="49" charset="-122"/>
+              <a:ea typeface="黑体" panose="02010609060101010101" pitchFamily="49" charset="-122"/>
+            </a:endParaRPr>
+          </a:p>
+          <a:p>
+            <a:endParaRPr lang="en-US" altLang="zh-CN" sz="2800" b="1" dirty="0">
+              <a:latin typeface="黑体" panose="02010609060101010101" pitchFamily="49" charset="-122"/>
+              <a:ea typeface="黑体" panose="02010609060101010101" pitchFamily="49" charset="-122"/>
+            </a:endParaRPr>
+          </a:p>
+          <a:p>
+            <a:endParaRPr lang="zh-CN" altLang="en-US" sz="2800" b="1" dirty="0">
+              <a:latin typeface="黑体" panose="02010609060101010101" pitchFamily="49" charset="-122"/>
+              <a:ea typeface="黑体" panose="02010609060101010101" pitchFamily="49" charset="-122"/>
+            </a:endParaRPr>
+          </a:p>
+        </p:txBody>
+      </p:sp>
+      <p:pic>
+        <p:nvPicPr>
+          <p:cNvPr id="3" name="图片 2">
+            <a:extLst>
+              <a:ext uri="{FF2B5EF4-FFF2-40B4-BE49-F238E27FC236}">
+                <a16:creationId xmlns:a16="http://schemas.microsoft.com/office/drawing/2014/main" id="{E95AD00B-3CB8-E933-2ECA-533723B31D8B}"/>
+              </a:ext>
+            </a:extLst>
+          </p:cNvPr>
+          <p:cNvPicPr>
+            <a:picLocks noChangeAspect="1"/>
+          </p:cNvPicPr>
+          <p:nvPr/>
+        </p:nvPicPr>
+        <p:blipFill>
+          <a:blip r:embed="rId2"/>
+          <a:stretch>
+            <a:fillRect/>
+          </a:stretch>
+        </p:blipFill>
+        <p:spPr>
+          <a:xfrm>
+            <a:off x="4440229" y="92014"/>
+            <a:ext cx="7492195" cy="6438181"/>
+          </a:xfrm>
+          <a:prstGeom prst="rect">
+            <a:avLst/>
+          </a:prstGeom>
+        </p:spPr>
+      </p:pic>
+      <p:pic>
+        <p:nvPicPr>
+          <p:cNvPr id="7" name="图片 6">
+            <a:extLst>
+              <a:ext uri="{FF2B5EF4-FFF2-40B4-BE49-F238E27FC236}">
+                <a16:creationId xmlns:a16="http://schemas.microsoft.com/office/drawing/2014/main" id="{6F82CE97-42B3-348B-7BC3-B5B25608251C}"/>
+              </a:ext>
+            </a:extLst>
+          </p:cNvPr>
+          <p:cNvPicPr>
+            <a:picLocks noChangeAspect="1"/>
+          </p:cNvPicPr>
+          <p:nvPr/>
+        </p:nvPicPr>
+        <p:blipFill>
+          <a:blip r:embed="rId3"/>
+          <a:stretch>
+            <a:fillRect/>
+          </a:stretch>
+        </p:blipFill>
+        <p:spPr>
+          <a:xfrm>
+            <a:off x="714375" y="1425526"/>
+            <a:ext cx="5381625" cy="581025"/>
+          </a:xfrm>
+          <a:prstGeom prst="rect">
+            <a:avLst/>
+          </a:prstGeom>
+        </p:spPr>
+      </p:pic>
+    </p:spTree>
+    <p:extLst>
+      <p:ext uri="{BB962C8B-B14F-4D97-AF65-F5344CB8AC3E}">
+        <p14:creationId xmlns:p14="http://schemas.microsoft.com/office/powerpoint/2010/main" val="3016688648"/>
+      </p:ext>
+    </p:extLst>
+  </p:cSld>
+  <p:clrMapOvr>
+    <a:masterClrMapping/>
+  </p:clrMapOvr>
+</p:sld>
+</file>
+
+<file path=ppt/slides/slide21.xml><?xml version="1.0" encoding="utf-8"?>
+<p:sld xmlns:a="http://schemas.openxmlformats.org/drawingml/2006/main" xmlns:r="http://schemas.openxmlformats.org/officeDocument/2006/relationships" xmlns:p="http://schemas.openxmlformats.org/presentationml/2006/main">
+  <p:cSld>
+    <p:spTree>
+      <p:nvGrpSpPr>
+        <p:cNvPr id="1" name=""/>
+        <p:cNvGrpSpPr/>
+        <p:nvPr/>
+      </p:nvGrpSpPr>
+      <p:grpSpPr>
+        <a:xfrm>
+          <a:off x="0" y="0"/>
+          <a:ext cx="0" cy="0"/>
+          <a:chOff x="0" y="0"/>
+          <a:chExt cx="0" cy="0"/>
+        </a:xfrm>
+      </p:grpSpPr>
+      <p:pic>
+        <p:nvPicPr>
+          <p:cNvPr id="4" name="图片 3">
+            <a:extLst>
+              <a:ext uri="{FF2B5EF4-FFF2-40B4-BE49-F238E27FC236}">
+                <a16:creationId xmlns:a16="http://schemas.microsoft.com/office/drawing/2014/main" id="{6DD0A85B-BA12-AE12-8D62-9AF55CEE195D}"/>
+              </a:ext>
+            </a:extLst>
+          </p:cNvPr>
+          <p:cNvPicPr>
+            <a:picLocks noChangeAspect="1"/>
+          </p:cNvPicPr>
+          <p:nvPr/>
+        </p:nvPicPr>
+        <p:blipFill>
+          <a:blip r:embed="rId2"/>
+          <a:stretch>
+            <a:fillRect/>
+          </a:stretch>
+        </p:blipFill>
+        <p:spPr>
+          <a:xfrm>
+            <a:off x="1104729" y="0"/>
+            <a:ext cx="9982542" cy="6858000"/>
+          </a:xfrm>
+          <a:prstGeom prst="rect">
+            <a:avLst/>
+          </a:prstGeom>
+        </p:spPr>
+      </p:pic>
+    </p:spTree>
+    <p:extLst>
+      <p:ext uri="{BB962C8B-B14F-4D97-AF65-F5344CB8AC3E}">
+        <p14:creationId xmlns:p14="http://schemas.microsoft.com/office/powerpoint/2010/main" val="1321863815"/>
       </p:ext>
     </p:extLst>
   </p:cSld>
@@ -3635,7 +8287,7 @@
         <p:spPr>
           <a:xfrm>
             <a:off x="1411042" y="289316"/>
-            <a:ext cx="9369915" cy="1965666"/>
+            <a:ext cx="9369915" cy="2888996"/>
           </a:xfrm>
           <a:prstGeom prst="rect">
             <a:avLst/>
@@ -3654,12 +8306,8 @@
               </a:lnSpc>
             </a:pPr>
             <a:r>
-              <a:rPr lang="en-US" altLang="zh-CN" sz="2800" b="1" dirty="0"/>
-              <a:t>RF</a:t>
-            </a:r>
-            <a:r>
               <a:rPr lang="zh-CN" altLang="en-US" sz="2800" b="1" dirty="0"/>
-              <a:t>特征择优</a:t>
+              <a:t>特征组成</a:t>
             </a:r>
             <a:endParaRPr lang="en-US" altLang="zh-CN" sz="2800" b="1" dirty="0"/>
           </a:p>
@@ -3677,16 +8325,44 @@
                 <a:spcPct val="150000"/>
               </a:lnSpc>
             </a:pPr>
+            <a:r>
+              <a:rPr lang="zh-CN" altLang="en-US" sz="2000" dirty="0"/>
+              <a:t>候选特征：直接提取</a:t>
+            </a:r>
+            <a:r>
+              <a:rPr lang="en-US" altLang="zh-CN" sz="2000" dirty="0"/>
+              <a:t>+</a:t>
+            </a:r>
+            <a:r>
+              <a:rPr lang="zh-CN" altLang="en-US" sz="2000" dirty="0"/>
+              <a:t>小波变换重构后的特征</a:t>
+            </a:r>
+            <a:endParaRPr lang="en-US" altLang="zh-CN" sz="2000" dirty="0"/>
+          </a:p>
+          <a:p>
+            <a:pPr>
+              <a:lnSpc>
+                <a:spcPct val="150000"/>
+              </a:lnSpc>
+            </a:pPr>
+            <a:endParaRPr lang="en-US" altLang="zh-CN" sz="2000" dirty="0"/>
+          </a:p>
+          <a:p>
+            <a:pPr>
+              <a:lnSpc>
+                <a:spcPct val="150000"/>
+              </a:lnSpc>
+            </a:pPr>
             <a:endParaRPr lang="en-US" altLang="zh-CN" sz="2800" b="1" dirty="0"/>
           </a:p>
         </p:txBody>
       </p:sp>
       <p:pic>
         <p:nvPicPr>
-          <p:cNvPr id="2" name="图片 1">
-            <a:extLst>
-              <a:ext uri="{FF2B5EF4-FFF2-40B4-BE49-F238E27FC236}">
-                <a16:creationId xmlns:a16="http://schemas.microsoft.com/office/drawing/2014/main" id="{7D4F17F2-88F4-4E0C-955F-ADD6B028E63A}"/>
+          <p:cNvPr id="6" name="图片 5">
+            <a:extLst>
+              <a:ext uri="{FF2B5EF4-FFF2-40B4-BE49-F238E27FC236}">
+                <a16:creationId xmlns:a16="http://schemas.microsoft.com/office/drawing/2014/main" id="{AD826363-CACA-F55B-E6FA-6E43D53B3FA2}"/>
               </a:ext>
             </a:extLst>
           </p:cNvPr>
@@ -3695,16 +8371,15 @@
           </p:cNvPicPr>
           <p:nvPr/>
         </p:nvPicPr>
-        <p:blipFill>
+        <p:blipFill rotWithShape="1">
           <a:blip r:embed="rId2"/>
-          <a:stretch>
-            <a:fillRect/>
-          </a:stretch>
+          <a:srcRect r="3176"/>
+          <a:stretch/>
         </p:blipFill>
         <p:spPr>
           <a:xfrm>
-            <a:off x="1411042" y="1459440"/>
-            <a:ext cx="5048955" cy="4134427"/>
+            <a:off x="1208268" y="2242869"/>
+            <a:ext cx="10868713" cy="3474653"/>
           </a:xfrm>
           <a:prstGeom prst="rect">
             <a:avLst/>
@@ -3714,7 +8389,7 @@
     </p:spTree>
     <p:extLst>
       <p:ext uri="{BB962C8B-B14F-4D97-AF65-F5344CB8AC3E}">
-        <p14:creationId xmlns:p14="http://schemas.microsoft.com/office/powerpoint/2010/main" val="1997092710"/>
+        <p14:creationId xmlns:p14="http://schemas.microsoft.com/office/powerpoint/2010/main" val="2763815271"/>
       </p:ext>
     </p:extLst>
   </p:cSld>
@@ -3755,8 +8430,8 @@
         </p:nvSpPr>
         <p:spPr>
           <a:xfrm>
-            <a:off x="1411042" y="502380"/>
-            <a:ext cx="9206651" cy="3184783"/>
+            <a:off x="1411042" y="289316"/>
+            <a:ext cx="9369915" cy="1965666"/>
           </a:xfrm>
           <a:prstGeom prst="rect">
             <a:avLst/>
@@ -3775,8 +8450,12 @@
               </a:lnSpc>
             </a:pPr>
             <a:r>
+              <a:rPr lang="en-US" altLang="zh-CN" sz="2800" b="1" dirty="0"/>
+              <a:t>RF</a:t>
+            </a:r>
+            <a:r>
               <a:rPr lang="zh-CN" altLang="en-US" sz="2800" b="1" dirty="0"/>
-              <a:t>预测模型（时序预测）</a:t>
+              <a:t>特征择优</a:t>
             </a:r>
             <a:endParaRPr lang="en-US" altLang="zh-CN" sz="2800" b="1" dirty="0"/>
           </a:p>
@@ -3794,50 +8473,44 @@
                 <a:spcPct val="150000"/>
               </a:lnSpc>
             </a:pPr>
-            <a:r>
-              <a:rPr lang="zh-CN" altLang="en-US" sz="2000" b="1" dirty="0"/>
-              <a:t>滑动窗口长度大小：</a:t>
-            </a:r>
-            <a:endParaRPr lang="en-US" altLang="zh-CN" sz="2000" b="1" dirty="0"/>
-          </a:p>
-          <a:p>
-            <a:pPr>
-              <a:lnSpc>
-                <a:spcPct val="150000"/>
-              </a:lnSpc>
-            </a:pPr>
-            <a:r>
-              <a:rPr lang="en-US" altLang="zh-CN" sz="2000" dirty="0"/>
-              <a:t>	</a:t>
-            </a:r>
-            <a:r>
-              <a:rPr lang="zh-CN" altLang="en-US" sz="2000" dirty="0"/>
-              <a:t>近似熵：增加一个维度后生成新图案的概率，近似熵越大，生成新图案的概率越高</a:t>
-            </a:r>
-            <a:endParaRPr lang="en-US" altLang="zh-CN" sz="2000" dirty="0"/>
-          </a:p>
-          <a:p>
-            <a:pPr>
-              <a:lnSpc>
-                <a:spcPct val="150000"/>
-              </a:lnSpc>
-            </a:pPr>
-            <a:r>
-              <a:rPr lang="en-US" altLang="zh-CN" sz="2000" dirty="0"/>
-              <a:t>	</a:t>
-            </a:r>
-            <a:r>
-              <a:rPr lang="zh-CN" altLang="en-US" sz="2000" dirty="0"/>
-              <a:t>滑动窗口：近似熵最大值所对应的段维大小定义为最优滑动窗口大小</a:t>
-            </a:r>
-            <a:endParaRPr lang="en-US" altLang="zh-CN" sz="2000" dirty="0"/>
-          </a:p>
-        </p:txBody>
-      </p:sp>
+            <a:endParaRPr lang="en-US" altLang="zh-CN" sz="2800" b="1" dirty="0"/>
+          </a:p>
+        </p:txBody>
+      </p:sp>
+      <p:pic>
+        <p:nvPicPr>
+          <p:cNvPr id="2" name="图片 1">
+            <a:extLst>
+              <a:ext uri="{FF2B5EF4-FFF2-40B4-BE49-F238E27FC236}">
+                <a16:creationId xmlns:a16="http://schemas.microsoft.com/office/drawing/2014/main" id="{7D4F17F2-88F4-4E0C-955F-ADD6B028E63A}"/>
+              </a:ext>
+            </a:extLst>
+          </p:cNvPr>
+          <p:cNvPicPr>
+            <a:picLocks noChangeAspect="1"/>
+          </p:cNvPicPr>
+          <p:nvPr/>
+        </p:nvPicPr>
+        <p:blipFill>
+          <a:blip r:embed="rId2"/>
+          <a:stretch>
+            <a:fillRect/>
+          </a:stretch>
+        </p:blipFill>
+        <p:spPr>
+          <a:xfrm>
+            <a:off x="1411042" y="1459440"/>
+            <a:ext cx="5048955" cy="4134427"/>
+          </a:xfrm>
+          <a:prstGeom prst="rect">
+            <a:avLst/>
+          </a:prstGeom>
+        </p:spPr>
+      </p:pic>
     </p:spTree>
     <p:extLst>
       <p:ext uri="{BB962C8B-B14F-4D97-AF65-F5344CB8AC3E}">
-        <p14:creationId xmlns:p14="http://schemas.microsoft.com/office/powerpoint/2010/main" val="1552176923"/>
+        <p14:creationId xmlns:p14="http://schemas.microsoft.com/office/powerpoint/2010/main" val="1997092710"/>
       </p:ext>
     </p:extLst>
   </p:cSld>
@@ -3878,8 +8551,8 @@
         </p:nvSpPr>
         <p:spPr>
           <a:xfrm>
-            <a:off x="1411042" y="289316"/>
-            <a:ext cx="9369915" cy="5542479"/>
+            <a:off x="1411042" y="502380"/>
+            <a:ext cx="9206651" cy="4569777"/>
           </a:xfrm>
           <a:prstGeom prst="rect">
             <a:avLst/>
@@ -3898,9 +8571,10 @@
               </a:lnSpc>
             </a:pPr>
             <a:r>
-              <a:rPr lang="en-US" altLang="zh-CN" sz="2800" b="1" dirty="0"/>
-              <a:t>LSTM and improved model</a:t>
-            </a:r>
+              <a:rPr lang="zh-CN" altLang="en-US" sz="2800" b="1" dirty="0"/>
+              <a:t>预测模型（时序预测）</a:t>
+            </a:r>
+            <a:endParaRPr lang="en-US" altLang="zh-CN" sz="2800" b="1" dirty="0"/>
           </a:p>
           <a:p>
             <a:pPr>
@@ -3918,61 +8592,9 @@
             </a:pPr>
             <a:r>
               <a:rPr lang="zh-CN" altLang="en-US" sz="2000" b="1" dirty="0"/>
-              <a:t>思想：</a:t>
-            </a:r>
-            <a:r>
-              <a:rPr lang="zh-CN" altLang="en-US" dirty="0"/>
-              <a:t>统</a:t>
-            </a:r>
-            <a:r>
-              <a:rPr lang="en-US" altLang="zh-CN" dirty="0"/>
-              <a:t>LSTM</a:t>
-            </a:r>
-            <a:r>
-              <a:rPr lang="zh-CN" altLang="en-US" dirty="0"/>
-              <a:t>独立考虑输入信息和历史隐藏状态，不使输入信息学习历史信息</a:t>
-            </a:r>
-            <a:r>
-              <a:rPr lang="en-US" altLang="zh-CN" dirty="0"/>
-              <a:t>(</a:t>
-            </a:r>
-            <a:r>
-              <a:rPr lang="zh-CN" altLang="en-US" dirty="0"/>
-              <a:t>前一刻隐藏状态</a:t>
-            </a:r>
-            <a:r>
-              <a:rPr lang="en-US" altLang="zh-CN" dirty="0"/>
-              <a:t>)</a:t>
-            </a:r>
-            <a:r>
-              <a:rPr lang="zh-CN" altLang="en-US" dirty="0"/>
-              <a:t>的模式，不利于收敛。</a:t>
-            </a:r>
-            <a:r>
-              <a:rPr lang="en-US" altLang="zh-CN" dirty="0" err="1"/>
-              <a:t>Melis</a:t>
-            </a:r>
-            <a:r>
-              <a:rPr lang="zh-CN" altLang="en-US" dirty="0"/>
-              <a:t>等人认为上下文无关的输入表示可能是传统</a:t>
-            </a:r>
-            <a:r>
-              <a:rPr lang="en-US" altLang="zh-CN" dirty="0"/>
-              <a:t>LSTM</a:t>
-            </a:r>
-            <a:r>
-              <a:rPr lang="zh-CN" altLang="en-US" dirty="0"/>
-              <a:t>的瓶颈。如果允许输入信息与先前隐藏的状态充分交互，然后将交互的输入向量馈入</a:t>
-            </a:r>
-            <a:r>
-              <a:rPr lang="en-US" altLang="zh-CN" dirty="0"/>
-              <a:t>LSTM</a:t>
-            </a:r>
-            <a:r>
-              <a:rPr lang="zh-CN" altLang="en-US" dirty="0"/>
-              <a:t>单元，那么以这种方式处理数据可能会改善建模结果，在进行上下文交互时，还应考虑交互后的输入向量与原始输入向量之间的偏差。如果交互后的数据与原始数据的偏差过大，自然不会总能提高模型的有效性。因此，本文还将在其基础上增加一个判断机制，即每次交互后与原输入向量的相似度判断</a:t>
-            </a:r>
-            <a:endParaRPr lang="en-US" altLang="zh-CN" dirty="0"/>
+              <a:t>滑动窗口长度大小：</a:t>
+            </a:r>
+            <a:endParaRPr lang="en-US" altLang="zh-CN" sz="2000" b="1" dirty="0"/>
           </a:p>
           <a:p>
             <a:pPr>
@@ -3981,122 +8603,55 @@
               </a:lnSpc>
             </a:pPr>
             <a:r>
-              <a:rPr lang="zh-CN" altLang="en-US" dirty="0"/>
-              <a:t>如果交互度过低，如果预先给定阈值，交互将提前结束，否则交互将继续进行，直到达到给定的交互轮数</a:t>
-            </a:r>
-            <a:r>
-              <a:rPr lang="en-US" altLang="zh-CN" dirty="0"/>
-              <a:t>r</a:t>
-            </a:r>
-            <a:r>
-              <a:rPr lang="zh-CN" altLang="en-US" dirty="0"/>
-              <a:t>为止，可以这样实现自适应交互。经过多次实验，发现余弦相似度可以更好的进行相似度判断，并将其应用于改进的</a:t>
-            </a:r>
-            <a:r>
-              <a:rPr lang="en-US" altLang="zh-CN" dirty="0"/>
-              <a:t>LSTM</a:t>
-            </a:r>
-            <a:r>
-              <a:rPr lang="zh-CN" altLang="en-US" dirty="0"/>
-              <a:t>中，余弦相似度计算公式如下</a:t>
-            </a:r>
-            <a:r>
-              <a:rPr lang="en-US" altLang="zh-CN" dirty="0"/>
-              <a:t>:</a:t>
+              <a:rPr lang="en-US" altLang="zh-CN" sz="2000" dirty="0"/>
+              <a:t>	</a:t>
+            </a:r>
+            <a:r>
+              <a:rPr lang="zh-CN" altLang="en-US" sz="2000" dirty="0"/>
+              <a:t>近似熵：增加一个维度后生成新图案的概率，近似熵越大，生成新图案的概率越高</a:t>
             </a:r>
             <a:endParaRPr lang="en-US" altLang="zh-CN" sz="2000" dirty="0"/>
           </a:p>
-        </p:txBody>
-      </p:sp>
-      <p:pic>
-        <p:nvPicPr>
-          <p:cNvPr id="2" name="图片 1">
-            <a:extLst>
-              <a:ext uri="{FF2B5EF4-FFF2-40B4-BE49-F238E27FC236}">
-                <a16:creationId xmlns:a16="http://schemas.microsoft.com/office/drawing/2014/main" id="{FFBA7256-319E-4502-A358-F982673DDBBE}"/>
-              </a:ext>
-            </a:extLst>
-          </p:cNvPr>
-          <p:cNvPicPr>
-            <a:picLocks noChangeAspect="1"/>
-          </p:cNvPicPr>
-          <p:nvPr/>
-        </p:nvPicPr>
-        <p:blipFill>
-          <a:blip r:embed="rId2"/>
-          <a:stretch>
-            <a:fillRect/>
-          </a:stretch>
-        </p:blipFill>
-        <p:spPr>
-          <a:xfrm>
-            <a:off x="1490941" y="5816258"/>
-            <a:ext cx="5296639" cy="885949"/>
-          </a:xfrm>
-          <a:prstGeom prst="rect">
-            <a:avLst/>
-          </a:prstGeom>
-        </p:spPr>
-      </p:pic>
-      <p:pic>
-        <p:nvPicPr>
-          <p:cNvPr id="3" name="图片 2">
-            <a:extLst>
-              <a:ext uri="{FF2B5EF4-FFF2-40B4-BE49-F238E27FC236}">
-                <a16:creationId xmlns:a16="http://schemas.microsoft.com/office/drawing/2014/main" id="{EC8B12EE-6705-4961-B556-48D7471C406F}"/>
-              </a:ext>
-            </a:extLst>
-          </p:cNvPr>
-          <p:cNvPicPr>
-            <a:picLocks noChangeAspect="1"/>
-          </p:cNvPicPr>
-          <p:nvPr/>
-        </p:nvPicPr>
-        <p:blipFill>
-          <a:blip r:embed="rId3"/>
-          <a:stretch>
-            <a:fillRect/>
-          </a:stretch>
-        </p:blipFill>
-        <p:spPr>
-          <a:xfrm>
-            <a:off x="6787580" y="933095"/>
-            <a:ext cx="5239481" cy="428685"/>
-          </a:xfrm>
-          <a:prstGeom prst="rect">
-            <a:avLst/>
-          </a:prstGeom>
-        </p:spPr>
-      </p:pic>
-      <p:sp>
-        <p:nvSpPr>
-          <p:cNvPr id="5" name="矩形 4">
-            <a:extLst>
-              <a:ext uri="{FF2B5EF4-FFF2-40B4-BE49-F238E27FC236}">
-                <a16:creationId xmlns:a16="http://schemas.microsoft.com/office/drawing/2014/main" id="{988673BD-27A9-42E3-B282-5FB99D2B0EA3}"/>
-              </a:ext>
-            </a:extLst>
-          </p:cNvPr>
-          <p:cNvSpPr/>
-          <p:nvPr/>
-        </p:nvSpPr>
-        <p:spPr>
-          <a:xfrm>
-            <a:off x="5657208" y="1361780"/>
-            <a:ext cx="6168676" cy="369332"/>
-          </a:xfrm>
-          <a:prstGeom prst="rect">
-            <a:avLst/>
-          </a:prstGeom>
-        </p:spPr>
-        <p:txBody>
-          <a:bodyPr wrap="none">
-            <a:spAutoFit/>
-          </a:bodyPr>
-          <a:lstStyle/>
-          <a:p>
-            <a:r>
-              <a:rPr lang="zh-CN" altLang="en-US" b="0" i="0" dirty="0">
+          <a:p>
+            <a:pPr>
+              <a:lnSpc>
+                <a:spcPct val="150000"/>
+              </a:lnSpc>
+            </a:pPr>
+            <a:r>
+              <a:rPr lang="en-US" altLang="zh-CN" sz="2000" dirty="0"/>
+              <a:t>	</a:t>
+            </a:r>
+            <a:r>
+              <a:rPr lang="zh-CN" altLang="en-US" sz="2000" dirty="0"/>
+              <a:t>滑动窗口：近似熵最大值所对应的段维大小定义为最优滑动窗口大小</a:t>
+            </a:r>
+            <a:endParaRPr lang="en-US" altLang="zh-CN" sz="2000" dirty="0"/>
+          </a:p>
+          <a:p>
+            <a:pPr>
+              <a:lnSpc>
+                <a:spcPct val="150000"/>
+              </a:lnSpc>
+            </a:pPr>
+            <a:endParaRPr lang="en-US" altLang="zh-CN" sz="2000" dirty="0"/>
+          </a:p>
+          <a:p>
+            <a:pPr>
+              <a:lnSpc>
+                <a:spcPct val="150000"/>
+              </a:lnSpc>
+            </a:pPr>
+            <a:endParaRPr lang="en-US" altLang="zh-CN" sz="2000" dirty="0"/>
+          </a:p>
+          <a:p>
+            <a:pPr>
+              <a:lnSpc>
+                <a:spcPct val="150000"/>
+              </a:lnSpc>
+            </a:pPr>
+            <a:r>
+              <a:rPr lang="zh-CN" altLang="en-US" sz="2000" i="0" dirty="0">
                 <a:solidFill>
                   <a:srgbClr val="000000"/>
                 </a:solidFill>
@@ -4104,122 +8659,16 @@
                 <a:latin typeface="微软雅黑" panose="020B0503020204020204" pitchFamily="34" charset="-122"/>
                 <a:ea typeface="微软雅黑" panose="020B0503020204020204" pitchFamily="34" charset="-122"/>
               </a:rPr>
-              <a:t>交互轮数</a:t>
-            </a:r>
-            <a:r>
-              <a:rPr lang="en-US" altLang="zh-CN" b="0" i="0" dirty="0">
-                <a:solidFill>
-                  <a:srgbClr val="000000"/>
-                </a:solidFill>
-                <a:effectLst/>
-                <a:latin typeface="微软雅黑" panose="020B0503020204020204" pitchFamily="34" charset="-122"/>
-                <a:ea typeface="微软雅黑" panose="020B0503020204020204" pitchFamily="34" charset="-122"/>
-              </a:rPr>
-              <a:t>(</a:t>
-            </a:r>
-            <a:r>
-              <a:rPr lang="zh-CN" altLang="en-US" b="0" i="0" dirty="0">
-                <a:solidFill>
-                  <a:srgbClr val="000000"/>
-                </a:solidFill>
-                <a:effectLst/>
-                <a:latin typeface="微软雅黑" panose="020B0503020204020204" pitchFamily="34" charset="-122"/>
-                <a:ea typeface="微软雅黑" panose="020B0503020204020204" pitchFamily="34" charset="-122"/>
-              </a:rPr>
-              <a:t>变换步骤</a:t>
-            </a:r>
-            <a:r>
-              <a:rPr lang="en-US" altLang="zh-CN" b="0" i="0" dirty="0">
-                <a:solidFill>
-                  <a:srgbClr val="000000"/>
-                </a:solidFill>
-                <a:effectLst/>
-                <a:latin typeface="微软雅黑" panose="020B0503020204020204" pitchFamily="34" charset="-122"/>
-                <a:ea typeface="微软雅黑" panose="020B0503020204020204" pitchFamily="34" charset="-122"/>
-              </a:rPr>
-              <a:t>)</a:t>
-            </a:r>
-            <a:r>
-              <a:rPr lang="zh-CN" altLang="en-US" b="0" i="0" dirty="0">
-                <a:solidFill>
-                  <a:srgbClr val="000000"/>
-                </a:solidFill>
-                <a:effectLst/>
-                <a:latin typeface="微软雅黑" panose="020B0503020204020204" pitchFamily="34" charset="-122"/>
-                <a:ea typeface="微软雅黑" panose="020B0503020204020204" pitchFamily="34" charset="-122"/>
-              </a:rPr>
-              <a:t>是一个关键参数，将借助</a:t>
-            </a:r>
-            <a:r>
-              <a:rPr lang="en-US" altLang="zh-CN" b="0" i="0" dirty="0">
-                <a:solidFill>
-                  <a:srgbClr val="000000"/>
-                </a:solidFill>
-                <a:effectLst/>
-                <a:latin typeface="微软雅黑" panose="020B0503020204020204" pitchFamily="34" charset="-122"/>
-                <a:ea typeface="微软雅黑" panose="020B0503020204020204" pitchFamily="34" charset="-122"/>
-              </a:rPr>
-              <a:t>QGA</a:t>
-            </a:r>
-            <a:r>
-              <a:rPr lang="zh-CN" altLang="en-US" b="0" i="0" dirty="0">
-                <a:solidFill>
-                  <a:srgbClr val="000000"/>
-                </a:solidFill>
-                <a:effectLst/>
-                <a:latin typeface="微软雅黑" panose="020B0503020204020204" pitchFamily="34" charset="-122"/>
-                <a:ea typeface="微软雅黑" panose="020B0503020204020204" pitchFamily="34" charset="-122"/>
-              </a:rPr>
-              <a:t>来确定。</a:t>
-            </a:r>
-            <a:endParaRPr lang="zh-CN" altLang="en-US" dirty="0"/>
-          </a:p>
-        </p:txBody>
-      </p:sp>
-      <p:sp>
-        <p:nvSpPr>
-          <p:cNvPr id="6" name="矩形 5">
-            <a:extLst>
-              <a:ext uri="{FF2B5EF4-FFF2-40B4-BE49-F238E27FC236}">
-                <a16:creationId xmlns:a16="http://schemas.microsoft.com/office/drawing/2014/main" id="{6003B5CD-F1D2-42AC-BEAE-D6793B99CA63}"/>
-              </a:ext>
-            </a:extLst>
-          </p:cNvPr>
-          <p:cNvSpPr/>
-          <p:nvPr/>
-        </p:nvSpPr>
-        <p:spPr>
-          <a:xfrm>
-            <a:off x="7805769" y="5831795"/>
-            <a:ext cx="2492990" cy="465640"/>
-          </a:xfrm>
-          <a:prstGeom prst="rect">
-            <a:avLst/>
-          </a:prstGeom>
-        </p:spPr>
-        <p:txBody>
-          <a:bodyPr wrap="none">
-            <a:spAutoFit/>
-          </a:bodyPr>
-          <a:lstStyle/>
-          <a:p>
-            <a:pPr>
-              <a:lnSpc>
-                <a:spcPct val="150000"/>
-              </a:lnSpc>
-            </a:pPr>
-            <a:r>
-              <a:rPr lang="zh-CN" altLang="en-US" b="1" dirty="0"/>
-              <a:t>量子遗传算法参数优化</a:t>
-            </a:r>
-            <a:endParaRPr lang="en-US" altLang="zh-CN" b="1" dirty="0"/>
+              <a:t>在一定的数据量下，更多不同的数据模式将大大提高模型的学习效果</a:t>
+            </a:r>
+            <a:endParaRPr lang="en-US" altLang="zh-CN" sz="2000" dirty="0"/>
           </a:p>
         </p:txBody>
       </p:sp>
     </p:spTree>
     <p:extLst>
       <p:ext uri="{BB962C8B-B14F-4D97-AF65-F5344CB8AC3E}">
-        <p14:creationId xmlns:p14="http://schemas.microsoft.com/office/powerpoint/2010/main" val="3115806779"/>
+        <p14:creationId xmlns:p14="http://schemas.microsoft.com/office/powerpoint/2010/main" val="1552176923"/>
       </p:ext>
     </p:extLst>
   </p:cSld>
@@ -4246,12 +8695,191 @@
           <a:chExt cx="0" cy="0"/>
         </a:xfrm>
       </p:grpSpPr>
+      <p:sp>
+        <p:nvSpPr>
+          <p:cNvPr id="4" name="文本框 3">
+            <a:extLst>
+              <a:ext uri="{FF2B5EF4-FFF2-40B4-BE49-F238E27FC236}">
+                <a16:creationId xmlns:a16="http://schemas.microsoft.com/office/drawing/2014/main" id="{8F8F54A3-6EAE-4DD0-9F49-32D1491CB0D8}"/>
+              </a:ext>
+            </a:extLst>
+          </p:cNvPr>
+          <p:cNvSpPr txBox="1"/>
+          <p:nvPr/>
+        </p:nvSpPr>
+        <p:spPr>
+          <a:xfrm>
+            <a:off x="1411042" y="289316"/>
+            <a:ext cx="9369915" cy="5954772"/>
+          </a:xfrm>
+          <a:prstGeom prst="rect">
+            <a:avLst/>
+          </a:prstGeom>
+          <a:noFill/>
+        </p:spPr>
+        <p:txBody>
+          <a:bodyPr wrap="square" rtlCol="0">
+            <a:spAutoFit/>
+          </a:bodyPr>
+          <a:lstStyle/>
+          <a:p>
+            <a:pPr>
+              <a:lnSpc>
+                <a:spcPct val="150000"/>
+              </a:lnSpc>
+            </a:pPr>
+            <a:r>
+              <a:rPr lang="en-US" altLang="zh-CN" sz="2800" b="1" dirty="0"/>
+              <a:t>LSTM and improved model</a:t>
+            </a:r>
+          </a:p>
+          <a:p>
+            <a:pPr>
+              <a:lnSpc>
+                <a:spcPct val="150000"/>
+              </a:lnSpc>
+            </a:pPr>
+            <a:endParaRPr lang="en-US" altLang="zh-CN" sz="2800" b="1" dirty="0"/>
+          </a:p>
+          <a:p>
+            <a:pPr>
+              <a:lnSpc>
+                <a:spcPct val="150000"/>
+              </a:lnSpc>
+            </a:pPr>
+            <a:r>
+              <a:rPr lang="zh-CN" altLang="en-US" sz="2000" b="1" dirty="0"/>
+              <a:t>思想：</a:t>
+            </a:r>
+            <a:endParaRPr lang="en-US" altLang="zh-CN" sz="2000" b="1" dirty="0"/>
+          </a:p>
+          <a:p>
+            <a:pPr>
+              <a:lnSpc>
+                <a:spcPct val="150000"/>
+              </a:lnSpc>
+            </a:pPr>
+            <a:r>
+              <a:rPr lang="zh-CN" altLang="en-US" sz="2000" b="1" dirty="0"/>
+              <a:t>传统的</a:t>
+            </a:r>
+            <a:r>
+              <a:rPr lang="en-US" altLang="zh-CN" sz="2000" b="1" dirty="0"/>
+              <a:t>LSTM</a:t>
+            </a:r>
+            <a:r>
+              <a:rPr lang="zh-CN" altLang="en-US" sz="2000" dirty="0"/>
+              <a:t>：独立考虑输入信息和隐藏状态</a:t>
+            </a:r>
+            <a:endParaRPr lang="en-US" altLang="zh-CN" sz="2000" dirty="0"/>
+          </a:p>
+          <a:p>
+            <a:pPr>
+              <a:lnSpc>
+                <a:spcPct val="150000"/>
+              </a:lnSpc>
+            </a:pPr>
+            <a:r>
+              <a:rPr lang="zh-CN" altLang="en-US" sz="2000" b="1" dirty="0"/>
+              <a:t>改进</a:t>
+            </a:r>
+            <a:r>
+              <a:rPr lang="zh-CN" altLang="en-US" sz="2000" dirty="0"/>
+              <a:t>：输入信息和隐藏状态进行交互，判定交互结果与原输入向量的相似度</a:t>
+            </a:r>
+            <a:endParaRPr lang="en-US" altLang="zh-CN" sz="2000" dirty="0"/>
+          </a:p>
+          <a:p>
+            <a:pPr>
+              <a:lnSpc>
+                <a:spcPct val="150000"/>
+              </a:lnSpc>
+            </a:pPr>
+            <a:endParaRPr lang="en-US" altLang="zh-CN" sz="2000" dirty="0"/>
+          </a:p>
+          <a:p>
+            <a:pPr>
+              <a:lnSpc>
+                <a:spcPct val="150000"/>
+              </a:lnSpc>
+            </a:pPr>
+            <a:endParaRPr lang="en-US" altLang="zh-CN" sz="2000" dirty="0"/>
+          </a:p>
+          <a:p>
+            <a:pPr>
+              <a:lnSpc>
+                <a:spcPct val="150000"/>
+              </a:lnSpc>
+            </a:pPr>
+            <a:endParaRPr lang="en-US" altLang="zh-CN" sz="2000" dirty="0"/>
+          </a:p>
+          <a:p>
+            <a:pPr>
+              <a:lnSpc>
+                <a:spcPct val="150000"/>
+              </a:lnSpc>
+            </a:pPr>
+            <a:r>
+              <a:rPr lang="zh-CN" altLang="en-US" sz="2000" b="1" dirty="0"/>
+              <a:t>相似度判断</a:t>
+            </a:r>
+            <a:r>
+              <a:rPr lang="zh-CN" altLang="en-US" sz="2000" dirty="0"/>
+              <a:t>：余弦相似度计算公式如下</a:t>
+            </a:r>
+            <a:r>
+              <a:rPr lang="en-US" altLang="zh-CN" sz="2000" dirty="0"/>
+              <a:t>:</a:t>
+            </a:r>
+          </a:p>
+          <a:p>
+            <a:pPr>
+              <a:lnSpc>
+                <a:spcPct val="150000"/>
+              </a:lnSpc>
+            </a:pPr>
+            <a:endParaRPr lang="en-US" altLang="zh-CN" sz="2000" dirty="0"/>
+          </a:p>
+          <a:p>
+            <a:pPr>
+              <a:lnSpc>
+                <a:spcPct val="150000"/>
+              </a:lnSpc>
+            </a:pPr>
+            <a:endParaRPr lang="en-US" altLang="zh-CN" sz="2000" dirty="0"/>
+          </a:p>
+          <a:p>
+            <a:pPr>
+              <a:lnSpc>
+                <a:spcPct val="150000"/>
+              </a:lnSpc>
+            </a:pPr>
+            <a:r>
+              <a:rPr lang="zh-CN" altLang="en-US" sz="2000" b="1" dirty="0"/>
+              <a:t>交互轮次</a:t>
+            </a:r>
+            <a:r>
+              <a:rPr lang="en-US" altLang="zh-CN" sz="2000" b="1" dirty="0"/>
+              <a:t>&amp;</a:t>
+            </a:r>
+            <a:r>
+              <a:rPr lang="zh-CN" altLang="en-US" sz="2000" b="1" dirty="0"/>
+              <a:t>参数优化</a:t>
+            </a:r>
+            <a:r>
+              <a:rPr lang="zh-CN" altLang="en-US" sz="2000" dirty="0"/>
+              <a:t>：量子遗传算法</a:t>
+            </a:r>
+            <a:endParaRPr lang="en-US" altLang="zh-CN" sz="2000" dirty="0"/>
+          </a:p>
+        </p:txBody>
+      </p:sp>
       <p:pic>
         <p:nvPicPr>
-          <p:cNvPr id="3" name="图片 2">
-            <a:extLst>
-              <a:ext uri="{FF2B5EF4-FFF2-40B4-BE49-F238E27FC236}">
-                <a16:creationId xmlns:a16="http://schemas.microsoft.com/office/drawing/2014/main" id="{91854034-B3E6-4C1A-ADFE-FD772F48E8F5}"/>
+          <p:cNvPr id="2" name="图片 1">
+            <a:extLst>
+              <a:ext uri="{FF2B5EF4-FFF2-40B4-BE49-F238E27FC236}">
+                <a16:creationId xmlns:a16="http://schemas.microsoft.com/office/drawing/2014/main" id="{FFBA7256-319E-4502-A358-F982673DDBBE}"/>
               </a:ext>
             </a:extLst>
           </p:cNvPr>
@@ -4268,6 +8896,96 @@
         </p:blipFill>
         <p:spPr>
           <a:xfrm>
+            <a:off x="3419100" y="3089390"/>
+            <a:ext cx="5296639" cy="885949"/>
+          </a:xfrm>
+          <a:prstGeom prst="rect">
+            <a:avLst/>
+          </a:prstGeom>
+        </p:spPr>
+      </p:pic>
+      <p:pic>
+        <p:nvPicPr>
+          <p:cNvPr id="3" name="图片 2">
+            <a:extLst>
+              <a:ext uri="{FF2B5EF4-FFF2-40B4-BE49-F238E27FC236}">
+                <a16:creationId xmlns:a16="http://schemas.microsoft.com/office/drawing/2014/main" id="{EC8B12EE-6705-4961-B556-48D7471C406F}"/>
+              </a:ext>
+            </a:extLst>
+          </p:cNvPr>
+          <p:cNvPicPr>
+            <a:picLocks noChangeAspect="1"/>
+          </p:cNvPicPr>
+          <p:nvPr/>
+        </p:nvPicPr>
+        <p:blipFill>
+          <a:blip r:embed="rId3"/>
+          <a:stretch>
+            <a:fillRect/>
+          </a:stretch>
+        </p:blipFill>
+        <p:spPr>
+          <a:xfrm>
+            <a:off x="3476258" y="4895371"/>
+            <a:ext cx="5239481" cy="428685"/>
+          </a:xfrm>
+          <a:prstGeom prst="rect">
+            <a:avLst/>
+          </a:prstGeom>
+        </p:spPr>
+      </p:pic>
+    </p:spTree>
+    <p:extLst>
+      <p:ext uri="{BB962C8B-B14F-4D97-AF65-F5344CB8AC3E}">
+        <p14:creationId xmlns:p14="http://schemas.microsoft.com/office/powerpoint/2010/main" val="3115806779"/>
+      </p:ext>
+    </p:extLst>
+  </p:cSld>
+  <p:clrMapOvr>
+    <a:masterClrMapping/>
+  </p:clrMapOvr>
+</p:sld>
+</file>
+
+<file path=ppt/slides/slide7.xml><?xml version="1.0" encoding="utf-8"?>
+<p:sld xmlns:a="http://schemas.openxmlformats.org/drawingml/2006/main" xmlns:r="http://schemas.openxmlformats.org/officeDocument/2006/relationships" xmlns:p="http://schemas.openxmlformats.org/presentationml/2006/main">
+  <p:cSld>
+    <p:spTree>
+      <p:nvGrpSpPr>
+        <p:cNvPr id="1" name=""/>
+        <p:cNvGrpSpPr/>
+        <p:nvPr/>
+      </p:nvGrpSpPr>
+      <p:grpSpPr>
+        <a:xfrm>
+          <a:off x="0" y="0"/>
+          <a:ext cx="0" cy="0"/>
+          <a:chOff x="0" y="0"/>
+          <a:chExt cx="0" cy="0"/>
+        </a:xfrm>
+      </p:grpSpPr>
+      <p:pic>
+        <p:nvPicPr>
+          <p:cNvPr id="3" name="图片 2">
+            <a:extLst>
+              <a:ext uri="{FF2B5EF4-FFF2-40B4-BE49-F238E27FC236}">
+                <a16:creationId xmlns:a16="http://schemas.microsoft.com/office/drawing/2014/main" id="{91854034-B3E6-4C1A-ADFE-FD772F48E8F5}"/>
+              </a:ext>
+            </a:extLst>
+          </p:cNvPr>
+          <p:cNvPicPr>
+            <a:picLocks noChangeAspect="1"/>
+          </p:cNvPicPr>
+          <p:nvPr/>
+        </p:nvPicPr>
+        <p:blipFill>
+          <a:blip r:embed="rId2"/>
+          <a:stretch>
+            <a:fillRect/>
+          </a:stretch>
+        </p:blipFill>
+        <p:spPr>
+          <a:xfrm>
             <a:off x="931635" y="827460"/>
             <a:ext cx="10097909" cy="5487166"/>
           </a:xfrm>
@@ -4280,6 +8998,407 @@
     <p:extLst>
       <p:ext uri="{BB962C8B-B14F-4D97-AF65-F5344CB8AC3E}">
         <p14:creationId xmlns:p14="http://schemas.microsoft.com/office/powerpoint/2010/main" val="442208149"/>
+      </p:ext>
+    </p:extLst>
+  </p:cSld>
+  <p:clrMapOvr>
+    <a:masterClrMapping/>
+  </p:clrMapOvr>
+</p:sld>
+</file>
+
+<file path=ppt/slides/slide8.xml><?xml version="1.0" encoding="utf-8"?>
+<p:sld xmlns:a="http://schemas.openxmlformats.org/drawingml/2006/main" xmlns:r="http://schemas.openxmlformats.org/officeDocument/2006/relationships" xmlns:p="http://schemas.openxmlformats.org/presentationml/2006/main">
+  <p:cSld>
+    <p:spTree>
+      <p:nvGrpSpPr>
+        <p:cNvPr id="1" name=""/>
+        <p:cNvGrpSpPr/>
+        <p:nvPr/>
+      </p:nvGrpSpPr>
+      <p:grpSpPr>
+        <a:xfrm>
+          <a:off x="0" y="0"/>
+          <a:ext cx="0" cy="0"/>
+          <a:chOff x="0" y="0"/>
+          <a:chExt cx="0" cy="0"/>
+        </a:xfrm>
+      </p:grpSpPr>
+      <p:sp>
+        <p:nvSpPr>
+          <p:cNvPr id="3" name="文本框 2">
+            <a:extLst>
+              <a:ext uri="{FF2B5EF4-FFF2-40B4-BE49-F238E27FC236}">
+                <a16:creationId xmlns:a16="http://schemas.microsoft.com/office/drawing/2014/main" id="{3D6DBC93-53B0-6024-2AD6-5791227BDA01}"/>
+              </a:ext>
+            </a:extLst>
+          </p:cNvPr>
+          <p:cNvSpPr txBox="1"/>
+          <p:nvPr/>
+        </p:nvSpPr>
+        <p:spPr>
+          <a:xfrm>
+            <a:off x="1411042" y="548109"/>
+            <a:ext cx="9369915" cy="4098686"/>
+          </a:xfrm>
+          <a:prstGeom prst="rect">
+            <a:avLst/>
+          </a:prstGeom>
+          <a:noFill/>
+        </p:spPr>
+        <p:txBody>
+          <a:bodyPr wrap="square" rtlCol="0">
+            <a:spAutoFit/>
+          </a:bodyPr>
+          <a:lstStyle/>
+          <a:p>
+            <a:pPr>
+              <a:lnSpc>
+                <a:spcPct val="150000"/>
+              </a:lnSpc>
+            </a:pPr>
+            <a:r>
+              <a:rPr lang="zh-CN" altLang="en-US" sz="2800" b="1" dirty="0"/>
+              <a:t>信号降噪算法</a:t>
+            </a:r>
+            <a:endParaRPr lang="en-US" altLang="zh-CN" sz="2800" b="1" dirty="0"/>
+          </a:p>
+          <a:p>
+            <a:pPr>
+              <a:lnSpc>
+                <a:spcPct val="150000"/>
+              </a:lnSpc>
+            </a:pPr>
+            <a:endParaRPr lang="en-US" altLang="zh-CN" sz="2800" b="1" dirty="0"/>
+          </a:p>
+          <a:p>
+            <a:pPr>
+              <a:lnSpc>
+                <a:spcPct val="150000"/>
+              </a:lnSpc>
+            </a:pPr>
+            <a:r>
+              <a:rPr lang="zh-CN" altLang="en-US" sz="2400" b="1" dirty="0"/>
+              <a:t>小波分析</a:t>
+            </a:r>
+            <a:r>
+              <a:rPr lang="zh-CN" altLang="en-US" sz="2400" dirty="0"/>
+              <a:t>：</a:t>
+            </a:r>
+            <a:r>
+              <a:rPr lang="zh-CN" altLang="en-US" sz="2400" b="0" i="0" dirty="0">
+                <a:solidFill>
+                  <a:srgbClr val="4D4D4D"/>
+                </a:solidFill>
+                <a:effectLst/>
+                <a:latin typeface="-apple-system"/>
+              </a:rPr>
+              <a:t>可以有效地去除高频噪声，并保留信号的低频部分，进行重构之后得到去噪信号</a:t>
+            </a:r>
+            <a:endParaRPr lang="en-US" altLang="zh-CN" sz="2400" b="0" i="0" dirty="0">
+              <a:solidFill>
+                <a:srgbClr val="4D4D4D"/>
+              </a:solidFill>
+              <a:effectLst/>
+              <a:latin typeface="-apple-system"/>
+            </a:endParaRPr>
+          </a:p>
+          <a:p>
+            <a:pPr>
+              <a:lnSpc>
+                <a:spcPct val="150000"/>
+              </a:lnSpc>
+            </a:pPr>
+            <a:endParaRPr lang="en-US" altLang="zh-CN" sz="2400" b="1" dirty="0"/>
+          </a:p>
+          <a:p>
+            <a:pPr>
+              <a:lnSpc>
+                <a:spcPct val="150000"/>
+              </a:lnSpc>
+            </a:pPr>
+            <a:r>
+              <a:rPr lang="zh-CN" altLang="en-US" sz="2400" b="1" dirty="0"/>
+              <a:t>模态分解（</a:t>
+            </a:r>
+            <a:r>
+              <a:rPr lang="en-US" altLang="zh-CN" sz="2400" b="1" dirty="0"/>
+              <a:t>EMD</a:t>
+            </a:r>
+            <a:r>
+              <a:rPr lang="zh-CN" altLang="en-US" sz="2400" b="1" dirty="0"/>
+              <a:t>）</a:t>
+            </a:r>
+            <a:r>
+              <a:rPr lang="zh-CN" altLang="en-US" sz="2400" dirty="0"/>
+              <a:t>：</a:t>
+            </a:r>
+            <a:r>
+              <a:rPr lang="zh-CN" altLang="en-US" sz="2400" b="0" i="0" dirty="0">
+                <a:solidFill>
+                  <a:srgbClr val="4D4D4D"/>
+                </a:solidFill>
+                <a:effectLst/>
+                <a:latin typeface="-apple-system"/>
+              </a:rPr>
+              <a:t>将信号分解为多个不同频率的本征模态函数，不同</a:t>
+            </a:r>
+            <a:r>
+              <a:rPr lang="en-US" altLang="zh-CN" sz="2400" b="0" i="0" dirty="0">
+                <a:solidFill>
+                  <a:srgbClr val="4D4D4D"/>
+                </a:solidFill>
+                <a:effectLst/>
+                <a:latin typeface="-apple-system"/>
+              </a:rPr>
+              <a:t>IMF</a:t>
+            </a:r>
+            <a:r>
+              <a:rPr lang="zh-CN" altLang="en-US" sz="2400" b="0" i="0" dirty="0">
+                <a:solidFill>
+                  <a:srgbClr val="4D4D4D"/>
+                </a:solidFill>
+                <a:effectLst/>
+                <a:latin typeface="-apple-system"/>
+              </a:rPr>
+              <a:t>表示信号在不同频率上的分量</a:t>
+            </a:r>
+            <a:endParaRPr lang="en-US" altLang="zh-CN" sz="2400" dirty="0"/>
+          </a:p>
+        </p:txBody>
+      </p:sp>
+    </p:spTree>
+    <p:extLst>
+      <p:ext uri="{BB962C8B-B14F-4D97-AF65-F5344CB8AC3E}">
+        <p14:creationId xmlns:p14="http://schemas.microsoft.com/office/powerpoint/2010/main" val="1623485351"/>
+      </p:ext>
+    </p:extLst>
+  </p:cSld>
+  <p:clrMapOvr>
+    <a:masterClrMapping/>
+  </p:clrMapOvr>
+</p:sld>
+</file>
+
+<file path=ppt/slides/slide9.xml><?xml version="1.0" encoding="utf-8"?>
+<p:sld xmlns:a="http://schemas.openxmlformats.org/drawingml/2006/main" xmlns:r="http://schemas.openxmlformats.org/officeDocument/2006/relationships" xmlns:p="http://schemas.openxmlformats.org/presentationml/2006/main">
+  <p:cSld>
+    <p:spTree>
+      <p:nvGrpSpPr>
+        <p:cNvPr id="1" name=""/>
+        <p:cNvGrpSpPr/>
+        <p:nvPr/>
+      </p:nvGrpSpPr>
+      <p:grpSpPr>
+        <a:xfrm>
+          <a:off x="0" y="0"/>
+          <a:ext cx="0" cy="0"/>
+          <a:chOff x="0" y="0"/>
+          <a:chExt cx="0" cy="0"/>
+        </a:xfrm>
+      </p:grpSpPr>
+      <p:sp>
+        <p:nvSpPr>
+          <p:cNvPr id="3" name="文本框 2">
+            <a:extLst>
+              <a:ext uri="{FF2B5EF4-FFF2-40B4-BE49-F238E27FC236}">
+                <a16:creationId xmlns:a16="http://schemas.microsoft.com/office/drawing/2014/main" id="{8D29CED5-0C67-4A24-8990-B189D84C7EB1}"/>
+              </a:ext>
+            </a:extLst>
+          </p:cNvPr>
+          <p:cNvSpPr txBox="1"/>
+          <p:nvPr/>
+        </p:nvSpPr>
+        <p:spPr>
+          <a:xfrm>
+            <a:off x="1411042" y="548109"/>
+            <a:ext cx="9369915" cy="5205720"/>
+          </a:xfrm>
+          <a:prstGeom prst="rect">
+            <a:avLst/>
+          </a:prstGeom>
+          <a:noFill/>
+        </p:spPr>
+        <p:txBody>
+          <a:bodyPr wrap="square" rtlCol="0">
+            <a:spAutoFit/>
+          </a:bodyPr>
+          <a:lstStyle/>
+          <a:p>
+            <a:pPr>
+              <a:lnSpc>
+                <a:spcPct val="150000"/>
+              </a:lnSpc>
+            </a:pPr>
+            <a:r>
+              <a:rPr lang="zh-CN" altLang="en-US" sz="2800" b="1" dirty="0"/>
+              <a:t>研究目的</a:t>
+            </a:r>
+            <a:endParaRPr lang="en-US" altLang="zh-CN" sz="2800" b="1" dirty="0"/>
+          </a:p>
+          <a:p>
+            <a:pPr>
+              <a:lnSpc>
+                <a:spcPct val="150000"/>
+              </a:lnSpc>
+            </a:pPr>
+            <a:endParaRPr lang="en-US" altLang="zh-CN" sz="2800" b="1" dirty="0"/>
+          </a:p>
+          <a:p>
+            <a:pPr>
+              <a:lnSpc>
+                <a:spcPct val="150000"/>
+              </a:lnSpc>
+            </a:pPr>
+            <a:r>
+              <a:rPr lang="zh-CN" altLang="en-US" sz="2400" b="1" dirty="0"/>
+              <a:t>目的</a:t>
+            </a:r>
+            <a:r>
+              <a:rPr lang="zh-CN" altLang="en-US" sz="2400" dirty="0">
+                <a:solidFill>
+                  <a:srgbClr val="4D4D4D"/>
+                </a:solidFill>
+                <a:latin typeface="-apple-system"/>
+              </a:rPr>
+              <a:t>：</a:t>
+            </a:r>
+            <a:endParaRPr lang="en-US" altLang="zh-CN" sz="2400" dirty="0">
+              <a:solidFill>
+                <a:srgbClr val="4D4D4D"/>
+              </a:solidFill>
+              <a:latin typeface="-apple-system"/>
+            </a:endParaRPr>
+          </a:p>
+          <a:p>
+            <a:pPr>
+              <a:lnSpc>
+                <a:spcPct val="150000"/>
+              </a:lnSpc>
+            </a:pPr>
+            <a:r>
+              <a:rPr lang="en-US" altLang="zh-CN" sz="2400" dirty="0">
+                <a:solidFill>
+                  <a:srgbClr val="4D4D4D"/>
+                </a:solidFill>
+                <a:latin typeface="-apple-system"/>
+              </a:rPr>
+              <a:t>	</a:t>
+            </a:r>
+            <a:r>
+              <a:rPr lang="zh-CN" altLang="en-US" sz="2400" dirty="0">
+                <a:solidFill>
+                  <a:srgbClr val="4D4D4D"/>
+                </a:solidFill>
+                <a:latin typeface="-apple-system"/>
+              </a:rPr>
+              <a:t>从早期电池循环中提取信息对电池寿命进行预测</a:t>
+            </a:r>
+            <a:endParaRPr lang="en-US" altLang="zh-CN" sz="2400" dirty="0">
+              <a:solidFill>
+                <a:srgbClr val="4D4D4D"/>
+              </a:solidFill>
+              <a:latin typeface="-apple-system"/>
+            </a:endParaRPr>
+          </a:p>
+          <a:p>
+            <a:pPr>
+              <a:lnSpc>
+                <a:spcPct val="150000"/>
+              </a:lnSpc>
+            </a:pPr>
+            <a:r>
+              <a:rPr lang="en-US" altLang="zh-CN" sz="2400" dirty="0">
+                <a:solidFill>
+                  <a:srgbClr val="4D4D4D"/>
+                </a:solidFill>
+                <a:latin typeface="-apple-system"/>
+              </a:rPr>
+              <a:t>	</a:t>
+            </a:r>
+            <a:r>
+              <a:rPr lang="zh-CN" altLang="en-US" sz="2400" dirty="0">
+                <a:solidFill>
+                  <a:srgbClr val="4D4D4D"/>
+                </a:solidFill>
+                <a:latin typeface="-apple-system"/>
+              </a:rPr>
+              <a:t>考虑电池数据有噪声的现实情况</a:t>
+            </a:r>
+            <a:endParaRPr lang="en-US" altLang="zh-CN" sz="2400" dirty="0">
+              <a:solidFill>
+                <a:srgbClr val="4D4D4D"/>
+              </a:solidFill>
+              <a:latin typeface="-apple-system"/>
+            </a:endParaRPr>
+          </a:p>
+          <a:p>
+            <a:pPr>
+              <a:lnSpc>
+                <a:spcPct val="150000"/>
+              </a:lnSpc>
+            </a:pPr>
+            <a:r>
+              <a:rPr lang="zh-CN" altLang="en-US" sz="2400" dirty="0">
+                <a:solidFill>
+                  <a:srgbClr val="4D4D4D"/>
+                </a:solidFill>
+                <a:latin typeface="-apple-system"/>
+              </a:rPr>
+              <a:t>在保证以上两点基础上提高寿命预测的精度，减少均方根误差</a:t>
+            </a:r>
+            <a:endParaRPr lang="en-US" altLang="zh-CN" sz="2400" dirty="0">
+              <a:solidFill>
+                <a:srgbClr val="4D4D4D"/>
+              </a:solidFill>
+              <a:latin typeface="-apple-system"/>
+            </a:endParaRPr>
+          </a:p>
+          <a:p>
+            <a:pPr>
+              <a:lnSpc>
+                <a:spcPct val="150000"/>
+              </a:lnSpc>
+            </a:pPr>
+            <a:endParaRPr lang="en-US" altLang="zh-CN" sz="2400" dirty="0">
+              <a:solidFill>
+                <a:srgbClr val="4D4D4D"/>
+              </a:solidFill>
+              <a:latin typeface="-apple-system"/>
+            </a:endParaRPr>
+          </a:p>
+          <a:p>
+            <a:pPr>
+              <a:lnSpc>
+                <a:spcPct val="150000"/>
+              </a:lnSpc>
+            </a:pPr>
+            <a:endParaRPr lang="en-US" altLang="zh-CN" sz="2400" dirty="0">
+              <a:solidFill>
+                <a:srgbClr val="4D4D4D"/>
+              </a:solidFill>
+              <a:latin typeface="-apple-system"/>
+            </a:endParaRPr>
+          </a:p>
+          <a:p>
+            <a:pPr>
+              <a:lnSpc>
+                <a:spcPct val="150000"/>
+              </a:lnSpc>
+            </a:pPr>
+            <a:endParaRPr lang="en-US" altLang="zh-CN" sz="2400" dirty="0">
+              <a:solidFill>
+                <a:srgbClr val="4D4D4D"/>
+              </a:solidFill>
+              <a:latin typeface="-apple-system"/>
+            </a:endParaRPr>
+          </a:p>
+        </p:txBody>
+      </p:sp>
+    </p:spTree>
+    <p:extLst>
+      <p:ext uri="{BB962C8B-B14F-4D97-AF65-F5344CB8AC3E}">
+        <p14:creationId xmlns:p14="http://schemas.microsoft.com/office/powerpoint/2010/main" val="464053940"/>
       </p:ext>
     </p:extLst>
   </p:cSld>

--- a/卢老师论文汇报/1101汇报.pptx
+++ b/卢老师论文汇报/1101汇报.pptx
@@ -12,20 +12,22 @@
     <p:sldId id="278" r:id="rId6"/>
     <p:sldId id="281" r:id="rId7"/>
     <p:sldId id="282" r:id="rId8"/>
-    <p:sldId id="283" r:id="rId9"/>
-    <p:sldId id="284" r:id="rId10"/>
-    <p:sldId id="285" r:id="rId11"/>
-    <p:sldId id="296" r:id="rId12"/>
-    <p:sldId id="297" r:id="rId13"/>
-    <p:sldId id="298" r:id="rId14"/>
-    <p:sldId id="288" r:id="rId15"/>
-    <p:sldId id="290" r:id="rId16"/>
-    <p:sldId id="291" r:id="rId17"/>
-    <p:sldId id="292" r:id="rId18"/>
-    <p:sldId id="299" r:id="rId19"/>
-    <p:sldId id="294" r:id="rId20"/>
-    <p:sldId id="300" r:id="rId21"/>
-    <p:sldId id="289" r:id="rId22"/>
+    <p:sldId id="301" r:id="rId9"/>
+    <p:sldId id="283" r:id="rId10"/>
+    <p:sldId id="284" r:id="rId11"/>
+    <p:sldId id="302" r:id="rId12"/>
+    <p:sldId id="296" r:id="rId13"/>
+    <p:sldId id="297" r:id="rId14"/>
+    <p:sldId id="298" r:id="rId15"/>
+    <p:sldId id="285" r:id="rId16"/>
+    <p:sldId id="288" r:id="rId17"/>
+    <p:sldId id="290" r:id="rId18"/>
+    <p:sldId id="291" r:id="rId19"/>
+    <p:sldId id="292" r:id="rId20"/>
+    <p:sldId id="299" r:id="rId21"/>
+    <p:sldId id="294" r:id="rId22"/>
+    <p:sldId id="300" r:id="rId23"/>
+    <p:sldId id="289" r:id="rId24"/>
   </p:sldIdLst>
   <p:sldSz cx="12192000" cy="6858000"/>
   <p:notesSz cx="6858000" cy="9144000"/>
@@ -279,7 +281,7 @@
           <a:p>
             <a:fld id="{05D1DEA3-224F-45CD-ABFB-AAB1758CA7DD}" type="datetimeFigureOut">
               <a:rPr lang="zh-CN" altLang="en-US" smtClean="0"/>
-              <a:t>2023/10/30</a:t>
+              <a:t>2023/10/31</a:t>
             </a:fld>
             <a:endParaRPr lang="zh-CN" altLang="en-US"/>
           </a:p>
@@ -477,7 +479,7 @@
           <a:p>
             <a:fld id="{05D1DEA3-224F-45CD-ABFB-AAB1758CA7DD}" type="datetimeFigureOut">
               <a:rPr lang="zh-CN" altLang="en-US" smtClean="0"/>
-              <a:t>2023/10/30</a:t>
+              <a:t>2023/10/31</a:t>
             </a:fld>
             <a:endParaRPr lang="zh-CN" altLang="en-US"/>
           </a:p>
@@ -685,7 +687,7 @@
           <a:p>
             <a:fld id="{05D1DEA3-224F-45CD-ABFB-AAB1758CA7DD}" type="datetimeFigureOut">
               <a:rPr lang="zh-CN" altLang="en-US" smtClean="0"/>
-              <a:t>2023/10/30</a:t>
+              <a:t>2023/10/31</a:t>
             </a:fld>
             <a:endParaRPr lang="zh-CN" altLang="en-US"/>
           </a:p>
@@ -883,7 +885,7 @@
           <a:p>
             <a:fld id="{05D1DEA3-224F-45CD-ABFB-AAB1758CA7DD}" type="datetimeFigureOut">
               <a:rPr lang="zh-CN" altLang="en-US" smtClean="0"/>
-              <a:t>2023/10/30</a:t>
+              <a:t>2023/10/31</a:t>
             </a:fld>
             <a:endParaRPr lang="zh-CN" altLang="en-US"/>
           </a:p>
@@ -1158,7 +1160,7 @@
           <a:p>
             <a:fld id="{05D1DEA3-224F-45CD-ABFB-AAB1758CA7DD}" type="datetimeFigureOut">
               <a:rPr lang="zh-CN" altLang="en-US" smtClean="0"/>
-              <a:t>2023/10/30</a:t>
+              <a:t>2023/10/31</a:t>
             </a:fld>
             <a:endParaRPr lang="zh-CN" altLang="en-US"/>
           </a:p>
@@ -1423,7 +1425,7 @@
           <a:p>
             <a:fld id="{05D1DEA3-224F-45CD-ABFB-AAB1758CA7DD}" type="datetimeFigureOut">
               <a:rPr lang="zh-CN" altLang="en-US" smtClean="0"/>
-              <a:t>2023/10/30</a:t>
+              <a:t>2023/10/31</a:t>
             </a:fld>
             <a:endParaRPr lang="zh-CN" altLang="en-US"/>
           </a:p>
@@ -1835,7 +1837,7 @@
           <a:p>
             <a:fld id="{05D1DEA3-224F-45CD-ABFB-AAB1758CA7DD}" type="datetimeFigureOut">
               <a:rPr lang="zh-CN" altLang="en-US" smtClean="0"/>
-              <a:t>2023/10/30</a:t>
+              <a:t>2023/10/31</a:t>
             </a:fld>
             <a:endParaRPr lang="zh-CN" altLang="en-US"/>
           </a:p>
@@ -1976,7 +1978,7 @@
           <a:p>
             <a:fld id="{05D1DEA3-224F-45CD-ABFB-AAB1758CA7DD}" type="datetimeFigureOut">
               <a:rPr lang="zh-CN" altLang="en-US" smtClean="0"/>
-              <a:t>2023/10/30</a:t>
+              <a:t>2023/10/31</a:t>
             </a:fld>
             <a:endParaRPr lang="zh-CN" altLang="en-US"/>
           </a:p>
@@ -2089,7 +2091,7 @@
           <a:p>
             <a:fld id="{05D1DEA3-224F-45CD-ABFB-AAB1758CA7DD}" type="datetimeFigureOut">
               <a:rPr lang="zh-CN" altLang="en-US" smtClean="0"/>
-              <a:t>2023/10/30</a:t>
+              <a:t>2023/10/31</a:t>
             </a:fld>
             <a:endParaRPr lang="zh-CN" altLang="en-US"/>
           </a:p>
@@ -2400,7 +2402,7 @@
           <a:p>
             <a:fld id="{05D1DEA3-224F-45CD-ABFB-AAB1758CA7DD}" type="datetimeFigureOut">
               <a:rPr lang="zh-CN" altLang="en-US" smtClean="0"/>
-              <a:t>2023/10/30</a:t>
+              <a:t>2023/10/31</a:t>
             </a:fld>
             <a:endParaRPr lang="zh-CN" altLang="en-US"/>
           </a:p>
@@ -2688,7 +2690,7 @@
           <a:p>
             <a:fld id="{05D1DEA3-224F-45CD-ABFB-AAB1758CA7DD}" type="datetimeFigureOut">
               <a:rPr lang="zh-CN" altLang="en-US" smtClean="0"/>
-              <a:t>2023/10/30</a:t>
+              <a:t>2023/10/31</a:t>
             </a:fld>
             <a:endParaRPr lang="zh-CN" altLang="en-US"/>
           </a:p>
@@ -2929,7 +2931,7 @@
           <a:p>
             <a:fld id="{05D1DEA3-224F-45CD-ABFB-AAB1758CA7DD}" type="datetimeFigureOut">
               <a:rPr lang="zh-CN" altLang="en-US" smtClean="0"/>
-              <a:t>2023/10/30</a:t>
+              <a:t>2023/10/31</a:t>
             </a:fld>
             <a:endParaRPr lang="zh-CN" altLang="en-US"/>
           </a:p>
@@ -3467,6 +3469,234 @@
       </p:grpSpPr>
       <p:sp>
         <p:nvSpPr>
+          <p:cNvPr id="3" name="文本框 2">
+            <a:extLst>
+              <a:ext uri="{FF2B5EF4-FFF2-40B4-BE49-F238E27FC236}">
+                <a16:creationId xmlns:a16="http://schemas.microsoft.com/office/drawing/2014/main" id="{8D29CED5-0C67-4A24-8990-B189D84C7EB1}"/>
+              </a:ext>
+            </a:extLst>
+          </p:cNvPr>
+          <p:cNvSpPr txBox="1"/>
+          <p:nvPr/>
+        </p:nvSpPr>
+        <p:spPr>
+          <a:xfrm>
+            <a:off x="1411042" y="548109"/>
+            <a:ext cx="9369915" cy="5205720"/>
+          </a:xfrm>
+          <a:prstGeom prst="rect">
+            <a:avLst/>
+          </a:prstGeom>
+          <a:noFill/>
+        </p:spPr>
+        <p:txBody>
+          <a:bodyPr wrap="square" rtlCol="0">
+            <a:spAutoFit/>
+          </a:bodyPr>
+          <a:lstStyle/>
+          <a:p>
+            <a:pPr>
+              <a:lnSpc>
+                <a:spcPct val="150000"/>
+              </a:lnSpc>
+            </a:pPr>
+            <a:r>
+              <a:rPr lang="zh-CN" altLang="en-US" sz="2800" b="1" dirty="0"/>
+              <a:t>研究目的</a:t>
+            </a:r>
+            <a:endParaRPr lang="en-US" altLang="zh-CN" sz="2800" b="1" dirty="0"/>
+          </a:p>
+          <a:p>
+            <a:pPr>
+              <a:lnSpc>
+                <a:spcPct val="150000"/>
+              </a:lnSpc>
+            </a:pPr>
+            <a:endParaRPr lang="en-US" altLang="zh-CN" sz="2800" b="1" dirty="0"/>
+          </a:p>
+          <a:p>
+            <a:pPr>
+              <a:lnSpc>
+                <a:spcPct val="150000"/>
+              </a:lnSpc>
+            </a:pPr>
+            <a:r>
+              <a:rPr lang="zh-CN" altLang="en-US" sz="2400" b="1" dirty="0"/>
+              <a:t>目的</a:t>
+            </a:r>
+            <a:r>
+              <a:rPr lang="zh-CN" altLang="en-US" sz="2400" dirty="0">
+                <a:solidFill>
+                  <a:srgbClr val="4D4D4D"/>
+                </a:solidFill>
+                <a:latin typeface="-apple-system"/>
+              </a:rPr>
+              <a:t>：</a:t>
+            </a:r>
+            <a:endParaRPr lang="en-US" altLang="zh-CN" sz="2400" dirty="0">
+              <a:solidFill>
+                <a:srgbClr val="4D4D4D"/>
+              </a:solidFill>
+              <a:latin typeface="-apple-system"/>
+            </a:endParaRPr>
+          </a:p>
+          <a:p>
+            <a:pPr>
+              <a:lnSpc>
+                <a:spcPct val="150000"/>
+              </a:lnSpc>
+            </a:pPr>
+            <a:r>
+              <a:rPr lang="en-US" altLang="zh-CN" sz="2400" dirty="0">
+                <a:solidFill>
+                  <a:srgbClr val="4D4D4D"/>
+                </a:solidFill>
+                <a:latin typeface="-apple-system"/>
+              </a:rPr>
+              <a:t>	</a:t>
+            </a:r>
+            <a:r>
+              <a:rPr lang="zh-CN" altLang="en-US" sz="2400" dirty="0">
+                <a:solidFill>
+                  <a:srgbClr val="4D4D4D"/>
+                </a:solidFill>
+                <a:latin typeface="-apple-system"/>
+              </a:rPr>
+              <a:t>从早期电池循环中提取信息对电池寿命进行预测</a:t>
+            </a:r>
+            <a:endParaRPr lang="en-US" altLang="zh-CN" sz="2400" dirty="0">
+              <a:solidFill>
+                <a:srgbClr val="4D4D4D"/>
+              </a:solidFill>
+              <a:latin typeface="-apple-system"/>
+            </a:endParaRPr>
+          </a:p>
+          <a:p>
+            <a:pPr>
+              <a:lnSpc>
+                <a:spcPct val="150000"/>
+              </a:lnSpc>
+            </a:pPr>
+            <a:r>
+              <a:rPr lang="en-US" altLang="zh-CN" sz="2400" dirty="0">
+                <a:solidFill>
+                  <a:srgbClr val="4D4D4D"/>
+                </a:solidFill>
+                <a:latin typeface="-apple-system"/>
+              </a:rPr>
+              <a:t>	</a:t>
+            </a:r>
+            <a:r>
+              <a:rPr lang="zh-CN" altLang="en-US" sz="2400" dirty="0">
+                <a:solidFill>
+                  <a:srgbClr val="4D4D4D"/>
+                </a:solidFill>
+                <a:latin typeface="-apple-system"/>
+              </a:rPr>
+              <a:t>考虑电池数据有噪声的现实情况</a:t>
+            </a:r>
+            <a:endParaRPr lang="en-US" altLang="zh-CN" sz="2400" dirty="0">
+              <a:solidFill>
+                <a:srgbClr val="4D4D4D"/>
+              </a:solidFill>
+              <a:latin typeface="-apple-system"/>
+            </a:endParaRPr>
+          </a:p>
+          <a:p>
+            <a:pPr>
+              <a:lnSpc>
+                <a:spcPct val="150000"/>
+              </a:lnSpc>
+            </a:pPr>
+            <a:r>
+              <a:rPr lang="zh-CN" altLang="en-US" sz="2400" dirty="0">
+                <a:solidFill>
+                  <a:srgbClr val="4D4D4D"/>
+                </a:solidFill>
+                <a:latin typeface="-apple-system"/>
+              </a:rPr>
+              <a:t>在保证以上两点基础上提高寿命预测的精度，减少均方根误差</a:t>
+            </a:r>
+            <a:endParaRPr lang="en-US" altLang="zh-CN" sz="2400" dirty="0">
+              <a:solidFill>
+                <a:srgbClr val="4D4D4D"/>
+              </a:solidFill>
+              <a:latin typeface="-apple-system"/>
+            </a:endParaRPr>
+          </a:p>
+          <a:p>
+            <a:pPr>
+              <a:lnSpc>
+                <a:spcPct val="150000"/>
+              </a:lnSpc>
+            </a:pPr>
+            <a:endParaRPr lang="en-US" altLang="zh-CN" sz="2400" dirty="0">
+              <a:solidFill>
+                <a:srgbClr val="4D4D4D"/>
+              </a:solidFill>
+              <a:latin typeface="-apple-system"/>
+            </a:endParaRPr>
+          </a:p>
+          <a:p>
+            <a:pPr>
+              <a:lnSpc>
+                <a:spcPct val="150000"/>
+              </a:lnSpc>
+            </a:pPr>
+            <a:endParaRPr lang="en-US" altLang="zh-CN" sz="2400" dirty="0">
+              <a:solidFill>
+                <a:srgbClr val="4D4D4D"/>
+              </a:solidFill>
+              <a:latin typeface="-apple-system"/>
+            </a:endParaRPr>
+          </a:p>
+          <a:p>
+            <a:pPr>
+              <a:lnSpc>
+                <a:spcPct val="150000"/>
+              </a:lnSpc>
+            </a:pPr>
+            <a:endParaRPr lang="en-US" altLang="zh-CN" sz="2400" dirty="0">
+              <a:solidFill>
+                <a:srgbClr val="4D4D4D"/>
+              </a:solidFill>
+              <a:latin typeface="-apple-system"/>
+            </a:endParaRPr>
+          </a:p>
+        </p:txBody>
+      </p:sp>
+    </p:spTree>
+    <p:extLst>
+      <p:ext uri="{BB962C8B-B14F-4D97-AF65-F5344CB8AC3E}">
+        <p14:creationId xmlns:p14="http://schemas.microsoft.com/office/powerpoint/2010/main" val="464053940"/>
+      </p:ext>
+    </p:extLst>
+  </p:cSld>
+  <p:clrMapOvr>
+    <a:masterClrMapping/>
+  </p:clrMapOvr>
+</p:sld>
+</file>
+
+<file path=ppt/slides/slide11.xml><?xml version="1.0" encoding="utf-8"?>
+<p:sld xmlns:a="http://schemas.openxmlformats.org/drawingml/2006/main" xmlns:r="http://schemas.openxmlformats.org/officeDocument/2006/relationships" xmlns:p="http://schemas.openxmlformats.org/presentationml/2006/main">
+  <p:cSld>
+    <p:spTree>
+      <p:nvGrpSpPr>
+        <p:cNvPr id="1" name=""/>
+        <p:cNvGrpSpPr/>
+        <p:nvPr/>
+      </p:nvGrpSpPr>
+      <p:grpSpPr>
+        <a:xfrm>
+          <a:off x="0" y="0"/>
+          <a:ext cx="0" cy="0"/>
+          <a:chOff x="0" y="0"/>
+          <a:chExt cx="0" cy="0"/>
+        </a:xfrm>
+      </p:grpSpPr>
+      <p:sp>
+        <p:nvSpPr>
           <p:cNvPr id="3" name="矩形: 圆角 2">
             <a:extLst>
               <a:ext uri="{FF2B5EF4-FFF2-40B4-BE49-F238E27FC236}">
@@ -3479,8 +3709,8 @@
         </p:nvSpPr>
         <p:spPr>
           <a:xfrm>
-            <a:off x="1058105" y="459255"/>
-            <a:ext cx="9925177" cy="5527477"/>
+            <a:off x="135990" y="592584"/>
+            <a:ext cx="10758019" cy="5672831"/>
           </a:xfrm>
           <a:prstGeom prst="roundRect">
             <a:avLst/>
@@ -3543,7 +3773,7 @@
         </p:nvSpPr>
         <p:spPr>
           <a:xfrm>
-            <a:off x="1112218" y="2635795"/>
+            <a:off x="441907" y="2163266"/>
             <a:ext cx="904090" cy="1361617"/>
           </a:xfrm>
           <a:prstGeom prst="ellipse">
@@ -3586,10 +3816,10 @@
       </p:sp>
       <p:sp>
         <p:nvSpPr>
-          <p:cNvPr id="6" name="矩形: 圆角 5">
-            <a:extLst>
-              <a:ext uri="{FF2B5EF4-FFF2-40B4-BE49-F238E27FC236}">
-                <a16:creationId xmlns:a16="http://schemas.microsoft.com/office/drawing/2014/main" id="{2E3BB581-CAB2-9CA4-1888-A193DABE7630}"/>
+          <p:cNvPr id="8" name="矩形: 圆角 7">
+            <a:extLst>
+              <a:ext uri="{FF2B5EF4-FFF2-40B4-BE49-F238E27FC236}">
+                <a16:creationId xmlns:a16="http://schemas.microsoft.com/office/drawing/2014/main" id="{D4DC892F-F11C-923D-03C9-268078FB67D0}"/>
               </a:ext>
             </a:extLst>
           </p:cNvPr>
@@ -3598,8 +3828,8 @@
         </p:nvSpPr>
         <p:spPr>
           <a:xfrm>
-            <a:off x="10702" y="3103659"/>
-            <a:ext cx="718517" cy="469567"/>
+            <a:off x="2089865" y="1563985"/>
+            <a:ext cx="753375" cy="362309"/>
           </a:xfrm>
           <a:prstGeom prst="roundRect">
             <a:avLst/>
@@ -3634,7 +3864,7 @@
             <a:pPr algn="ctr"/>
             <a:r>
               <a:rPr lang="en-US" altLang="zh-CN" dirty="0"/>
-              <a:t>HI</a:t>
+              <a:t>IMF1</a:t>
             </a:r>
             <a:endParaRPr lang="zh-CN" altLang="en-US" dirty="0"/>
           </a:p>
@@ -3642,10 +3872,10 @@
       </p:sp>
       <p:sp>
         <p:nvSpPr>
-          <p:cNvPr id="8" name="矩形: 圆角 7">
-            <a:extLst>
-              <a:ext uri="{FF2B5EF4-FFF2-40B4-BE49-F238E27FC236}">
-                <a16:creationId xmlns:a16="http://schemas.microsoft.com/office/drawing/2014/main" id="{D4DC892F-F11C-923D-03C9-268078FB67D0}"/>
+          <p:cNvPr id="9" name="矩形: 圆角 8">
+            <a:extLst>
+              <a:ext uri="{FF2B5EF4-FFF2-40B4-BE49-F238E27FC236}">
+                <a16:creationId xmlns:a16="http://schemas.microsoft.com/office/drawing/2014/main" id="{79097161-77C4-287B-6FA1-F234012DCACE}"/>
               </a:ext>
             </a:extLst>
           </p:cNvPr>
@@ -3654,7 +3884,7 @@
         </p:nvSpPr>
         <p:spPr>
           <a:xfrm>
-            <a:off x="2760176" y="2036514"/>
+            <a:off x="2113209" y="2199367"/>
             <a:ext cx="753375" cy="362309"/>
           </a:xfrm>
           <a:prstGeom prst="roundRect">
@@ -3690,7 +3920,7 @@
             <a:pPr algn="ctr"/>
             <a:r>
               <a:rPr lang="en-US" altLang="zh-CN" dirty="0"/>
-              <a:t>IMF1</a:t>
+              <a:t>IMF2</a:t>
             </a:r>
             <a:endParaRPr lang="zh-CN" altLang="en-US" dirty="0"/>
           </a:p>
@@ -3698,10 +3928,10 @@
       </p:sp>
       <p:sp>
         <p:nvSpPr>
-          <p:cNvPr id="9" name="矩形: 圆角 8">
-            <a:extLst>
-              <a:ext uri="{FF2B5EF4-FFF2-40B4-BE49-F238E27FC236}">
-                <a16:creationId xmlns:a16="http://schemas.microsoft.com/office/drawing/2014/main" id="{79097161-77C4-287B-6FA1-F234012DCACE}"/>
+          <p:cNvPr id="10" name="矩形: 圆角 9">
+            <a:extLst>
+              <a:ext uri="{FF2B5EF4-FFF2-40B4-BE49-F238E27FC236}">
+                <a16:creationId xmlns:a16="http://schemas.microsoft.com/office/drawing/2014/main" id="{781F25D5-5BC7-E37B-C3B8-4F3E4E3048CA}"/>
               </a:ext>
             </a:extLst>
           </p:cNvPr>
@@ -3710,7 +3940,7 @@
         </p:nvSpPr>
         <p:spPr>
           <a:xfrm>
-            <a:off x="2783520" y="2671896"/>
+            <a:off x="2089865" y="3726370"/>
             <a:ext cx="753375" cy="362309"/>
           </a:xfrm>
           <a:prstGeom prst="roundRect">
@@ -3746,7 +3976,7 @@
             <a:pPr algn="ctr"/>
             <a:r>
               <a:rPr lang="en-US" altLang="zh-CN" dirty="0"/>
-              <a:t>IMF2</a:t>
+              <a:t>IMFN</a:t>
             </a:r>
             <a:endParaRPr lang="zh-CN" altLang="en-US" dirty="0"/>
           </a:p>
@@ -3754,10 +3984,10 @@
       </p:sp>
       <p:sp>
         <p:nvSpPr>
-          <p:cNvPr id="10" name="矩形: 圆角 9">
-            <a:extLst>
-              <a:ext uri="{FF2B5EF4-FFF2-40B4-BE49-F238E27FC236}">
-                <a16:creationId xmlns:a16="http://schemas.microsoft.com/office/drawing/2014/main" id="{781F25D5-5BC7-E37B-C3B8-4F3E4E3048CA}"/>
+          <p:cNvPr id="21" name="箭头: 右 20">
+            <a:extLst>
+              <a:ext uri="{FF2B5EF4-FFF2-40B4-BE49-F238E27FC236}">
+                <a16:creationId xmlns:a16="http://schemas.microsoft.com/office/drawing/2014/main" id="{7DF70462-46CA-8D4A-2A6A-1B9C0EDC2564}"/>
               </a:ext>
             </a:extLst>
           </p:cNvPr>
@@ -3766,11 +3996,14 @@
         </p:nvSpPr>
         <p:spPr>
           <a:xfrm>
-            <a:off x="2760176" y="4198899"/>
-            <a:ext cx="753375" cy="362309"/>
-          </a:xfrm>
-          <a:prstGeom prst="roundRect">
-            <a:avLst/>
+            <a:off x="4026814" y="2723692"/>
+            <a:ext cx="300635" cy="362308"/>
+          </a:xfrm>
+          <a:prstGeom prst="rightArrow">
+            <a:avLst>
+              <a:gd name="adj1" fmla="val 50000"/>
+              <a:gd name="adj2" fmla="val 50000"/>
+            </a:avLst>
           </a:prstGeom>
           <a:solidFill>
             <a:schemeClr val="accent1">
@@ -3800,20 +4033,16 @@
           <a:lstStyle/>
           <a:p>
             <a:pPr algn="ctr"/>
-            <a:r>
-              <a:rPr lang="en-US" altLang="zh-CN" dirty="0"/>
-              <a:t>IMFN</a:t>
-            </a:r>
-            <a:endParaRPr lang="zh-CN" altLang="en-US" dirty="0"/>
-          </a:p>
-        </p:txBody>
-      </p:sp>
-      <p:sp>
-        <p:nvSpPr>
-          <p:cNvPr id="11" name="矩形: 圆角 10">
-            <a:extLst>
-              <a:ext uri="{FF2B5EF4-FFF2-40B4-BE49-F238E27FC236}">
-                <a16:creationId xmlns:a16="http://schemas.microsoft.com/office/drawing/2014/main" id="{FEE14FF4-A245-A1B2-C508-C597C55B8D15}"/>
+            <a:endParaRPr lang="zh-CN" altLang="en-US"/>
+          </a:p>
+        </p:txBody>
+      </p:sp>
+      <p:sp>
+        <p:nvSpPr>
+          <p:cNvPr id="22" name="箭头: 右 21">
+            <a:extLst>
+              <a:ext uri="{FF2B5EF4-FFF2-40B4-BE49-F238E27FC236}">
+                <a16:creationId xmlns:a16="http://schemas.microsoft.com/office/drawing/2014/main" id="{03F80D58-792D-834B-B5F4-DEBFDB2D05E4}"/>
               </a:ext>
             </a:extLst>
           </p:cNvPr>
@@ -3822,174 +4051,7 @@
         </p:nvSpPr>
         <p:spPr>
           <a:xfrm>
-            <a:off x="5242020" y="2499317"/>
-            <a:ext cx="795575" cy="362309"/>
-          </a:xfrm>
-          <a:prstGeom prst="roundRect">
-            <a:avLst/>
-          </a:prstGeom>
-          <a:solidFill>
-            <a:schemeClr val="accent1">
-              <a:lumMod val="40000"/>
-              <a:lumOff val="60000"/>
-            </a:schemeClr>
-          </a:solidFill>
-        </p:spPr>
-        <p:style>
-          <a:lnRef idx="2">
-            <a:schemeClr val="accent1">
-              <a:shade val="15000"/>
-            </a:schemeClr>
-          </a:lnRef>
-          <a:fillRef idx="1">
-            <a:schemeClr val="accent1"/>
-          </a:fillRef>
-          <a:effectRef idx="0">
-            <a:schemeClr val="accent1"/>
-          </a:effectRef>
-          <a:fontRef idx="minor">
-            <a:schemeClr val="lt1"/>
-          </a:fontRef>
-        </p:style>
-        <p:txBody>
-          <a:bodyPr rtlCol="0" anchor="ctr"/>
-          <a:lstStyle/>
-          <a:p>
-            <a:pPr algn="ctr"/>
-            <a:r>
-              <a:rPr lang="en-US" altLang="zh-CN" dirty="0"/>
-              <a:t>NHI1</a:t>
-            </a:r>
-            <a:endParaRPr lang="zh-CN" altLang="en-US" dirty="0"/>
-          </a:p>
-        </p:txBody>
-      </p:sp>
-      <p:sp>
-        <p:nvSpPr>
-          <p:cNvPr id="12" name="矩形: 圆角 11">
-            <a:extLst>
-              <a:ext uri="{FF2B5EF4-FFF2-40B4-BE49-F238E27FC236}">
-                <a16:creationId xmlns:a16="http://schemas.microsoft.com/office/drawing/2014/main" id="{24C6D301-71ED-8678-D95E-758A0291C878}"/>
-              </a:ext>
-            </a:extLst>
-          </p:cNvPr>
-          <p:cNvSpPr/>
-          <p:nvPr/>
-        </p:nvSpPr>
-        <p:spPr>
-          <a:xfrm>
-            <a:off x="5239745" y="3874250"/>
-            <a:ext cx="795575" cy="362309"/>
-          </a:xfrm>
-          <a:prstGeom prst="roundRect">
-            <a:avLst/>
-          </a:prstGeom>
-          <a:solidFill>
-            <a:schemeClr val="accent1">
-              <a:lumMod val="40000"/>
-              <a:lumOff val="60000"/>
-            </a:schemeClr>
-          </a:solidFill>
-        </p:spPr>
-        <p:style>
-          <a:lnRef idx="2">
-            <a:schemeClr val="accent1">
-              <a:shade val="15000"/>
-            </a:schemeClr>
-          </a:lnRef>
-          <a:fillRef idx="1">
-            <a:schemeClr val="accent1"/>
-          </a:fillRef>
-          <a:effectRef idx="0">
-            <a:schemeClr val="accent1"/>
-          </a:effectRef>
-          <a:fontRef idx="minor">
-            <a:schemeClr val="lt1"/>
-          </a:fontRef>
-        </p:style>
-        <p:txBody>
-          <a:bodyPr rtlCol="0" anchor="ctr"/>
-          <a:lstStyle/>
-          <a:p>
-            <a:pPr algn="ctr"/>
-            <a:r>
-              <a:rPr lang="en-US" altLang="zh-CN" dirty="0" err="1"/>
-              <a:t>NHIn</a:t>
-            </a:r>
-            <a:endParaRPr lang="zh-CN" altLang="en-US" dirty="0"/>
-          </a:p>
-        </p:txBody>
-      </p:sp>
-      <p:sp>
-        <p:nvSpPr>
-          <p:cNvPr id="21" name="箭头: 右 20">
-            <a:extLst>
-              <a:ext uri="{FF2B5EF4-FFF2-40B4-BE49-F238E27FC236}">
-                <a16:creationId xmlns:a16="http://schemas.microsoft.com/office/drawing/2014/main" id="{7DF70462-46CA-8D4A-2A6A-1B9C0EDC2564}"/>
-              </a:ext>
-            </a:extLst>
-          </p:cNvPr>
-          <p:cNvSpPr/>
-          <p:nvPr/>
-        </p:nvSpPr>
-        <p:spPr>
-          <a:xfrm>
-            <a:off x="4823489" y="3209675"/>
-            <a:ext cx="300635" cy="362308"/>
-          </a:xfrm>
-          <a:prstGeom prst="rightArrow">
-            <a:avLst>
-              <a:gd name="adj1" fmla="val 50000"/>
-              <a:gd name="adj2" fmla="val 50000"/>
-            </a:avLst>
-          </a:prstGeom>
-          <a:solidFill>
-            <a:schemeClr val="accent1">
-              <a:lumMod val="40000"/>
-              <a:lumOff val="60000"/>
-            </a:schemeClr>
-          </a:solidFill>
-        </p:spPr>
-        <p:style>
-          <a:lnRef idx="2">
-            <a:schemeClr val="accent1">
-              <a:shade val="15000"/>
-            </a:schemeClr>
-          </a:lnRef>
-          <a:fillRef idx="1">
-            <a:schemeClr val="accent1"/>
-          </a:fillRef>
-          <a:effectRef idx="0">
-            <a:schemeClr val="accent1"/>
-          </a:effectRef>
-          <a:fontRef idx="minor">
-            <a:schemeClr val="lt1"/>
-          </a:fontRef>
-        </p:style>
-        <p:txBody>
-          <a:bodyPr rtlCol="0" anchor="ctr"/>
-          <a:lstStyle/>
-          <a:p>
-            <a:pPr algn="ctr"/>
-            <a:endParaRPr lang="zh-CN" altLang="en-US"/>
-          </a:p>
-        </p:txBody>
-      </p:sp>
-      <p:sp>
-        <p:nvSpPr>
-          <p:cNvPr id="22" name="箭头: 右 21">
-            <a:extLst>
-              <a:ext uri="{FF2B5EF4-FFF2-40B4-BE49-F238E27FC236}">
-                <a16:creationId xmlns:a16="http://schemas.microsoft.com/office/drawing/2014/main" id="{03F80D58-792D-834B-B5F4-DEBFDB2D05E4}"/>
-              </a:ext>
-            </a:extLst>
-          </p:cNvPr>
-          <p:cNvSpPr/>
-          <p:nvPr/>
-        </p:nvSpPr>
-        <p:spPr>
-          <a:xfrm>
-            <a:off x="3672232" y="3196830"/>
+            <a:off x="3007251" y="2718966"/>
             <a:ext cx="442246" cy="362309"/>
           </a:xfrm>
           <a:prstGeom prst="rightArrow">
@@ -4046,8 +4108,8 @@
         </p:nvSpPr>
         <p:spPr>
           <a:xfrm>
-            <a:off x="7020946" y="3380816"/>
-            <a:ext cx="1115843" cy="493434"/>
+            <a:off x="6190046" y="3351132"/>
+            <a:ext cx="1252572" cy="553944"/>
           </a:xfrm>
           <a:prstGeom prst="ellipse">
             <a:avLst/>
@@ -4081,7 +4143,7 @@
           <a:p>
             <a:pPr algn="ctr"/>
             <a:r>
-              <a:rPr lang="en-US" altLang="zh-CN" sz="1400" b="0" i="0" dirty="0">
+              <a:rPr lang="en-US" altLang="zh-CN" sz="1200" b="0" i="0" dirty="0">
                 <a:solidFill>
                   <a:srgbClr val="333333"/>
                 </a:solidFill>
@@ -4091,7 +4153,7 @@
               <a:t>CART</a:t>
             </a:r>
             <a:r>
-              <a:rPr lang="zh-CN" altLang="en-US" sz="1400" b="0" i="0" dirty="0">
+              <a:rPr lang="zh-CN" altLang="en-US" sz="1200" b="0" i="0" dirty="0">
                 <a:solidFill>
                   <a:srgbClr val="333333"/>
                 </a:solidFill>
@@ -4101,7 +4163,7 @@
               <a:t>决策树</a:t>
             </a:r>
             <a:r>
-              <a:rPr lang="en-US" altLang="zh-CN" sz="1400" b="0" i="0" dirty="0">
+              <a:rPr lang="en-US" altLang="zh-CN" sz="1200" b="0" i="0" dirty="0">
                 <a:solidFill>
                   <a:srgbClr val="333333"/>
                 </a:solidFill>
@@ -4110,16 +4172,16 @@
               </a:rPr>
               <a:t>1</a:t>
             </a:r>
-            <a:endParaRPr lang="zh-CN" altLang="en-US" sz="1400" dirty="0"/>
-          </a:p>
-        </p:txBody>
-      </p:sp>
-      <p:sp>
-        <p:nvSpPr>
-          <p:cNvPr id="24" name="椭圆 23">
-            <a:extLst>
-              <a:ext uri="{FF2B5EF4-FFF2-40B4-BE49-F238E27FC236}">
-                <a16:creationId xmlns:a16="http://schemas.microsoft.com/office/drawing/2014/main" id="{69716A6A-6E45-4407-FFB0-63ABC1A587C0}"/>
+            <a:endParaRPr lang="zh-CN" altLang="en-US" sz="1200" dirty="0"/>
+          </a:p>
+        </p:txBody>
+      </p:sp>
+      <p:sp>
+        <p:nvSpPr>
+          <p:cNvPr id="28" name="箭头: 右 27">
+            <a:extLst>
+              <a:ext uri="{FF2B5EF4-FFF2-40B4-BE49-F238E27FC236}">
+                <a16:creationId xmlns:a16="http://schemas.microsoft.com/office/drawing/2014/main" id="{C0D325AE-77C3-5FDB-2960-3A320D5AF931}"/>
               </a:ext>
             </a:extLst>
           </p:cNvPr>
@@ -4128,11 +4190,14 @@
         </p:nvSpPr>
         <p:spPr>
           <a:xfrm>
-            <a:off x="6440708" y="1798122"/>
-            <a:ext cx="1115843" cy="1050261"/>
-          </a:xfrm>
-          <a:prstGeom prst="ellipse">
-            <a:avLst/>
+            <a:off x="1385738" y="2759870"/>
+            <a:ext cx="606434" cy="280502"/>
+          </a:xfrm>
+          <a:prstGeom prst="rightArrow">
+            <a:avLst>
+              <a:gd name="adj1" fmla="val 50000"/>
+              <a:gd name="adj2" fmla="val 50000"/>
+            </a:avLst>
           </a:prstGeom>
           <a:solidFill>
             <a:schemeClr val="accent1">
@@ -4162,19 +4227,16 @@
           <a:lstStyle/>
           <a:p>
             <a:pPr algn="ctr"/>
-            <a:r>
-              <a:rPr lang="zh-CN" altLang="en-US" sz="1400" dirty="0"/>
-              <a:t>粒子群搜索算法</a:t>
-            </a:r>
-          </a:p>
-        </p:txBody>
-      </p:sp>
-      <p:sp>
-        <p:nvSpPr>
-          <p:cNvPr id="28" name="箭头: 右 27">
-            <a:extLst>
-              <a:ext uri="{FF2B5EF4-FFF2-40B4-BE49-F238E27FC236}">
-                <a16:creationId xmlns:a16="http://schemas.microsoft.com/office/drawing/2014/main" id="{C0D325AE-77C3-5FDB-2960-3A320D5AF931}"/>
+            <a:endParaRPr lang="zh-CN" altLang="en-US"/>
+          </a:p>
+        </p:txBody>
+      </p:sp>
+      <p:sp>
+        <p:nvSpPr>
+          <p:cNvPr id="29" name="矩形 28">
+            <a:extLst>
+              <a:ext uri="{FF2B5EF4-FFF2-40B4-BE49-F238E27FC236}">
+                <a16:creationId xmlns:a16="http://schemas.microsoft.com/office/drawing/2014/main" id="{7C2FDD99-3C3E-8129-FA57-D0F37F735367}"/>
               </a:ext>
             </a:extLst>
           </p:cNvPr>
@@ -4183,62 +4245,7 @@
         </p:nvSpPr>
         <p:spPr>
           <a:xfrm>
-            <a:off x="2056049" y="3232399"/>
-            <a:ext cx="606434" cy="280502"/>
-          </a:xfrm>
-          <a:prstGeom prst="rightArrow">
-            <a:avLst>
-              <a:gd name="adj1" fmla="val 50000"/>
-              <a:gd name="adj2" fmla="val 50000"/>
-            </a:avLst>
-          </a:prstGeom>
-          <a:solidFill>
-            <a:schemeClr val="accent1">
-              <a:lumMod val="40000"/>
-              <a:lumOff val="60000"/>
-            </a:schemeClr>
-          </a:solidFill>
-        </p:spPr>
-        <p:style>
-          <a:lnRef idx="2">
-            <a:schemeClr val="accent1">
-              <a:shade val="15000"/>
-            </a:schemeClr>
-          </a:lnRef>
-          <a:fillRef idx="1">
-            <a:schemeClr val="accent1"/>
-          </a:fillRef>
-          <a:effectRef idx="0">
-            <a:schemeClr val="accent1"/>
-          </a:effectRef>
-          <a:fontRef idx="minor">
-            <a:schemeClr val="lt1"/>
-          </a:fontRef>
-        </p:style>
-        <p:txBody>
-          <a:bodyPr rtlCol="0" anchor="ctr"/>
-          <a:lstStyle/>
-          <a:p>
-            <a:pPr algn="ctr"/>
-            <a:endParaRPr lang="zh-CN" altLang="en-US"/>
-          </a:p>
-        </p:txBody>
-      </p:sp>
-      <p:sp>
-        <p:nvSpPr>
-          <p:cNvPr id="29" name="矩形 28">
-            <a:extLst>
-              <a:ext uri="{FF2B5EF4-FFF2-40B4-BE49-F238E27FC236}">
-                <a16:creationId xmlns:a16="http://schemas.microsoft.com/office/drawing/2014/main" id="{7C2FDD99-3C3E-8129-FA57-D0F37F735367}"/>
-              </a:ext>
-            </a:extLst>
-          </p:cNvPr>
-          <p:cNvSpPr/>
-          <p:nvPr/>
-        </p:nvSpPr>
-        <p:spPr>
-          <a:xfrm>
-            <a:off x="2065379" y="1860172"/>
+            <a:off x="1395068" y="1387643"/>
             <a:ext cx="563144" cy="1236757"/>
           </a:xfrm>
           <a:prstGeom prst="rect">
@@ -4290,10 +4297,10 @@
       </p:sp>
       <p:sp>
         <p:nvSpPr>
-          <p:cNvPr id="31" name="箭头: 右 30">
-            <a:extLst>
-              <a:ext uri="{FF2B5EF4-FFF2-40B4-BE49-F238E27FC236}">
-                <a16:creationId xmlns:a16="http://schemas.microsoft.com/office/drawing/2014/main" id="{CAA5F11D-DEFC-9674-968C-2A7887584585}"/>
+          <p:cNvPr id="32" name="箭头: 右 31">
+            <a:extLst>
+              <a:ext uri="{FF2B5EF4-FFF2-40B4-BE49-F238E27FC236}">
+                <a16:creationId xmlns:a16="http://schemas.microsoft.com/office/drawing/2014/main" id="{4C55AA1E-825E-9AA4-16C2-DAB75CDD5238}"/>
               </a:ext>
             </a:extLst>
           </p:cNvPr>
@@ -4302,8 +4309,8 @@
         </p:nvSpPr>
         <p:spPr>
           <a:xfrm>
-            <a:off x="768799" y="3215468"/>
-            <a:ext cx="335761" cy="297433"/>
+            <a:off x="11011816" y="3284108"/>
+            <a:ext cx="349238" cy="297433"/>
           </a:xfrm>
           <a:prstGeom prst="rightArrow">
             <a:avLst/>
@@ -4347,10 +4354,10 @@
       </p:sp>
       <p:sp>
         <p:nvSpPr>
-          <p:cNvPr id="32" name="箭头: 右 31">
-            <a:extLst>
-              <a:ext uri="{FF2B5EF4-FFF2-40B4-BE49-F238E27FC236}">
-                <a16:creationId xmlns:a16="http://schemas.microsoft.com/office/drawing/2014/main" id="{4C55AA1E-825E-9AA4-16C2-DAB75CDD5238}"/>
+          <p:cNvPr id="33" name="矩形: 圆角 32">
+            <a:extLst>
+              <a:ext uri="{FF2B5EF4-FFF2-40B4-BE49-F238E27FC236}">
+                <a16:creationId xmlns:a16="http://schemas.microsoft.com/office/drawing/2014/main" id="{3CDE7CB4-E973-4E73-4FD6-D3A4276332CD}"/>
               </a:ext>
             </a:extLst>
           </p:cNvPr>
@@ -4359,10 +4366,10 @@
         </p:nvSpPr>
         <p:spPr>
           <a:xfrm>
-            <a:off x="11056882" y="3364185"/>
-            <a:ext cx="351840" cy="297433"/>
-          </a:xfrm>
-          <a:prstGeom prst="rightArrow">
+            <a:off x="11415386" y="3191274"/>
+            <a:ext cx="718517" cy="469567"/>
+          </a:xfrm>
+          <a:prstGeom prst="roundRect">
             <a:avLst/>
           </a:prstGeom>
           <a:solidFill>
@@ -4371,11 +4378,6 @@
               <a:lumOff val="60000"/>
             </a:schemeClr>
           </a:solidFill>
-          <a:ln>
-            <a:solidFill>
-              <a:schemeClr val="tx1"/>
-            </a:solidFill>
-          </a:ln>
         </p:spPr>
         <p:style>
           <a:lnRef idx="2">
@@ -4398,16 +4400,19 @@
           <a:lstStyle/>
           <a:p>
             <a:pPr algn="ctr"/>
-            <a:endParaRPr lang="zh-CN" altLang="en-US"/>
-          </a:p>
-        </p:txBody>
-      </p:sp>
-      <p:sp>
-        <p:nvSpPr>
-          <p:cNvPr id="33" name="矩形: 圆角 32">
-            <a:extLst>
-              <a:ext uri="{FF2B5EF4-FFF2-40B4-BE49-F238E27FC236}">
-                <a16:creationId xmlns:a16="http://schemas.microsoft.com/office/drawing/2014/main" id="{3CDE7CB4-E973-4E73-4FD6-D3A4276332CD}"/>
+            <a:r>
+              <a:rPr lang="zh-CN" altLang="en-US" sz="1400" dirty="0"/>
+              <a:t>预测结果</a:t>
+            </a:r>
+          </a:p>
+        </p:txBody>
+      </p:sp>
+      <p:sp>
+        <p:nvSpPr>
+          <p:cNvPr id="34" name="椭圆 33">
+            <a:extLst>
+              <a:ext uri="{FF2B5EF4-FFF2-40B4-BE49-F238E27FC236}">
+                <a16:creationId xmlns:a16="http://schemas.microsoft.com/office/drawing/2014/main" id="{5FC54F6C-01F0-592A-3077-BD39D1F61648}"/>
               </a:ext>
             </a:extLst>
           </p:cNvPr>
@@ -4416,10 +4421,10 @@
         </p:nvSpPr>
         <p:spPr>
           <a:xfrm>
-            <a:off x="11482322" y="3302611"/>
-            <a:ext cx="718517" cy="469567"/>
-          </a:xfrm>
-          <a:prstGeom prst="roundRect">
+            <a:off x="5745349" y="4197217"/>
+            <a:ext cx="857314" cy="372819"/>
+          </a:xfrm>
+          <a:prstGeom prst="ellipse">
             <a:avLst/>
           </a:prstGeom>
           <a:solidFill>
@@ -4451,69 +4456,14 @@
           <a:p>
             <a:pPr algn="ctr"/>
             <a:r>
-              <a:rPr lang="zh-CN" altLang="en-US" sz="1400" dirty="0"/>
-              <a:t>预测结果</a:t>
-            </a:r>
-          </a:p>
-        </p:txBody>
-      </p:sp>
-      <p:sp>
-        <p:nvSpPr>
-          <p:cNvPr id="34" name="椭圆 33">
-            <a:extLst>
-              <a:ext uri="{FF2B5EF4-FFF2-40B4-BE49-F238E27FC236}">
-                <a16:creationId xmlns:a16="http://schemas.microsoft.com/office/drawing/2014/main" id="{5FC54F6C-01F0-592A-3077-BD39D1F61648}"/>
-              </a:ext>
-            </a:extLst>
-          </p:cNvPr>
-          <p:cNvSpPr/>
-          <p:nvPr/>
-        </p:nvSpPr>
-        <p:spPr>
-          <a:xfrm>
-            <a:off x="6921316" y="4154403"/>
-            <a:ext cx="674586" cy="304800"/>
-          </a:xfrm>
-          <a:prstGeom prst="ellipse">
-            <a:avLst/>
-          </a:prstGeom>
-          <a:solidFill>
-            <a:schemeClr val="accent1">
-              <a:lumMod val="40000"/>
-              <a:lumOff val="60000"/>
-            </a:schemeClr>
-          </a:solidFill>
-        </p:spPr>
-        <p:style>
-          <a:lnRef idx="2">
-            <a:schemeClr val="accent1">
-              <a:shade val="15000"/>
-            </a:schemeClr>
-          </a:lnRef>
-          <a:fillRef idx="1">
-            <a:schemeClr val="accent1"/>
-          </a:fillRef>
-          <a:effectRef idx="0">
-            <a:schemeClr val="accent1"/>
-          </a:effectRef>
-          <a:fontRef idx="minor">
-            <a:schemeClr val="lt1"/>
-          </a:fontRef>
-        </p:style>
-        <p:txBody>
-          <a:bodyPr rtlCol="0" anchor="ctr"/>
-          <a:lstStyle/>
-          <a:p>
-            <a:pPr algn="ctr"/>
-            <a:r>
-              <a:rPr lang="zh-CN" altLang="en-US" sz="900" dirty="0"/>
+              <a:rPr lang="zh-CN" altLang="en-US" sz="1200" dirty="0"/>
               <a:t>特征</a:t>
             </a:r>
             <a:r>
-              <a:rPr lang="en-US" altLang="zh-CN" sz="900" dirty="0"/>
+              <a:rPr lang="en-US" altLang="zh-CN" sz="1200" dirty="0"/>
               <a:t>1</a:t>
             </a:r>
-            <a:endParaRPr lang="zh-CN" altLang="en-US" sz="900" dirty="0"/>
+            <a:endParaRPr lang="zh-CN" altLang="en-US" sz="1200" dirty="0"/>
           </a:p>
         </p:txBody>
       </p:sp>
@@ -4526,13 +4476,15 @@
               </a:ext>
             </a:extLst>
           </p:cNvPr>
-          <p:cNvCxnSpPr/>
+          <p:cNvCxnSpPr>
+            <a:cxnSpLocks/>
+          </p:cNvCxnSpPr>
           <p:nvPr/>
         </p:nvCxnSpPr>
         <p:spPr>
           <a:xfrm flipH="1">
-            <a:off x="7263878" y="3926588"/>
-            <a:ext cx="105382" cy="165487"/>
+            <a:off x="6214069" y="3922743"/>
+            <a:ext cx="71310" cy="182609"/>
           </a:xfrm>
           <a:prstGeom prst="straightConnector1">
             <a:avLst/>
@@ -4565,13 +4517,15 @@
               </a:ext>
             </a:extLst>
           </p:cNvPr>
-          <p:cNvCxnSpPr/>
+          <p:cNvCxnSpPr>
+            <a:cxnSpLocks/>
+          </p:cNvCxnSpPr>
           <p:nvPr/>
         </p:nvCxnSpPr>
         <p:spPr>
           <a:xfrm>
-            <a:off x="7826910" y="3926588"/>
-            <a:ext cx="135197" cy="165487"/>
+            <a:off x="7009223" y="3979641"/>
+            <a:ext cx="131037" cy="182609"/>
           </a:xfrm>
           <a:prstGeom prst="straightConnector1">
             <a:avLst/>
@@ -4609,8 +4563,8 @@
         </p:nvSpPr>
         <p:spPr>
           <a:xfrm>
-            <a:off x="7681605" y="4151660"/>
-            <a:ext cx="674586" cy="304800"/>
+            <a:off x="6733537" y="4223760"/>
+            <a:ext cx="857314" cy="363538"/>
           </a:xfrm>
           <a:prstGeom prst="ellipse">
             <a:avLst/>
@@ -4644,23 +4598,23 @@
           <a:p>
             <a:pPr algn="ctr"/>
             <a:r>
-              <a:rPr lang="zh-CN" altLang="en-US" sz="900" dirty="0"/>
+              <a:rPr lang="zh-CN" altLang="en-US" sz="1200" dirty="0"/>
               <a:t>特征</a:t>
             </a:r>
             <a:r>
-              <a:rPr lang="en-US" altLang="zh-CN" sz="900" dirty="0"/>
+              <a:rPr lang="en-US" altLang="zh-CN" sz="1200" dirty="0"/>
               <a:t>2</a:t>
             </a:r>
-            <a:endParaRPr lang="zh-CN" altLang="en-US" sz="900" dirty="0"/>
-          </a:p>
-        </p:txBody>
-      </p:sp>
-      <p:sp>
-        <p:nvSpPr>
-          <p:cNvPr id="44" name="椭圆 43">
-            <a:extLst>
-              <a:ext uri="{FF2B5EF4-FFF2-40B4-BE49-F238E27FC236}">
-                <a16:creationId xmlns:a16="http://schemas.microsoft.com/office/drawing/2014/main" id="{BB0BF5D9-194E-C667-FFE3-CB78216CD0D7}"/>
+            <a:endParaRPr lang="zh-CN" altLang="en-US" sz="1200" dirty="0"/>
+          </a:p>
+        </p:txBody>
+      </p:sp>
+      <p:sp>
+        <p:nvSpPr>
+          <p:cNvPr id="45" name="椭圆 44">
+            <a:extLst>
+              <a:ext uri="{FF2B5EF4-FFF2-40B4-BE49-F238E27FC236}">
+                <a16:creationId xmlns:a16="http://schemas.microsoft.com/office/drawing/2014/main" id="{6D5362E0-F1D9-D074-CBC0-9FAEEBBA6B44}"/>
               </a:ext>
             </a:extLst>
           </p:cNvPr>
@@ -4669,8 +4623,8 @@
         </p:nvSpPr>
         <p:spPr>
           <a:xfrm>
-            <a:off x="8611169" y="3360763"/>
-            <a:ext cx="1115843" cy="493434"/>
+            <a:off x="7632464" y="4204491"/>
+            <a:ext cx="890674" cy="372819"/>
           </a:xfrm>
           <a:prstGeom prst="ellipse">
             <a:avLst/>
@@ -4704,95 +4658,14 @@
           <a:p>
             <a:pPr algn="ctr"/>
             <a:r>
-              <a:rPr lang="en-US" altLang="zh-CN" sz="1400" b="0" i="0" dirty="0">
-                <a:solidFill>
-                  <a:srgbClr val="333333"/>
-                </a:solidFill>
-                <a:effectLst/>
-                <a:latin typeface="-apple-system"/>
-              </a:rPr>
-              <a:t>CART</a:t>
-            </a:r>
-            <a:r>
-              <a:rPr lang="zh-CN" altLang="en-US" sz="1400" b="0" i="0" dirty="0">
-                <a:solidFill>
-                  <a:srgbClr val="333333"/>
-                </a:solidFill>
-                <a:effectLst/>
-                <a:latin typeface="-apple-system"/>
-              </a:rPr>
-              <a:t>决策树</a:t>
-            </a:r>
-            <a:r>
-              <a:rPr lang="en-US" altLang="zh-CN" sz="1400" dirty="0">
-                <a:solidFill>
-                  <a:srgbClr val="333333"/>
-                </a:solidFill>
-                <a:latin typeface="-apple-system"/>
-              </a:rPr>
-              <a:t>2</a:t>
-            </a:r>
-            <a:endParaRPr lang="zh-CN" altLang="en-US" sz="1400" dirty="0"/>
-          </a:p>
-        </p:txBody>
-      </p:sp>
-      <p:sp>
-        <p:nvSpPr>
-          <p:cNvPr id="45" name="椭圆 44">
-            <a:extLst>
-              <a:ext uri="{FF2B5EF4-FFF2-40B4-BE49-F238E27FC236}">
-                <a16:creationId xmlns:a16="http://schemas.microsoft.com/office/drawing/2014/main" id="{6D5362E0-F1D9-D074-CBC0-9FAEEBBA6B44}"/>
-              </a:ext>
-            </a:extLst>
-          </p:cNvPr>
-          <p:cNvSpPr/>
-          <p:nvPr/>
-        </p:nvSpPr>
-        <p:spPr>
-          <a:xfrm>
-            <a:off x="8527597" y="4139165"/>
-            <a:ext cx="674586" cy="304800"/>
-          </a:xfrm>
-          <a:prstGeom prst="ellipse">
-            <a:avLst/>
-          </a:prstGeom>
-          <a:solidFill>
-            <a:schemeClr val="accent1">
-              <a:lumMod val="40000"/>
-              <a:lumOff val="60000"/>
-            </a:schemeClr>
-          </a:solidFill>
-        </p:spPr>
-        <p:style>
-          <a:lnRef idx="2">
-            <a:schemeClr val="accent1">
-              <a:shade val="15000"/>
-            </a:schemeClr>
-          </a:lnRef>
-          <a:fillRef idx="1">
-            <a:schemeClr val="accent1"/>
-          </a:fillRef>
-          <a:effectRef idx="0">
-            <a:schemeClr val="accent1"/>
-          </a:effectRef>
-          <a:fontRef idx="minor">
-            <a:schemeClr val="lt1"/>
-          </a:fontRef>
-        </p:style>
-        <p:txBody>
-          <a:bodyPr rtlCol="0" anchor="ctr"/>
-          <a:lstStyle/>
-          <a:p>
-            <a:pPr algn="ctr"/>
-            <a:r>
-              <a:rPr lang="zh-CN" altLang="en-US" sz="900" dirty="0"/>
+              <a:rPr lang="zh-CN" altLang="en-US" sz="1200" dirty="0"/>
               <a:t>特征</a:t>
             </a:r>
             <a:r>
-              <a:rPr lang="en-US" altLang="zh-CN" sz="900" dirty="0"/>
+              <a:rPr lang="en-US" altLang="zh-CN" sz="1200" dirty="0"/>
               <a:t>5</a:t>
             </a:r>
-            <a:endParaRPr lang="zh-CN" altLang="en-US" sz="900" dirty="0"/>
+            <a:endParaRPr lang="zh-CN" altLang="en-US" sz="1200" dirty="0"/>
           </a:p>
         </p:txBody>
       </p:sp>
@@ -4805,13 +4678,15 @@
               </a:ext>
             </a:extLst>
           </p:cNvPr>
-          <p:cNvCxnSpPr/>
+          <p:cNvCxnSpPr>
+            <a:cxnSpLocks/>
+          </p:cNvCxnSpPr>
           <p:nvPr/>
         </p:nvCxnSpPr>
         <p:spPr>
           <a:xfrm flipH="1">
-            <a:off x="8854101" y="3906535"/>
-            <a:ext cx="105382" cy="165487"/>
+            <a:off x="8061104" y="3975613"/>
+            <a:ext cx="93934" cy="212970"/>
           </a:xfrm>
           <a:prstGeom prst="straightConnector1">
             <a:avLst/>
@@ -4844,13 +4719,15 @@
               </a:ext>
             </a:extLst>
           </p:cNvPr>
-          <p:cNvCxnSpPr/>
+          <p:cNvCxnSpPr>
+            <a:cxnSpLocks/>
+          </p:cNvCxnSpPr>
           <p:nvPr/>
         </p:nvCxnSpPr>
         <p:spPr>
           <a:xfrm>
-            <a:off x="9417133" y="3906535"/>
-            <a:ext cx="135197" cy="165487"/>
+            <a:off x="8744731" y="3969810"/>
+            <a:ext cx="151998" cy="192440"/>
           </a:xfrm>
           <a:prstGeom prst="straightConnector1">
             <a:avLst/>
@@ -4888,8 +4765,8 @@
         </p:nvSpPr>
         <p:spPr>
           <a:xfrm>
-            <a:off x="9271828" y="4131607"/>
-            <a:ext cx="674586" cy="304800"/>
+            <a:off x="8564751" y="4204491"/>
+            <a:ext cx="890674" cy="372819"/>
           </a:xfrm>
           <a:prstGeom prst="ellipse">
             <a:avLst/>
@@ -4923,14 +4800,14 @@
           <a:p>
             <a:pPr algn="ctr"/>
             <a:r>
-              <a:rPr lang="zh-CN" altLang="en-US" sz="900" dirty="0"/>
+              <a:rPr lang="zh-CN" altLang="en-US" sz="1200" dirty="0"/>
               <a:t>特征</a:t>
             </a:r>
             <a:r>
-              <a:rPr lang="en-US" altLang="zh-CN" sz="900" dirty="0"/>
+              <a:rPr lang="en-US" altLang="zh-CN" sz="1200" dirty="0"/>
               <a:t>6</a:t>
             </a:r>
-            <a:endParaRPr lang="zh-CN" altLang="en-US" sz="900" dirty="0"/>
+            <a:endParaRPr lang="zh-CN" altLang="en-US" sz="1200" dirty="0"/>
           </a:p>
         </p:txBody>
       </p:sp>
@@ -4948,8 +4825,8 @@
         </p:nvSpPr>
         <p:spPr>
           <a:xfrm>
-            <a:off x="10132366" y="3702021"/>
-            <a:ext cx="140394" cy="140394"/>
+            <a:off x="9285267" y="3575316"/>
+            <a:ext cx="144686" cy="154919"/>
           </a:xfrm>
           <a:prstGeom prst="ellipse">
             <a:avLst/>
@@ -4976,7 +4853,7 @@
           <a:lstStyle/>
           <a:p>
             <a:pPr algn="ctr"/>
-            <a:endParaRPr lang="zh-CN" altLang="en-US"/>
+            <a:endParaRPr lang="zh-CN" altLang="en-US" sz="1200"/>
           </a:p>
         </p:txBody>
       </p:sp>
@@ -4994,8 +4871,8 @@
         </p:nvSpPr>
         <p:spPr>
           <a:xfrm>
-            <a:off x="10394859" y="3702021"/>
-            <a:ext cx="140394" cy="140394"/>
+            <a:off x="9547760" y="3575316"/>
+            <a:ext cx="144686" cy="154919"/>
           </a:xfrm>
           <a:prstGeom prst="ellipse">
             <a:avLst/>
@@ -5022,7 +4899,7 @@
           <a:lstStyle/>
           <a:p>
             <a:pPr algn="ctr"/>
-            <a:endParaRPr lang="zh-CN" altLang="en-US"/>
+            <a:endParaRPr lang="zh-CN" altLang="en-US" sz="1200"/>
           </a:p>
         </p:txBody>
       </p:sp>
@@ -5040,8 +4917,8 @@
         </p:nvSpPr>
         <p:spPr>
           <a:xfrm>
-            <a:off x="10678114" y="3702021"/>
-            <a:ext cx="140394" cy="140394"/>
+            <a:off x="9831015" y="3575316"/>
+            <a:ext cx="144686" cy="154919"/>
           </a:xfrm>
           <a:prstGeom prst="ellipse">
             <a:avLst/>
@@ -5068,7 +4945,7 @@
           <a:lstStyle/>
           <a:p>
             <a:pPr algn="ctr"/>
-            <a:endParaRPr lang="zh-CN" altLang="en-US"/>
+            <a:endParaRPr lang="zh-CN" altLang="en-US" sz="1200"/>
           </a:p>
         </p:txBody>
       </p:sp>
@@ -5086,8 +4963,8 @@
         </p:nvSpPr>
         <p:spPr>
           <a:xfrm>
-            <a:off x="8298362" y="1726312"/>
-            <a:ext cx="1370820" cy="1279572"/>
+            <a:off x="7950781" y="1410453"/>
+            <a:ext cx="1878094" cy="1505626"/>
           </a:xfrm>
           <a:prstGeom prst="rect">
             <a:avLst/>
@@ -5244,8 +5121,8 @@
         </p:nvSpPr>
         <p:spPr>
           <a:xfrm>
-            <a:off x="6638801" y="4736613"/>
-            <a:ext cx="522626" cy="302057"/>
+            <a:off x="5189158" y="4862177"/>
+            <a:ext cx="802553" cy="372819"/>
           </a:xfrm>
           <a:prstGeom prst="ellipse">
             <a:avLst/>
@@ -5278,7 +5155,7 @@
           <a:lstStyle/>
           <a:p>
             <a:pPr algn="ctr"/>
-            <a:endParaRPr lang="zh-CN" altLang="en-US" sz="900" dirty="0"/>
+            <a:endParaRPr lang="zh-CN" altLang="en-US" sz="1200" dirty="0"/>
           </a:p>
         </p:txBody>
       </p:sp>
@@ -5296,8 +5173,8 @@
         </p:nvSpPr>
         <p:spPr>
           <a:xfrm>
-            <a:off x="7399090" y="4733870"/>
-            <a:ext cx="522626" cy="302057"/>
+            <a:off x="6214069" y="4862177"/>
+            <a:ext cx="802553" cy="372819"/>
           </a:xfrm>
           <a:prstGeom prst="ellipse">
             <a:avLst/>
@@ -5330,7 +5207,7 @@
           <a:lstStyle/>
           <a:p>
             <a:pPr algn="ctr"/>
-            <a:endParaRPr lang="zh-CN" altLang="en-US" sz="900" dirty="0"/>
+            <a:endParaRPr lang="zh-CN" altLang="en-US" sz="1200" dirty="0"/>
           </a:p>
         </p:txBody>
       </p:sp>
@@ -5350,8 +5227,8 @@
         </p:nvCxnSpPr>
         <p:spPr>
           <a:xfrm flipH="1">
-            <a:off x="6953393" y="4492946"/>
-            <a:ext cx="90475" cy="165487"/>
+            <a:off x="5809337" y="4566951"/>
+            <a:ext cx="108971" cy="231085"/>
           </a:xfrm>
           <a:prstGeom prst="straightConnector1">
             <a:avLst/>
@@ -5384,13 +5261,15 @@
               </a:ext>
             </a:extLst>
           </p:cNvPr>
-          <p:cNvCxnSpPr/>
+          <p:cNvCxnSpPr>
+            <a:cxnSpLocks/>
+          </p:cNvCxnSpPr>
           <p:nvPr/>
         </p:nvCxnSpPr>
         <p:spPr>
           <a:xfrm>
-            <a:off x="7501518" y="4492946"/>
-            <a:ext cx="135197" cy="165487"/>
+            <a:off x="6352104" y="4579312"/>
+            <a:ext cx="62952" cy="256916"/>
           </a:xfrm>
           <a:prstGeom prst="straightConnector1">
             <a:avLst/>
@@ -5428,8 +5307,8 @@
         </p:nvSpPr>
         <p:spPr>
           <a:xfrm rot="5400000">
-            <a:off x="8815068" y="1590455"/>
-            <a:ext cx="281056" cy="3294004"/>
+            <a:off x="8072869" y="1515873"/>
+            <a:ext cx="290488" cy="3230900"/>
           </a:xfrm>
           <a:prstGeom prst="leftBrace">
             <a:avLst>
@@ -5457,7 +5336,7 @@
           <a:lstStyle/>
           <a:p>
             <a:pPr algn="ctr"/>
-            <a:endParaRPr lang="zh-CN" altLang="en-US"/>
+            <a:endParaRPr lang="zh-CN" altLang="en-US" sz="1200"/>
           </a:p>
         </p:txBody>
       </p:sp>
@@ -5475,8 +5354,8 @@
         </p:nvSpPr>
         <p:spPr>
           <a:xfrm>
-            <a:off x="7681605" y="2174537"/>
-            <a:ext cx="561503" cy="297433"/>
+            <a:off x="7360255" y="2215808"/>
+            <a:ext cx="469454" cy="328205"/>
           </a:xfrm>
           <a:prstGeom prst="rightArrow">
             <a:avLst/>
@@ -5514,7 +5393,7 @@
           <a:lstStyle/>
           <a:p>
             <a:pPr algn="ctr"/>
-            <a:endParaRPr lang="zh-CN" altLang="en-US"/>
+            <a:endParaRPr lang="zh-CN" altLang="en-US" sz="1200"/>
           </a:p>
         </p:txBody>
       </p:sp>
@@ -5532,8 +5411,8 @@
         </p:nvSpPr>
         <p:spPr>
           <a:xfrm>
-            <a:off x="6357105" y="1547003"/>
-            <a:ext cx="4500210" cy="3488923"/>
+            <a:off x="3980409" y="1136711"/>
+            <a:ext cx="6560719" cy="4587693"/>
           </a:xfrm>
           <a:prstGeom prst="rect">
             <a:avLst/>
@@ -5548,7 +5427,7 @@
             <a:prstDash val="dash"/>
             <a:extLst>
               <a:ext uri="{C807C97D-BFC1-408E-A445-0C87EB9F89A2}">
-                <ask:lineSketchStyleProps xmlns:ask="http://schemas.microsoft.com/office/drawing/2018/sketchyshapes" sd="1219033472">
+                <ask:lineSketchStyleProps xmlns:ask="http://schemas.microsoft.com/office/drawing/2018/sketchyshapes" xmlns="" sd="1219033472">
                   <a:custGeom>
                     <a:avLst/>
                     <a:gdLst>
@@ -5828,8 +5707,8 @@
         </p:nvSpPr>
         <p:spPr>
           <a:xfrm>
-            <a:off x="1097686" y="1384804"/>
-            <a:ext cx="2574914" cy="3975691"/>
+            <a:off x="427375" y="1287388"/>
+            <a:ext cx="2574914" cy="2930312"/>
           </a:xfrm>
           <a:prstGeom prst="rect">
             <a:avLst/>
@@ -5844,7 +5723,7 @@
             <a:prstDash val="dash"/>
             <a:extLst>
               <a:ext uri="{C807C97D-BFC1-408E-A445-0C87EB9F89A2}">
-                <ask:lineSketchStyleProps xmlns:ask="http://schemas.microsoft.com/office/drawing/2018/sketchyshapes" sd="1219033472">
+                <ask:lineSketchStyleProps xmlns:ask="http://schemas.microsoft.com/office/drawing/2018/sketchyshapes" xmlns="" sd="1219033472">
                   <a:custGeom>
                     <a:avLst/>
                     <a:gdLst>
@@ -6112,10 +5991,10 @@
       </p:sp>
       <p:sp>
         <p:nvSpPr>
-          <p:cNvPr id="2" name="椭圆 1">
-            <a:extLst>
-              <a:ext uri="{FF2B5EF4-FFF2-40B4-BE49-F238E27FC236}">
-                <a16:creationId xmlns:a16="http://schemas.microsoft.com/office/drawing/2014/main" id="{ABCF0D76-BFF6-9F93-6D39-9CFB57F6196B}"/>
+          <p:cNvPr id="25" name="椭圆 24">
+            <a:extLst>
+              <a:ext uri="{FF2B5EF4-FFF2-40B4-BE49-F238E27FC236}">
+                <a16:creationId xmlns:a16="http://schemas.microsoft.com/office/drawing/2014/main" id="{001EDB8F-C090-381C-A4E2-E7CEEAE27000}"/>
               </a:ext>
             </a:extLst>
           </p:cNvPr>
@@ -6124,7 +6003,62 @@
         </p:nvSpPr>
         <p:spPr>
           <a:xfrm>
-            <a:off x="5582406" y="3002427"/>
+            <a:off x="3461876" y="2469933"/>
+            <a:ext cx="474221" cy="835381"/>
+          </a:xfrm>
+          <a:prstGeom prst="ellipse">
+            <a:avLst/>
+          </a:prstGeom>
+          <a:solidFill>
+            <a:schemeClr val="accent1">
+              <a:lumMod val="40000"/>
+              <a:lumOff val="60000"/>
+            </a:schemeClr>
+          </a:solidFill>
+        </p:spPr>
+        <p:style>
+          <a:lnRef idx="2">
+            <a:schemeClr val="accent1">
+              <a:shade val="15000"/>
+            </a:schemeClr>
+          </a:lnRef>
+          <a:fillRef idx="1">
+            <a:schemeClr val="accent1"/>
+          </a:fillRef>
+          <a:effectRef idx="0">
+            <a:schemeClr val="accent1"/>
+          </a:effectRef>
+          <a:fontRef idx="minor">
+            <a:schemeClr val="lt1"/>
+          </a:fontRef>
+        </p:style>
+        <p:txBody>
+          <a:bodyPr rtlCol="0" anchor="ctr"/>
+          <a:lstStyle/>
+          <a:p>
+            <a:pPr algn="ctr"/>
+            <a:r>
+              <a:rPr lang="zh-CN" altLang="en-US" sz="1400" dirty="0"/>
+              <a:t>随机森林</a:t>
+            </a:r>
+          </a:p>
+        </p:txBody>
+      </p:sp>
+      <p:sp>
+        <p:nvSpPr>
+          <p:cNvPr id="53" name="椭圆 52">
+            <a:extLst>
+              <a:ext uri="{FF2B5EF4-FFF2-40B4-BE49-F238E27FC236}">
+                <a16:creationId xmlns:a16="http://schemas.microsoft.com/office/drawing/2014/main" id="{3F1035F2-BE80-444E-9DE5-FFAA488FC55F}"/>
+              </a:ext>
+            </a:extLst>
+          </p:cNvPr>
+          <p:cNvSpPr/>
+          <p:nvPr/>
+        </p:nvSpPr>
+        <p:spPr>
+          <a:xfrm>
+            <a:off x="2422221" y="2775263"/>
             <a:ext cx="140394" cy="140394"/>
           </a:xfrm>
           <a:prstGeom prst="ellipse">
@@ -6158,10 +6092,10 @@
       </p:sp>
       <p:sp>
         <p:nvSpPr>
-          <p:cNvPr id="4" name="椭圆 3">
-            <a:extLst>
-              <a:ext uri="{FF2B5EF4-FFF2-40B4-BE49-F238E27FC236}">
-                <a16:creationId xmlns:a16="http://schemas.microsoft.com/office/drawing/2014/main" id="{148E0FD1-9447-1673-D502-6E2AEBE74CAD}"/>
+          <p:cNvPr id="58" name="椭圆 57">
+            <a:extLst>
+              <a:ext uri="{FF2B5EF4-FFF2-40B4-BE49-F238E27FC236}">
+                <a16:creationId xmlns:a16="http://schemas.microsoft.com/office/drawing/2014/main" id="{197F3E3A-8028-42A9-9C51-382B1562E90A}"/>
               </a:ext>
             </a:extLst>
           </p:cNvPr>
@@ -6170,7 +6104,7 @@
         </p:nvSpPr>
         <p:spPr>
           <a:xfrm>
-            <a:off x="5580870" y="3283835"/>
+            <a:off x="2420685" y="3056671"/>
             <a:ext cx="140394" cy="140394"/>
           </a:xfrm>
           <a:prstGeom prst="ellipse">
@@ -6204,10 +6138,10 @@
       </p:sp>
       <p:sp>
         <p:nvSpPr>
-          <p:cNvPr id="7" name="椭圆 6">
-            <a:extLst>
-              <a:ext uri="{FF2B5EF4-FFF2-40B4-BE49-F238E27FC236}">
-                <a16:creationId xmlns:a16="http://schemas.microsoft.com/office/drawing/2014/main" id="{835DF502-EC47-2421-81CB-F30EB9C607CB}"/>
+          <p:cNvPr id="60" name="椭圆 59">
+            <a:extLst>
+              <a:ext uri="{FF2B5EF4-FFF2-40B4-BE49-F238E27FC236}">
+                <a16:creationId xmlns:a16="http://schemas.microsoft.com/office/drawing/2014/main" id="{EA7248B8-B6E4-4513-8D7F-38861ED0234A}"/>
               </a:ext>
             </a:extLst>
           </p:cNvPr>
@@ -6216,7 +6150,7 @@
         </p:nvSpPr>
         <p:spPr>
           <a:xfrm>
-            <a:off x="5580870" y="3596193"/>
+            <a:off x="2420685" y="3369029"/>
             <a:ext cx="140394" cy="140394"/>
           </a:xfrm>
           <a:prstGeom prst="ellipse">
@@ -6250,10 +6184,10 @@
       </p:sp>
       <p:sp>
         <p:nvSpPr>
-          <p:cNvPr id="25" name="椭圆 24">
-            <a:extLst>
-              <a:ext uri="{FF2B5EF4-FFF2-40B4-BE49-F238E27FC236}">
-                <a16:creationId xmlns:a16="http://schemas.microsoft.com/office/drawing/2014/main" id="{001EDB8F-C090-381C-A4E2-E7CEEAE27000}"/>
+          <p:cNvPr id="61" name="矩形: 圆角 60">
+            <a:extLst>
+              <a:ext uri="{FF2B5EF4-FFF2-40B4-BE49-F238E27FC236}">
+                <a16:creationId xmlns:a16="http://schemas.microsoft.com/office/drawing/2014/main" id="{59DCDBDD-E845-4192-8336-E4A0EA861AC2}"/>
               </a:ext>
             </a:extLst>
           </p:cNvPr>
@@ -6262,10 +6196,10 @@
         </p:nvSpPr>
         <p:spPr>
           <a:xfrm>
-            <a:off x="4274562" y="2848274"/>
-            <a:ext cx="474221" cy="835381"/>
-          </a:xfrm>
-          <a:prstGeom prst="ellipse">
+            <a:off x="4378833" y="1563375"/>
+            <a:ext cx="753375" cy="362309"/>
+          </a:xfrm>
+          <a:prstGeom prst="roundRect">
             <a:avLst/>
           </a:prstGeom>
           <a:solidFill>
@@ -6297,16 +6231,458 @@
           <a:p>
             <a:pPr algn="ctr"/>
             <a:r>
-              <a:rPr lang="zh-CN" altLang="en-US" sz="1400" dirty="0"/>
-              <a:t>随机森林</a:t>
-            </a:r>
+              <a:rPr lang="en-US" altLang="zh-CN" sz="1100" dirty="0"/>
+              <a:t>Nhi1</a:t>
+            </a:r>
+            <a:endParaRPr lang="zh-CN" altLang="en-US" sz="1100" dirty="0"/>
+          </a:p>
+        </p:txBody>
+      </p:sp>
+      <p:sp>
+        <p:nvSpPr>
+          <p:cNvPr id="62" name="矩形: 圆角 61">
+            <a:extLst>
+              <a:ext uri="{FF2B5EF4-FFF2-40B4-BE49-F238E27FC236}">
+                <a16:creationId xmlns:a16="http://schemas.microsoft.com/office/drawing/2014/main" id="{6A6A47B4-AB31-4E2D-B775-8307F58223D3}"/>
+              </a:ext>
+            </a:extLst>
+          </p:cNvPr>
+          <p:cNvSpPr/>
+          <p:nvPr/>
+        </p:nvSpPr>
+        <p:spPr>
+          <a:xfrm>
+            <a:off x="4402177" y="2198757"/>
+            <a:ext cx="753375" cy="362309"/>
+          </a:xfrm>
+          <a:prstGeom prst="roundRect">
+            <a:avLst/>
+          </a:prstGeom>
+          <a:solidFill>
+            <a:schemeClr val="accent1">
+              <a:lumMod val="40000"/>
+              <a:lumOff val="60000"/>
+            </a:schemeClr>
+          </a:solidFill>
+        </p:spPr>
+        <p:style>
+          <a:lnRef idx="2">
+            <a:schemeClr val="accent1">
+              <a:shade val="15000"/>
+            </a:schemeClr>
+          </a:lnRef>
+          <a:fillRef idx="1">
+            <a:schemeClr val="accent1"/>
+          </a:fillRef>
+          <a:effectRef idx="0">
+            <a:schemeClr val="accent1"/>
+          </a:effectRef>
+          <a:fontRef idx="minor">
+            <a:schemeClr val="lt1"/>
+          </a:fontRef>
+        </p:style>
+        <p:txBody>
+          <a:bodyPr rtlCol="0" anchor="ctr"/>
+          <a:lstStyle/>
+          <a:p>
+            <a:pPr algn="ctr"/>
+            <a:r>
+              <a:rPr lang="en-US" altLang="zh-CN" sz="1100" dirty="0"/>
+              <a:t>Nhi2</a:t>
+            </a:r>
+            <a:endParaRPr lang="zh-CN" altLang="en-US" sz="1100" dirty="0"/>
+          </a:p>
+        </p:txBody>
+      </p:sp>
+      <p:sp>
+        <p:nvSpPr>
+          <p:cNvPr id="65" name="矩形: 圆角 64">
+            <a:extLst>
+              <a:ext uri="{FF2B5EF4-FFF2-40B4-BE49-F238E27FC236}">
+                <a16:creationId xmlns:a16="http://schemas.microsoft.com/office/drawing/2014/main" id="{05BAFA6E-55AD-4BD2-A276-EC40735ACB51}"/>
+              </a:ext>
+            </a:extLst>
+          </p:cNvPr>
+          <p:cNvSpPr/>
+          <p:nvPr/>
+        </p:nvSpPr>
+        <p:spPr>
+          <a:xfrm>
+            <a:off x="4378833" y="3725760"/>
+            <a:ext cx="753375" cy="362309"/>
+          </a:xfrm>
+          <a:prstGeom prst="roundRect">
+            <a:avLst/>
+          </a:prstGeom>
+          <a:solidFill>
+            <a:schemeClr val="accent1">
+              <a:lumMod val="40000"/>
+              <a:lumOff val="60000"/>
+            </a:schemeClr>
+          </a:solidFill>
+        </p:spPr>
+        <p:style>
+          <a:lnRef idx="2">
+            <a:schemeClr val="accent1">
+              <a:shade val="15000"/>
+            </a:schemeClr>
+          </a:lnRef>
+          <a:fillRef idx="1">
+            <a:schemeClr val="accent1"/>
+          </a:fillRef>
+          <a:effectRef idx="0">
+            <a:schemeClr val="accent1"/>
+          </a:effectRef>
+          <a:fontRef idx="minor">
+            <a:schemeClr val="lt1"/>
+          </a:fontRef>
+        </p:style>
+        <p:txBody>
+          <a:bodyPr rtlCol="0" anchor="ctr"/>
+          <a:lstStyle/>
+          <a:p>
+            <a:pPr algn="ctr"/>
+            <a:r>
+              <a:rPr lang="en-US" altLang="zh-CN" sz="1100" dirty="0" err="1"/>
+              <a:t>NhiM</a:t>
+            </a:r>
+            <a:endParaRPr lang="zh-CN" altLang="en-US" sz="1100" dirty="0"/>
+          </a:p>
+        </p:txBody>
+      </p:sp>
+      <p:sp>
+        <p:nvSpPr>
+          <p:cNvPr id="66" name="椭圆 65">
+            <a:extLst>
+              <a:ext uri="{FF2B5EF4-FFF2-40B4-BE49-F238E27FC236}">
+                <a16:creationId xmlns:a16="http://schemas.microsoft.com/office/drawing/2014/main" id="{4A6D23A4-AA8D-4CE8-9A3E-65329D529366}"/>
+              </a:ext>
+            </a:extLst>
+          </p:cNvPr>
+          <p:cNvSpPr/>
+          <p:nvPr/>
+        </p:nvSpPr>
+        <p:spPr>
+          <a:xfrm>
+            <a:off x="4711189" y="2774653"/>
+            <a:ext cx="140394" cy="140394"/>
+          </a:xfrm>
+          <a:prstGeom prst="ellipse">
+            <a:avLst/>
+          </a:prstGeom>
+        </p:spPr>
+        <p:style>
+          <a:lnRef idx="2">
+            <a:schemeClr val="dk1">
+              <a:shade val="15000"/>
+            </a:schemeClr>
+          </a:lnRef>
+          <a:fillRef idx="1">
+            <a:schemeClr val="dk1"/>
+          </a:fillRef>
+          <a:effectRef idx="0">
+            <a:schemeClr val="dk1"/>
+          </a:effectRef>
+          <a:fontRef idx="minor">
+            <a:schemeClr val="lt1"/>
+          </a:fontRef>
+        </p:style>
+        <p:txBody>
+          <a:bodyPr rtlCol="0" anchor="ctr"/>
+          <a:lstStyle/>
+          <a:p>
+            <a:pPr algn="ctr"/>
+            <a:endParaRPr lang="zh-CN" altLang="en-US" sz="1100"/>
+          </a:p>
+        </p:txBody>
+      </p:sp>
+      <p:sp>
+        <p:nvSpPr>
+          <p:cNvPr id="68" name="椭圆 67">
+            <a:extLst>
+              <a:ext uri="{FF2B5EF4-FFF2-40B4-BE49-F238E27FC236}">
+                <a16:creationId xmlns:a16="http://schemas.microsoft.com/office/drawing/2014/main" id="{CA3B9708-AD24-46B0-B1A2-8C806C4E45FA}"/>
+              </a:ext>
+            </a:extLst>
+          </p:cNvPr>
+          <p:cNvSpPr/>
+          <p:nvPr/>
+        </p:nvSpPr>
+        <p:spPr>
+          <a:xfrm>
+            <a:off x="4709653" y="3056061"/>
+            <a:ext cx="140394" cy="140394"/>
+          </a:xfrm>
+          <a:prstGeom prst="ellipse">
+            <a:avLst/>
+          </a:prstGeom>
+        </p:spPr>
+        <p:style>
+          <a:lnRef idx="2">
+            <a:schemeClr val="dk1">
+              <a:shade val="15000"/>
+            </a:schemeClr>
+          </a:lnRef>
+          <a:fillRef idx="1">
+            <a:schemeClr val="dk1"/>
+          </a:fillRef>
+          <a:effectRef idx="0">
+            <a:schemeClr val="dk1"/>
+          </a:effectRef>
+          <a:fontRef idx="minor">
+            <a:schemeClr val="lt1"/>
+          </a:fontRef>
+        </p:style>
+        <p:txBody>
+          <a:bodyPr rtlCol="0" anchor="ctr"/>
+          <a:lstStyle/>
+          <a:p>
+            <a:pPr algn="ctr"/>
+            <a:endParaRPr lang="zh-CN" altLang="en-US" sz="1100"/>
+          </a:p>
+        </p:txBody>
+      </p:sp>
+      <p:sp>
+        <p:nvSpPr>
+          <p:cNvPr id="69" name="椭圆 68">
+            <a:extLst>
+              <a:ext uri="{FF2B5EF4-FFF2-40B4-BE49-F238E27FC236}">
+                <a16:creationId xmlns:a16="http://schemas.microsoft.com/office/drawing/2014/main" id="{7D66F065-6620-491F-BB02-9514C256481D}"/>
+              </a:ext>
+            </a:extLst>
+          </p:cNvPr>
+          <p:cNvSpPr/>
+          <p:nvPr/>
+        </p:nvSpPr>
+        <p:spPr>
+          <a:xfrm>
+            <a:off x="4709653" y="3368419"/>
+            <a:ext cx="140394" cy="140394"/>
+          </a:xfrm>
+          <a:prstGeom prst="ellipse">
+            <a:avLst/>
+          </a:prstGeom>
+        </p:spPr>
+        <p:style>
+          <a:lnRef idx="2">
+            <a:schemeClr val="dk1">
+              <a:shade val="15000"/>
+            </a:schemeClr>
+          </a:lnRef>
+          <a:fillRef idx="1">
+            <a:schemeClr val="dk1"/>
+          </a:fillRef>
+          <a:effectRef idx="0">
+            <a:schemeClr val="dk1"/>
+          </a:effectRef>
+          <a:fontRef idx="minor">
+            <a:schemeClr val="lt1"/>
+          </a:fontRef>
+        </p:style>
+        <p:txBody>
+          <a:bodyPr rtlCol="0" anchor="ctr"/>
+          <a:lstStyle/>
+          <a:p>
+            <a:pPr algn="ctr"/>
+            <a:endParaRPr lang="zh-CN" altLang="en-US" sz="1100"/>
+          </a:p>
+        </p:txBody>
+      </p:sp>
+      <p:sp>
+        <p:nvSpPr>
+          <p:cNvPr id="77" name="箭头: 右 76">
+            <a:extLst>
+              <a:ext uri="{FF2B5EF4-FFF2-40B4-BE49-F238E27FC236}">
+                <a16:creationId xmlns:a16="http://schemas.microsoft.com/office/drawing/2014/main" id="{0B01E458-4673-4C03-AB26-31E810109A38}"/>
+              </a:ext>
+            </a:extLst>
+          </p:cNvPr>
+          <p:cNvSpPr/>
+          <p:nvPr/>
+        </p:nvSpPr>
+        <p:spPr>
+          <a:xfrm>
+            <a:off x="5214365" y="2730323"/>
+            <a:ext cx="300635" cy="362308"/>
+          </a:xfrm>
+          <a:prstGeom prst="rightArrow">
+            <a:avLst>
+              <a:gd name="adj1" fmla="val 50000"/>
+              <a:gd name="adj2" fmla="val 50000"/>
+            </a:avLst>
+          </a:prstGeom>
+          <a:solidFill>
+            <a:schemeClr val="accent1">
+              <a:lumMod val="40000"/>
+              <a:lumOff val="60000"/>
+            </a:schemeClr>
+          </a:solidFill>
+        </p:spPr>
+        <p:style>
+          <a:lnRef idx="2">
+            <a:schemeClr val="accent1">
+              <a:shade val="15000"/>
+            </a:schemeClr>
+          </a:lnRef>
+          <a:fillRef idx="1">
+            <a:schemeClr val="accent1"/>
+          </a:fillRef>
+          <a:effectRef idx="0">
+            <a:schemeClr val="accent1"/>
+          </a:effectRef>
+          <a:fontRef idx="minor">
+            <a:schemeClr val="lt1"/>
+          </a:fontRef>
+        </p:style>
+        <p:txBody>
+          <a:bodyPr rtlCol="0" anchor="ctr"/>
+          <a:lstStyle/>
+          <a:p>
+            <a:pPr algn="ctr"/>
+            <a:endParaRPr lang="zh-CN" altLang="en-US"/>
+          </a:p>
+        </p:txBody>
+      </p:sp>
+      <p:sp>
+        <p:nvSpPr>
+          <p:cNvPr id="14" name="矩形: 圆角 13">
+            <a:extLst>
+              <a:ext uri="{FF2B5EF4-FFF2-40B4-BE49-F238E27FC236}">
+                <a16:creationId xmlns:a16="http://schemas.microsoft.com/office/drawing/2014/main" id="{5F530FBD-C10B-478E-B4D3-62AA461D145A}"/>
+              </a:ext>
+            </a:extLst>
+          </p:cNvPr>
+          <p:cNvSpPr/>
+          <p:nvPr/>
+        </p:nvSpPr>
+        <p:spPr>
+          <a:xfrm>
+            <a:off x="5940359" y="2006021"/>
+            <a:ext cx="1298169" cy="662889"/>
+          </a:xfrm>
+          <a:prstGeom prst="roundRect">
+            <a:avLst/>
+          </a:prstGeom>
+          <a:solidFill>
+            <a:schemeClr val="accent1">
+              <a:lumMod val="40000"/>
+              <a:lumOff val="60000"/>
+            </a:schemeClr>
+          </a:solidFill>
+        </p:spPr>
+        <p:style>
+          <a:lnRef idx="2">
+            <a:schemeClr val="accent1">
+              <a:shade val="50000"/>
+            </a:schemeClr>
+          </a:lnRef>
+          <a:fillRef idx="1">
+            <a:schemeClr val="accent1"/>
+          </a:fillRef>
+          <a:effectRef idx="0">
+            <a:schemeClr val="accent1"/>
+          </a:effectRef>
+          <a:fontRef idx="minor">
+            <a:schemeClr val="lt1"/>
+          </a:fontRef>
+        </p:style>
+        <p:txBody>
+          <a:bodyPr rtlCol="0" anchor="ctr"/>
+          <a:lstStyle/>
+          <a:p>
+            <a:pPr algn="ctr"/>
+            <a:r>
+              <a:rPr lang="zh-CN" altLang="en-US" dirty="0"/>
+              <a:t>蝙蝠算法</a:t>
+            </a:r>
+          </a:p>
+        </p:txBody>
+      </p:sp>
+      <p:sp>
+        <p:nvSpPr>
+          <p:cNvPr id="78" name="椭圆 77">
+            <a:extLst>
+              <a:ext uri="{FF2B5EF4-FFF2-40B4-BE49-F238E27FC236}">
+                <a16:creationId xmlns:a16="http://schemas.microsoft.com/office/drawing/2014/main" id="{E453BE52-CA5F-45AB-936B-59F7FC085254}"/>
+              </a:ext>
+            </a:extLst>
+          </p:cNvPr>
+          <p:cNvSpPr/>
+          <p:nvPr/>
+        </p:nvSpPr>
+        <p:spPr>
+          <a:xfrm>
+            <a:off x="7603758" y="3346428"/>
+            <a:ext cx="1392843" cy="553944"/>
+          </a:xfrm>
+          <a:prstGeom prst="ellipse">
+            <a:avLst/>
+          </a:prstGeom>
+          <a:solidFill>
+            <a:schemeClr val="accent1">
+              <a:lumMod val="40000"/>
+              <a:lumOff val="60000"/>
+            </a:schemeClr>
+          </a:solidFill>
+        </p:spPr>
+        <p:style>
+          <a:lnRef idx="2">
+            <a:schemeClr val="accent1">
+              <a:shade val="15000"/>
+            </a:schemeClr>
+          </a:lnRef>
+          <a:fillRef idx="1">
+            <a:schemeClr val="accent1"/>
+          </a:fillRef>
+          <a:effectRef idx="0">
+            <a:schemeClr val="accent1"/>
+          </a:effectRef>
+          <a:fontRef idx="minor">
+            <a:schemeClr val="lt1"/>
+          </a:fontRef>
+        </p:style>
+        <p:txBody>
+          <a:bodyPr rtlCol="0" anchor="ctr"/>
+          <a:lstStyle/>
+          <a:p>
+            <a:pPr algn="ctr"/>
+            <a:r>
+              <a:rPr lang="en-US" altLang="zh-CN" sz="1200" b="0" i="0" dirty="0">
+                <a:solidFill>
+                  <a:srgbClr val="333333"/>
+                </a:solidFill>
+                <a:effectLst/>
+                <a:latin typeface="-apple-system"/>
+              </a:rPr>
+              <a:t>CART</a:t>
+            </a:r>
+            <a:r>
+              <a:rPr lang="zh-CN" altLang="en-US" sz="1200" b="0" i="0" dirty="0">
+                <a:solidFill>
+                  <a:srgbClr val="333333"/>
+                </a:solidFill>
+                <a:effectLst/>
+                <a:latin typeface="-apple-system"/>
+              </a:rPr>
+              <a:t>决策树</a:t>
+            </a:r>
+            <a:r>
+              <a:rPr lang="en-US" altLang="zh-CN" sz="1200" dirty="0">
+                <a:solidFill>
+                  <a:srgbClr val="333333"/>
+                </a:solidFill>
+                <a:latin typeface="-apple-system"/>
+              </a:rPr>
+              <a:t>2</a:t>
+            </a:r>
+            <a:endParaRPr lang="zh-CN" altLang="en-US" sz="1200" dirty="0"/>
           </a:p>
         </p:txBody>
       </p:sp>
     </p:spTree>
     <p:extLst>
       <p:ext uri="{BB962C8B-B14F-4D97-AF65-F5344CB8AC3E}">
-        <p14:creationId xmlns:p14="http://schemas.microsoft.com/office/powerpoint/2010/main" val="1182924776"/>
+        <p14:creationId xmlns:p14="http://schemas.microsoft.com/office/powerpoint/2010/main" val="486639533"/>
       </p:ext>
     </p:extLst>
   </p:cSld>
@@ -6316,7 +6692,7 @@
 </p:sld>
 </file>
 
-<file path=ppt/slides/slide11.xml><?xml version="1.0" encoding="utf-8"?>
+<file path=ppt/slides/slide12.xml><?xml version="1.0" encoding="utf-8"?>
 <p:sld xmlns:a="http://schemas.openxmlformats.org/drawingml/2006/main" xmlns:r="http://schemas.openxmlformats.org/officeDocument/2006/relationships" xmlns:p="http://schemas.openxmlformats.org/presentationml/2006/main">
   <p:cSld>
     <p:spTree>
@@ -6346,7 +6722,7 @@
 </p:sld>
 </file>
 
-<file path=ppt/slides/slide12.xml><?xml version="1.0" encoding="utf-8"?>
+<file path=ppt/slides/slide13.xml><?xml version="1.0" encoding="utf-8"?>
 <p:sld xmlns:a="http://schemas.openxmlformats.org/drawingml/2006/main" xmlns:r="http://schemas.openxmlformats.org/officeDocument/2006/relationships" xmlns:p="http://schemas.openxmlformats.org/presentationml/2006/main">
   <p:cSld>
     <p:spTree>
@@ -6376,7 +6752,7 @@
 </p:sld>
 </file>
 
-<file path=ppt/slides/slide13.xml><?xml version="1.0" encoding="utf-8"?>
+<file path=ppt/slides/slide14.xml><?xml version="1.0" encoding="utf-8"?>
 <p:sld xmlns:a="http://schemas.openxmlformats.org/drawingml/2006/main" xmlns:r="http://schemas.openxmlformats.org/officeDocument/2006/relationships" xmlns:p="http://schemas.openxmlformats.org/presentationml/2006/main">
   <p:cSld>
     <p:spTree>
@@ -6406,138 +6782,6 @@
 </p:sld>
 </file>
 
-<file path=ppt/slides/slide14.xml><?xml version="1.0" encoding="utf-8"?>
-<p:sld xmlns:a="http://schemas.openxmlformats.org/drawingml/2006/main" xmlns:r="http://schemas.openxmlformats.org/officeDocument/2006/relationships" xmlns:p="http://schemas.openxmlformats.org/presentationml/2006/main">
-  <p:cSld>
-    <p:spTree>
-      <p:nvGrpSpPr>
-        <p:cNvPr id="1" name=""/>
-        <p:cNvGrpSpPr/>
-        <p:nvPr/>
-      </p:nvGrpSpPr>
-      <p:grpSpPr>
-        <a:xfrm>
-          <a:off x="0" y="0"/>
-          <a:ext cx="0" cy="0"/>
-          <a:chOff x="0" y="0"/>
-          <a:chExt cx="0" cy="0"/>
-        </a:xfrm>
-      </p:grpSpPr>
-      <p:sp>
-        <p:nvSpPr>
-          <p:cNvPr id="5" name="文本框 4">
-            <a:extLst>
-              <a:ext uri="{FF2B5EF4-FFF2-40B4-BE49-F238E27FC236}">
-                <a16:creationId xmlns:a16="http://schemas.microsoft.com/office/drawing/2014/main" id="{9E499E68-E892-40B7-FEEF-6154862BD509}"/>
-              </a:ext>
-            </a:extLst>
-          </p:cNvPr>
-          <p:cNvSpPr txBox="1"/>
-          <p:nvPr/>
-        </p:nvSpPr>
-        <p:spPr>
-          <a:xfrm>
-            <a:off x="851754" y="2037882"/>
-            <a:ext cx="10488489" cy="2827441"/>
-          </a:xfrm>
-          <a:prstGeom prst="rect">
-            <a:avLst/>
-          </a:prstGeom>
-          <a:noFill/>
-        </p:spPr>
-        <p:txBody>
-          <a:bodyPr wrap="square" rtlCol="0">
-            <a:spAutoFit/>
-          </a:bodyPr>
-          <a:lstStyle/>
-          <a:p>
-            <a:r>
-              <a:rPr lang="en-US" altLang="zh-CN" sz="2800" b="0" i="0" dirty="0">
-                <a:solidFill>
-                  <a:srgbClr val="000000"/>
-                </a:solidFill>
-                <a:effectLst/>
-                <a:latin typeface="Arial" panose="020B0604020202020204" pitchFamily="34" charset="0"/>
-              </a:rPr>
-              <a:t>A hybrid approach based on decomposition algorithm and neural network for remaining useful life prediction of lithium-ion battery</a:t>
-            </a:r>
-            <a:endParaRPr lang="zh-CN" altLang="en-US" sz="2800" dirty="0"/>
-          </a:p>
-          <a:p>
-            <a:pPr>
-              <a:lnSpc>
-                <a:spcPct val="150000"/>
-              </a:lnSpc>
-            </a:pPr>
-            <a:r>
-              <a:rPr lang="en-US" altLang="zh-CN" sz="2800" b="1" dirty="0"/>
-              <a:t>  </a:t>
-            </a:r>
-          </a:p>
-          <a:p>
-            <a:pPr>
-              <a:lnSpc>
-                <a:spcPct val="150000"/>
-              </a:lnSpc>
-            </a:pPr>
-            <a:endParaRPr lang="en-US" altLang="zh-CN" sz="2800" b="1" dirty="0"/>
-          </a:p>
-          <a:p>
-            <a:pPr>
-              <a:lnSpc>
-                <a:spcPct val="150000"/>
-              </a:lnSpc>
-            </a:pPr>
-            <a:r>
-              <a:rPr lang="en-US" altLang="zh-CN" sz="2800" dirty="0"/>
-              <a:t>                                                                                           ——2022</a:t>
-            </a:r>
-          </a:p>
-        </p:txBody>
-      </p:sp>
-      <p:pic>
-        <p:nvPicPr>
-          <p:cNvPr id="6" name="图片 5">
-            <a:extLst>
-              <a:ext uri="{FF2B5EF4-FFF2-40B4-BE49-F238E27FC236}">
-                <a16:creationId xmlns:a16="http://schemas.microsoft.com/office/drawing/2014/main" id="{FA82BBDA-B9D6-AA20-FCDF-133A0EC53044}"/>
-              </a:ext>
-            </a:extLst>
-          </p:cNvPr>
-          <p:cNvPicPr>
-            <a:picLocks noChangeAspect="1"/>
-          </p:cNvPicPr>
-          <p:nvPr/>
-        </p:nvPicPr>
-        <p:blipFill>
-          <a:blip r:embed="rId2"/>
-          <a:stretch>
-            <a:fillRect/>
-          </a:stretch>
-        </p:blipFill>
-        <p:spPr>
-          <a:xfrm>
-            <a:off x="851754" y="470516"/>
-            <a:ext cx="10488489" cy="981212"/>
-          </a:xfrm>
-          <a:prstGeom prst="rect">
-            <a:avLst/>
-          </a:prstGeom>
-        </p:spPr>
-      </p:pic>
-    </p:spTree>
-    <p:extLst>
-      <p:ext uri="{BB962C8B-B14F-4D97-AF65-F5344CB8AC3E}">
-        <p14:creationId xmlns:p14="http://schemas.microsoft.com/office/powerpoint/2010/main" val="3243079298"/>
-      </p:ext>
-    </p:extLst>
-  </p:cSld>
-  <p:clrMapOvr>
-    <a:masterClrMapping/>
-  </p:clrMapOvr>
-</p:sld>
-</file>
-
 <file path=ppt/slides/slide15.xml><?xml version="1.0" encoding="utf-8"?>
 <p:sld xmlns:a="http://schemas.openxmlformats.org/drawingml/2006/main" xmlns:r="http://schemas.openxmlformats.org/officeDocument/2006/relationships" xmlns:p="http://schemas.openxmlformats.org/presentationml/2006/main">
   <p:cSld>
@@ -6557,10 +6801,10 @@
       </p:grpSpPr>
       <p:sp>
         <p:nvSpPr>
-          <p:cNvPr id="2" name="矩形: 圆角 1">
-            <a:extLst>
-              <a:ext uri="{FF2B5EF4-FFF2-40B4-BE49-F238E27FC236}">
-                <a16:creationId xmlns:a16="http://schemas.microsoft.com/office/drawing/2014/main" id="{5FE46085-0901-8948-F39C-B0CEAFDA0DCB}"/>
+          <p:cNvPr id="3" name="矩形: 圆角 2">
+            <a:extLst>
+              <a:ext uri="{FF2B5EF4-FFF2-40B4-BE49-F238E27FC236}">
+                <a16:creationId xmlns:a16="http://schemas.microsoft.com/office/drawing/2014/main" id="{B9AC4382-001A-7E4E-DAF0-12A203203A77}"/>
               </a:ext>
             </a:extLst>
           </p:cNvPr>
@@ -6569,8 +6813,8 @@
         </p:nvSpPr>
         <p:spPr>
           <a:xfrm>
-            <a:off x="1245370" y="967926"/>
-            <a:ext cx="1926566" cy="1351471"/>
+            <a:off x="394349" y="73311"/>
+            <a:ext cx="10758019" cy="6640355"/>
           </a:xfrm>
           <a:prstGeom prst="roundRect">
             <a:avLst/>
@@ -6581,6 +6825,18 @@
               <a:lumOff val="80000"/>
             </a:schemeClr>
           </a:solidFill>
+          <a:ln>
+            <a:solidFill>
+              <a:schemeClr val="tx1"/>
+            </a:solidFill>
+          </a:ln>
+          <a:effectLst>
+            <a:outerShdw blurRad="50800" dist="38100" dir="2700000" algn="tl" rotWithShape="0">
+              <a:prstClr val="black">
+                <a:alpha val="40000"/>
+              </a:prstClr>
+            </a:outerShdw>
+          </a:effectLst>
         </p:spPr>
         <p:style>
           <a:lnRef idx="2">
@@ -6603,24 +6859,16 @@
           <a:lstStyle/>
           <a:p>
             <a:pPr algn="ctr"/>
-            <a:r>
-              <a:rPr lang="zh-CN" altLang="en-US" sz="2400" dirty="0">
-                <a:solidFill>
-                  <a:schemeClr val="tx1"/>
-                </a:solidFill>
-                <a:latin typeface="+mn-ea"/>
-              </a:rPr>
-              <a:t>数据分解</a:t>
-            </a:r>
-          </a:p>
-        </p:txBody>
-      </p:sp>
-      <p:sp>
-        <p:nvSpPr>
-          <p:cNvPr id="5" name="矩形: 圆角 4">
-            <a:extLst>
-              <a:ext uri="{FF2B5EF4-FFF2-40B4-BE49-F238E27FC236}">
-                <a16:creationId xmlns:a16="http://schemas.microsoft.com/office/drawing/2014/main" id="{F1998572-D9A7-2103-6194-91BB06B418D6}"/>
+            <a:endParaRPr lang="zh-CN" altLang="en-US" dirty="0"/>
+          </a:p>
+        </p:txBody>
+      </p:sp>
+      <p:sp>
+        <p:nvSpPr>
+          <p:cNvPr id="5" name="椭圆 4">
+            <a:extLst>
+              <a:ext uri="{FF2B5EF4-FFF2-40B4-BE49-F238E27FC236}">
+                <a16:creationId xmlns:a16="http://schemas.microsoft.com/office/drawing/2014/main" id="{C7E278BD-D850-A406-5BB1-3A9C6C318871}"/>
               </a:ext>
             </a:extLst>
           </p:cNvPr>
@@ -6629,16 +6877,16 @@
         </p:nvSpPr>
         <p:spPr>
           <a:xfrm>
-            <a:off x="1245370" y="3981421"/>
-            <a:ext cx="1926566" cy="1351471"/>
-          </a:xfrm>
-          <a:prstGeom prst="roundRect">
+            <a:off x="468540" y="1952422"/>
+            <a:ext cx="904090" cy="1361617"/>
+          </a:xfrm>
+          <a:prstGeom prst="ellipse">
             <a:avLst/>
           </a:prstGeom>
           <a:solidFill>
-            <a:schemeClr val="tx2">
-              <a:lumMod val="20000"/>
-              <a:lumOff val="80000"/>
+            <a:schemeClr val="accent1">
+              <a:lumMod val="40000"/>
+              <a:lumOff val="60000"/>
             </a:schemeClr>
           </a:solidFill>
         </p:spPr>
@@ -6664,23 +6912,18 @@
           <a:p>
             <a:pPr algn="ctr"/>
             <a:r>
-              <a:rPr lang="zh-CN" altLang="en-US" sz="2400" dirty="0">
-                <a:solidFill>
-                  <a:schemeClr val="tx1"/>
-                </a:solidFill>
-                <a:latin typeface="+mn-ea"/>
-              </a:rPr>
-              <a:t>融合</a:t>
-            </a:r>
-          </a:p>
-        </p:txBody>
-      </p:sp>
-      <p:sp>
-        <p:nvSpPr>
-          <p:cNvPr id="6" name="矩形: 圆角 5">
-            <a:extLst>
-              <a:ext uri="{FF2B5EF4-FFF2-40B4-BE49-F238E27FC236}">
-                <a16:creationId xmlns:a16="http://schemas.microsoft.com/office/drawing/2014/main" id="{26D8043B-914A-A812-97E5-F51491AD785E}"/>
+              <a:rPr lang="zh-CN" altLang="en-US" sz="1400" dirty="0"/>
+              <a:t>完全自适应模态分解</a:t>
+            </a:r>
+          </a:p>
+        </p:txBody>
+      </p:sp>
+      <p:sp>
+        <p:nvSpPr>
+          <p:cNvPr id="8" name="矩形: 圆角 7">
+            <a:extLst>
+              <a:ext uri="{FF2B5EF4-FFF2-40B4-BE49-F238E27FC236}">
+                <a16:creationId xmlns:a16="http://schemas.microsoft.com/office/drawing/2014/main" id="{D4DC892F-F11C-923D-03C9-268078FB67D0}"/>
               </a:ext>
             </a:extLst>
           </p:cNvPr>
@@ -6689,16 +6932,16 @@
         </p:nvSpPr>
         <p:spPr>
           <a:xfrm>
-            <a:off x="6475691" y="967926"/>
-            <a:ext cx="1926566" cy="1351471"/>
+            <a:off x="2116498" y="1353141"/>
+            <a:ext cx="753375" cy="362309"/>
           </a:xfrm>
           <a:prstGeom prst="roundRect">
             <a:avLst/>
           </a:prstGeom>
           <a:solidFill>
-            <a:schemeClr val="tx2">
-              <a:lumMod val="20000"/>
-              <a:lumOff val="80000"/>
+            <a:schemeClr val="accent1">
+              <a:lumMod val="40000"/>
+              <a:lumOff val="60000"/>
             </a:schemeClr>
           </a:solidFill>
         </p:spPr>
@@ -6724,23 +6967,19 @@
           <a:p>
             <a:pPr algn="ctr"/>
             <a:r>
-              <a:rPr lang="zh-CN" altLang="en-US" sz="2400" dirty="0">
-                <a:solidFill>
-                  <a:schemeClr val="tx1"/>
-                </a:solidFill>
-                <a:latin typeface="+mn-ea"/>
-              </a:rPr>
-              <a:t>神经网络</a:t>
-            </a:r>
-          </a:p>
-        </p:txBody>
-      </p:sp>
-      <p:sp>
-        <p:nvSpPr>
-          <p:cNvPr id="7" name="矩形: 圆角 6">
-            <a:extLst>
-              <a:ext uri="{FF2B5EF4-FFF2-40B4-BE49-F238E27FC236}">
-                <a16:creationId xmlns:a16="http://schemas.microsoft.com/office/drawing/2014/main" id="{334F05C1-A971-4F47-B7A7-C49E45E6C03D}"/>
+              <a:rPr lang="en-US" altLang="zh-CN" dirty="0"/>
+              <a:t>IMF1</a:t>
+            </a:r>
+            <a:endParaRPr lang="zh-CN" altLang="en-US" dirty="0"/>
+          </a:p>
+        </p:txBody>
+      </p:sp>
+      <p:sp>
+        <p:nvSpPr>
+          <p:cNvPr id="9" name="矩形: 圆角 8">
+            <a:extLst>
+              <a:ext uri="{FF2B5EF4-FFF2-40B4-BE49-F238E27FC236}">
+                <a16:creationId xmlns:a16="http://schemas.microsoft.com/office/drawing/2014/main" id="{79097161-77C4-287B-6FA1-F234012DCACE}"/>
               </a:ext>
             </a:extLst>
           </p:cNvPr>
@@ -6749,16 +6988,16 @@
         </p:nvSpPr>
         <p:spPr>
           <a:xfrm>
-            <a:off x="6475691" y="3981422"/>
-            <a:ext cx="1926566" cy="1351471"/>
+            <a:off x="2139842" y="1988523"/>
+            <a:ext cx="753375" cy="362309"/>
           </a:xfrm>
           <a:prstGeom prst="roundRect">
             <a:avLst/>
           </a:prstGeom>
           <a:solidFill>
-            <a:schemeClr val="tx2">
-              <a:lumMod val="20000"/>
-              <a:lumOff val="80000"/>
+            <a:schemeClr val="accent1">
+              <a:lumMod val="40000"/>
+              <a:lumOff val="60000"/>
             </a:schemeClr>
           </a:solidFill>
         </p:spPr>
@@ -6784,381 +7023,3432 @@
           <a:p>
             <a:pPr algn="ctr"/>
             <a:r>
-              <a:rPr lang="zh-CN" altLang="en-US" sz="2400" dirty="0">
+              <a:rPr lang="en-US" altLang="zh-CN" dirty="0"/>
+              <a:t>IMF2</a:t>
+            </a:r>
+            <a:endParaRPr lang="zh-CN" altLang="en-US" dirty="0"/>
+          </a:p>
+        </p:txBody>
+      </p:sp>
+      <p:sp>
+        <p:nvSpPr>
+          <p:cNvPr id="10" name="矩形: 圆角 9">
+            <a:extLst>
+              <a:ext uri="{FF2B5EF4-FFF2-40B4-BE49-F238E27FC236}">
+                <a16:creationId xmlns:a16="http://schemas.microsoft.com/office/drawing/2014/main" id="{781F25D5-5BC7-E37B-C3B8-4F3E4E3048CA}"/>
+              </a:ext>
+            </a:extLst>
+          </p:cNvPr>
+          <p:cNvSpPr/>
+          <p:nvPr/>
+        </p:nvSpPr>
+        <p:spPr>
+          <a:xfrm>
+            <a:off x="2116498" y="3515526"/>
+            <a:ext cx="753375" cy="362309"/>
+          </a:xfrm>
+          <a:prstGeom prst="roundRect">
+            <a:avLst/>
+          </a:prstGeom>
+          <a:solidFill>
+            <a:schemeClr val="accent1">
+              <a:lumMod val="40000"/>
+              <a:lumOff val="60000"/>
+            </a:schemeClr>
+          </a:solidFill>
+        </p:spPr>
+        <p:style>
+          <a:lnRef idx="2">
+            <a:schemeClr val="accent1">
+              <a:shade val="15000"/>
+            </a:schemeClr>
+          </a:lnRef>
+          <a:fillRef idx="1">
+            <a:schemeClr val="accent1"/>
+          </a:fillRef>
+          <a:effectRef idx="0">
+            <a:schemeClr val="accent1"/>
+          </a:effectRef>
+          <a:fontRef idx="minor">
+            <a:schemeClr val="lt1"/>
+          </a:fontRef>
+        </p:style>
+        <p:txBody>
+          <a:bodyPr rtlCol="0" anchor="ctr"/>
+          <a:lstStyle/>
+          <a:p>
+            <a:pPr algn="ctr"/>
+            <a:r>
+              <a:rPr lang="en-US" altLang="zh-CN" dirty="0"/>
+              <a:t>IMFN</a:t>
+            </a:r>
+            <a:endParaRPr lang="zh-CN" altLang="en-US" dirty="0"/>
+          </a:p>
+        </p:txBody>
+      </p:sp>
+      <p:sp>
+        <p:nvSpPr>
+          <p:cNvPr id="21" name="箭头: 右 20">
+            <a:extLst>
+              <a:ext uri="{FF2B5EF4-FFF2-40B4-BE49-F238E27FC236}">
+                <a16:creationId xmlns:a16="http://schemas.microsoft.com/office/drawing/2014/main" id="{7DF70462-46CA-8D4A-2A6A-1B9C0EDC2564}"/>
+              </a:ext>
+            </a:extLst>
+          </p:cNvPr>
+          <p:cNvSpPr/>
+          <p:nvPr/>
+        </p:nvSpPr>
+        <p:spPr>
+          <a:xfrm>
+            <a:off x="4053447" y="2512848"/>
+            <a:ext cx="300635" cy="362308"/>
+          </a:xfrm>
+          <a:prstGeom prst="rightArrow">
+            <a:avLst>
+              <a:gd name="adj1" fmla="val 50000"/>
+              <a:gd name="adj2" fmla="val 50000"/>
+            </a:avLst>
+          </a:prstGeom>
+          <a:solidFill>
+            <a:schemeClr val="accent1">
+              <a:lumMod val="40000"/>
+              <a:lumOff val="60000"/>
+            </a:schemeClr>
+          </a:solidFill>
+        </p:spPr>
+        <p:style>
+          <a:lnRef idx="2">
+            <a:schemeClr val="accent1">
+              <a:shade val="15000"/>
+            </a:schemeClr>
+          </a:lnRef>
+          <a:fillRef idx="1">
+            <a:schemeClr val="accent1"/>
+          </a:fillRef>
+          <a:effectRef idx="0">
+            <a:schemeClr val="accent1"/>
+          </a:effectRef>
+          <a:fontRef idx="minor">
+            <a:schemeClr val="lt1"/>
+          </a:fontRef>
+        </p:style>
+        <p:txBody>
+          <a:bodyPr rtlCol="0" anchor="ctr"/>
+          <a:lstStyle/>
+          <a:p>
+            <a:pPr algn="ctr"/>
+            <a:endParaRPr lang="zh-CN" altLang="en-US"/>
+          </a:p>
+        </p:txBody>
+      </p:sp>
+      <p:sp>
+        <p:nvSpPr>
+          <p:cNvPr id="22" name="箭头: 右 21">
+            <a:extLst>
+              <a:ext uri="{FF2B5EF4-FFF2-40B4-BE49-F238E27FC236}">
+                <a16:creationId xmlns:a16="http://schemas.microsoft.com/office/drawing/2014/main" id="{03F80D58-792D-834B-B5F4-DEBFDB2D05E4}"/>
+              </a:ext>
+            </a:extLst>
+          </p:cNvPr>
+          <p:cNvSpPr/>
+          <p:nvPr/>
+        </p:nvSpPr>
+        <p:spPr>
+          <a:xfrm>
+            <a:off x="3033884" y="2508122"/>
+            <a:ext cx="442246" cy="362309"/>
+          </a:xfrm>
+          <a:prstGeom prst="rightArrow">
+            <a:avLst/>
+          </a:prstGeom>
+          <a:solidFill>
+            <a:schemeClr val="accent1">
+              <a:lumMod val="40000"/>
+              <a:lumOff val="60000"/>
+            </a:schemeClr>
+          </a:solidFill>
+          <a:ln>
+            <a:solidFill>
+              <a:schemeClr val="tx1"/>
+            </a:solidFill>
+          </a:ln>
+        </p:spPr>
+        <p:style>
+          <a:lnRef idx="2">
+            <a:schemeClr val="accent1">
+              <a:shade val="15000"/>
+            </a:schemeClr>
+          </a:lnRef>
+          <a:fillRef idx="1">
+            <a:schemeClr val="accent1"/>
+          </a:fillRef>
+          <a:effectRef idx="0">
+            <a:schemeClr val="accent1"/>
+          </a:effectRef>
+          <a:fontRef idx="minor">
+            <a:schemeClr val="lt1"/>
+          </a:fontRef>
+        </p:style>
+        <p:txBody>
+          <a:bodyPr rtlCol="0" anchor="ctr"/>
+          <a:lstStyle/>
+          <a:p>
+            <a:pPr algn="ctr"/>
+            <a:endParaRPr lang="zh-CN" altLang="en-US"/>
+          </a:p>
+        </p:txBody>
+      </p:sp>
+      <p:sp>
+        <p:nvSpPr>
+          <p:cNvPr id="23" name="椭圆 22">
+            <a:extLst>
+              <a:ext uri="{FF2B5EF4-FFF2-40B4-BE49-F238E27FC236}">
+                <a16:creationId xmlns:a16="http://schemas.microsoft.com/office/drawing/2014/main" id="{620A7E46-24B0-AE09-A968-5C4F0FA1AF14}"/>
+              </a:ext>
+            </a:extLst>
+          </p:cNvPr>
+          <p:cNvSpPr/>
+          <p:nvPr/>
+        </p:nvSpPr>
+        <p:spPr>
+          <a:xfrm>
+            <a:off x="5881932" y="5315619"/>
+            <a:ext cx="575167" cy="279351"/>
+          </a:xfrm>
+          <a:prstGeom prst="ellipse">
+            <a:avLst/>
+          </a:prstGeom>
+          <a:solidFill>
+            <a:schemeClr val="accent1">
+              <a:lumMod val="40000"/>
+              <a:lumOff val="60000"/>
+            </a:schemeClr>
+          </a:solidFill>
+        </p:spPr>
+        <p:style>
+          <a:lnRef idx="2">
+            <a:schemeClr val="accent1">
+              <a:shade val="15000"/>
+            </a:schemeClr>
+          </a:lnRef>
+          <a:fillRef idx="1">
+            <a:schemeClr val="accent1"/>
+          </a:fillRef>
+          <a:effectRef idx="0">
+            <a:schemeClr val="accent1"/>
+          </a:effectRef>
+          <a:fontRef idx="minor">
+            <a:schemeClr val="lt1"/>
+          </a:fontRef>
+        </p:style>
+        <p:txBody>
+          <a:bodyPr rtlCol="0" anchor="ctr"/>
+          <a:lstStyle/>
+          <a:p>
+            <a:pPr algn="ctr"/>
+            <a:r>
+              <a:rPr lang="en-US" altLang="zh-CN" sz="800" b="0" i="0" dirty="0">
+                <a:solidFill>
+                  <a:srgbClr val="333333"/>
+                </a:solidFill>
+                <a:effectLst/>
+                <a:latin typeface="-apple-system"/>
+              </a:rPr>
+              <a:t>CART</a:t>
+            </a:r>
+            <a:r>
+              <a:rPr lang="zh-CN" altLang="en-US" sz="800" b="0" i="0" dirty="0">
+                <a:solidFill>
+                  <a:srgbClr val="333333"/>
+                </a:solidFill>
+                <a:effectLst/>
+                <a:latin typeface="-apple-system"/>
+              </a:rPr>
+              <a:t>决策树</a:t>
+            </a:r>
+            <a:r>
+              <a:rPr lang="en-US" altLang="zh-CN" sz="800" b="0" i="0" dirty="0">
+                <a:solidFill>
+                  <a:srgbClr val="333333"/>
+                </a:solidFill>
+                <a:effectLst/>
+                <a:latin typeface="-apple-system"/>
+              </a:rPr>
+              <a:t>1</a:t>
+            </a:r>
+            <a:endParaRPr lang="zh-CN" altLang="en-US" sz="800" dirty="0"/>
+          </a:p>
+        </p:txBody>
+      </p:sp>
+      <p:sp>
+        <p:nvSpPr>
+          <p:cNvPr id="28" name="箭头: 右 27">
+            <a:extLst>
+              <a:ext uri="{FF2B5EF4-FFF2-40B4-BE49-F238E27FC236}">
+                <a16:creationId xmlns:a16="http://schemas.microsoft.com/office/drawing/2014/main" id="{C0D325AE-77C3-5FDB-2960-3A320D5AF931}"/>
+              </a:ext>
+            </a:extLst>
+          </p:cNvPr>
+          <p:cNvSpPr/>
+          <p:nvPr/>
+        </p:nvSpPr>
+        <p:spPr>
+          <a:xfrm>
+            <a:off x="1412371" y="2549026"/>
+            <a:ext cx="606434" cy="280502"/>
+          </a:xfrm>
+          <a:prstGeom prst="rightArrow">
+            <a:avLst>
+              <a:gd name="adj1" fmla="val 50000"/>
+              <a:gd name="adj2" fmla="val 50000"/>
+            </a:avLst>
+          </a:prstGeom>
+          <a:solidFill>
+            <a:schemeClr val="accent1">
+              <a:lumMod val="40000"/>
+              <a:lumOff val="60000"/>
+            </a:schemeClr>
+          </a:solidFill>
+        </p:spPr>
+        <p:style>
+          <a:lnRef idx="2">
+            <a:schemeClr val="accent1">
+              <a:shade val="15000"/>
+            </a:schemeClr>
+          </a:lnRef>
+          <a:fillRef idx="1">
+            <a:schemeClr val="accent1"/>
+          </a:fillRef>
+          <a:effectRef idx="0">
+            <a:schemeClr val="accent1"/>
+          </a:effectRef>
+          <a:fontRef idx="minor">
+            <a:schemeClr val="lt1"/>
+          </a:fontRef>
+        </p:style>
+        <p:txBody>
+          <a:bodyPr rtlCol="0" anchor="ctr"/>
+          <a:lstStyle/>
+          <a:p>
+            <a:pPr algn="ctr"/>
+            <a:endParaRPr lang="zh-CN" altLang="en-US"/>
+          </a:p>
+        </p:txBody>
+      </p:sp>
+      <p:sp>
+        <p:nvSpPr>
+          <p:cNvPr id="29" name="矩形 28">
+            <a:extLst>
+              <a:ext uri="{FF2B5EF4-FFF2-40B4-BE49-F238E27FC236}">
+                <a16:creationId xmlns:a16="http://schemas.microsoft.com/office/drawing/2014/main" id="{7C2FDD99-3C3E-8129-FA57-D0F37F735367}"/>
+              </a:ext>
+            </a:extLst>
+          </p:cNvPr>
+          <p:cNvSpPr/>
+          <p:nvPr/>
+        </p:nvSpPr>
+        <p:spPr>
+          <a:xfrm>
+            <a:off x="1421701" y="1176799"/>
+            <a:ext cx="563144" cy="1236757"/>
+          </a:xfrm>
+          <a:prstGeom prst="rect">
+            <a:avLst/>
+          </a:prstGeom>
+          <a:solidFill>
+            <a:schemeClr val="bg2"/>
+          </a:solidFill>
+          <a:ln>
+            <a:solidFill>
+              <a:schemeClr val="tx2">
+                <a:lumMod val="20000"/>
+                <a:lumOff val="80000"/>
+              </a:schemeClr>
+            </a:solidFill>
+          </a:ln>
+        </p:spPr>
+        <p:style>
+          <a:lnRef idx="2">
+            <a:schemeClr val="accent1">
+              <a:shade val="15000"/>
+            </a:schemeClr>
+          </a:lnRef>
+          <a:fillRef idx="1">
+            <a:schemeClr val="accent1"/>
+          </a:fillRef>
+          <a:effectRef idx="0">
+            <a:schemeClr val="accent1"/>
+          </a:effectRef>
+          <a:fontRef idx="minor">
+            <a:schemeClr val="lt1"/>
+          </a:fontRef>
+        </p:style>
+        <p:txBody>
+          <a:bodyPr rtlCol="0" anchor="ctr"/>
+          <a:lstStyle/>
+          <a:p>
+            <a:pPr algn="ctr"/>
+            <a:r>
+              <a:rPr lang="zh-CN" altLang="en-US" sz="1400" dirty="0">
                 <a:solidFill>
                   <a:schemeClr val="tx1"/>
                 </a:solidFill>
-                <a:latin typeface="+mn-ea"/>
               </a:rPr>
-              <a:t>最小误差</a:t>
+              <a:t>不同频率下的信号分量</a:t>
+            </a:r>
+          </a:p>
+        </p:txBody>
+      </p:sp>
+      <p:sp>
+        <p:nvSpPr>
+          <p:cNvPr id="32" name="箭头: 右 31">
+            <a:extLst>
+              <a:ext uri="{FF2B5EF4-FFF2-40B4-BE49-F238E27FC236}">
+                <a16:creationId xmlns:a16="http://schemas.microsoft.com/office/drawing/2014/main" id="{4C55AA1E-825E-9AA4-16C2-DAB75CDD5238}"/>
+              </a:ext>
+            </a:extLst>
+          </p:cNvPr>
+          <p:cNvSpPr/>
+          <p:nvPr/>
+        </p:nvSpPr>
+        <p:spPr>
+          <a:xfrm>
+            <a:off x="11152368" y="2933146"/>
+            <a:ext cx="233218" cy="297433"/>
+          </a:xfrm>
+          <a:prstGeom prst="rightArrow">
+            <a:avLst/>
+          </a:prstGeom>
+          <a:solidFill>
+            <a:schemeClr val="accent1">
+              <a:lumMod val="40000"/>
+              <a:lumOff val="60000"/>
+            </a:schemeClr>
+          </a:solidFill>
+          <a:ln>
+            <a:solidFill>
+              <a:schemeClr val="tx1"/>
+            </a:solidFill>
+          </a:ln>
+        </p:spPr>
+        <p:style>
+          <a:lnRef idx="2">
+            <a:schemeClr val="accent1">
+              <a:shade val="15000"/>
+            </a:schemeClr>
+          </a:lnRef>
+          <a:fillRef idx="1">
+            <a:schemeClr val="accent1"/>
+          </a:fillRef>
+          <a:effectRef idx="0">
+            <a:schemeClr val="accent1"/>
+          </a:effectRef>
+          <a:fontRef idx="minor">
+            <a:schemeClr val="lt1"/>
+          </a:fontRef>
+        </p:style>
+        <p:txBody>
+          <a:bodyPr rtlCol="0" anchor="ctr"/>
+          <a:lstStyle/>
+          <a:p>
+            <a:pPr algn="ctr"/>
+            <a:endParaRPr lang="zh-CN" altLang="en-US"/>
+          </a:p>
+        </p:txBody>
+      </p:sp>
+      <p:sp>
+        <p:nvSpPr>
+          <p:cNvPr id="33" name="矩形: 圆角 32">
+            <a:extLst>
+              <a:ext uri="{FF2B5EF4-FFF2-40B4-BE49-F238E27FC236}">
+                <a16:creationId xmlns:a16="http://schemas.microsoft.com/office/drawing/2014/main" id="{3CDE7CB4-E973-4E73-4FD6-D3A4276332CD}"/>
+              </a:ext>
+            </a:extLst>
+          </p:cNvPr>
+          <p:cNvSpPr/>
+          <p:nvPr/>
+        </p:nvSpPr>
+        <p:spPr>
+          <a:xfrm>
+            <a:off x="11429898" y="2830940"/>
+            <a:ext cx="718517" cy="469567"/>
+          </a:xfrm>
+          <a:prstGeom prst="roundRect">
+            <a:avLst/>
+          </a:prstGeom>
+          <a:solidFill>
+            <a:schemeClr val="accent1">
+              <a:lumMod val="40000"/>
+              <a:lumOff val="60000"/>
+            </a:schemeClr>
+          </a:solidFill>
+        </p:spPr>
+        <p:style>
+          <a:lnRef idx="2">
+            <a:schemeClr val="accent1">
+              <a:shade val="15000"/>
+            </a:schemeClr>
+          </a:lnRef>
+          <a:fillRef idx="1">
+            <a:schemeClr val="accent1"/>
+          </a:fillRef>
+          <a:effectRef idx="0">
+            <a:schemeClr val="accent1"/>
+          </a:effectRef>
+          <a:fontRef idx="minor">
+            <a:schemeClr val="lt1"/>
+          </a:fontRef>
+        </p:style>
+        <p:txBody>
+          <a:bodyPr rtlCol="0" anchor="ctr"/>
+          <a:lstStyle/>
+          <a:p>
+            <a:pPr algn="ctr"/>
+            <a:r>
+              <a:rPr lang="zh-CN" altLang="en-US" sz="1400" dirty="0"/>
+              <a:t>预测结果</a:t>
+            </a:r>
+          </a:p>
+        </p:txBody>
+      </p:sp>
+      <p:sp>
+        <p:nvSpPr>
+          <p:cNvPr id="34" name="椭圆 33">
+            <a:extLst>
+              <a:ext uri="{FF2B5EF4-FFF2-40B4-BE49-F238E27FC236}">
+                <a16:creationId xmlns:a16="http://schemas.microsoft.com/office/drawing/2014/main" id="{5FC54F6C-01F0-592A-3077-BD39D1F61648}"/>
+              </a:ext>
+            </a:extLst>
+          </p:cNvPr>
+          <p:cNvSpPr/>
+          <p:nvPr/>
+        </p:nvSpPr>
+        <p:spPr>
+          <a:xfrm>
+            <a:off x="5496745" y="5870128"/>
+            <a:ext cx="552001" cy="236274"/>
+          </a:xfrm>
+          <a:prstGeom prst="ellipse">
+            <a:avLst/>
+          </a:prstGeom>
+          <a:solidFill>
+            <a:schemeClr val="accent1">
+              <a:lumMod val="40000"/>
+              <a:lumOff val="60000"/>
+            </a:schemeClr>
+          </a:solidFill>
+        </p:spPr>
+        <p:style>
+          <a:lnRef idx="2">
+            <a:schemeClr val="accent1">
+              <a:shade val="15000"/>
+            </a:schemeClr>
+          </a:lnRef>
+          <a:fillRef idx="1">
+            <a:schemeClr val="accent1"/>
+          </a:fillRef>
+          <a:effectRef idx="0">
+            <a:schemeClr val="accent1"/>
+          </a:effectRef>
+          <a:fontRef idx="minor">
+            <a:schemeClr val="lt1"/>
+          </a:fontRef>
+        </p:style>
+        <p:txBody>
+          <a:bodyPr rtlCol="0" anchor="ctr"/>
+          <a:lstStyle/>
+          <a:p>
+            <a:pPr algn="ctr"/>
+            <a:r>
+              <a:rPr lang="zh-CN" altLang="en-US" sz="800" dirty="0"/>
+              <a:t>特征</a:t>
+            </a:r>
+            <a:r>
+              <a:rPr lang="en-US" altLang="zh-CN" sz="800" dirty="0"/>
+              <a:t>1</a:t>
+            </a:r>
+            <a:endParaRPr lang="zh-CN" altLang="en-US" sz="800" dirty="0"/>
+          </a:p>
+        </p:txBody>
+      </p:sp>
+      <p:cxnSp>
+        <p:nvCxnSpPr>
+          <p:cNvPr id="37" name="直接箭头连接符 36">
+            <a:extLst>
+              <a:ext uri="{FF2B5EF4-FFF2-40B4-BE49-F238E27FC236}">
+                <a16:creationId xmlns:a16="http://schemas.microsoft.com/office/drawing/2014/main" id="{CB038E13-9780-47C0-AF4F-0841667723B3}"/>
+              </a:ext>
+            </a:extLst>
+          </p:cNvPr>
+          <p:cNvCxnSpPr>
+            <a:cxnSpLocks/>
+          </p:cNvCxnSpPr>
+          <p:nvPr/>
+        </p:nvCxnSpPr>
+        <p:spPr>
+          <a:xfrm flipH="1">
+            <a:off x="5865502" y="5688527"/>
+            <a:ext cx="639" cy="128282"/>
+          </a:xfrm>
+          <a:prstGeom prst="straightConnector1">
+            <a:avLst/>
+          </a:prstGeom>
+          <a:ln>
+            <a:tailEnd type="triangle"/>
+          </a:ln>
+        </p:spPr>
+        <p:style>
+          <a:lnRef idx="1">
+            <a:schemeClr val="accent1"/>
+          </a:lnRef>
+          <a:fillRef idx="0">
+            <a:schemeClr val="accent1"/>
+          </a:fillRef>
+          <a:effectRef idx="0">
+            <a:schemeClr val="accent1"/>
+          </a:effectRef>
+          <a:fontRef idx="minor">
+            <a:schemeClr val="tx1"/>
+          </a:fontRef>
+        </p:style>
+      </p:cxnSp>
+      <p:cxnSp>
+        <p:nvCxnSpPr>
+          <p:cNvPr id="41" name="直接箭头连接符 40">
+            <a:extLst>
+              <a:ext uri="{FF2B5EF4-FFF2-40B4-BE49-F238E27FC236}">
+                <a16:creationId xmlns:a16="http://schemas.microsoft.com/office/drawing/2014/main" id="{3E489D9E-98BE-54AA-0DB7-63698CB26BAA}"/>
+              </a:ext>
+            </a:extLst>
+          </p:cNvPr>
+          <p:cNvCxnSpPr>
+            <a:cxnSpLocks/>
+          </p:cNvCxnSpPr>
+          <p:nvPr/>
+        </p:nvCxnSpPr>
+        <p:spPr>
+          <a:xfrm>
+            <a:off x="6245340" y="5688527"/>
+            <a:ext cx="110629" cy="128282"/>
+          </a:xfrm>
+          <a:prstGeom prst="straightConnector1">
+            <a:avLst/>
+          </a:prstGeom>
+          <a:ln>
+            <a:tailEnd type="triangle"/>
+          </a:ln>
+        </p:spPr>
+        <p:style>
+          <a:lnRef idx="1">
+            <a:schemeClr val="accent1"/>
+          </a:lnRef>
+          <a:fillRef idx="0">
+            <a:schemeClr val="accent1"/>
+          </a:fillRef>
+          <a:effectRef idx="0">
+            <a:schemeClr val="accent1"/>
+          </a:effectRef>
+          <a:fontRef idx="minor">
+            <a:schemeClr val="tx1"/>
+          </a:fontRef>
+        </p:style>
+      </p:cxnSp>
+      <p:sp>
+        <p:nvSpPr>
+          <p:cNvPr id="43" name="椭圆 42">
+            <a:extLst>
+              <a:ext uri="{FF2B5EF4-FFF2-40B4-BE49-F238E27FC236}">
+                <a16:creationId xmlns:a16="http://schemas.microsoft.com/office/drawing/2014/main" id="{4519FCD8-A262-9279-60C2-31FA4CC57C99}"/>
+              </a:ext>
+            </a:extLst>
+          </p:cNvPr>
+          <p:cNvSpPr/>
+          <p:nvPr/>
+        </p:nvSpPr>
+        <p:spPr>
+          <a:xfrm>
+            <a:off x="6088618" y="5870128"/>
+            <a:ext cx="552001" cy="236274"/>
+          </a:xfrm>
+          <a:prstGeom prst="ellipse">
+            <a:avLst/>
+          </a:prstGeom>
+          <a:solidFill>
+            <a:schemeClr val="accent1">
+              <a:lumMod val="40000"/>
+              <a:lumOff val="60000"/>
+            </a:schemeClr>
+          </a:solidFill>
+        </p:spPr>
+        <p:style>
+          <a:lnRef idx="2">
+            <a:schemeClr val="accent1">
+              <a:shade val="15000"/>
+            </a:schemeClr>
+          </a:lnRef>
+          <a:fillRef idx="1">
+            <a:schemeClr val="accent1"/>
+          </a:fillRef>
+          <a:effectRef idx="0">
+            <a:schemeClr val="accent1"/>
+          </a:effectRef>
+          <a:fontRef idx="minor">
+            <a:schemeClr val="lt1"/>
+          </a:fontRef>
+        </p:style>
+        <p:txBody>
+          <a:bodyPr rtlCol="0" anchor="ctr"/>
+          <a:lstStyle/>
+          <a:p>
+            <a:pPr algn="ctr"/>
+            <a:r>
+              <a:rPr lang="zh-CN" altLang="en-US" sz="800" dirty="0"/>
+              <a:t>特征</a:t>
+            </a:r>
+            <a:r>
+              <a:rPr lang="en-US" altLang="zh-CN" sz="800" dirty="0"/>
+              <a:t>2</a:t>
+            </a:r>
+            <a:endParaRPr lang="zh-CN" altLang="en-US" sz="800" dirty="0"/>
+          </a:p>
+        </p:txBody>
+      </p:sp>
+      <p:sp>
+        <p:nvSpPr>
+          <p:cNvPr id="45" name="椭圆 44">
+            <a:extLst>
+              <a:ext uri="{FF2B5EF4-FFF2-40B4-BE49-F238E27FC236}">
+                <a16:creationId xmlns:a16="http://schemas.microsoft.com/office/drawing/2014/main" id="{6D5362E0-F1D9-D074-CBC0-9FAEEBBA6B44}"/>
+              </a:ext>
+            </a:extLst>
+          </p:cNvPr>
+          <p:cNvSpPr/>
+          <p:nvPr/>
+        </p:nvSpPr>
+        <p:spPr>
+          <a:xfrm>
+            <a:off x="6734395" y="5861840"/>
+            <a:ext cx="552001" cy="236274"/>
+          </a:xfrm>
+          <a:prstGeom prst="ellipse">
+            <a:avLst/>
+          </a:prstGeom>
+          <a:solidFill>
+            <a:schemeClr val="accent1">
+              <a:lumMod val="40000"/>
+              <a:lumOff val="60000"/>
+            </a:schemeClr>
+          </a:solidFill>
+        </p:spPr>
+        <p:style>
+          <a:lnRef idx="2">
+            <a:schemeClr val="accent1">
+              <a:shade val="15000"/>
+            </a:schemeClr>
+          </a:lnRef>
+          <a:fillRef idx="1">
+            <a:schemeClr val="accent1"/>
+          </a:fillRef>
+          <a:effectRef idx="0">
+            <a:schemeClr val="accent1"/>
+          </a:effectRef>
+          <a:fontRef idx="minor">
+            <a:schemeClr val="lt1"/>
+          </a:fontRef>
+        </p:style>
+        <p:txBody>
+          <a:bodyPr rtlCol="0" anchor="ctr"/>
+          <a:lstStyle/>
+          <a:p>
+            <a:pPr algn="ctr"/>
+            <a:r>
+              <a:rPr lang="zh-CN" altLang="en-US" sz="800" dirty="0"/>
+              <a:t>特征</a:t>
+            </a:r>
+            <a:r>
+              <a:rPr lang="en-US" altLang="zh-CN" sz="800" dirty="0"/>
+              <a:t>5</a:t>
+            </a:r>
+            <a:endParaRPr lang="zh-CN" altLang="en-US" sz="800" dirty="0"/>
+          </a:p>
+        </p:txBody>
+      </p:sp>
+      <p:cxnSp>
+        <p:nvCxnSpPr>
+          <p:cNvPr id="46" name="直接箭头连接符 45">
+            <a:extLst>
+              <a:ext uri="{FF2B5EF4-FFF2-40B4-BE49-F238E27FC236}">
+                <a16:creationId xmlns:a16="http://schemas.microsoft.com/office/drawing/2014/main" id="{36A960C1-6A8E-EAF7-5D31-F279ACC7BE25}"/>
+              </a:ext>
+            </a:extLst>
+          </p:cNvPr>
+          <p:cNvCxnSpPr>
+            <a:cxnSpLocks/>
+          </p:cNvCxnSpPr>
+          <p:nvPr/>
+        </p:nvCxnSpPr>
+        <p:spPr>
+          <a:xfrm flipH="1">
+            <a:off x="7033795" y="5693943"/>
+            <a:ext cx="639" cy="128282"/>
+          </a:xfrm>
+          <a:prstGeom prst="straightConnector1">
+            <a:avLst/>
+          </a:prstGeom>
+          <a:ln>
+            <a:tailEnd type="triangle"/>
+          </a:ln>
+        </p:spPr>
+        <p:style>
+          <a:lnRef idx="1">
+            <a:schemeClr val="accent1"/>
+          </a:lnRef>
+          <a:fillRef idx="0">
+            <a:schemeClr val="accent1"/>
+          </a:fillRef>
+          <a:effectRef idx="0">
+            <a:schemeClr val="accent1"/>
+          </a:effectRef>
+          <a:fontRef idx="minor">
+            <a:schemeClr val="tx1"/>
+          </a:fontRef>
+        </p:style>
+      </p:cxnSp>
+      <p:cxnSp>
+        <p:nvCxnSpPr>
+          <p:cNvPr id="47" name="直接箭头连接符 46">
+            <a:extLst>
+              <a:ext uri="{FF2B5EF4-FFF2-40B4-BE49-F238E27FC236}">
+                <a16:creationId xmlns:a16="http://schemas.microsoft.com/office/drawing/2014/main" id="{4AB68D3D-06E5-A0E3-1F75-6D9F355C8CCA}"/>
+              </a:ext>
+            </a:extLst>
+          </p:cNvPr>
+          <p:cNvCxnSpPr>
+            <a:cxnSpLocks/>
+          </p:cNvCxnSpPr>
+          <p:nvPr/>
+        </p:nvCxnSpPr>
+        <p:spPr>
+          <a:xfrm>
+            <a:off x="7492083" y="5693943"/>
+            <a:ext cx="110629" cy="128282"/>
+          </a:xfrm>
+          <a:prstGeom prst="straightConnector1">
+            <a:avLst/>
+          </a:prstGeom>
+          <a:ln>
+            <a:tailEnd type="triangle"/>
+          </a:ln>
+        </p:spPr>
+        <p:style>
+          <a:lnRef idx="1">
+            <a:schemeClr val="accent1"/>
+          </a:lnRef>
+          <a:fillRef idx="0">
+            <a:schemeClr val="accent1"/>
+          </a:fillRef>
+          <a:effectRef idx="0">
+            <a:schemeClr val="accent1"/>
+          </a:effectRef>
+          <a:fontRef idx="minor">
+            <a:schemeClr val="tx1"/>
+          </a:fontRef>
+        </p:style>
+      </p:cxnSp>
+      <p:sp>
+        <p:nvSpPr>
+          <p:cNvPr id="48" name="椭圆 47">
+            <a:extLst>
+              <a:ext uri="{FF2B5EF4-FFF2-40B4-BE49-F238E27FC236}">
+                <a16:creationId xmlns:a16="http://schemas.microsoft.com/office/drawing/2014/main" id="{7016C49F-1C62-1D73-B52B-52A18B5C8A8A}"/>
+              </a:ext>
+            </a:extLst>
+          </p:cNvPr>
+          <p:cNvSpPr/>
+          <p:nvPr/>
+        </p:nvSpPr>
+        <p:spPr>
+          <a:xfrm>
+            <a:off x="7364200" y="5880033"/>
+            <a:ext cx="552001" cy="236274"/>
+          </a:xfrm>
+          <a:prstGeom prst="ellipse">
+            <a:avLst/>
+          </a:prstGeom>
+          <a:solidFill>
+            <a:schemeClr val="accent1">
+              <a:lumMod val="40000"/>
+              <a:lumOff val="60000"/>
+            </a:schemeClr>
+          </a:solidFill>
+        </p:spPr>
+        <p:style>
+          <a:lnRef idx="2">
+            <a:schemeClr val="accent1">
+              <a:shade val="15000"/>
+            </a:schemeClr>
+          </a:lnRef>
+          <a:fillRef idx="1">
+            <a:schemeClr val="accent1"/>
+          </a:fillRef>
+          <a:effectRef idx="0">
+            <a:schemeClr val="accent1"/>
+          </a:effectRef>
+          <a:fontRef idx="minor">
+            <a:schemeClr val="lt1"/>
+          </a:fontRef>
+        </p:style>
+        <p:txBody>
+          <a:bodyPr rtlCol="0" anchor="ctr"/>
+          <a:lstStyle/>
+          <a:p>
+            <a:pPr algn="ctr"/>
+            <a:r>
+              <a:rPr lang="zh-CN" altLang="en-US" sz="800" dirty="0"/>
+              <a:t>特征</a:t>
+            </a:r>
+            <a:r>
+              <a:rPr lang="en-US" altLang="zh-CN" sz="800" dirty="0"/>
+              <a:t>6</a:t>
+            </a:r>
+            <a:endParaRPr lang="zh-CN" altLang="en-US" sz="800" dirty="0"/>
+          </a:p>
+        </p:txBody>
+      </p:sp>
+      <p:sp>
+        <p:nvSpPr>
+          <p:cNvPr id="49" name="椭圆 48">
+            <a:extLst>
+              <a:ext uri="{FF2B5EF4-FFF2-40B4-BE49-F238E27FC236}">
+                <a16:creationId xmlns:a16="http://schemas.microsoft.com/office/drawing/2014/main" id="{659D6AD0-535B-3096-FAEE-3248D0DF1FB2}"/>
+              </a:ext>
+            </a:extLst>
+          </p:cNvPr>
+          <p:cNvSpPr/>
+          <p:nvPr/>
+        </p:nvSpPr>
+        <p:spPr>
+          <a:xfrm>
+            <a:off x="7677525" y="5495006"/>
+            <a:ext cx="114881" cy="108830"/>
+          </a:xfrm>
+          <a:prstGeom prst="ellipse">
+            <a:avLst/>
+          </a:prstGeom>
+        </p:spPr>
+        <p:style>
+          <a:lnRef idx="2">
+            <a:schemeClr val="dk1">
+              <a:shade val="15000"/>
+            </a:schemeClr>
+          </a:lnRef>
+          <a:fillRef idx="1">
+            <a:schemeClr val="dk1"/>
+          </a:fillRef>
+          <a:effectRef idx="0">
+            <a:schemeClr val="dk1"/>
+          </a:effectRef>
+          <a:fontRef idx="minor">
+            <a:schemeClr val="lt1"/>
+          </a:fontRef>
+        </p:style>
+        <p:txBody>
+          <a:bodyPr rtlCol="0" anchor="ctr"/>
+          <a:lstStyle/>
+          <a:p>
+            <a:pPr algn="ctr"/>
+            <a:endParaRPr lang="zh-CN" altLang="en-US" sz="800"/>
+          </a:p>
+        </p:txBody>
+      </p:sp>
+      <p:sp>
+        <p:nvSpPr>
+          <p:cNvPr id="50" name="椭圆 49">
+            <a:extLst>
+              <a:ext uri="{FF2B5EF4-FFF2-40B4-BE49-F238E27FC236}">
+                <a16:creationId xmlns:a16="http://schemas.microsoft.com/office/drawing/2014/main" id="{F4F1FC3E-C884-C81E-38D3-E73A48B5FD20}"/>
+              </a:ext>
+            </a:extLst>
+          </p:cNvPr>
+          <p:cNvSpPr/>
+          <p:nvPr/>
+        </p:nvSpPr>
+        <p:spPr>
+          <a:xfrm>
+            <a:off x="7940018" y="5495006"/>
+            <a:ext cx="114881" cy="108830"/>
+          </a:xfrm>
+          <a:prstGeom prst="ellipse">
+            <a:avLst/>
+          </a:prstGeom>
+        </p:spPr>
+        <p:style>
+          <a:lnRef idx="2">
+            <a:schemeClr val="dk1">
+              <a:shade val="15000"/>
+            </a:schemeClr>
+          </a:lnRef>
+          <a:fillRef idx="1">
+            <a:schemeClr val="dk1"/>
+          </a:fillRef>
+          <a:effectRef idx="0">
+            <a:schemeClr val="dk1"/>
+          </a:effectRef>
+          <a:fontRef idx="minor">
+            <a:schemeClr val="lt1"/>
+          </a:fontRef>
+        </p:style>
+        <p:txBody>
+          <a:bodyPr rtlCol="0" anchor="ctr"/>
+          <a:lstStyle/>
+          <a:p>
+            <a:pPr algn="ctr"/>
+            <a:endParaRPr lang="zh-CN" altLang="en-US" sz="800"/>
+          </a:p>
+        </p:txBody>
+      </p:sp>
+      <p:sp>
+        <p:nvSpPr>
+          <p:cNvPr id="51" name="椭圆 50">
+            <a:extLst>
+              <a:ext uri="{FF2B5EF4-FFF2-40B4-BE49-F238E27FC236}">
+                <a16:creationId xmlns:a16="http://schemas.microsoft.com/office/drawing/2014/main" id="{6D5A6355-697C-C4C0-03A5-6C5B8E11AD27}"/>
+              </a:ext>
+            </a:extLst>
+          </p:cNvPr>
+          <p:cNvSpPr/>
+          <p:nvPr/>
+        </p:nvSpPr>
+        <p:spPr>
+          <a:xfrm>
+            <a:off x="8223273" y="5495006"/>
+            <a:ext cx="114881" cy="108830"/>
+          </a:xfrm>
+          <a:prstGeom prst="ellipse">
+            <a:avLst/>
+          </a:prstGeom>
+        </p:spPr>
+        <p:style>
+          <a:lnRef idx="2">
+            <a:schemeClr val="dk1">
+              <a:shade val="15000"/>
+            </a:schemeClr>
+          </a:lnRef>
+          <a:fillRef idx="1">
+            <a:schemeClr val="dk1"/>
+          </a:fillRef>
+          <a:effectRef idx="0">
+            <a:schemeClr val="dk1"/>
+          </a:effectRef>
+          <a:fontRef idx="minor">
+            <a:schemeClr val="lt1"/>
+          </a:fontRef>
+        </p:style>
+        <p:txBody>
+          <a:bodyPr rtlCol="0" anchor="ctr"/>
+          <a:lstStyle/>
+          <a:p>
+            <a:pPr algn="ctr"/>
+            <a:endParaRPr lang="zh-CN" altLang="en-US" sz="800"/>
+          </a:p>
+        </p:txBody>
+      </p:sp>
+      <p:sp>
+        <p:nvSpPr>
+          <p:cNvPr id="52" name="矩形 51">
+            <a:extLst>
+              <a:ext uri="{FF2B5EF4-FFF2-40B4-BE49-F238E27FC236}">
+                <a16:creationId xmlns:a16="http://schemas.microsoft.com/office/drawing/2014/main" id="{5B7DE179-D083-B11E-2D2E-78336E584264}"/>
+              </a:ext>
+            </a:extLst>
+          </p:cNvPr>
+          <p:cNvSpPr/>
+          <p:nvPr/>
+        </p:nvSpPr>
+        <p:spPr>
+          <a:xfrm>
+            <a:off x="6564847" y="4246045"/>
+            <a:ext cx="1066655" cy="655836"/>
+          </a:xfrm>
+          <a:prstGeom prst="rect">
+            <a:avLst/>
+          </a:prstGeom>
+          <a:solidFill>
+            <a:schemeClr val="bg2"/>
+          </a:solidFill>
+          <a:ln>
+            <a:solidFill>
+              <a:schemeClr val="tx2">
+                <a:lumMod val="20000"/>
+                <a:lumOff val="80000"/>
+              </a:schemeClr>
+            </a:solidFill>
+          </a:ln>
+        </p:spPr>
+        <p:style>
+          <a:lnRef idx="2">
+            <a:schemeClr val="accent1">
+              <a:shade val="15000"/>
+            </a:schemeClr>
+          </a:lnRef>
+          <a:fillRef idx="1">
+            <a:schemeClr val="accent1"/>
+          </a:fillRef>
+          <a:effectRef idx="0">
+            <a:schemeClr val="accent1"/>
+          </a:effectRef>
+          <a:fontRef idx="minor">
+            <a:schemeClr val="lt1"/>
+          </a:fontRef>
+        </p:style>
+        <p:txBody>
+          <a:bodyPr rtlCol="0" anchor="ctr"/>
+          <a:lstStyle/>
+          <a:p>
+            <a:pPr algn="ctr"/>
+            <a:r>
+              <a:rPr lang="en-US" altLang="zh-CN" sz="800" dirty="0" err="1">
+                <a:solidFill>
+                  <a:srgbClr val="067D17"/>
+                </a:solidFill>
+                <a:effectLst/>
+                <a:latin typeface="JetBrains Mono"/>
+              </a:rPr>
+              <a:t>learning_rate</a:t>
+            </a:r>
+            <a:r>
+              <a:rPr lang="en-US" altLang="zh-CN" sz="800" dirty="0">
+                <a:solidFill>
+                  <a:srgbClr val="080808"/>
+                </a:solidFill>
+                <a:effectLst/>
+                <a:latin typeface="JetBrains Mono"/>
+              </a:rPr>
+              <a:t> </a:t>
+            </a:r>
+            <a:r>
+              <a:rPr lang="en-US" altLang="zh-CN" sz="800" dirty="0" err="1">
+                <a:solidFill>
+                  <a:srgbClr val="067D17"/>
+                </a:solidFill>
+                <a:effectLst/>
+                <a:latin typeface="JetBrains Mono"/>
+              </a:rPr>
+              <a:t>n_estimators</a:t>
+            </a:r>
+            <a:endParaRPr lang="en-US" altLang="zh-CN" sz="800" dirty="0">
+              <a:solidFill>
+                <a:srgbClr val="067D17"/>
+              </a:solidFill>
+              <a:effectLst/>
+              <a:latin typeface="JetBrains Mono"/>
+            </a:endParaRPr>
+          </a:p>
+          <a:p>
+            <a:pPr algn="ctr"/>
+            <a:r>
+              <a:rPr lang="en-US" altLang="zh-CN" sz="800" dirty="0" err="1">
+                <a:solidFill>
+                  <a:srgbClr val="067D17"/>
+                </a:solidFill>
+                <a:effectLst/>
+                <a:latin typeface="JetBrains Mono"/>
+              </a:rPr>
+              <a:t>max_depth</a:t>
             </a:r>
             <a:br>
-              <a:rPr lang="en-US" altLang="zh-CN" sz="2400" dirty="0">
+              <a:rPr lang="en-US" altLang="zh-CN" sz="800" dirty="0">
                 <a:solidFill>
-                  <a:schemeClr val="tx1"/>
+                  <a:srgbClr val="080808"/>
                 </a:solidFill>
-                <a:latin typeface="+mn-ea"/>
+                <a:effectLst/>
+                <a:latin typeface="JetBrains Mono"/>
               </a:rPr>
             </a:br>
             <a:r>
-              <a:rPr lang="zh-CN" altLang="en-US" sz="2400" dirty="0">
+              <a:rPr lang="en-US" altLang="zh-CN" sz="800" dirty="0">
                 <a:solidFill>
-                  <a:schemeClr val="tx1"/>
-                </a:solidFill>
-                <a:latin typeface="+mn-ea"/>
-              </a:rPr>
-              <a:t>判断</a:t>
-            </a:r>
-          </a:p>
-        </p:txBody>
-      </p:sp>
-      <p:sp>
-        <p:nvSpPr>
-          <p:cNvPr id="8" name="文本框 7">
-            <a:extLst>
-              <a:ext uri="{FF2B5EF4-FFF2-40B4-BE49-F238E27FC236}">
-                <a16:creationId xmlns:a16="http://schemas.microsoft.com/office/drawing/2014/main" id="{5CE18F2A-ECB4-7893-25D4-A1B2282F00E9}"/>
-              </a:ext>
-            </a:extLst>
-          </p:cNvPr>
-          <p:cNvSpPr txBox="1"/>
-          <p:nvPr/>
-        </p:nvSpPr>
-        <p:spPr>
-          <a:xfrm>
-            <a:off x="3835879" y="1525107"/>
-            <a:ext cx="1415772" cy="461665"/>
-          </a:xfrm>
-          <a:prstGeom prst="rect">
-            <a:avLst/>
-          </a:prstGeom>
-          <a:noFill/>
-        </p:spPr>
-        <p:txBody>
-          <a:bodyPr wrap="none" rtlCol="0">
-            <a:spAutoFit/>
-          </a:bodyPr>
-          <a:lstStyle/>
-          <a:p>
-            <a:r>
-              <a:rPr lang="zh-CN" altLang="en-US" sz="2400" dirty="0">
-                <a:latin typeface="+mn-ea"/>
-              </a:rPr>
-              <a:t>模态分解</a:t>
-            </a:r>
-          </a:p>
-        </p:txBody>
-      </p:sp>
-      <p:sp>
-        <p:nvSpPr>
-          <p:cNvPr id="12" name="文本框 11">
-            <a:extLst>
-              <a:ext uri="{FF2B5EF4-FFF2-40B4-BE49-F238E27FC236}">
-                <a16:creationId xmlns:a16="http://schemas.microsoft.com/office/drawing/2014/main" id="{2CD99D08-8020-40CF-EF54-EFA6E475D851}"/>
-              </a:ext>
-            </a:extLst>
-          </p:cNvPr>
-          <p:cNvSpPr txBox="1"/>
-          <p:nvPr/>
-        </p:nvSpPr>
-        <p:spPr>
-          <a:xfrm>
-            <a:off x="3180439" y="3519756"/>
-            <a:ext cx="1415772" cy="461665"/>
-          </a:xfrm>
-          <a:prstGeom prst="rect">
-            <a:avLst/>
-          </a:prstGeom>
-          <a:noFill/>
-        </p:spPr>
-        <p:txBody>
-          <a:bodyPr wrap="none" rtlCol="0">
-            <a:spAutoFit/>
-          </a:bodyPr>
-          <a:lstStyle/>
-          <a:p>
-            <a:r>
-              <a:rPr lang="zh-CN" altLang="en-US" sz="2400" dirty="0">
-                <a:latin typeface="+mn-ea"/>
-              </a:rPr>
-              <a:t>高频分量</a:t>
-            </a:r>
-          </a:p>
-        </p:txBody>
-      </p:sp>
-      <p:sp>
-        <p:nvSpPr>
-          <p:cNvPr id="13" name="文本框 12">
-            <a:extLst>
-              <a:ext uri="{FF2B5EF4-FFF2-40B4-BE49-F238E27FC236}">
-                <a16:creationId xmlns:a16="http://schemas.microsoft.com/office/drawing/2014/main" id="{D200FD91-38B3-A1D0-5012-E70B813DE086}"/>
-              </a:ext>
-            </a:extLst>
-          </p:cNvPr>
-          <p:cNvSpPr txBox="1"/>
-          <p:nvPr/>
-        </p:nvSpPr>
-        <p:spPr>
-          <a:xfrm>
-            <a:off x="4599972" y="3519756"/>
-            <a:ext cx="1415772" cy="461665"/>
-          </a:xfrm>
-          <a:prstGeom prst="rect">
-            <a:avLst/>
-          </a:prstGeom>
-          <a:noFill/>
-        </p:spPr>
-        <p:txBody>
-          <a:bodyPr wrap="none" rtlCol="0">
-            <a:spAutoFit/>
-          </a:bodyPr>
-          <a:lstStyle/>
-          <a:p>
-            <a:r>
-              <a:rPr lang="zh-CN" altLang="en-US" sz="2400" dirty="0">
-                <a:latin typeface="+mn-ea"/>
-              </a:rPr>
-              <a:t>低频分量</a:t>
-            </a:r>
-          </a:p>
-        </p:txBody>
-      </p:sp>
-      <p:sp>
-        <p:nvSpPr>
-          <p:cNvPr id="14" name="文本框 13">
-            <a:extLst>
-              <a:ext uri="{FF2B5EF4-FFF2-40B4-BE49-F238E27FC236}">
-                <a16:creationId xmlns:a16="http://schemas.microsoft.com/office/drawing/2014/main" id="{5F458B76-E0A6-60DE-EAE5-E06BDB7E991B}"/>
-              </a:ext>
-            </a:extLst>
-          </p:cNvPr>
-          <p:cNvSpPr txBox="1"/>
-          <p:nvPr/>
-        </p:nvSpPr>
-        <p:spPr>
-          <a:xfrm>
-            <a:off x="4599972" y="4489067"/>
-            <a:ext cx="1415772" cy="461665"/>
-          </a:xfrm>
-          <a:prstGeom prst="rect">
-            <a:avLst/>
-          </a:prstGeom>
-          <a:noFill/>
-        </p:spPr>
-        <p:txBody>
-          <a:bodyPr wrap="none" rtlCol="0">
-            <a:spAutoFit/>
-          </a:bodyPr>
-          <a:lstStyle/>
-          <a:p>
-            <a:r>
-              <a:rPr lang="zh-CN" altLang="en-US" sz="2400" dirty="0">
-                <a:latin typeface="+mn-ea"/>
-              </a:rPr>
-              <a:t>直接融合</a:t>
-            </a:r>
-          </a:p>
-        </p:txBody>
-      </p:sp>
-      <p:sp>
-        <p:nvSpPr>
-          <p:cNvPr id="15" name="文本框 14">
-            <a:extLst>
-              <a:ext uri="{FF2B5EF4-FFF2-40B4-BE49-F238E27FC236}">
-                <a16:creationId xmlns:a16="http://schemas.microsoft.com/office/drawing/2014/main" id="{EAB03D7B-82A1-731F-C40C-A04CFF5CE4E0}"/>
-              </a:ext>
-            </a:extLst>
-          </p:cNvPr>
-          <p:cNvSpPr txBox="1"/>
-          <p:nvPr/>
-        </p:nvSpPr>
-        <p:spPr>
-          <a:xfrm>
-            <a:off x="3216553" y="4398543"/>
-            <a:ext cx="674060" cy="1200329"/>
-          </a:xfrm>
-          <a:prstGeom prst="rect">
-            <a:avLst/>
-          </a:prstGeom>
-          <a:noFill/>
-        </p:spPr>
-        <p:txBody>
-          <a:bodyPr wrap="square" rtlCol="0">
-            <a:spAutoFit/>
-          </a:bodyPr>
-          <a:lstStyle/>
-          <a:p>
-            <a:r>
-              <a:rPr lang="zh-CN" altLang="en-US" sz="2400" dirty="0">
-                <a:latin typeface="+mn-ea"/>
-              </a:rPr>
-              <a:t>最大值</a:t>
-            </a:r>
-          </a:p>
-        </p:txBody>
-      </p:sp>
-      <p:sp>
-        <p:nvSpPr>
-          <p:cNvPr id="16" name="文本框 15">
-            <a:extLst>
-              <a:ext uri="{FF2B5EF4-FFF2-40B4-BE49-F238E27FC236}">
-                <a16:creationId xmlns:a16="http://schemas.microsoft.com/office/drawing/2014/main" id="{690A8609-EFCA-1DBC-264A-F529207AC2B2}"/>
-              </a:ext>
-            </a:extLst>
-          </p:cNvPr>
-          <p:cNvSpPr txBox="1"/>
-          <p:nvPr/>
-        </p:nvSpPr>
-        <p:spPr>
-          <a:xfrm>
-            <a:off x="3919667" y="4398543"/>
-            <a:ext cx="674060" cy="1569660"/>
-          </a:xfrm>
-          <a:prstGeom prst="rect">
-            <a:avLst/>
-          </a:prstGeom>
-          <a:noFill/>
-        </p:spPr>
-        <p:txBody>
-          <a:bodyPr wrap="square" rtlCol="0">
-            <a:spAutoFit/>
-          </a:bodyPr>
-          <a:lstStyle/>
-          <a:p>
-            <a:r>
-              <a:rPr lang="zh-CN" altLang="en-US" sz="2400" dirty="0">
-                <a:latin typeface="+mn-ea"/>
-              </a:rPr>
-              <a:t>窗口能量</a:t>
-            </a:r>
-          </a:p>
-        </p:txBody>
-      </p:sp>
-      <p:sp>
-        <p:nvSpPr>
-          <p:cNvPr id="19" name="文本框 18">
-            <a:extLst>
-              <a:ext uri="{FF2B5EF4-FFF2-40B4-BE49-F238E27FC236}">
-                <a16:creationId xmlns:a16="http://schemas.microsoft.com/office/drawing/2014/main" id="{87B3FC21-64AC-C2F5-06A4-49255F5AFDEA}"/>
-              </a:ext>
-            </a:extLst>
-          </p:cNvPr>
-          <p:cNvSpPr txBox="1"/>
-          <p:nvPr/>
-        </p:nvSpPr>
-        <p:spPr>
-          <a:xfrm>
-            <a:off x="8862204" y="1161691"/>
-            <a:ext cx="845103" cy="461665"/>
-          </a:xfrm>
-          <a:prstGeom prst="rect">
-            <a:avLst/>
-          </a:prstGeom>
-          <a:noFill/>
-        </p:spPr>
-        <p:txBody>
-          <a:bodyPr wrap="none" rtlCol="0">
-            <a:spAutoFit/>
-          </a:bodyPr>
-          <a:lstStyle/>
-          <a:p>
-            <a:r>
-              <a:rPr lang="en-US" altLang="zh-CN" sz="2400" dirty="0">
-                <a:latin typeface="+mn-ea"/>
-              </a:rPr>
-              <a:t>DNN</a:t>
-            </a:r>
-            <a:endParaRPr lang="zh-CN" altLang="en-US" sz="2400" dirty="0">
-              <a:latin typeface="+mn-ea"/>
-            </a:endParaRPr>
-          </a:p>
-        </p:txBody>
-      </p:sp>
-      <p:sp>
-        <p:nvSpPr>
-          <p:cNvPr id="21" name="文本框 20">
-            <a:extLst>
-              <a:ext uri="{FF2B5EF4-FFF2-40B4-BE49-F238E27FC236}">
-                <a16:creationId xmlns:a16="http://schemas.microsoft.com/office/drawing/2014/main" id="{1147EA98-A3AF-89FA-B821-573C3C2AA695}"/>
-              </a:ext>
-            </a:extLst>
-          </p:cNvPr>
-          <p:cNvSpPr txBox="1"/>
-          <p:nvPr/>
-        </p:nvSpPr>
-        <p:spPr>
-          <a:xfrm>
-            <a:off x="8862204" y="1755939"/>
-            <a:ext cx="2346385" cy="830997"/>
-          </a:xfrm>
-          <a:prstGeom prst="rect">
-            <a:avLst/>
-          </a:prstGeom>
-          <a:noFill/>
-        </p:spPr>
-        <p:txBody>
-          <a:bodyPr wrap="square">
-            <a:spAutoFit/>
-          </a:bodyPr>
-          <a:lstStyle/>
-          <a:p>
-            <a:r>
-              <a:rPr lang="en-US" altLang="zh-CN" sz="2400" b="0" i="0" dirty="0">
-                <a:solidFill>
-                  <a:srgbClr val="000000"/>
+                  <a:srgbClr val="067D17"/>
                 </a:solidFill>
                 <a:effectLst/>
-                <a:latin typeface="+mn-ea"/>
+                <a:latin typeface="JetBrains Mono"/>
               </a:rPr>
-              <a:t>IRes2Net-BiGRU-FC</a:t>
-            </a:r>
-            <a:endParaRPr lang="zh-CN" altLang="en-US" sz="2400" dirty="0">
-              <a:latin typeface="+mn-ea"/>
+              <a:t>subsample</a:t>
+            </a:r>
+          </a:p>
+          <a:p>
+            <a:pPr algn="ctr"/>
+            <a:r>
+              <a:rPr lang="en-US" altLang="zh-CN" sz="800" dirty="0" err="1">
+                <a:solidFill>
+                  <a:srgbClr val="067D17"/>
+                </a:solidFill>
+                <a:effectLst/>
+                <a:latin typeface="JetBrains Mono"/>
+              </a:rPr>
+              <a:t>colsample_bytree</a:t>
+            </a:r>
+            <a:endParaRPr lang="en-US" altLang="zh-CN" sz="800" dirty="0">
+              <a:solidFill>
+                <a:srgbClr val="067D17"/>
+              </a:solidFill>
+              <a:effectLst/>
+              <a:latin typeface="JetBrains Mono"/>
             </a:endParaRPr>
           </a:p>
-        </p:txBody>
-      </p:sp>
-      <p:sp>
-        <p:nvSpPr>
-          <p:cNvPr id="22" name="文本框 21">
-            <a:extLst>
-              <a:ext uri="{FF2B5EF4-FFF2-40B4-BE49-F238E27FC236}">
-                <a16:creationId xmlns:a16="http://schemas.microsoft.com/office/drawing/2014/main" id="{20B22C2E-B650-0021-D620-967CBC5CA214}"/>
-              </a:ext>
-            </a:extLst>
-          </p:cNvPr>
-          <p:cNvSpPr txBox="1"/>
-          <p:nvPr/>
-        </p:nvSpPr>
-        <p:spPr>
-          <a:xfrm>
-            <a:off x="8862204" y="4572249"/>
-            <a:ext cx="1723549" cy="461665"/>
+          <a:p>
+            <a:pPr algn="ctr"/>
+            <a:r>
+              <a:rPr lang="en-US" altLang="zh-CN" sz="800" dirty="0">
+                <a:solidFill>
+                  <a:srgbClr val="067D17"/>
+                </a:solidFill>
+                <a:effectLst/>
+                <a:latin typeface="JetBrains Mono"/>
+              </a:rPr>
+              <a:t>gamma</a:t>
+            </a:r>
+          </a:p>
+        </p:txBody>
+      </p:sp>
+      <p:sp>
+        <p:nvSpPr>
+          <p:cNvPr id="54" name="椭圆 53">
+            <a:extLst>
+              <a:ext uri="{FF2B5EF4-FFF2-40B4-BE49-F238E27FC236}">
+                <a16:creationId xmlns:a16="http://schemas.microsoft.com/office/drawing/2014/main" id="{A507E5D6-F40E-76BB-7413-872A90D9AA9C}"/>
+              </a:ext>
+            </a:extLst>
+          </p:cNvPr>
+          <p:cNvSpPr/>
+          <p:nvPr/>
+        </p:nvSpPr>
+        <p:spPr>
+          <a:xfrm>
+            <a:off x="5273691" y="6306329"/>
+            <a:ext cx="427655" cy="234148"/>
+          </a:xfrm>
+          <a:prstGeom prst="ellipse">
+            <a:avLst/>
+          </a:prstGeom>
+          <a:solidFill>
+            <a:schemeClr val="accent1">
+              <a:lumMod val="40000"/>
+              <a:lumOff val="60000"/>
+            </a:schemeClr>
+          </a:solidFill>
+        </p:spPr>
+        <p:style>
+          <a:lnRef idx="2">
+            <a:schemeClr val="accent1">
+              <a:shade val="15000"/>
+            </a:schemeClr>
+          </a:lnRef>
+          <a:fillRef idx="1">
+            <a:schemeClr val="accent1"/>
+          </a:fillRef>
+          <a:effectRef idx="0">
+            <a:schemeClr val="accent1"/>
+          </a:effectRef>
+          <a:fontRef idx="minor">
+            <a:schemeClr val="lt1"/>
+          </a:fontRef>
+        </p:style>
+        <p:txBody>
+          <a:bodyPr rtlCol="0" anchor="ctr"/>
+          <a:lstStyle/>
+          <a:p>
+            <a:pPr algn="ctr"/>
+            <a:endParaRPr lang="zh-CN" altLang="en-US" sz="800" dirty="0"/>
+          </a:p>
+        </p:txBody>
+      </p:sp>
+      <p:sp>
+        <p:nvSpPr>
+          <p:cNvPr id="55" name="椭圆 54">
+            <a:extLst>
+              <a:ext uri="{FF2B5EF4-FFF2-40B4-BE49-F238E27FC236}">
+                <a16:creationId xmlns:a16="http://schemas.microsoft.com/office/drawing/2014/main" id="{FF11A165-2EAB-CD3E-700A-244D99547E4D}"/>
+              </a:ext>
+            </a:extLst>
+          </p:cNvPr>
+          <p:cNvSpPr/>
+          <p:nvPr/>
+        </p:nvSpPr>
+        <p:spPr>
+          <a:xfrm>
+            <a:off x="5903027" y="6309617"/>
+            <a:ext cx="427655" cy="234148"/>
+          </a:xfrm>
+          <a:prstGeom prst="ellipse">
+            <a:avLst/>
+          </a:prstGeom>
+          <a:solidFill>
+            <a:schemeClr val="accent1">
+              <a:lumMod val="40000"/>
+              <a:lumOff val="60000"/>
+            </a:schemeClr>
+          </a:solidFill>
+        </p:spPr>
+        <p:style>
+          <a:lnRef idx="2">
+            <a:schemeClr val="accent1">
+              <a:shade val="15000"/>
+            </a:schemeClr>
+          </a:lnRef>
+          <a:fillRef idx="1">
+            <a:schemeClr val="accent1"/>
+          </a:fillRef>
+          <a:effectRef idx="0">
+            <a:schemeClr val="accent1"/>
+          </a:effectRef>
+          <a:fontRef idx="minor">
+            <a:schemeClr val="lt1"/>
+          </a:fontRef>
+        </p:style>
+        <p:txBody>
+          <a:bodyPr rtlCol="0" anchor="ctr"/>
+          <a:lstStyle/>
+          <a:p>
+            <a:pPr algn="ctr"/>
+            <a:endParaRPr lang="zh-CN" altLang="en-US" sz="800" dirty="0"/>
+          </a:p>
+        </p:txBody>
+      </p:sp>
+      <p:cxnSp>
+        <p:nvCxnSpPr>
+          <p:cNvPr id="56" name="直接箭头连接符 55">
+            <a:extLst>
+              <a:ext uri="{FF2B5EF4-FFF2-40B4-BE49-F238E27FC236}">
+                <a16:creationId xmlns:a16="http://schemas.microsoft.com/office/drawing/2014/main" id="{2D960326-06DB-2AA5-CED8-EF745753E4D6}"/>
+              </a:ext>
+            </a:extLst>
+          </p:cNvPr>
+          <p:cNvCxnSpPr>
+            <a:cxnSpLocks/>
+          </p:cNvCxnSpPr>
+          <p:nvPr/>
+        </p:nvCxnSpPr>
+        <p:spPr>
+          <a:xfrm flipH="1">
+            <a:off x="5603080" y="6171190"/>
+            <a:ext cx="4549" cy="108572"/>
+          </a:xfrm>
+          <a:prstGeom prst="straightConnector1">
+            <a:avLst/>
+          </a:prstGeom>
+          <a:ln>
+            <a:tailEnd type="triangle"/>
+          </a:ln>
+        </p:spPr>
+        <p:style>
+          <a:lnRef idx="1">
+            <a:schemeClr val="accent1"/>
+          </a:lnRef>
+          <a:fillRef idx="0">
+            <a:schemeClr val="accent1"/>
+          </a:fillRef>
+          <a:effectRef idx="0">
+            <a:schemeClr val="accent1"/>
+          </a:effectRef>
+          <a:fontRef idx="minor">
+            <a:schemeClr val="tx1"/>
+          </a:fontRef>
+        </p:style>
+      </p:cxnSp>
+      <p:cxnSp>
+        <p:nvCxnSpPr>
+          <p:cNvPr id="57" name="直接箭头连接符 56">
+            <a:extLst>
+              <a:ext uri="{FF2B5EF4-FFF2-40B4-BE49-F238E27FC236}">
+                <a16:creationId xmlns:a16="http://schemas.microsoft.com/office/drawing/2014/main" id="{1046FE08-A3D8-8AB6-BA8F-2A8E4EFB7BB0}"/>
+              </a:ext>
+            </a:extLst>
+          </p:cNvPr>
+          <p:cNvCxnSpPr>
+            <a:cxnSpLocks/>
+          </p:cNvCxnSpPr>
+          <p:nvPr/>
+        </p:nvCxnSpPr>
+        <p:spPr>
+          <a:xfrm>
+            <a:off x="5968568" y="6149387"/>
+            <a:ext cx="110629" cy="128282"/>
+          </a:xfrm>
+          <a:prstGeom prst="straightConnector1">
+            <a:avLst/>
+          </a:prstGeom>
+          <a:ln>
+            <a:tailEnd type="triangle"/>
+          </a:ln>
+        </p:spPr>
+        <p:style>
+          <a:lnRef idx="1">
+            <a:schemeClr val="accent1"/>
+          </a:lnRef>
+          <a:fillRef idx="0">
+            <a:schemeClr val="accent1"/>
+          </a:fillRef>
+          <a:effectRef idx="0">
+            <a:schemeClr val="accent1"/>
+          </a:effectRef>
+          <a:fontRef idx="minor">
+            <a:schemeClr val="tx1"/>
+          </a:fontRef>
+        </p:style>
+      </p:cxnSp>
+      <p:sp>
+        <p:nvSpPr>
+          <p:cNvPr id="59" name="左大括号 58">
+            <a:extLst>
+              <a:ext uri="{FF2B5EF4-FFF2-40B4-BE49-F238E27FC236}">
+                <a16:creationId xmlns:a16="http://schemas.microsoft.com/office/drawing/2014/main" id="{455A3E18-B344-0C70-9C44-5EE8781BE0DC}"/>
+              </a:ext>
+            </a:extLst>
+          </p:cNvPr>
+          <p:cNvSpPr/>
+          <p:nvPr/>
+        </p:nvSpPr>
+        <p:spPr>
+          <a:xfrm rot="5400000">
+            <a:off x="6862493" y="4224409"/>
+            <a:ext cx="204068" cy="1832245"/>
+          </a:xfrm>
+          <a:prstGeom prst="leftBrace">
+            <a:avLst>
+              <a:gd name="adj1" fmla="val 8332"/>
+              <a:gd name="adj2" fmla="val 50000"/>
+            </a:avLst>
+          </a:prstGeom>
+        </p:spPr>
+        <p:style>
+          <a:lnRef idx="1">
+            <a:schemeClr val="accent1"/>
+          </a:lnRef>
+          <a:fillRef idx="0">
+            <a:schemeClr val="accent1"/>
+          </a:fillRef>
+          <a:effectRef idx="0">
+            <a:schemeClr val="accent1"/>
+          </a:effectRef>
+          <a:fontRef idx="minor">
+            <a:schemeClr val="tx1"/>
+          </a:fontRef>
+        </p:style>
+        <p:txBody>
+          <a:bodyPr rtlCol="0" anchor="ctr"/>
+          <a:lstStyle/>
+          <a:p>
+            <a:pPr algn="ctr"/>
+            <a:endParaRPr lang="zh-CN" altLang="en-US" sz="800"/>
+          </a:p>
+        </p:txBody>
+      </p:sp>
+      <p:sp>
+        <p:nvSpPr>
+          <p:cNvPr id="63" name="箭头: 右 62">
+            <a:extLst>
+              <a:ext uri="{FF2B5EF4-FFF2-40B4-BE49-F238E27FC236}">
+                <a16:creationId xmlns:a16="http://schemas.microsoft.com/office/drawing/2014/main" id="{89C2D85A-A809-AA75-691D-8995EAF13D59}"/>
+              </a:ext>
+            </a:extLst>
+          </p:cNvPr>
+          <p:cNvSpPr/>
+          <p:nvPr/>
+        </p:nvSpPr>
+        <p:spPr>
+          <a:xfrm>
+            <a:off x="6297684" y="4410683"/>
+            <a:ext cx="229530" cy="230563"/>
+          </a:xfrm>
+          <a:prstGeom prst="rightArrow">
+            <a:avLst/>
+          </a:prstGeom>
+          <a:solidFill>
+            <a:schemeClr val="accent1">
+              <a:lumMod val="40000"/>
+              <a:lumOff val="60000"/>
+            </a:schemeClr>
+          </a:solidFill>
+          <a:ln>
+            <a:solidFill>
+              <a:schemeClr val="tx1"/>
+            </a:solidFill>
+          </a:ln>
+        </p:spPr>
+        <p:style>
+          <a:lnRef idx="2">
+            <a:schemeClr val="accent1">
+              <a:shade val="15000"/>
+            </a:schemeClr>
+          </a:lnRef>
+          <a:fillRef idx="1">
+            <a:schemeClr val="accent1"/>
+          </a:fillRef>
+          <a:effectRef idx="0">
+            <a:schemeClr val="accent1"/>
+          </a:effectRef>
+          <a:fontRef idx="minor">
+            <a:schemeClr val="lt1"/>
+          </a:fontRef>
+        </p:style>
+        <p:txBody>
+          <a:bodyPr rtlCol="0" anchor="ctr"/>
+          <a:lstStyle/>
+          <a:p>
+            <a:pPr algn="ctr"/>
+            <a:endParaRPr lang="zh-CN" altLang="en-US" sz="800"/>
+          </a:p>
+        </p:txBody>
+      </p:sp>
+      <p:sp>
+        <p:nvSpPr>
+          <p:cNvPr id="64" name="矩形 63">
+            <a:extLst>
+              <a:ext uri="{FF2B5EF4-FFF2-40B4-BE49-F238E27FC236}">
+                <a16:creationId xmlns:a16="http://schemas.microsoft.com/office/drawing/2014/main" id="{6DAF2F20-9CAF-F8EC-1BF2-0F928DCFEE92}"/>
+              </a:ext>
+            </a:extLst>
+          </p:cNvPr>
+          <p:cNvSpPr/>
+          <p:nvPr/>
+        </p:nvSpPr>
+        <p:spPr>
+          <a:xfrm>
+            <a:off x="5197210" y="4117024"/>
+            <a:ext cx="3381403" cy="2544024"/>
           </a:xfrm>
           <a:prstGeom prst="rect">
             <a:avLst/>
           </a:prstGeom>
           <a:noFill/>
-        </p:spPr>
-        <p:txBody>
-          <a:bodyPr wrap="none" rtlCol="0">
-            <a:spAutoFit/>
-          </a:bodyPr>
-          <a:lstStyle/>
-          <a:p>
-            <a:r>
-              <a:rPr lang="zh-CN" altLang="en-US" sz="2400" dirty="0">
-                <a:latin typeface="+mn-ea"/>
+          <a:ln>
+            <a:solidFill>
+              <a:schemeClr val="accent1">
+                <a:shade val="15000"/>
+              </a:schemeClr>
+            </a:solidFill>
+            <a:prstDash val="dash"/>
+            <a:extLst>
+              <a:ext uri="{C807C97D-BFC1-408E-A445-0C87EB9F89A2}">
+                <ask:lineSketchStyleProps xmlns:ask="http://schemas.microsoft.com/office/drawing/2018/sketchyshapes" xmlns="" sd="1219033472">
+                  <a:custGeom>
+                    <a:avLst/>
+                    <a:gdLst>
+                      <a:gd name="connsiteX0" fmla="*/ 0 w 3595196"/>
+                      <a:gd name="connsiteY0" fmla="*/ 0 h 3488923"/>
+                      <a:gd name="connsiteX1" fmla="*/ 563247 w 3595196"/>
+                      <a:gd name="connsiteY1" fmla="*/ 0 h 3488923"/>
+                      <a:gd name="connsiteX2" fmla="*/ 1054591 w 3595196"/>
+                      <a:gd name="connsiteY2" fmla="*/ 0 h 3488923"/>
+                      <a:gd name="connsiteX3" fmla="*/ 1725694 w 3595196"/>
+                      <a:gd name="connsiteY3" fmla="*/ 0 h 3488923"/>
+                      <a:gd name="connsiteX4" fmla="*/ 2288941 w 3595196"/>
+                      <a:gd name="connsiteY4" fmla="*/ 0 h 3488923"/>
+                      <a:gd name="connsiteX5" fmla="*/ 2852189 w 3595196"/>
+                      <a:gd name="connsiteY5" fmla="*/ 0 h 3488923"/>
+                      <a:gd name="connsiteX6" fmla="*/ 3595196 w 3595196"/>
+                      <a:gd name="connsiteY6" fmla="*/ 0 h 3488923"/>
+                      <a:gd name="connsiteX7" fmla="*/ 3595196 w 3595196"/>
+                      <a:gd name="connsiteY7" fmla="*/ 628006 h 3488923"/>
+                      <a:gd name="connsiteX8" fmla="*/ 3595196 w 3595196"/>
+                      <a:gd name="connsiteY8" fmla="*/ 1325791 h 3488923"/>
+                      <a:gd name="connsiteX9" fmla="*/ 3595196 w 3595196"/>
+                      <a:gd name="connsiteY9" fmla="*/ 1953797 h 3488923"/>
+                      <a:gd name="connsiteX10" fmla="*/ 3595196 w 3595196"/>
+                      <a:gd name="connsiteY10" fmla="*/ 2581803 h 3488923"/>
+                      <a:gd name="connsiteX11" fmla="*/ 3595196 w 3595196"/>
+                      <a:gd name="connsiteY11" fmla="*/ 3488923 h 3488923"/>
+                      <a:gd name="connsiteX12" fmla="*/ 2960045 w 3595196"/>
+                      <a:gd name="connsiteY12" fmla="*/ 3488923 h 3488923"/>
+                      <a:gd name="connsiteX13" fmla="*/ 2288941 w 3595196"/>
+                      <a:gd name="connsiteY13" fmla="*/ 3488923 h 3488923"/>
+                      <a:gd name="connsiteX14" fmla="*/ 1617838 w 3595196"/>
+                      <a:gd name="connsiteY14" fmla="*/ 3488923 h 3488923"/>
+                      <a:gd name="connsiteX15" fmla="*/ 1090543 w 3595196"/>
+                      <a:gd name="connsiteY15" fmla="*/ 3488923 h 3488923"/>
+                      <a:gd name="connsiteX16" fmla="*/ 0 w 3595196"/>
+                      <a:gd name="connsiteY16" fmla="*/ 3488923 h 3488923"/>
+                      <a:gd name="connsiteX17" fmla="*/ 0 w 3595196"/>
+                      <a:gd name="connsiteY17" fmla="*/ 2721360 h 3488923"/>
+                      <a:gd name="connsiteX18" fmla="*/ 0 w 3595196"/>
+                      <a:gd name="connsiteY18" fmla="*/ 2128243 h 3488923"/>
+                      <a:gd name="connsiteX19" fmla="*/ 0 w 3595196"/>
+                      <a:gd name="connsiteY19" fmla="*/ 1500237 h 3488923"/>
+                      <a:gd name="connsiteX20" fmla="*/ 0 w 3595196"/>
+                      <a:gd name="connsiteY20" fmla="*/ 872231 h 3488923"/>
+                      <a:gd name="connsiteX21" fmla="*/ 0 w 3595196"/>
+                      <a:gd name="connsiteY21" fmla="*/ 0 h 3488923"/>
+                    </a:gdLst>
+                    <a:ahLst/>
+                    <a:cxnLst>
+                      <a:cxn ang="0">
+                        <a:pos x="connsiteX0" y="connsiteY0"/>
+                      </a:cxn>
+                      <a:cxn ang="0">
+                        <a:pos x="connsiteX1" y="connsiteY1"/>
+                      </a:cxn>
+                      <a:cxn ang="0">
+                        <a:pos x="connsiteX2" y="connsiteY2"/>
+                      </a:cxn>
+                      <a:cxn ang="0">
+                        <a:pos x="connsiteX3" y="connsiteY3"/>
+                      </a:cxn>
+                      <a:cxn ang="0">
+                        <a:pos x="connsiteX4" y="connsiteY4"/>
+                      </a:cxn>
+                      <a:cxn ang="0">
+                        <a:pos x="connsiteX5" y="connsiteY5"/>
+                      </a:cxn>
+                      <a:cxn ang="0">
+                        <a:pos x="connsiteX6" y="connsiteY6"/>
+                      </a:cxn>
+                      <a:cxn ang="0">
+                        <a:pos x="connsiteX7" y="connsiteY7"/>
+                      </a:cxn>
+                      <a:cxn ang="0">
+                        <a:pos x="connsiteX8" y="connsiteY8"/>
+                      </a:cxn>
+                      <a:cxn ang="0">
+                        <a:pos x="connsiteX9" y="connsiteY9"/>
+                      </a:cxn>
+                      <a:cxn ang="0">
+                        <a:pos x="connsiteX10" y="connsiteY10"/>
+                      </a:cxn>
+                      <a:cxn ang="0">
+                        <a:pos x="connsiteX11" y="connsiteY11"/>
+                      </a:cxn>
+                      <a:cxn ang="0">
+                        <a:pos x="connsiteX12" y="connsiteY12"/>
+                      </a:cxn>
+                      <a:cxn ang="0">
+                        <a:pos x="connsiteX13" y="connsiteY13"/>
+                      </a:cxn>
+                      <a:cxn ang="0">
+                        <a:pos x="connsiteX14" y="connsiteY14"/>
+                      </a:cxn>
+                      <a:cxn ang="0">
+                        <a:pos x="connsiteX15" y="connsiteY15"/>
+                      </a:cxn>
+                      <a:cxn ang="0">
+                        <a:pos x="connsiteX16" y="connsiteY16"/>
+                      </a:cxn>
+                      <a:cxn ang="0">
+                        <a:pos x="connsiteX17" y="connsiteY17"/>
+                      </a:cxn>
+                      <a:cxn ang="0">
+                        <a:pos x="connsiteX18" y="connsiteY18"/>
+                      </a:cxn>
+                      <a:cxn ang="0">
+                        <a:pos x="connsiteX19" y="connsiteY19"/>
+                      </a:cxn>
+                      <a:cxn ang="0">
+                        <a:pos x="connsiteX20" y="connsiteY20"/>
+                      </a:cxn>
+                      <a:cxn ang="0">
+                        <a:pos x="connsiteX21" y="connsiteY21"/>
+                      </a:cxn>
+                    </a:cxnLst>
+                    <a:rect l="l" t="t" r="r" b="b"/>
+                    <a:pathLst>
+                      <a:path w="3595196" h="3488923" extrusionOk="0">
+                        <a:moveTo>
+                          <a:pt x="0" y="0"/>
+                        </a:moveTo>
+                        <a:cubicBezTo>
+                          <a:pt x="149156" y="-20299"/>
+                          <a:pt x="353103" y="-16551"/>
+                          <a:pt x="563247" y="0"/>
+                        </a:cubicBezTo>
+                        <a:cubicBezTo>
+                          <a:pt x="773391" y="16551"/>
+                          <a:pt x="937663" y="-13606"/>
+                          <a:pt x="1054591" y="0"/>
+                        </a:cubicBezTo>
+                        <a:cubicBezTo>
+                          <a:pt x="1171519" y="13606"/>
+                          <a:pt x="1580439" y="18120"/>
+                          <a:pt x="1725694" y="0"/>
+                        </a:cubicBezTo>
+                        <a:cubicBezTo>
+                          <a:pt x="1870949" y="-18120"/>
+                          <a:pt x="2077869" y="16282"/>
+                          <a:pt x="2288941" y="0"/>
+                        </a:cubicBezTo>
+                        <a:cubicBezTo>
+                          <a:pt x="2500013" y="-16282"/>
+                          <a:pt x="2660767" y="-5659"/>
+                          <a:pt x="2852189" y="0"/>
+                        </a:cubicBezTo>
+                        <a:cubicBezTo>
+                          <a:pt x="3043611" y="5659"/>
+                          <a:pt x="3284036" y="-3840"/>
+                          <a:pt x="3595196" y="0"/>
+                        </a:cubicBezTo>
+                        <a:cubicBezTo>
+                          <a:pt x="3609934" y="190344"/>
+                          <a:pt x="3567707" y="357584"/>
+                          <a:pt x="3595196" y="628006"/>
+                        </a:cubicBezTo>
+                        <a:cubicBezTo>
+                          <a:pt x="3622685" y="898428"/>
+                          <a:pt x="3618601" y="1103762"/>
+                          <a:pt x="3595196" y="1325791"/>
+                        </a:cubicBezTo>
+                        <a:cubicBezTo>
+                          <a:pt x="3571791" y="1547820"/>
+                          <a:pt x="3581445" y="1720315"/>
+                          <a:pt x="3595196" y="1953797"/>
+                        </a:cubicBezTo>
+                        <a:cubicBezTo>
+                          <a:pt x="3608947" y="2187279"/>
+                          <a:pt x="3614932" y="2454919"/>
+                          <a:pt x="3595196" y="2581803"/>
+                        </a:cubicBezTo>
+                        <a:cubicBezTo>
+                          <a:pt x="3575460" y="2708687"/>
+                          <a:pt x="3592797" y="3207600"/>
+                          <a:pt x="3595196" y="3488923"/>
+                        </a:cubicBezTo>
+                        <a:cubicBezTo>
+                          <a:pt x="3325526" y="3509833"/>
+                          <a:pt x="3203948" y="3503026"/>
+                          <a:pt x="2960045" y="3488923"/>
+                        </a:cubicBezTo>
+                        <a:cubicBezTo>
+                          <a:pt x="2716142" y="3474820"/>
+                          <a:pt x="2503203" y="3464026"/>
+                          <a:pt x="2288941" y="3488923"/>
+                        </a:cubicBezTo>
+                        <a:cubicBezTo>
+                          <a:pt x="2074679" y="3513820"/>
+                          <a:pt x="1754746" y="3504239"/>
+                          <a:pt x="1617838" y="3488923"/>
+                        </a:cubicBezTo>
+                        <a:cubicBezTo>
+                          <a:pt x="1480930" y="3473607"/>
+                          <a:pt x="1273182" y="3486786"/>
+                          <a:pt x="1090543" y="3488923"/>
+                        </a:cubicBezTo>
+                        <a:cubicBezTo>
+                          <a:pt x="907905" y="3491060"/>
+                          <a:pt x="349115" y="3472026"/>
+                          <a:pt x="0" y="3488923"/>
+                        </a:cubicBezTo>
+                        <a:cubicBezTo>
+                          <a:pt x="-33153" y="3168699"/>
+                          <a:pt x="29033" y="3061409"/>
+                          <a:pt x="0" y="2721360"/>
+                        </a:cubicBezTo>
+                        <a:cubicBezTo>
+                          <a:pt x="-29033" y="2381311"/>
+                          <a:pt x="8541" y="2414428"/>
+                          <a:pt x="0" y="2128243"/>
+                        </a:cubicBezTo>
+                        <a:cubicBezTo>
+                          <a:pt x="-8541" y="1842058"/>
+                          <a:pt x="-8859" y="1666521"/>
+                          <a:pt x="0" y="1500237"/>
+                        </a:cubicBezTo>
+                        <a:cubicBezTo>
+                          <a:pt x="8859" y="1333953"/>
+                          <a:pt x="19836" y="1012882"/>
+                          <a:pt x="0" y="872231"/>
+                        </a:cubicBezTo>
+                        <a:cubicBezTo>
+                          <a:pt x="-19836" y="731580"/>
+                          <a:pt x="32890" y="176066"/>
+                          <a:pt x="0" y="0"/>
+                        </a:cubicBezTo>
+                        <a:close/>
+                      </a:path>
+                    </a:pathLst>
+                  </a:custGeom>
+                  <ask:type>
+                    <ask:lineSketchNone/>
+                  </ask:type>
+                </ask:lineSketchStyleProps>
+              </a:ext>
+            </a:extLst>
+          </a:ln>
+        </p:spPr>
+        <p:style>
+          <a:lnRef idx="2">
+            <a:schemeClr val="accent1">
+              <a:shade val="15000"/>
+            </a:schemeClr>
+          </a:lnRef>
+          <a:fillRef idx="1">
+            <a:schemeClr val="accent1"/>
+          </a:fillRef>
+          <a:effectRef idx="0">
+            <a:schemeClr val="accent1"/>
+          </a:effectRef>
+          <a:fontRef idx="minor">
+            <a:schemeClr val="lt1"/>
+          </a:fontRef>
+        </p:style>
+        <p:txBody>
+          <a:bodyPr rtlCol="0" anchor="ctr"/>
+          <a:lstStyle/>
+          <a:p>
+            <a:pPr algn="ctr"/>
+            <a:endParaRPr lang="zh-CN" altLang="en-US"/>
+          </a:p>
+        </p:txBody>
+      </p:sp>
+      <p:sp>
+        <p:nvSpPr>
+          <p:cNvPr id="67" name="矩形 66">
+            <a:extLst>
+              <a:ext uri="{FF2B5EF4-FFF2-40B4-BE49-F238E27FC236}">
+                <a16:creationId xmlns:a16="http://schemas.microsoft.com/office/drawing/2014/main" id="{8C62AE5C-F396-8795-835E-A481060C1036}"/>
+              </a:ext>
+            </a:extLst>
+          </p:cNvPr>
+          <p:cNvSpPr/>
+          <p:nvPr/>
+        </p:nvSpPr>
+        <p:spPr>
+          <a:xfrm>
+            <a:off x="454008" y="1076544"/>
+            <a:ext cx="2574914" cy="2930312"/>
+          </a:xfrm>
+          <a:prstGeom prst="rect">
+            <a:avLst/>
+          </a:prstGeom>
+          <a:noFill/>
+          <a:ln>
+            <a:solidFill>
+              <a:schemeClr val="accent1">
+                <a:shade val="15000"/>
+              </a:schemeClr>
+            </a:solidFill>
+            <a:prstDash val="dash"/>
+            <a:extLst>
+              <a:ext uri="{C807C97D-BFC1-408E-A445-0C87EB9F89A2}">
+                <ask:lineSketchStyleProps xmlns:ask="http://schemas.microsoft.com/office/drawing/2018/sketchyshapes" xmlns="" sd="1219033472">
+                  <a:custGeom>
+                    <a:avLst/>
+                    <a:gdLst>
+                      <a:gd name="connsiteX0" fmla="*/ 0 w 3595196"/>
+                      <a:gd name="connsiteY0" fmla="*/ 0 h 3488923"/>
+                      <a:gd name="connsiteX1" fmla="*/ 563247 w 3595196"/>
+                      <a:gd name="connsiteY1" fmla="*/ 0 h 3488923"/>
+                      <a:gd name="connsiteX2" fmla="*/ 1054591 w 3595196"/>
+                      <a:gd name="connsiteY2" fmla="*/ 0 h 3488923"/>
+                      <a:gd name="connsiteX3" fmla="*/ 1725694 w 3595196"/>
+                      <a:gd name="connsiteY3" fmla="*/ 0 h 3488923"/>
+                      <a:gd name="connsiteX4" fmla="*/ 2288941 w 3595196"/>
+                      <a:gd name="connsiteY4" fmla="*/ 0 h 3488923"/>
+                      <a:gd name="connsiteX5" fmla="*/ 2852189 w 3595196"/>
+                      <a:gd name="connsiteY5" fmla="*/ 0 h 3488923"/>
+                      <a:gd name="connsiteX6" fmla="*/ 3595196 w 3595196"/>
+                      <a:gd name="connsiteY6" fmla="*/ 0 h 3488923"/>
+                      <a:gd name="connsiteX7" fmla="*/ 3595196 w 3595196"/>
+                      <a:gd name="connsiteY7" fmla="*/ 628006 h 3488923"/>
+                      <a:gd name="connsiteX8" fmla="*/ 3595196 w 3595196"/>
+                      <a:gd name="connsiteY8" fmla="*/ 1325791 h 3488923"/>
+                      <a:gd name="connsiteX9" fmla="*/ 3595196 w 3595196"/>
+                      <a:gd name="connsiteY9" fmla="*/ 1953797 h 3488923"/>
+                      <a:gd name="connsiteX10" fmla="*/ 3595196 w 3595196"/>
+                      <a:gd name="connsiteY10" fmla="*/ 2581803 h 3488923"/>
+                      <a:gd name="connsiteX11" fmla="*/ 3595196 w 3595196"/>
+                      <a:gd name="connsiteY11" fmla="*/ 3488923 h 3488923"/>
+                      <a:gd name="connsiteX12" fmla="*/ 2960045 w 3595196"/>
+                      <a:gd name="connsiteY12" fmla="*/ 3488923 h 3488923"/>
+                      <a:gd name="connsiteX13" fmla="*/ 2288941 w 3595196"/>
+                      <a:gd name="connsiteY13" fmla="*/ 3488923 h 3488923"/>
+                      <a:gd name="connsiteX14" fmla="*/ 1617838 w 3595196"/>
+                      <a:gd name="connsiteY14" fmla="*/ 3488923 h 3488923"/>
+                      <a:gd name="connsiteX15" fmla="*/ 1090543 w 3595196"/>
+                      <a:gd name="connsiteY15" fmla="*/ 3488923 h 3488923"/>
+                      <a:gd name="connsiteX16" fmla="*/ 0 w 3595196"/>
+                      <a:gd name="connsiteY16" fmla="*/ 3488923 h 3488923"/>
+                      <a:gd name="connsiteX17" fmla="*/ 0 w 3595196"/>
+                      <a:gd name="connsiteY17" fmla="*/ 2721360 h 3488923"/>
+                      <a:gd name="connsiteX18" fmla="*/ 0 w 3595196"/>
+                      <a:gd name="connsiteY18" fmla="*/ 2128243 h 3488923"/>
+                      <a:gd name="connsiteX19" fmla="*/ 0 w 3595196"/>
+                      <a:gd name="connsiteY19" fmla="*/ 1500237 h 3488923"/>
+                      <a:gd name="connsiteX20" fmla="*/ 0 w 3595196"/>
+                      <a:gd name="connsiteY20" fmla="*/ 872231 h 3488923"/>
+                      <a:gd name="connsiteX21" fmla="*/ 0 w 3595196"/>
+                      <a:gd name="connsiteY21" fmla="*/ 0 h 3488923"/>
+                    </a:gdLst>
+                    <a:ahLst/>
+                    <a:cxnLst>
+                      <a:cxn ang="0">
+                        <a:pos x="connsiteX0" y="connsiteY0"/>
+                      </a:cxn>
+                      <a:cxn ang="0">
+                        <a:pos x="connsiteX1" y="connsiteY1"/>
+                      </a:cxn>
+                      <a:cxn ang="0">
+                        <a:pos x="connsiteX2" y="connsiteY2"/>
+                      </a:cxn>
+                      <a:cxn ang="0">
+                        <a:pos x="connsiteX3" y="connsiteY3"/>
+                      </a:cxn>
+                      <a:cxn ang="0">
+                        <a:pos x="connsiteX4" y="connsiteY4"/>
+                      </a:cxn>
+                      <a:cxn ang="0">
+                        <a:pos x="connsiteX5" y="connsiteY5"/>
+                      </a:cxn>
+                      <a:cxn ang="0">
+                        <a:pos x="connsiteX6" y="connsiteY6"/>
+                      </a:cxn>
+                      <a:cxn ang="0">
+                        <a:pos x="connsiteX7" y="connsiteY7"/>
+                      </a:cxn>
+                      <a:cxn ang="0">
+                        <a:pos x="connsiteX8" y="connsiteY8"/>
+                      </a:cxn>
+                      <a:cxn ang="0">
+                        <a:pos x="connsiteX9" y="connsiteY9"/>
+                      </a:cxn>
+                      <a:cxn ang="0">
+                        <a:pos x="connsiteX10" y="connsiteY10"/>
+                      </a:cxn>
+                      <a:cxn ang="0">
+                        <a:pos x="connsiteX11" y="connsiteY11"/>
+                      </a:cxn>
+                      <a:cxn ang="0">
+                        <a:pos x="connsiteX12" y="connsiteY12"/>
+                      </a:cxn>
+                      <a:cxn ang="0">
+                        <a:pos x="connsiteX13" y="connsiteY13"/>
+                      </a:cxn>
+                      <a:cxn ang="0">
+                        <a:pos x="connsiteX14" y="connsiteY14"/>
+                      </a:cxn>
+                      <a:cxn ang="0">
+                        <a:pos x="connsiteX15" y="connsiteY15"/>
+                      </a:cxn>
+                      <a:cxn ang="0">
+                        <a:pos x="connsiteX16" y="connsiteY16"/>
+                      </a:cxn>
+                      <a:cxn ang="0">
+                        <a:pos x="connsiteX17" y="connsiteY17"/>
+                      </a:cxn>
+                      <a:cxn ang="0">
+                        <a:pos x="connsiteX18" y="connsiteY18"/>
+                      </a:cxn>
+                      <a:cxn ang="0">
+                        <a:pos x="connsiteX19" y="connsiteY19"/>
+                      </a:cxn>
+                      <a:cxn ang="0">
+                        <a:pos x="connsiteX20" y="connsiteY20"/>
+                      </a:cxn>
+                      <a:cxn ang="0">
+                        <a:pos x="connsiteX21" y="connsiteY21"/>
+                      </a:cxn>
+                    </a:cxnLst>
+                    <a:rect l="l" t="t" r="r" b="b"/>
+                    <a:pathLst>
+                      <a:path w="3595196" h="3488923" extrusionOk="0">
+                        <a:moveTo>
+                          <a:pt x="0" y="0"/>
+                        </a:moveTo>
+                        <a:cubicBezTo>
+                          <a:pt x="149156" y="-20299"/>
+                          <a:pt x="353103" y="-16551"/>
+                          <a:pt x="563247" y="0"/>
+                        </a:cubicBezTo>
+                        <a:cubicBezTo>
+                          <a:pt x="773391" y="16551"/>
+                          <a:pt x="937663" y="-13606"/>
+                          <a:pt x="1054591" y="0"/>
+                        </a:cubicBezTo>
+                        <a:cubicBezTo>
+                          <a:pt x="1171519" y="13606"/>
+                          <a:pt x="1580439" y="18120"/>
+                          <a:pt x="1725694" y="0"/>
+                        </a:cubicBezTo>
+                        <a:cubicBezTo>
+                          <a:pt x="1870949" y="-18120"/>
+                          <a:pt x="2077869" y="16282"/>
+                          <a:pt x="2288941" y="0"/>
+                        </a:cubicBezTo>
+                        <a:cubicBezTo>
+                          <a:pt x="2500013" y="-16282"/>
+                          <a:pt x="2660767" y="-5659"/>
+                          <a:pt x="2852189" y="0"/>
+                        </a:cubicBezTo>
+                        <a:cubicBezTo>
+                          <a:pt x="3043611" y="5659"/>
+                          <a:pt x="3284036" y="-3840"/>
+                          <a:pt x="3595196" y="0"/>
+                        </a:cubicBezTo>
+                        <a:cubicBezTo>
+                          <a:pt x="3609934" y="190344"/>
+                          <a:pt x="3567707" y="357584"/>
+                          <a:pt x="3595196" y="628006"/>
+                        </a:cubicBezTo>
+                        <a:cubicBezTo>
+                          <a:pt x="3622685" y="898428"/>
+                          <a:pt x="3618601" y="1103762"/>
+                          <a:pt x="3595196" y="1325791"/>
+                        </a:cubicBezTo>
+                        <a:cubicBezTo>
+                          <a:pt x="3571791" y="1547820"/>
+                          <a:pt x="3581445" y="1720315"/>
+                          <a:pt x="3595196" y="1953797"/>
+                        </a:cubicBezTo>
+                        <a:cubicBezTo>
+                          <a:pt x="3608947" y="2187279"/>
+                          <a:pt x="3614932" y="2454919"/>
+                          <a:pt x="3595196" y="2581803"/>
+                        </a:cubicBezTo>
+                        <a:cubicBezTo>
+                          <a:pt x="3575460" y="2708687"/>
+                          <a:pt x="3592797" y="3207600"/>
+                          <a:pt x="3595196" y="3488923"/>
+                        </a:cubicBezTo>
+                        <a:cubicBezTo>
+                          <a:pt x="3325526" y="3509833"/>
+                          <a:pt x="3203948" y="3503026"/>
+                          <a:pt x="2960045" y="3488923"/>
+                        </a:cubicBezTo>
+                        <a:cubicBezTo>
+                          <a:pt x="2716142" y="3474820"/>
+                          <a:pt x="2503203" y="3464026"/>
+                          <a:pt x="2288941" y="3488923"/>
+                        </a:cubicBezTo>
+                        <a:cubicBezTo>
+                          <a:pt x="2074679" y="3513820"/>
+                          <a:pt x="1754746" y="3504239"/>
+                          <a:pt x="1617838" y="3488923"/>
+                        </a:cubicBezTo>
+                        <a:cubicBezTo>
+                          <a:pt x="1480930" y="3473607"/>
+                          <a:pt x="1273182" y="3486786"/>
+                          <a:pt x="1090543" y="3488923"/>
+                        </a:cubicBezTo>
+                        <a:cubicBezTo>
+                          <a:pt x="907905" y="3491060"/>
+                          <a:pt x="349115" y="3472026"/>
+                          <a:pt x="0" y="3488923"/>
+                        </a:cubicBezTo>
+                        <a:cubicBezTo>
+                          <a:pt x="-33153" y="3168699"/>
+                          <a:pt x="29033" y="3061409"/>
+                          <a:pt x="0" y="2721360"/>
+                        </a:cubicBezTo>
+                        <a:cubicBezTo>
+                          <a:pt x="-29033" y="2381311"/>
+                          <a:pt x="8541" y="2414428"/>
+                          <a:pt x="0" y="2128243"/>
+                        </a:cubicBezTo>
+                        <a:cubicBezTo>
+                          <a:pt x="-8541" y="1842058"/>
+                          <a:pt x="-8859" y="1666521"/>
+                          <a:pt x="0" y="1500237"/>
+                        </a:cubicBezTo>
+                        <a:cubicBezTo>
+                          <a:pt x="8859" y="1333953"/>
+                          <a:pt x="19836" y="1012882"/>
+                          <a:pt x="0" y="872231"/>
+                        </a:cubicBezTo>
+                        <a:cubicBezTo>
+                          <a:pt x="-19836" y="731580"/>
+                          <a:pt x="32890" y="176066"/>
+                          <a:pt x="0" y="0"/>
+                        </a:cubicBezTo>
+                        <a:close/>
+                      </a:path>
+                    </a:pathLst>
+                  </a:custGeom>
+                  <ask:type>
+                    <ask:lineSketchNone/>
+                  </ask:type>
+                </ask:lineSketchStyleProps>
+              </a:ext>
+            </a:extLst>
+          </a:ln>
+        </p:spPr>
+        <p:style>
+          <a:lnRef idx="2">
+            <a:schemeClr val="accent1">
+              <a:shade val="15000"/>
+            </a:schemeClr>
+          </a:lnRef>
+          <a:fillRef idx="1">
+            <a:schemeClr val="accent1"/>
+          </a:fillRef>
+          <a:effectRef idx="0">
+            <a:schemeClr val="accent1"/>
+          </a:effectRef>
+          <a:fontRef idx="minor">
+            <a:schemeClr val="lt1"/>
+          </a:fontRef>
+        </p:style>
+        <p:txBody>
+          <a:bodyPr rtlCol="0" anchor="ctr"/>
+          <a:lstStyle/>
+          <a:p>
+            <a:pPr algn="ctr"/>
+            <a:endParaRPr lang="zh-CN" altLang="en-US"/>
+          </a:p>
+        </p:txBody>
+      </p:sp>
+      <p:sp>
+        <p:nvSpPr>
+          <p:cNvPr id="25" name="椭圆 24">
+            <a:extLst>
+              <a:ext uri="{FF2B5EF4-FFF2-40B4-BE49-F238E27FC236}">
+                <a16:creationId xmlns:a16="http://schemas.microsoft.com/office/drawing/2014/main" id="{001EDB8F-C090-381C-A4E2-E7CEEAE27000}"/>
+              </a:ext>
+            </a:extLst>
+          </p:cNvPr>
+          <p:cNvSpPr/>
+          <p:nvPr/>
+        </p:nvSpPr>
+        <p:spPr>
+          <a:xfrm>
+            <a:off x="3488509" y="2259089"/>
+            <a:ext cx="474221" cy="835381"/>
+          </a:xfrm>
+          <a:prstGeom prst="ellipse">
+            <a:avLst/>
+          </a:prstGeom>
+          <a:solidFill>
+            <a:schemeClr val="accent1">
+              <a:lumMod val="40000"/>
+              <a:lumOff val="60000"/>
+            </a:schemeClr>
+          </a:solidFill>
+        </p:spPr>
+        <p:style>
+          <a:lnRef idx="2">
+            <a:schemeClr val="accent1">
+              <a:shade val="15000"/>
+            </a:schemeClr>
+          </a:lnRef>
+          <a:fillRef idx="1">
+            <a:schemeClr val="accent1"/>
+          </a:fillRef>
+          <a:effectRef idx="0">
+            <a:schemeClr val="accent1"/>
+          </a:effectRef>
+          <a:fontRef idx="minor">
+            <a:schemeClr val="lt1"/>
+          </a:fontRef>
+        </p:style>
+        <p:txBody>
+          <a:bodyPr rtlCol="0" anchor="ctr"/>
+          <a:lstStyle/>
+          <a:p>
+            <a:pPr algn="ctr"/>
+            <a:r>
+              <a:rPr lang="zh-CN" altLang="en-US" sz="1400" dirty="0"/>
+              <a:t>随机森林</a:t>
+            </a:r>
+          </a:p>
+        </p:txBody>
+      </p:sp>
+      <p:sp>
+        <p:nvSpPr>
+          <p:cNvPr id="53" name="椭圆 52">
+            <a:extLst>
+              <a:ext uri="{FF2B5EF4-FFF2-40B4-BE49-F238E27FC236}">
+                <a16:creationId xmlns:a16="http://schemas.microsoft.com/office/drawing/2014/main" id="{3F1035F2-BE80-444E-9DE5-FFAA488FC55F}"/>
+              </a:ext>
+            </a:extLst>
+          </p:cNvPr>
+          <p:cNvSpPr/>
+          <p:nvPr/>
+        </p:nvSpPr>
+        <p:spPr>
+          <a:xfrm>
+            <a:off x="2448854" y="2564419"/>
+            <a:ext cx="140394" cy="140394"/>
+          </a:xfrm>
+          <a:prstGeom prst="ellipse">
+            <a:avLst/>
+          </a:prstGeom>
+        </p:spPr>
+        <p:style>
+          <a:lnRef idx="2">
+            <a:schemeClr val="dk1">
+              <a:shade val="15000"/>
+            </a:schemeClr>
+          </a:lnRef>
+          <a:fillRef idx="1">
+            <a:schemeClr val="dk1"/>
+          </a:fillRef>
+          <a:effectRef idx="0">
+            <a:schemeClr val="dk1"/>
+          </a:effectRef>
+          <a:fontRef idx="minor">
+            <a:schemeClr val="lt1"/>
+          </a:fontRef>
+        </p:style>
+        <p:txBody>
+          <a:bodyPr rtlCol="0" anchor="ctr"/>
+          <a:lstStyle/>
+          <a:p>
+            <a:pPr algn="ctr"/>
+            <a:endParaRPr lang="zh-CN" altLang="en-US"/>
+          </a:p>
+        </p:txBody>
+      </p:sp>
+      <p:sp>
+        <p:nvSpPr>
+          <p:cNvPr id="58" name="椭圆 57">
+            <a:extLst>
+              <a:ext uri="{FF2B5EF4-FFF2-40B4-BE49-F238E27FC236}">
+                <a16:creationId xmlns:a16="http://schemas.microsoft.com/office/drawing/2014/main" id="{197F3E3A-8028-42A9-9C51-382B1562E90A}"/>
+              </a:ext>
+            </a:extLst>
+          </p:cNvPr>
+          <p:cNvSpPr/>
+          <p:nvPr/>
+        </p:nvSpPr>
+        <p:spPr>
+          <a:xfrm>
+            <a:off x="2447318" y="2845827"/>
+            <a:ext cx="140394" cy="140394"/>
+          </a:xfrm>
+          <a:prstGeom prst="ellipse">
+            <a:avLst/>
+          </a:prstGeom>
+        </p:spPr>
+        <p:style>
+          <a:lnRef idx="2">
+            <a:schemeClr val="dk1">
+              <a:shade val="15000"/>
+            </a:schemeClr>
+          </a:lnRef>
+          <a:fillRef idx="1">
+            <a:schemeClr val="dk1"/>
+          </a:fillRef>
+          <a:effectRef idx="0">
+            <a:schemeClr val="dk1"/>
+          </a:effectRef>
+          <a:fontRef idx="minor">
+            <a:schemeClr val="lt1"/>
+          </a:fontRef>
+        </p:style>
+        <p:txBody>
+          <a:bodyPr rtlCol="0" anchor="ctr"/>
+          <a:lstStyle/>
+          <a:p>
+            <a:pPr algn="ctr"/>
+            <a:endParaRPr lang="zh-CN" altLang="en-US"/>
+          </a:p>
+        </p:txBody>
+      </p:sp>
+      <p:sp>
+        <p:nvSpPr>
+          <p:cNvPr id="60" name="椭圆 59">
+            <a:extLst>
+              <a:ext uri="{FF2B5EF4-FFF2-40B4-BE49-F238E27FC236}">
+                <a16:creationId xmlns:a16="http://schemas.microsoft.com/office/drawing/2014/main" id="{EA7248B8-B6E4-4513-8D7F-38861ED0234A}"/>
+              </a:ext>
+            </a:extLst>
+          </p:cNvPr>
+          <p:cNvSpPr/>
+          <p:nvPr/>
+        </p:nvSpPr>
+        <p:spPr>
+          <a:xfrm>
+            <a:off x="2447318" y="3158185"/>
+            <a:ext cx="140394" cy="140394"/>
+          </a:xfrm>
+          <a:prstGeom prst="ellipse">
+            <a:avLst/>
+          </a:prstGeom>
+        </p:spPr>
+        <p:style>
+          <a:lnRef idx="2">
+            <a:schemeClr val="dk1">
+              <a:shade val="15000"/>
+            </a:schemeClr>
+          </a:lnRef>
+          <a:fillRef idx="1">
+            <a:schemeClr val="dk1"/>
+          </a:fillRef>
+          <a:effectRef idx="0">
+            <a:schemeClr val="dk1"/>
+          </a:effectRef>
+          <a:fontRef idx="minor">
+            <a:schemeClr val="lt1"/>
+          </a:fontRef>
+        </p:style>
+        <p:txBody>
+          <a:bodyPr rtlCol="0" anchor="ctr"/>
+          <a:lstStyle/>
+          <a:p>
+            <a:pPr algn="ctr"/>
+            <a:endParaRPr lang="zh-CN" altLang="en-US"/>
+          </a:p>
+        </p:txBody>
+      </p:sp>
+      <p:sp>
+        <p:nvSpPr>
+          <p:cNvPr id="61" name="矩形: 圆角 60">
+            <a:extLst>
+              <a:ext uri="{FF2B5EF4-FFF2-40B4-BE49-F238E27FC236}">
+                <a16:creationId xmlns:a16="http://schemas.microsoft.com/office/drawing/2014/main" id="{59DCDBDD-E845-4192-8336-E4A0EA861AC2}"/>
+              </a:ext>
+            </a:extLst>
+          </p:cNvPr>
+          <p:cNvSpPr/>
+          <p:nvPr/>
+        </p:nvSpPr>
+        <p:spPr>
+          <a:xfrm>
+            <a:off x="4405466" y="1352531"/>
+            <a:ext cx="753375" cy="362309"/>
+          </a:xfrm>
+          <a:prstGeom prst="roundRect">
+            <a:avLst/>
+          </a:prstGeom>
+          <a:solidFill>
+            <a:schemeClr val="accent1">
+              <a:lumMod val="40000"/>
+              <a:lumOff val="60000"/>
+            </a:schemeClr>
+          </a:solidFill>
+        </p:spPr>
+        <p:style>
+          <a:lnRef idx="2">
+            <a:schemeClr val="accent1">
+              <a:shade val="15000"/>
+            </a:schemeClr>
+          </a:lnRef>
+          <a:fillRef idx="1">
+            <a:schemeClr val="accent1"/>
+          </a:fillRef>
+          <a:effectRef idx="0">
+            <a:schemeClr val="accent1"/>
+          </a:effectRef>
+          <a:fontRef idx="minor">
+            <a:schemeClr val="lt1"/>
+          </a:fontRef>
+        </p:style>
+        <p:txBody>
+          <a:bodyPr rtlCol="0" anchor="ctr"/>
+          <a:lstStyle/>
+          <a:p>
+            <a:pPr algn="ctr"/>
+            <a:r>
+              <a:rPr lang="en-US" altLang="zh-CN" sz="1100" dirty="0"/>
+              <a:t>Nhi1</a:t>
+            </a:r>
+            <a:endParaRPr lang="zh-CN" altLang="en-US" sz="1100" dirty="0"/>
+          </a:p>
+        </p:txBody>
+      </p:sp>
+      <p:sp>
+        <p:nvSpPr>
+          <p:cNvPr id="62" name="矩形: 圆角 61">
+            <a:extLst>
+              <a:ext uri="{FF2B5EF4-FFF2-40B4-BE49-F238E27FC236}">
+                <a16:creationId xmlns:a16="http://schemas.microsoft.com/office/drawing/2014/main" id="{6A6A47B4-AB31-4E2D-B775-8307F58223D3}"/>
+              </a:ext>
+            </a:extLst>
+          </p:cNvPr>
+          <p:cNvSpPr/>
+          <p:nvPr/>
+        </p:nvSpPr>
+        <p:spPr>
+          <a:xfrm>
+            <a:off x="4428810" y="1987913"/>
+            <a:ext cx="753375" cy="362309"/>
+          </a:xfrm>
+          <a:prstGeom prst="roundRect">
+            <a:avLst/>
+          </a:prstGeom>
+          <a:solidFill>
+            <a:schemeClr val="accent1">
+              <a:lumMod val="40000"/>
+              <a:lumOff val="60000"/>
+            </a:schemeClr>
+          </a:solidFill>
+        </p:spPr>
+        <p:style>
+          <a:lnRef idx="2">
+            <a:schemeClr val="accent1">
+              <a:shade val="15000"/>
+            </a:schemeClr>
+          </a:lnRef>
+          <a:fillRef idx="1">
+            <a:schemeClr val="accent1"/>
+          </a:fillRef>
+          <a:effectRef idx="0">
+            <a:schemeClr val="accent1"/>
+          </a:effectRef>
+          <a:fontRef idx="minor">
+            <a:schemeClr val="lt1"/>
+          </a:fontRef>
+        </p:style>
+        <p:txBody>
+          <a:bodyPr rtlCol="0" anchor="ctr"/>
+          <a:lstStyle/>
+          <a:p>
+            <a:pPr algn="ctr"/>
+            <a:r>
+              <a:rPr lang="en-US" altLang="zh-CN" sz="1100" dirty="0"/>
+              <a:t>Nhi2</a:t>
+            </a:r>
+            <a:endParaRPr lang="zh-CN" altLang="en-US" sz="1100" dirty="0"/>
+          </a:p>
+        </p:txBody>
+      </p:sp>
+      <p:sp>
+        <p:nvSpPr>
+          <p:cNvPr id="65" name="矩形: 圆角 64">
+            <a:extLst>
+              <a:ext uri="{FF2B5EF4-FFF2-40B4-BE49-F238E27FC236}">
+                <a16:creationId xmlns:a16="http://schemas.microsoft.com/office/drawing/2014/main" id="{05BAFA6E-55AD-4BD2-A276-EC40735ACB51}"/>
+              </a:ext>
+            </a:extLst>
+          </p:cNvPr>
+          <p:cNvSpPr/>
+          <p:nvPr/>
+        </p:nvSpPr>
+        <p:spPr>
+          <a:xfrm>
+            <a:off x="4405466" y="3514916"/>
+            <a:ext cx="753375" cy="362309"/>
+          </a:xfrm>
+          <a:prstGeom prst="roundRect">
+            <a:avLst/>
+          </a:prstGeom>
+          <a:solidFill>
+            <a:schemeClr val="accent1">
+              <a:lumMod val="40000"/>
+              <a:lumOff val="60000"/>
+            </a:schemeClr>
+          </a:solidFill>
+        </p:spPr>
+        <p:style>
+          <a:lnRef idx="2">
+            <a:schemeClr val="accent1">
+              <a:shade val="15000"/>
+            </a:schemeClr>
+          </a:lnRef>
+          <a:fillRef idx="1">
+            <a:schemeClr val="accent1"/>
+          </a:fillRef>
+          <a:effectRef idx="0">
+            <a:schemeClr val="accent1"/>
+          </a:effectRef>
+          <a:fontRef idx="minor">
+            <a:schemeClr val="lt1"/>
+          </a:fontRef>
+        </p:style>
+        <p:txBody>
+          <a:bodyPr rtlCol="0" anchor="ctr"/>
+          <a:lstStyle/>
+          <a:p>
+            <a:pPr algn="ctr"/>
+            <a:r>
+              <a:rPr lang="en-US" altLang="zh-CN" sz="1100" dirty="0" err="1"/>
+              <a:t>NhiM</a:t>
+            </a:r>
+            <a:endParaRPr lang="zh-CN" altLang="en-US" sz="1100" dirty="0"/>
+          </a:p>
+        </p:txBody>
+      </p:sp>
+      <p:sp>
+        <p:nvSpPr>
+          <p:cNvPr id="66" name="椭圆 65">
+            <a:extLst>
+              <a:ext uri="{FF2B5EF4-FFF2-40B4-BE49-F238E27FC236}">
+                <a16:creationId xmlns:a16="http://schemas.microsoft.com/office/drawing/2014/main" id="{4A6D23A4-AA8D-4CE8-9A3E-65329D529366}"/>
+              </a:ext>
+            </a:extLst>
+          </p:cNvPr>
+          <p:cNvSpPr/>
+          <p:nvPr/>
+        </p:nvSpPr>
+        <p:spPr>
+          <a:xfrm>
+            <a:off x="4737822" y="2563809"/>
+            <a:ext cx="140394" cy="140394"/>
+          </a:xfrm>
+          <a:prstGeom prst="ellipse">
+            <a:avLst/>
+          </a:prstGeom>
+        </p:spPr>
+        <p:style>
+          <a:lnRef idx="2">
+            <a:schemeClr val="dk1">
+              <a:shade val="15000"/>
+            </a:schemeClr>
+          </a:lnRef>
+          <a:fillRef idx="1">
+            <a:schemeClr val="dk1"/>
+          </a:fillRef>
+          <a:effectRef idx="0">
+            <a:schemeClr val="dk1"/>
+          </a:effectRef>
+          <a:fontRef idx="minor">
+            <a:schemeClr val="lt1"/>
+          </a:fontRef>
+        </p:style>
+        <p:txBody>
+          <a:bodyPr rtlCol="0" anchor="ctr"/>
+          <a:lstStyle/>
+          <a:p>
+            <a:pPr algn="ctr"/>
+            <a:endParaRPr lang="zh-CN" altLang="en-US" sz="1100"/>
+          </a:p>
+        </p:txBody>
+      </p:sp>
+      <p:sp>
+        <p:nvSpPr>
+          <p:cNvPr id="68" name="椭圆 67">
+            <a:extLst>
+              <a:ext uri="{FF2B5EF4-FFF2-40B4-BE49-F238E27FC236}">
+                <a16:creationId xmlns:a16="http://schemas.microsoft.com/office/drawing/2014/main" id="{CA3B9708-AD24-46B0-B1A2-8C806C4E45FA}"/>
+              </a:ext>
+            </a:extLst>
+          </p:cNvPr>
+          <p:cNvSpPr/>
+          <p:nvPr/>
+        </p:nvSpPr>
+        <p:spPr>
+          <a:xfrm>
+            <a:off x="4736286" y="2845217"/>
+            <a:ext cx="140394" cy="140394"/>
+          </a:xfrm>
+          <a:prstGeom prst="ellipse">
+            <a:avLst/>
+          </a:prstGeom>
+        </p:spPr>
+        <p:style>
+          <a:lnRef idx="2">
+            <a:schemeClr val="dk1">
+              <a:shade val="15000"/>
+            </a:schemeClr>
+          </a:lnRef>
+          <a:fillRef idx="1">
+            <a:schemeClr val="dk1"/>
+          </a:fillRef>
+          <a:effectRef idx="0">
+            <a:schemeClr val="dk1"/>
+          </a:effectRef>
+          <a:fontRef idx="minor">
+            <a:schemeClr val="lt1"/>
+          </a:fontRef>
+        </p:style>
+        <p:txBody>
+          <a:bodyPr rtlCol="0" anchor="ctr"/>
+          <a:lstStyle/>
+          <a:p>
+            <a:pPr algn="ctr"/>
+            <a:endParaRPr lang="zh-CN" altLang="en-US" sz="1100"/>
+          </a:p>
+        </p:txBody>
+      </p:sp>
+      <p:sp>
+        <p:nvSpPr>
+          <p:cNvPr id="69" name="椭圆 68">
+            <a:extLst>
+              <a:ext uri="{FF2B5EF4-FFF2-40B4-BE49-F238E27FC236}">
+                <a16:creationId xmlns:a16="http://schemas.microsoft.com/office/drawing/2014/main" id="{7D66F065-6620-491F-BB02-9514C256481D}"/>
+              </a:ext>
+            </a:extLst>
+          </p:cNvPr>
+          <p:cNvSpPr/>
+          <p:nvPr/>
+        </p:nvSpPr>
+        <p:spPr>
+          <a:xfrm>
+            <a:off x="4736286" y="3157575"/>
+            <a:ext cx="140394" cy="140394"/>
+          </a:xfrm>
+          <a:prstGeom prst="ellipse">
+            <a:avLst/>
+          </a:prstGeom>
+        </p:spPr>
+        <p:style>
+          <a:lnRef idx="2">
+            <a:schemeClr val="dk1">
+              <a:shade val="15000"/>
+            </a:schemeClr>
+          </a:lnRef>
+          <a:fillRef idx="1">
+            <a:schemeClr val="dk1"/>
+          </a:fillRef>
+          <a:effectRef idx="0">
+            <a:schemeClr val="dk1"/>
+          </a:effectRef>
+          <a:fontRef idx="minor">
+            <a:schemeClr val="lt1"/>
+          </a:fontRef>
+        </p:style>
+        <p:txBody>
+          <a:bodyPr rtlCol="0" anchor="ctr"/>
+          <a:lstStyle/>
+          <a:p>
+            <a:pPr algn="ctr"/>
+            <a:endParaRPr lang="zh-CN" altLang="en-US" sz="1100"/>
+          </a:p>
+        </p:txBody>
+      </p:sp>
+      <p:sp>
+        <p:nvSpPr>
+          <p:cNvPr id="13" name="矩形: 圆角 12">
+            <a:extLst>
+              <a:ext uri="{FF2B5EF4-FFF2-40B4-BE49-F238E27FC236}">
+                <a16:creationId xmlns:a16="http://schemas.microsoft.com/office/drawing/2014/main" id="{EF8ED48B-F904-46C6-A5EB-4E9AE13F252A}"/>
+              </a:ext>
+            </a:extLst>
+          </p:cNvPr>
+          <p:cNvSpPr/>
+          <p:nvPr/>
+        </p:nvSpPr>
+        <p:spPr>
+          <a:xfrm>
+            <a:off x="7460741" y="1212447"/>
+            <a:ext cx="1616750" cy="638296"/>
+          </a:xfrm>
+          <a:prstGeom prst="roundRect">
+            <a:avLst/>
+          </a:prstGeom>
+          <a:solidFill>
+            <a:schemeClr val="accent1">
+              <a:lumMod val="40000"/>
+              <a:lumOff val="60000"/>
+            </a:schemeClr>
+          </a:solidFill>
+        </p:spPr>
+        <p:style>
+          <a:lnRef idx="2">
+            <a:schemeClr val="accent1">
+              <a:shade val="50000"/>
+            </a:schemeClr>
+          </a:lnRef>
+          <a:fillRef idx="1">
+            <a:schemeClr val="accent1"/>
+          </a:fillRef>
+          <a:effectRef idx="0">
+            <a:schemeClr val="accent1"/>
+          </a:effectRef>
+          <a:fontRef idx="minor">
+            <a:schemeClr val="lt1"/>
+          </a:fontRef>
+        </p:style>
+        <p:txBody>
+          <a:bodyPr rtlCol="0" anchor="ctr"/>
+          <a:lstStyle/>
+          <a:p>
+            <a:pPr algn="ctr"/>
+            <a:r>
+              <a:rPr lang="zh-CN" altLang="en-US" sz="1100" dirty="0"/>
+              <a:t>向量加权平均算法</a:t>
+            </a:r>
+            <a:r>
+              <a:rPr lang="en-US" altLang="zh-CN" sz="1100" dirty="0"/>
+              <a:t>INFO</a:t>
+            </a:r>
+            <a:endParaRPr lang="zh-CN" altLang="en-US" sz="1100" dirty="0"/>
+          </a:p>
+        </p:txBody>
+      </p:sp>
+      <p:sp>
+        <p:nvSpPr>
+          <p:cNvPr id="77" name="箭头: 右 76">
+            <a:extLst>
+              <a:ext uri="{FF2B5EF4-FFF2-40B4-BE49-F238E27FC236}">
+                <a16:creationId xmlns:a16="http://schemas.microsoft.com/office/drawing/2014/main" id="{0B01E458-4673-4C03-AB26-31E810109A38}"/>
+              </a:ext>
+            </a:extLst>
+          </p:cNvPr>
+          <p:cNvSpPr/>
+          <p:nvPr/>
+        </p:nvSpPr>
+        <p:spPr>
+          <a:xfrm>
+            <a:off x="5240998" y="2519479"/>
+            <a:ext cx="300635" cy="362308"/>
+          </a:xfrm>
+          <a:prstGeom prst="rightArrow">
+            <a:avLst>
+              <a:gd name="adj1" fmla="val 50000"/>
+              <a:gd name="adj2" fmla="val 50000"/>
+            </a:avLst>
+          </a:prstGeom>
+          <a:solidFill>
+            <a:schemeClr val="accent1">
+              <a:lumMod val="40000"/>
+              <a:lumOff val="60000"/>
+            </a:schemeClr>
+          </a:solidFill>
+        </p:spPr>
+        <p:style>
+          <a:lnRef idx="2">
+            <a:schemeClr val="accent1">
+              <a:shade val="15000"/>
+            </a:schemeClr>
+          </a:lnRef>
+          <a:fillRef idx="1">
+            <a:schemeClr val="accent1"/>
+          </a:fillRef>
+          <a:effectRef idx="0">
+            <a:schemeClr val="accent1"/>
+          </a:effectRef>
+          <a:fontRef idx="minor">
+            <a:schemeClr val="lt1"/>
+          </a:fontRef>
+        </p:style>
+        <p:txBody>
+          <a:bodyPr rtlCol="0" anchor="ctr"/>
+          <a:lstStyle/>
+          <a:p>
+            <a:pPr algn="ctr"/>
+            <a:endParaRPr lang="zh-CN" altLang="en-US"/>
+          </a:p>
+        </p:txBody>
+      </p:sp>
+      <p:sp>
+        <p:nvSpPr>
+          <p:cNvPr id="14" name="矩形: 圆角 13">
+            <a:extLst>
+              <a:ext uri="{FF2B5EF4-FFF2-40B4-BE49-F238E27FC236}">
+                <a16:creationId xmlns:a16="http://schemas.microsoft.com/office/drawing/2014/main" id="{5F530FBD-C10B-478E-B4D3-62AA461D145A}"/>
+              </a:ext>
+            </a:extLst>
+          </p:cNvPr>
+          <p:cNvSpPr/>
+          <p:nvPr/>
+        </p:nvSpPr>
+        <p:spPr>
+          <a:xfrm>
+            <a:off x="5758160" y="4390638"/>
+            <a:ext cx="476659" cy="327880"/>
+          </a:xfrm>
+          <a:prstGeom prst="roundRect">
+            <a:avLst/>
+          </a:prstGeom>
+          <a:solidFill>
+            <a:schemeClr val="accent1">
+              <a:lumMod val="40000"/>
+              <a:lumOff val="60000"/>
+            </a:schemeClr>
+          </a:solidFill>
+        </p:spPr>
+        <p:style>
+          <a:lnRef idx="2">
+            <a:schemeClr val="accent1">
+              <a:shade val="50000"/>
+            </a:schemeClr>
+          </a:lnRef>
+          <a:fillRef idx="1">
+            <a:schemeClr val="accent1"/>
+          </a:fillRef>
+          <a:effectRef idx="0">
+            <a:schemeClr val="accent1"/>
+          </a:effectRef>
+          <a:fontRef idx="minor">
+            <a:schemeClr val="lt1"/>
+          </a:fontRef>
+        </p:style>
+        <p:txBody>
+          <a:bodyPr rtlCol="0" anchor="ctr"/>
+          <a:lstStyle/>
+          <a:p>
+            <a:pPr algn="ctr"/>
+            <a:r>
+              <a:rPr lang="zh-CN" altLang="en-US" sz="800" dirty="0"/>
+              <a:t>蝙蝠算法</a:t>
+            </a:r>
+          </a:p>
+        </p:txBody>
+      </p:sp>
+      <p:sp>
+        <p:nvSpPr>
+          <p:cNvPr id="78" name="椭圆 77">
+            <a:extLst>
+              <a:ext uri="{FF2B5EF4-FFF2-40B4-BE49-F238E27FC236}">
+                <a16:creationId xmlns:a16="http://schemas.microsoft.com/office/drawing/2014/main" id="{E453BE52-CA5F-45AB-936B-59F7FC085254}"/>
+              </a:ext>
+            </a:extLst>
+          </p:cNvPr>
+          <p:cNvSpPr/>
+          <p:nvPr/>
+        </p:nvSpPr>
+        <p:spPr>
+          <a:xfrm>
+            <a:off x="6937131" y="5340243"/>
+            <a:ext cx="575167" cy="279351"/>
+          </a:xfrm>
+          <a:prstGeom prst="ellipse">
+            <a:avLst/>
+          </a:prstGeom>
+          <a:solidFill>
+            <a:schemeClr val="accent1">
+              <a:lumMod val="40000"/>
+              <a:lumOff val="60000"/>
+            </a:schemeClr>
+          </a:solidFill>
+        </p:spPr>
+        <p:style>
+          <a:lnRef idx="2">
+            <a:schemeClr val="accent1">
+              <a:shade val="15000"/>
+            </a:schemeClr>
+          </a:lnRef>
+          <a:fillRef idx="1">
+            <a:schemeClr val="accent1"/>
+          </a:fillRef>
+          <a:effectRef idx="0">
+            <a:schemeClr val="accent1"/>
+          </a:effectRef>
+          <a:fontRef idx="minor">
+            <a:schemeClr val="lt1"/>
+          </a:fontRef>
+        </p:style>
+        <p:txBody>
+          <a:bodyPr rtlCol="0" anchor="ctr"/>
+          <a:lstStyle/>
+          <a:p>
+            <a:pPr algn="ctr"/>
+            <a:r>
+              <a:rPr lang="en-US" altLang="zh-CN" sz="800" b="0" i="0" dirty="0">
+                <a:solidFill>
+                  <a:srgbClr val="333333"/>
+                </a:solidFill>
+                <a:effectLst/>
+                <a:latin typeface="-apple-system"/>
               </a:rPr>
-              <a:t>高低频叠加</a:t>
-            </a:r>
+              <a:t>CART</a:t>
+            </a:r>
+            <a:r>
+              <a:rPr lang="zh-CN" altLang="en-US" sz="800" b="0" i="0" dirty="0">
+                <a:solidFill>
+                  <a:srgbClr val="333333"/>
+                </a:solidFill>
+                <a:effectLst/>
+                <a:latin typeface="-apple-system"/>
+              </a:rPr>
+              <a:t>决策树</a:t>
+            </a:r>
+            <a:r>
+              <a:rPr lang="en-US" altLang="zh-CN" sz="800" dirty="0">
+                <a:solidFill>
+                  <a:srgbClr val="333333"/>
+                </a:solidFill>
+                <a:latin typeface="-apple-system"/>
+              </a:rPr>
+              <a:t>2</a:t>
+            </a:r>
+            <a:endParaRPr lang="zh-CN" altLang="en-US" sz="800" dirty="0"/>
+          </a:p>
+        </p:txBody>
+      </p:sp>
+      <p:sp>
+        <p:nvSpPr>
+          <p:cNvPr id="79" name="矩形 78">
+            <a:extLst>
+              <a:ext uri="{FF2B5EF4-FFF2-40B4-BE49-F238E27FC236}">
+                <a16:creationId xmlns:a16="http://schemas.microsoft.com/office/drawing/2014/main" id="{E818D053-0451-4D9F-94A9-F4B64BCE6254}"/>
+              </a:ext>
+            </a:extLst>
+          </p:cNvPr>
+          <p:cNvSpPr/>
+          <p:nvPr/>
+        </p:nvSpPr>
+        <p:spPr>
+          <a:xfrm>
+            <a:off x="5812940" y="1002728"/>
+            <a:ext cx="5295116" cy="2930312"/>
+          </a:xfrm>
+          <a:prstGeom prst="rect">
+            <a:avLst/>
+          </a:prstGeom>
+          <a:noFill/>
+          <a:ln>
+            <a:solidFill>
+              <a:schemeClr val="accent1">
+                <a:shade val="15000"/>
+              </a:schemeClr>
+            </a:solidFill>
+            <a:prstDash val="dash"/>
+            <a:extLst>
+              <a:ext uri="{C807C97D-BFC1-408E-A445-0C87EB9F89A2}">
+                <ask:lineSketchStyleProps xmlns:ask="http://schemas.microsoft.com/office/drawing/2018/sketchyshapes" xmlns="" sd="1219033472">
+                  <a:custGeom>
+                    <a:avLst/>
+                    <a:gdLst>
+                      <a:gd name="connsiteX0" fmla="*/ 0 w 3595196"/>
+                      <a:gd name="connsiteY0" fmla="*/ 0 h 3488923"/>
+                      <a:gd name="connsiteX1" fmla="*/ 563247 w 3595196"/>
+                      <a:gd name="connsiteY1" fmla="*/ 0 h 3488923"/>
+                      <a:gd name="connsiteX2" fmla="*/ 1054591 w 3595196"/>
+                      <a:gd name="connsiteY2" fmla="*/ 0 h 3488923"/>
+                      <a:gd name="connsiteX3" fmla="*/ 1725694 w 3595196"/>
+                      <a:gd name="connsiteY3" fmla="*/ 0 h 3488923"/>
+                      <a:gd name="connsiteX4" fmla="*/ 2288941 w 3595196"/>
+                      <a:gd name="connsiteY4" fmla="*/ 0 h 3488923"/>
+                      <a:gd name="connsiteX5" fmla="*/ 2852189 w 3595196"/>
+                      <a:gd name="connsiteY5" fmla="*/ 0 h 3488923"/>
+                      <a:gd name="connsiteX6" fmla="*/ 3595196 w 3595196"/>
+                      <a:gd name="connsiteY6" fmla="*/ 0 h 3488923"/>
+                      <a:gd name="connsiteX7" fmla="*/ 3595196 w 3595196"/>
+                      <a:gd name="connsiteY7" fmla="*/ 628006 h 3488923"/>
+                      <a:gd name="connsiteX8" fmla="*/ 3595196 w 3595196"/>
+                      <a:gd name="connsiteY8" fmla="*/ 1325791 h 3488923"/>
+                      <a:gd name="connsiteX9" fmla="*/ 3595196 w 3595196"/>
+                      <a:gd name="connsiteY9" fmla="*/ 1953797 h 3488923"/>
+                      <a:gd name="connsiteX10" fmla="*/ 3595196 w 3595196"/>
+                      <a:gd name="connsiteY10" fmla="*/ 2581803 h 3488923"/>
+                      <a:gd name="connsiteX11" fmla="*/ 3595196 w 3595196"/>
+                      <a:gd name="connsiteY11" fmla="*/ 3488923 h 3488923"/>
+                      <a:gd name="connsiteX12" fmla="*/ 2960045 w 3595196"/>
+                      <a:gd name="connsiteY12" fmla="*/ 3488923 h 3488923"/>
+                      <a:gd name="connsiteX13" fmla="*/ 2288941 w 3595196"/>
+                      <a:gd name="connsiteY13" fmla="*/ 3488923 h 3488923"/>
+                      <a:gd name="connsiteX14" fmla="*/ 1617838 w 3595196"/>
+                      <a:gd name="connsiteY14" fmla="*/ 3488923 h 3488923"/>
+                      <a:gd name="connsiteX15" fmla="*/ 1090543 w 3595196"/>
+                      <a:gd name="connsiteY15" fmla="*/ 3488923 h 3488923"/>
+                      <a:gd name="connsiteX16" fmla="*/ 0 w 3595196"/>
+                      <a:gd name="connsiteY16" fmla="*/ 3488923 h 3488923"/>
+                      <a:gd name="connsiteX17" fmla="*/ 0 w 3595196"/>
+                      <a:gd name="connsiteY17" fmla="*/ 2721360 h 3488923"/>
+                      <a:gd name="connsiteX18" fmla="*/ 0 w 3595196"/>
+                      <a:gd name="connsiteY18" fmla="*/ 2128243 h 3488923"/>
+                      <a:gd name="connsiteX19" fmla="*/ 0 w 3595196"/>
+                      <a:gd name="connsiteY19" fmla="*/ 1500237 h 3488923"/>
+                      <a:gd name="connsiteX20" fmla="*/ 0 w 3595196"/>
+                      <a:gd name="connsiteY20" fmla="*/ 872231 h 3488923"/>
+                      <a:gd name="connsiteX21" fmla="*/ 0 w 3595196"/>
+                      <a:gd name="connsiteY21" fmla="*/ 0 h 3488923"/>
+                    </a:gdLst>
+                    <a:ahLst/>
+                    <a:cxnLst>
+                      <a:cxn ang="0">
+                        <a:pos x="connsiteX0" y="connsiteY0"/>
+                      </a:cxn>
+                      <a:cxn ang="0">
+                        <a:pos x="connsiteX1" y="connsiteY1"/>
+                      </a:cxn>
+                      <a:cxn ang="0">
+                        <a:pos x="connsiteX2" y="connsiteY2"/>
+                      </a:cxn>
+                      <a:cxn ang="0">
+                        <a:pos x="connsiteX3" y="connsiteY3"/>
+                      </a:cxn>
+                      <a:cxn ang="0">
+                        <a:pos x="connsiteX4" y="connsiteY4"/>
+                      </a:cxn>
+                      <a:cxn ang="0">
+                        <a:pos x="connsiteX5" y="connsiteY5"/>
+                      </a:cxn>
+                      <a:cxn ang="0">
+                        <a:pos x="connsiteX6" y="connsiteY6"/>
+                      </a:cxn>
+                      <a:cxn ang="0">
+                        <a:pos x="connsiteX7" y="connsiteY7"/>
+                      </a:cxn>
+                      <a:cxn ang="0">
+                        <a:pos x="connsiteX8" y="connsiteY8"/>
+                      </a:cxn>
+                      <a:cxn ang="0">
+                        <a:pos x="connsiteX9" y="connsiteY9"/>
+                      </a:cxn>
+                      <a:cxn ang="0">
+                        <a:pos x="connsiteX10" y="connsiteY10"/>
+                      </a:cxn>
+                      <a:cxn ang="0">
+                        <a:pos x="connsiteX11" y="connsiteY11"/>
+                      </a:cxn>
+                      <a:cxn ang="0">
+                        <a:pos x="connsiteX12" y="connsiteY12"/>
+                      </a:cxn>
+                      <a:cxn ang="0">
+                        <a:pos x="connsiteX13" y="connsiteY13"/>
+                      </a:cxn>
+                      <a:cxn ang="0">
+                        <a:pos x="connsiteX14" y="connsiteY14"/>
+                      </a:cxn>
+                      <a:cxn ang="0">
+                        <a:pos x="connsiteX15" y="connsiteY15"/>
+                      </a:cxn>
+                      <a:cxn ang="0">
+                        <a:pos x="connsiteX16" y="connsiteY16"/>
+                      </a:cxn>
+                      <a:cxn ang="0">
+                        <a:pos x="connsiteX17" y="connsiteY17"/>
+                      </a:cxn>
+                      <a:cxn ang="0">
+                        <a:pos x="connsiteX18" y="connsiteY18"/>
+                      </a:cxn>
+                      <a:cxn ang="0">
+                        <a:pos x="connsiteX19" y="connsiteY19"/>
+                      </a:cxn>
+                      <a:cxn ang="0">
+                        <a:pos x="connsiteX20" y="connsiteY20"/>
+                      </a:cxn>
+                      <a:cxn ang="0">
+                        <a:pos x="connsiteX21" y="connsiteY21"/>
+                      </a:cxn>
+                    </a:cxnLst>
+                    <a:rect l="l" t="t" r="r" b="b"/>
+                    <a:pathLst>
+                      <a:path w="3595196" h="3488923" extrusionOk="0">
+                        <a:moveTo>
+                          <a:pt x="0" y="0"/>
+                        </a:moveTo>
+                        <a:cubicBezTo>
+                          <a:pt x="149156" y="-20299"/>
+                          <a:pt x="353103" y="-16551"/>
+                          <a:pt x="563247" y="0"/>
+                        </a:cubicBezTo>
+                        <a:cubicBezTo>
+                          <a:pt x="773391" y="16551"/>
+                          <a:pt x="937663" y="-13606"/>
+                          <a:pt x="1054591" y="0"/>
+                        </a:cubicBezTo>
+                        <a:cubicBezTo>
+                          <a:pt x="1171519" y="13606"/>
+                          <a:pt x="1580439" y="18120"/>
+                          <a:pt x="1725694" y="0"/>
+                        </a:cubicBezTo>
+                        <a:cubicBezTo>
+                          <a:pt x="1870949" y="-18120"/>
+                          <a:pt x="2077869" y="16282"/>
+                          <a:pt x="2288941" y="0"/>
+                        </a:cubicBezTo>
+                        <a:cubicBezTo>
+                          <a:pt x="2500013" y="-16282"/>
+                          <a:pt x="2660767" y="-5659"/>
+                          <a:pt x="2852189" y="0"/>
+                        </a:cubicBezTo>
+                        <a:cubicBezTo>
+                          <a:pt x="3043611" y="5659"/>
+                          <a:pt x="3284036" y="-3840"/>
+                          <a:pt x="3595196" y="0"/>
+                        </a:cubicBezTo>
+                        <a:cubicBezTo>
+                          <a:pt x="3609934" y="190344"/>
+                          <a:pt x="3567707" y="357584"/>
+                          <a:pt x="3595196" y="628006"/>
+                        </a:cubicBezTo>
+                        <a:cubicBezTo>
+                          <a:pt x="3622685" y="898428"/>
+                          <a:pt x="3618601" y="1103762"/>
+                          <a:pt x="3595196" y="1325791"/>
+                        </a:cubicBezTo>
+                        <a:cubicBezTo>
+                          <a:pt x="3571791" y="1547820"/>
+                          <a:pt x="3581445" y="1720315"/>
+                          <a:pt x="3595196" y="1953797"/>
+                        </a:cubicBezTo>
+                        <a:cubicBezTo>
+                          <a:pt x="3608947" y="2187279"/>
+                          <a:pt x="3614932" y="2454919"/>
+                          <a:pt x="3595196" y="2581803"/>
+                        </a:cubicBezTo>
+                        <a:cubicBezTo>
+                          <a:pt x="3575460" y="2708687"/>
+                          <a:pt x="3592797" y="3207600"/>
+                          <a:pt x="3595196" y="3488923"/>
+                        </a:cubicBezTo>
+                        <a:cubicBezTo>
+                          <a:pt x="3325526" y="3509833"/>
+                          <a:pt x="3203948" y="3503026"/>
+                          <a:pt x="2960045" y="3488923"/>
+                        </a:cubicBezTo>
+                        <a:cubicBezTo>
+                          <a:pt x="2716142" y="3474820"/>
+                          <a:pt x="2503203" y="3464026"/>
+                          <a:pt x="2288941" y="3488923"/>
+                        </a:cubicBezTo>
+                        <a:cubicBezTo>
+                          <a:pt x="2074679" y="3513820"/>
+                          <a:pt x="1754746" y="3504239"/>
+                          <a:pt x="1617838" y="3488923"/>
+                        </a:cubicBezTo>
+                        <a:cubicBezTo>
+                          <a:pt x="1480930" y="3473607"/>
+                          <a:pt x="1273182" y="3486786"/>
+                          <a:pt x="1090543" y="3488923"/>
+                        </a:cubicBezTo>
+                        <a:cubicBezTo>
+                          <a:pt x="907905" y="3491060"/>
+                          <a:pt x="349115" y="3472026"/>
+                          <a:pt x="0" y="3488923"/>
+                        </a:cubicBezTo>
+                        <a:cubicBezTo>
+                          <a:pt x="-33153" y="3168699"/>
+                          <a:pt x="29033" y="3061409"/>
+                          <a:pt x="0" y="2721360"/>
+                        </a:cubicBezTo>
+                        <a:cubicBezTo>
+                          <a:pt x="-29033" y="2381311"/>
+                          <a:pt x="8541" y="2414428"/>
+                          <a:pt x="0" y="2128243"/>
+                        </a:cubicBezTo>
+                        <a:cubicBezTo>
+                          <a:pt x="-8541" y="1842058"/>
+                          <a:pt x="-8859" y="1666521"/>
+                          <a:pt x="0" y="1500237"/>
+                        </a:cubicBezTo>
+                        <a:cubicBezTo>
+                          <a:pt x="8859" y="1333953"/>
+                          <a:pt x="19836" y="1012882"/>
+                          <a:pt x="0" y="872231"/>
+                        </a:cubicBezTo>
+                        <a:cubicBezTo>
+                          <a:pt x="-19836" y="731580"/>
+                          <a:pt x="32890" y="176066"/>
+                          <a:pt x="0" y="0"/>
+                        </a:cubicBezTo>
+                        <a:close/>
+                      </a:path>
+                    </a:pathLst>
+                  </a:custGeom>
+                  <ask:type>
+                    <ask:lineSketchNone/>
+                  </ask:type>
+                </ask:lineSketchStyleProps>
+              </a:ext>
+            </a:extLst>
+          </a:ln>
+        </p:spPr>
+        <p:style>
+          <a:lnRef idx="2">
+            <a:schemeClr val="accent1">
+              <a:shade val="15000"/>
+            </a:schemeClr>
+          </a:lnRef>
+          <a:fillRef idx="1">
+            <a:schemeClr val="accent1"/>
+          </a:fillRef>
+          <a:effectRef idx="0">
+            <a:schemeClr val="accent1"/>
+          </a:effectRef>
+          <a:fontRef idx="minor">
+            <a:schemeClr val="lt1"/>
+          </a:fontRef>
+        </p:style>
+        <p:txBody>
+          <a:bodyPr rtlCol="0" anchor="ctr"/>
+          <a:lstStyle/>
+          <a:p>
+            <a:pPr algn="ctr"/>
+            <a:endParaRPr lang="zh-CN" altLang="en-US"/>
+          </a:p>
+        </p:txBody>
+      </p:sp>
+      <p:sp>
+        <p:nvSpPr>
+          <p:cNvPr id="80" name="矩形: 圆角 79">
+            <a:extLst>
+              <a:ext uri="{FF2B5EF4-FFF2-40B4-BE49-F238E27FC236}">
+                <a16:creationId xmlns:a16="http://schemas.microsoft.com/office/drawing/2014/main" id="{BAC42DE5-B970-4C2A-AE8D-464039D6DF48}"/>
+              </a:ext>
+            </a:extLst>
+          </p:cNvPr>
+          <p:cNvSpPr/>
+          <p:nvPr/>
+        </p:nvSpPr>
+        <p:spPr>
+          <a:xfrm>
+            <a:off x="6565829" y="2950077"/>
+            <a:ext cx="556187" cy="362309"/>
+          </a:xfrm>
+          <a:prstGeom prst="roundRect">
+            <a:avLst/>
+          </a:prstGeom>
+          <a:solidFill>
+            <a:schemeClr val="accent1">
+              <a:lumMod val="40000"/>
+              <a:lumOff val="60000"/>
+            </a:schemeClr>
+          </a:solidFill>
+        </p:spPr>
+        <p:style>
+          <a:lnRef idx="2">
+            <a:schemeClr val="accent1">
+              <a:shade val="15000"/>
+            </a:schemeClr>
+          </a:lnRef>
+          <a:fillRef idx="1">
+            <a:schemeClr val="accent1"/>
+          </a:fillRef>
+          <a:effectRef idx="0">
+            <a:schemeClr val="accent1"/>
+          </a:effectRef>
+          <a:fontRef idx="minor">
+            <a:schemeClr val="lt1"/>
+          </a:fontRef>
+        </p:style>
+        <p:txBody>
+          <a:bodyPr rtlCol="0" anchor="ctr"/>
+          <a:lstStyle/>
+          <a:p>
+            <a:pPr algn="ctr"/>
+            <a:r>
+              <a:rPr lang="en-US" altLang="zh-CN" sz="1100" dirty="0"/>
+              <a:t>XGB1</a:t>
+            </a:r>
+            <a:endParaRPr lang="zh-CN" altLang="en-US" sz="1100" dirty="0"/>
+          </a:p>
+        </p:txBody>
+      </p:sp>
+      <p:sp>
+        <p:nvSpPr>
+          <p:cNvPr id="81" name="矩形: 圆角 80">
+            <a:extLst>
+              <a:ext uri="{FF2B5EF4-FFF2-40B4-BE49-F238E27FC236}">
+                <a16:creationId xmlns:a16="http://schemas.microsoft.com/office/drawing/2014/main" id="{A87C8F48-A8C6-4324-AF74-6F43CDA1333B}"/>
+              </a:ext>
+            </a:extLst>
+          </p:cNvPr>
+          <p:cNvSpPr/>
+          <p:nvPr/>
+        </p:nvSpPr>
+        <p:spPr>
+          <a:xfrm>
+            <a:off x="7439592" y="2950077"/>
+            <a:ext cx="556187" cy="362309"/>
+          </a:xfrm>
+          <a:prstGeom prst="roundRect">
+            <a:avLst/>
+          </a:prstGeom>
+          <a:solidFill>
+            <a:schemeClr val="accent1">
+              <a:lumMod val="40000"/>
+              <a:lumOff val="60000"/>
+            </a:schemeClr>
+          </a:solidFill>
+        </p:spPr>
+        <p:style>
+          <a:lnRef idx="2">
+            <a:schemeClr val="accent1">
+              <a:shade val="15000"/>
+            </a:schemeClr>
+          </a:lnRef>
+          <a:fillRef idx="1">
+            <a:schemeClr val="accent1"/>
+          </a:fillRef>
+          <a:effectRef idx="0">
+            <a:schemeClr val="accent1"/>
+          </a:effectRef>
+          <a:fontRef idx="minor">
+            <a:schemeClr val="lt1"/>
+          </a:fontRef>
+        </p:style>
+        <p:txBody>
+          <a:bodyPr rtlCol="0" anchor="ctr"/>
+          <a:lstStyle/>
+          <a:p>
+            <a:pPr algn="ctr"/>
+            <a:r>
+              <a:rPr lang="en-US" altLang="zh-CN" sz="1100" dirty="0"/>
+              <a:t>XGB2</a:t>
+            </a:r>
+            <a:endParaRPr lang="zh-CN" altLang="en-US" sz="1100" dirty="0"/>
+          </a:p>
+        </p:txBody>
+      </p:sp>
+      <p:sp>
+        <p:nvSpPr>
+          <p:cNvPr id="82" name="矩形: 圆角 81">
+            <a:extLst>
+              <a:ext uri="{FF2B5EF4-FFF2-40B4-BE49-F238E27FC236}">
+                <a16:creationId xmlns:a16="http://schemas.microsoft.com/office/drawing/2014/main" id="{FB28FBA8-FEBA-40EF-B111-136CC0320E6C}"/>
+              </a:ext>
+            </a:extLst>
+          </p:cNvPr>
+          <p:cNvSpPr/>
+          <p:nvPr/>
+        </p:nvSpPr>
+        <p:spPr>
+          <a:xfrm>
+            <a:off x="9274457" y="2950077"/>
+            <a:ext cx="556187" cy="362309"/>
+          </a:xfrm>
+          <a:prstGeom prst="roundRect">
+            <a:avLst/>
+          </a:prstGeom>
+          <a:solidFill>
+            <a:schemeClr val="accent1">
+              <a:lumMod val="40000"/>
+              <a:lumOff val="60000"/>
+            </a:schemeClr>
+          </a:solidFill>
+        </p:spPr>
+        <p:style>
+          <a:lnRef idx="2">
+            <a:schemeClr val="accent1">
+              <a:shade val="15000"/>
+            </a:schemeClr>
+          </a:lnRef>
+          <a:fillRef idx="1">
+            <a:schemeClr val="accent1"/>
+          </a:fillRef>
+          <a:effectRef idx="0">
+            <a:schemeClr val="accent1"/>
+          </a:effectRef>
+          <a:fontRef idx="minor">
+            <a:schemeClr val="lt1"/>
+          </a:fontRef>
+        </p:style>
+        <p:txBody>
+          <a:bodyPr rtlCol="0" anchor="ctr"/>
+          <a:lstStyle/>
+          <a:p>
+            <a:pPr algn="ctr"/>
+            <a:r>
+              <a:rPr lang="en-US" altLang="zh-CN" sz="1100" dirty="0"/>
+              <a:t>XGBs</a:t>
+            </a:r>
+            <a:endParaRPr lang="zh-CN" altLang="en-US" sz="1100" dirty="0"/>
+          </a:p>
+        </p:txBody>
+      </p:sp>
+      <p:sp>
+        <p:nvSpPr>
+          <p:cNvPr id="83" name="椭圆 82">
+            <a:extLst>
+              <a:ext uri="{FF2B5EF4-FFF2-40B4-BE49-F238E27FC236}">
+                <a16:creationId xmlns:a16="http://schemas.microsoft.com/office/drawing/2014/main" id="{F8974DDD-4575-4F07-9CEE-D699C4432052}"/>
+              </a:ext>
+            </a:extLst>
+          </p:cNvPr>
+          <p:cNvSpPr/>
+          <p:nvPr/>
+        </p:nvSpPr>
+        <p:spPr>
+          <a:xfrm>
+            <a:off x="8379740" y="3193182"/>
+            <a:ext cx="114881" cy="108830"/>
+          </a:xfrm>
+          <a:prstGeom prst="ellipse">
+            <a:avLst/>
+          </a:prstGeom>
+        </p:spPr>
+        <p:style>
+          <a:lnRef idx="2">
+            <a:schemeClr val="dk1">
+              <a:shade val="15000"/>
+            </a:schemeClr>
+          </a:lnRef>
+          <a:fillRef idx="1">
+            <a:schemeClr val="dk1"/>
+          </a:fillRef>
+          <a:effectRef idx="0">
+            <a:schemeClr val="dk1"/>
+          </a:effectRef>
+          <a:fontRef idx="minor">
+            <a:schemeClr val="lt1"/>
+          </a:fontRef>
+        </p:style>
+        <p:txBody>
+          <a:bodyPr rtlCol="0" anchor="ctr"/>
+          <a:lstStyle/>
+          <a:p>
+            <a:pPr algn="ctr"/>
+            <a:endParaRPr lang="zh-CN" altLang="en-US" sz="800"/>
+          </a:p>
+        </p:txBody>
+      </p:sp>
+      <p:sp>
+        <p:nvSpPr>
+          <p:cNvPr id="84" name="椭圆 83">
+            <a:extLst>
+              <a:ext uri="{FF2B5EF4-FFF2-40B4-BE49-F238E27FC236}">
+                <a16:creationId xmlns:a16="http://schemas.microsoft.com/office/drawing/2014/main" id="{7592B0EA-219B-4103-80C7-2F45AF055E84}"/>
+              </a:ext>
+            </a:extLst>
+          </p:cNvPr>
+          <p:cNvSpPr/>
+          <p:nvPr/>
+        </p:nvSpPr>
+        <p:spPr>
+          <a:xfrm>
+            <a:off x="8578613" y="3193182"/>
+            <a:ext cx="114881" cy="108830"/>
+          </a:xfrm>
+          <a:prstGeom prst="ellipse">
+            <a:avLst/>
+          </a:prstGeom>
+        </p:spPr>
+        <p:style>
+          <a:lnRef idx="2">
+            <a:schemeClr val="dk1">
+              <a:shade val="15000"/>
+            </a:schemeClr>
+          </a:lnRef>
+          <a:fillRef idx="1">
+            <a:schemeClr val="dk1"/>
+          </a:fillRef>
+          <a:effectRef idx="0">
+            <a:schemeClr val="dk1"/>
+          </a:effectRef>
+          <a:fontRef idx="minor">
+            <a:schemeClr val="lt1"/>
+          </a:fontRef>
+        </p:style>
+        <p:txBody>
+          <a:bodyPr rtlCol="0" anchor="ctr"/>
+          <a:lstStyle/>
+          <a:p>
+            <a:pPr algn="ctr"/>
+            <a:endParaRPr lang="zh-CN" altLang="en-US" sz="800"/>
+          </a:p>
+        </p:txBody>
+      </p:sp>
+      <p:sp>
+        <p:nvSpPr>
+          <p:cNvPr id="85" name="椭圆 84">
+            <a:extLst>
+              <a:ext uri="{FF2B5EF4-FFF2-40B4-BE49-F238E27FC236}">
+                <a16:creationId xmlns:a16="http://schemas.microsoft.com/office/drawing/2014/main" id="{648BC0C8-9457-4221-9151-7CE5BCD9D5CC}"/>
+              </a:ext>
+            </a:extLst>
+          </p:cNvPr>
+          <p:cNvSpPr/>
+          <p:nvPr/>
+        </p:nvSpPr>
+        <p:spPr>
+          <a:xfrm>
+            <a:off x="8774692" y="3193182"/>
+            <a:ext cx="114881" cy="108830"/>
+          </a:xfrm>
+          <a:prstGeom prst="ellipse">
+            <a:avLst/>
+          </a:prstGeom>
+        </p:spPr>
+        <p:style>
+          <a:lnRef idx="2">
+            <a:schemeClr val="dk1">
+              <a:shade val="15000"/>
+            </a:schemeClr>
+          </a:lnRef>
+          <a:fillRef idx="1">
+            <a:schemeClr val="dk1"/>
+          </a:fillRef>
+          <a:effectRef idx="0">
+            <a:schemeClr val="dk1"/>
+          </a:effectRef>
+          <a:fontRef idx="minor">
+            <a:schemeClr val="lt1"/>
+          </a:fontRef>
+        </p:style>
+        <p:txBody>
+          <a:bodyPr rtlCol="0" anchor="ctr"/>
+          <a:lstStyle/>
+          <a:p>
+            <a:pPr algn="ctr"/>
+            <a:endParaRPr lang="zh-CN" altLang="en-US" sz="800"/>
           </a:p>
         </p:txBody>
       </p:sp>
     </p:spTree>
     <p:extLst>
       <p:ext uri="{BB962C8B-B14F-4D97-AF65-F5344CB8AC3E}">
-        <p14:creationId xmlns:p14="http://schemas.microsoft.com/office/powerpoint/2010/main" val="3414418063"/>
+        <p14:creationId xmlns:p14="http://schemas.microsoft.com/office/powerpoint/2010/main" val="1182924776"/>
       </p:ext>
     </p:extLst>
   </p:cSld>
@@ -7187,10 +10477,10 @@
       </p:grpSpPr>
       <p:sp>
         <p:nvSpPr>
-          <p:cNvPr id="3" name="文本框 2">
-            <a:extLst>
-              <a:ext uri="{FF2B5EF4-FFF2-40B4-BE49-F238E27FC236}">
-                <a16:creationId xmlns:a16="http://schemas.microsoft.com/office/drawing/2014/main" id="{0B604AE2-B201-667C-72F7-BDCC2D1C61FC}"/>
+          <p:cNvPr id="5" name="文本框 4">
+            <a:extLst>
+              <a:ext uri="{FF2B5EF4-FFF2-40B4-BE49-F238E27FC236}">
+                <a16:creationId xmlns:a16="http://schemas.microsoft.com/office/drawing/2014/main" id="{9E499E68-E892-40B7-FEEF-6154862BD509}"/>
               </a:ext>
             </a:extLst>
           </p:cNvPr>
@@ -7199,8 +10489,8 @@
         </p:nvSpPr>
         <p:spPr>
           <a:xfrm>
-            <a:off x="1572883" y="950668"/>
-            <a:ext cx="9046234" cy="2000548"/>
+            <a:off x="851754" y="2037882"/>
+            <a:ext cx="10488489" cy="2827441"/>
           </a:xfrm>
           <a:prstGeom prst="rect">
             <a:avLst/>
@@ -7208,100 +10498,89 @@
           <a:noFill/>
         </p:spPr>
         <p:txBody>
-          <a:bodyPr wrap="square">
+          <a:bodyPr wrap="square" rtlCol="0">
             <a:spAutoFit/>
           </a:bodyPr>
           <a:lstStyle/>
           <a:p>
             <a:r>
-              <a:rPr lang="zh-CN" altLang="en-US" sz="2800" b="0" i="0" dirty="0">
+              <a:rPr lang="en-US" altLang="zh-CN" sz="2800" b="0" i="0" dirty="0">
                 <a:solidFill>
                   <a:srgbClr val="000000"/>
                 </a:solidFill>
                 <a:effectLst/>
-                <a:latin typeface="黑体" panose="02010609060101010101" pitchFamily="49" charset="-122"/>
-                <a:ea typeface="黑体" panose="02010609060101010101" pitchFamily="49" charset="-122"/>
+                <a:latin typeface="Arial" panose="020B0604020202020204" pitchFamily="34" charset="0"/>
               </a:rPr>
-              <a:t>数据分解</a:t>
-            </a:r>
-            <a:endParaRPr lang="en-US" altLang="zh-CN" sz="2800" b="0" i="0" dirty="0">
-              <a:solidFill>
-                <a:srgbClr val="000000"/>
-              </a:solidFill>
-              <a:effectLst/>
-              <a:latin typeface="黑体" panose="02010609060101010101" pitchFamily="49" charset="-122"/>
-              <a:ea typeface="黑体" panose="02010609060101010101" pitchFamily="49" charset="-122"/>
-            </a:endParaRPr>
-          </a:p>
-          <a:p>
-            <a:endParaRPr lang="en-US" altLang="zh-CN" sz="2400" dirty="0">
-              <a:solidFill>
-                <a:srgbClr val="000000"/>
-              </a:solidFill>
-              <a:latin typeface="+mn-ea"/>
-            </a:endParaRPr>
-          </a:p>
-          <a:p>
-            <a:r>
-              <a:rPr lang="zh-CN" altLang="en-US" sz="2400" b="0" i="0" dirty="0">
-                <a:solidFill>
-                  <a:srgbClr val="000000"/>
-                </a:solidFill>
-                <a:effectLst/>
-                <a:latin typeface="+mn-ea"/>
-              </a:rPr>
-              <a:t>对非线性非平稳原始信号进行分解，得到有限个不同频率的</a:t>
-            </a:r>
-            <a:r>
-              <a:rPr lang="en-US" altLang="zh-CN" sz="2400" b="0" i="0" dirty="0" err="1">
-                <a:solidFill>
-                  <a:srgbClr val="000000"/>
-                </a:solidFill>
-                <a:effectLst/>
-                <a:latin typeface="+mn-ea"/>
-              </a:rPr>
-              <a:t>imf</a:t>
-            </a:r>
-            <a:r>
-              <a:rPr lang="zh-CN" altLang="en-US" sz="2400" b="0" i="0" dirty="0">
-                <a:solidFill>
-                  <a:srgbClr val="000000"/>
-                </a:solidFill>
-                <a:effectLst/>
-                <a:latin typeface="+mn-ea"/>
-              </a:rPr>
-              <a:t>，</a:t>
-            </a:r>
-            <a:r>
-              <a:rPr lang="en-US" altLang="zh-CN" sz="2400" b="0" i="0" dirty="0">
-                <a:solidFill>
-                  <a:srgbClr val="000000"/>
-                </a:solidFill>
-                <a:effectLst/>
-                <a:latin typeface="+mn-ea"/>
-              </a:rPr>
-              <a:t> </a:t>
-            </a:r>
-            <a:r>
-              <a:rPr lang="zh-CN" altLang="en-US" sz="2400" b="0" i="0" dirty="0">
-                <a:solidFill>
-                  <a:srgbClr val="000000"/>
-                </a:solidFill>
-                <a:effectLst/>
-                <a:latin typeface="+mn-ea"/>
-              </a:rPr>
-              <a:t>完全自适应模态分解实现了完整的自适应分解过程，并能对原始数据进行精确重构</a:t>
-            </a:r>
-            <a:endParaRPr lang="zh-CN" altLang="en-US" sz="2400" dirty="0">
-              <a:latin typeface="+mn-ea"/>
-            </a:endParaRPr>
-          </a:p>
-        </p:txBody>
-      </p:sp>
+              <a:t>A hybrid approach based on decomposition algorithm and neural network for remaining useful life prediction of lithium-ion battery</a:t>
+            </a:r>
+            <a:endParaRPr lang="zh-CN" altLang="en-US" sz="2800" dirty="0"/>
+          </a:p>
+          <a:p>
+            <a:pPr>
+              <a:lnSpc>
+                <a:spcPct val="150000"/>
+              </a:lnSpc>
+            </a:pPr>
+            <a:r>
+              <a:rPr lang="en-US" altLang="zh-CN" sz="2800" b="1" dirty="0"/>
+              <a:t>  </a:t>
+            </a:r>
+          </a:p>
+          <a:p>
+            <a:pPr>
+              <a:lnSpc>
+                <a:spcPct val="150000"/>
+              </a:lnSpc>
+            </a:pPr>
+            <a:endParaRPr lang="en-US" altLang="zh-CN" sz="2800" b="1" dirty="0"/>
+          </a:p>
+          <a:p>
+            <a:pPr>
+              <a:lnSpc>
+                <a:spcPct val="150000"/>
+              </a:lnSpc>
+            </a:pPr>
+            <a:r>
+              <a:rPr lang="en-US" altLang="zh-CN" sz="2800" dirty="0"/>
+              <a:t>                                                                                           ——2022</a:t>
+            </a:r>
+          </a:p>
+        </p:txBody>
+      </p:sp>
+      <p:pic>
+        <p:nvPicPr>
+          <p:cNvPr id="6" name="图片 5">
+            <a:extLst>
+              <a:ext uri="{FF2B5EF4-FFF2-40B4-BE49-F238E27FC236}">
+                <a16:creationId xmlns:a16="http://schemas.microsoft.com/office/drawing/2014/main" id="{FA82BBDA-B9D6-AA20-FCDF-133A0EC53044}"/>
+              </a:ext>
+            </a:extLst>
+          </p:cNvPr>
+          <p:cNvPicPr>
+            <a:picLocks noChangeAspect="1"/>
+          </p:cNvPicPr>
+          <p:nvPr/>
+        </p:nvPicPr>
+        <p:blipFill>
+          <a:blip r:embed="rId2"/>
+          <a:stretch>
+            <a:fillRect/>
+          </a:stretch>
+        </p:blipFill>
+        <p:spPr>
+          <a:xfrm>
+            <a:off x="851754" y="470516"/>
+            <a:ext cx="10488489" cy="981212"/>
+          </a:xfrm>
+          <a:prstGeom prst="rect">
+            <a:avLst/>
+          </a:prstGeom>
+        </p:spPr>
+      </p:pic>
     </p:spTree>
     <p:extLst>
       <p:ext uri="{BB962C8B-B14F-4D97-AF65-F5344CB8AC3E}">
-        <p14:creationId xmlns:p14="http://schemas.microsoft.com/office/powerpoint/2010/main" val="2222760505"/>
+        <p14:creationId xmlns:p14="http://schemas.microsoft.com/office/powerpoint/2010/main" val="3243079298"/>
       </p:ext>
     </p:extLst>
   </p:cSld>
@@ -7330,10 +10609,267 @@
       </p:grpSpPr>
       <p:sp>
         <p:nvSpPr>
-          <p:cNvPr id="4" name="文本框 3">
-            <a:extLst>
-              <a:ext uri="{FF2B5EF4-FFF2-40B4-BE49-F238E27FC236}">
-                <a16:creationId xmlns:a16="http://schemas.microsoft.com/office/drawing/2014/main" id="{EEA28DB0-EB57-7405-504C-900E9D798CEC}"/>
+          <p:cNvPr id="2" name="矩形: 圆角 1">
+            <a:extLst>
+              <a:ext uri="{FF2B5EF4-FFF2-40B4-BE49-F238E27FC236}">
+                <a16:creationId xmlns:a16="http://schemas.microsoft.com/office/drawing/2014/main" id="{5FE46085-0901-8948-F39C-B0CEAFDA0DCB}"/>
+              </a:ext>
+            </a:extLst>
+          </p:cNvPr>
+          <p:cNvSpPr/>
+          <p:nvPr/>
+        </p:nvSpPr>
+        <p:spPr>
+          <a:xfrm>
+            <a:off x="1245370" y="967926"/>
+            <a:ext cx="1926566" cy="1351471"/>
+          </a:xfrm>
+          <a:prstGeom prst="roundRect">
+            <a:avLst/>
+          </a:prstGeom>
+          <a:solidFill>
+            <a:schemeClr val="tx2">
+              <a:lumMod val="20000"/>
+              <a:lumOff val="80000"/>
+            </a:schemeClr>
+          </a:solidFill>
+        </p:spPr>
+        <p:style>
+          <a:lnRef idx="2">
+            <a:schemeClr val="accent1">
+              <a:shade val="15000"/>
+            </a:schemeClr>
+          </a:lnRef>
+          <a:fillRef idx="1">
+            <a:schemeClr val="accent1"/>
+          </a:fillRef>
+          <a:effectRef idx="0">
+            <a:schemeClr val="accent1"/>
+          </a:effectRef>
+          <a:fontRef idx="minor">
+            <a:schemeClr val="lt1"/>
+          </a:fontRef>
+        </p:style>
+        <p:txBody>
+          <a:bodyPr rtlCol="0" anchor="ctr"/>
+          <a:lstStyle/>
+          <a:p>
+            <a:pPr algn="ctr"/>
+            <a:r>
+              <a:rPr lang="zh-CN" altLang="en-US" sz="2400" dirty="0">
+                <a:solidFill>
+                  <a:schemeClr val="tx1"/>
+                </a:solidFill>
+                <a:latin typeface="+mn-ea"/>
+              </a:rPr>
+              <a:t>数据分解</a:t>
+            </a:r>
+          </a:p>
+        </p:txBody>
+      </p:sp>
+      <p:sp>
+        <p:nvSpPr>
+          <p:cNvPr id="5" name="矩形: 圆角 4">
+            <a:extLst>
+              <a:ext uri="{FF2B5EF4-FFF2-40B4-BE49-F238E27FC236}">
+                <a16:creationId xmlns:a16="http://schemas.microsoft.com/office/drawing/2014/main" id="{F1998572-D9A7-2103-6194-91BB06B418D6}"/>
+              </a:ext>
+            </a:extLst>
+          </p:cNvPr>
+          <p:cNvSpPr/>
+          <p:nvPr/>
+        </p:nvSpPr>
+        <p:spPr>
+          <a:xfrm>
+            <a:off x="1245370" y="3981421"/>
+            <a:ext cx="1926566" cy="1351471"/>
+          </a:xfrm>
+          <a:prstGeom prst="roundRect">
+            <a:avLst/>
+          </a:prstGeom>
+          <a:solidFill>
+            <a:schemeClr val="tx2">
+              <a:lumMod val="20000"/>
+              <a:lumOff val="80000"/>
+            </a:schemeClr>
+          </a:solidFill>
+        </p:spPr>
+        <p:style>
+          <a:lnRef idx="2">
+            <a:schemeClr val="accent1">
+              <a:shade val="15000"/>
+            </a:schemeClr>
+          </a:lnRef>
+          <a:fillRef idx="1">
+            <a:schemeClr val="accent1"/>
+          </a:fillRef>
+          <a:effectRef idx="0">
+            <a:schemeClr val="accent1"/>
+          </a:effectRef>
+          <a:fontRef idx="minor">
+            <a:schemeClr val="lt1"/>
+          </a:fontRef>
+        </p:style>
+        <p:txBody>
+          <a:bodyPr rtlCol="0" anchor="ctr"/>
+          <a:lstStyle/>
+          <a:p>
+            <a:pPr algn="ctr"/>
+            <a:r>
+              <a:rPr lang="zh-CN" altLang="en-US" sz="2400" dirty="0">
+                <a:solidFill>
+                  <a:schemeClr val="tx1"/>
+                </a:solidFill>
+                <a:latin typeface="+mn-ea"/>
+              </a:rPr>
+              <a:t>融合</a:t>
+            </a:r>
+          </a:p>
+        </p:txBody>
+      </p:sp>
+      <p:sp>
+        <p:nvSpPr>
+          <p:cNvPr id="6" name="矩形: 圆角 5">
+            <a:extLst>
+              <a:ext uri="{FF2B5EF4-FFF2-40B4-BE49-F238E27FC236}">
+                <a16:creationId xmlns:a16="http://schemas.microsoft.com/office/drawing/2014/main" id="{26D8043B-914A-A812-97E5-F51491AD785E}"/>
+              </a:ext>
+            </a:extLst>
+          </p:cNvPr>
+          <p:cNvSpPr/>
+          <p:nvPr/>
+        </p:nvSpPr>
+        <p:spPr>
+          <a:xfrm>
+            <a:off x="6475691" y="967926"/>
+            <a:ext cx="1926566" cy="1351471"/>
+          </a:xfrm>
+          <a:prstGeom prst="roundRect">
+            <a:avLst/>
+          </a:prstGeom>
+          <a:solidFill>
+            <a:schemeClr val="tx2">
+              <a:lumMod val="20000"/>
+              <a:lumOff val="80000"/>
+            </a:schemeClr>
+          </a:solidFill>
+        </p:spPr>
+        <p:style>
+          <a:lnRef idx="2">
+            <a:schemeClr val="accent1">
+              <a:shade val="15000"/>
+            </a:schemeClr>
+          </a:lnRef>
+          <a:fillRef idx="1">
+            <a:schemeClr val="accent1"/>
+          </a:fillRef>
+          <a:effectRef idx="0">
+            <a:schemeClr val="accent1"/>
+          </a:effectRef>
+          <a:fontRef idx="minor">
+            <a:schemeClr val="lt1"/>
+          </a:fontRef>
+        </p:style>
+        <p:txBody>
+          <a:bodyPr rtlCol="0" anchor="ctr"/>
+          <a:lstStyle/>
+          <a:p>
+            <a:pPr algn="ctr"/>
+            <a:r>
+              <a:rPr lang="zh-CN" altLang="en-US" sz="2400" dirty="0">
+                <a:solidFill>
+                  <a:schemeClr val="tx1"/>
+                </a:solidFill>
+                <a:latin typeface="+mn-ea"/>
+              </a:rPr>
+              <a:t>神经网络</a:t>
+            </a:r>
+          </a:p>
+        </p:txBody>
+      </p:sp>
+      <p:sp>
+        <p:nvSpPr>
+          <p:cNvPr id="7" name="矩形: 圆角 6">
+            <a:extLst>
+              <a:ext uri="{FF2B5EF4-FFF2-40B4-BE49-F238E27FC236}">
+                <a16:creationId xmlns:a16="http://schemas.microsoft.com/office/drawing/2014/main" id="{334F05C1-A971-4F47-B7A7-C49E45E6C03D}"/>
+              </a:ext>
+            </a:extLst>
+          </p:cNvPr>
+          <p:cNvSpPr/>
+          <p:nvPr/>
+        </p:nvSpPr>
+        <p:spPr>
+          <a:xfrm>
+            <a:off x="6475691" y="3981422"/>
+            <a:ext cx="1926566" cy="1351471"/>
+          </a:xfrm>
+          <a:prstGeom prst="roundRect">
+            <a:avLst/>
+          </a:prstGeom>
+          <a:solidFill>
+            <a:schemeClr val="tx2">
+              <a:lumMod val="20000"/>
+              <a:lumOff val="80000"/>
+            </a:schemeClr>
+          </a:solidFill>
+        </p:spPr>
+        <p:style>
+          <a:lnRef idx="2">
+            <a:schemeClr val="accent1">
+              <a:shade val="15000"/>
+            </a:schemeClr>
+          </a:lnRef>
+          <a:fillRef idx="1">
+            <a:schemeClr val="accent1"/>
+          </a:fillRef>
+          <a:effectRef idx="0">
+            <a:schemeClr val="accent1"/>
+          </a:effectRef>
+          <a:fontRef idx="minor">
+            <a:schemeClr val="lt1"/>
+          </a:fontRef>
+        </p:style>
+        <p:txBody>
+          <a:bodyPr rtlCol="0" anchor="ctr"/>
+          <a:lstStyle/>
+          <a:p>
+            <a:pPr algn="ctr"/>
+            <a:r>
+              <a:rPr lang="zh-CN" altLang="en-US" sz="2400" dirty="0">
+                <a:solidFill>
+                  <a:schemeClr val="tx1"/>
+                </a:solidFill>
+                <a:latin typeface="+mn-ea"/>
+              </a:rPr>
+              <a:t>最小误差</a:t>
+            </a:r>
+            <a:br>
+              <a:rPr lang="en-US" altLang="zh-CN" sz="2400" dirty="0">
+                <a:solidFill>
+                  <a:schemeClr val="tx1"/>
+                </a:solidFill>
+                <a:latin typeface="+mn-ea"/>
+              </a:rPr>
+            </a:br>
+            <a:r>
+              <a:rPr lang="zh-CN" altLang="en-US" sz="2400" dirty="0">
+                <a:solidFill>
+                  <a:schemeClr val="tx1"/>
+                </a:solidFill>
+                <a:latin typeface="+mn-ea"/>
+              </a:rPr>
+              <a:t>判断</a:t>
+            </a:r>
+          </a:p>
+        </p:txBody>
+      </p:sp>
+      <p:sp>
+        <p:nvSpPr>
+          <p:cNvPr id="8" name="文本框 7">
+            <a:extLst>
+              <a:ext uri="{FF2B5EF4-FFF2-40B4-BE49-F238E27FC236}">
+                <a16:creationId xmlns:a16="http://schemas.microsoft.com/office/drawing/2014/main" id="{5CE18F2A-ECB4-7893-25D4-A1B2282F00E9}"/>
               </a:ext>
             </a:extLst>
           </p:cNvPr>
@@ -7342,8 +10878,270 @@
         </p:nvSpPr>
         <p:spPr>
           <a:xfrm>
-            <a:off x="1523998" y="760888"/>
-            <a:ext cx="8769919" cy="830997"/>
+            <a:off x="3835879" y="1525107"/>
+            <a:ext cx="1415772" cy="461665"/>
+          </a:xfrm>
+          <a:prstGeom prst="rect">
+            <a:avLst/>
+          </a:prstGeom>
+          <a:noFill/>
+        </p:spPr>
+        <p:txBody>
+          <a:bodyPr wrap="none" rtlCol="0">
+            <a:spAutoFit/>
+          </a:bodyPr>
+          <a:lstStyle/>
+          <a:p>
+            <a:r>
+              <a:rPr lang="zh-CN" altLang="en-US" sz="2400" dirty="0">
+                <a:latin typeface="+mn-ea"/>
+              </a:rPr>
+              <a:t>模态分解</a:t>
+            </a:r>
+          </a:p>
+        </p:txBody>
+      </p:sp>
+      <p:sp>
+        <p:nvSpPr>
+          <p:cNvPr id="12" name="文本框 11">
+            <a:extLst>
+              <a:ext uri="{FF2B5EF4-FFF2-40B4-BE49-F238E27FC236}">
+                <a16:creationId xmlns:a16="http://schemas.microsoft.com/office/drawing/2014/main" id="{2CD99D08-8020-40CF-EF54-EFA6E475D851}"/>
+              </a:ext>
+            </a:extLst>
+          </p:cNvPr>
+          <p:cNvSpPr txBox="1"/>
+          <p:nvPr/>
+        </p:nvSpPr>
+        <p:spPr>
+          <a:xfrm>
+            <a:off x="3180439" y="3519756"/>
+            <a:ext cx="1415772" cy="461665"/>
+          </a:xfrm>
+          <a:prstGeom prst="rect">
+            <a:avLst/>
+          </a:prstGeom>
+          <a:noFill/>
+        </p:spPr>
+        <p:txBody>
+          <a:bodyPr wrap="none" rtlCol="0">
+            <a:spAutoFit/>
+          </a:bodyPr>
+          <a:lstStyle/>
+          <a:p>
+            <a:r>
+              <a:rPr lang="zh-CN" altLang="en-US" sz="2400" dirty="0">
+                <a:latin typeface="+mn-ea"/>
+              </a:rPr>
+              <a:t>高频分量</a:t>
+            </a:r>
+          </a:p>
+        </p:txBody>
+      </p:sp>
+      <p:sp>
+        <p:nvSpPr>
+          <p:cNvPr id="13" name="文本框 12">
+            <a:extLst>
+              <a:ext uri="{FF2B5EF4-FFF2-40B4-BE49-F238E27FC236}">
+                <a16:creationId xmlns:a16="http://schemas.microsoft.com/office/drawing/2014/main" id="{D200FD91-38B3-A1D0-5012-E70B813DE086}"/>
+              </a:ext>
+            </a:extLst>
+          </p:cNvPr>
+          <p:cNvSpPr txBox="1"/>
+          <p:nvPr/>
+        </p:nvSpPr>
+        <p:spPr>
+          <a:xfrm>
+            <a:off x="4599972" y="3519756"/>
+            <a:ext cx="1415772" cy="461665"/>
+          </a:xfrm>
+          <a:prstGeom prst="rect">
+            <a:avLst/>
+          </a:prstGeom>
+          <a:noFill/>
+        </p:spPr>
+        <p:txBody>
+          <a:bodyPr wrap="none" rtlCol="0">
+            <a:spAutoFit/>
+          </a:bodyPr>
+          <a:lstStyle/>
+          <a:p>
+            <a:r>
+              <a:rPr lang="zh-CN" altLang="en-US" sz="2400" dirty="0">
+                <a:latin typeface="+mn-ea"/>
+              </a:rPr>
+              <a:t>低频分量</a:t>
+            </a:r>
+          </a:p>
+        </p:txBody>
+      </p:sp>
+      <p:sp>
+        <p:nvSpPr>
+          <p:cNvPr id="14" name="文本框 13">
+            <a:extLst>
+              <a:ext uri="{FF2B5EF4-FFF2-40B4-BE49-F238E27FC236}">
+                <a16:creationId xmlns:a16="http://schemas.microsoft.com/office/drawing/2014/main" id="{5F458B76-E0A6-60DE-EAE5-E06BDB7E991B}"/>
+              </a:ext>
+            </a:extLst>
+          </p:cNvPr>
+          <p:cNvSpPr txBox="1"/>
+          <p:nvPr/>
+        </p:nvSpPr>
+        <p:spPr>
+          <a:xfrm>
+            <a:off x="4599972" y="4489067"/>
+            <a:ext cx="1415772" cy="461665"/>
+          </a:xfrm>
+          <a:prstGeom prst="rect">
+            <a:avLst/>
+          </a:prstGeom>
+          <a:noFill/>
+        </p:spPr>
+        <p:txBody>
+          <a:bodyPr wrap="none" rtlCol="0">
+            <a:spAutoFit/>
+          </a:bodyPr>
+          <a:lstStyle/>
+          <a:p>
+            <a:r>
+              <a:rPr lang="zh-CN" altLang="en-US" sz="2400" dirty="0">
+                <a:latin typeface="+mn-ea"/>
+              </a:rPr>
+              <a:t>直接融合</a:t>
+            </a:r>
+          </a:p>
+        </p:txBody>
+      </p:sp>
+      <p:sp>
+        <p:nvSpPr>
+          <p:cNvPr id="15" name="文本框 14">
+            <a:extLst>
+              <a:ext uri="{FF2B5EF4-FFF2-40B4-BE49-F238E27FC236}">
+                <a16:creationId xmlns:a16="http://schemas.microsoft.com/office/drawing/2014/main" id="{EAB03D7B-82A1-731F-C40C-A04CFF5CE4E0}"/>
+              </a:ext>
+            </a:extLst>
+          </p:cNvPr>
+          <p:cNvSpPr txBox="1"/>
+          <p:nvPr/>
+        </p:nvSpPr>
+        <p:spPr>
+          <a:xfrm>
+            <a:off x="3216553" y="4398543"/>
+            <a:ext cx="674060" cy="1200329"/>
+          </a:xfrm>
+          <a:prstGeom prst="rect">
+            <a:avLst/>
+          </a:prstGeom>
+          <a:noFill/>
+        </p:spPr>
+        <p:txBody>
+          <a:bodyPr wrap="square" rtlCol="0">
+            <a:spAutoFit/>
+          </a:bodyPr>
+          <a:lstStyle/>
+          <a:p>
+            <a:r>
+              <a:rPr lang="zh-CN" altLang="en-US" sz="2400" dirty="0">
+                <a:latin typeface="+mn-ea"/>
+              </a:rPr>
+              <a:t>最大值</a:t>
+            </a:r>
+          </a:p>
+        </p:txBody>
+      </p:sp>
+      <p:sp>
+        <p:nvSpPr>
+          <p:cNvPr id="16" name="文本框 15">
+            <a:extLst>
+              <a:ext uri="{FF2B5EF4-FFF2-40B4-BE49-F238E27FC236}">
+                <a16:creationId xmlns:a16="http://schemas.microsoft.com/office/drawing/2014/main" id="{690A8609-EFCA-1DBC-264A-F529207AC2B2}"/>
+              </a:ext>
+            </a:extLst>
+          </p:cNvPr>
+          <p:cNvSpPr txBox="1"/>
+          <p:nvPr/>
+        </p:nvSpPr>
+        <p:spPr>
+          <a:xfrm>
+            <a:off x="3919667" y="4398543"/>
+            <a:ext cx="674060" cy="1569660"/>
+          </a:xfrm>
+          <a:prstGeom prst="rect">
+            <a:avLst/>
+          </a:prstGeom>
+          <a:noFill/>
+        </p:spPr>
+        <p:txBody>
+          <a:bodyPr wrap="square" rtlCol="0">
+            <a:spAutoFit/>
+          </a:bodyPr>
+          <a:lstStyle/>
+          <a:p>
+            <a:r>
+              <a:rPr lang="zh-CN" altLang="en-US" sz="2400" dirty="0">
+                <a:latin typeface="+mn-ea"/>
+              </a:rPr>
+              <a:t>窗口能量</a:t>
+            </a:r>
+          </a:p>
+        </p:txBody>
+      </p:sp>
+      <p:sp>
+        <p:nvSpPr>
+          <p:cNvPr id="19" name="文本框 18">
+            <a:extLst>
+              <a:ext uri="{FF2B5EF4-FFF2-40B4-BE49-F238E27FC236}">
+                <a16:creationId xmlns:a16="http://schemas.microsoft.com/office/drawing/2014/main" id="{87B3FC21-64AC-C2F5-06A4-49255F5AFDEA}"/>
+              </a:ext>
+            </a:extLst>
+          </p:cNvPr>
+          <p:cNvSpPr txBox="1"/>
+          <p:nvPr/>
+        </p:nvSpPr>
+        <p:spPr>
+          <a:xfrm>
+            <a:off x="8862204" y="1161691"/>
+            <a:ext cx="845103" cy="461665"/>
+          </a:xfrm>
+          <a:prstGeom prst="rect">
+            <a:avLst/>
+          </a:prstGeom>
+          <a:noFill/>
+        </p:spPr>
+        <p:txBody>
+          <a:bodyPr wrap="none" rtlCol="0">
+            <a:spAutoFit/>
+          </a:bodyPr>
+          <a:lstStyle/>
+          <a:p>
+            <a:r>
+              <a:rPr lang="en-US" altLang="zh-CN" sz="2400" dirty="0">
+                <a:latin typeface="+mn-ea"/>
+              </a:rPr>
+              <a:t>DNN</a:t>
+            </a:r>
+            <a:endParaRPr lang="zh-CN" altLang="en-US" sz="2400" dirty="0">
+              <a:latin typeface="+mn-ea"/>
+            </a:endParaRPr>
+          </a:p>
+        </p:txBody>
+      </p:sp>
+      <p:sp>
+        <p:nvSpPr>
+          <p:cNvPr id="21" name="文本框 20">
+            <a:extLst>
+              <a:ext uri="{FF2B5EF4-FFF2-40B4-BE49-F238E27FC236}">
+                <a16:creationId xmlns:a16="http://schemas.microsoft.com/office/drawing/2014/main" id="{1147EA98-A3AF-89FA-B821-573C3C2AA695}"/>
+              </a:ext>
+            </a:extLst>
+          </p:cNvPr>
+          <p:cNvSpPr txBox="1"/>
+          <p:nvPr/>
+        </p:nvSpPr>
+        <p:spPr>
+          <a:xfrm>
+            <a:off x="8862204" y="1755939"/>
+            <a:ext cx="2346385" cy="830997"/>
           </a:xfrm>
           <a:prstGeom prst="rect">
             <a:avLst/>
@@ -7357,86 +11155,27 @@
           <a:lstStyle/>
           <a:p>
             <a:r>
-              <a:rPr lang="zh-CN" altLang="en-US" sz="2400" dirty="0"/>
-              <a:t>过零率定义为</a:t>
-            </a:r>
-            <a:r>
-              <a:rPr lang="en-US" altLang="zh-CN" sz="2400" dirty="0"/>
-              <a:t>:</a:t>
-            </a:r>
-            <a:r>
-              <a:rPr lang="zh-CN" altLang="en-US" sz="2400" dirty="0"/>
-              <a:t>对于一个信号序列，如果有两个相邻的采样值，其中一个为正，另一个为负，则视为过零</a:t>
-            </a:r>
-          </a:p>
-        </p:txBody>
-      </p:sp>
-      <p:pic>
-        <p:nvPicPr>
-          <p:cNvPr id="3" name="图片 2">
-            <a:extLst>
-              <a:ext uri="{FF2B5EF4-FFF2-40B4-BE49-F238E27FC236}">
-                <a16:creationId xmlns:a16="http://schemas.microsoft.com/office/drawing/2014/main" id="{5BC4E25E-5A1A-986D-125D-EAC1C813EC97}"/>
-              </a:ext>
-            </a:extLst>
-          </p:cNvPr>
-          <p:cNvPicPr>
-            <a:picLocks noChangeAspect="1"/>
-          </p:cNvPicPr>
-          <p:nvPr/>
-        </p:nvPicPr>
-        <p:blipFill>
-          <a:blip r:embed="rId2"/>
-          <a:stretch>
-            <a:fillRect/>
-          </a:stretch>
-        </p:blipFill>
-        <p:spPr>
-          <a:xfrm>
-            <a:off x="1865594" y="4604556"/>
-            <a:ext cx="7934325" cy="1095375"/>
-          </a:xfrm>
-          <a:prstGeom prst="rect">
-            <a:avLst/>
-          </a:prstGeom>
-        </p:spPr>
-      </p:pic>
-      <p:pic>
-        <p:nvPicPr>
-          <p:cNvPr id="6" name="图片 5">
-            <a:extLst>
-              <a:ext uri="{FF2B5EF4-FFF2-40B4-BE49-F238E27FC236}">
-                <a16:creationId xmlns:a16="http://schemas.microsoft.com/office/drawing/2014/main" id="{88D1098E-9507-9DAB-7E13-663233D8C9DF}"/>
-              </a:ext>
-            </a:extLst>
-          </p:cNvPr>
-          <p:cNvPicPr>
-            <a:picLocks noChangeAspect="1"/>
-          </p:cNvPicPr>
-          <p:nvPr/>
-        </p:nvPicPr>
-        <p:blipFill>
-          <a:blip r:embed="rId3"/>
-          <a:stretch>
-            <a:fillRect/>
-          </a:stretch>
-        </p:blipFill>
-        <p:spPr>
-          <a:xfrm>
-            <a:off x="1865594" y="1792532"/>
-            <a:ext cx="8086725" cy="923925"/>
-          </a:xfrm>
-          <a:prstGeom prst="rect">
-            <a:avLst/>
-          </a:prstGeom>
-        </p:spPr>
-      </p:pic>
-      <p:sp>
-        <p:nvSpPr>
-          <p:cNvPr id="11" name="文本框 10">
-            <a:extLst>
-              <a:ext uri="{FF2B5EF4-FFF2-40B4-BE49-F238E27FC236}">
-                <a16:creationId xmlns:a16="http://schemas.microsoft.com/office/drawing/2014/main" id="{57090BA8-D1AB-742A-6B4B-7FAFEC28EFFB}"/>
+              <a:rPr lang="en-US" altLang="zh-CN" sz="2400" b="0" i="0" dirty="0">
+                <a:solidFill>
+                  <a:srgbClr val="000000"/>
+                </a:solidFill>
+                <a:effectLst/>
+                <a:latin typeface="+mn-ea"/>
+              </a:rPr>
+              <a:t>IRes2Net-BiGRU-FC</a:t>
+            </a:r>
+            <a:endParaRPr lang="zh-CN" altLang="en-US" sz="2400" dirty="0">
+              <a:latin typeface="+mn-ea"/>
+            </a:endParaRPr>
+          </a:p>
+        </p:txBody>
+      </p:sp>
+      <p:sp>
+        <p:nvSpPr>
+          <p:cNvPr id="22" name="文本框 21">
+            <a:extLst>
+              <a:ext uri="{FF2B5EF4-FFF2-40B4-BE49-F238E27FC236}">
+                <a16:creationId xmlns:a16="http://schemas.microsoft.com/office/drawing/2014/main" id="{20B22C2E-B650-0021-D620-967CBC5CA214}"/>
               </a:ext>
             </a:extLst>
           </p:cNvPr>
@@ -7445,8 +11184,8 @@
         </p:nvSpPr>
         <p:spPr>
           <a:xfrm>
-            <a:off x="1523998" y="4027672"/>
-            <a:ext cx="3262432" cy="461665"/>
+            <a:off x="8862204" y="4572249"/>
+            <a:ext cx="1723549" cy="461665"/>
           </a:xfrm>
           <a:prstGeom prst="rect">
             <a:avLst/>
@@ -7460,56 +11199,18 @@
           <a:lstStyle/>
           <a:p>
             <a:r>
-              <a:rPr lang="zh-CN" altLang="en-US" sz="2400" dirty="0"/>
-              <a:t>低频分量的融合规则：</a:t>
-            </a:r>
-          </a:p>
-        </p:txBody>
-      </p:sp>
-      <p:sp>
-        <p:nvSpPr>
-          <p:cNvPr id="5" name="文本框 4">
-            <a:extLst>
-              <a:ext uri="{FF2B5EF4-FFF2-40B4-BE49-F238E27FC236}">
-                <a16:creationId xmlns:a16="http://schemas.microsoft.com/office/drawing/2014/main" id="{E4D1BFF4-E410-DDA7-DF44-051AA9424DF2}"/>
-              </a:ext>
-            </a:extLst>
-          </p:cNvPr>
-          <p:cNvSpPr txBox="1"/>
-          <p:nvPr/>
-        </p:nvSpPr>
-        <p:spPr>
-          <a:xfrm>
-            <a:off x="1523998" y="3600731"/>
-            <a:ext cx="6096000" cy="461665"/>
-          </a:xfrm>
-          <a:prstGeom prst="rect">
-            <a:avLst/>
-          </a:prstGeom>
-          <a:noFill/>
-        </p:spPr>
-        <p:txBody>
-          <a:bodyPr wrap="square">
-            <a:spAutoFit/>
-          </a:bodyPr>
-          <a:lstStyle/>
-          <a:p>
-            <a:r>
-              <a:rPr lang="zh-CN" altLang="en-US" sz="2400" dirty="0"/>
-              <a:t>过零率</a:t>
-            </a:r>
-            <a:r>
-              <a:rPr lang="en-US" altLang="zh-CN" sz="2400" dirty="0"/>
-              <a:t>&lt;0.01</a:t>
-            </a:r>
-            <a:endParaRPr lang="zh-CN" altLang="en-US" sz="2400" dirty="0"/>
+              <a:rPr lang="zh-CN" altLang="en-US" sz="2400" dirty="0">
+                <a:latin typeface="+mn-ea"/>
+              </a:rPr>
+              <a:t>高低频叠加</a:t>
+            </a:r>
           </a:p>
         </p:txBody>
       </p:sp>
     </p:spTree>
     <p:extLst>
       <p:ext uri="{BB962C8B-B14F-4D97-AF65-F5344CB8AC3E}">
-        <p14:creationId xmlns:p14="http://schemas.microsoft.com/office/powerpoint/2010/main" val="2878454405"/>
+        <p14:creationId xmlns:p14="http://schemas.microsoft.com/office/powerpoint/2010/main" val="3414418063"/>
       </p:ext>
     </p:extLst>
   </p:cSld>
@@ -7538,10 +11239,10 @@
       </p:grpSpPr>
       <p:sp>
         <p:nvSpPr>
-          <p:cNvPr id="12" name="文本框 11">
-            <a:extLst>
-              <a:ext uri="{FF2B5EF4-FFF2-40B4-BE49-F238E27FC236}">
-                <a16:creationId xmlns:a16="http://schemas.microsoft.com/office/drawing/2014/main" id="{0BB1EA3F-A062-FC64-1DFD-C4F1932D8E3B}"/>
+          <p:cNvPr id="3" name="文本框 2">
+            <a:extLst>
+              <a:ext uri="{FF2B5EF4-FFF2-40B4-BE49-F238E27FC236}">
+                <a16:creationId xmlns:a16="http://schemas.microsoft.com/office/drawing/2014/main" id="{0B604AE2-B201-667C-72F7-BDCC2D1C61FC}"/>
               </a:ext>
             </a:extLst>
           </p:cNvPr>
@@ -7550,8 +11251,8 @@
         </p:nvSpPr>
         <p:spPr>
           <a:xfrm>
-            <a:off x="815928" y="387324"/>
-            <a:ext cx="10407468" cy="4585871"/>
+            <a:off x="1572883" y="950668"/>
+            <a:ext cx="9046234" cy="2000548"/>
           </a:xfrm>
           <a:prstGeom prst="rect">
             <a:avLst/>
@@ -7559,34 +11260,40 @@
           <a:noFill/>
         </p:spPr>
         <p:txBody>
-          <a:bodyPr wrap="square" rtlCol="0">
+          <a:bodyPr wrap="square">
             <a:spAutoFit/>
           </a:bodyPr>
           <a:lstStyle/>
           <a:p>
             <a:r>
-              <a:rPr lang="zh-CN" altLang="en-US" sz="2800" dirty="0">
+              <a:rPr lang="zh-CN" altLang="en-US" sz="2800" b="0" i="0" dirty="0">
+                <a:solidFill>
+                  <a:srgbClr val="000000"/>
+                </a:solidFill>
+                <a:effectLst/>
                 <a:latin typeface="黑体" panose="02010609060101010101" pitchFamily="49" charset="-122"/>
                 <a:ea typeface="黑体" panose="02010609060101010101" pitchFamily="49" charset="-122"/>
               </a:rPr>
-              <a:t>高频分量的融合规则</a:t>
-            </a:r>
-            <a:endParaRPr lang="en-US" altLang="zh-CN" sz="2800" dirty="0">
+              <a:t>数据分解</a:t>
+            </a:r>
+            <a:endParaRPr lang="en-US" altLang="zh-CN" sz="2800" b="0" i="0" dirty="0">
+              <a:solidFill>
+                <a:srgbClr val="000000"/>
+              </a:solidFill>
+              <a:effectLst/>
               <a:latin typeface="黑体" panose="02010609060101010101" pitchFamily="49" charset="-122"/>
               <a:ea typeface="黑体" panose="02010609060101010101" pitchFamily="49" charset="-122"/>
             </a:endParaRPr>
           </a:p>
           <a:p>
-            <a:endParaRPr lang="en-US" altLang="zh-CN" sz="2800" dirty="0"/>
-          </a:p>
-          <a:p>
-            <a:endParaRPr lang="en-US" altLang="zh-CN" sz="2800" dirty="0"/>
-          </a:p>
-          <a:p>
-            <a:r>
-              <a:rPr lang="zh-CN" altLang="en-US" sz="2400" dirty="0"/>
-              <a:t>基于值的规则：</a:t>
-            </a:r>
+            <a:endParaRPr lang="en-US" altLang="zh-CN" sz="2400" dirty="0">
+              <a:solidFill>
+                <a:srgbClr val="000000"/>
+              </a:solidFill>
+              <a:latin typeface="+mn-ea"/>
+            </a:endParaRPr>
+          </a:p>
+          <a:p>
             <a:r>
               <a:rPr lang="zh-CN" altLang="en-US" sz="2400" b="0" i="0" dirty="0">
                 <a:solidFill>
@@ -7595,105 +11302,58 @@
                 <a:effectLst/>
                 <a:latin typeface="+mn-ea"/>
               </a:rPr>
-              <a:t>同一周期内，对各组分的值进行比较，并选择最大值作为最终值</a:t>
-            </a:r>
-            <a:endParaRPr lang="en-US" altLang="zh-CN" sz="2400" dirty="0">
+              <a:t>对非线性非平稳原始信号进行分解，得到有限个不同频率的</a:t>
+            </a:r>
+            <a:r>
+              <a:rPr lang="en-US" altLang="zh-CN" sz="2400" b="0" i="0" dirty="0" err="1">
+                <a:solidFill>
+                  <a:srgbClr val="000000"/>
+                </a:solidFill>
+                <a:effectLst/>
+                <a:latin typeface="+mn-ea"/>
+              </a:rPr>
+              <a:t>imf</a:t>
+            </a:r>
+            <a:r>
+              <a:rPr lang="zh-CN" altLang="en-US" sz="2400" b="0" i="0" dirty="0">
+                <a:solidFill>
+                  <a:srgbClr val="000000"/>
+                </a:solidFill>
+                <a:effectLst/>
+                <a:latin typeface="+mn-ea"/>
+              </a:rPr>
+              <a:t>，</a:t>
+            </a:r>
+            <a:r>
+              <a:rPr lang="en-US" altLang="zh-CN" sz="2400" b="0" i="0" dirty="0">
+                <a:solidFill>
+                  <a:srgbClr val="000000"/>
+                </a:solidFill>
+                <a:effectLst/>
+                <a:latin typeface="+mn-ea"/>
+              </a:rPr>
+              <a:t> </a:t>
+            </a:r>
+            <a:r>
+              <a:rPr lang="zh-CN" altLang="en-US" sz="2400" b="0" i="0" dirty="0">
+                <a:solidFill>
+                  <a:srgbClr val="000000"/>
+                </a:solidFill>
+                <a:effectLst/>
+                <a:latin typeface="+mn-ea"/>
+              </a:rPr>
+              <a:t>完全自适应模态分解实现了完整的自适应分解过程，并能对原始数据进行精确重构</a:t>
+            </a:r>
+            <a:endParaRPr lang="zh-CN" altLang="en-US" sz="2400" dirty="0">
               <a:latin typeface="+mn-ea"/>
             </a:endParaRPr>
           </a:p>
-          <a:p>
-            <a:endParaRPr lang="en-US" altLang="zh-CN" sz="2800" dirty="0"/>
-          </a:p>
-          <a:p>
-            <a:endParaRPr lang="en-US" altLang="zh-CN" sz="2800" dirty="0"/>
-          </a:p>
-          <a:p>
-            <a:endParaRPr lang="en-US" altLang="zh-CN" sz="2800" dirty="0"/>
-          </a:p>
-          <a:p>
-            <a:endParaRPr lang="en-US" altLang="zh-CN" sz="2800" dirty="0"/>
-          </a:p>
-          <a:p>
-            <a:r>
-              <a:rPr lang="zh-CN" altLang="en-US" sz="2400" dirty="0"/>
-              <a:t>基于窗口的规则：滑动窗口长度为</a:t>
-            </a:r>
-            <a:r>
-              <a:rPr lang="en-US" altLang="zh-CN" sz="2400" dirty="0"/>
-              <a:t>3</a:t>
-            </a:r>
-            <a:r>
-              <a:rPr lang="zh-CN" altLang="en-US" sz="2400" dirty="0"/>
-              <a:t>，计算窗口能量并取最大能量值，得到其在原分量中的位置，选取原分量在该位置的值作为融合后的新高频分量</a:t>
-            </a:r>
-            <a:endParaRPr lang="zh-CN" altLang="en-US" sz="2800" dirty="0"/>
-          </a:p>
-        </p:txBody>
-      </p:sp>
-      <p:pic>
-        <p:nvPicPr>
-          <p:cNvPr id="8" name="图片 7">
-            <a:extLst>
-              <a:ext uri="{FF2B5EF4-FFF2-40B4-BE49-F238E27FC236}">
-                <a16:creationId xmlns:a16="http://schemas.microsoft.com/office/drawing/2014/main" id="{775A204A-8E95-56B5-C354-AAE0C5415143}"/>
-              </a:ext>
-            </a:extLst>
-          </p:cNvPr>
-          <p:cNvPicPr>
-            <a:picLocks noChangeAspect="1"/>
-          </p:cNvPicPr>
-          <p:nvPr/>
-        </p:nvPicPr>
-        <p:blipFill>
-          <a:blip r:embed="rId2"/>
-          <a:stretch>
-            <a:fillRect/>
-          </a:stretch>
-        </p:blipFill>
-        <p:spPr>
-          <a:xfrm>
-            <a:off x="2507182" y="2484436"/>
-            <a:ext cx="8048625" cy="790575"/>
-          </a:xfrm>
-          <a:prstGeom prst="rect">
-            <a:avLst/>
-          </a:prstGeom>
-        </p:spPr>
-      </p:pic>
-      <p:pic>
-        <p:nvPicPr>
-          <p:cNvPr id="10" name="图片 9">
-            <a:extLst>
-              <a:ext uri="{FF2B5EF4-FFF2-40B4-BE49-F238E27FC236}">
-                <a16:creationId xmlns:a16="http://schemas.microsoft.com/office/drawing/2014/main" id="{B1F0A656-AAF7-4030-9EE1-2A3F99BA567F}"/>
-              </a:ext>
-            </a:extLst>
-          </p:cNvPr>
-          <p:cNvPicPr>
-            <a:picLocks noChangeAspect="1"/>
-          </p:cNvPicPr>
-          <p:nvPr/>
-        </p:nvPicPr>
-        <p:blipFill>
-          <a:blip r:embed="rId3"/>
-          <a:stretch>
-            <a:fillRect/>
-          </a:stretch>
-        </p:blipFill>
-        <p:spPr>
-          <a:xfrm>
-            <a:off x="2300287" y="4973195"/>
-            <a:ext cx="7591425" cy="1495425"/>
-          </a:xfrm>
-          <a:prstGeom prst="rect">
-            <a:avLst/>
-          </a:prstGeom>
-        </p:spPr>
-      </p:pic>
+        </p:txBody>
+      </p:sp>
     </p:spTree>
     <p:extLst>
       <p:ext uri="{BB962C8B-B14F-4D97-AF65-F5344CB8AC3E}">
-        <p14:creationId xmlns:p14="http://schemas.microsoft.com/office/powerpoint/2010/main" val="2067654167"/>
+        <p14:creationId xmlns:p14="http://schemas.microsoft.com/office/powerpoint/2010/main" val="2222760505"/>
       </p:ext>
     </p:extLst>
   </p:cSld>
@@ -7720,12 +11380,55 @@
           <a:chExt cx="0" cy="0"/>
         </a:xfrm>
       </p:grpSpPr>
+      <p:sp>
+        <p:nvSpPr>
+          <p:cNvPr id="4" name="文本框 3">
+            <a:extLst>
+              <a:ext uri="{FF2B5EF4-FFF2-40B4-BE49-F238E27FC236}">
+                <a16:creationId xmlns:a16="http://schemas.microsoft.com/office/drawing/2014/main" id="{EEA28DB0-EB57-7405-504C-900E9D798CEC}"/>
+              </a:ext>
+            </a:extLst>
+          </p:cNvPr>
+          <p:cNvSpPr txBox="1"/>
+          <p:nvPr/>
+        </p:nvSpPr>
+        <p:spPr>
+          <a:xfrm>
+            <a:off x="1523998" y="760888"/>
+            <a:ext cx="8769919" cy="830997"/>
+          </a:xfrm>
+          <a:prstGeom prst="rect">
+            <a:avLst/>
+          </a:prstGeom>
+          <a:noFill/>
+        </p:spPr>
+        <p:txBody>
+          <a:bodyPr wrap="square">
+            <a:spAutoFit/>
+          </a:bodyPr>
+          <a:lstStyle/>
+          <a:p>
+            <a:r>
+              <a:rPr lang="zh-CN" altLang="en-US" sz="2400" dirty="0"/>
+              <a:t>过零率定义为</a:t>
+            </a:r>
+            <a:r>
+              <a:rPr lang="en-US" altLang="zh-CN" sz="2400" dirty="0"/>
+              <a:t>:</a:t>
+            </a:r>
+            <a:r>
+              <a:rPr lang="zh-CN" altLang="en-US" sz="2400" dirty="0"/>
+              <a:t>对于一个信号序列，如果有两个相邻的采样值，其中一个为正，另一个为负，则视为过零</a:t>
+            </a:r>
+          </a:p>
+        </p:txBody>
+      </p:sp>
       <p:pic>
         <p:nvPicPr>
-          <p:cNvPr id="4" name="图片 3">
-            <a:extLst>
-              <a:ext uri="{FF2B5EF4-FFF2-40B4-BE49-F238E27FC236}">
-                <a16:creationId xmlns:a16="http://schemas.microsoft.com/office/drawing/2014/main" id="{75515323-044A-9B83-13AB-86AC6C239FFE}"/>
+          <p:cNvPr id="3" name="图片 2">
+            <a:extLst>
+              <a:ext uri="{FF2B5EF4-FFF2-40B4-BE49-F238E27FC236}">
+                <a16:creationId xmlns:a16="http://schemas.microsoft.com/office/drawing/2014/main" id="{5BC4E25E-5A1A-986D-125D-EAC1C813EC97}"/>
               </a:ext>
             </a:extLst>
           </p:cNvPr>
@@ -7741,21 +11444,51 @@
           </a:stretch>
         </p:blipFill>
         <p:spPr>
-          <a:xfrm rot="5400000">
-            <a:off x="5759997" y="1998388"/>
-            <a:ext cx="6355650" cy="2610208"/>
+          <a:xfrm>
+            <a:off x="1865594" y="4604556"/>
+            <a:ext cx="7934325" cy="1095375"/>
           </a:xfrm>
           <a:prstGeom prst="rect">
             <a:avLst/>
           </a:prstGeom>
         </p:spPr>
       </p:pic>
-      <p:sp>
-        <p:nvSpPr>
-          <p:cNvPr id="5" name="文本框 4">
-            <a:extLst>
-              <a:ext uri="{FF2B5EF4-FFF2-40B4-BE49-F238E27FC236}">
-                <a16:creationId xmlns:a16="http://schemas.microsoft.com/office/drawing/2014/main" id="{317F9ACB-E4E5-6E68-43A1-EA7D32C3493F}"/>
+      <p:pic>
+        <p:nvPicPr>
+          <p:cNvPr id="6" name="图片 5">
+            <a:extLst>
+              <a:ext uri="{FF2B5EF4-FFF2-40B4-BE49-F238E27FC236}">
+                <a16:creationId xmlns:a16="http://schemas.microsoft.com/office/drawing/2014/main" id="{88D1098E-9507-9DAB-7E13-663233D8C9DF}"/>
+              </a:ext>
+            </a:extLst>
+          </p:cNvPr>
+          <p:cNvPicPr>
+            <a:picLocks noChangeAspect="1"/>
+          </p:cNvPicPr>
+          <p:nvPr/>
+        </p:nvPicPr>
+        <p:blipFill>
+          <a:blip r:embed="rId3"/>
+          <a:stretch>
+            <a:fillRect/>
+          </a:stretch>
+        </p:blipFill>
+        <p:spPr>
+          <a:xfrm>
+            <a:off x="1865594" y="1792532"/>
+            <a:ext cx="8086725" cy="923925"/>
+          </a:xfrm>
+          <a:prstGeom prst="rect">
+            <a:avLst/>
+          </a:prstGeom>
+        </p:spPr>
+      </p:pic>
+      <p:sp>
+        <p:nvSpPr>
+          <p:cNvPr id="11" name="文本框 10">
+            <a:extLst>
+              <a:ext uri="{FF2B5EF4-FFF2-40B4-BE49-F238E27FC236}">
+                <a16:creationId xmlns:a16="http://schemas.microsoft.com/office/drawing/2014/main" id="{57090BA8-D1AB-742A-6B4B-7FAFEC28EFFB}"/>
               </a:ext>
             </a:extLst>
           </p:cNvPr>
@@ -7764,8 +11497,8 @@
         </p:nvSpPr>
         <p:spPr>
           <a:xfrm>
-            <a:off x="1598762" y="989162"/>
-            <a:ext cx="5739442" cy="4031873"/>
+            <a:off x="1523998" y="4027672"/>
+            <a:ext cx="3262432" cy="461665"/>
           </a:xfrm>
           <a:prstGeom prst="rect">
             <a:avLst/>
@@ -7773,94 +11506,62 @@
           <a:noFill/>
         </p:spPr>
         <p:txBody>
-          <a:bodyPr wrap="square" rtlCol="0">
+          <a:bodyPr wrap="none" rtlCol="0">
             <a:spAutoFit/>
           </a:bodyPr>
           <a:lstStyle/>
           <a:p>
             <a:r>
-              <a:rPr lang="zh-CN" altLang="en-US" sz="2800" b="1" dirty="0">
-                <a:latin typeface="黑体" panose="02010609060101010101" pitchFamily="49" charset="-122"/>
-                <a:ea typeface="黑体" panose="02010609060101010101" pitchFamily="49" charset="-122"/>
-              </a:rPr>
-              <a:t>低频分量</a:t>
-            </a:r>
-            <a:endParaRPr lang="en-US" altLang="zh-CN" sz="2800" b="1" dirty="0">
-              <a:latin typeface="黑体" panose="02010609060101010101" pitchFamily="49" charset="-122"/>
-              <a:ea typeface="黑体" panose="02010609060101010101" pitchFamily="49" charset="-122"/>
-            </a:endParaRPr>
-          </a:p>
-          <a:p>
-            <a:endParaRPr lang="en-US" altLang="zh-CN" sz="2800" b="1" dirty="0">
-              <a:latin typeface="黑体" panose="02010609060101010101" pitchFamily="49" charset="-122"/>
-              <a:ea typeface="黑体" panose="02010609060101010101" pitchFamily="49" charset="-122"/>
-            </a:endParaRPr>
-          </a:p>
-          <a:p>
-            <a:endParaRPr lang="en-US" altLang="zh-CN" sz="2800" b="1" dirty="0">
-              <a:latin typeface="黑体" panose="02010609060101010101" pitchFamily="49" charset="-122"/>
-              <a:ea typeface="黑体" panose="02010609060101010101" pitchFamily="49" charset="-122"/>
-            </a:endParaRPr>
-          </a:p>
-          <a:p>
-            <a:pPr algn="just"/>
-            <a:r>
-              <a:rPr lang="zh-CN" altLang="en-US" sz="2400" i="0" dirty="0">
-                <a:solidFill>
-                  <a:srgbClr val="000000"/>
-                </a:solidFill>
-                <a:effectLst/>
-                <a:latin typeface="等线 Light" panose="02010600030101010101" pitchFamily="2" charset="-122"/>
-                <a:ea typeface="等线 Light" panose="02010600030101010101" pitchFamily="2" charset="-122"/>
-              </a:rPr>
-              <a:t>低频容量数据波动趋势平缓，曲线相对平滑，在一定程度上可以很好地表征锂离子电池容量的退化趋势</a:t>
-            </a:r>
-            <a:endParaRPr lang="en-US" altLang="zh-CN" sz="2400" i="0" dirty="0">
-              <a:solidFill>
-                <a:srgbClr val="000000"/>
-              </a:solidFill>
-              <a:effectLst/>
-              <a:latin typeface="等线 Light" panose="02010600030101010101" pitchFamily="2" charset="-122"/>
-              <a:ea typeface="等线 Light" panose="02010600030101010101" pitchFamily="2" charset="-122"/>
-            </a:endParaRPr>
-          </a:p>
-          <a:p>
-            <a:pPr algn="just"/>
-            <a:endParaRPr lang="zh-CN" altLang="en-US" sz="2400" i="0" dirty="0">
-              <a:solidFill>
-                <a:srgbClr val="000000"/>
-              </a:solidFill>
-              <a:effectLst/>
-              <a:latin typeface="等线 Light" panose="02010600030101010101" pitchFamily="2" charset="-122"/>
-              <a:ea typeface="等线 Light" panose="02010600030101010101" pitchFamily="2" charset="-122"/>
-            </a:endParaRPr>
-          </a:p>
-          <a:p>
-            <a:pPr algn="just"/>
-            <a:r>
-              <a:rPr lang="zh-CN" altLang="en-US" sz="2400" i="0" dirty="0">
-                <a:solidFill>
-                  <a:srgbClr val="000000"/>
-                </a:solidFill>
-                <a:effectLst/>
-                <a:latin typeface="等线 Light" panose="02010600030101010101" pitchFamily="2" charset="-122"/>
-                <a:ea typeface="等线 Light" panose="02010600030101010101" pitchFamily="2" charset="-122"/>
-              </a:rPr>
-              <a:t>采用线性函数作为激活函数，构建少量隐藏层，才能准确预测低频数据</a:t>
-            </a:r>
-          </a:p>
-          <a:p>
-            <a:endParaRPr lang="zh-CN" altLang="en-US" sz="2800" b="1" dirty="0">
-              <a:latin typeface="黑体" panose="02010609060101010101" pitchFamily="49" charset="-122"/>
-              <a:ea typeface="黑体" panose="02010609060101010101" pitchFamily="49" charset="-122"/>
-            </a:endParaRPr>
+              <a:rPr lang="zh-CN" altLang="en-US" sz="2400" dirty="0"/>
+              <a:t>低频分量的融合规则：</a:t>
+            </a:r>
+          </a:p>
+        </p:txBody>
+      </p:sp>
+      <p:sp>
+        <p:nvSpPr>
+          <p:cNvPr id="5" name="文本框 4">
+            <a:extLst>
+              <a:ext uri="{FF2B5EF4-FFF2-40B4-BE49-F238E27FC236}">
+                <a16:creationId xmlns:a16="http://schemas.microsoft.com/office/drawing/2014/main" id="{E4D1BFF4-E410-DDA7-DF44-051AA9424DF2}"/>
+              </a:ext>
+            </a:extLst>
+          </p:cNvPr>
+          <p:cNvSpPr txBox="1"/>
+          <p:nvPr/>
+        </p:nvSpPr>
+        <p:spPr>
+          <a:xfrm>
+            <a:off x="1523998" y="3600731"/>
+            <a:ext cx="6096000" cy="461665"/>
+          </a:xfrm>
+          <a:prstGeom prst="rect">
+            <a:avLst/>
+          </a:prstGeom>
+          <a:noFill/>
+        </p:spPr>
+        <p:txBody>
+          <a:bodyPr wrap="square">
+            <a:spAutoFit/>
+          </a:bodyPr>
+          <a:lstStyle/>
+          <a:p>
+            <a:r>
+              <a:rPr lang="zh-CN" altLang="en-US" sz="2400" dirty="0"/>
+              <a:t>过零率</a:t>
+            </a:r>
+            <a:r>
+              <a:rPr lang="en-US" altLang="zh-CN" sz="2400" dirty="0"/>
+              <a:t>&lt;0.01</a:t>
+            </a:r>
+            <a:endParaRPr lang="zh-CN" altLang="en-US" sz="2400" dirty="0"/>
           </a:p>
         </p:txBody>
       </p:sp>
     </p:spTree>
     <p:extLst>
       <p:ext uri="{BB962C8B-B14F-4D97-AF65-F5344CB8AC3E}">
-        <p14:creationId xmlns:p14="http://schemas.microsoft.com/office/powerpoint/2010/main" val="2598273226"/>
+        <p14:creationId xmlns:p14="http://schemas.microsoft.com/office/powerpoint/2010/main" val="2878454405"/>
       </p:ext>
     </p:extLst>
   </p:cSld>
@@ -8064,6 +11765,357 @@
       </p:grpSpPr>
       <p:sp>
         <p:nvSpPr>
+          <p:cNvPr id="12" name="文本框 11">
+            <a:extLst>
+              <a:ext uri="{FF2B5EF4-FFF2-40B4-BE49-F238E27FC236}">
+                <a16:creationId xmlns:a16="http://schemas.microsoft.com/office/drawing/2014/main" id="{0BB1EA3F-A062-FC64-1DFD-C4F1932D8E3B}"/>
+              </a:ext>
+            </a:extLst>
+          </p:cNvPr>
+          <p:cNvSpPr txBox="1"/>
+          <p:nvPr/>
+        </p:nvSpPr>
+        <p:spPr>
+          <a:xfrm>
+            <a:off x="815928" y="387324"/>
+            <a:ext cx="10407468" cy="4585871"/>
+          </a:xfrm>
+          <a:prstGeom prst="rect">
+            <a:avLst/>
+          </a:prstGeom>
+          <a:noFill/>
+        </p:spPr>
+        <p:txBody>
+          <a:bodyPr wrap="square" rtlCol="0">
+            <a:spAutoFit/>
+          </a:bodyPr>
+          <a:lstStyle/>
+          <a:p>
+            <a:r>
+              <a:rPr lang="zh-CN" altLang="en-US" sz="2800" dirty="0">
+                <a:latin typeface="黑体" panose="02010609060101010101" pitchFamily="49" charset="-122"/>
+                <a:ea typeface="黑体" panose="02010609060101010101" pitchFamily="49" charset="-122"/>
+              </a:rPr>
+              <a:t>高频分量的融合规则</a:t>
+            </a:r>
+            <a:endParaRPr lang="en-US" altLang="zh-CN" sz="2800" dirty="0">
+              <a:latin typeface="黑体" panose="02010609060101010101" pitchFamily="49" charset="-122"/>
+              <a:ea typeface="黑体" panose="02010609060101010101" pitchFamily="49" charset="-122"/>
+            </a:endParaRPr>
+          </a:p>
+          <a:p>
+            <a:endParaRPr lang="en-US" altLang="zh-CN" sz="2800" dirty="0"/>
+          </a:p>
+          <a:p>
+            <a:endParaRPr lang="en-US" altLang="zh-CN" sz="2800" dirty="0"/>
+          </a:p>
+          <a:p>
+            <a:r>
+              <a:rPr lang="zh-CN" altLang="en-US" sz="2400" dirty="0"/>
+              <a:t>基于值的规则：</a:t>
+            </a:r>
+            <a:r>
+              <a:rPr lang="zh-CN" altLang="en-US" sz="2400" b="0" i="0" dirty="0">
+                <a:solidFill>
+                  <a:srgbClr val="000000"/>
+                </a:solidFill>
+                <a:effectLst/>
+                <a:latin typeface="+mn-ea"/>
+              </a:rPr>
+              <a:t>同一周期内，对各组分的值进行比较，并选择最大值作为最终值</a:t>
+            </a:r>
+            <a:endParaRPr lang="en-US" altLang="zh-CN" sz="2400" dirty="0">
+              <a:latin typeface="+mn-ea"/>
+            </a:endParaRPr>
+          </a:p>
+          <a:p>
+            <a:endParaRPr lang="en-US" altLang="zh-CN" sz="2800" dirty="0"/>
+          </a:p>
+          <a:p>
+            <a:endParaRPr lang="en-US" altLang="zh-CN" sz="2800" dirty="0"/>
+          </a:p>
+          <a:p>
+            <a:endParaRPr lang="en-US" altLang="zh-CN" sz="2800" dirty="0"/>
+          </a:p>
+          <a:p>
+            <a:endParaRPr lang="en-US" altLang="zh-CN" sz="2800" dirty="0"/>
+          </a:p>
+          <a:p>
+            <a:r>
+              <a:rPr lang="zh-CN" altLang="en-US" sz="2400" dirty="0"/>
+              <a:t>基于窗口的规则：滑动窗口长度为</a:t>
+            </a:r>
+            <a:r>
+              <a:rPr lang="en-US" altLang="zh-CN" sz="2400" dirty="0"/>
+              <a:t>3</a:t>
+            </a:r>
+            <a:r>
+              <a:rPr lang="zh-CN" altLang="en-US" sz="2400" dirty="0"/>
+              <a:t>，计算窗口能量并取最大能量值，得到其在原分量中的位置，选取原分量在该位置的值作为融合后的新高频分量</a:t>
+            </a:r>
+            <a:endParaRPr lang="zh-CN" altLang="en-US" sz="2800" dirty="0"/>
+          </a:p>
+        </p:txBody>
+      </p:sp>
+      <p:pic>
+        <p:nvPicPr>
+          <p:cNvPr id="8" name="图片 7">
+            <a:extLst>
+              <a:ext uri="{FF2B5EF4-FFF2-40B4-BE49-F238E27FC236}">
+                <a16:creationId xmlns:a16="http://schemas.microsoft.com/office/drawing/2014/main" id="{775A204A-8E95-56B5-C354-AAE0C5415143}"/>
+              </a:ext>
+            </a:extLst>
+          </p:cNvPr>
+          <p:cNvPicPr>
+            <a:picLocks noChangeAspect="1"/>
+          </p:cNvPicPr>
+          <p:nvPr/>
+        </p:nvPicPr>
+        <p:blipFill>
+          <a:blip r:embed="rId2"/>
+          <a:stretch>
+            <a:fillRect/>
+          </a:stretch>
+        </p:blipFill>
+        <p:spPr>
+          <a:xfrm>
+            <a:off x="2507182" y="2484436"/>
+            <a:ext cx="8048625" cy="790575"/>
+          </a:xfrm>
+          <a:prstGeom prst="rect">
+            <a:avLst/>
+          </a:prstGeom>
+        </p:spPr>
+      </p:pic>
+      <p:pic>
+        <p:nvPicPr>
+          <p:cNvPr id="10" name="图片 9">
+            <a:extLst>
+              <a:ext uri="{FF2B5EF4-FFF2-40B4-BE49-F238E27FC236}">
+                <a16:creationId xmlns:a16="http://schemas.microsoft.com/office/drawing/2014/main" id="{B1F0A656-AAF7-4030-9EE1-2A3F99BA567F}"/>
+              </a:ext>
+            </a:extLst>
+          </p:cNvPr>
+          <p:cNvPicPr>
+            <a:picLocks noChangeAspect="1"/>
+          </p:cNvPicPr>
+          <p:nvPr/>
+        </p:nvPicPr>
+        <p:blipFill>
+          <a:blip r:embed="rId3"/>
+          <a:stretch>
+            <a:fillRect/>
+          </a:stretch>
+        </p:blipFill>
+        <p:spPr>
+          <a:xfrm>
+            <a:off x="2300287" y="4973195"/>
+            <a:ext cx="7591425" cy="1495425"/>
+          </a:xfrm>
+          <a:prstGeom prst="rect">
+            <a:avLst/>
+          </a:prstGeom>
+        </p:spPr>
+      </p:pic>
+    </p:spTree>
+    <p:extLst>
+      <p:ext uri="{BB962C8B-B14F-4D97-AF65-F5344CB8AC3E}">
+        <p14:creationId xmlns:p14="http://schemas.microsoft.com/office/powerpoint/2010/main" val="2067654167"/>
+      </p:ext>
+    </p:extLst>
+  </p:cSld>
+  <p:clrMapOvr>
+    <a:masterClrMapping/>
+  </p:clrMapOvr>
+</p:sld>
+</file>
+
+<file path=ppt/slides/slide21.xml><?xml version="1.0" encoding="utf-8"?>
+<p:sld xmlns:a="http://schemas.openxmlformats.org/drawingml/2006/main" xmlns:r="http://schemas.openxmlformats.org/officeDocument/2006/relationships" xmlns:p="http://schemas.openxmlformats.org/presentationml/2006/main">
+  <p:cSld>
+    <p:spTree>
+      <p:nvGrpSpPr>
+        <p:cNvPr id="1" name=""/>
+        <p:cNvGrpSpPr/>
+        <p:nvPr/>
+      </p:nvGrpSpPr>
+      <p:grpSpPr>
+        <a:xfrm>
+          <a:off x="0" y="0"/>
+          <a:ext cx="0" cy="0"/>
+          <a:chOff x="0" y="0"/>
+          <a:chExt cx="0" cy="0"/>
+        </a:xfrm>
+      </p:grpSpPr>
+      <p:pic>
+        <p:nvPicPr>
+          <p:cNvPr id="4" name="图片 3">
+            <a:extLst>
+              <a:ext uri="{FF2B5EF4-FFF2-40B4-BE49-F238E27FC236}">
+                <a16:creationId xmlns:a16="http://schemas.microsoft.com/office/drawing/2014/main" id="{75515323-044A-9B83-13AB-86AC6C239FFE}"/>
+              </a:ext>
+            </a:extLst>
+          </p:cNvPr>
+          <p:cNvPicPr>
+            <a:picLocks noChangeAspect="1"/>
+          </p:cNvPicPr>
+          <p:nvPr/>
+        </p:nvPicPr>
+        <p:blipFill>
+          <a:blip r:embed="rId2"/>
+          <a:stretch>
+            <a:fillRect/>
+          </a:stretch>
+        </p:blipFill>
+        <p:spPr>
+          <a:xfrm rot="5400000">
+            <a:off x="5759997" y="1998388"/>
+            <a:ext cx="6355650" cy="2610208"/>
+          </a:xfrm>
+          <a:prstGeom prst="rect">
+            <a:avLst/>
+          </a:prstGeom>
+        </p:spPr>
+      </p:pic>
+      <p:sp>
+        <p:nvSpPr>
+          <p:cNvPr id="5" name="文本框 4">
+            <a:extLst>
+              <a:ext uri="{FF2B5EF4-FFF2-40B4-BE49-F238E27FC236}">
+                <a16:creationId xmlns:a16="http://schemas.microsoft.com/office/drawing/2014/main" id="{317F9ACB-E4E5-6E68-43A1-EA7D32C3493F}"/>
+              </a:ext>
+            </a:extLst>
+          </p:cNvPr>
+          <p:cNvSpPr txBox="1"/>
+          <p:nvPr/>
+        </p:nvSpPr>
+        <p:spPr>
+          <a:xfrm>
+            <a:off x="1598762" y="989162"/>
+            <a:ext cx="5739442" cy="4031873"/>
+          </a:xfrm>
+          <a:prstGeom prst="rect">
+            <a:avLst/>
+          </a:prstGeom>
+          <a:noFill/>
+        </p:spPr>
+        <p:txBody>
+          <a:bodyPr wrap="square" rtlCol="0">
+            <a:spAutoFit/>
+          </a:bodyPr>
+          <a:lstStyle/>
+          <a:p>
+            <a:r>
+              <a:rPr lang="zh-CN" altLang="en-US" sz="2800" b="1" dirty="0">
+                <a:latin typeface="黑体" panose="02010609060101010101" pitchFamily="49" charset="-122"/>
+                <a:ea typeface="黑体" panose="02010609060101010101" pitchFamily="49" charset="-122"/>
+              </a:rPr>
+              <a:t>低频分量</a:t>
+            </a:r>
+            <a:endParaRPr lang="en-US" altLang="zh-CN" sz="2800" b="1" dirty="0">
+              <a:latin typeface="黑体" panose="02010609060101010101" pitchFamily="49" charset="-122"/>
+              <a:ea typeface="黑体" panose="02010609060101010101" pitchFamily="49" charset="-122"/>
+            </a:endParaRPr>
+          </a:p>
+          <a:p>
+            <a:endParaRPr lang="en-US" altLang="zh-CN" sz="2800" b="1" dirty="0">
+              <a:latin typeface="黑体" panose="02010609060101010101" pitchFamily="49" charset="-122"/>
+              <a:ea typeface="黑体" panose="02010609060101010101" pitchFamily="49" charset="-122"/>
+            </a:endParaRPr>
+          </a:p>
+          <a:p>
+            <a:endParaRPr lang="en-US" altLang="zh-CN" sz="2800" b="1" dirty="0">
+              <a:latin typeface="黑体" panose="02010609060101010101" pitchFamily="49" charset="-122"/>
+              <a:ea typeface="黑体" panose="02010609060101010101" pitchFamily="49" charset="-122"/>
+            </a:endParaRPr>
+          </a:p>
+          <a:p>
+            <a:pPr algn="just"/>
+            <a:r>
+              <a:rPr lang="zh-CN" altLang="en-US" sz="2400" i="0" dirty="0">
+                <a:solidFill>
+                  <a:srgbClr val="000000"/>
+                </a:solidFill>
+                <a:effectLst/>
+                <a:latin typeface="等线 Light" panose="02010600030101010101" pitchFamily="2" charset="-122"/>
+                <a:ea typeface="等线 Light" panose="02010600030101010101" pitchFamily="2" charset="-122"/>
+              </a:rPr>
+              <a:t>低频容量数据波动趋势平缓，曲线相对平滑，在一定程度上可以很好地表征锂离子电池容量的退化趋势</a:t>
+            </a:r>
+            <a:endParaRPr lang="en-US" altLang="zh-CN" sz="2400" i="0" dirty="0">
+              <a:solidFill>
+                <a:srgbClr val="000000"/>
+              </a:solidFill>
+              <a:effectLst/>
+              <a:latin typeface="等线 Light" panose="02010600030101010101" pitchFamily="2" charset="-122"/>
+              <a:ea typeface="等线 Light" panose="02010600030101010101" pitchFamily="2" charset="-122"/>
+            </a:endParaRPr>
+          </a:p>
+          <a:p>
+            <a:pPr algn="just"/>
+            <a:endParaRPr lang="zh-CN" altLang="en-US" sz="2400" i="0" dirty="0">
+              <a:solidFill>
+                <a:srgbClr val="000000"/>
+              </a:solidFill>
+              <a:effectLst/>
+              <a:latin typeface="等线 Light" panose="02010600030101010101" pitchFamily="2" charset="-122"/>
+              <a:ea typeface="等线 Light" panose="02010600030101010101" pitchFamily="2" charset="-122"/>
+            </a:endParaRPr>
+          </a:p>
+          <a:p>
+            <a:pPr algn="just"/>
+            <a:r>
+              <a:rPr lang="zh-CN" altLang="en-US" sz="2400" i="0" dirty="0">
+                <a:solidFill>
+                  <a:srgbClr val="000000"/>
+                </a:solidFill>
+                <a:effectLst/>
+                <a:latin typeface="等线 Light" panose="02010600030101010101" pitchFamily="2" charset="-122"/>
+                <a:ea typeface="等线 Light" panose="02010600030101010101" pitchFamily="2" charset="-122"/>
+              </a:rPr>
+              <a:t>采用线性函数作为激活函数，构建少量隐藏层，才能准确预测低频数据</a:t>
+            </a:r>
+          </a:p>
+          <a:p>
+            <a:endParaRPr lang="zh-CN" altLang="en-US" sz="2800" b="1" dirty="0">
+              <a:latin typeface="黑体" panose="02010609060101010101" pitchFamily="49" charset="-122"/>
+              <a:ea typeface="黑体" panose="02010609060101010101" pitchFamily="49" charset="-122"/>
+            </a:endParaRPr>
+          </a:p>
+        </p:txBody>
+      </p:sp>
+    </p:spTree>
+    <p:extLst>
+      <p:ext uri="{BB962C8B-B14F-4D97-AF65-F5344CB8AC3E}">
+        <p14:creationId xmlns:p14="http://schemas.microsoft.com/office/powerpoint/2010/main" val="2598273226"/>
+      </p:ext>
+    </p:extLst>
+  </p:cSld>
+  <p:clrMapOvr>
+    <a:masterClrMapping/>
+  </p:clrMapOvr>
+</p:sld>
+</file>
+
+<file path=ppt/slides/slide22.xml><?xml version="1.0" encoding="utf-8"?>
+<p:sld xmlns:a="http://schemas.openxmlformats.org/drawingml/2006/main" xmlns:r="http://schemas.openxmlformats.org/officeDocument/2006/relationships" xmlns:p="http://schemas.openxmlformats.org/presentationml/2006/main">
+  <p:cSld>
+    <p:spTree>
+      <p:nvGrpSpPr>
+        <p:cNvPr id="1" name=""/>
+        <p:cNvGrpSpPr/>
+        <p:nvPr/>
+      </p:nvGrpSpPr>
+      <p:grpSpPr>
+        <a:xfrm>
+          <a:off x="0" y="0"/>
+          <a:ext cx="0" cy="0"/>
+          <a:chOff x="0" y="0"/>
+          <a:chExt cx="0" cy="0"/>
+        </a:xfrm>
+      </p:grpSpPr>
+      <p:sp>
+        <p:nvSpPr>
           <p:cNvPr id="5" name="文本框 4">
             <a:extLst>
               <a:ext uri="{FF2B5EF4-FFF2-40B4-BE49-F238E27FC236}">
@@ -8195,7 +12247,7 @@
 </p:sld>
 </file>
 
-<file path=ppt/slides/slide21.xml><?xml version="1.0" encoding="utf-8"?>
+<file path=ppt/slides/slide23.xml><?xml version="1.0" encoding="utf-8"?>
 <p:sld xmlns:a="http://schemas.openxmlformats.org/drawingml/2006/main" xmlns:r="http://schemas.openxmlformats.org/officeDocument/2006/relationships" xmlns:p="http://schemas.openxmlformats.org/presentationml/2006/main">
   <p:cSld>
     <p:spTree>
@@ -8551,8 +12603,8 @@
         </p:nvSpPr>
         <p:spPr>
           <a:xfrm>
-            <a:off x="1411042" y="502380"/>
-            <a:ext cx="9206651" cy="4569777"/>
+            <a:off x="1492674" y="218294"/>
+            <a:ext cx="9206651" cy="6316601"/>
           </a:xfrm>
           <a:prstGeom prst="rect">
             <a:avLst/>
@@ -8642,6 +12694,10 @@
                 <a:spcPct val="150000"/>
               </a:lnSpc>
             </a:pPr>
+            <a:r>
+              <a:rPr lang="zh-CN" altLang="en-US" sz="2000" dirty="0"/>
+              <a:t>在一定的数据量下，更多不同的数据模式将大大提高模型的学习效果</a:t>
+            </a:r>
             <a:endParaRPr lang="en-US" altLang="zh-CN" sz="2000" dirty="0"/>
           </a:p>
           <a:p>
@@ -8650,18 +12706,56 @@
                 <a:spcPct val="150000"/>
               </a:lnSpc>
             </a:pPr>
-            <a:r>
-              <a:rPr lang="zh-CN" altLang="en-US" sz="2000" i="0" dirty="0">
-                <a:solidFill>
-                  <a:srgbClr val="000000"/>
-                </a:solidFill>
-                <a:effectLst/>
-                <a:latin typeface="微软雅黑" panose="020B0503020204020204" pitchFamily="34" charset="-122"/>
-                <a:ea typeface="微软雅黑" panose="020B0503020204020204" pitchFamily="34" charset="-122"/>
-              </a:rPr>
-              <a:t>在一定的数据量下，更多不同的数据模式将大大提高模型的学习效果</a:t>
-            </a:r>
-            <a:endParaRPr lang="en-US" altLang="zh-CN" sz="2000" dirty="0"/>
+            <a:endParaRPr lang="en-US" altLang="zh-CN" sz="2000" i="0" dirty="0">
+              <a:solidFill>
+                <a:srgbClr val="000000"/>
+              </a:solidFill>
+              <a:effectLst/>
+              <a:latin typeface="微软雅黑" panose="020B0503020204020204" pitchFamily="34" charset="-122"/>
+              <a:ea typeface="微软雅黑" panose="020B0503020204020204" pitchFamily="34" charset="-122"/>
+            </a:endParaRPr>
+          </a:p>
+          <a:p>
+            <a:pPr>
+              <a:lnSpc>
+                <a:spcPct val="150000"/>
+              </a:lnSpc>
+            </a:pPr>
+            <a:r>
+              <a:rPr lang="zh-CN" altLang="en-US" sz="2000" b="1" dirty="0"/>
+              <a:t>多尺度融合：</a:t>
+            </a:r>
+            <a:r>
+              <a:rPr lang="zh-CN" altLang="en-US" dirty="0"/>
+              <a:t>为了进一步提高模型的性能和泛化能力，本文通过构建不同相似阈值构建不同模型，融合主要基于不同的时间尺度，算术平均融合、基于</a:t>
+            </a:r>
+            <a:r>
+              <a:rPr lang="en-US" altLang="zh-CN" dirty="0"/>
+              <a:t>R</a:t>
+            </a:r>
+            <a:r>
+              <a:rPr lang="en-US" altLang="zh-CN" baseline="30000" dirty="0"/>
+              <a:t>2</a:t>
+            </a:r>
+            <a:r>
+              <a:rPr lang="zh-CN" altLang="en-US" dirty="0"/>
+              <a:t>度量的融合和基于广义误差的最小权因子融合</a:t>
+            </a:r>
+            <a:endParaRPr lang="en-US" altLang="zh-CN" dirty="0"/>
+          </a:p>
+          <a:p>
+            <a:pPr>
+              <a:lnSpc>
+                <a:spcPct val="150000"/>
+              </a:lnSpc>
+            </a:pPr>
+            <a:endParaRPr lang="en-US" altLang="zh-CN" sz="2000" dirty="0">
+              <a:solidFill>
+                <a:srgbClr val="000000"/>
+              </a:solidFill>
+              <a:latin typeface="微软雅黑" panose="020B0503020204020204" pitchFamily="34" charset="-122"/>
+              <a:ea typeface="微软雅黑" panose="020B0503020204020204" pitchFamily="34" charset="-122"/>
+            </a:endParaRPr>
           </a:p>
         </p:txBody>
       </p:sp>
@@ -8966,10 +13060,10 @@
       </p:grpSpPr>
       <p:pic>
         <p:nvPicPr>
-          <p:cNvPr id="3" name="图片 2">
-            <a:extLst>
-              <a:ext uri="{FF2B5EF4-FFF2-40B4-BE49-F238E27FC236}">
-                <a16:creationId xmlns:a16="http://schemas.microsoft.com/office/drawing/2014/main" id="{91854034-B3E6-4C1A-ADFE-FD772F48E8F5}"/>
+          <p:cNvPr id="2" name="图片 1">
+            <a:extLst>
+              <a:ext uri="{FF2B5EF4-FFF2-40B4-BE49-F238E27FC236}">
+                <a16:creationId xmlns:a16="http://schemas.microsoft.com/office/drawing/2014/main" id="{0B39DED9-BB76-4DE6-BCCD-3F7698D34839}"/>
               </a:ext>
             </a:extLst>
           </p:cNvPr>
@@ -8986,8 +13080,8 @@
         </p:blipFill>
         <p:spPr>
           <a:xfrm>
-            <a:off x="931635" y="827460"/>
-            <a:ext cx="10097909" cy="5487166"/>
+            <a:off x="638857" y="1195666"/>
+            <a:ext cx="10914286" cy="4466667"/>
           </a:xfrm>
           <a:prstGeom prst="rect">
             <a:avLst/>
@@ -9024,153 +13118,40 @@
           <a:chExt cx="0" cy="0"/>
         </a:xfrm>
       </p:grpSpPr>
-      <p:sp>
-        <p:nvSpPr>
-          <p:cNvPr id="3" name="文本框 2">
-            <a:extLst>
-              <a:ext uri="{FF2B5EF4-FFF2-40B4-BE49-F238E27FC236}">
-                <a16:creationId xmlns:a16="http://schemas.microsoft.com/office/drawing/2014/main" id="{3D6DBC93-53B0-6024-2AD6-5791227BDA01}"/>
-              </a:ext>
-            </a:extLst>
-          </p:cNvPr>
-          <p:cNvSpPr txBox="1"/>
-          <p:nvPr/>
-        </p:nvSpPr>
-        <p:spPr>
-          <a:xfrm>
-            <a:off x="1411042" y="548109"/>
-            <a:ext cx="9369915" cy="4098686"/>
+      <p:pic>
+        <p:nvPicPr>
+          <p:cNvPr id="3" name="图片 2">
+            <a:extLst>
+              <a:ext uri="{FF2B5EF4-FFF2-40B4-BE49-F238E27FC236}">
+                <a16:creationId xmlns:a16="http://schemas.microsoft.com/office/drawing/2014/main" id="{3EE87A38-6554-4096-8B59-19C97C256094}"/>
+              </a:ext>
+            </a:extLst>
+          </p:cNvPr>
+          <p:cNvPicPr>
+            <a:picLocks noChangeAspect="1"/>
+          </p:cNvPicPr>
+          <p:nvPr/>
+        </p:nvPicPr>
+        <p:blipFill>
+          <a:blip r:embed="rId2"/>
+          <a:stretch>
+            <a:fillRect/>
+          </a:stretch>
+        </p:blipFill>
+        <p:spPr>
+          <a:xfrm>
+            <a:off x="2134095" y="2038524"/>
+            <a:ext cx="7923809" cy="2780952"/>
           </a:xfrm>
           <a:prstGeom prst="rect">
             <a:avLst/>
           </a:prstGeom>
-          <a:noFill/>
-        </p:spPr>
-        <p:txBody>
-          <a:bodyPr wrap="square" rtlCol="0">
-            <a:spAutoFit/>
-          </a:bodyPr>
-          <a:lstStyle/>
-          <a:p>
-            <a:pPr>
-              <a:lnSpc>
-                <a:spcPct val="150000"/>
-              </a:lnSpc>
-            </a:pPr>
-            <a:r>
-              <a:rPr lang="zh-CN" altLang="en-US" sz="2800" b="1" dirty="0"/>
-              <a:t>信号降噪算法</a:t>
-            </a:r>
-            <a:endParaRPr lang="en-US" altLang="zh-CN" sz="2800" b="1" dirty="0"/>
-          </a:p>
-          <a:p>
-            <a:pPr>
-              <a:lnSpc>
-                <a:spcPct val="150000"/>
-              </a:lnSpc>
-            </a:pPr>
-            <a:endParaRPr lang="en-US" altLang="zh-CN" sz="2800" b="1" dirty="0"/>
-          </a:p>
-          <a:p>
-            <a:pPr>
-              <a:lnSpc>
-                <a:spcPct val="150000"/>
-              </a:lnSpc>
-            </a:pPr>
-            <a:r>
-              <a:rPr lang="zh-CN" altLang="en-US" sz="2400" b="1" dirty="0"/>
-              <a:t>小波分析</a:t>
-            </a:r>
-            <a:r>
-              <a:rPr lang="zh-CN" altLang="en-US" sz="2400" dirty="0"/>
-              <a:t>：</a:t>
-            </a:r>
-            <a:r>
-              <a:rPr lang="zh-CN" altLang="en-US" sz="2400" b="0" i="0" dirty="0">
-                <a:solidFill>
-                  <a:srgbClr val="4D4D4D"/>
-                </a:solidFill>
-                <a:effectLst/>
-                <a:latin typeface="-apple-system"/>
-              </a:rPr>
-              <a:t>可以有效地去除高频噪声，并保留信号的低频部分，进行重构之后得到去噪信号</a:t>
-            </a:r>
-            <a:endParaRPr lang="en-US" altLang="zh-CN" sz="2400" b="0" i="0" dirty="0">
-              <a:solidFill>
-                <a:srgbClr val="4D4D4D"/>
-              </a:solidFill>
-              <a:effectLst/>
-              <a:latin typeface="-apple-system"/>
-            </a:endParaRPr>
-          </a:p>
-          <a:p>
-            <a:pPr>
-              <a:lnSpc>
-                <a:spcPct val="150000"/>
-              </a:lnSpc>
-            </a:pPr>
-            <a:endParaRPr lang="en-US" altLang="zh-CN" sz="2400" b="1" dirty="0"/>
-          </a:p>
-          <a:p>
-            <a:pPr>
-              <a:lnSpc>
-                <a:spcPct val="150000"/>
-              </a:lnSpc>
-            </a:pPr>
-            <a:r>
-              <a:rPr lang="zh-CN" altLang="en-US" sz="2400" b="1" dirty="0"/>
-              <a:t>模态分解（</a:t>
-            </a:r>
-            <a:r>
-              <a:rPr lang="en-US" altLang="zh-CN" sz="2400" b="1" dirty="0"/>
-              <a:t>EMD</a:t>
-            </a:r>
-            <a:r>
-              <a:rPr lang="zh-CN" altLang="en-US" sz="2400" b="1" dirty="0"/>
-              <a:t>）</a:t>
-            </a:r>
-            <a:r>
-              <a:rPr lang="zh-CN" altLang="en-US" sz="2400" dirty="0"/>
-              <a:t>：</a:t>
-            </a:r>
-            <a:r>
-              <a:rPr lang="zh-CN" altLang="en-US" sz="2400" b="0" i="0" dirty="0">
-                <a:solidFill>
-                  <a:srgbClr val="4D4D4D"/>
-                </a:solidFill>
-                <a:effectLst/>
-                <a:latin typeface="-apple-system"/>
-              </a:rPr>
-              <a:t>将信号分解为多个不同频率的本征模态函数，不同</a:t>
-            </a:r>
-            <a:r>
-              <a:rPr lang="en-US" altLang="zh-CN" sz="2400" b="0" i="0" dirty="0">
-                <a:solidFill>
-                  <a:srgbClr val="4D4D4D"/>
-                </a:solidFill>
-                <a:effectLst/>
-                <a:latin typeface="-apple-system"/>
-              </a:rPr>
-              <a:t>IMF</a:t>
-            </a:r>
-            <a:r>
-              <a:rPr lang="zh-CN" altLang="en-US" sz="2400" b="0" i="0" dirty="0">
-                <a:solidFill>
-                  <a:srgbClr val="4D4D4D"/>
-                </a:solidFill>
-                <a:effectLst/>
-                <a:latin typeface="-apple-system"/>
-              </a:rPr>
-              <a:t>表示信号在不同频率上的分量</a:t>
-            </a:r>
-            <a:endParaRPr lang="en-US" altLang="zh-CN" sz="2400" dirty="0"/>
-          </a:p>
-        </p:txBody>
-      </p:sp>
+        </p:spPr>
+      </p:pic>
     </p:spTree>
     <p:extLst>
       <p:ext uri="{BB962C8B-B14F-4D97-AF65-F5344CB8AC3E}">
-        <p14:creationId xmlns:p14="http://schemas.microsoft.com/office/powerpoint/2010/main" val="1623485351"/>
+        <p14:creationId xmlns:p14="http://schemas.microsoft.com/office/powerpoint/2010/main" val="876869191"/>
       </p:ext>
     </p:extLst>
   </p:cSld>
@@ -9202,7 +13183,7 @@
           <p:cNvPr id="3" name="文本框 2">
             <a:extLst>
               <a:ext uri="{FF2B5EF4-FFF2-40B4-BE49-F238E27FC236}">
-                <a16:creationId xmlns:a16="http://schemas.microsoft.com/office/drawing/2014/main" id="{8D29CED5-0C67-4A24-8990-B189D84C7EB1}"/>
+                <a16:creationId xmlns:a16="http://schemas.microsoft.com/office/drawing/2014/main" id="{3D6DBC93-53B0-6024-2AD6-5791227BDA01}"/>
               </a:ext>
             </a:extLst>
           </p:cNvPr>
@@ -9212,7 +13193,7 @@
         <p:spPr>
           <a:xfrm>
             <a:off x="1411042" y="548109"/>
-            <a:ext cx="9369915" cy="5205720"/>
+            <a:ext cx="9369915" cy="4098686"/>
           </a:xfrm>
           <a:prstGeom prst="rect">
             <a:avLst/>
@@ -9232,7 +13213,7 @@
             </a:pPr>
             <a:r>
               <a:rPr lang="zh-CN" altLang="en-US" sz="2800" b="1" dirty="0"/>
-              <a:t>研究目的</a:t>
+              <a:t>信号降噪算法</a:t>
             </a:r>
             <a:endParaRPr lang="en-US" altLang="zh-CN" sz="2800" b="1" dirty="0"/>
           </a:p>
@@ -9252,21 +13233,27 @@
             </a:pPr>
             <a:r>
               <a:rPr lang="zh-CN" altLang="en-US" sz="2400" b="1" dirty="0"/>
-              <a:t>目的</a:t>
-            </a:r>
-            <a:r>
-              <a:rPr lang="zh-CN" altLang="en-US" sz="2400" dirty="0">
+              <a:t>小波分析</a:t>
+            </a:r>
+            <a:r>
+              <a:rPr lang="zh-CN" altLang="en-US" sz="2400" dirty="0"/>
+              <a:t>：</a:t>
+            </a:r>
+            <a:r>
+              <a:rPr lang="zh-CN" altLang="en-US" sz="2400" b="0" i="0" dirty="0">
                 <a:solidFill>
                   <a:srgbClr val="4D4D4D"/>
                 </a:solidFill>
+                <a:effectLst/>
                 <a:latin typeface="-apple-system"/>
               </a:rPr>
-              <a:t>：</a:t>
-            </a:r>
-            <a:endParaRPr lang="en-US" altLang="zh-CN" sz="2400" dirty="0">
+              <a:t>可以有效地去除高频噪声，并保留信号的低频部分，进行重构之后得到去噪信号</a:t>
+            </a:r>
+            <a:endParaRPr lang="en-US" altLang="zh-CN" sz="2400" b="0" i="0" dirty="0">
               <a:solidFill>
                 <a:srgbClr val="4D4D4D"/>
               </a:solidFill>
+              <a:effectLst/>
               <a:latin typeface="-apple-system"/>
             </a:endParaRPr>
           </a:p>
@@ -9276,30 +13263,7 @@
                 <a:spcPct val="150000"/>
               </a:lnSpc>
             </a:pPr>
-            <a:r>
-              <a:rPr lang="en-US" altLang="zh-CN" sz="2400" dirty="0">
-                <a:solidFill>
-                  <a:srgbClr val="4D4D4D"/>
-                </a:solidFill>
-                <a:latin typeface="-apple-system"/>
-              </a:rPr>
-              <a:t>	</a:t>
-            </a:r>
-            <a:r>
-              <a:rPr lang="zh-CN" altLang="en-US" sz="2400" dirty="0">
-                <a:solidFill>
-                  <a:srgbClr val="4D4D4D"/>
-                </a:solidFill>
-                <a:latin typeface="-apple-system"/>
-              </a:rPr>
-              <a:t>从早期电池循环中提取信息对电池寿命进行预测</a:t>
-            </a:r>
-            <a:endParaRPr lang="en-US" altLang="zh-CN" sz="2400" dirty="0">
-              <a:solidFill>
-                <a:srgbClr val="4D4D4D"/>
-              </a:solidFill>
-              <a:latin typeface="-apple-system"/>
-            </a:endParaRPr>
+            <a:endParaRPr lang="en-US" altLang="zh-CN" sz="2400" b="1" dirty="0"/>
           </a:p>
           <a:p>
             <a:pPr>
@@ -9308,97 +13272,59 @@
               </a:lnSpc>
             </a:pPr>
             <a:r>
-              <a:rPr lang="en-US" altLang="zh-CN" sz="2400" dirty="0">
+              <a:rPr lang="zh-CN" altLang="en-US" sz="2400" b="1" dirty="0"/>
+              <a:t>模态分解（</a:t>
+            </a:r>
+            <a:r>
+              <a:rPr lang="en-US" altLang="zh-CN" sz="2400" b="1" dirty="0"/>
+              <a:t>EMD</a:t>
+            </a:r>
+            <a:r>
+              <a:rPr lang="zh-CN" altLang="en-US" sz="2400" b="1" dirty="0"/>
+              <a:t>）</a:t>
+            </a:r>
+            <a:r>
+              <a:rPr lang="zh-CN" altLang="en-US" sz="2400" dirty="0"/>
+              <a:t>：</a:t>
+            </a:r>
+            <a:r>
+              <a:rPr lang="zh-CN" altLang="en-US" sz="2400" b="0" i="0" dirty="0">
                 <a:solidFill>
                   <a:srgbClr val="4D4D4D"/>
                 </a:solidFill>
+                <a:effectLst/>
                 <a:latin typeface="-apple-system"/>
               </a:rPr>
-              <a:t>	</a:t>
-            </a:r>
-            <a:r>
-              <a:rPr lang="zh-CN" altLang="en-US" sz="2400" dirty="0">
+              <a:t>将信号分解为多个不同频率的本征模态函数，不同</a:t>
+            </a:r>
+            <a:r>
+              <a:rPr lang="en-US" altLang="zh-CN" sz="2400" b="0" i="0" dirty="0">
                 <a:solidFill>
                   <a:srgbClr val="4D4D4D"/>
                 </a:solidFill>
+                <a:effectLst/>
                 <a:latin typeface="-apple-system"/>
               </a:rPr>
-              <a:t>考虑电池数据有噪声的现实情况</a:t>
-            </a:r>
-            <a:endParaRPr lang="en-US" altLang="zh-CN" sz="2400" dirty="0">
-              <a:solidFill>
-                <a:srgbClr val="4D4D4D"/>
-              </a:solidFill>
-              <a:latin typeface="-apple-system"/>
-            </a:endParaRPr>
-          </a:p>
-          <a:p>
-            <a:pPr>
-              <a:lnSpc>
-                <a:spcPct val="150000"/>
-              </a:lnSpc>
-            </a:pPr>
-            <a:r>
-              <a:rPr lang="zh-CN" altLang="en-US" sz="2400" dirty="0">
+              <a:t>IMF</a:t>
+            </a:r>
+            <a:r>
+              <a:rPr lang="zh-CN" altLang="en-US" sz="2400" b="0" i="0" dirty="0">
                 <a:solidFill>
                   <a:srgbClr val="4D4D4D"/>
                 </a:solidFill>
+                <a:effectLst/>
                 <a:latin typeface="-apple-system"/>
               </a:rPr>
-              <a:t>在保证以上两点基础上提高寿命预测的精度，减少均方根误差</a:t>
-            </a:r>
-            <a:endParaRPr lang="en-US" altLang="zh-CN" sz="2400" dirty="0">
-              <a:solidFill>
-                <a:srgbClr val="4D4D4D"/>
-              </a:solidFill>
-              <a:latin typeface="-apple-system"/>
-            </a:endParaRPr>
-          </a:p>
-          <a:p>
-            <a:pPr>
-              <a:lnSpc>
-                <a:spcPct val="150000"/>
-              </a:lnSpc>
-            </a:pPr>
-            <a:endParaRPr lang="en-US" altLang="zh-CN" sz="2400" dirty="0">
-              <a:solidFill>
-                <a:srgbClr val="4D4D4D"/>
-              </a:solidFill>
-              <a:latin typeface="-apple-system"/>
-            </a:endParaRPr>
-          </a:p>
-          <a:p>
-            <a:pPr>
-              <a:lnSpc>
-                <a:spcPct val="150000"/>
-              </a:lnSpc>
-            </a:pPr>
-            <a:endParaRPr lang="en-US" altLang="zh-CN" sz="2400" dirty="0">
-              <a:solidFill>
-                <a:srgbClr val="4D4D4D"/>
-              </a:solidFill>
-              <a:latin typeface="-apple-system"/>
-            </a:endParaRPr>
-          </a:p>
-          <a:p>
-            <a:pPr>
-              <a:lnSpc>
-                <a:spcPct val="150000"/>
-              </a:lnSpc>
-            </a:pPr>
-            <a:endParaRPr lang="en-US" altLang="zh-CN" sz="2400" dirty="0">
-              <a:solidFill>
-                <a:srgbClr val="4D4D4D"/>
-              </a:solidFill>
-              <a:latin typeface="-apple-system"/>
-            </a:endParaRPr>
+              <a:t>表示信号在不同频率上的分量</a:t>
+            </a:r>
+            <a:endParaRPr lang="en-US" altLang="zh-CN" sz="2400" dirty="0"/>
           </a:p>
         </p:txBody>
       </p:sp>
     </p:spTree>
     <p:extLst>
       <p:ext uri="{BB962C8B-B14F-4D97-AF65-F5344CB8AC3E}">
-        <p14:creationId xmlns:p14="http://schemas.microsoft.com/office/powerpoint/2010/main" val="464053940"/>
+        <p14:creationId xmlns:p14="http://schemas.microsoft.com/office/powerpoint/2010/main" val="1623485351"/>
       </p:ext>
     </p:extLst>
   </p:cSld>

--- a/卢老师论文汇报/1101汇报.pptx
+++ b/卢老师论文汇报/1101汇报.pptx
@@ -13,21 +13,21 @@
     <p:sldId id="281" r:id="rId7"/>
     <p:sldId id="282" r:id="rId8"/>
     <p:sldId id="301" r:id="rId9"/>
-    <p:sldId id="283" r:id="rId10"/>
-    <p:sldId id="284" r:id="rId11"/>
-    <p:sldId id="302" r:id="rId12"/>
-    <p:sldId id="296" r:id="rId13"/>
-    <p:sldId id="297" r:id="rId14"/>
-    <p:sldId id="298" r:id="rId15"/>
-    <p:sldId id="285" r:id="rId16"/>
-    <p:sldId id="288" r:id="rId17"/>
-    <p:sldId id="290" r:id="rId18"/>
-    <p:sldId id="291" r:id="rId19"/>
-    <p:sldId id="292" r:id="rId20"/>
-    <p:sldId id="299" r:id="rId21"/>
-    <p:sldId id="294" r:id="rId22"/>
-    <p:sldId id="300" r:id="rId23"/>
-    <p:sldId id="289" r:id="rId24"/>
+    <p:sldId id="288" r:id="rId10"/>
+    <p:sldId id="290" r:id="rId11"/>
+    <p:sldId id="291" r:id="rId12"/>
+    <p:sldId id="292" r:id="rId13"/>
+    <p:sldId id="299" r:id="rId14"/>
+    <p:sldId id="294" r:id="rId15"/>
+    <p:sldId id="300" r:id="rId16"/>
+    <p:sldId id="289" r:id="rId17"/>
+    <p:sldId id="283" r:id="rId18"/>
+    <p:sldId id="284" r:id="rId19"/>
+    <p:sldId id="302" r:id="rId20"/>
+    <p:sldId id="296" r:id="rId21"/>
+    <p:sldId id="297" r:id="rId22"/>
+    <p:sldId id="298" r:id="rId23"/>
+    <p:sldId id="285" r:id="rId24"/>
   </p:sldIdLst>
   <p:sldSz cx="12192000" cy="6858000"/>
   <p:notesSz cx="6858000" cy="9144000"/>
@@ -281,7 +281,7 @@
           <a:p>
             <a:fld id="{05D1DEA3-224F-45CD-ABFB-AAB1758CA7DD}" type="datetimeFigureOut">
               <a:rPr lang="zh-CN" altLang="en-US" smtClean="0"/>
-              <a:t>2023/10/31</a:t>
+              <a:t>2023/11/1</a:t>
             </a:fld>
             <a:endParaRPr lang="zh-CN" altLang="en-US"/>
           </a:p>
@@ -479,7 +479,7 @@
           <a:p>
             <a:fld id="{05D1DEA3-224F-45CD-ABFB-AAB1758CA7DD}" type="datetimeFigureOut">
               <a:rPr lang="zh-CN" altLang="en-US" smtClean="0"/>
-              <a:t>2023/10/31</a:t>
+              <a:t>2023/11/1</a:t>
             </a:fld>
             <a:endParaRPr lang="zh-CN" altLang="en-US"/>
           </a:p>
@@ -687,7 +687,7 @@
           <a:p>
             <a:fld id="{05D1DEA3-224F-45CD-ABFB-AAB1758CA7DD}" type="datetimeFigureOut">
               <a:rPr lang="zh-CN" altLang="en-US" smtClean="0"/>
-              <a:t>2023/10/31</a:t>
+              <a:t>2023/11/1</a:t>
             </a:fld>
             <a:endParaRPr lang="zh-CN" altLang="en-US"/>
           </a:p>
@@ -885,7 +885,7 @@
           <a:p>
             <a:fld id="{05D1DEA3-224F-45CD-ABFB-AAB1758CA7DD}" type="datetimeFigureOut">
               <a:rPr lang="zh-CN" altLang="en-US" smtClean="0"/>
-              <a:t>2023/10/31</a:t>
+              <a:t>2023/11/1</a:t>
             </a:fld>
             <a:endParaRPr lang="zh-CN" altLang="en-US"/>
           </a:p>
@@ -1160,7 +1160,7 @@
           <a:p>
             <a:fld id="{05D1DEA3-224F-45CD-ABFB-AAB1758CA7DD}" type="datetimeFigureOut">
               <a:rPr lang="zh-CN" altLang="en-US" smtClean="0"/>
-              <a:t>2023/10/31</a:t>
+              <a:t>2023/11/1</a:t>
             </a:fld>
             <a:endParaRPr lang="zh-CN" altLang="en-US"/>
           </a:p>
@@ -1425,7 +1425,7 @@
           <a:p>
             <a:fld id="{05D1DEA3-224F-45CD-ABFB-AAB1758CA7DD}" type="datetimeFigureOut">
               <a:rPr lang="zh-CN" altLang="en-US" smtClean="0"/>
-              <a:t>2023/10/31</a:t>
+              <a:t>2023/11/1</a:t>
             </a:fld>
             <a:endParaRPr lang="zh-CN" altLang="en-US"/>
           </a:p>
@@ -1837,7 +1837,7 @@
           <a:p>
             <a:fld id="{05D1DEA3-224F-45CD-ABFB-AAB1758CA7DD}" type="datetimeFigureOut">
               <a:rPr lang="zh-CN" altLang="en-US" smtClean="0"/>
-              <a:t>2023/10/31</a:t>
+              <a:t>2023/11/1</a:t>
             </a:fld>
             <a:endParaRPr lang="zh-CN" altLang="en-US"/>
           </a:p>
@@ -1978,7 +1978,7 @@
           <a:p>
             <a:fld id="{05D1DEA3-224F-45CD-ABFB-AAB1758CA7DD}" type="datetimeFigureOut">
               <a:rPr lang="zh-CN" altLang="en-US" smtClean="0"/>
-              <a:t>2023/10/31</a:t>
+              <a:t>2023/11/1</a:t>
             </a:fld>
             <a:endParaRPr lang="zh-CN" altLang="en-US"/>
           </a:p>
@@ -2091,7 +2091,7 @@
           <a:p>
             <a:fld id="{05D1DEA3-224F-45CD-ABFB-AAB1758CA7DD}" type="datetimeFigureOut">
               <a:rPr lang="zh-CN" altLang="en-US" smtClean="0"/>
-              <a:t>2023/10/31</a:t>
+              <a:t>2023/11/1</a:t>
             </a:fld>
             <a:endParaRPr lang="zh-CN" altLang="en-US"/>
           </a:p>
@@ -2402,7 +2402,7 @@
           <a:p>
             <a:fld id="{05D1DEA3-224F-45CD-ABFB-AAB1758CA7DD}" type="datetimeFigureOut">
               <a:rPr lang="zh-CN" altLang="en-US" smtClean="0"/>
-              <a:t>2023/10/31</a:t>
+              <a:t>2023/11/1</a:t>
             </a:fld>
             <a:endParaRPr lang="zh-CN" altLang="en-US"/>
           </a:p>
@@ -2690,7 +2690,7 @@
           <a:p>
             <a:fld id="{05D1DEA3-224F-45CD-ABFB-AAB1758CA7DD}" type="datetimeFigureOut">
               <a:rPr lang="zh-CN" altLang="en-US" smtClean="0"/>
-              <a:t>2023/10/31</a:t>
+              <a:t>2023/11/1</a:t>
             </a:fld>
             <a:endParaRPr lang="zh-CN" altLang="en-US"/>
           </a:p>
@@ -2931,7 +2931,7 @@
           <a:p>
             <a:fld id="{05D1DEA3-224F-45CD-ABFB-AAB1758CA7DD}" type="datetimeFigureOut">
               <a:rPr lang="zh-CN" altLang="en-US" smtClean="0"/>
-              <a:t>2023/10/31</a:t>
+              <a:t>2023/11/1</a:t>
             </a:fld>
             <a:endParaRPr lang="zh-CN" altLang="en-US"/>
           </a:p>
@@ -3469,10 +3469,267 @@
       </p:grpSpPr>
       <p:sp>
         <p:nvSpPr>
-          <p:cNvPr id="3" name="文本框 2">
-            <a:extLst>
-              <a:ext uri="{FF2B5EF4-FFF2-40B4-BE49-F238E27FC236}">
-                <a16:creationId xmlns:a16="http://schemas.microsoft.com/office/drawing/2014/main" id="{8D29CED5-0C67-4A24-8990-B189D84C7EB1}"/>
+          <p:cNvPr id="2" name="矩形: 圆角 1">
+            <a:extLst>
+              <a:ext uri="{FF2B5EF4-FFF2-40B4-BE49-F238E27FC236}">
+                <a16:creationId xmlns:a16="http://schemas.microsoft.com/office/drawing/2014/main" id="{5FE46085-0901-8948-F39C-B0CEAFDA0DCB}"/>
+              </a:ext>
+            </a:extLst>
+          </p:cNvPr>
+          <p:cNvSpPr/>
+          <p:nvPr/>
+        </p:nvSpPr>
+        <p:spPr>
+          <a:xfrm>
+            <a:off x="1245370" y="967926"/>
+            <a:ext cx="1926566" cy="1351471"/>
+          </a:xfrm>
+          <a:prstGeom prst="roundRect">
+            <a:avLst/>
+          </a:prstGeom>
+          <a:solidFill>
+            <a:schemeClr val="tx2">
+              <a:lumMod val="20000"/>
+              <a:lumOff val="80000"/>
+            </a:schemeClr>
+          </a:solidFill>
+        </p:spPr>
+        <p:style>
+          <a:lnRef idx="2">
+            <a:schemeClr val="accent1">
+              <a:shade val="15000"/>
+            </a:schemeClr>
+          </a:lnRef>
+          <a:fillRef idx="1">
+            <a:schemeClr val="accent1"/>
+          </a:fillRef>
+          <a:effectRef idx="0">
+            <a:schemeClr val="accent1"/>
+          </a:effectRef>
+          <a:fontRef idx="minor">
+            <a:schemeClr val="lt1"/>
+          </a:fontRef>
+        </p:style>
+        <p:txBody>
+          <a:bodyPr rtlCol="0" anchor="ctr"/>
+          <a:lstStyle/>
+          <a:p>
+            <a:pPr algn="ctr"/>
+            <a:r>
+              <a:rPr lang="zh-CN" altLang="en-US" sz="2400" dirty="0">
+                <a:solidFill>
+                  <a:schemeClr val="tx1"/>
+                </a:solidFill>
+                <a:latin typeface="+mn-ea"/>
+              </a:rPr>
+              <a:t>数据分解</a:t>
+            </a:r>
+          </a:p>
+        </p:txBody>
+      </p:sp>
+      <p:sp>
+        <p:nvSpPr>
+          <p:cNvPr id="5" name="矩形: 圆角 4">
+            <a:extLst>
+              <a:ext uri="{FF2B5EF4-FFF2-40B4-BE49-F238E27FC236}">
+                <a16:creationId xmlns:a16="http://schemas.microsoft.com/office/drawing/2014/main" id="{F1998572-D9A7-2103-6194-91BB06B418D6}"/>
+              </a:ext>
+            </a:extLst>
+          </p:cNvPr>
+          <p:cNvSpPr/>
+          <p:nvPr/>
+        </p:nvSpPr>
+        <p:spPr>
+          <a:xfrm>
+            <a:off x="1245370" y="3981421"/>
+            <a:ext cx="1926566" cy="1351471"/>
+          </a:xfrm>
+          <a:prstGeom prst="roundRect">
+            <a:avLst/>
+          </a:prstGeom>
+          <a:solidFill>
+            <a:schemeClr val="tx2">
+              <a:lumMod val="20000"/>
+              <a:lumOff val="80000"/>
+            </a:schemeClr>
+          </a:solidFill>
+        </p:spPr>
+        <p:style>
+          <a:lnRef idx="2">
+            <a:schemeClr val="accent1">
+              <a:shade val="15000"/>
+            </a:schemeClr>
+          </a:lnRef>
+          <a:fillRef idx="1">
+            <a:schemeClr val="accent1"/>
+          </a:fillRef>
+          <a:effectRef idx="0">
+            <a:schemeClr val="accent1"/>
+          </a:effectRef>
+          <a:fontRef idx="minor">
+            <a:schemeClr val="lt1"/>
+          </a:fontRef>
+        </p:style>
+        <p:txBody>
+          <a:bodyPr rtlCol="0" anchor="ctr"/>
+          <a:lstStyle/>
+          <a:p>
+            <a:pPr algn="ctr"/>
+            <a:r>
+              <a:rPr lang="zh-CN" altLang="en-US" sz="2400" dirty="0">
+                <a:solidFill>
+                  <a:schemeClr val="tx1"/>
+                </a:solidFill>
+                <a:latin typeface="+mn-ea"/>
+              </a:rPr>
+              <a:t>融合</a:t>
+            </a:r>
+          </a:p>
+        </p:txBody>
+      </p:sp>
+      <p:sp>
+        <p:nvSpPr>
+          <p:cNvPr id="6" name="矩形: 圆角 5">
+            <a:extLst>
+              <a:ext uri="{FF2B5EF4-FFF2-40B4-BE49-F238E27FC236}">
+                <a16:creationId xmlns:a16="http://schemas.microsoft.com/office/drawing/2014/main" id="{26D8043B-914A-A812-97E5-F51491AD785E}"/>
+              </a:ext>
+            </a:extLst>
+          </p:cNvPr>
+          <p:cNvSpPr/>
+          <p:nvPr/>
+        </p:nvSpPr>
+        <p:spPr>
+          <a:xfrm>
+            <a:off x="6475691" y="967926"/>
+            <a:ext cx="1926566" cy="1351471"/>
+          </a:xfrm>
+          <a:prstGeom prst="roundRect">
+            <a:avLst/>
+          </a:prstGeom>
+          <a:solidFill>
+            <a:schemeClr val="tx2">
+              <a:lumMod val="20000"/>
+              <a:lumOff val="80000"/>
+            </a:schemeClr>
+          </a:solidFill>
+        </p:spPr>
+        <p:style>
+          <a:lnRef idx="2">
+            <a:schemeClr val="accent1">
+              <a:shade val="15000"/>
+            </a:schemeClr>
+          </a:lnRef>
+          <a:fillRef idx="1">
+            <a:schemeClr val="accent1"/>
+          </a:fillRef>
+          <a:effectRef idx="0">
+            <a:schemeClr val="accent1"/>
+          </a:effectRef>
+          <a:fontRef idx="minor">
+            <a:schemeClr val="lt1"/>
+          </a:fontRef>
+        </p:style>
+        <p:txBody>
+          <a:bodyPr rtlCol="0" anchor="ctr"/>
+          <a:lstStyle/>
+          <a:p>
+            <a:pPr algn="ctr"/>
+            <a:r>
+              <a:rPr lang="zh-CN" altLang="en-US" sz="2400" dirty="0">
+                <a:solidFill>
+                  <a:schemeClr val="tx1"/>
+                </a:solidFill>
+                <a:latin typeface="+mn-ea"/>
+              </a:rPr>
+              <a:t>神经网络</a:t>
+            </a:r>
+          </a:p>
+        </p:txBody>
+      </p:sp>
+      <p:sp>
+        <p:nvSpPr>
+          <p:cNvPr id="7" name="矩形: 圆角 6">
+            <a:extLst>
+              <a:ext uri="{FF2B5EF4-FFF2-40B4-BE49-F238E27FC236}">
+                <a16:creationId xmlns:a16="http://schemas.microsoft.com/office/drawing/2014/main" id="{334F05C1-A971-4F47-B7A7-C49E45E6C03D}"/>
+              </a:ext>
+            </a:extLst>
+          </p:cNvPr>
+          <p:cNvSpPr/>
+          <p:nvPr/>
+        </p:nvSpPr>
+        <p:spPr>
+          <a:xfrm>
+            <a:off x="6475691" y="3981422"/>
+            <a:ext cx="1926566" cy="1351471"/>
+          </a:xfrm>
+          <a:prstGeom prst="roundRect">
+            <a:avLst/>
+          </a:prstGeom>
+          <a:solidFill>
+            <a:schemeClr val="tx2">
+              <a:lumMod val="20000"/>
+              <a:lumOff val="80000"/>
+            </a:schemeClr>
+          </a:solidFill>
+        </p:spPr>
+        <p:style>
+          <a:lnRef idx="2">
+            <a:schemeClr val="accent1">
+              <a:shade val="15000"/>
+            </a:schemeClr>
+          </a:lnRef>
+          <a:fillRef idx="1">
+            <a:schemeClr val="accent1"/>
+          </a:fillRef>
+          <a:effectRef idx="0">
+            <a:schemeClr val="accent1"/>
+          </a:effectRef>
+          <a:fontRef idx="minor">
+            <a:schemeClr val="lt1"/>
+          </a:fontRef>
+        </p:style>
+        <p:txBody>
+          <a:bodyPr rtlCol="0" anchor="ctr"/>
+          <a:lstStyle/>
+          <a:p>
+            <a:pPr algn="ctr"/>
+            <a:r>
+              <a:rPr lang="zh-CN" altLang="en-US" sz="2400" dirty="0">
+                <a:solidFill>
+                  <a:schemeClr val="tx1"/>
+                </a:solidFill>
+                <a:latin typeface="+mn-ea"/>
+              </a:rPr>
+              <a:t>最小误差</a:t>
+            </a:r>
+            <a:br>
+              <a:rPr lang="en-US" altLang="zh-CN" sz="2400" dirty="0">
+                <a:solidFill>
+                  <a:schemeClr val="tx1"/>
+                </a:solidFill>
+                <a:latin typeface="+mn-ea"/>
+              </a:rPr>
+            </a:br>
+            <a:r>
+              <a:rPr lang="zh-CN" altLang="en-US" sz="2400" dirty="0">
+                <a:solidFill>
+                  <a:schemeClr val="tx1"/>
+                </a:solidFill>
+                <a:latin typeface="+mn-ea"/>
+              </a:rPr>
+              <a:t>判断</a:t>
+            </a:r>
+          </a:p>
+        </p:txBody>
+      </p:sp>
+      <p:sp>
+        <p:nvSpPr>
+          <p:cNvPr id="8" name="文本框 7">
+            <a:extLst>
+              <a:ext uri="{FF2B5EF4-FFF2-40B4-BE49-F238E27FC236}">
+                <a16:creationId xmlns:a16="http://schemas.microsoft.com/office/drawing/2014/main" id="{5CE18F2A-ECB4-7893-25D4-A1B2282F00E9}"/>
               </a:ext>
             </a:extLst>
           </p:cNvPr>
@@ -3481,8 +3738,8 @@
         </p:nvSpPr>
         <p:spPr>
           <a:xfrm>
-            <a:off x="1411042" y="548109"/>
-            <a:ext cx="9369915" cy="5205720"/>
+            <a:off x="3919667" y="1228162"/>
+            <a:ext cx="1926567" cy="830997"/>
           </a:xfrm>
           <a:prstGeom prst="rect">
             <a:avLst/>
@@ -3495,180 +3752,334 @@
           </a:bodyPr>
           <a:lstStyle/>
           <a:p>
-            <a:pPr>
-              <a:lnSpc>
-                <a:spcPct val="150000"/>
-              </a:lnSpc>
-            </a:pPr>
-            <a:r>
-              <a:rPr lang="zh-CN" altLang="en-US" sz="2800" b="1" dirty="0"/>
-              <a:t>研究目的</a:t>
-            </a:r>
-            <a:endParaRPr lang="en-US" altLang="zh-CN" sz="2800" b="1" dirty="0"/>
-          </a:p>
-          <a:p>
-            <a:pPr>
-              <a:lnSpc>
-                <a:spcPct val="150000"/>
-              </a:lnSpc>
-            </a:pPr>
-            <a:endParaRPr lang="en-US" altLang="zh-CN" sz="2800" b="1" dirty="0"/>
-          </a:p>
-          <a:p>
-            <a:pPr>
-              <a:lnSpc>
-                <a:spcPct val="150000"/>
-              </a:lnSpc>
-            </a:pPr>
-            <a:r>
-              <a:rPr lang="zh-CN" altLang="en-US" sz="2400" b="1" dirty="0"/>
-              <a:t>目的</a:t>
-            </a:r>
             <a:r>
               <a:rPr lang="zh-CN" altLang="en-US" sz="2400" dirty="0">
+                <a:latin typeface="+mn-ea"/>
+              </a:rPr>
+              <a:t>模态分解</a:t>
+            </a:r>
+            <a:r>
+              <a:rPr lang="en-US" altLang="zh-CN" sz="2400" dirty="0">
+                <a:latin typeface="+mn-ea"/>
+              </a:rPr>
+              <a:t>(CEEMDAN)</a:t>
+            </a:r>
+            <a:endParaRPr lang="zh-CN" altLang="en-US" sz="2400" dirty="0">
+              <a:latin typeface="+mn-ea"/>
+            </a:endParaRPr>
+          </a:p>
+        </p:txBody>
+      </p:sp>
+      <p:sp>
+        <p:nvSpPr>
+          <p:cNvPr id="12" name="文本框 11">
+            <a:extLst>
+              <a:ext uri="{FF2B5EF4-FFF2-40B4-BE49-F238E27FC236}">
+                <a16:creationId xmlns:a16="http://schemas.microsoft.com/office/drawing/2014/main" id="{2CD99D08-8020-40CF-EF54-EFA6E475D851}"/>
+              </a:ext>
+            </a:extLst>
+          </p:cNvPr>
+          <p:cNvSpPr txBox="1"/>
+          <p:nvPr/>
+        </p:nvSpPr>
+        <p:spPr>
+          <a:xfrm>
+            <a:off x="3180439" y="3519756"/>
+            <a:ext cx="1415772" cy="461665"/>
+          </a:xfrm>
+          <a:prstGeom prst="rect">
+            <a:avLst/>
+          </a:prstGeom>
+          <a:noFill/>
+        </p:spPr>
+        <p:txBody>
+          <a:bodyPr wrap="none" rtlCol="0">
+            <a:spAutoFit/>
+          </a:bodyPr>
+          <a:lstStyle/>
+          <a:p>
+            <a:r>
+              <a:rPr lang="zh-CN" altLang="en-US" sz="2400" dirty="0">
+                <a:latin typeface="+mn-ea"/>
+              </a:rPr>
+              <a:t>高频分量</a:t>
+            </a:r>
+          </a:p>
+        </p:txBody>
+      </p:sp>
+      <p:sp>
+        <p:nvSpPr>
+          <p:cNvPr id="13" name="文本框 12">
+            <a:extLst>
+              <a:ext uri="{FF2B5EF4-FFF2-40B4-BE49-F238E27FC236}">
+                <a16:creationId xmlns:a16="http://schemas.microsoft.com/office/drawing/2014/main" id="{D200FD91-38B3-A1D0-5012-E70B813DE086}"/>
+              </a:ext>
+            </a:extLst>
+          </p:cNvPr>
+          <p:cNvSpPr txBox="1"/>
+          <p:nvPr/>
+        </p:nvSpPr>
+        <p:spPr>
+          <a:xfrm>
+            <a:off x="4599972" y="3519756"/>
+            <a:ext cx="1415772" cy="461665"/>
+          </a:xfrm>
+          <a:prstGeom prst="rect">
+            <a:avLst/>
+          </a:prstGeom>
+          <a:noFill/>
+        </p:spPr>
+        <p:txBody>
+          <a:bodyPr wrap="none" rtlCol="0">
+            <a:spAutoFit/>
+          </a:bodyPr>
+          <a:lstStyle/>
+          <a:p>
+            <a:r>
+              <a:rPr lang="zh-CN" altLang="en-US" sz="2400" dirty="0">
+                <a:latin typeface="+mn-ea"/>
+              </a:rPr>
+              <a:t>低频分量</a:t>
+            </a:r>
+          </a:p>
+        </p:txBody>
+      </p:sp>
+      <p:sp>
+        <p:nvSpPr>
+          <p:cNvPr id="14" name="文本框 13">
+            <a:extLst>
+              <a:ext uri="{FF2B5EF4-FFF2-40B4-BE49-F238E27FC236}">
+                <a16:creationId xmlns:a16="http://schemas.microsoft.com/office/drawing/2014/main" id="{5F458B76-E0A6-60DE-EAE5-E06BDB7E991B}"/>
+              </a:ext>
+            </a:extLst>
+          </p:cNvPr>
+          <p:cNvSpPr txBox="1"/>
+          <p:nvPr/>
+        </p:nvSpPr>
+        <p:spPr>
+          <a:xfrm>
+            <a:off x="4599972" y="4489067"/>
+            <a:ext cx="1415772" cy="461665"/>
+          </a:xfrm>
+          <a:prstGeom prst="rect">
+            <a:avLst/>
+          </a:prstGeom>
+          <a:noFill/>
+        </p:spPr>
+        <p:txBody>
+          <a:bodyPr wrap="none" rtlCol="0">
+            <a:spAutoFit/>
+          </a:bodyPr>
+          <a:lstStyle/>
+          <a:p>
+            <a:r>
+              <a:rPr lang="zh-CN" altLang="en-US" sz="2400" dirty="0">
+                <a:latin typeface="+mn-ea"/>
+              </a:rPr>
+              <a:t>直接融合</a:t>
+            </a:r>
+          </a:p>
+        </p:txBody>
+      </p:sp>
+      <p:sp>
+        <p:nvSpPr>
+          <p:cNvPr id="15" name="文本框 14">
+            <a:extLst>
+              <a:ext uri="{FF2B5EF4-FFF2-40B4-BE49-F238E27FC236}">
+                <a16:creationId xmlns:a16="http://schemas.microsoft.com/office/drawing/2014/main" id="{EAB03D7B-82A1-731F-C40C-A04CFF5CE4E0}"/>
+              </a:ext>
+            </a:extLst>
+          </p:cNvPr>
+          <p:cNvSpPr txBox="1"/>
+          <p:nvPr/>
+        </p:nvSpPr>
+        <p:spPr>
+          <a:xfrm>
+            <a:off x="3216553" y="4398543"/>
+            <a:ext cx="674060" cy="1200329"/>
+          </a:xfrm>
+          <a:prstGeom prst="rect">
+            <a:avLst/>
+          </a:prstGeom>
+          <a:noFill/>
+        </p:spPr>
+        <p:txBody>
+          <a:bodyPr wrap="square" rtlCol="0">
+            <a:spAutoFit/>
+          </a:bodyPr>
+          <a:lstStyle/>
+          <a:p>
+            <a:r>
+              <a:rPr lang="zh-CN" altLang="en-US" sz="2400" dirty="0">
+                <a:latin typeface="+mn-ea"/>
+              </a:rPr>
+              <a:t>最大值</a:t>
+            </a:r>
+          </a:p>
+        </p:txBody>
+      </p:sp>
+      <p:sp>
+        <p:nvSpPr>
+          <p:cNvPr id="16" name="文本框 15">
+            <a:extLst>
+              <a:ext uri="{FF2B5EF4-FFF2-40B4-BE49-F238E27FC236}">
+                <a16:creationId xmlns:a16="http://schemas.microsoft.com/office/drawing/2014/main" id="{690A8609-EFCA-1DBC-264A-F529207AC2B2}"/>
+              </a:ext>
+            </a:extLst>
+          </p:cNvPr>
+          <p:cNvSpPr txBox="1"/>
+          <p:nvPr/>
+        </p:nvSpPr>
+        <p:spPr>
+          <a:xfrm>
+            <a:off x="3919667" y="4398543"/>
+            <a:ext cx="674060" cy="1569660"/>
+          </a:xfrm>
+          <a:prstGeom prst="rect">
+            <a:avLst/>
+          </a:prstGeom>
+          <a:noFill/>
+        </p:spPr>
+        <p:txBody>
+          <a:bodyPr wrap="square" rtlCol="0">
+            <a:spAutoFit/>
+          </a:bodyPr>
+          <a:lstStyle/>
+          <a:p>
+            <a:r>
+              <a:rPr lang="zh-CN" altLang="en-US" sz="2400" dirty="0">
+                <a:latin typeface="+mn-ea"/>
+              </a:rPr>
+              <a:t>窗口能量</a:t>
+            </a:r>
+          </a:p>
+        </p:txBody>
+      </p:sp>
+      <p:sp>
+        <p:nvSpPr>
+          <p:cNvPr id="19" name="文本框 18">
+            <a:extLst>
+              <a:ext uri="{FF2B5EF4-FFF2-40B4-BE49-F238E27FC236}">
+                <a16:creationId xmlns:a16="http://schemas.microsoft.com/office/drawing/2014/main" id="{87B3FC21-64AC-C2F5-06A4-49255F5AFDEA}"/>
+              </a:ext>
+            </a:extLst>
+          </p:cNvPr>
+          <p:cNvSpPr txBox="1"/>
+          <p:nvPr/>
+        </p:nvSpPr>
+        <p:spPr>
+          <a:xfrm>
+            <a:off x="8862204" y="1161691"/>
+            <a:ext cx="845103" cy="461665"/>
+          </a:xfrm>
+          <a:prstGeom prst="rect">
+            <a:avLst/>
+          </a:prstGeom>
+          <a:noFill/>
+        </p:spPr>
+        <p:txBody>
+          <a:bodyPr wrap="none" rtlCol="0">
+            <a:spAutoFit/>
+          </a:bodyPr>
+          <a:lstStyle/>
+          <a:p>
+            <a:r>
+              <a:rPr lang="en-US" altLang="zh-CN" sz="2400" dirty="0">
+                <a:latin typeface="+mn-ea"/>
+              </a:rPr>
+              <a:t>DNN</a:t>
+            </a:r>
+            <a:endParaRPr lang="zh-CN" altLang="en-US" sz="2400" dirty="0">
+              <a:latin typeface="+mn-ea"/>
+            </a:endParaRPr>
+          </a:p>
+        </p:txBody>
+      </p:sp>
+      <p:sp>
+        <p:nvSpPr>
+          <p:cNvPr id="21" name="文本框 20">
+            <a:extLst>
+              <a:ext uri="{FF2B5EF4-FFF2-40B4-BE49-F238E27FC236}">
+                <a16:creationId xmlns:a16="http://schemas.microsoft.com/office/drawing/2014/main" id="{1147EA98-A3AF-89FA-B821-573C3C2AA695}"/>
+              </a:ext>
+            </a:extLst>
+          </p:cNvPr>
+          <p:cNvSpPr txBox="1"/>
+          <p:nvPr/>
+        </p:nvSpPr>
+        <p:spPr>
+          <a:xfrm>
+            <a:off x="8862204" y="1755939"/>
+            <a:ext cx="2346385" cy="830997"/>
+          </a:xfrm>
+          <a:prstGeom prst="rect">
+            <a:avLst/>
+          </a:prstGeom>
+          <a:noFill/>
+        </p:spPr>
+        <p:txBody>
+          <a:bodyPr wrap="square">
+            <a:spAutoFit/>
+          </a:bodyPr>
+          <a:lstStyle/>
+          <a:p>
+            <a:r>
+              <a:rPr lang="en-US" altLang="zh-CN" sz="2400" b="0" i="0" dirty="0">
                 <a:solidFill>
-                  <a:srgbClr val="4D4D4D"/>
+                  <a:srgbClr val="000000"/>
                 </a:solidFill>
-                <a:latin typeface="-apple-system"/>
+                <a:effectLst/>
+                <a:latin typeface="+mn-ea"/>
               </a:rPr>
-              <a:t>：</a:t>
-            </a:r>
-            <a:endParaRPr lang="en-US" altLang="zh-CN" sz="2400" dirty="0">
-              <a:solidFill>
-                <a:srgbClr val="4D4D4D"/>
-              </a:solidFill>
-              <a:latin typeface="-apple-system"/>
+              <a:t>IRes2Net-BiGRU-FC</a:t>
+            </a:r>
+            <a:endParaRPr lang="zh-CN" altLang="en-US" sz="2400" dirty="0">
+              <a:latin typeface="+mn-ea"/>
             </a:endParaRPr>
           </a:p>
-          <a:p>
-            <a:pPr>
-              <a:lnSpc>
-                <a:spcPct val="150000"/>
-              </a:lnSpc>
-            </a:pPr>
-            <a:r>
-              <a:rPr lang="en-US" altLang="zh-CN" sz="2400" dirty="0">
-                <a:solidFill>
-                  <a:srgbClr val="4D4D4D"/>
-                </a:solidFill>
-                <a:latin typeface="-apple-system"/>
+        </p:txBody>
+      </p:sp>
+      <p:sp>
+        <p:nvSpPr>
+          <p:cNvPr id="22" name="文本框 21">
+            <a:extLst>
+              <a:ext uri="{FF2B5EF4-FFF2-40B4-BE49-F238E27FC236}">
+                <a16:creationId xmlns:a16="http://schemas.microsoft.com/office/drawing/2014/main" id="{20B22C2E-B650-0021-D620-967CBC5CA214}"/>
+              </a:ext>
+            </a:extLst>
+          </p:cNvPr>
+          <p:cNvSpPr txBox="1"/>
+          <p:nvPr/>
+        </p:nvSpPr>
+        <p:spPr>
+          <a:xfrm>
+            <a:off x="8862204" y="4572249"/>
+            <a:ext cx="1723549" cy="461665"/>
+          </a:xfrm>
+          <a:prstGeom prst="rect">
+            <a:avLst/>
+          </a:prstGeom>
+          <a:noFill/>
+        </p:spPr>
+        <p:txBody>
+          <a:bodyPr wrap="none" rtlCol="0">
+            <a:spAutoFit/>
+          </a:bodyPr>
+          <a:lstStyle/>
+          <a:p>
+            <a:r>
+              <a:rPr lang="zh-CN" altLang="en-US" sz="2400" dirty="0">
+                <a:latin typeface="+mn-ea"/>
               </a:rPr>
-              <a:t>	</a:t>
-            </a:r>
-            <a:r>
-              <a:rPr lang="zh-CN" altLang="en-US" sz="2400" dirty="0">
-                <a:solidFill>
-                  <a:srgbClr val="4D4D4D"/>
-                </a:solidFill>
-                <a:latin typeface="-apple-system"/>
-              </a:rPr>
-              <a:t>从早期电池循环中提取信息对电池寿命进行预测</a:t>
-            </a:r>
-            <a:endParaRPr lang="en-US" altLang="zh-CN" sz="2400" dirty="0">
-              <a:solidFill>
-                <a:srgbClr val="4D4D4D"/>
-              </a:solidFill>
-              <a:latin typeface="-apple-system"/>
-            </a:endParaRPr>
-          </a:p>
-          <a:p>
-            <a:pPr>
-              <a:lnSpc>
-                <a:spcPct val="150000"/>
-              </a:lnSpc>
-            </a:pPr>
-            <a:r>
-              <a:rPr lang="en-US" altLang="zh-CN" sz="2400" dirty="0">
-                <a:solidFill>
-                  <a:srgbClr val="4D4D4D"/>
-                </a:solidFill>
-                <a:latin typeface="-apple-system"/>
-              </a:rPr>
-              <a:t>	</a:t>
-            </a:r>
-            <a:r>
-              <a:rPr lang="zh-CN" altLang="en-US" sz="2400" dirty="0">
-                <a:solidFill>
-                  <a:srgbClr val="4D4D4D"/>
-                </a:solidFill>
-                <a:latin typeface="-apple-system"/>
-              </a:rPr>
-              <a:t>考虑电池数据有噪声的现实情况</a:t>
-            </a:r>
-            <a:endParaRPr lang="en-US" altLang="zh-CN" sz="2400" dirty="0">
-              <a:solidFill>
-                <a:srgbClr val="4D4D4D"/>
-              </a:solidFill>
-              <a:latin typeface="-apple-system"/>
-            </a:endParaRPr>
-          </a:p>
-          <a:p>
-            <a:pPr>
-              <a:lnSpc>
-                <a:spcPct val="150000"/>
-              </a:lnSpc>
-            </a:pPr>
-            <a:r>
-              <a:rPr lang="zh-CN" altLang="en-US" sz="2400" dirty="0">
-                <a:solidFill>
-                  <a:srgbClr val="4D4D4D"/>
-                </a:solidFill>
-                <a:latin typeface="-apple-system"/>
-              </a:rPr>
-              <a:t>在保证以上两点基础上提高寿命预测的精度，减少均方根误差</a:t>
-            </a:r>
-            <a:endParaRPr lang="en-US" altLang="zh-CN" sz="2400" dirty="0">
-              <a:solidFill>
-                <a:srgbClr val="4D4D4D"/>
-              </a:solidFill>
-              <a:latin typeface="-apple-system"/>
-            </a:endParaRPr>
-          </a:p>
-          <a:p>
-            <a:pPr>
-              <a:lnSpc>
-                <a:spcPct val="150000"/>
-              </a:lnSpc>
-            </a:pPr>
-            <a:endParaRPr lang="en-US" altLang="zh-CN" sz="2400" dirty="0">
-              <a:solidFill>
-                <a:srgbClr val="4D4D4D"/>
-              </a:solidFill>
-              <a:latin typeface="-apple-system"/>
-            </a:endParaRPr>
-          </a:p>
-          <a:p>
-            <a:pPr>
-              <a:lnSpc>
-                <a:spcPct val="150000"/>
-              </a:lnSpc>
-            </a:pPr>
-            <a:endParaRPr lang="en-US" altLang="zh-CN" sz="2400" dirty="0">
-              <a:solidFill>
-                <a:srgbClr val="4D4D4D"/>
-              </a:solidFill>
-              <a:latin typeface="-apple-system"/>
-            </a:endParaRPr>
-          </a:p>
-          <a:p>
-            <a:pPr>
-              <a:lnSpc>
-                <a:spcPct val="150000"/>
-              </a:lnSpc>
-            </a:pPr>
-            <a:endParaRPr lang="en-US" altLang="zh-CN" sz="2400" dirty="0">
-              <a:solidFill>
-                <a:srgbClr val="4D4D4D"/>
-              </a:solidFill>
-              <a:latin typeface="-apple-system"/>
-            </a:endParaRPr>
+              <a:t>高低频叠加</a:t>
+            </a:r>
           </a:p>
         </p:txBody>
       </p:sp>
     </p:spTree>
     <p:extLst>
       <p:ext uri="{BB962C8B-B14F-4D97-AF65-F5344CB8AC3E}">
-        <p14:creationId xmlns:p14="http://schemas.microsoft.com/office/powerpoint/2010/main" val="464053940"/>
+        <p14:creationId xmlns:p14="http://schemas.microsoft.com/office/powerpoint/2010/main" val="2908450639"/>
       </p:ext>
     </p:extLst>
   </p:cSld>
@@ -3697,6 +4108,1319 @@
       </p:grpSpPr>
       <p:sp>
         <p:nvSpPr>
+          <p:cNvPr id="3" name="文本框 2">
+            <a:extLst>
+              <a:ext uri="{FF2B5EF4-FFF2-40B4-BE49-F238E27FC236}">
+                <a16:creationId xmlns:a16="http://schemas.microsoft.com/office/drawing/2014/main" id="{0B604AE2-B201-667C-72F7-BDCC2D1C61FC}"/>
+              </a:ext>
+            </a:extLst>
+          </p:cNvPr>
+          <p:cNvSpPr txBox="1"/>
+          <p:nvPr/>
+        </p:nvSpPr>
+        <p:spPr>
+          <a:xfrm>
+            <a:off x="1572883" y="950668"/>
+            <a:ext cx="9046234" cy="2000548"/>
+          </a:xfrm>
+          <a:prstGeom prst="rect">
+            <a:avLst/>
+          </a:prstGeom>
+          <a:noFill/>
+        </p:spPr>
+        <p:txBody>
+          <a:bodyPr wrap="square">
+            <a:spAutoFit/>
+          </a:bodyPr>
+          <a:lstStyle/>
+          <a:p>
+            <a:r>
+              <a:rPr lang="zh-CN" altLang="en-US" sz="2800" b="0" i="0" dirty="0">
+                <a:solidFill>
+                  <a:srgbClr val="000000"/>
+                </a:solidFill>
+                <a:effectLst/>
+                <a:latin typeface="黑体" panose="02010609060101010101" pitchFamily="49" charset="-122"/>
+                <a:ea typeface="黑体" panose="02010609060101010101" pitchFamily="49" charset="-122"/>
+              </a:rPr>
+              <a:t>数据分解</a:t>
+            </a:r>
+            <a:endParaRPr lang="en-US" altLang="zh-CN" sz="2800" b="0" i="0" dirty="0">
+              <a:solidFill>
+                <a:srgbClr val="000000"/>
+              </a:solidFill>
+              <a:effectLst/>
+              <a:latin typeface="黑体" panose="02010609060101010101" pitchFamily="49" charset="-122"/>
+              <a:ea typeface="黑体" panose="02010609060101010101" pitchFamily="49" charset="-122"/>
+            </a:endParaRPr>
+          </a:p>
+          <a:p>
+            <a:endParaRPr lang="en-US" altLang="zh-CN" sz="2400" dirty="0">
+              <a:solidFill>
+                <a:srgbClr val="000000"/>
+              </a:solidFill>
+              <a:latin typeface="+mn-ea"/>
+            </a:endParaRPr>
+          </a:p>
+          <a:p>
+            <a:r>
+              <a:rPr lang="zh-CN" altLang="en-US" sz="2400" b="0" i="0" dirty="0">
+                <a:solidFill>
+                  <a:srgbClr val="000000"/>
+                </a:solidFill>
+                <a:effectLst/>
+                <a:latin typeface="+mn-ea"/>
+              </a:rPr>
+              <a:t>对非线性非平稳原始信号进行分解，得到有限个不同频率的</a:t>
+            </a:r>
+            <a:r>
+              <a:rPr lang="en-US" altLang="zh-CN" sz="2400" b="0" i="0" dirty="0" err="1">
+                <a:solidFill>
+                  <a:srgbClr val="000000"/>
+                </a:solidFill>
+                <a:effectLst/>
+                <a:latin typeface="+mn-ea"/>
+              </a:rPr>
+              <a:t>imf</a:t>
+            </a:r>
+            <a:r>
+              <a:rPr lang="zh-CN" altLang="en-US" sz="2400" b="0" i="0" dirty="0">
+                <a:solidFill>
+                  <a:srgbClr val="000000"/>
+                </a:solidFill>
+                <a:effectLst/>
+                <a:latin typeface="+mn-ea"/>
+              </a:rPr>
+              <a:t>，</a:t>
+            </a:r>
+            <a:r>
+              <a:rPr lang="en-US" altLang="zh-CN" sz="2400" b="0" i="0" dirty="0">
+                <a:solidFill>
+                  <a:srgbClr val="000000"/>
+                </a:solidFill>
+                <a:effectLst/>
+                <a:latin typeface="+mn-ea"/>
+              </a:rPr>
+              <a:t> </a:t>
+            </a:r>
+            <a:r>
+              <a:rPr lang="zh-CN" altLang="en-US" sz="2400" b="0" i="0" dirty="0">
+                <a:solidFill>
+                  <a:srgbClr val="000000"/>
+                </a:solidFill>
+                <a:effectLst/>
+                <a:latin typeface="+mn-ea"/>
+              </a:rPr>
+              <a:t>完全自适应模态分解实现了完整的自适应分解过程，并能对原始数据进行精确重构</a:t>
+            </a:r>
+            <a:endParaRPr lang="zh-CN" altLang="en-US" sz="2400" dirty="0">
+              <a:latin typeface="+mn-ea"/>
+            </a:endParaRPr>
+          </a:p>
+        </p:txBody>
+      </p:sp>
+    </p:spTree>
+    <p:extLst>
+      <p:ext uri="{BB962C8B-B14F-4D97-AF65-F5344CB8AC3E}">
+        <p14:creationId xmlns:p14="http://schemas.microsoft.com/office/powerpoint/2010/main" val="3738346415"/>
+      </p:ext>
+    </p:extLst>
+  </p:cSld>
+  <p:clrMapOvr>
+    <a:masterClrMapping/>
+  </p:clrMapOvr>
+</p:sld>
+</file>
+
+<file path=ppt/slides/slide12.xml><?xml version="1.0" encoding="utf-8"?>
+<p:sld xmlns:a="http://schemas.openxmlformats.org/drawingml/2006/main" xmlns:r="http://schemas.openxmlformats.org/officeDocument/2006/relationships" xmlns:p="http://schemas.openxmlformats.org/presentationml/2006/main">
+  <p:cSld>
+    <p:spTree>
+      <p:nvGrpSpPr>
+        <p:cNvPr id="1" name=""/>
+        <p:cNvGrpSpPr/>
+        <p:nvPr/>
+      </p:nvGrpSpPr>
+      <p:grpSpPr>
+        <a:xfrm>
+          <a:off x="0" y="0"/>
+          <a:ext cx="0" cy="0"/>
+          <a:chOff x="0" y="0"/>
+          <a:chExt cx="0" cy="0"/>
+        </a:xfrm>
+      </p:grpSpPr>
+      <p:sp>
+        <p:nvSpPr>
+          <p:cNvPr id="4" name="文本框 3">
+            <a:extLst>
+              <a:ext uri="{FF2B5EF4-FFF2-40B4-BE49-F238E27FC236}">
+                <a16:creationId xmlns:a16="http://schemas.microsoft.com/office/drawing/2014/main" id="{EEA28DB0-EB57-7405-504C-900E9D798CEC}"/>
+              </a:ext>
+            </a:extLst>
+          </p:cNvPr>
+          <p:cNvSpPr txBox="1"/>
+          <p:nvPr/>
+        </p:nvSpPr>
+        <p:spPr>
+          <a:xfrm>
+            <a:off x="1523998" y="760888"/>
+            <a:ext cx="8769919" cy="830997"/>
+          </a:xfrm>
+          <a:prstGeom prst="rect">
+            <a:avLst/>
+          </a:prstGeom>
+          <a:noFill/>
+        </p:spPr>
+        <p:txBody>
+          <a:bodyPr wrap="square">
+            <a:spAutoFit/>
+          </a:bodyPr>
+          <a:lstStyle/>
+          <a:p>
+            <a:r>
+              <a:rPr lang="zh-CN" altLang="en-US" sz="2400" dirty="0"/>
+              <a:t>过零率定义为</a:t>
+            </a:r>
+            <a:r>
+              <a:rPr lang="en-US" altLang="zh-CN" sz="2400" dirty="0"/>
+              <a:t>:</a:t>
+            </a:r>
+            <a:r>
+              <a:rPr lang="zh-CN" altLang="en-US" sz="2400" dirty="0"/>
+              <a:t>对于一个信号序列，如果有两个相邻的采样值，其中一个为正，另一个为负，则视为过零</a:t>
+            </a:r>
+          </a:p>
+        </p:txBody>
+      </p:sp>
+      <p:pic>
+        <p:nvPicPr>
+          <p:cNvPr id="3" name="图片 2">
+            <a:extLst>
+              <a:ext uri="{FF2B5EF4-FFF2-40B4-BE49-F238E27FC236}">
+                <a16:creationId xmlns:a16="http://schemas.microsoft.com/office/drawing/2014/main" id="{5BC4E25E-5A1A-986D-125D-EAC1C813EC97}"/>
+              </a:ext>
+            </a:extLst>
+          </p:cNvPr>
+          <p:cNvPicPr>
+            <a:picLocks noChangeAspect="1"/>
+          </p:cNvPicPr>
+          <p:nvPr/>
+        </p:nvPicPr>
+        <p:blipFill>
+          <a:blip r:embed="rId2"/>
+          <a:stretch>
+            <a:fillRect/>
+          </a:stretch>
+        </p:blipFill>
+        <p:spPr>
+          <a:xfrm>
+            <a:off x="1865594" y="4604556"/>
+            <a:ext cx="7934325" cy="1095375"/>
+          </a:xfrm>
+          <a:prstGeom prst="rect">
+            <a:avLst/>
+          </a:prstGeom>
+        </p:spPr>
+      </p:pic>
+      <p:pic>
+        <p:nvPicPr>
+          <p:cNvPr id="6" name="图片 5">
+            <a:extLst>
+              <a:ext uri="{FF2B5EF4-FFF2-40B4-BE49-F238E27FC236}">
+                <a16:creationId xmlns:a16="http://schemas.microsoft.com/office/drawing/2014/main" id="{88D1098E-9507-9DAB-7E13-663233D8C9DF}"/>
+              </a:ext>
+            </a:extLst>
+          </p:cNvPr>
+          <p:cNvPicPr>
+            <a:picLocks noChangeAspect="1"/>
+          </p:cNvPicPr>
+          <p:nvPr/>
+        </p:nvPicPr>
+        <p:blipFill>
+          <a:blip r:embed="rId3"/>
+          <a:stretch>
+            <a:fillRect/>
+          </a:stretch>
+        </p:blipFill>
+        <p:spPr>
+          <a:xfrm>
+            <a:off x="1865594" y="1792532"/>
+            <a:ext cx="8086725" cy="923925"/>
+          </a:xfrm>
+          <a:prstGeom prst="rect">
+            <a:avLst/>
+          </a:prstGeom>
+        </p:spPr>
+      </p:pic>
+      <p:sp>
+        <p:nvSpPr>
+          <p:cNvPr id="11" name="文本框 10">
+            <a:extLst>
+              <a:ext uri="{FF2B5EF4-FFF2-40B4-BE49-F238E27FC236}">
+                <a16:creationId xmlns:a16="http://schemas.microsoft.com/office/drawing/2014/main" id="{57090BA8-D1AB-742A-6B4B-7FAFEC28EFFB}"/>
+              </a:ext>
+            </a:extLst>
+          </p:cNvPr>
+          <p:cNvSpPr txBox="1"/>
+          <p:nvPr/>
+        </p:nvSpPr>
+        <p:spPr>
+          <a:xfrm>
+            <a:off x="1523998" y="4027672"/>
+            <a:ext cx="3262432" cy="461665"/>
+          </a:xfrm>
+          <a:prstGeom prst="rect">
+            <a:avLst/>
+          </a:prstGeom>
+          <a:noFill/>
+        </p:spPr>
+        <p:txBody>
+          <a:bodyPr wrap="none" rtlCol="0">
+            <a:spAutoFit/>
+          </a:bodyPr>
+          <a:lstStyle/>
+          <a:p>
+            <a:r>
+              <a:rPr lang="zh-CN" altLang="en-US" sz="2400" dirty="0"/>
+              <a:t>低频分量的融合规则：</a:t>
+            </a:r>
+          </a:p>
+        </p:txBody>
+      </p:sp>
+      <p:sp>
+        <p:nvSpPr>
+          <p:cNvPr id="5" name="文本框 4">
+            <a:extLst>
+              <a:ext uri="{FF2B5EF4-FFF2-40B4-BE49-F238E27FC236}">
+                <a16:creationId xmlns:a16="http://schemas.microsoft.com/office/drawing/2014/main" id="{E4D1BFF4-E410-DDA7-DF44-051AA9424DF2}"/>
+              </a:ext>
+            </a:extLst>
+          </p:cNvPr>
+          <p:cNvSpPr txBox="1"/>
+          <p:nvPr/>
+        </p:nvSpPr>
+        <p:spPr>
+          <a:xfrm>
+            <a:off x="1523998" y="3600731"/>
+            <a:ext cx="6096000" cy="461665"/>
+          </a:xfrm>
+          <a:prstGeom prst="rect">
+            <a:avLst/>
+          </a:prstGeom>
+          <a:noFill/>
+        </p:spPr>
+        <p:txBody>
+          <a:bodyPr wrap="square">
+            <a:spAutoFit/>
+          </a:bodyPr>
+          <a:lstStyle/>
+          <a:p>
+            <a:r>
+              <a:rPr lang="zh-CN" altLang="en-US" sz="2400" dirty="0"/>
+              <a:t>过零率</a:t>
+            </a:r>
+            <a:r>
+              <a:rPr lang="en-US" altLang="zh-CN" sz="2400" dirty="0"/>
+              <a:t>&lt;0.01</a:t>
+            </a:r>
+            <a:endParaRPr lang="zh-CN" altLang="en-US" sz="2400" dirty="0"/>
+          </a:p>
+        </p:txBody>
+      </p:sp>
+    </p:spTree>
+    <p:extLst>
+      <p:ext uri="{BB962C8B-B14F-4D97-AF65-F5344CB8AC3E}">
+        <p14:creationId xmlns:p14="http://schemas.microsoft.com/office/powerpoint/2010/main" val="3163964456"/>
+      </p:ext>
+    </p:extLst>
+  </p:cSld>
+  <p:clrMapOvr>
+    <a:masterClrMapping/>
+  </p:clrMapOvr>
+</p:sld>
+</file>
+
+<file path=ppt/slides/slide13.xml><?xml version="1.0" encoding="utf-8"?>
+<p:sld xmlns:a="http://schemas.openxmlformats.org/drawingml/2006/main" xmlns:r="http://schemas.openxmlformats.org/officeDocument/2006/relationships" xmlns:p="http://schemas.openxmlformats.org/presentationml/2006/main">
+  <p:cSld>
+    <p:spTree>
+      <p:nvGrpSpPr>
+        <p:cNvPr id="1" name=""/>
+        <p:cNvGrpSpPr/>
+        <p:nvPr/>
+      </p:nvGrpSpPr>
+      <p:grpSpPr>
+        <a:xfrm>
+          <a:off x="0" y="0"/>
+          <a:ext cx="0" cy="0"/>
+          <a:chOff x="0" y="0"/>
+          <a:chExt cx="0" cy="0"/>
+        </a:xfrm>
+      </p:grpSpPr>
+      <p:sp>
+        <p:nvSpPr>
+          <p:cNvPr id="12" name="文本框 11">
+            <a:extLst>
+              <a:ext uri="{FF2B5EF4-FFF2-40B4-BE49-F238E27FC236}">
+                <a16:creationId xmlns:a16="http://schemas.microsoft.com/office/drawing/2014/main" id="{0BB1EA3F-A062-FC64-1DFD-C4F1932D8E3B}"/>
+              </a:ext>
+            </a:extLst>
+          </p:cNvPr>
+          <p:cNvSpPr txBox="1"/>
+          <p:nvPr/>
+        </p:nvSpPr>
+        <p:spPr>
+          <a:xfrm>
+            <a:off x="815928" y="387324"/>
+            <a:ext cx="10407468" cy="4585871"/>
+          </a:xfrm>
+          <a:prstGeom prst="rect">
+            <a:avLst/>
+          </a:prstGeom>
+          <a:noFill/>
+        </p:spPr>
+        <p:txBody>
+          <a:bodyPr wrap="square" rtlCol="0">
+            <a:spAutoFit/>
+          </a:bodyPr>
+          <a:lstStyle/>
+          <a:p>
+            <a:r>
+              <a:rPr lang="zh-CN" altLang="en-US" sz="2800" dirty="0">
+                <a:latin typeface="黑体" panose="02010609060101010101" pitchFamily="49" charset="-122"/>
+                <a:ea typeface="黑体" panose="02010609060101010101" pitchFamily="49" charset="-122"/>
+              </a:rPr>
+              <a:t>高频分量的融合规则</a:t>
+            </a:r>
+            <a:endParaRPr lang="en-US" altLang="zh-CN" sz="2800" dirty="0">
+              <a:latin typeface="黑体" panose="02010609060101010101" pitchFamily="49" charset="-122"/>
+              <a:ea typeface="黑体" panose="02010609060101010101" pitchFamily="49" charset="-122"/>
+            </a:endParaRPr>
+          </a:p>
+          <a:p>
+            <a:endParaRPr lang="en-US" altLang="zh-CN" sz="2800" dirty="0"/>
+          </a:p>
+          <a:p>
+            <a:endParaRPr lang="en-US" altLang="zh-CN" sz="2800" dirty="0"/>
+          </a:p>
+          <a:p>
+            <a:r>
+              <a:rPr lang="zh-CN" altLang="en-US" sz="2400" dirty="0"/>
+              <a:t>基于值的规则：</a:t>
+            </a:r>
+            <a:r>
+              <a:rPr lang="zh-CN" altLang="en-US" sz="2400" b="0" i="0" dirty="0">
+                <a:solidFill>
+                  <a:srgbClr val="000000"/>
+                </a:solidFill>
+                <a:effectLst/>
+                <a:latin typeface="+mn-ea"/>
+              </a:rPr>
+              <a:t>同一周期内，对各组分的值进行比较，并选择最大值作为最终值</a:t>
+            </a:r>
+            <a:endParaRPr lang="en-US" altLang="zh-CN" sz="2400" dirty="0">
+              <a:latin typeface="+mn-ea"/>
+            </a:endParaRPr>
+          </a:p>
+          <a:p>
+            <a:endParaRPr lang="en-US" altLang="zh-CN" sz="2800" dirty="0"/>
+          </a:p>
+          <a:p>
+            <a:endParaRPr lang="en-US" altLang="zh-CN" sz="2800" dirty="0"/>
+          </a:p>
+          <a:p>
+            <a:endParaRPr lang="en-US" altLang="zh-CN" sz="2800" dirty="0"/>
+          </a:p>
+          <a:p>
+            <a:endParaRPr lang="en-US" altLang="zh-CN" sz="2800" dirty="0"/>
+          </a:p>
+          <a:p>
+            <a:r>
+              <a:rPr lang="zh-CN" altLang="en-US" sz="2400" dirty="0"/>
+              <a:t>基于窗口的规则：滑动窗口长度为</a:t>
+            </a:r>
+            <a:r>
+              <a:rPr lang="en-US" altLang="zh-CN" sz="2400" dirty="0"/>
+              <a:t>3</a:t>
+            </a:r>
+            <a:r>
+              <a:rPr lang="zh-CN" altLang="en-US" sz="2400" dirty="0"/>
+              <a:t>，计算窗口能量并取最大能量值，得到其在原分量中的位置，选取原分量在该位置的值作为融合后的新高频分量</a:t>
+            </a:r>
+            <a:endParaRPr lang="zh-CN" altLang="en-US" sz="2800" dirty="0"/>
+          </a:p>
+        </p:txBody>
+      </p:sp>
+      <p:pic>
+        <p:nvPicPr>
+          <p:cNvPr id="8" name="图片 7">
+            <a:extLst>
+              <a:ext uri="{FF2B5EF4-FFF2-40B4-BE49-F238E27FC236}">
+                <a16:creationId xmlns:a16="http://schemas.microsoft.com/office/drawing/2014/main" id="{775A204A-8E95-56B5-C354-AAE0C5415143}"/>
+              </a:ext>
+            </a:extLst>
+          </p:cNvPr>
+          <p:cNvPicPr>
+            <a:picLocks noChangeAspect="1"/>
+          </p:cNvPicPr>
+          <p:nvPr/>
+        </p:nvPicPr>
+        <p:blipFill>
+          <a:blip r:embed="rId2"/>
+          <a:stretch>
+            <a:fillRect/>
+          </a:stretch>
+        </p:blipFill>
+        <p:spPr>
+          <a:xfrm>
+            <a:off x="2507182" y="2484436"/>
+            <a:ext cx="8048625" cy="790575"/>
+          </a:xfrm>
+          <a:prstGeom prst="rect">
+            <a:avLst/>
+          </a:prstGeom>
+        </p:spPr>
+      </p:pic>
+      <p:pic>
+        <p:nvPicPr>
+          <p:cNvPr id="10" name="图片 9">
+            <a:extLst>
+              <a:ext uri="{FF2B5EF4-FFF2-40B4-BE49-F238E27FC236}">
+                <a16:creationId xmlns:a16="http://schemas.microsoft.com/office/drawing/2014/main" id="{B1F0A656-AAF7-4030-9EE1-2A3F99BA567F}"/>
+              </a:ext>
+            </a:extLst>
+          </p:cNvPr>
+          <p:cNvPicPr>
+            <a:picLocks noChangeAspect="1"/>
+          </p:cNvPicPr>
+          <p:nvPr/>
+        </p:nvPicPr>
+        <p:blipFill>
+          <a:blip r:embed="rId3"/>
+          <a:stretch>
+            <a:fillRect/>
+          </a:stretch>
+        </p:blipFill>
+        <p:spPr>
+          <a:xfrm>
+            <a:off x="2300287" y="4973195"/>
+            <a:ext cx="7591425" cy="1495425"/>
+          </a:xfrm>
+          <a:prstGeom prst="rect">
+            <a:avLst/>
+          </a:prstGeom>
+        </p:spPr>
+      </p:pic>
+    </p:spTree>
+    <p:extLst>
+      <p:ext uri="{BB962C8B-B14F-4D97-AF65-F5344CB8AC3E}">
+        <p14:creationId xmlns:p14="http://schemas.microsoft.com/office/powerpoint/2010/main" val="2149960779"/>
+      </p:ext>
+    </p:extLst>
+  </p:cSld>
+  <p:clrMapOvr>
+    <a:masterClrMapping/>
+  </p:clrMapOvr>
+</p:sld>
+</file>
+
+<file path=ppt/slides/slide14.xml><?xml version="1.0" encoding="utf-8"?>
+<p:sld xmlns:a="http://schemas.openxmlformats.org/drawingml/2006/main" xmlns:r="http://schemas.openxmlformats.org/officeDocument/2006/relationships" xmlns:p="http://schemas.openxmlformats.org/presentationml/2006/main">
+  <p:cSld>
+    <p:spTree>
+      <p:nvGrpSpPr>
+        <p:cNvPr id="1" name=""/>
+        <p:cNvGrpSpPr/>
+        <p:nvPr/>
+      </p:nvGrpSpPr>
+      <p:grpSpPr>
+        <a:xfrm>
+          <a:off x="0" y="0"/>
+          <a:ext cx="0" cy="0"/>
+          <a:chOff x="0" y="0"/>
+          <a:chExt cx="0" cy="0"/>
+        </a:xfrm>
+      </p:grpSpPr>
+      <p:pic>
+        <p:nvPicPr>
+          <p:cNvPr id="4" name="图片 3">
+            <a:extLst>
+              <a:ext uri="{FF2B5EF4-FFF2-40B4-BE49-F238E27FC236}">
+                <a16:creationId xmlns:a16="http://schemas.microsoft.com/office/drawing/2014/main" id="{75515323-044A-9B83-13AB-86AC6C239FFE}"/>
+              </a:ext>
+            </a:extLst>
+          </p:cNvPr>
+          <p:cNvPicPr>
+            <a:picLocks noChangeAspect="1"/>
+          </p:cNvPicPr>
+          <p:nvPr/>
+        </p:nvPicPr>
+        <p:blipFill>
+          <a:blip r:embed="rId2"/>
+          <a:stretch>
+            <a:fillRect/>
+          </a:stretch>
+        </p:blipFill>
+        <p:spPr>
+          <a:xfrm rot="5400000">
+            <a:off x="5759997" y="1998388"/>
+            <a:ext cx="6355650" cy="2610208"/>
+          </a:xfrm>
+          <a:prstGeom prst="rect">
+            <a:avLst/>
+          </a:prstGeom>
+        </p:spPr>
+      </p:pic>
+      <p:sp>
+        <p:nvSpPr>
+          <p:cNvPr id="5" name="文本框 4">
+            <a:extLst>
+              <a:ext uri="{FF2B5EF4-FFF2-40B4-BE49-F238E27FC236}">
+                <a16:creationId xmlns:a16="http://schemas.microsoft.com/office/drawing/2014/main" id="{317F9ACB-E4E5-6E68-43A1-EA7D32C3493F}"/>
+              </a:ext>
+            </a:extLst>
+          </p:cNvPr>
+          <p:cNvSpPr txBox="1"/>
+          <p:nvPr/>
+        </p:nvSpPr>
+        <p:spPr>
+          <a:xfrm>
+            <a:off x="1598762" y="989162"/>
+            <a:ext cx="5739442" cy="4031873"/>
+          </a:xfrm>
+          <a:prstGeom prst="rect">
+            <a:avLst/>
+          </a:prstGeom>
+          <a:noFill/>
+        </p:spPr>
+        <p:txBody>
+          <a:bodyPr wrap="square" rtlCol="0">
+            <a:spAutoFit/>
+          </a:bodyPr>
+          <a:lstStyle/>
+          <a:p>
+            <a:r>
+              <a:rPr lang="zh-CN" altLang="en-US" sz="2800" b="1" dirty="0">
+                <a:latin typeface="黑体" panose="02010609060101010101" pitchFamily="49" charset="-122"/>
+                <a:ea typeface="黑体" panose="02010609060101010101" pitchFamily="49" charset="-122"/>
+              </a:rPr>
+              <a:t>低频分量</a:t>
+            </a:r>
+            <a:endParaRPr lang="en-US" altLang="zh-CN" sz="2800" b="1" dirty="0">
+              <a:latin typeface="黑体" panose="02010609060101010101" pitchFamily="49" charset="-122"/>
+              <a:ea typeface="黑体" panose="02010609060101010101" pitchFamily="49" charset="-122"/>
+            </a:endParaRPr>
+          </a:p>
+          <a:p>
+            <a:endParaRPr lang="en-US" altLang="zh-CN" sz="2800" b="1" dirty="0">
+              <a:latin typeface="黑体" panose="02010609060101010101" pitchFamily="49" charset="-122"/>
+              <a:ea typeface="黑体" panose="02010609060101010101" pitchFamily="49" charset="-122"/>
+            </a:endParaRPr>
+          </a:p>
+          <a:p>
+            <a:endParaRPr lang="en-US" altLang="zh-CN" sz="2800" b="1" dirty="0">
+              <a:latin typeface="黑体" panose="02010609060101010101" pitchFamily="49" charset="-122"/>
+              <a:ea typeface="黑体" panose="02010609060101010101" pitchFamily="49" charset="-122"/>
+            </a:endParaRPr>
+          </a:p>
+          <a:p>
+            <a:pPr algn="just"/>
+            <a:r>
+              <a:rPr lang="zh-CN" altLang="en-US" sz="2400" i="0" dirty="0">
+                <a:solidFill>
+                  <a:srgbClr val="000000"/>
+                </a:solidFill>
+                <a:effectLst/>
+                <a:latin typeface="等线 Light" panose="02010600030101010101" pitchFamily="2" charset="-122"/>
+                <a:ea typeface="等线 Light" panose="02010600030101010101" pitchFamily="2" charset="-122"/>
+              </a:rPr>
+              <a:t>低频容量数据波动趋势平缓，曲线相对平滑，在一定程度上可以很好地表征锂离子电池容量的退化趋势</a:t>
+            </a:r>
+            <a:endParaRPr lang="en-US" altLang="zh-CN" sz="2400" i="0" dirty="0">
+              <a:solidFill>
+                <a:srgbClr val="000000"/>
+              </a:solidFill>
+              <a:effectLst/>
+              <a:latin typeface="等线 Light" panose="02010600030101010101" pitchFamily="2" charset="-122"/>
+              <a:ea typeface="等线 Light" panose="02010600030101010101" pitchFamily="2" charset="-122"/>
+            </a:endParaRPr>
+          </a:p>
+          <a:p>
+            <a:pPr algn="just"/>
+            <a:endParaRPr lang="zh-CN" altLang="en-US" sz="2400" i="0" dirty="0">
+              <a:solidFill>
+                <a:srgbClr val="000000"/>
+              </a:solidFill>
+              <a:effectLst/>
+              <a:latin typeface="等线 Light" panose="02010600030101010101" pitchFamily="2" charset="-122"/>
+              <a:ea typeface="等线 Light" panose="02010600030101010101" pitchFamily="2" charset="-122"/>
+            </a:endParaRPr>
+          </a:p>
+          <a:p>
+            <a:pPr algn="just"/>
+            <a:r>
+              <a:rPr lang="zh-CN" altLang="en-US" sz="2400" i="0" dirty="0">
+                <a:solidFill>
+                  <a:srgbClr val="000000"/>
+                </a:solidFill>
+                <a:effectLst/>
+                <a:latin typeface="等线 Light" panose="02010600030101010101" pitchFamily="2" charset="-122"/>
+                <a:ea typeface="等线 Light" panose="02010600030101010101" pitchFamily="2" charset="-122"/>
+              </a:rPr>
+              <a:t>采用线性函数作为激活函数，构建少量隐藏层，才能准确预测低频数据</a:t>
+            </a:r>
+          </a:p>
+          <a:p>
+            <a:endParaRPr lang="zh-CN" altLang="en-US" sz="2800" b="1" dirty="0">
+              <a:latin typeface="黑体" panose="02010609060101010101" pitchFamily="49" charset="-122"/>
+              <a:ea typeface="黑体" panose="02010609060101010101" pitchFamily="49" charset="-122"/>
+            </a:endParaRPr>
+          </a:p>
+        </p:txBody>
+      </p:sp>
+    </p:spTree>
+    <p:extLst>
+      <p:ext uri="{BB962C8B-B14F-4D97-AF65-F5344CB8AC3E}">
+        <p14:creationId xmlns:p14="http://schemas.microsoft.com/office/powerpoint/2010/main" val="1641586688"/>
+      </p:ext>
+    </p:extLst>
+  </p:cSld>
+  <p:clrMapOvr>
+    <a:masterClrMapping/>
+  </p:clrMapOvr>
+</p:sld>
+</file>
+
+<file path=ppt/slides/slide15.xml><?xml version="1.0" encoding="utf-8"?>
+<p:sld xmlns:a="http://schemas.openxmlformats.org/drawingml/2006/main" xmlns:r="http://schemas.openxmlformats.org/officeDocument/2006/relationships" xmlns:p="http://schemas.openxmlformats.org/presentationml/2006/main">
+  <p:cSld>
+    <p:spTree>
+      <p:nvGrpSpPr>
+        <p:cNvPr id="1" name=""/>
+        <p:cNvGrpSpPr/>
+        <p:nvPr/>
+      </p:nvGrpSpPr>
+      <p:grpSpPr>
+        <a:xfrm>
+          <a:off x="0" y="0"/>
+          <a:ext cx="0" cy="0"/>
+          <a:chOff x="0" y="0"/>
+          <a:chExt cx="0" cy="0"/>
+        </a:xfrm>
+      </p:grpSpPr>
+      <p:sp>
+        <p:nvSpPr>
+          <p:cNvPr id="5" name="文本框 4">
+            <a:extLst>
+              <a:ext uri="{FF2B5EF4-FFF2-40B4-BE49-F238E27FC236}">
+                <a16:creationId xmlns:a16="http://schemas.microsoft.com/office/drawing/2014/main" id="{317F9ACB-E4E5-6E68-43A1-EA7D32C3493F}"/>
+              </a:ext>
+            </a:extLst>
+          </p:cNvPr>
+          <p:cNvSpPr txBox="1"/>
+          <p:nvPr/>
+        </p:nvSpPr>
+        <p:spPr>
+          <a:xfrm>
+            <a:off x="310551" y="517585"/>
+            <a:ext cx="5739442" cy="1815882"/>
+          </a:xfrm>
+          <a:prstGeom prst="rect">
+            <a:avLst/>
+          </a:prstGeom>
+          <a:noFill/>
+        </p:spPr>
+        <p:txBody>
+          <a:bodyPr wrap="square" rtlCol="0">
+            <a:spAutoFit/>
+          </a:bodyPr>
+          <a:lstStyle/>
+          <a:p>
+            <a:r>
+              <a:rPr lang="zh-CN" altLang="en-US" sz="2800" b="1" dirty="0">
+                <a:latin typeface="黑体" panose="02010609060101010101" pitchFamily="49" charset="-122"/>
+                <a:ea typeface="黑体" panose="02010609060101010101" pitchFamily="49" charset="-122"/>
+              </a:rPr>
+              <a:t>高频分量</a:t>
+            </a:r>
+            <a:endParaRPr lang="en-US" altLang="zh-CN" sz="2800" b="1" dirty="0">
+              <a:latin typeface="黑体" panose="02010609060101010101" pitchFamily="49" charset="-122"/>
+              <a:ea typeface="黑体" panose="02010609060101010101" pitchFamily="49" charset="-122"/>
+            </a:endParaRPr>
+          </a:p>
+          <a:p>
+            <a:endParaRPr lang="en-US" altLang="zh-CN" sz="2800" b="1" dirty="0">
+              <a:latin typeface="黑体" panose="02010609060101010101" pitchFamily="49" charset="-122"/>
+              <a:ea typeface="黑体" panose="02010609060101010101" pitchFamily="49" charset="-122"/>
+            </a:endParaRPr>
+          </a:p>
+          <a:p>
+            <a:endParaRPr lang="en-US" altLang="zh-CN" sz="2800" b="1" dirty="0">
+              <a:latin typeface="黑体" panose="02010609060101010101" pitchFamily="49" charset="-122"/>
+              <a:ea typeface="黑体" panose="02010609060101010101" pitchFamily="49" charset="-122"/>
+            </a:endParaRPr>
+          </a:p>
+          <a:p>
+            <a:endParaRPr lang="zh-CN" altLang="en-US" sz="2800" b="1" dirty="0">
+              <a:latin typeface="黑体" panose="02010609060101010101" pitchFamily="49" charset="-122"/>
+              <a:ea typeface="黑体" panose="02010609060101010101" pitchFamily="49" charset="-122"/>
+            </a:endParaRPr>
+          </a:p>
+        </p:txBody>
+      </p:sp>
+      <p:pic>
+        <p:nvPicPr>
+          <p:cNvPr id="3" name="图片 2">
+            <a:extLst>
+              <a:ext uri="{FF2B5EF4-FFF2-40B4-BE49-F238E27FC236}">
+                <a16:creationId xmlns:a16="http://schemas.microsoft.com/office/drawing/2014/main" id="{E95AD00B-3CB8-E933-2ECA-533723B31D8B}"/>
+              </a:ext>
+            </a:extLst>
+          </p:cNvPr>
+          <p:cNvPicPr>
+            <a:picLocks noChangeAspect="1"/>
+          </p:cNvPicPr>
+          <p:nvPr/>
+        </p:nvPicPr>
+        <p:blipFill>
+          <a:blip r:embed="rId2"/>
+          <a:stretch>
+            <a:fillRect/>
+          </a:stretch>
+        </p:blipFill>
+        <p:spPr>
+          <a:xfrm>
+            <a:off x="4440229" y="92014"/>
+            <a:ext cx="7492195" cy="6438181"/>
+          </a:xfrm>
+          <a:prstGeom prst="rect">
+            <a:avLst/>
+          </a:prstGeom>
+        </p:spPr>
+      </p:pic>
+      <p:pic>
+        <p:nvPicPr>
+          <p:cNvPr id="7" name="图片 6">
+            <a:extLst>
+              <a:ext uri="{FF2B5EF4-FFF2-40B4-BE49-F238E27FC236}">
+                <a16:creationId xmlns:a16="http://schemas.microsoft.com/office/drawing/2014/main" id="{6F82CE97-42B3-348B-7BC3-B5B25608251C}"/>
+              </a:ext>
+            </a:extLst>
+          </p:cNvPr>
+          <p:cNvPicPr>
+            <a:picLocks noChangeAspect="1"/>
+          </p:cNvPicPr>
+          <p:nvPr/>
+        </p:nvPicPr>
+        <p:blipFill>
+          <a:blip r:embed="rId3"/>
+          <a:stretch>
+            <a:fillRect/>
+          </a:stretch>
+        </p:blipFill>
+        <p:spPr>
+          <a:xfrm>
+            <a:off x="714375" y="1425527"/>
+            <a:ext cx="3165167" cy="341726"/>
+          </a:xfrm>
+          <a:prstGeom prst="rect">
+            <a:avLst/>
+          </a:prstGeom>
+        </p:spPr>
+      </p:pic>
+    </p:spTree>
+    <p:extLst>
+      <p:ext uri="{BB962C8B-B14F-4D97-AF65-F5344CB8AC3E}">
+        <p14:creationId xmlns:p14="http://schemas.microsoft.com/office/powerpoint/2010/main" val="2943518798"/>
+      </p:ext>
+    </p:extLst>
+  </p:cSld>
+  <p:clrMapOvr>
+    <a:masterClrMapping/>
+  </p:clrMapOvr>
+</p:sld>
+</file>
+
+<file path=ppt/slides/slide16.xml><?xml version="1.0" encoding="utf-8"?>
+<p:sld xmlns:a="http://schemas.openxmlformats.org/drawingml/2006/main" xmlns:r="http://schemas.openxmlformats.org/officeDocument/2006/relationships" xmlns:p="http://schemas.openxmlformats.org/presentationml/2006/main">
+  <p:cSld>
+    <p:spTree>
+      <p:nvGrpSpPr>
+        <p:cNvPr id="1" name=""/>
+        <p:cNvGrpSpPr/>
+        <p:nvPr/>
+      </p:nvGrpSpPr>
+      <p:grpSpPr>
+        <a:xfrm>
+          <a:off x="0" y="0"/>
+          <a:ext cx="0" cy="0"/>
+          <a:chOff x="0" y="0"/>
+          <a:chExt cx="0" cy="0"/>
+        </a:xfrm>
+      </p:grpSpPr>
+      <p:pic>
+        <p:nvPicPr>
+          <p:cNvPr id="4" name="图片 3">
+            <a:extLst>
+              <a:ext uri="{FF2B5EF4-FFF2-40B4-BE49-F238E27FC236}">
+                <a16:creationId xmlns:a16="http://schemas.microsoft.com/office/drawing/2014/main" id="{6DD0A85B-BA12-AE12-8D62-9AF55CEE195D}"/>
+              </a:ext>
+            </a:extLst>
+          </p:cNvPr>
+          <p:cNvPicPr>
+            <a:picLocks noChangeAspect="1"/>
+          </p:cNvPicPr>
+          <p:nvPr/>
+        </p:nvPicPr>
+        <p:blipFill>
+          <a:blip r:embed="rId2"/>
+          <a:stretch>
+            <a:fillRect/>
+          </a:stretch>
+        </p:blipFill>
+        <p:spPr>
+          <a:xfrm>
+            <a:off x="1104729" y="0"/>
+            <a:ext cx="9982542" cy="6858000"/>
+          </a:xfrm>
+          <a:prstGeom prst="rect">
+            <a:avLst/>
+          </a:prstGeom>
+        </p:spPr>
+      </p:pic>
+    </p:spTree>
+    <p:extLst>
+      <p:ext uri="{BB962C8B-B14F-4D97-AF65-F5344CB8AC3E}">
+        <p14:creationId xmlns:p14="http://schemas.microsoft.com/office/powerpoint/2010/main" val="132965748"/>
+      </p:ext>
+    </p:extLst>
+  </p:cSld>
+  <p:clrMapOvr>
+    <a:masterClrMapping/>
+  </p:clrMapOvr>
+</p:sld>
+</file>
+
+<file path=ppt/slides/slide17.xml><?xml version="1.0" encoding="utf-8"?>
+<p:sld xmlns:a="http://schemas.openxmlformats.org/drawingml/2006/main" xmlns:r="http://schemas.openxmlformats.org/officeDocument/2006/relationships" xmlns:p="http://schemas.openxmlformats.org/presentationml/2006/main">
+  <p:cSld>
+    <p:spTree>
+      <p:nvGrpSpPr>
+        <p:cNvPr id="1" name=""/>
+        <p:cNvGrpSpPr/>
+        <p:nvPr/>
+      </p:nvGrpSpPr>
+      <p:grpSpPr>
+        <a:xfrm>
+          <a:off x="0" y="0"/>
+          <a:ext cx="0" cy="0"/>
+          <a:chOff x="0" y="0"/>
+          <a:chExt cx="0" cy="0"/>
+        </a:xfrm>
+      </p:grpSpPr>
+      <p:sp>
+        <p:nvSpPr>
+          <p:cNvPr id="3" name="文本框 2">
+            <a:extLst>
+              <a:ext uri="{FF2B5EF4-FFF2-40B4-BE49-F238E27FC236}">
+                <a16:creationId xmlns:a16="http://schemas.microsoft.com/office/drawing/2014/main" id="{3D6DBC93-53B0-6024-2AD6-5791227BDA01}"/>
+              </a:ext>
+            </a:extLst>
+          </p:cNvPr>
+          <p:cNvSpPr txBox="1"/>
+          <p:nvPr/>
+        </p:nvSpPr>
+        <p:spPr>
+          <a:xfrm>
+            <a:off x="1411042" y="548109"/>
+            <a:ext cx="9369915" cy="4098686"/>
+          </a:xfrm>
+          <a:prstGeom prst="rect">
+            <a:avLst/>
+          </a:prstGeom>
+          <a:noFill/>
+        </p:spPr>
+        <p:txBody>
+          <a:bodyPr wrap="square" rtlCol="0">
+            <a:spAutoFit/>
+          </a:bodyPr>
+          <a:lstStyle/>
+          <a:p>
+            <a:pPr>
+              <a:lnSpc>
+                <a:spcPct val="150000"/>
+              </a:lnSpc>
+            </a:pPr>
+            <a:r>
+              <a:rPr lang="zh-CN" altLang="en-US" sz="2800" b="1" dirty="0"/>
+              <a:t>信号降噪算法</a:t>
+            </a:r>
+            <a:endParaRPr lang="en-US" altLang="zh-CN" sz="2800" b="1" dirty="0"/>
+          </a:p>
+          <a:p>
+            <a:pPr>
+              <a:lnSpc>
+                <a:spcPct val="150000"/>
+              </a:lnSpc>
+            </a:pPr>
+            <a:endParaRPr lang="en-US" altLang="zh-CN" sz="2800" b="1" dirty="0"/>
+          </a:p>
+          <a:p>
+            <a:pPr>
+              <a:lnSpc>
+                <a:spcPct val="150000"/>
+              </a:lnSpc>
+            </a:pPr>
+            <a:r>
+              <a:rPr lang="zh-CN" altLang="en-US" sz="2400" b="1" dirty="0"/>
+              <a:t>小波分析</a:t>
+            </a:r>
+            <a:r>
+              <a:rPr lang="zh-CN" altLang="en-US" sz="2400" dirty="0"/>
+              <a:t>：</a:t>
+            </a:r>
+            <a:r>
+              <a:rPr lang="zh-CN" altLang="en-US" sz="2400" b="0" i="0" dirty="0">
+                <a:solidFill>
+                  <a:srgbClr val="4D4D4D"/>
+                </a:solidFill>
+                <a:effectLst/>
+                <a:latin typeface="-apple-system"/>
+              </a:rPr>
+              <a:t>可以有效地去除高频噪声，并保留信号的低频部分，进行重构之后得到去噪信号</a:t>
+            </a:r>
+            <a:endParaRPr lang="en-US" altLang="zh-CN" sz="2400" b="0" i="0" dirty="0">
+              <a:solidFill>
+                <a:srgbClr val="4D4D4D"/>
+              </a:solidFill>
+              <a:effectLst/>
+              <a:latin typeface="-apple-system"/>
+            </a:endParaRPr>
+          </a:p>
+          <a:p>
+            <a:pPr>
+              <a:lnSpc>
+                <a:spcPct val="150000"/>
+              </a:lnSpc>
+            </a:pPr>
+            <a:endParaRPr lang="en-US" altLang="zh-CN" sz="2400" b="1" dirty="0"/>
+          </a:p>
+          <a:p>
+            <a:pPr>
+              <a:lnSpc>
+                <a:spcPct val="150000"/>
+              </a:lnSpc>
+            </a:pPr>
+            <a:r>
+              <a:rPr lang="zh-CN" altLang="en-US" sz="2400" b="1" dirty="0"/>
+              <a:t>模态分解（</a:t>
+            </a:r>
+            <a:r>
+              <a:rPr lang="en-US" altLang="zh-CN" sz="2400" b="1" dirty="0"/>
+              <a:t>EMD</a:t>
+            </a:r>
+            <a:r>
+              <a:rPr lang="zh-CN" altLang="en-US" sz="2400" b="1" dirty="0"/>
+              <a:t>）</a:t>
+            </a:r>
+            <a:r>
+              <a:rPr lang="zh-CN" altLang="en-US" sz="2400" dirty="0"/>
+              <a:t>：</a:t>
+            </a:r>
+            <a:r>
+              <a:rPr lang="zh-CN" altLang="en-US" sz="2400" b="0" i="0" dirty="0">
+                <a:solidFill>
+                  <a:srgbClr val="4D4D4D"/>
+                </a:solidFill>
+                <a:effectLst/>
+                <a:latin typeface="-apple-system"/>
+              </a:rPr>
+              <a:t>将信号分解为多个不同频率的本征模态函数，不同</a:t>
+            </a:r>
+            <a:r>
+              <a:rPr lang="en-US" altLang="zh-CN" sz="2400" b="0" i="0" dirty="0">
+                <a:solidFill>
+                  <a:srgbClr val="4D4D4D"/>
+                </a:solidFill>
+                <a:effectLst/>
+                <a:latin typeface="-apple-system"/>
+              </a:rPr>
+              <a:t>IMF</a:t>
+            </a:r>
+            <a:r>
+              <a:rPr lang="zh-CN" altLang="en-US" sz="2400" b="0" i="0" dirty="0">
+                <a:solidFill>
+                  <a:srgbClr val="4D4D4D"/>
+                </a:solidFill>
+                <a:effectLst/>
+                <a:latin typeface="-apple-system"/>
+              </a:rPr>
+              <a:t>表示信号在不同频率上的分量</a:t>
+            </a:r>
+            <a:endParaRPr lang="en-US" altLang="zh-CN" sz="2400" dirty="0"/>
+          </a:p>
+        </p:txBody>
+      </p:sp>
+    </p:spTree>
+    <p:extLst>
+      <p:ext uri="{BB962C8B-B14F-4D97-AF65-F5344CB8AC3E}">
+        <p14:creationId xmlns:p14="http://schemas.microsoft.com/office/powerpoint/2010/main" val="1623485351"/>
+      </p:ext>
+    </p:extLst>
+  </p:cSld>
+  <p:clrMapOvr>
+    <a:masterClrMapping/>
+  </p:clrMapOvr>
+</p:sld>
+</file>
+
+<file path=ppt/slides/slide18.xml><?xml version="1.0" encoding="utf-8"?>
+<p:sld xmlns:a="http://schemas.openxmlformats.org/drawingml/2006/main" xmlns:r="http://schemas.openxmlformats.org/officeDocument/2006/relationships" xmlns:p="http://schemas.openxmlformats.org/presentationml/2006/main">
+  <p:cSld>
+    <p:spTree>
+      <p:nvGrpSpPr>
+        <p:cNvPr id="1" name=""/>
+        <p:cNvGrpSpPr/>
+        <p:nvPr/>
+      </p:nvGrpSpPr>
+      <p:grpSpPr>
+        <a:xfrm>
+          <a:off x="0" y="0"/>
+          <a:ext cx="0" cy="0"/>
+          <a:chOff x="0" y="0"/>
+          <a:chExt cx="0" cy="0"/>
+        </a:xfrm>
+      </p:grpSpPr>
+      <p:sp>
+        <p:nvSpPr>
+          <p:cNvPr id="3" name="文本框 2">
+            <a:extLst>
+              <a:ext uri="{FF2B5EF4-FFF2-40B4-BE49-F238E27FC236}">
+                <a16:creationId xmlns:a16="http://schemas.microsoft.com/office/drawing/2014/main" id="{8D29CED5-0C67-4A24-8990-B189D84C7EB1}"/>
+              </a:ext>
+            </a:extLst>
+          </p:cNvPr>
+          <p:cNvSpPr txBox="1"/>
+          <p:nvPr/>
+        </p:nvSpPr>
+        <p:spPr>
+          <a:xfrm>
+            <a:off x="1411042" y="548109"/>
+            <a:ext cx="9369915" cy="5205720"/>
+          </a:xfrm>
+          <a:prstGeom prst="rect">
+            <a:avLst/>
+          </a:prstGeom>
+          <a:noFill/>
+        </p:spPr>
+        <p:txBody>
+          <a:bodyPr wrap="square" rtlCol="0">
+            <a:spAutoFit/>
+          </a:bodyPr>
+          <a:lstStyle/>
+          <a:p>
+            <a:pPr>
+              <a:lnSpc>
+                <a:spcPct val="150000"/>
+              </a:lnSpc>
+            </a:pPr>
+            <a:r>
+              <a:rPr lang="zh-CN" altLang="en-US" sz="2800" b="1" dirty="0"/>
+              <a:t>研究目的</a:t>
+            </a:r>
+            <a:endParaRPr lang="en-US" altLang="zh-CN" sz="2800" b="1" dirty="0"/>
+          </a:p>
+          <a:p>
+            <a:pPr>
+              <a:lnSpc>
+                <a:spcPct val="150000"/>
+              </a:lnSpc>
+            </a:pPr>
+            <a:endParaRPr lang="en-US" altLang="zh-CN" sz="2800" b="1" dirty="0"/>
+          </a:p>
+          <a:p>
+            <a:pPr>
+              <a:lnSpc>
+                <a:spcPct val="150000"/>
+              </a:lnSpc>
+            </a:pPr>
+            <a:r>
+              <a:rPr lang="zh-CN" altLang="en-US" sz="2400" b="1" dirty="0"/>
+              <a:t>目的</a:t>
+            </a:r>
+            <a:r>
+              <a:rPr lang="zh-CN" altLang="en-US" sz="2400" dirty="0">
+                <a:solidFill>
+                  <a:srgbClr val="4D4D4D"/>
+                </a:solidFill>
+                <a:latin typeface="-apple-system"/>
+              </a:rPr>
+              <a:t>：</a:t>
+            </a:r>
+            <a:endParaRPr lang="en-US" altLang="zh-CN" sz="2400" dirty="0">
+              <a:solidFill>
+                <a:srgbClr val="4D4D4D"/>
+              </a:solidFill>
+              <a:latin typeface="-apple-system"/>
+            </a:endParaRPr>
+          </a:p>
+          <a:p>
+            <a:pPr>
+              <a:lnSpc>
+                <a:spcPct val="150000"/>
+              </a:lnSpc>
+            </a:pPr>
+            <a:r>
+              <a:rPr lang="en-US" altLang="zh-CN" sz="2400" dirty="0">
+                <a:solidFill>
+                  <a:srgbClr val="4D4D4D"/>
+                </a:solidFill>
+                <a:latin typeface="-apple-system"/>
+              </a:rPr>
+              <a:t>	</a:t>
+            </a:r>
+            <a:r>
+              <a:rPr lang="zh-CN" altLang="en-US" sz="2400" dirty="0">
+                <a:solidFill>
+                  <a:srgbClr val="4D4D4D"/>
+                </a:solidFill>
+                <a:latin typeface="-apple-system"/>
+              </a:rPr>
+              <a:t>从早期电池循环中提取信息对电池寿命进行预测</a:t>
+            </a:r>
+            <a:endParaRPr lang="en-US" altLang="zh-CN" sz="2400" dirty="0">
+              <a:solidFill>
+                <a:srgbClr val="4D4D4D"/>
+              </a:solidFill>
+              <a:latin typeface="-apple-system"/>
+            </a:endParaRPr>
+          </a:p>
+          <a:p>
+            <a:pPr>
+              <a:lnSpc>
+                <a:spcPct val="150000"/>
+              </a:lnSpc>
+            </a:pPr>
+            <a:r>
+              <a:rPr lang="en-US" altLang="zh-CN" sz="2400" dirty="0">
+                <a:solidFill>
+                  <a:srgbClr val="4D4D4D"/>
+                </a:solidFill>
+                <a:latin typeface="-apple-system"/>
+              </a:rPr>
+              <a:t>	</a:t>
+            </a:r>
+            <a:r>
+              <a:rPr lang="zh-CN" altLang="en-US" sz="2400" dirty="0">
+                <a:solidFill>
+                  <a:srgbClr val="4D4D4D"/>
+                </a:solidFill>
+                <a:latin typeface="-apple-system"/>
+              </a:rPr>
+              <a:t>考虑电池数据有噪声的现实情况</a:t>
+            </a:r>
+            <a:endParaRPr lang="en-US" altLang="zh-CN" sz="2400" dirty="0">
+              <a:solidFill>
+                <a:srgbClr val="4D4D4D"/>
+              </a:solidFill>
+              <a:latin typeface="-apple-system"/>
+            </a:endParaRPr>
+          </a:p>
+          <a:p>
+            <a:pPr>
+              <a:lnSpc>
+                <a:spcPct val="150000"/>
+              </a:lnSpc>
+            </a:pPr>
+            <a:r>
+              <a:rPr lang="zh-CN" altLang="en-US" sz="2400" dirty="0">
+                <a:solidFill>
+                  <a:srgbClr val="4D4D4D"/>
+                </a:solidFill>
+                <a:latin typeface="-apple-system"/>
+              </a:rPr>
+              <a:t>在保证以上两点基础上提高寿命预测的精度，减少均方根误差</a:t>
+            </a:r>
+            <a:endParaRPr lang="en-US" altLang="zh-CN" sz="2400" dirty="0">
+              <a:solidFill>
+                <a:srgbClr val="4D4D4D"/>
+              </a:solidFill>
+              <a:latin typeface="-apple-system"/>
+            </a:endParaRPr>
+          </a:p>
+          <a:p>
+            <a:pPr>
+              <a:lnSpc>
+                <a:spcPct val="150000"/>
+              </a:lnSpc>
+            </a:pPr>
+            <a:endParaRPr lang="en-US" altLang="zh-CN" sz="2400" dirty="0">
+              <a:solidFill>
+                <a:srgbClr val="4D4D4D"/>
+              </a:solidFill>
+              <a:latin typeface="-apple-system"/>
+            </a:endParaRPr>
+          </a:p>
+          <a:p>
+            <a:pPr>
+              <a:lnSpc>
+                <a:spcPct val="150000"/>
+              </a:lnSpc>
+            </a:pPr>
+            <a:endParaRPr lang="en-US" altLang="zh-CN" sz="2400" dirty="0">
+              <a:solidFill>
+                <a:srgbClr val="4D4D4D"/>
+              </a:solidFill>
+              <a:latin typeface="-apple-system"/>
+            </a:endParaRPr>
+          </a:p>
+          <a:p>
+            <a:pPr>
+              <a:lnSpc>
+                <a:spcPct val="150000"/>
+              </a:lnSpc>
+            </a:pPr>
+            <a:endParaRPr lang="en-US" altLang="zh-CN" sz="2400" dirty="0">
+              <a:solidFill>
+                <a:srgbClr val="4D4D4D"/>
+              </a:solidFill>
+              <a:latin typeface="-apple-system"/>
+            </a:endParaRPr>
+          </a:p>
+        </p:txBody>
+      </p:sp>
+    </p:spTree>
+    <p:extLst>
+      <p:ext uri="{BB962C8B-B14F-4D97-AF65-F5344CB8AC3E}">
+        <p14:creationId xmlns:p14="http://schemas.microsoft.com/office/powerpoint/2010/main" val="464053940"/>
+      </p:ext>
+    </p:extLst>
+  </p:cSld>
+  <p:clrMapOvr>
+    <a:masterClrMapping/>
+  </p:clrMapOvr>
+</p:sld>
+</file>
+
+<file path=ppt/slides/slide19.xml><?xml version="1.0" encoding="utf-8"?>
+<p:sld xmlns:a="http://schemas.openxmlformats.org/drawingml/2006/main" xmlns:r="http://schemas.openxmlformats.org/officeDocument/2006/relationships" xmlns:p="http://schemas.openxmlformats.org/presentationml/2006/main">
+  <p:cSld>
+    <p:spTree>
+      <p:nvGrpSpPr>
+        <p:cNvPr id="1" name=""/>
+        <p:cNvGrpSpPr/>
+        <p:nvPr/>
+      </p:nvGrpSpPr>
+      <p:grpSpPr>
+        <a:xfrm>
+          <a:off x="0" y="0"/>
+          <a:ext cx="0" cy="0"/>
+          <a:chOff x="0" y="0"/>
+          <a:chExt cx="0" cy="0"/>
+        </a:xfrm>
+      </p:grpSpPr>
+      <p:sp>
+        <p:nvSpPr>
           <p:cNvPr id="3" name="矩形: 圆角 2">
             <a:extLst>
               <a:ext uri="{FF2B5EF4-FFF2-40B4-BE49-F238E27FC236}">
@@ -3709,8 +5433,8 @@
         </p:nvSpPr>
         <p:spPr>
           <a:xfrm>
-            <a:off x="135990" y="592584"/>
-            <a:ext cx="10758019" cy="5672831"/>
+            <a:off x="135990" y="592585"/>
+            <a:ext cx="10758019" cy="5169024"/>
           </a:xfrm>
           <a:prstGeom prst="roundRect">
             <a:avLst/>
@@ -3828,7 +5552,7 @@
         </p:nvSpPr>
         <p:spPr>
           <a:xfrm>
-            <a:off x="2089865" y="1563985"/>
+            <a:off x="2113209" y="1563375"/>
             <a:ext cx="753375" cy="362309"/>
           </a:xfrm>
           <a:prstGeom prst="roundRect">
@@ -3996,7 +5720,7 @@
         </p:nvSpPr>
         <p:spPr>
           <a:xfrm>
-            <a:off x="4026814" y="2723692"/>
+            <a:off x="4052753" y="2752544"/>
             <a:ext cx="300635" cy="362308"/>
           </a:xfrm>
           <a:prstGeom prst="rightArrow">
@@ -5411,8 +7135,8 @@
         </p:nvSpPr>
         <p:spPr>
           <a:xfrm>
-            <a:off x="3980409" y="1136711"/>
-            <a:ext cx="6560719" cy="4587693"/>
+            <a:off x="3452827" y="903923"/>
+            <a:ext cx="6718187" cy="4574701"/>
           </a:xfrm>
           <a:prstGeom prst="rect">
             <a:avLst/>
@@ -5427,7 +7151,7 @@
             <a:prstDash val="dash"/>
             <a:extLst>
               <a:ext uri="{C807C97D-BFC1-408E-A445-0C87EB9F89A2}">
-                <ask:lineSketchStyleProps xmlns:ask="http://schemas.microsoft.com/office/drawing/2018/sketchyshapes" xmlns="" sd="1219033472">
+                <ask:lineSketchStyleProps xmlns="" xmlns:ask="http://schemas.microsoft.com/office/drawing/2018/sketchyshapes" sd="1219033472">
                   <a:custGeom>
                     <a:avLst/>
                     <a:gdLst>
@@ -5723,7 +7447,7 @@
             <a:prstDash val="dash"/>
             <a:extLst>
               <a:ext uri="{C807C97D-BFC1-408E-A445-0C87EB9F89A2}">
-                <ask:lineSketchStyleProps xmlns:ask="http://schemas.microsoft.com/office/drawing/2018/sketchyshapes" xmlns="" sd="1219033472">
+                <ask:lineSketchStyleProps xmlns="" xmlns:ask="http://schemas.microsoft.com/office/drawing/2018/sketchyshapes" sd="1219033472">
                   <a:custGeom>
                     <a:avLst/>
                     <a:gdLst>
@@ -6003,8 +7727,8 @@
         </p:nvSpPr>
         <p:spPr>
           <a:xfrm>
-            <a:off x="3461876" y="2469933"/>
-            <a:ext cx="474221" cy="835381"/>
+            <a:off x="3502935" y="2414104"/>
+            <a:ext cx="458486" cy="972032"/>
           </a:xfrm>
           <a:prstGeom prst="ellipse">
             <a:avLst/>
@@ -6676,6 +8400,41 @@
               <a:t>2</a:t>
             </a:r>
             <a:endParaRPr lang="zh-CN" altLang="en-US" sz="1200" dirty="0"/>
+          </a:p>
+        </p:txBody>
+      </p:sp>
+      <p:sp>
+        <p:nvSpPr>
+          <p:cNvPr id="2" name="文本框 1">
+            <a:extLst>
+              <a:ext uri="{FF2B5EF4-FFF2-40B4-BE49-F238E27FC236}">
+                <a16:creationId xmlns:a16="http://schemas.microsoft.com/office/drawing/2014/main" id="{618AC660-141E-4BAD-93F2-6FF182D3FF5C}"/>
+              </a:ext>
+            </a:extLst>
+          </p:cNvPr>
+          <p:cNvSpPr txBox="1"/>
+          <p:nvPr/>
+        </p:nvSpPr>
+        <p:spPr>
+          <a:xfrm>
+            <a:off x="893952" y="181815"/>
+            <a:ext cx="1338828" cy="369332"/>
+          </a:xfrm>
+          <a:prstGeom prst="rect">
+            <a:avLst/>
+          </a:prstGeom>
+          <a:noFill/>
+        </p:spPr>
+        <p:txBody>
+          <a:bodyPr wrap="none" rtlCol="0">
+            <a:spAutoFit/>
+          </a:bodyPr>
+          <a:lstStyle/>
+          <a:p>
+            <a:r>
+              <a:rPr lang="zh-CN" altLang="en-US" dirty="0"/>
+              <a:t>权重，阈值</a:t>
+            </a:r>
           </a:p>
         </p:txBody>
       </p:sp>
@@ -6692,7 +8451,182 @@
 </p:sld>
 </file>
 
-<file path=ppt/slides/slide12.xml><?xml version="1.0" encoding="utf-8"?>
+<file path=ppt/slides/slide2.xml><?xml version="1.0" encoding="utf-8"?>
+<p:sld xmlns:a="http://schemas.openxmlformats.org/drawingml/2006/main" xmlns:r="http://schemas.openxmlformats.org/officeDocument/2006/relationships" xmlns:p="http://schemas.openxmlformats.org/presentationml/2006/main">
+  <p:cSld>
+    <p:spTree>
+      <p:nvGrpSpPr>
+        <p:cNvPr id="1" name=""/>
+        <p:cNvGrpSpPr/>
+        <p:nvPr/>
+      </p:nvGrpSpPr>
+      <p:grpSpPr>
+        <a:xfrm>
+          <a:off x="0" y="0"/>
+          <a:ext cx="0" cy="0"/>
+          <a:chOff x="0" y="0"/>
+          <a:chExt cx="0" cy="0"/>
+        </a:xfrm>
+      </p:grpSpPr>
+      <p:sp>
+        <p:nvSpPr>
+          <p:cNvPr id="4" name="文本框 3">
+            <a:extLst>
+              <a:ext uri="{FF2B5EF4-FFF2-40B4-BE49-F238E27FC236}">
+                <a16:creationId xmlns:a16="http://schemas.microsoft.com/office/drawing/2014/main" id="{8F8F54A3-6EAE-4DD0-9F49-32D1491CB0D8}"/>
+              </a:ext>
+            </a:extLst>
+          </p:cNvPr>
+          <p:cNvSpPr txBox="1"/>
+          <p:nvPr/>
+        </p:nvSpPr>
+        <p:spPr>
+          <a:xfrm>
+            <a:off x="1411042" y="289316"/>
+            <a:ext cx="9369915" cy="2888996"/>
+          </a:xfrm>
+          <a:prstGeom prst="rect">
+            <a:avLst/>
+          </a:prstGeom>
+          <a:noFill/>
+        </p:spPr>
+        <p:txBody>
+          <a:bodyPr wrap="square" rtlCol="0">
+            <a:spAutoFit/>
+          </a:bodyPr>
+          <a:lstStyle/>
+          <a:p>
+            <a:pPr>
+              <a:lnSpc>
+                <a:spcPct val="150000"/>
+              </a:lnSpc>
+            </a:pPr>
+            <a:r>
+              <a:rPr lang="zh-CN" altLang="en-US" sz="2800" b="1" dirty="0"/>
+              <a:t>特征组成</a:t>
+            </a:r>
+            <a:endParaRPr lang="en-US" altLang="zh-CN" sz="2800" b="1" dirty="0"/>
+          </a:p>
+          <a:p>
+            <a:pPr>
+              <a:lnSpc>
+                <a:spcPct val="150000"/>
+              </a:lnSpc>
+            </a:pPr>
+            <a:endParaRPr lang="en-US" altLang="zh-CN" sz="2800" b="1" dirty="0"/>
+          </a:p>
+          <a:p>
+            <a:pPr>
+              <a:lnSpc>
+                <a:spcPct val="150000"/>
+              </a:lnSpc>
+            </a:pPr>
+            <a:r>
+              <a:rPr lang="zh-CN" altLang="en-US" sz="2000" dirty="0"/>
+              <a:t>候选特征：直接提取</a:t>
+            </a:r>
+            <a:r>
+              <a:rPr lang="en-US" altLang="zh-CN" sz="2000" dirty="0"/>
+              <a:t>+</a:t>
+            </a:r>
+            <a:r>
+              <a:rPr lang="zh-CN" altLang="en-US" sz="2000" dirty="0"/>
+              <a:t>小波变换重构后的特征</a:t>
+            </a:r>
+            <a:endParaRPr lang="en-US" altLang="zh-CN" sz="2000" dirty="0"/>
+          </a:p>
+          <a:p>
+            <a:pPr>
+              <a:lnSpc>
+                <a:spcPct val="150000"/>
+              </a:lnSpc>
+            </a:pPr>
+            <a:endParaRPr lang="en-US" altLang="zh-CN" sz="2000" dirty="0"/>
+          </a:p>
+          <a:p>
+            <a:pPr>
+              <a:lnSpc>
+                <a:spcPct val="150000"/>
+              </a:lnSpc>
+            </a:pPr>
+            <a:endParaRPr lang="en-US" altLang="zh-CN" sz="2800" b="1" dirty="0"/>
+          </a:p>
+        </p:txBody>
+      </p:sp>
+      <p:pic>
+        <p:nvPicPr>
+          <p:cNvPr id="2" name="图片 1">
+            <a:extLst>
+              <a:ext uri="{FF2B5EF4-FFF2-40B4-BE49-F238E27FC236}">
+                <a16:creationId xmlns:a16="http://schemas.microsoft.com/office/drawing/2014/main" id="{A7DE47ED-86DC-4764-9231-CBE2232E0FC6}"/>
+              </a:ext>
+            </a:extLst>
+          </p:cNvPr>
+          <p:cNvPicPr>
+            <a:picLocks noChangeAspect="1"/>
+          </p:cNvPicPr>
+          <p:nvPr/>
+        </p:nvPicPr>
+        <p:blipFill>
+          <a:blip r:embed="rId2"/>
+          <a:stretch>
+            <a:fillRect/>
+          </a:stretch>
+        </p:blipFill>
+        <p:spPr>
+          <a:xfrm>
+            <a:off x="1054425" y="2530135"/>
+            <a:ext cx="4845629" cy="3718952"/>
+          </a:xfrm>
+          <a:prstGeom prst="rect">
+            <a:avLst/>
+          </a:prstGeom>
+        </p:spPr>
+      </p:pic>
+      <p:pic>
+        <p:nvPicPr>
+          <p:cNvPr id="3" name="图片 2">
+            <a:extLst>
+              <a:ext uri="{FF2B5EF4-FFF2-40B4-BE49-F238E27FC236}">
+                <a16:creationId xmlns:a16="http://schemas.microsoft.com/office/drawing/2014/main" id="{3A86AE4B-EAF4-4DEC-9D94-CFDBEAB929E2}"/>
+              </a:ext>
+            </a:extLst>
+          </p:cNvPr>
+          <p:cNvPicPr>
+            <a:picLocks noChangeAspect="1"/>
+          </p:cNvPicPr>
+          <p:nvPr/>
+        </p:nvPicPr>
+        <p:blipFill>
+          <a:blip r:embed="rId3"/>
+          <a:stretch>
+            <a:fillRect/>
+          </a:stretch>
+        </p:blipFill>
+        <p:spPr>
+          <a:xfrm>
+            <a:off x="6599680" y="2179502"/>
+            <a:ext cx="5153744" cy="4420217"/>
+          </a:xfrm>
+          <a:prstGeom prst="rect">
+            <a:avLst/>
+          </a:prstGeom>
+        </p:spPr>
+      </p:pic>
+    </p:spTree>
+    <p:extLst>
+      <p:ext uri="{BB962C8B-B14F-4D97-AF65-F5344CB8AC3E}">
+        <p14:creationId xmlns:p14="http://schemas.microsoft.com/office/powerpoint/2010/main" val="3750172891"/>
+      </p:ext>
+    </p:extLst>
+  </p:cSld>
+  <p:clrMapOvr>
+    <a:masterClrMapping/>
+  </p:clrMapOvr>
+</p:sld>
+</file>
+
+<file path=ppt/slides/slide20.xml><?xml version="1.0" encoding="utf-8"?>
 <p:sld xmlns:a="http://schemas.openxmlformats.org/drawingml/2006/main" xmlns:r="http://schemas.openxmlformats.org/officeDocument/2006/relationships" xmlns:p="http://schemas.openxmlformats.org/presentationml/2006/main">
   <p:cSld>
     <p:spTree>
@@ -6722,7 +8656,7 @@
 </p:sld>
 </file>
 
-<file path=ppt/slides/slide13.xml><?xml version="1.0" encoding="utf-8"?>
+<file path=ppt/slides/slide21.xml><?xml version="1.0" encoding="utf-8"?>
 <p:sld xmlns:a="http://schemas.openxmlformats.org/drawingml/2006/main" xmlns:r="http://schemas.openxmlformats.org/officeDocument/2006/relationships" xmlns:p="http://schemas.openxmlformats.org/presentationml/2006/main">
   <p:cSld>
     <p:spTree>
@@ -6752,7 +8686,7 @@
 </p:sld>
 </file>
 
-<file path=ppt/slides/slide14.xml><?xml version="1.0" encoding="utf-8"?>
+<file path=ppt/slides/slide22.xml><?xml version="1.0" encoding="utf-8"?>
 <p:sld xmlns:a="http://schemas.openxmlformats.org/drawingml/2006/main" xmlns:r="http://schemas.openxmlformats.org/officeDocument/2006/relationships" xmlns:p="http://schemas.openxmlformats.org/presentationml/2006/main">
   <p:cSld>
     <p:spTree>
@@ -6782,7 +8716,7 @@
 </p:sld>
 </file>
 
-<file path=ppt/slides/slide15.xml><?xml version="1.0" encoding="utf-8"?>
+<file path=ppt/slides/slide23.xml><?xml version="1.0" encoding="utf-8"?>
 <p:sld xmlns:a="http://schemas.openxmlformats.org/drawingml/2006/main" xmlns:r="http://schemas.openxmlformats.org/officeDocument/2006/relationships" xmlns:p="http://schemas.openxmlformats.org/presentationml/2006/main">
   <p:cSld>
     <p:spTree>
@@ -6813,7 +8747,7 @@
         </p:nvSpPr>
         <p:spPr>
           <a:xfrm>
-            <a:off x="394349" y="73311"/>
+            <a:off x="394349" y="37800"/>
             <a:ext cx="10758019" cy="6640355"/>
           </a:xfrm>
           <a:prstGeom prst="roundRect">
@@ -8531,7 +10465,7 @@
             <a:prstDash val="dash"/>
             <a:extLst>
               <a:ext uri="{C807C97D-BFC1-408E-A445-0C87EB9F89A2}">
-                <ask:lineSketchStyleProps xmlns:ask="http://schemas.microsoft.com/office/drawing/2018/sketchyshapes" xmlns="" sd="1219033472">
+                <ask:lineSketchStyleProps xmlns="" xmlns:ask="http://schemas.microsoft.com/office/drawing/2018/sketchyshapes" sd="1219033472">
                   <a:custGeom>
                     <a:avLst/>
                     <a:gdLst>
@@ -8827,7 +10761,7 @@
             <a:prstDash val="dash"/>
             <a:extLst>
               <a:ext uri="{C807C97D-BFC1-408E-A445-0C87EB9F89A2}">
-                <ask:lineSketchStyleProps xmlns:ask="http://schemas.microsoft.com/office/drawing/2018/sketchyshapes" xmlns="" sd="1219033472">
+                <ask:lineSketchStyleProps xmlns="" xmlns:ask="http://schemas.microsoft.com/office/drawing/2018/sketchyshapes" sd="1219033472">
                   <a:custGeom>
                     <a:avLst/>
                     <a:gdLst>
@@ -9640,14 +11574,6 @@
           <a:lstStyle/>
           <a:p>
             <a:pPr algn="ctr"/>
-            <a:r>
-              <a:rPr lang="zh-CN" altLang="en-US" sz="1100" dirty="0"/>
-              <a:t>向量加权平均算法</a:t>
-            </a:r>
-            <a:r>
-              <a:rPr lang="en-US" altLang="zh-CN" sz="1100" dirty="0"/>
-              <a:t>INFO</a:t>
-            </a:r>
             <a:endParaRPr lang="zh-CN" altLang="en-US" sz="1100" dirty="0"/>
           </a:p>
         </p:txBody>
@@ -9667,7 +11593,7 @@
         <p:spPr>
           <a:xfrm>
             <a:off x="5240998" y="2519479"/>
-            <a:ext cx="300635" cy="362308"/>
+            <a:ext cx="807406" cy="362308"/>
           </a:xfrm>
           <a:prstGeom prst="rightArrow">
             <a:avLst>
@@ -9857,8 +11783,8 @@
         </p:nvSpPr>
         <p:spPr>
           <a:xfrm>
-            <a:off x="5812940" y="1002728"/>
-            <a:ext cx="5295116" cy="2930312"/>
+            <a:off x="3476130" y="1002728"/>
+            <a:ext cx="7631926" cy="2930312"/>
           </a:xfrm>
           <a:prstGeom prst="rect">
             <a:avLst/>
@@ -9873,7 +11799,7 @@
             <a:prstDash val="dash"/>
             <a:extLst>
               <a:ext uri="{C807C97D-BFC1-408E-A445-0C87EB9F89A2}">
-                <ask:lineSketchStyleProps xmlns:ask="http://schemas.microsoft.com/office/drawing/2018/sketchyshapes" xmlns="" sd="1219033472">
+                <ask:lineSketchStyleProps xmlns="" xmlns:ask="http://schemas.microsoft.com/office/drawing/2018/sketchyshapes" sd="1219033472">
                   <a:custGeom>
                     <a:avLst/>
                     <a:gdLst>
@@ -10448,1856 +12374,7 @@
     </p:spTree>
     <p:extLst>
       <p:ext uri="{BB962C8B-B14F-4D97-AF65-F5344CB8AC3E}">
-        <p14:creationId xmlns:p14="http://schemas.microsoft.com/office/powerpoint/2010/main" val="1182924776"/>
-      </p:ext>
-    </p:extLst>
-  </p:cSld>
-  <p:clrMapOvr>
-    <a:masterClrMapping/>
-  </p:clrMapOvr>
-</p:sld>
-</file>
-
-<file path=ppt/slides/slide16.xml><?xml version="1.0" encoding="utf-8"?>
-<p:sld xmlns:a="http://schemas.openxmlformats.org/drawingml/2006/main" xmlns:r="http://schemas.openxmlformats.org/officeDocument/2006/relationships" xmlns:p="http://schemas.openxmlformats.org/presentationml/2006/main">
-  <p:cSld>
-    <p:spTree>
-      <p:nvGrpSpPr>
-        <p:cNvPr id="1" name=""/>
-        <p:cNvGrpSpPr/>
-        <p:nvPr/>
-      </p:nvGrpSpPr>
-      <p:grpSpPr>
-        <a:xfrm>
-          <a:off x="0" y="0"/>
-          <a:ext cx="0" cy="0"/>
-          <a:chOff x="0" y="0"/>
-          <a:chExt cx="0" cy="0"/>
-        </a:xfrm>
-      </p:grpSpPr>
-      <p:sp>
-        <p:nvSpPr>
-          <p:cNvPr id="5" name="文本框 4">
-            <a:extLst>
-              <a:ext uri="{FF2B5EF4-FFF2-40B4-BE49-F238E27FC236}">
-                <a16:creationId xmlns:a16="http://schemas.microsoft.com/office/drawing/2014/main" id="{9E499E68-E892-40B7-FEEF-6154862BD509}"/>
-              </a:ext>
-            </a:extLst>
-          </p:cNvPr>
-          <p:cNvSpPr txBox="1"/>
-          <p:nvPr/>
-        </p:nvSpPr>
-        <p:spPr>
-          <a:xfrm>
-            <a:off x="851754" y="2037882"/>
-            <a:ext cx="10488489" cy="2827441"/>
-          </a:xfrm>
-          <a:prstGeom prst="rect">
-            <a:avLst/>
-          </a:prstGeom>
-          <a:noFill/>
-        </p:spPr>
-        <p:txBody>
-          <a:bodyPr wrap="square" rtlCol="0">
-            <a:spAutoFit/>
-          </a:bodyPr>
-          <a:lstStyle/>
-          <a:p>
-            <a:r>
-              <a:rPr lang="en-US" altLang="zh-CN" sz="2800" b="0" i="0" dirty="0">
-                <a:solidFill>
-                  <a:srgbClr val="000000"/>
-                </a:solidFill>
-                <a:effectLst/>
-                <a:latin typeface="Arial" panose="020B0604020202020204" pitchFamily="34" charset="0"/>
-              </a:rPr>
-              <a:t>A hybrid approach based on decomposition algorithm and neural network for remaining useful life prediction of lithium-ion battery</a:t>
-            </a:r>
-            <a:endParaRPr lang="zh-CN" altLang="en-US" sz="2800" dirty="0"/>
-          </a:p>
-          <a:p>
-            <a:pPr>
-              <a:lnSpc>
-                <a:spcPct val="150000"/>
-              </a:lnSpc>
-            </a:pPr>
-            <a:r>
-              <a:rPr lang="en-US" altLang="zh-CN" sz="2800" b="1" dirty="0"/>
-              <a:t>  </a:t>
-            </a:r>
-          </a:p>
-          <a:p>
-            <a:pPr>
-              <a:lnSpc>
-                <a:spcPct val="150000"/>
-              </a:lnSpc>
-            </a:pPr>
-            <a:endParaRPr lang="en-US" altLang="zh-CN" sz="2800" b="1" dirty="0"/>
-          </a:p>
-          <a:p>
-            <a:pPr>
-              <a:lnSpc>
-                <a:spcPct val="150000"/>
-              </a:lnSpc>
-            </a:pPr>
-            <a:r>
-              <a:rPr lang="en-US" altLang="zh-CN" sz="2800" dirty="0"/>
-              <a:t>                                                                                           ——2022</a:t>
-            </a:r>
-          </a:p>
-        </p:txBody>
-      </p:sp>
-      <p:pic>
-        <p:nvPicPr>
-          <p:cNvPr id="6" name="图片 5">
-            <a:extLst>
-              <a:ext uri="{FF2B5EF4-FFF2-40B4-BE49-F238E27FC236}">
-                <a16:creationId xmlns:a16="http://schemas.microsoft.com/office/drawing/2014/main" id="{FA82BBDA-B9D6-AA20-FCDF-133A0EC53044}"/>
-              </a:ext>
-            </a:extLst>
-          </p:cNvPr>
-          <p:cNvPicPr>
-            <a:picLocks noChangeAspect="1"/>
-          </p:cNvPicPr>
-          <p:nvPr/>
-        </p:nvPicPr>
-        <p:blipFill>
-          <a:blip r:embed="rId2"/>
-          <a:stretch>
-            <a:fillRect/>
-          </a:stretch>
-        </p:blipFill>
-        <p:spPr>
-          <a:xfrm>
-            <a:off x="851754" y="470516"/>
-            <a:ext cx="10488489" cy="981212"/>
-          </a:xfrm>
-          <a:prstGeom prst="rect">
-            <a:avLst/>
-          </a:prstGeom>
-        </p:spPr>
-      </p:pic>
-    </p:spTree>
-    <p:extLst>
-      <p:ext uri="{BB962C8B-B14F-4D97-AF65-F5344CB8AC3E}">
-        <p14:creationId xmlns:p14="http://schemas.microsoft.com/office/powerpoint/2010/main" val="3243079298"/>
-      </p:ext>
-    </p:extLst>
-  </p:cSld>
-  <p:clrMapOvr>
-    <a:masterClrMapping/>
-  </p:clrMapOvr>
-</p:sld>
-</file>
-
-<file path=ppt/slides/slide17.xml><?xml version="1.0" encoding="utf-8"?>
-<p:sld xmlns:a="http://schemas.openxmlformats.org/drawingml/2006/main" xmlns:r="http://schemas.openxmlformats.org/officeDocument/2006/relationships" xmlns:p="http://schemas.openxmlformats.org/presentationml/2006/main">
-  <p:cSld>
-    <p:spTree>
-      <p:nvGrpSpPr>
-        <p:cNvPr id="1" name=""/>
-        <p:cNvGrpSpPr/>
-        <p:nvPr/>
-      </p:nvGrpSpPr>
-      <p:grpSpPr>
-        <a:xfrm>
-          <a:off x="0" y="0"/>
-          <a:ext cx="0" cy="0"/>
-          <a:chOff x="0" y="0"/>
-          <a:chExt cx="0" cy="0"/>
-        </a:xfrm>
-      </p:grpSpPr>
-      <p:sp>
-        <p:nvSpPr>
-          <p:cNvPr id="2" name="矩形: 圆角 1">
-            <a:extLst>
-              <a:ext uri="{FF2B5EF4-FFF2-40B4-BE49-F238E27FC236}">
-                <a16:creationId xmlns:a16="http://schemas.microsoft.com/office/drawing/2014/main" id="{5FE46085-0901-8948-F39C-B0CEAFDA0DCB}"/>
-              </a:ext>
-            </a:extLst>
-          </p:cNvPr>
-          <p:cNvSpPr/>
-          <p:nvPr/>
-        </p:nvSpPr>
-        <p:spPr>
-          <a:xfrm>
-            <a:off x="1245370" y="967926"/>
-            <a:ext cx="1926566" cy="1351471"/>
-          </a:xfrm>
-          <a:prstGeom prst="roundRect">
-            <a:avLst/>
-          </a:prstGeom>
-          <a:solidFill>
-            <a:schemeClr val="tx2">
-              <a:lumMod val="20000"/>
-              <a:lumOff val="80000"/>
-            </a:schemeClr>
-          </a:solidFill>
-        </p:spPr>
-        <p:style>
-          <a:lnRef idx="2">
-            <a:schemeClr val="accent1">
-              <a:shade val="15000"/>
-            </a:schemeClr>
-          </a:lnRef>
-          <a:fillRef idx="1">
-            <a:schemeClr val="accent1"/>
-          </a:fillRef>
-          <a:effectRef idx="0">
-            <a:schemeClr val="accent1"/>
-          </a:effectRef>
-          <a:fontRef idx="minor">
-            <a:schemeClr val="lt1"/>
-          </a:fontRef>
-        </p:style>
-        <p:txBody>
-          <a:bodyPr rtlCol="0" anchor="ctr"/>
-          <a:lstStyle/>
-          <a:p>
-            <a:pPr algn="ctr"/>
-            <a:r>
-              <a:rPr lang="zh-CN" altLang="en-US" sz="2400" dirty="0">
-                <a:solidFill>
-                  <a:schemeClr val="tx1"/>
-                </a:solidFill>
-                <a:latin typeface="+mn-ea"/>
-              </a:rPr>
-              <a:t>数据分解</a:t>
-            </a:r>
-          </a:p>
-        </p:txBody>
-      </p:sp>
-      <p:sp>
-        <p:nvSpPr>
-          <p:cNvPr id="5" name="矩形: 圆角 4">
-            <a:extLst>
-              <a:ext uri="{FF2B5EF4-FFF2-40B4-BE49-F238E27FC236}">
-                <a16:creationId xmlns:a16="http://schemas.microsoft.com/office/drawing/2014/main" id="{F1998572-D9A7-2103-6194-91BB06B418D6}"/>
-              </a:ext>
-            </a:extLst>
-          </p:cNvPr>
-          <p:cNvSpPr/>
-          <p:nvPr/>
-        </p:nvSpPr>
-        <p:spPr>
-          <a:xfrm>
-            <a:off x="1245370" y="3981421"/>
-            <a:ext cx="1926566" cy="1351471"/>
-          </a:xfrm>
-          <a:prstGeom prst="roundRect">
-            <a:avLst/>
-          </a:prstGeom>
-          <a:solidFill>
-            <a:schemeClr val="tx2">
-              <a:lumMod val="20000"/>
-              <a:lumOff val="80000"/>
-            </a:schemeClr>
-          </a:solidFill>
-        </p:spPr>
-        <p:style>
-          <a:lnRef idx="2">
-            <a:schemeClr val="accent1">
-              <a:shade val="15000"/>
-            </a:schemeClr>
-          </a:lnRef>
-          <a:fillRef idx="1">
-            <a:schemeClr val="accent1"/>
-          </a:fillRef>
-          <a:effectRef idx="0">
-            <a:schemeClr val="accent1"/>
-          </a:effectRef>
-          <a:fontRef idx="minor">
-            <a:schemeClr val="lt1"/>
-          </a:fontRef>
-        </p:style>
-        <p:txBody>
-          <a:bodyPr rtlCol="0" anchor="ctr"/>
-          <a:lstStyle/>
-          <a:p>
-            <a:pPr algn="ctr"/>
-            <a:r>
-              <a:rPr lang="zh-CN" altLang="en-US" sz="2400" dirty="0">
-                <a:solidFill>
-                  <a:schemeClr val="tx1"/>
-                </a:solidFill>
-                <a:latin typeface="+mn-ea"/>
-              </a:rPr>
-              <a:t>融合</a:t>
-            </a:r>
-          </a:p>
-        </p:txBody>
-      </p:sp>
-      <p:sp>
-        <p:nvSpPr>
-          <p:cNvPr id="6" name="矩形: 圆角 5">
-            <a:extLst>
-              <a:ext uri="{FF2B5EF4-FFF2-40B4-BE49-F238E27FC236}">
-                <a16:creationId xmlns:a16="http://schemas.microsoft.com/office/drawing/2014/main" id="{26D8043B-914A-A812-97E5-F51491AD785E}"/>
-              </a:ext>
-            </a:extLst>
-          </p:cNvPr>
-          <p:cNvSpPr/>
-          <p:nvPr/>
-        </p:nvSpPr>
-        <p:spPr>
-          <a:xfrm>
-            <a:off x="6475691" y="967926"/>
-            <a:ext cx="1926566" cy="1351471"/>
-          </a:xfrm>
-          <a:prstGeom prst="roundRect">
-            <a:avLst/>
-          </a:prstGeom>
-          <a:solidFill>
-            <a:schemeClr val="tx2">
-              <a:lumMod val="20000"/>
-              <a:lumOff val="80000"/>
-            </a:schemeClr>
-          </a:solidFill>
-        </p:spPr>
-        <p:style>
-          <a:lnRef idx="2">
-            <a:schemeClr val="accent1">
-              <a:shade val="15000"/>
-            </a:schemeClr>
-          </a:lnRef>
-          <a:fillRef idx="1">
-            <a:schemeClr val="accent1"/>
-          </a:fillRef>
-          <a:effectRef idx="0">
-            <a:schemeClr val="accent1"/>
-          </a:effectRef>
-          <a:fontRef idx="minor">
-            <a:schemeClr val="lt1"/>
-          </a:fontRef>
-        </p:style>
-        <p:txBody>
-          <a:bodyPr rtlCol="0" anchor="ctr"/>
-          <a:lstStyle/>
-          <a:p>
-            <a:pPr algn="ctr"/>
-            <a:r>
-              <a:rPr lang="zh-CN" altLang="en-US" sz="2400" dirty="0">
-                <a:solidFill>
-                  <a:schemeClr val="tx1"/>
-                </a:solidFill>
-                <a:latin typeface="+mn-ea"/>
-              </a:rPr>
-              <a:t>神经网络</a:t>
-            </a:r>
-          </a:p>
-        </p:txBody>
-      </p:sp>
-      <p:sp>
-        <p:nvSpPr>
-          <p:cNvPr id="7" name="矩形: 圆角 6">
-            <a:extLst>
-              <a:ext uri="{FF2B5EF4-FFF2-40B4-BE49-F238E27FC236}">
-                <a16:creationId xmlns:a16="http://schemas.microsoft.com/office/drawing/2014/main" id="{334F05C1-A971-4F47-B7A7-C49E45E6C03D}"/>
-              </a:ext>
-            </a:extLst>
-          </p:cNvPr>
-          <p:cNvSpPr/>
-          <p:nvPr/>
-        </p:nvSpPr>
-        <p:spPr>
-          <a:xfrm>
-            <a:off x="6475691" y="3981422"/>
-            <a:ext cx="1926566" cy="1351471"/>
-          </a:xfrm>
-          <a:prstGeom prst="roundRect">
-            <a:avLst/>
-          </a:prstGeom>
-          <a:solidFill>
-            <a:schemeClr val="tx2">
-              <a:lumMod val="20000"/>
-              <a:lumOff val="80000"/>
-            </a:schemeClr>
-          </a:solidFill>
-        </p:spPr>
-        <p:style>
-          <a:lnRef idx="2">
-            <a:schemeClr val="accent1">
-              <a:shade val="15000"/>
-            </a:schemeClr>
-          </a:lnRef>
-          <a:fillRef idx="1">
-            <a:schemeClr val="accent1"/>
-          </a:fillRef>
-          <a:effectRef idx="0">
-            <a:schemeClr val="accent1"/>
-          </a:effectRef>
-          <a:fontRef idx="minor">
-            <a:schemeClr val="lt1"/>
-          </a:fontRef>
-        </p:style>
-        <p:txBody>
-          <a:bodyPr rtlCol="0" anchor="ctr"/>
-          <a:lstStyle/>
-          <a:p>
-            <a:pPr algn="ctr"/>
-            <a:r>
-              <a:rPr lang="zh-CN" altLang="en-US" sz="2400" dirty="0">
-                <a:solidFill>
-                  <a:schemeClr val="tx1"/>
-                </a:solidFill>
-                <a:latin typeface="+mn-ea"/>
-              </a:rPr>
-              <a:t>最小误差</a:t>
-            </a:r>
-            <a:br>
-              <a:rPr lang="en-US" altLang="zh-CN" sz="2400" dirty="0">
-                <a:solidFill>
-                  <a:schemeClr val="tx1"/>
-                </a:solidFill>
-                <a:latin typeface="+mn-ea"/>
-              </a:rPr>
-            </a:br>
-            <a:r>
-              <a:rPr lang="zh-CN" altLang="en-US" sz="2400" dirty="0">
-                <a:solidFill>
-                  <a:schemeClr val="tx1"/>
-                </a:solidFill>
-                <a:latin typeface="+mn-ea"/>
-              </a:rPr>
-              <a:t>判断</a:t>
-            </a:r>
-          </a:p>
-        </p:txBody>
-      </p:sp>
-      <p:sp>
-        <p:nvSpPr>
-          <p:cNvPr id="8" name="文本框 7">
-            <a:extLst>
-              <a:ext uri="{FF2B5EF4-FFF2-40B4-BE49-F238E27FC236}">
-                <a16:creationId xmlns:a16="http://schemas.microsoft.com/office/drawing/2014/main" id="{5CE18F2A-ECB4-7893-25D4-A1B2282F00E9}"/>
-              </a:ext>
-            </a:extLst>
-          </p:cNvPr>
-          <p:cNvSpPr txBox="1"/>
-          <p:nvPr/>
-        </p:nvSpPr>
-        <p:spPr>
-          <a:xfrm>
-            <a:off x="3835879" y="1525107"/>
-            <a:ext cx="1415772" cy="461665"/>
-          </a:xfrm>
-          <a:prstGeom prst="rect">
-            <a:avLst/>
-          </a:prstGeom>
-          <a:noFill/>
-        </p:spPr>
-        <p:txBody>
-          <a:bodyPr wrap="none" rtlCol="0">
-            <a:spAutoFit/>
-          </a:bodyPr>
-          <a:lstStyle/>
-          <a:p>
-            <a:r>
-              <a:rPr lang="zh-CN" altLang="en-US" sz="2400" dirty="0">
-                <a:latin typeface="+mn-ea"/>
-              </a:rPr>
-              <a:t>模态分解</a:t>
-            </a:r>
-          </a:p>
-        </p:txBody>
-      </p:sp>
-      <p:sp>
-        <p:nvSpPr>
-          <p:cNvPr id="12" name="文本框 11">
-            <a:extLst>
-              <a:ext uri="{FF2B5EF4-FFF2-40B4-BE49-F238E27FC236}">
-                <a16:creationId xmlns:a16="http://schemas.microsoft.com/office/drawing/2014/main" id="{2CD99D08-8020-40CF-EF54-EFA6E475D851}"/>
-              </a:ext>
-            </a:extLst>
-          </p:cNvPr>
-          <p:cNvSpPr txBox="1"/>
-          <p:nvPr/>
-        </p:nvSpPr>
-        <p:spPr>
-          <a:xfrm>
-            <a:off x="3180439" y="3519756"/>
-            <a:ext cx="1415772" cy="461665"/>
-          </a:xfrm>
-          <a:prstGeom prst="rect">
-            <a:avLst/>
-          </a:prstGeom>
-          <a:noFill/>
-        </p:spPr>
-        <p:txBody>
-          <a:bodyPr wrap="none" rtlCol="0">
-            <a:spAutoFit/>
-          </a:bodyPr>
-          <a:lstStyle/>
-          <a:p>
-            <a:r>
-              <a:rPr lang="zh-CN" altLang="en-US" sz="2400" dirty="0">
-                <a:latin typeface="+mn-ea"/>
-              </a:rPr>
-              <a:t>高频分量</a:t>
-            </a:r>
-          </a:p>
-        </p:txBody>
-      </p:sp>
-      <p:sp>
-        <p:nvSpPr>
-          <p:cNvPr id="13" name="文本框 12">
-            <a:extLst>
-              <a:ext uri="{FF2B5EF4-FFF2-40B4-BE49-F238E27FC236}">
-                <a16:creationId xmlns:a16="http://schemas.microsoft.com/office/drawing/2014/main" id="{D200FD91-38B3-A1D0-5012-E70B813DE086}"/>
-              </a:ext>
-            </a:extLst>
-          </p:cNvPr>
-          <p:cNvSpPr txBox="1"/>
-          <p:nvPr/>
-        </p:nvSpPr>
-        <p:spPr>
-          <a:xfrm>
-            <a:off x="4599972" y="3519756"/>
-            <a:ext cx="1415772" cy="461665"/>
-          </a:xfrm>
-          <a:prstGeom prst="rect">
-            <a:avLst/>
-          </a:prstGeom>
-          <a:noFill/>
-        </p:spPr>
-        <p:txBody>
-          <a:bodyPr wrap="none" rtlCol="0">
-            <a:spAutoFit/>
-          </a:bodyPr>
-          <a:lstStyle/>
-          <a:p>
-            <a:r>
-              <a:rPr lang="zh-CN" altLang="en-US" sz="2400" dirty="0">
-                <a:latin typeface="+mn-ea"/>
-              </a:rPr>
-              <a:t>低频分量</a:t>
-            </a:r>
-          </a:p>
-        </p:txBody>
-      </p:sp>
-      <p:sp>
-        <p:nvSpPr>
-          <p:cNvPr id="14" name="文本框 13">
-            <a:extLst>
-              <a:ext uri="{FF2B5EF4-FFF2-40B4-BE49-F238E27FC236}">
-                <a16:creationId xmlns:a16="http://schemas.microsoft.com/office/drawing/2014/main" id="{5F458B76-E0A6-60DE-EAE5-E06BDB7E991B}"/>
-              </a:ext>
-            </a:extLst>
-          </p:cNvPr>
-          <p:cNvSpPr txBox="1"/>
-          <p:nvPr/>
-        </p:nvSpPr>
-        <p:spPr>
-          <a:xfrm>
-            <a:off x="4599972" y="4489067"/>
-            <a:ext cx="1415772" cy="461665"/>
-          </a:xfrm>
-          <a:prstGeom prst="rect">
-            <a:avLst/>
-          </a:prstGeom>
-          <a:noFill/>
-        </p:spPr>
-        <p:txBody>
-          <a:bodyPr wrap="none" rtlCol="0">
-            <a:spAutoFit/>
-          </a:bodyPr>
-          <a:lstStyle/>
-          <a:p>
-            <a:r>
-              <a:rPr lang="zh-CN" altLang="en-US" sz="2400" dirty="0">
-                <a:latin typeface="+mn-ea"/>
-              </a:rPr>
-              <a:t>直接融合</a:t>
-            </a:r>
-          </a:p>
-        </p:txBody>
-      </p:sp>
-      <p:sp>
-        <p:nvSpPr>
-          <p:cNvPr id="15" name="文本框 14">
-            <a:extLst>
-              <a:ext uri="{FF2B5EF4-FFF2-40B4-BE49-F238E27FC236}">
-                <a16:creationId xmlns:a16="http://schemas.microsoft.com/office/drawing/2014/main" id="{EAB03D7B-82A1-731F-C40C-A04CFF5CE4E0}"/>
-              </a:ext>
-            </a:extLst>
-          </p:cNvPr>
-          <p:cNvSpPr txBox="1"/>
-          <p:nvPr/>
-        </p:nvSpPr>
-        <p:spPr>
-          <a:xfrm>
-            <a:off x="3216553" y="4398543"/>
-            <a:ext cx="674060" cy="1200329"/>
-          </a:xfrm>
-          <a:prstGeom prst="rect">
-            <a:avLst/>
-          </a:prstGeom>
-          <a:noFill/>
-        </p:spPr>
-        <p:txBody>
-          <a:bodyPr wrap="square" rtlCol="0">
-            <a:spAutoFit/>
-          </a:bodyPr>
-          <a:lstStyle/>
-          <a:p>
-            <a:r>
-              <a:rPr lang="zh-CN" altLang="en-US" sz="2400" dirty="0">
-                <a:latin typeface="+mn-ea"/>
-              </a:rPr>
-              <a:t>最大值</a:t>
-            </a:r>
-          </a:p>
-        </p:txBody>
-      </p:sp>
-      <p:sp>
-        <p:nvSpPr>
-          <p:cNvPr id="16" name="文本框 15">
-            <a:extLst>
-              <a:ext uri="{FF2B5EF4-FFF2-40B4-BE49-F238E27FC236}">
-                <a16:creationId xmlns:a16="http://schemas.microsoft.com/office/drawing/2014/main" id="{690A8609-EFCA-1DBC-264A-F529207AC2B2}"/>
-              </a:ext>
-            </a:extLst>
-          </p:cNvPr>
-          <p:cNvSpPr txBox="1"/>
-          <p:nvPr/>
-        </p:nvSpPr>
-        <p:spPr>
-          <a:xfrm>
-            <a:off x="3919667" y="4398543"/>
-            <a:ext cx="674060" cy="1569660"/>
-          </a:xfrm>
-          <a:prstGeom prst="rect">
-            <a:avLst/>
-          </a:prstGeom>
-          <a:noFill/>
-        </p:spPr>
-        <p:txBody>
-          <a:bodyPr wrap="square" rtlCol="0">
-            <a:spAutoFit/>
-          </a:bodyPr>
-          <a:lstStyle/>
-          <a:p>
-            <a:r>
-              <a:rPr lang="zh-CN" altLang="en-US" sz="2400" dirty="0">
-                <a:latin typeface="+mn-ea"/>
-              </a:rPr>
-              <a:t>窗口能量</a:t>
-            </a:r>
-          </a:p>
-        </p:txBody>
-      </p:sp>
-      <p:sp>
-        <p:nvSpPr>
-          <p:cNvPr id="19" name="文本框 18">
-            <a:extLst>
-              <a:ext uri="{FF2B5EF4-FFF2-40B4-BE49-F238E27FC236}">
-                <a16:creationId xmlns:a16="http://schemas.microsoft.com/office/drawing/2014/main" id="{87B3FC21-64AC-C2F5-06A4-49255F5AFDEA}"/>
-              </a:ext>
-            </a:extLst>
-          </p:cNvPr>
-          <p:cNvSpPr txBox="1"/>
-          <p:nvPr/>
-        </p:nvSpPr>
-        <p:spPr>
-          <a:xfrm>
-            <a:off x="8862204" y="1161691"/>
-            <a:ext cx="845103" cy="461665"/>
-          </a:xfrm>
-          <a:prstGeom prst="rect">
-            <a:avLst/>
-          </a:prstGeom>
-          <a:noFill/>
-        </p:spPr>
-        <p:txBody>
-          <a:bodyPr wrap="none" rtlCol="0">
-            <a:spAutoFit/>
-          </a:bodyPr>
-          <a:lstStyle/>
-          <a:p>
-            <a:r>
-              <a:rPr lang="en-US" altLang="zh-CN" sz="2400" dirty="0">
-                <a:latin typeface="+mn-ea"/>
-              </a:rPr>
-              <a:t>DNN</a:t>
-            </a:r>
-            <a:endParaRPr lang="zh-CN" altLang="en-US" sz="2400" dirty="0">
-              <a:latin typeface="+mn-ea"/>
-            </a:endParaRPr>
-          </a:p>
-        </p:txBody>
-      </p:sp>
-      <p:sp>
-        <p:nvSpPr>
-          <p:cNvPr id="21" name="文本框 20">
-            <a:extLst>
-              <a:ext uri="{FF2B5EF4-FFF2-40B4-BE49-F238E27FC236}">
-                <a16:creationId xmlns:a16="http://schemas.microsoft.com/office/drawing/2014/main" id="{1147EA98-A3AF-89FA-B821-573C3C2AA695}"/>
-              </a:ext>
-            </a:extLst>
-          </p:cNvPr>
-          <p:cNvSpPr txBox="1"/>
-          <p:nvPr/>
-        </p:nvSpPr>
-        <p:spPr>
-          <a:xfrm>
-            <a:off x="8862204" y="1755939"/>
-            <a:ext cx="2346385" cy="830997"/>
-          </a:xfrm>
-          <a:prstGeom prst="rect">
-            <a:avLst/>
-          </a:prstGeom>
-          <a:noFill/>
-        </p:spPr>
-        <p:txBody>
-          <a:bodyPr wrap="square">
-            <a:spAutoFit/>
-          </a:bodyPr>
-          <a:lstStyle/>
-          <a:p>
-            <a:r>
-              <a:rPr lang="en-US" altLang="zh-CN" sz="2400" b="0" i="0" dirty="0">
-                <a:solidFill>
-                  <a:srgbClr val="000000"/>
-                </a:solidFill>
-                <a:effectLst/>
-                <a:latin typeface="+mn-ea"/>
-              </a:rPr>
-              <a:t>IRes2Net-BiGRU-FC</a:t>
-            </a:r>
-            <a:endParaRPr lang="zh-CN" altLang="en-US" sz="2400" dirty="0">
-              <a:latin typeface="+mn-ea"/>
-            </a:endParaRPr>
-          </a:p>
-        </p:txBody>
-      </p:sp>
-      <p:sp>
-        <p:nvSpPr>
-          <p:cNvPr id="22" name="文本框 21">
-            <a:extLst>
-              <a:ext uri="{FF2B5EF4-FFF2-40B4-BE49-F238E27FC236}">
-                <a16:creationId xmlns:a16="http://schemas.microsoft.com/office/drawing/2014/main" id="{20B22C2E-B650-0021-D620-967CBC5CA214}"/>
-              </a:ext>
-            </a:extLst>
-          </p:cNvPr>
-          <p:cNvSpPr txBox="1"/>
-          <p:nvPr/>
-        </p:nvSpPr>
-        <p:spPr>
-          <a:xfrm>
-            <a:off x="8862204" y="4572249"/>
-            <a:ext cx="1723549" cy="461665"/>
-          </a:xfrm>
-          <a:prstGeom prst="rect">
-            <a:avLst/>
-          </a:prstGeom>
-          <a:noFill/>
-        </p:spPr>
-        <p:txBody>
-          <a:bodyPr wrap="none" rtlCol="0">
-            <a:spAutoFit/>
-          </a:bodyPr>
-          <a:lstStyle/>
-          <a:p>
-            <a:r>
-              <a:rPr lang="zh-CN" altLang="en-US" sz="2400" dirty="0">
-                <a:latin typeface="+mn-ea"/>
-              </a:rPr>
-              <a:t>高低频叠加</a:t>
-            </a:r>
-          </a:p>
-        </p:txBody>
-      </p:sp>
-    </p:spTree>
-    <p:extLst>
-      <p:ext uri="{BB962C8B-B14F-4D97-AF65-F5344CB8AC3E}">
-        <p14:creationId xmlns:p14="http://schemas.microsoft.com/office/powerpoint/2010/main" val="3414418063"/>
-      </p:ext>
-    </p:extLst>
-  </p:cSld>
-  <p:clrMapOvr>
-    <a:masterClrMapping/>
-  </p:clrMapOvr>
-</p:sld>
-</file>
-
-<file path=ppt/slides/slide18.xml><?xml version="1.0" encoding="utf-8"?>
-<p:sld xmlns:a="http://schemas.openxmlformats.org/drawingml/2006/main" xmlns:r="http://schemas.openxmlformats.org/officeDocument/2006/relationships" xmlns:p="http://schemas.openxmlformats.org/presentationml/2006/main">
-  <p:cSld>
-    <p:spTree>
-      <p:nvGrpSpPr>
-        <p:cNvPr id="1" name=""/>
-        <p:cNvGrpSpPr/>
-        <p:nvPr/>
-      </p:nvGrpSpPr>
-      <p:grpSpPr>
-        <a:xfrm>
-          <a:off x="0" y="0"/>
-          <a:ext cx="0" cy="0"/>
-          <a:chOff x="0" y="0"/>
-          <a:chExt cx="0" cy="0"/>
-        </a:xfrm>
-      </p:grpSpPr>
-      <p:sp>
-        <p:nvSpPr>
-          <p:cNvPr id="3" name="文本框 2">
-            <a:extLst>
-              <a:ext uri="{FF2B5EF4-FFF2-40B4-BE49-F238E27FC236}">
-                <a16:creationId xmlns:a16="http://schemas.microsoft.com/office/drawing/2014/main" id="{0B604AE2-B201-667C-72F7-BDCC2D1C61FC}"/>
-              </a:ext>
-            </a:extLst>
-          </p:cNvPr>
-          <p:cNvSpPr txBox="1"/>
-          <p:nvPr/>
-        </p:nvSpPr>
-        <p:spPr>
-          <a:xfrm>
-            <a:off x="1572883" y="950668"/>
-            <a:ext cx="9046234" cy="2000548"/>
-          </a:xfrm>
-          <a:prstGeom prst="rect">
-            <a:avLst/>
-          </a:prstGeom>
-          <a:noFill/>
-        </p:spPr>
-        <p:txBody>
-          <a:bodyPr wrap="square">
-            <a:spAutoFit/>
-          </a:bodyPr>
-          <a:lstStyle/>
-          <a:p>
-            <a:r>
-              <a:rPr lang="zh-CN" altLang="en-US" sz="2800" b="0" i="0" dirty="0">
-                <a:solidFill>
-                  <a:srgbClr val="000000"/>
-                </a:solidFill>
-                <a:effectLst/>
-                <a:latin typeface="黑体" panose="02010609060101010101" pitchFamily="49" charset="-122"/>
-                <a:ea typeface="黑体" panose="02010609060101010101" pitchFamily="49" charset="-122"/>
-              </a:rPr>
-              <a:t>数据分解</a:t>
-            </a:r>
-            <a:endParaRPr lang="en-US" altLang="zh-CN" sz="2800" b="0" i="0" dirty="0">
-              <a:solidFill>
-                <a:srgbClr val="000000"/>
-              </a:solidFill>
-              <a:effectLst/>
-              <a:latin typeface="黑体" panose="02010609060101010101" pitchFamily="49" charset="-122"/>
-              <a:ea typeface="黑体" panose="02010609060101010101" pitchFamily="49" charset="-122"/>
-            </a:endParaRPr>
-          </a:p>
-          <a:p>
-            <a:endParaRPr lang="en-US" altLang="zh-CN" sz="2400" dirty="0">
-              <a:solidFill>
-                <a:srgbClr val="000000"/>
-              </a:solidFill>
-              <a:latin typeface="+mn-ea"/>
-            </a:endParaRPr>
-          </a:p>
-          <a:p>
-            <a:r>
-              <a:rPr lang="zh-CN" altLang="en-US" sz="2400" b="0" i="0" dirty="0">
-                <a:solidFill>
-                  <a:srgbClr val="000000"/>
-                </a:solidFill>
-                <a:effectLst/>
-                <a:latin typeface="+mn-ea"/>
-              </a:rPr>
-              <a:t>对非线性非平稳原始信号进行分解，得到有限个不同频率的</a:t>
-            </a:r>
-            <a:r>
-              <a:rPr lang="en-US" altLang="zh-CN" sz="2400" b="0" i="0" dirty="0" err="1">
-                <a:solidFill>
-                  <a:srgbClr val="000000"/>
-                </a:solidFill>
-                <a:effectLst/>
-                <a:latin typeface="+mn-ea"/>
-              </a:rPr>
-              <a:t>imf</a:t>
-            </a:r>
-            <a:r>
-              <a:rPr lang="zh-CN" altLang="en-US" sz="2400" b="0" i="0" dirty="0">
-                <a:solidFill>
-                  <a:srgbClr val="000000"/>
-                </a:solidFill>
-                <a:effectLst/>
-                <a:latin typeface="+mn-ea"/>
-              </a:rPr>
-              <a:t>，</a:t>
-            </a:r>
-            <a:r>
-              <a:rPr lang="en-US" altLang="zh-CN" sz="2400" b="0" i="0" dirty="0">
-                <a:solidFill>
-                  <a:srgbClr val="000000"/>
-                </a:solidFill>
-                <a:effectLst/>
-                <a:latin typeface="+mn-ea"/>
-              </a:rPr>
-              <a:t> </a:t>
-            </a:r>
-            <a:r>
-              <a:rPr lang="zh-CN" altLang="en-US" sz="2400" b="0" i="0" dirty="0">
-                <a:solidFill>
-                  <a:srgbClr val="000000"/>
-                </a:solidFill>
-                <a:effectLst/>
-                <a:latin typeface="+mn-ea"/>
-              </a:rPr>
-              <a:t>完全自适应模态分解实现了完整的自适应分解过程，并能对原始数据进行精确重构</a:t>
-            </a:r>
-            <a:endParaRPr lang="zh-CN" altLang="en-US" sz="2400" dirty="0">
-              <a:latin typeface="+mn-ea"/>
-            </a:endParaRPr>
-          </a:p>
-        </p:txBody>
-      </p:sp>
-    </p:spTree>
-    <p:extLst>
-      <p:ext uri="{BB962C8B-B14F-4D97-AF65-F5344CB8AC3E}">
-        <p14:creationId xmlns:p14="http://schemas.microsoft.com/office/powerpoint/2010/main" val="2222760505"/>
-      </p:ext>
-    </p:extLst>
-  </p:cSld>
-  <p:clrMapOvr>
-    <a:masterClrMapping/>
-  </p:clrMapOvr>
-</p:sld>
-</file>
-
-<file path=ppt/slides/slide19.xml><?xml version="1.0" encoding="utf-8"?>
-<p:sld xmlns:a="http://schemas.openxmlformats.org/drawingml/2006/main" xmlns:r="http://schemas.openxmlformats.org/officeDocument/2006/relationships" xmlns:p="http://schemas.openxmlformats.org/presentationml/2006/main">
-  <p:cSld>
-    <p:spTree>
-      <p:nvGrpSpPr>
-        <p:cNvPr id="1" name=""/>
-        <p:cNvGrpSpPr/>
-        <p:nvPr/>
-      </p:nvGrpSpPr>
-      <p:grpSpPr>
-        <a:xfrm>
-          <a:off x="0" y="0"/>
-          <a:ext cx="0" cy="0"/>
-          <a:chOff x="0" y="0"/>
-          <a:chExt cx="0" cy="0"/>
-        </a:xfrm>
-      </p:grpSpPr>
-      <p:sp>
-        <p:nvSpPr>
-          <p:cNvPr id="4" name="文本框 3">
-            <a:extLst>
-              <a:ext uri="{FF2B5EF4-FFF2-40B4-BE49-F238E27FC236}">
-                <a16:creationId xmlns:a16="http://schemas.microsoft.com/office/drawing/2014/main" id="{EEA28DB0-EB57-7405-504C-900E9D798CEC}"/>
-              </a:ext>
-            </a:extLst>
-          </p:cNvPr>
-          <p:cNvSpPr txBox="1"/>
-          <p:nvPr/>
-        </p:nvSpPr>
-        <p:spPr>
-          <a:xfrm>
-            <a:off x="1523998" y="760888"/>
-            <a:ext cx="8769919" cy="830997"/>
-          </a:xfrm>
-          <a:prstGeom prst="rect">
-            <a:avLst/>
-          </a:prstGeom>
-          <a:noFill/>
-        </p:spPr>
-        <p:txBody>
-          <a:bodyPr wrap="square">
-            <a:spAutoFit/>
-          </a:bodyPr>
-          <a:lstStyle/>
-          <a:p>
-            <a:r>
-              <a:rPr lang="zh-CN" altLang="en-US" sz="2400" dirty="0"/>
-              <a:t>过零率定义为</a:t>
-            </a:r>
-            <a:r>
-              <a:rPr lang="en-US" altLang="zh-CN" sz="2400" dirty="0"/>
-              <a:t>:</a:t>
-            </a:r>
-            <a:r>
-              <a:rPr lang="zh-CN" altLang="en-US" sz="2400" dirty="0"/>
-              <a:t>对于一个信号序列，如果有两个相邻的采样值，其中一个为正，另一个为负，则视为过零</a:t>
-            </a:r>
-          </a:p>
-        </p:txBody>
-      </p:sp>
-      <p:pic>
-        <p:nvPicPr>
-          <p:cNvPr id="3" name="图片 2">
-            <a:extLst>
-              <a:ext uri="{FF2B5EF4-FFF2-40B4-BE49-F238E27FC236}">
-                <a16:creationId xmlns:a16="http://schemas.microsoft.com/office/drawing/2014/main" id="{5BC4E25E-5A1A-986D-125D-EAC1C813EC97}"/>
-              </a:ext>
-            </a:extLst>
-          </p:cNvPr>
-          <p:cNvPicPr>
-            <a:picLocks noChangeAspect="1"/>
-          </p:cNvPicPr>
-          <p:nvPr/>
-        </p:nvPicPr>
-        <p:blipFill>
-          <a:blip r:embed="rId2"/>
-          <a:stretch>
-            <a:fillRect/>
-          </a:stretch>
-        </p:blipFill>
-        <p:spPr>
-          <a:xfrm>
-            <a:off x="1865594" y="4604556"/>
-            <a:ext cx="7934325" cy="1095375"/>
-          </a:xfrm>
-          <a:prstGeom prst="rect">
-            <a:avLst/>
-          </a:prstGeom>
-        </p:spPr>
-      </p:pic>
-      <p:pic>
-        <p:nvPicPr>
-          <p:cNvPr id="6" name="图片 5">
-            <a:extLst>
-              <a:ext uri="{FF2B5EF4-FFF2-40B4-BE49-F238E27FC236}">
-                <a16:creationId xmlns:a16="http://schemas.microsoft.com/office/drawing/2014/main" id="{88D1098E-9507-9DAB-7E13-663233D8C9DF}"/>
-              </a:ext>
-            </a:extLst>
-          </p:cNvPr>
-          <p:cNvPicPr>
-            <a:picLocks noChangeAspect="1"/>
-          </p:cNvPicPr>
-          <p:nvPr/>
-        </p:nvPicPr>
-        <p:blipFill>
-          <a:blip r:embed="rId3"/>
-          <a:stretch>
-            <a:fillRect/>
-          </a:stretch>
-        </p:blipFill>
-        <p:spPr>
-          <a:xfrm>
-            <a:off x="1865594" y="1792532"/>
-            <a:ext cx="8086725" cy="923925"/>
-          </a:xfrm>
-          <a:prstGeom prst="rect">
-            <a:avLst/>
-          </a:prstGeom>
-        </p:spPr>
-      </p:pic>
-      <p:sp>
-        <p:nvSpPr>
-          <p:cNvPr id="11" name="文本框 10">
-            <a:extLst>
-              <a:ext uri="{FF2B5EF4-FFF2-40B4-BE49-F238E27FC236}">
-                <a16:creationId xmlns:a16="http://schemas.microsoft.com/office/drawing/2014/main" id="{57090BA8-D1AB-742A-6B4B-7FAFEC28EFFB}"/>
-              </a:ext>
-            </a:extLst>
-          </p:cNvPr>
-          <p:cNvSpPr txBox="1"/>
-          <p:nvPr/>
-        </p:nvSpPr>
-        <p:spPr>
-          <a:xfrm>
-            <a:off x="1523998" y="4027672"/>
-            <a:ext cx="3262432" cy="461665"/>
-          </a:xfrm>
-          <a:prstGeom prst="rect">
-            <a:avLst/>
-          </a:prstGeom>
-          <a:noFill/>
-        </p:spPr>
-        <p:txBody>
-          <a:bodyPr wrap="none" rtlCol="0">
-            <a:spAutoFit/>
-          </a:bodyPr>
-          <a:lstStyle/>
-          <a:p>
-            <a:r>
-              <a:rPr lang="zh-CN" altLang="en-US" sz="2400" dirty="0"/>
-              <a:t>低频分量的融合规则：</a:t>
-            </a:r>
-          </a:p>
-        </p:txBody>
-      </p:sp>
-      <p:sp>
-        <p:nvSpPr>
-          <p:cNvPr id="5" name="文本框 4">
-            <a:extLst>
-              <a:ext uri="{FF2B5EF4-FFF2-40B4-BE49-F238E27FC236}">
-                <a16:creationId xmlns:a16="http://schemas.microsoft.com/office/drawing/2014/main" id="{E4D1BFF4-E410-DDA7-DF44-051AA9424DF2}"/>
-              </a:ext>
-            </a:extLst>
-          </p:cNvPr>
-          <p:cNvSpPr txBox="1"/>
-          <p:nvPr/>
-        </p:nvSpPr>
-        <p:spPr>
-          <a:xfrm>
-            <a:off x="1523998" y="3600731"/>
-            <a:ext cx="6096000" cy="461665"/>
-          </a:xfrm>
-          <a:prstGeom prst="rect">
-            <a:avLst/>
-          </a:prstGeom>
-          <a:noFill/>
-        </p:spPr>
-        <p:txBody>
-          <a:bodyPr wrap="square">
-            <a:spAutoFit/>
-          </a:bodyPr>
-          <a:lstStyle/>
-          <a:p>
-            <a:r>
-              <a:rPr lang="zh-CN" altLang="en-US" sz="2400" dirty="0"/>
-              <a:t>过零率</a:t>
-            </a:r>
-            <a:r>
-              <a:rPr lang="en-US" altLang="zh-CN" sz="2400" dirty="0"/>
-              <a:t>&lt;0.01</a:t>
-            </a:r>
-            <a:endParaRPr lang="zh-CN" altLang="en-US" sz="2400" dirty="0"/>
-          </a:p>
-        </p:txBody>
-      </p:sp>
-    </p:spTree>
-    <p:extLst>
-      <p:ext uri="{BB962C8B-B14F-4D97-AF65-F5344CB8AC3E}">
-        <p14:creationId xmlns:p14="http://schemas.microsoft.com/office/powerpoint/2010/main" val="2878454405"/>
-      </p:ext>
-    </p:extLst>
-  </p:cSld>
-  <p:clrMapOvr>
-    <a:masterClrMapping/>
-  </p:clrMapOvr>
-</p:sld>
-</file>
-
-<file path=ppt/slides/slide2.xml><?xml version="1.0" encoding="utf-8"?>
-<p:sld xmlns:a="http://schemas.openxmlformats.org/drawingml/2006/main" xmlns:r="http://schemas.openxmlformats.org/officeDocument/2006/relationships" xmlns:p="http://schemas.openxmlformats.org/presentationml/2006/main">
-  <p:cSld>
-    <p:spTree>
-      <p:nvGrpSpPr>
-        <p:cNvPr id="1" name=""/>
-        <p:cNvGrpSpPr/>
-        <p:nvPr/>
-      </p:nvGrpSpPr>
-      <p:grpSpPr>
-        <a:xfrm>
-          <a:off x="0" y="0"/>
-          <a:ext cx="0" cy="0"/>
-          <a:chOff x="0" y="0"/>
-          <a:chExt cx="0" cy="0"/>
-        </a:xfrm>
-      </p:grpSpPr>
-      <p:sp>
-        <p:nvSpPr>
-          <p:cNvPr id="4" name="文本框 3">
-            <a:extLst>
-              <a:ext uri="{FF2B5EF4-FFF2-40B4-BE49-F238E27FC236}">
-                <a16:creationId xmlns:a16="http://schemas.microsoft.com/office/drawing/2014/main" id="{8F8F54A3-6EAE-4DD0-9F49-32D1491CB0D8}"/>
-              </a:ext>
-            </a:extLst>
-          </p:cNvPr>
-          <p:cNvSpPr txBox="1"/>
-          <p:nvPr/>
-        </p:nvSpPr>
-        <p:spPr>
-          <a:xfrm>
-            <a:off x="1411042" y="289316"/>
-            <a:ext cx="9369915" cy="2888996"/>
-          </a:xfrm>
-          <a:prstGeom prst="rect">
-            <a:avLst/>
-          </a:prstGeom>
-          <a:noFill/>
-        </p:spPr>
-        <p:txBody>
-          <a:bodyPr wrap="square" rtlCol="0">
-            <a:spAutoFit/>
-          </a:bodyPr>
-          <a:lstStyle/>
-          <a:p>
-            <a:pPr>
-              <a:lnSpc>
-                <a:spcPct val="150000"/>
-              </a:lnSpc>
-            </a:pPr>
-            <a:r>
-              <a:rPr lang="zh-CN" altLang="en-US" sz="2800" b="1" dirty="0"/>
-              <a:t>特征组成</a:t>
-            </a:r>
-            <a:endParaRPr lang="en-US" altLang="zh-CN" sz="2800" b="1" dirty="0"/>
-          </a:p>
-          <a:p>
-            <a:pPr>
-              <a:lnSpc>
-                <a:spcPct val="150000"/>
-              </a:lnSpc>
-            </a:pPr>
-            <a:endParaRPr lang="en-US" altLang="zh-CN" sz="2800" b="1" dirty="0"/>
-          </a:p>
-          <a:p>
-            <a:pPr>
-              <a:lnSpc>
-                <a:spcPct val="150000"/>
-              </a:lnSpc>
-            </a:pPr>
-            <a:r>
-              <a:rPr lang="zh-CN" altLang="en-US" sz="2000" dirty="0"/>
-              <a:t>候选特征：直接提取</a:t>
-            </a:r>
-            <a:r>
-              <a:rPr lang="en-US" altLang="zh-CN" sz="2000" dirty="0"/>
-              <a:t>+</a:t>
-            </a:r>
-            <a:r>
-              <a:rPr lang="zh-CN" altLang="en-US" sz="2000" dirty="0"/>
-              <a:t>小波变换重构后的特征</a:t>
-            </a:r>
-            <a:endParaRPr lang="en-US" altLang="zh-CN" sz="2000" dirty="0"/>
-          </a:p>
-          <a:p>
-            <a:pPr>
-              <a:lnSpc>
-                <a:spcPct val="150000"/>
-              </a:lnSpc>
-            </a:pPr>
-            <a:endParaRPr lang="en-US" altLang="zh-CN" sz="2000" dirty="0"/>
-          </a:p>
-          <a:p>
-            <a:pPr>
-              <a:lnSpc>
-                <a:spcPct val="150000"/>
-              </a:lnSpc>
-            </a:pPr>
-            <a:endParaRPr lang="en-US" altLang="zh-CN" sz="2800" b="1" dirty="0"/>
-          </a:p>
-        </p:txBody>
-      </p:sp>
-      <p:pic>
-        <p:nvPicPr>
-          <p:cNvPr id="2" name="图片 1">
-            <a:extLst>
-              <a:ext uri="{FF2B5EF4-FFF2-40B4-BE49-F238E27FC236}">
-                <a16:creationId xmlns:a16="http://schemas.microsoft.com/office/drawing/2014/main" id="{A7DE47ED-86DC-4764-9231-CBE2232E0FC6}"/>
-              </a:ext>
-            </a:extLst>
-          </p:cNvPr>
-          <p:cNvPicPr>
-            <a:picLocks noChangeAspect="1"/>
-          </p:cNvPicPr>
-          <p:nvPr/>
-        </p:nvPicPr>
-        <p:blipFill>
-          <a:blip r:embed="rId2"/>
-          <a:stretch>
-            <a:fillRect/>
-          </a:stretch>
-        </p:blipFill>
-        <p:spPr>
-          <a:xfrm>
-            <a:off x="1054425" y="2530135"/>
-            <a:ext cx="4845629" cy="3718952"/>
-          </a:xfrm>
-          <a:prstGeom prst="rect">
-            <a:avLst/>
-          </a:prstGeom>
-        </p:spPr>
-      </p:pic>
-      <p:pic>
-        <p:nvPicPr>
-          <p:cNvPr id="3" name="图片 2">
-            <a:extLst>
-              <a:ext uri="{FF2B5EF4-FFF2-40B4-BE49-F238E27FC236}">
-                <a16:creationId xmlns:a16="http://schemas.microsoft.com/office/drawing/2014/main" id="{3A86AE4B-EAF4-4DEC-9D94-CFDBEAB929E2}"/>
-              </a:ext>
-            </a:extLst>
-          </p:cNvPr>
-          <p:cNvPicPr>
-            <a:picLocks noChangeAspect="1"/>
-          </p:cNvPicPr>
-          <p:nvPr/>
-        </p:nvPicPr>
-        <p:blipFill>
-          <a:blip r:embed="rId3"/>
-          <a:stretch>
-            <a:fillRect/>
-          </a:stretch>
-        </p:blipFill>
-        <p:spPr>
-          <a:xfrm>
-            <a:off x="6599680" y="2179502"/>
-            <a:ext cx="5153744" cy="4420217"/>
-          </a:xfrm>
-          <a:prstGeom prst="rect">
-            <a:avLst/>
-          </a:prstGeom>
-        </p:spPr>
-      </p:pic>
-    </p:spTree>
-    <p:extLst>
-      <p:ext uri="{BB962C8B-B14F-4D97-AF65-F5344CB8AC3E}">
-        <p14:creationId xmlns:p14="http://schemas.microsoft.com/office/powerpoint/2010/main" val="3750172891"/>
-      </p:ext>
-    </p:extLst>
-  </p:cSld>
-  <p:clrMapOvr>
-    <a:masterClrMapping/>
-  </p:clrMapOvr>
-</p:sld>
-</file>
-
-<file path=ppt/slides/slide20.xml><?xml version="1.0" encoding="utf-8"?>
-<p:sld xmlns:a="http://schemas.openxmlformats.org/drawingml/2006/main" xmlns:r="http://schemas.openxmlformats.org/officeDocument/2006/relationships" xmlns:p="http://schemas.openxmlformats.org/presentationml/2006/main">
-  <p:cSld>
-    <p:spTree>
-      <p:nvGrpSpPr>
-        <p:cNvPr id="1" name=""/>
-        <p:cNvGrpSpPr/>
-        <p:nvPr/>
-      </p:nvGrpSpPr>
-      <p:grpSpPr>
-        <a:xfrm>
-          <a:off x="0" y="0"/>
-          <a:ext cx="0" cy="0"/>
-          <a:chOff x="0" y="0"/>
-          <a:chExt cx="0" cy="0"/>
-        </a:xfrm>
-      </p:grpSpPr>
-      <p:sp>
-        <p:nvSpPr>
-          <p:cNvPr id="12" name="文本框 11">
-            <a:extLst>
-              <a:ext uri="{FF2B5EF4-FFF2-40B4-BE49-F238E27FC236}">
-                <a16:creationId xmlns:a16="http://schemas.microsoft.com/office/drawing/2014/main" id="{0BB1EA3F-A062-FC64-1DFD-C4F1932D8E3B}"/>
-              </a:ext>
-            </a:extLst>
-          </p:cNvPr>
-          <p:cNvSpPr txBox="1"/>
-          <p:nvPr/>
-        </p:nvSpPr>
-        <p:spPr>
-          <a:xfrm>
-            <a:off x="815928" y="387324"/>
-            <a:ext cx="10407468" cy="4585871"/>
-          </a:xfrm>
-          <a:prstGeom prst="rect">
-            <a:avLst/>
-          </a:prstGeom>
-          <a:noFill/>
-        </p:spPr>
-        <p:txBody>
-          <a:bodyPr wrap="square" rtlCol="0">
-            <a:spAutoFit/>
-          </a:bodyPr>
-          <a:lstStyle/>
-          <a:p>
-            <a:r>
-              <a:rPr lang="zh-CN" altLang="en-US" sz="2800" dirty="0">
-                <a:latin typeface="黑体" panose="02010609060101010101" pitchFamily="49" charset="-122"/>
-                <a:ea typeface="黑体" panose="02010609060101010101" pitchFamily="49" charset="-122"/>
-              </a:rPr>
-              <a:t>高频分量的融合规则</a:t>
-            </a:r>
-            <a:endParaRPr lang="en-US" altLang="zh-CN" sz="2800" dirty="0">
-              <a:latin typeface="黑体" panose="02010609060101010101" pitchFamily="49" charset="-122"/>
-              <a:ea typeface="黑体" panose="02010609060101010101" pitchFamily="49" charset="-122"/>
-            </a:endParaRPr>
-          </a:p>
-          <a:p>
-            <a:endParaRPr lang="en-US" altLang="zh-CN" sz="2800" dirty="0"/>
-          </a:p>
-          <a:p>
-            <a:endParaRPr lang="en-US" altLang="zh-CN" sz="2800" dirty="0"/>
-          </a:p>
-          <a:p>
-            <a:r>
-              <a:rPr lang="zh-CN" altLang="en-US" sz="2400" dirty="0"/>
-              <a:t>基于值的规则：</a:t>
-            </a:r>
-            <a:r>
-              <a:rPr lang="zh-CN" altLang="en-US" sz="2400" b="0" i="0" dirty="0">
-                <a:solidFill>
-                  <a:srgbClr val="000000"/>
-                </a:solidFill>
-                <a:effectLst/>
-                <a:latin typeface="+mn-ea"/>
-              </a:rPr>
-              <a:t>同一周期内，对各组分的值进行比较，并选择最大值作为最终值</a:t>
-            </a:r>
-            <a:endParaRPr lang="en-US" altLang="zh-CN" sz="2400" dirty="0">
-              <a:latin typeface="+mn-ea"/>
-            </a:endParaRPr>
-          </a:p>
-          <a:p>
-            <a:endParaRPr lang="en-US" altLang="zh-CN" sz="2800" dirty="0"/>
-          </a:p>
-          <a:p>
-            <a:endParaRPr lang="en-US" altLang="zh-CN" sz="2800" dirty="0"/>
-          </a:p>
-          <a:p>
-            <a:endParaRPr lang="en-US" altLang="zh-CN" sz="2800" dirty="0"/>
-          </a:p>
-          <a:p>
-            <a:endParaRPr lang="en-US" altLang="zh-CN" sz="2800" dirty="0"/>
-          </a:p>
-          <a:p>
-            <a:r>
-              <a:rPr lang="zh-CN" altLang="en-US" sz="2400" dirty="0"/>
-              <a:t>基于窗口的规则：滑动窗口长度为</a:t>
-            </a:r>
-            <a:r>
-              <a:rPr lang="en-US" altLang="zh-CN" sz="2400" dirty="0"/>
-              <a:t>3</a:t>
-            </a:r>
-            <a:r>
-              <a:rPr lang="zh-CN" altLang="en-US" sz="2400" dirty="0"/>
-              <a:t>，计算窗口能量并取最大能量值，得到其在原分量中的位置，选取原分量在该位置的值作为融合后的新高频分量</a:t>
-            </a:r>
-            <a:endParaRPr lang="zh-CN" altLang="en-US" sz="2800" dirty="0"/>
-          </a:p>
-        </p:txBody>
-      </p:sp>
-      <p:pic>
-        <p:nvPicPr>
-          <p:cNvPr id="8" name="图片 7">
-            <a:extLst>
-              <a:ext uri="{FF2B5EF4-FFF2-40B4-BE49-F238E27FC236}">
-                <a16:creationId xmlns:a16="http://schemas.microsoft.com/office/drawing/2014/main" id="{775A204A-8E95-56B5-C354-AAE0C5415143}"/>
-              </a:ext>
-            </a:extLst>
-          </p:cNvPr>
-          <p:cNvPicPr>
-            <a:picLocks noChangeAspect="1"/>
-          </p:cNvPicPr>
-          <p:nvPr/>
-        </p:nvPicPr>
-        <p:blipFill>
-          <a:blip r:embed="rId2"/>
-          <a:stretch>
-            <a:fillRect/>
-          </a:stretch>
-        </p:blipFill>
-        <p:spPr>
-          <a:xfrm>
-            <a:off x="2507182" y="2484436"/>
-            <a:ext cx="8048625" cy="790575"/>
-          </a:xfrm>
-          <a:prstGeom prst="rect">
-            <a:avLst/>
-          </a:prstGeom>
-        </p:spPr>
-      </p:pic>
-      <p:pic>
-        <p:nvPicPr>
-          <p:cNvPr id="10" name="图片 9">
-            <a:extLst>
-              <a:ext uri="{FF2B5EF4-FFF2-40B4-BE49-F238E27FC236}">
-                <a16:creationId xmlns:a16="http://schemas.microsoft.com/office/drawing/2014/main" id="{B1F0A656-AAF7-4030-9EE1-2A3F99BA567F}"/>
-              </a:ext>
-            </a:extLst>
-          </p:cNvPr>
-          <p:cNvPicPr>
-            <a:picLocks noChangeAspect="1"/>
-          </p:cNvPicPr>
-          <p:nvPr/>
-        </p:nvPicPr>
-        <p:blipFill>
-          <a:blip r:embed="rId3"/>
-          <a:stretch>
-            <a:fillRect/>
-          </a:stretch>
-        </p:blipFill>
-        <p:spPr>
-          <a:xfrm>
-            <a:off x="2300287" y="4973195"/>
-            <a:ext cx="7591425" cy="1495425"/>
-          </a:xfrm>
-          <a:prstGeom prst="rect">
-            <a:avLst/>
-          </a:prstGeom>
-        </p:spPr>
-      </p:pic>
-    </p:spTree>
-    <p:extLst>
-      <p:ext uri="{BB962C8B-B14F-4D97-AF65-F5344CB8AC3E}">
-        <p14:creationId xmlns:p14="http://schemas.microsoft.com/office/powerpoint/2010/main" val="2067654167"/>
-      </p:ext>
-    </p:extLst>
-  </p:cSld>
-  <p:clrMapOvr>
-    <a:masterClrMapping/>
-  </p:clrMapOvr>
-</p:sld>
-</file>
-
-<file path=ppt/slides/slide21.xml><?xml version="1.0" encoding="utf-8"?>
-<p:sld xmlns:a="http://schemas.openxmlformats.org/drawingml/2006/main" xmlns:r="http://schemas.openxmlformats.org/officeDocument/2006/relationships" xmlns:p="http://schemas.openxmlformats.org/presentationml/2006/main">
-  <p:cSld>
-    <p:spTree>
-      <p:nvGrpSpPr>
-        <p:cNvPr id="1" name=""/>
-        <p:cNvGrpSpPr/>
-        <p:nvPr/>
-      </p:nvGrpSpPr>
-      <p:grpSpPr>
-        <a:xfrm>
-          <a:off x="0" y="0"/>
-          <a:ext cx="0" cy="0"/>
-          <a:chOff x="0" y="0"/>
-          <a:chExt cx="0" cy="0"/>
-        </a:xfrm>
-      </p:grpSpPr>
-      <p:pic>
-        <p:nvPicPr>
-          <p:cNvPr id="4" name="图片 3">
-            <a:extLst>
-              <a:ext uri="{FF2B5EF4-FFF2-40B4-BE49-F238E27FC236}">
-                <a16:creationId xmlns:a16="http://schemas.microsoft.com/office/drawing/2014/main" id="{75515323-044A-9B83-13AB-86AC6C239FFE}"/>
-              </a:ext>
-            </a:extLst>
-          </p:cNvPr>
-          <p:cNvPicPr>
-            <a:picLocks noChangeAspect="1"/>
-          </p:cNvPicPr>
-          <p:nvPr/>
-        </p:nvPicPr>
-        <p:blipFill>
-          <a:blip r:embed="rId2"/>
-          <a:stretch>
-            <a:fillRect/>
-          </a:stretch>
-        </p:blipFill>
-        <p:spPr>
-          <a:xfrm rot="5400000">
-            <a:off x="5759997" y="1998388"/>
-            <a:ext cx="6355650" cy="2610208"/>
-          </a:xfrm>
-          <a:prstGeom prst="rect">
-            <a:avLst/>
-          </a:prstGeom>
-        </p:spPr>
-      </p:pic>
-      <p:sp>
-        <p:nvSpPr>
-          <p:cNvPr id="5" name="文本框 4">
-            <a:extLst>
-              <a:ext uri="{FF2B5EF4-FFF2-40B4-BE49-F238E27FC236}">
-                <a16:creationId xmlns:a16="http://schemas.microsoft.com/office/drawing/2014/main" id="{317F9ACB-E4E5-6E68-43A1-EA7D32C3493F}"/>
-              </a:ext>
-            </a:extLst>
-          </p:cNvPr>
-          <p:cNvSpPr txBox="1"/>
-          <p:nvPr/>
-        </p:nvSpPr>
-        <p:spPr>
-          <a:xfrm>
-            <a:off x="1598762" y="989162"/>
-            <a:ext cx="5739442" cy="4031873"/>
-          </a:xfrm>
-          <a:prstGeom prst="rect">
-            <a:avLst/>
-          </a:prstGeom>
-          <a:noFill/>
-        </p:spPr>
-        <p:txBody>
-          <a:bodyPr wrap="square" rtlCol="0">
-            <a:spAutoFit/>
-          </a:bodyPr>
-          <a:lstStyle/>
-          <a:p>
-            <a:r>
-              <a:rPr lang="zh-CN" altLang="en-US" sz="2800" b="1" dirty="0">
-                <a:latin typeface="黑体" panose="02010609060101010101" pitchFamily="49" charset="-122"/>
-                <a:ea typeface="黑体" panose="02010609060101010101" pitchFamily="49" charset="-122"/>
-              </a:rPr>
-              <a:t>低频分量</a:t>
-            </a:r>
-            <a:endParaRPr lang="en-US" altLang="zh-CN" sz="2800" b="1" dirty="0">
-              <a:latin typeface="黑体" panose="02010609060101010101" pitchFamily="49" charset="-122"/>
-              <a:ea typeface="黑体" panose="02010609060101010101" pitchFamily="49" charset="-122"/>
-            </a:endParaRPr>
-          </a:p>
-          <a:p>
-            <a:endParaRPr lang="en-US" altLang="zh-CN" sz="2800" b="1" dirty="0">
-              <a:latin typeface="黑体" panose="02010609060101010101" pitchFamily="49" charset="-122"/>
-              <a:ea typeface="黑体" panose="02010609060101010101" pitchFamily="49" charset="-122"/>
-            </a:endParaRPr>
-          </a:p>
-          <a:p>
-            <a:endParaRPr lang="en-US" altLang="zh-CN" sz="2800" b="1" dirty="0">
-              <a:latin typeface="黑体" panose="02010609060101010101" pitchFamily="49" charset="-122"/>
-              <a:ea typeface="黑体" panose="02010609060101010101" pitchFamily="49" charset="-122"/>
-            </a:endParaRPr>
-          </a:p>
-          <a:p>
-            <a:pPr algn="just"/>
-            <a:r>
-              <a:rPr lang="zh-CN" altLang="en-US" sz="2400" i="0" dirty="0">
-                <a:solidFill>
-                  <a:srgbClr val="000000"/>
-                </a:solidFill>
-                <a:effectLst/>
-                <a:latin typeface="等线 Light" panose="02010600030101010101" pitchFamily="2" charset="-122"/>
-                <a:ea typeface="等线 Light" panose="02010600030101010101" pitchFamily="2" charset="-122"/>
-              </a:rPr>
-              <a:t>低频容量数据波动趋势平缓，曲线相对平滑，在一定程度上可以很好地表征锂离子电池容量的退化趋势</a:t>
-            </a:r>
-            <a:endParaRPr lang="en-US" altLang="zh-CN" sz="2400" i="0" dirty="0">
-              <a:solidFill>
-                <a:srgbClr val="000000"/>
-              </a:solidFill>
-              <a:effectLst/>
-              <a:latin typeface="等线 Light" panose="02010600030101010101" pitchFamily="2" charset="-122"/>
-              <a:ea typeface="等线 Light" panose="02010600030101010101" pitchFamily="2" charset="-122"/>
-            </a:endParaRPr>
-          </a:p>
-          <a:p>
-            <a:pPr algn="just"/>
-            <a:endParaRPr lang="zh-CN" altLang="en-US" sz="2400" i="0" dirty="0">
-              <a:solidFill>
-                <a:srgbClr val="000000"/>
-              </a:solidFill>
-              <a:effectLst/>
-              <a:latin typeface="等线 Light" panose="02010600030101010101" pitchFamily="2" charset="-122"/>
-              <a:ea typeface="等线 Light" panose="02010600030101010101" pitchFamily="2" charset="-122"/>
-            </a:endParaRPr>
-          </a:p>
-          <a:p>
-            <a:pPr algn="just"/>
-            <a:r>
-              <a:rPr lang="zh-CN" altLang="en-US" sz="2400" i="0" dirty="0">
-                <a:solidFill>
-                  <a:srgbClr val="000000"/>
-                </a:solidFill>
-                <a:effectLst/>
-                <a:latin typeface="等线 Light" panose="02010600030101010101" pitchFamily="2" charset="-122"/>
-                <a:ea typeface="等线 Light" panose="02010600030101010101" pitchFamily="2" charset="-122"/>
-              </a:rPr>
-              <a:t>采用线性函数作为激活函数，构建少量隐藏层，才能准确预测低频数据</a:t>
-            </a:r>
-          </a:p>
-          <a:p>
-            <a:endParaRPr lang="zh-CN" altLang="en-US" sz="2800" b="1" dirty="0">
-              <a:latin typeface="黑体" panose="02010609060101010101" pitchFamily="49" charset="-122"/>
-              <a:ea typeface="黑体" panose="02010609060101010101" pitchFamily="49" charset="-122"/>
-            </a:endParaRPr>
-          </a:p>
-        </p:txBody>
-      </p:sp>
-    </p:spTree>
-    <p:extLst>
-      <p:ext uri="{BB962C8B-B14F-4D97-AF65-F5344CB8AC3E}">
-        <p14:creationId xmlns:p14="http://schemas.microsoft.com/office/powerpoint/2010/main" val="2598273226"/>
-      </p:ext>
-    </p:extLst>
-  </p:cSld>
-  <p:clrMapOvr>
-    <a:masterClrMapping/>
-  </p:clrMapOvr>
-</p:sld>
-</file>
-
-<file path=ppt/slides/slide22.xml><?xml version="1.0" encoding="utf-8"?>
-<p:sld xmlns:a="http://schemas.openxmlformats.org/drawingml/2006/main" xmlns:r="http://schemas.openxmlformats.org/officeDocument/2006/relationships" xmlns:p="http://schemas.openxmlformats.org/presentationml/2006/main">
-  <p:cSld>
-    <p:spTree>
-      <p:nvGrpSpPr>
-        <p:cNvPr id="1" name=""/>
-        <p:cNvGrpSpPr/>
-        <p:nvPr/>
-      </p:nvGrpSpPr>
-      <p:grpSpPr>
-        <a:xfrm>
-          <a:off x="0" y="0"/>
-          <a:ext cx="0" cy="0"/>
-          <a:chOff x="0" y="0"/>
-          <a:chExt cx="0" cy="0"/>
-        </a:xfrm>
-      </p:grpSpPr>
-      <p:sp>
-        <p:nvSpPr>
-          <p:cNvPr id="5" name="文本框 4">
-            <a:extLst>
-              <a:ext uri="{FF2B5EF4-FFF2-40B4-BE49-F238E27FC236}">
-                <a16:creationId xmlns:a16="http://schemas.microsoft.com/office/drawing/2014/main" id="{317F9ACB-E4E5-6E68-43A1-EA7D32C3493F}"/>
-              </a:ext>
-            </a:extLst>
-          </p:cNvPr>
-          <p:cNvSpPr txBox="1"/>
-          <p:nvPr/>
-        </p:nvSpPr>
-        <p:spPr>
-          <a:xfrm>
-            <a:off x="310551" y="517585"/>
-            <a:ext cx="5739442" cy="1815882"/>
-          </a:xfrm>
-          <a:prstGeom prst="rect">
-            <a:avLst/>
-          </a:prstGeom>
-          <a:noFill/>
-        </p:spPr>
-        <p:txBody>
-          <a:bodyPr wrap="square" rtlCol="0">
-            <a:spAutoFit/>
-          </a:bodyPr>
-          <a:lstStyle/>
-          <a:p>
-            <a:r>
-              <a:rPr lang="zh-CN" altLang="en-US" sz="2800" b="1" dirty="0">
-                <a:latin typeface="黑体" panose="02010609060101010101" pitchFamily="49" charset="-122"/>
-                <a:ea typeface="黑体" panose="02010609060101010101" pitchFamily="49" charset="-122"/>
-              </a:rPr>
-              <a:t>高频分量</a:t>
-            </a:r>
-            <a:endParaRPr lang="en-US" altLang="zh-CN" sz="2800" b="1" dirty="0">
-              <a:latin typeface="黑体" panose="02010609060101010101" pitchFamily="49" charset="-122"/>
-              <a:ea typeface="黑体" panose="02010609060101010101" pitchFamily="49" charset="-122"/>
-            </a:endParaRPr>
-          </a:p>
-          <a:p>
-            <a:endParaRPr lang="en-US" altLang="zh-CN" sz="2800" b="1" dirty="0">
-              <a:latin typeface="黑体" panose="02010609060101010101" pitchFamily="49" charset="-122"/>
-              <a:ea typeface="黑体" panose="02010609060101010101" pitchFamily="49" charset="-122"/>
-            </a:endParaRPr>
-          </a:p>
-          <a:p>
-            <a:endParaRPr lang="en-US" altLang="zh-CN" sz="2800" b="1" dirty="0">
-              <a:latin typeface="黑体" panose="02010609060101010101" pitchFamily="49" charset="-122"/>
-              <a:ea typeface="黑体" panose="02010609060101010101" pitchFamily="49" charset="-122"/>
-            </a:endParaRPr>
-          </a:p>
-          <a:p>
-            <a:endParaRPr lang="zh-CN" altLang="en-US" sz="2800" b="1" dirty="0">
-              <a:latin typeface="黑体" panose="02010609060101010101" pitchFamily="49" charset="-122"/>
-              <a:ea typeface="黑体" panose="02010609060101010101" pitchFamily="49" charset="-122"/>
-            </a:endParaRPr>
-          </a:p>
-        </p:txBody>
-      </p:sp>
-      <p:pic>
-        <p:nvPicPr>
-          <p:cNvPr id="3" name="图片 2">
-            <a:extLst>
-              <a:ext uri="{FF2B5EF4-FFF2-40B4-BE49-F238E27FC236}">
-                <a16:creationId xmlns:a16="http://schemas.microsoft.com/office/drawing/2014/main" id="{E95AD00B-3CB8-E933-2ECA-533723B31D8B}"/>
-              </a:ext>
-            </a:extLst>
-          </p:cNvPr>
-          <p:cNvPicPr>
-            <a:picLocks noChangeAspect="1"/>
-          </p:cNvPicPr>
-          <p:nvPr/>
-        </p:nvPicPr>
-        <p:blipFill>
-          <a:blip r:embed="rId2"/>
-          <a:stretch>
-            <a:fillRect/>
-          </a:stretch>
-        </p:blipFill>
-        <p:spPr>
-          <a:xfrm>
-            <a:off x="4440229" y="92014"/>
-            <a:ext cx="7492195" cy="6438181"/>
-          </a:xfrm>
-          <a:prstGeom prst="rect">
-            <a:avLst/>
-          </a:prstGeom>
-        </p:spPr>
-      </p:pic>
-      <p:pic>
-        <p:nvPicPr>
-          <p:cNvPr id="7" name="图片 6">
-            <a:extLst>
-              <a:ext uri="{FF2B5EF4-FFF2-40B4-BE49-F238E27FC236}">
-                <a16:creationId xmlns:a16="http://schemas.microsoft.com/office/drawing/2014/main" id="{6F82CE97-42B3-348B-7BC3-B5B25608251C}"/>
-              </a:ext>
-            </a:extLst>
-          </p:cNvPr>
-          <p:cNvPicPr>
-            <a:picLocks noChangeAspect="1"/>
-          </p:cNvPicPr>
-          <p:nvPr/>
-        </p:nvPicPr>
-        <p:blipFill>
-          <a:blip r:embed="rId3"/>
-          <a:stretch>
-            <a:fillRect/>
-          </a:stretch>
-        </p:blipFill>
-        <p:spPr>
-          <a:xfrm>
-            <a:off x="714375" y="1425526"/>
-            <a:ext cx="5381625" cy="581025"/>
-          </a:xfrm>
-          <a:prstGeom prst="rect">
-            <a:avLst/>
-          </a:prstGeom>
-        </p:spPr>
-      </p:pic>
-    </p:spTree>
-    <p:extLst>
-      <p:ext uri="{BB962C8B-B14F-4D97-AF65-F5344CB8AC3E}">
-        <p14:creationId xmlns:p14="http://schemas.microsoft.com/office/powerpoint/2010/main" val="3016688648"/>
-      </p:ext>
-    </p:extLst>
-  </p:cSld>
-  <p:clrMapOvr>
-    <a:masterClrMapping/>
-  </p:clrMapOvr>
-</p:sld>
-</file>
-
-<file path=ppt/slides/slide23.xml><?xml version="1.0" encoding="utf-8"?>
-<p:sld xmlns:a="http://schemas.openxmlformats.org/drawingml/2006/main" xmlns:r="http://schemas.openxmlformats.org/officeDocument/2006/relationships" xmlns:p="http://schemas.openxmlformats.org/presentationml/2006/main">
-  <p:cSld>
-    <p:spTree>
-      <p:nvGrpSpPr>
-        <p:cNvPr id="1" name=""/>
-        <p:cNvGrpSpPr/>
-        <p:nvPr/>
-      </p:nvGrpSpPr>
-      <p:grpSpPr>
-        <a:xfrm>
-          <a:off x="0" y="0"/>
-          <a:ext cx="0" cy="0"/>
-          <a:chOff x="0" y="0"/>
-          <a:chExt cx="0" cy="0"/>
-        </a:xfrm>
-      </p:grpSpPr>
-      <p:pic>
-        <p:nvPicPr>
-          <p:cNvPr id="4" name="图片 3">
-            <a:extLst>
-              <a:ext uri="{FF2B5EF4-FFF2-40B4-BE49-F238E27FC236}">
-                <a16:creationId xmlns:a16="http://schemas.microsoft.com/office/drawing/2014/main" id="{6DD0A85B-BA12-AE12-8D62-9AF55CEE195D}"/>
-              </a:ext>
-            </a:extLst>
-          </p:cNvPr>
-          <p:cNvPicPr>
-            <a:picLocks noChangeAspect="1"/>
-          </p:cNvPicPr>
-          <p:nvPr/>
-        </p:nvPicPr>
-        <p:blipFill>
-          <a:blip r:embed="rId2"/>
-          <a:stretch>
-            <a:fillRect/>
-          </a:stretch>
-        </p:blipFill>
-        <p:spPr>
-          <a:xfrm>
-            <a:off x="1104729" y="0"/>
-            <a:ext cx="9982542" cy="6858000"/>
-          </a:xfrm>
-          <a:prstGeom prst="rect">
-            <a:avLst/>
-          </a:prstGeom>
-        </p:spPr>
-      </p:pic>
-    </p:spTree>
-    <p:extLst>
-      <p:ext uri="{BB962C8B-B14F-4D97-AF65-F5344CB8AC3E}">
-        <p14:creationId xmlns:p14="http://schemas.microsoft.com/office/powerpoint/2010/main" val="1321863815"/>
+        <p14:creationId xmlns:p14="http://schemas.microsoft.com/office/powerpoint/2010/main" val="1662126185"/>
       </p:ext>
     </p:extLst>
   </p:cSld>
@@ -13140,8 +13217,8 @@
         </p:blipFill>
         <p:spPr>
           <a:xfrm>
-            <a:off x="2134095" y="2038524"/>
-            <a:ext cx="7923809" cy="2780952"/>
+            <a:off x="874090" y="1287262"/>
+            <a:ext cx="10443820" cy="3665379"/>
           </a:xfrm>
           <a:prstGeom prst="rect">
             <a:avLst/>
@@ -13180,10 +13257,10 @@
       </p:grpSpPr>
       <p:sp>
         <p:nvSpPr>
-          <p:cNvPr id="3" name="文本框 2">
-            <a:extLst>
-              <a:ext uri="{FF2B5EF4-FFF2-40B4-BE49-F238E27FC236}">
-                <a16:creationId xmlns:a16="http://schemas.microsoft.com/office/drawing/2014/main" id="{3D6DBC93-53B0-6024-2AD6-5791227BDA01}"/>
+          <p:cNvPr id="5" name="文本框 4">
+            <a:extLst>
+              <a:ext uri="{FF2B5EF4-FFF2-40B4-BE49-F238E27FC236}">
+                <a16:creationId xmlns:a16="http://schemas.microsoft.com/office/drawing/2014/main" id="{9E499E68-E892-40B7-FEEF-6154862BD509}"/>
               </a:ext>
             </a:extLst>
           </p:cNvPr>
@@ -13192,8 +13269,8 @@
         </p:nvSpPr>
         <p:spPr>
           <a:xfrm>
-            <a:off x="1411042" y="548109"/>
-            <a:ext cx="9369915" cy="4098686"/>
+            <a:off x="851754" y="2037882"/>
+            <a:ext cx="10488489" cy="2827441"/>
           </a:xfrm>
           <a:prstGeom prst="rect">
             <a:avLst/>
@@ -13205,6 +13282,19 @@
             <a:spAutoFit/>
           </a:bodyPr>
           <a:lstStyle/>
+          <a:p>
+            <a:r>
+              <a:rPr lang="en-US" altLang="zh-CN" sz="2800" b="0" i="0" dirty="0">
+                <a:solidFill>
+                  <a:srgbClr val="000000"/>
+                </a:solidFill>
+                <a:effectLst/>
+                <a:latin typeface="Arial" panose="020B0604020202020204" pitchFamily="34" charset="0"/>
+              </a:rPr>
+              <a:t>A hybrid approach based on decomposition algorithm and neural network for remaining useful life prediction of lithium-ion battery</a:t>
+            </a:r>
+            <a:endParaRPr lang="zh-CN" altLang="en-US" sz="2800" dirty="0"/>
+          </a:p>
           <a:p>
             <a:pPr>
               <a:lnSpc>
@@ -13212,10 +13302,9 @@
               </a:lnSpc>
             </a:pPr>
             <a:r>
-              <a:rPr lang="zh-CN" altLang="en-US" sz="2800" b="1" dirty="0"/>
-              <a:t>信号降噪算法</a:t>
-            </a:r>
-            <a:endParaRPr lang="en-US" altLang="zh-CN" sz="2800" b="1" dirty="0"/>
+              <a:rPr lang="en-US" altLang="zh-CN" sz="2800" b="1" dirty="0"/>
+              <a:t>  </a:t>
+            </a:r>
           </a:p>
           <a:p>
             <a:pPr>
@@ -13232,99 +13321,46 @@
               </a:lnSpc>
             </a:pPr>
             <a:r>
-              <a:rPr lang="zh-CN" altLang="en-US" sz="2400" b="1" dirty="0"/>
-              <a:t>小波分析</a:t>
-            </a:r>
-            <a:r>
-              <a:rPr lang="zh-CN" altLang="en-US" sz="2400" dirty="0"/>
-              <a:t>：</a:t>
-            </a:r>
-            <a:r>
-              <a:rPr lang="zh-CN" altLang="en-US" sz="2400" b="0" i="0" dirty="0">
-                <a:solidFill>
-                  <a:srgbClr val="4D4D4D"/>
-                </a:solidFill>
-                <a:effectLst/>
-                <a:latin typeface="-apple-system"/>
-              </a:rPr>
-              <a:t>可以有效地去除高频噪声，并保留信号的低频部分，进行重构之后得到去噪信号</a:t>
-            </a:r>
-            <a:endParaRPr lang="en-US" altLang="zh-CN" sz="2400" b="0" i="0" dirty="0">
-              <a:solidFill>
-                <a:srgbClr val="4D4D4D"/>
-              </a:solidFill>
-              <a:effectLst/>
-              <a:latin typeface="-apple-system"/>
-            </a:endParaRPr>
-          </a:p>
-          <a:p>
-            <a:pPr>
-              <a:lnSpc>
-                <a:spcPct val="150000"/>
-              </a:lnSpc>
-            </a:pPr>
-            <a:endParaRPr lang="en-US" altLang="zh-CN" sz="2400" b="1" dirty="0"/>
-          </a:p>
-          <a:p>
-            <a:pPr>
-              <a:lnSpc>
-                <a:spcPct val="150000"/>
-              </a:lnSpc>
-            </a:pPr>
-            <a:r>
-              <a:rPr lang="zh-CN" altLang="en-US" sz="2400" b="1" dirty="0"/>
-              <a:t>模态分解（</a:t>
-            </a:r>
-            <a:r>
-              <a:rPr lang="en-US" altLang="zh-CN" sz="2400" b="1" dirty="0"/>
-              <a:t>EMD</a:t>
-            </a:r>
-            <a:r>
-              <a:rPr lang="zh-CN" altLang="en-US" sz="2400" b="1" dirty="0"/>
-              <a:t>）</a:t>
-            </a:r>
-            <a:r>
-              <a:rPr lang="zh-CN" altLang="en-US" sz="2400" dirty="0"/>
-              <a:t>：</a:t>
-            </a:r>
-            <a:r>
-              <a:rPr lang="zh-CN" altLang="en-US" sz="2400" b="0" i="0" dirty="0">
-                <a:solidFill>
-                  <a:srgbClr val="4D4D4D"/>
-                </a:solidFill>
-                <a:effectLst/>
-                <a:latin typeface="-apple-system"/>
-              </a:rPr>
-              <a:t>将信号分解为多个不同频率的本征模态函数，不同</a:t>
-            </a:r>
-            <a:r>
-              <a:rPr lang="en-US" altLang="zh-CN" sz="2400" b="0" i="0" dirty="0">
-                <a:solidFill>
-                  <a:srgbClr val="4D4D4D"/>
-                </a:solidFill>
-                <a:effectLst/>
-                <a:latin typeface="-apple-system"/>
-              </a:rPr>
-              <a:t>IMF</a:t>
-            </a:r>
-            <a:r>
-              <a:rPr lang="zh-CN" altLang="en-US" sz="2400" b="0" i="0" dirty="0">
-                <a:solidFill>
-                  <a:srgbClr val="4D4D4D"/>
-                </a:solidFill>
-                <a:effectLst/>
-                <a:latin typeface="-apple-system"/>
-              </a:rPr>
-              <a:t>表示信号在不同频率上的分量</a:t>
-            </a:r>
-            <a:endParaRPr lang="en-US" altLang="zh-CN" sz="2400" dirty="0"/>
-          </a:p>
-        </p:txBody>
-      </p:sp>
+              <a:rPr lang="en-US" altLang="zh-CN" sz="2800" dirty="0"/>
+              <a:t>                                                                                           ——2022</a:t>
+            </a:r>
+          </a:p>
+        </p:txBody>
+      </p:sp>
+      <p:pic>
+        <p:nvPicPr>
+          <p:cNvPr id="6" name="图片 5">
+            <a:extLst>
+              <a:ext uri="{FF2B5EF4-FFF2-40B4-BE49-F238E27FC236}">
+                <a16:creationId xmlns:a16="http://schemas.microsoft.com/office/drawing/2014/main" id="{FA82BBDA-B9D6-AA20-FCDF-133A0EC53044}"/>
+              </a:ext>
+            </a:extLst>
+          </p:cNvPr>
+          <p:cNvPicPr>
+            <a:picLocks noChangeAspect="1"/>
+          </p:cNvPicPr>
+          <p:nvPr/>
+        </p:nvPicPr>
+        <p:blipFill>
+          <a:blip r:embed="rId2"/>
+          <a:stretch>
+            <a:fillRect/>
+          </a:stretch>
+        </p:blipFill>
+        <p:spPr>
+          <a:xfrm>
+            <a:off x="851754" y="470516"/>
+            <a:ext cx="10488489" cy="981212"/>
+          </a:xfrm>
+          <a:prstGeom prst="rect">
+            <a:avLst/>
+          </a:prstGeom>
+        </p:spPr>
+      </p:pic>
     </p:spTree>
     <p:extLst>
       <p:ext uri="{BB962C8B-B14F-4D97-AF65-F5344CB8AC3E}">
-        <p14:creationId xmlns:p14="http://schemas.microsoft.com/office/powerpoint/2010/main" val="1623485351"/>
+        <p14:creationId xmlns:p14="http://schemas.microsoft.com/office/powerpoint/2010/main" val="2178073643"/>
       </p:ext>
     </p:extLst>
   </p:cSld>
